--- a/Dokumentation/Grafiken Unternehmensfähigkeiten.pptx
+++ b/Dokumentation/Grafiken Unternehmensfähigkeiten.pptx
@@ -6,9 +6,10 @@
   </p:sldMasterIdLst>
   <p:sldIdLst>
     <p:sldId id="256" r:id="rId2"/>
+    <p:sldId id="257" r:id="rId3"/>
   </p:sldIdLst>
   <p:sldSz cx="12192000" cy="6858000"/>
-  <p:notesSz cx="6858000" cy="9144000"/>
+  <p:notesSz cx="6797675" cy="9928225"/>
   <p:defaultTextStyle>
     <a:defPPr>
       <a:defRPr lang="de-DE"/>
@@ -107,12 +108,12 @@
   <p:extLst>
     <p:ext uri="{EFAFB233-063F-42B5-8137-9DF3F51BA10A}">
       <p15:sldGuideLst xmlns:p15="http://schemas.microsoft.com/office/powerpoint/2012/main">
-        <p15:guide id="1" orient="horz" pos="799" userDrawn="1">
+        <p15:guide id="1" orient="horz" pos="595" userDrawn="1">
           <p15:clr>
             <a:srgbClr val="A4A3A4"/>
           </p15:clr>
         </p15:guide>
-        <p15:guide id="2" pos="3840" userDrawn="1">
+        <p15:guide id="2" pos="7582" userDrawn="1">
           <p15:clr>
             <a:srgbClr val="A4A3A4"/>
           </p15:clr>
@@ -122,7 +123,7 @@
             <a:srgbClr val="A4A3A4"/>
           </p15:clr>
         </p15:guide>
-        <p15:guide id="4" orient="horz" pos="1480" userDrawn="1">
+        <p15:guide id="4" orient="horz" pos="1253" userDrawn="1">
           <p15:clr>
             <a:srgbClr val="A4A3A4"/>
           </p15:clr>
@@ -132,7 +133,7 @@
             <a:srgbClr val="A4A3A4"/>
           </p15:clr>
         </p15:guide>
-        <p15:guide id="6" orient="horz" pos="2160" userDrawn="1">
+        <p15:guide id="6" orient="horz" pos="2614" userDrawn="1">
           <p15:clr>
             <a:srgbClr val="A4A3A4"/>
           </p15:clr>
@@ -143,6 +144,11 @@
           </p15:clr>
         </p15:guide>
         <p15:guide id="8" orient="horz" pos="3294" userDrawn="1">
+          <p15:clr>
+            <a:srgbClr val="A4A3A4"/>
+          </p15:clr>
+        </p15:guide>
+        <p15:guide id="9" pos="6335" userDrawn="1">
           <p15:clr>
             <a:srgbClr val="A4A3A4"/>
           </p15:clr>
@@ -284,7 +290,7 @@
           <a:p>
             <a:fld id="{D67E706E-9FFF-4B25-B31B-E494BA33FABA}" type="datetimeFigureOut">
               <a:rPr lang="de-DE" smtClean="0"/>
-              <a:t>29.06.2020</a:t>
+              <a:t>25.12.2020</a:t>
             </a:fld>
             <a:endParaRPr lang="de-DE"/>
           </a:p>
@@ -454,7 +460,7 @@
           <a:p>
             <a:fld id="{D67E706E-9FFF-4B25-B31B-E494BA33FABA}" type="datetimeFigureOut">
               <a:rPr lang="de-DE" smtClean="0"/>
-              <a:t>29.06.2020</a:t>
+              <a:t>25.12.2020</a:t>
             </a:fld>
             <a:endParaRPr lang="de-DE"/>
           </a:p>
@@ -634,7 +640,7 @@
           <a:p>
             <a:fld id="{D67E706E-9FFF-4B25-B31B-E494BA33FABA}" type="datetimeFigureOut">
               <a:rPr lang="de-DE" smtClean="0"/>
-              <a:t>29.06.2020</a:t>
+              <a:t>25.12.2020</a:t>
             </a:fld>
             <a:endParaRPr lang="de-DE"/>
           </a:p>
@@ -804,7 +810,7 @@
           <a:p>
             <a:fld id="{D67E706E-9FFF-4B25-B31B-E494BA33FABA}" type="datetimeFigureOut">
               <a:rPr lang="de-DE" smtClean="0"/>
-              <a:t>29.06.2020</a:t>
+              <a:t>25.12.2020</a:t>
             </a:fld>
             <a:endParaRPr lang="de-DE"/>
           </a:p>
@@ -1050,7 +1056,7 @@
           <a:p>
             <a:fld id="{D67E706E-9FFF-4B25-B31B-E494BA33FABA}" type="datetimeFigureOut">
               <a:rPr lang="de-DE" smtClean="0"/>
-              <a:t>29.06.2020</a:t>
+              <a:t>25.12.2020</a:t>
             </a:fld>
             <a:endParaRPr lang="de-DE"/>
           </a:p>
@@ -1282,7 +1288,7 @@
           <a:p>
             <a:fld id="{D67E706E-9FFF-4B25-B31B-E494BA33FABA}" type="datetimeFigureOut">
               <a:rPr lang="de-DE" smtClean="0"/>
-              <a:t>29.06.2020</a:t>
+              <a:t>25.12.2020</a:t>
             </a:fld>
             <a:endParaRPr lang="de-DE"/>
           </a:p>
@@ -1649,7 +1655,7 @@
           <a:p>
             <a:fld id="{D67E706E-9FFF-4B25-B31B-E494BA33FABA}" type="datetimeFigureOut">
               <a:rPr lang="de-DE" smtClean="0"/>
-              <a:t>29.06.2020</a:t>
+              <a:t>25.12.2020</a:t>
             </a:fld>
             <a:endParaRPr lang="de-DE"/>
           </a:p>
@@ -1767,7 +1773,7 @@
           <a:p>
             <a:fld id="{D67E706E-9FFF-4B25-B31B-E494BA33FABA}" type="datetimeFigureOut">
               <a:rPr lang="de-DE" smtClean="0"/>
-              <a:t>29.06.2020</a:t>
+              <a:t>25.12.2020</a:t>
             </a:fld>
             <a:endParaRPr lang="de-DE"/>
           </a:p>
@@ -1862,7 +1868,7 @@
           <a:p>
             <a:fld id="{D67E706E-9FFF-4B25-B31B-E494BA33FABA}" type="datetimeFigureOut">
               <a:rPr lang="de-DE" smtClean="0"/>
-              <a:t>29.06.2020</a:t>
+              <a:t>25.12.2020</a:t>
             </a:fld>
             <a:endParaRPr lang="de-DE"/>
           </a:p>
@@ -2139,7 +2145,7 @@
           <a:p>
             <a:fld id="{D67E706E-9FFF-4B25-B31B-E494BA33FABA}" type="datetimeFigureOut">
               <a:rPr lang="de-DE" smtClean="0"/>
-              <a:t>29.06.2020</a:t>
+              <a:t>25.12.2020</a:t>
             </a:fld>
             <a:endParaRPr lang="de-DE"/>
           </a:p>
@@ -2392,7 +2398,7 @@
           <a:p>
             <a:fld id="{D67E706E-9FFF-4B25-B31B-E494BA33FABA}" type="datetimeFigureOut">
               <a:rPr lang="de-DE" smtClean="0"/>
-              <a:t>29.06.2020</a:t>
+              <a:t>25.12.2020</a:t>
             </a:fld>
             <a:endParaRPr lang="de-DE"/>
           </a:p>
@@ -2605,7 +2611,7 @@
           <a:p>
             <a:fld id="{D67E706E-9FFF-4B25-B31B-E494BA33FABA}" type="datetimeFigureOut">
               <a:rPr lang="de-DE" smtClean="0"/>
-              <a:t>29.06.2020</a:t>
+              <a:t>25.12.2020</a:t>
             </a:fld>
             <a:endParaRPr lang="de-DE"/>
           </a:p>
@@ -4809,6 +4815,2853 @@
 </p:sld>
 </file>
 
+<file path=ppt/slides/slide2.xml><?xml version="1.0" encoding="utf-8"?>
+<p:sld xmlns:a="http://schemas.openxmlformats.org/drawingml/2006/main" xmlns:r="http://schemas.openxmlformats.org/officeDocument/2006/relationships" xmlns:p="http://schemas.openxmlformats.org/presentationml/2006/main">
+  <p:cSld>
+    <p:spTree>
+      <p:nvGrpSpPr>
+        <p:cNvPr id="1" name=""/>
+        <p:cNvGrpSpPr/>
+        <p:nvPr/>
+      </p:nvGrpSpPr>
+      <p:grpSpPr>
+        <a:xfrm>
+          <a:off x="0" y="0"/>
+          <a:ext cx="0" cy="0"/>
+          <a:chOff x="0" y="0"/>
+          <a:chExt cx="0" cy="0"/>
+        </a:xfrm>
+      </p:grpSpPr>
+      <p:grpSp>
+        <p:nvGrpSpPr>
+          <p:cNvPr id="15" name="Gruppieren 14"/>
+          <p:cNvGrpSpPr/>
+          <p:nvPr/>
+        </p:nvGrpSpPr>
+        <p:grpSpPr>
+          <a:xfrm>
+            <a:off x="5096088" y="58893"/>
+            <a:ext cx="1532792" cy="1443789"/>
+            <a:chOff x="1772653" y="561474"/>
+            <a:chExt cx="1532792" cy="1443789"/>
+          </a:xfrm>
+        </p:grpSpPr>
+        <p:grpSp>
+          <p:nvGrpSpPr>
+            <p:cNvPr id="11" name="Gruppieren 10"/>
+            <p:cNvGrpSpPr/>
+            <p:nvPr/>
+          </p:nvGrpSpPr>
+          <p:grpSpPr>
+            <a:xfrm>
+              <a:off x="1772653" y="561474"/>
+              <a:ext cx="1532792" cy="1443789"/>
+              <a:chOff x="1772653" y="561474"/>
+              <a:chExt cx="1532792" cy="1443789"/>
+            </a:xfrm>
+          </p:grpSpPr>
+          <p:sp>
+            <p:nvSpPr>
+              <p:cNvPr id="2" name="Rechteck 1"/>
+              <p:cNvSpPr/>
+              <p:nvPr/>
+            </p:nvSpPr>
+            <p:spPr>
+              <a:xfrm>
+                <a:off x="1772653" y="561474"/>
+                <a:ext cx="1532792" cy="1443789"/>
+              </a:xfrm>
+              <a:prstGeom prst="rect">
+                <a:avLst/>
+              </a:prstGeom>
+              <a:noFill/>
+              <a:ln w="25400">
+                <a:solidFill>
+                  <a:schemeClr val="tx1"/>
+                </a:solidFill>
+              </a:ln>
+            </p:spPr>
+            <p:style>
+              <a:lnRef idx="2">
+                <a:schemeClr val="accent1">
+                  <a:shade val="50000"/>
+                </a:schemeClr>
+              </a:lnRef>
+              <a:fillRef idx="1">
+                <a:schemeClr val="accent1"/>
+              </a:fillRef>
+              <a:effectRef idx="0">
+                <a:schemeClr val="accent1"/>
+              </a:effectRef>
+              <a:fontRef idx="minor">
+                <a:schemeClr val="lt1"/>
+              </a:fontRef>
+            </p:style>
+            <p:txBody>
+              <a:bodyPr rtlCol="0" anchor="ctr"/>
+              <a:lstStyle/>
+              <a:p>
+                <a:pPr algn="ctr"/>
+                <a:endParaRPr lang="de-DE"/>
+              </a:p>
+            </p:txBody>
+          </p:sp>
+          <p:cxnSp>
+            <p:nvCxnSpPr>
+              <p:cNvPr id="6" name="Gerader Verbinder 5"/>
+              <p:cNvCxnSpPr/>
+              <p:nvPr/>
+            </p:nvCxnSpPr>
+            <p:spPr>
+              <a:xfrm>
+                <a:off x="1772653" y="945229"/>
+                <a:ext cx="1532792" cy="7681"/>
+              </a:xfrm>
+              <a:prstGeom prst="line">
+                <a:avLst/>
+              </a:prstGeom>
+              <a:ln w="25400">
+                <a:tailEnd type="none"/>
+              </a:ln>
+            </p:spPr>
+            <p:style>
+              <a:lnRef idx="1">
+                <a:schemeClr val="dk1"/>
+              </a:lnRef>
+              <a:fillRef idx="0">
+                <a:schemeClr val="dk1"/>
+              </a:fillRef>
+              <a:effectRef idx="0">
+                <a:schemeClr val="dk1"/>
+              </a:effectRef>
+              <a:fontRef idx="minor">
+                <a:schemeClr val="tx1"/>
+              </a:fontRef>
+            </p:style>
+          </p:cxnSp>
+          <p:sp>
+            <p:nvSpPr>
+              <p:cNvPr id="7" name="Textfeld 6"/>
+              <p:cNvSpPr txBox="1"/>
+              <p:nvPr/>
+            </p:nvSpPr>
+            <p:spPr>
+              <a:xfrm>
+                <a:off x="1772653" y="561474"/>
+                <a:ext cx="1532792" cy="369332"/>
+              </a:xfrm>
+              <a:prstGeom prst="rect">
+                <a:avLst/>
+              </a:prstGeom>
+              <a:noFill/>
+            </p:spPr>
+            <p:txBody>
+              <a:bodyPr wrap="square" rtlCol="0">
+                <a:spAutoFit/>
+              </a:bodyPr>
+              <a:lstStyle/>
+              <a:p>
+                <a:pPr algn="ctr"/>
+                <a:r>
+                  <a:rPr lang="de-DE" dirty="0" smtClean="0"/>
+                  <a:t>Schlüssel</a:t>
+                </a:r>
+                <a:endParaRPr lang="de-DE" dirty="0"/>
+              </a:p>
+            </p:txBody>
+          </p:sp>
+          <p:sp>
+            <p:nvSpPr>
+              <p:cNvPr id="8" name="Textfeld 7"/>
+              <p:cNvSpPr txBox="1"/>
+              <p:nvPr/>
+            </p:nvSpPr>
+            <p:spPr>
+              <a:xfrm>
+                <a:off x="1772653" y="967333"/>
+                <a:ext cx="1532792" cy="369332"/>
+              </a:xfrm>
+              <a:prstGeom prst="rect">
+                <a:avLst/>
+              </a:prstGeom>
+              <a:noFill/>
+            </p:spPr>
+            <p:txBody>
+              <a:bodyPr wrap="none" rtlCol="0">
+                <a:spAutoFit/>
+              </a:bodyPr>
+              <a:lstStyle/>
+              <a:p>
+                <a:pPr algn="ctr"/>
+                <a:r>
+                  <a:rPr lang="de-DE" dirty="0" smtClean="0"/>
+                  <a:t>Speicherinhalt</a:t>
+                </a:r>
+                <a:endParaRPr lang="de-DE" dirty="0"/>
+              </a:p>
+            </p:txBody>
+          </p:sp>
+        </p:grpSp>
+        <p:sp>
+          <p:nvSpPr>
+            <p:cNvPr id="13" name="Textfeld 12"/>
+            <p:cNvSpPr txBox="1"/>
+            <p:nvPr/>
+          </p:nvSpPr>
+          <p:spPr>
+            <a:xfrm>
+              <a:off x="1801030" y="1340734"/>
+              <a:ext cx="1504415" cy="369332"/>
+            </a:xfrm>
+            <a:prstGeom prst="rect">
+              <a:avLst/>
+            </a:prstGeom>
+            <a:noFill/>
+          </p:spPr>
+          <p:txBody>
+            <a:bodyPr wrap="square" rtlCol="0">
+              <a:spAutoFit/>
+            </a:bodyPr>
+            <a:lstStyle/>
+            <a:p>
+              <a:pPr algn="ctr"/>
+              <a:r>
+                <a:rPr lang="de-DE" dirty="0" smtClean="0"/>
+                <a:t>Kinder</a:t>
+              </a:r>
+              <a:endParaRPr lang="de-DE" dirty="0"/>
+            </a:p>
+          </p:txBody>
+        </p:sp>
+        <p:sp>
+          <p:nvSpPr>
+            <p:cNvPr id="14" name="Textfeld 13"/>
+            <p:cNvSpPr txBox="1"/>
+            <p:nvPr/>
+          </p:nvSpPr>
+          <p:spPr>
+            <a:xfrm>
+              <a:off x="1801030" y="1635931"/>
+              <a:ext cx="1504415" cy="369332"/>
+            </a:xfrm>
+            <a:prstGeom prst="rect">
+              <a:avLst/>
+            </a:prstGeom>
+            <a:noFill/>
+          </p:spPr>
+          <p:txBody>
+            <a:bodyPr wrap="square" rtlCol="0">
+              <a:spAutoFit/>
+            </a:bodyPr>
+            <a:lstStyle/>
+            <a:p>
+              <a:pPr algn="ctr"/>
+              <a:r>
+                <a:rPr lang="de-DE" dirty="0" smtClean="0"/>
+                <a:t>Eltern</a:t>
+              </a:r>
+              <a:endParaRPr lang="de-DE" dirty="0"/>
+            </a:p>
+          </p:txBody>
+        </p:sp>
+      </p:grpSp>
+      <p:grpSp>
+        <p:nvGrpSpPr>
+          <p:cNvPr id="16" name="Gruppieren 15"/>
+          <p:cNvGrpSpPr/>
+          <p:nvPr/>
+        </p:nvGrpSpPr>
+        <p:grpSpPr>
+          <a:xfrm>
+            <a:off x="122054" y="2328700"/>
+            <a:ext cx="1532792" cy="1443789"/>
+            <a:chOff x="1772653" y="561474"/>
+            <a:chExt cx="1532792" cy="1443789"/>
+          </a:xfrm>
+        </p:grpSpPr>
+        <p:grpSp>
+          <p:nvGrpSpPr>
+            <p:cNvPr id="17" name="Gruppieren 16"/>
+            <p:cNvGrpSpPr/>
+            <p:nvPr/>
+          </p:nvGrpSpPr>
+          <p:grpSpPr>
+            <a:xfrm>
+              <a:off x="1772653" y="561474"/>
+              <a:ext cx="1532792" cy="1443789"/>
+              <a:chOff x="1772653" y="561474"/>
+              <a:chExt cx="1532792" cy="1443789"/>
+            </a:xfrm>
+          </p:grpSpPr>
+          <p:sp>
+            <p:nvSpPr>
+              <p:cNvPr id="20" name="Rechteck 19"/>
+              <p:cNvSpPr/>
+              <p:nvPr/>
+            </p:nvSpPr>
+            <p:spPr>
+              <a:xfrm>
+                <a:off x="1772653" y="561474"/>
+                <a:ext cx="1532792" cy="1443789"/>
+              </a:xfrm>
+              <a:prstGeom prst="rect">
+                <a:avLst/>
+              </a:prstGeom>
+              <a:noFill/>
+              <a:ln w="25400">
+                <a:solidFill>
+                  <a:schemeClr val="tx1"/>
+                </a:solidFill>
+              </a:ln>
+            </p:spPr>
+            <p:style>
+              <a:lnRef idx="2">
+                <a:schemeClr val="accent1">
+                  <a:shade val="50000"/>
+                </a:schemeClr>
+              </a:lnRef>
+              <a:fillRef idx="1">
+                <a:schemeClr val="accent1"/>
+              </a:fillRef>
+              <a:effectRef idx="0">
+                <a:schemeClr val="accent1"/>
+              </a:effectRef>
+              <a:fontRef idx="minor">
+                <a:schemeClr val="lt1"/>
+              </a:fontRef>
+            </p:style>
+            <p:txBody>
+              <a:bodyPr rtlCol="0" anchor="ctr"/>
+              <a:lstStyle/>
+              <a:p>
+                <a:pPr algn="ctr"/>
+                <a:endParaRPr lang="de-DE"/>
+              </a:p>
+            </p:txBody>
+          </p:sp>
+          <p:cxnSp>
+            <p:nvCxnSpPr>
+              <p:cNvPr id="21" name="Gerader Verbinder 20"/>
+              <p:cNvCxnSpPr/>
+              <p:nvPr/>
+            </p:nvCxnSpPr>
+            <p:spPr>
+              <a:xfrm>
+                <a:off x="1772653" y="945229"/>
+                <a:ext cx="1532792" cy="7681"/>
+              </a:xfrm>
+              <a:prstGeom prst="line">
+                <a:avLst/>
+              </a:prstGeom>
+              <a:ln w="25400">
+                <a:tailEnd type="none"/>
+              </a:ln>
+            </p:spPr>
+            <p:style>
+              <a:lnRef idx="1">
+                <a:schemeClr val="dk1"/>
+              </a:lnRef>
+              <a:fillRef idx="0">
+                <a:schemeClr val="dk1"/>
+              </a:fillRef>
+              <a:effectRef idx="0">
+                <a:schemeClr val="dk1"/>
+              </a:effectRef>
+              <a:fontRef idx="minor">
+                <a:schemeClr val="tx1"/>
+              </a:fontRef>
+            </p:style>
+          </p:cxnSp>
+          <p:sp>
+            <p:nvSpPr>
+              <p:cNvPr id="22" name="Textfeld 21"/>
+              <p:cNvSpPr txBox="1"/>
+              <p:nvPr/>
+            </p:nvSpPr>
+            <p:spPr>
+              <a:xfrm>
+                <a:off x="1772653" y="561474"/>
+                <a:ext cx="1532792" cy="369332"/>
+              </a:xfrm>
+              <a:prstGeom prst="rect">
+                <a:avLst/>
+              </a:prstGeom>
+              <a:noFill/>
+            </p:spPr>
+            <p:txBody>
+              <a:bodyPr wrap="square" rtlCol="0">
+                <a:spAutoFit/>
+              </a:bodyPr>
+              <a:lstStyle/>
+              <a:p>
+                <a:pPr algn="ctr"/>
+                <a:r>
+                  <a:rPr lang="de-DE" dirty="0" smtClean="0"/>
+                  <a:t>Schlüssel</a:t>
+                </a:r>
+                <a:endParaRPr lang="de-DE" dirty="0"/>
+              </a:p>
+            </p:txBody>
+          </p:sp>
+          <p:sp>
+            <p:nvSpPr>
+              <p:cNvPr id="23" name="Textfeld 22"/>
+              <p:cNvSpPr txBox="1"/>
+              <p:nvPr/>
+            </p:nvSpPr>
+            <p:spPr>
+              <a:xfrm>
+                <a:off x="1772653" y="967333"/>
+                <a:ext cx="1532792" cy="369332"/>
+              </a:xfrm>
+              <a:prstGeom prst="rect">
+                <a:avLst/>
+              </a:prstGeom>
+              <a:noFill/>
+            </p:spPr>
+            <p:txBody>
+              <a:bodyPr wrap="none" rtlCol="0">
+                <a:spAutoFit/>
+              </a:bodyPr>
+              <a:lstStyle/>
+              <a:p>
+                <a:pPr algn="ctr"/>
+                <a:r>
+                  <a:rPr lang="de-DE" dirty="0" smtClean="0"/>
+                  <a:t>Speicherinhalt</a:t>
+                </a:r>
+                <a:endParaRPr lang="de-DE" dirty="0"/>
+              </a:p>
+            </p:txBody>
+          </p:sp>
+        </p:grpSp>
+        <p:sp>
+          <p:nvSpPr>
+            <p:cNvPr id="18" name="Textfeld 17"/>
+            <p:cNvSpPr txBox="1"/>
+            <p:nvPr/>
+          </p:nvSpPr>
+          <p:spPr>
+            <a:xfrm>
+              <a:off x="1801030" y="1340734"/>
+              <a:ext cx="1504415" cy="369332"/>
+            </a:xfrm>
+            <a:prstGeom prst="rect">
+              <a:avLst/>
+            </a:prstGeom>
+            <a:noFill/>
+          </p:spPr>
+          <p:txBody>
+            <a:bodyPr wrap="square" rtlCol="0">
+              <a:spAutoFit/>
+            </a:bodyPr>
+            <a:lstStyle/>
+            <a:p>
+              <a:pPr algn="ctr"/>
+              <a:r>
+                <a:rPr lang="de-DE" dirty="0" smtClean="0"/>
+                <a:t>Kinder</a:t>
+              </a:r>
+              <a:endParaRPr lang="de-DE" dirty="0"/>
+            </a:p>
+          </p:txBody>
+        </p:sp>
+        <p:sp>
+          <p:nvSpPr>
+            <p:cNvPr id="19" name="Textfeld 18"/>
+            <p:cNvSpPr txBox="1"/>
+            <p:nvPr/>
+          </p:nvSpPr>
+          <p:spPr>
+            <a:xfrm>
+              <a:off x="1801030" y="1635931"/>
+              <a:ext cx="1504415" cy="369332"/>
+            </a:xfrm>
+            <a:prstGeom prst="rect">
+              <a:avLst/>
+            </a:prstGeom>
+            <a:noFill/>
+          </p:spPr>
+          <p:txBody>
+            <a:bodyPr wrap="square" rtlCol="0">
+              <a:spAutoFit/>
+            </a:bodyPr>
+            <a:lstStyle/>
+            <a:p>
+              <a:pPr algn="ctr"/>
+              <a:r>
+                <a:rPr lang="de-DE" dirty="0" smtClean="0"/>
+                <a:t>Eltern</a:t>
+              </a:r>
+              <a:endParaRPr lang="de-DE" dirty="0"/>
+            </a:p>
+          </p:txBody>
+        </p:sp>
+      </p:grpSp>
+      <p:grpSp>
+        <p:nvGrpSpPr>
+          <p:cNvPr id="32" name="Gruppieren 31"/>
+          <p:cNvGrpSpPr/>
+          <p:nvPr/>
+        </p:nvGrpSpPr>
+        <p:grpSpPr>
+          <a:xfrm>
+            <a:off x="7058104" y="4486530"/>
+            <a:ext cx="1532792" cy="1443789"/>
+            <a:chOff x="1772653" y="561474"/>
+            <a:chExt cx="1532792" cy="1443789"/>
+          </a:xfrm>
+        </p:grpSpPr>
+        <p:grpSp>
+          <p:nvGrpSpPr>
+            <p:cNvPr id="33" name="Gruppieren 32"/>
+            <p:cNvGrpSpPr/>
+            <p:nvPr/>
+          </p:nvGrpSpPr>
+          <p:grpSpPr>
+            <a:xfrm>
+              <a:off x="1772653" y="561474"/>
+              <a:ext cx="1532792" cy="1443789"/>
+              <a:chOff x="1772653" y="561474"/>
+              <a:chExt cx="1532792" cy="1443789"/>
+            </a:xfrm>
+          </p:grpSpPr>
+          <p:sp>
+            <p:nvSpPr>
+              <p:cNvPr id="36" name="Rechteck 35"/>
+              <p:cNvSpPr/>
+              <p:nvPr/>
+            </p:nvSpPr>
+            <p:spPr>
+              <a:xfrm>
+                <a:off x="1772653" y="561474"/>
+                <a:ext cx="1532792" cy="1443789"/>
+              </a:xfrm>
+              <a:prstGeom prst="rect">
+                <a:avLst/>
+              </a:prstGeom>
+              <a:noFill/>
+              <a:ln w="25400">
+                <a:solidFill>
+                  <a:schemeClr val="tx1"/>
+                </a:solidFill>
+              </a:ln>
+            </p:spPr>
+            <p:style>
+              <a:lnRef idx="2">
+                <a:schemeClr val="accent1">
+                  <a:shade val="50000"/>
+                </a:schemeClr>
+              </a:lnRef>
+              <a:fillRef idx="1">
+                <a:schemeClr val="accent1"/>
+              </a:fillRef>
+              <a:effectRef idx="0">
+                <a:schemeClr val="accent1"/>
+              </a:effectRef>
+              <a:fontRef idx="minor">
+                <a:schemeClr val="lt1"/>
+              </a:fontRef>
+            </p:style>
+            <p:txBody>
+              <a:bodyPr rtlCol="0" anchor="ctr"/>
+              <a:lstStyle/>
+              <a:p>
+                <a:pPr algn="ctr"/>
+                <a:endParaRPr lang="de-DE"/>
+              </a:p>
+            </p:txBody>
+          </p:sp>
+          <p:cxnSp>
+            <p:nvCxnSpPr>
+              <p:cNvPr id="37" name="Gerader Verbinder 36"/>
+              <p:cNvCxnSpPr/>
+              <p:nvPr/>
+            </p:nvCxnSpPr>
+            <p:spPr>
+              <a:xfrm>
+                <a:off x="1772653" y="945229"/>
+                <a:ext cx="1532792" cy="7681"/>
+              </a:xfrm>
+              <a:prstGeom prst="line">
+                <a:avLst/>
+              </a:prstGeom>
+              <a:ln w="25400">
+                <a:tailEnd type="none"/>
+              </a:ln>
+            </p:spPr>
+            <p:style>
+              <a:lnRef idx="1">
+                <a:schemeClr val="dk1"/>
+              </a:lnRef>
+              <a:fillRef idx="0">
+                <a:schemeClr val="dk1"/>
+              </a:fillRef>
+              <a:effectRef idx="0">
+                <a:schemeClr val="dk1"/>
+              </a:effectRef>
+              <a:fontRef idx="minor">
+                <a:schemeClr val="tx1"/>
+              </a:fontRef>
+            </p:style>
+          </p:cxnSp>
+          <p:sp>
+            <p:nvSpPr>
+              <p:cNvPr id="38" name="Textfeld 37"/>
+              <p:cNvSpPr txBox="1"/>
+              <p:nvPr/>
+            </p:nvSpPr>
+            <p:spPr>
+              <a:xfrm>
+                <a:off x="1772653" y="561474"/>
+                <a:ext cx="1532792" cy="369332"/>
+              </a:xfrm>
+              <a:prstGeom prst="rect">
+                <a:avLst/>
+              </a:prstGeom>
+              <a:noFill/>
+            </p:spPr>
+            <p:txBody>
+              <a:bodyPr wrap="square" rtlCol="0">
+                <a:spAutoFit/>
+              </a:bodyPr>
+              <a:lstStyle/>
+              <a:p>
+                <a:pPr algn="ctr"/>
+                <a:r>
+                  <a:rPr lang="de-DE" dirty="0" smtClean="0"/>
+                  <a:t>Schlüssel</a:t>
+                </a:r>
+                <a:endParaRPr lang="de-DE" dirty="0"/>
+              </a:p>
+            </p:txBody>
+          </p:sp>
+          <p:sp>
+            <p:nvSpPr>
+              <p:cNvPr id="39" name="Textfeld 38"/>
+              <p:cNvSpPr txBox="1"/>
+              <p:nvPr/>
+            </p:nvSpPr>
+            <p:spPr>
+              <a:xfrm>
+                <a:off x="1772653" y="967333"/>
+                <a:ext cx="1532792" cy="369332"/>
+              </a:xfrm>
+              <a:prstGeom prst="rect">
+                <a:avLst/>
+              </a:prstGeom>
+              <a:noFill/>
+            </p:spPr>
+            <p:txBody>
+              <a:bodyPr wrap="none" rtlCol="0">
+                <a:spAutoFit/>
+              </a:bodyPr>
+              <a:lstStyle/>
+              <a:p>
+                <a:pPr algn="ctr"/>
+                <a:r>
+                  <a:rPr lang="de-DE" dirty="0" smtClean="0"/>
+                  <a:t>Speicherinhalt</a:t>
+                </a:r>
+                <a:endParaRPr lang="de-DE" dirty="0"/>
+              </a:p>
+            </p:txBody>
+          </p:sp>
+        </p:grpSp>
+        <p:sp>
+          <p:nvSpPr>
+            <p:cNvPr id="34" name="Textfeld 33"/>
+            <p:cNvSpPr txBox="1"/>
+            <p:nvPr/>
+          </p:nvSpPr>
+          <p:spPr>
+            <a:xfrm>
+              <a:off x="1801030" y="1340734"/>
+              <a:ext cx="1504415" cy="369332"/>
+            </a:xfrm>
+            <a:prstGeom prst="rect">
+              <a:avLst/>
+            </a:prstGeom>
+            <a:noFill/>
+          </p:spPr>
+          <p:txBody>
+            <a:bodyPr wrap="square" rtlCol="0">
+              <a:spAutoFit/>
+            </a:bodyPr>
+            <a:lstStyle/>
+            <a:p>
+              <a:pPr algn="ctr"/>
+              <a:r>
+                <a:rPr lang="de-DE" dirty="0" smtClean="0"/>
+                <a:t>Kinder</a:t>
+              </a:r>
+              <a:endParaRPr lang="de-DE" dirty="0"/>
+            </a:p>
+          </p:txBody>
+        </p:sp>
+        <p:sp>
+          <p:nvSpPr>
+            <p:cNvPr id="35" name="Textfeld 34"/>
+            <p:cNvSpPr txBox="1"/>
+            <p:nvPr/>
+          </p:nvSpPr>
+          <p:spPr>
+            <a:xfrm>
+              <a:off x="1801030" y="1635931"/>
+              <a:ext cx="1504415" cy="369332"/>
+            </a:xfrm>
+            <a:prstGeom prst="rect">
+              <a:avLst/>
+            </a:prstGeom>
+            <a:noFill/>
+          </p:spPr>
+          <p:txBody>
+            <a:bodyPr wrap="square" rtlCol="0">
+              <a:spAutoFit/>
+            </a:bodyPr>
+            <a:lstStyle/>
+            <a:p>
+              <a:pPr algn="ctr"/>
+              <a:r>
+                <a:rPr lang="de-DE" dirty="0" smtClean="0"/>
+                <a:t>Eltern</a:t>
+              </a:r>
+              <a:endParaRPr lang="de-DE" dirty="0"/>
+            </a:p>
+          </p:txBody>
+        </p:sp>
+      </p:grpSp>
+      <p:grpSp>
+        <p:nvGrpSpPr>
+          <p:cNvPr id="40" name="Gruppieren 39"/>
+          <p:cNvGrpSpPr/>
+          <p:nvPr/>
+        </p:nvGrpSpPr>
+        <p:grpSpPr>
+          <a:xfrm>
+            <a:off x="5124465" y="4490346"/>
+            <a:ext cx="1532792" cy="1443789"/>
+            <a:chOff x="1772653" y="561474"/>
+            <a:chExt cx="1532792" cy="1443789"/>
+          </a:xfrm>
+        </p:grpSpPr>
+        <p:grpSp>
+          <p:nvGrpSpPr>
+            <p:cNvPr id="41" name="Gruppieren 40"/>
+            <p:cNvGrpSpPr/>
+            <p:nvPr/>
+          </p:nvGrpSpPr>
+          <p:grpSpPr>
+            <a:xfrm>
+              <a:off x="1772653" y="561474"/>
+              <a:ext cx="1532792" cy="1443789"/>
+              <a:chOff x="1772653" y="561474"/>
+              <a:chExt cx="1532792" cy="1443789"/>
+            </a:xfrm>
+          </p:grpSpPr>
+          <p:sp>
+            <p:nvSpPr>
+              <p:cNvPr id="44" name="Rechteck 43"/>
+              <p:cNvSpPr/>
+              <p:nvPr/>
+            </p:nvSpPr>
+            <p:spPr>
+              <a:xfrm>
+                <a:off x="1772653" y="561474"/>
+                <a:ext cx="1532792" cy="1443789"/>
+              </a:xfrm>
+              <a:prstGeom prst="rect">
+                <a:avLst/>
+              </a:prstGeom>
+              <a:noFill/>
+              <a:ln w="25400">
+                <a:solidFill>
+                  <a:schemeClr val="tx1"/>
+                </a:solidFill>
+              </a:ln>
+            </p:spPr>
+            <p:style>
+              <a:lnRef idx="2">
+                <a:schemeClr val="accent1">
+                  <a:shade val="50000"/>
+                </a:schemeClr>
+              </a:lnRef>
+              <a:fillRef idx="1">
+                <a:schemeClr val="accent1"/>
+              </a:fillRef>
+              <a:effectRef idx="0">
+                <a:schemeClr val="accent1"/>
+              </a:effectRef>
+              <a:fontRef idx="minor">
+                <a:schemeClr val="lt1"/>
+              </a:fontRef>
+            </p:style>
+            <p:txBody>
+              <a:bodyPr rtlCol="0" anchor="ctr"/>
+              <a:lstStyle/>
+              <a:p>
+                <a:pPr algn="ctr"/>
+                <a:endParaRPr lang="de-DE"/>
+              </a:p>
+            </p:txBody>
+          </p:sp>
+          <p:cxnSp>
+            <p:nvCxnSpPr>
+              <p:cNvPr id="45" name="Gerader Verbinder 44"/>
+              <p:cNvCxnSpPr/>
+              <p:nvPr/>
+            </p:nvCxnSpPr>
+            <p:spPr>
+              <a:xfrm>
+                <a:off x="1772653" y="945229"/>
+                <a:ext cx="1532792" cy="7681"/>
+              </a:xfrm>
+              <a:prstGeom prst="line">
+                <a:avLst/>
+              </a:prstGeom>
+              <a:ln w="25400">
+                <a:tailEnd type="none"/>
+              </a:ln>
+            </p:spPr>
+            <p:style>
+              <a:lnRef idx="1">
+                <a:schemeClr val="dk1"/>
+              </a:lnRef>
+              <a:fillRef idx="0">
+                <a:schemeClr val="dk1"/>
+              </a:fillRef>
+              <a:effectRef idx="0">
+                <a:schemeClr val="dk1"/>
+              </a:effectRef>
+              <a:fontRef idx="minor">
+                <a:schemeClr val="tx1"/>
+              </a:fontRef>
+            </p:style>
+          </p:cxnSp>
+          <p:sp>
+            <p:nvSpPr>
+              <p:cNvPr id="46" name="Textfeld 45"/>
+              <p:cNvSpPr txBox="1"/>
+              <p:nvPr/>
+            </p:nvSpPr>
+            <p:spPr>
+              <a:xfrm>
+                <a:off x="1772653" y="561474"/>
+                <a:ext cx="1532792" cy="369332"/>
+              </a:xfrm>
+              <a:prstGeom prst="rect">
+                <a:avLst/>
+              </a:prstGeom>
+              <a:noFill/>
+            </p:spPr>
+            <p:txBody>
+              <a:bodyPr wrap="square" rtlCol="0">
+                <a:spAutoFit/>
+              </a:bodyPr>
+              <a:lstStyle/>
+              <a:p>
+                <a:pPr algn="ctr"/>
+                <a:r>
+                  <a:rPr lang="de-DE" dirty="0" smtClean="0"/>
+                  <a:t>Schlüssel</a:t>
+                </a:r>
+                <a:endParaRPr lang="de-DE" dirty="0"/>
+              </a:p>
+            </p:txBody>
+          </p:sp>
+          <p:sp>
+            <p:nvSpPr>
+              <p:cNvPr id="47" name="Textfeld 46"/>
+              <p:cNvSpPr txBox="1"/>
+              <p:nvPr/>
+            </p:nvSpPr>
+            <p:spPr>
+              <a:xfrm>
+                <a:off x="1772653" y="967333"/>
+                <a:ext cx="1532792" cy="369332"/>
+              </a:xfrm>
+              <a:prstGeom prst="rect">
+                <a:avLst/>
+              </a:prstGeom>
+              <a:noFill/>
+            </p:spPr>
+            <p:txBody>
+              <a:bodyPr wrap="none" rtlCol="0">
+                <a:spAutoFit/>
+              </a:bodyPr>
+              <a:lstStyle/>
+              <a:p>
+                <a:pPr algn="ctr"/>
+                <a:r>
+                  <a:rPr lang="de-DE" dirty="0" smtClean="0"/>
+                  <a:t>Speicherinhalt</a:t>
+                </a:r>
+                <a:endParaRPr lang="de-DE" dirty="0"/>
+              </a:p>
+            </p:txBody>
+          </p:sp>
+        </p:grpSp>
+        <p:sp>
+          <p:nvSpPr>
+            <p:cNvPr id="42" name="Textfeld 41"/>
+            <p:cNvSpPr txBox="1"/>
+            <p:nvPr/>
+          </p:nvSpPr>
+          <p:spPr>
+            <a:xfrm>
+              <a:off x="1801030" y="1340734"/>
+              <a:ext cx="1504415" cy="369332"/>
+            </a:xfrm>
+            <a:prstGeom prst="rect">
+              <a:avLst/>
+            </a:prstGeom>
+            <a:noFill/>
+          </p:spPr>
+          <p:txBody>
+            <a:bodyPr wrap="square" rtlCol="0">
+              <a:spAutoFit/>
+            </a:bodyPr>
+            <a:lstStyle/>
+            <a:p>
+              <a:pPr algn="ctr"/>
+              <a:r>
+                <a:rPr lang="de-DE" dirty="0" smtClean="0"/>
+                <a:t>Kinder</a:t>
+              </a:r>
+              <a:endParaRPr lang="de-DE" dirty="0"/>
+            </a:p>
+          </p:txBody>
+        </p:sp>
+        <p:sp>
+          <p:nvSpPr>
+            <p:cNvPr id="43" name="Textfeld 42"/>
+            <p:cNvSpPr txBox="1"/>
+            <p:nvPr/>
+          </p:nvSpPr>
+          <p:spPr>
+            <a:xfrm>
+              <a:off x="1801030" y="1635931"/>
+              <a:ext cx="1504415" cy="369332"/>
+            </a:xfrm>
+            <a:prstGeom prst="rect">
+              <a:avLst/>
+            </a:prstGeom>
+            <a:noFill/>
+          </p:spPr>
+          <p:txBody>
+            <a:bodyPr wrap="square" rtlCol="0">
+              <a:spAutoFit/>
+            </a:bodyPr>
+            <a:lstStyle/>
+            <a:p>
+              <a:pPr algn="ctr"/>
+              <a:r>
+                <a:rPr lang="de-DE" dirty="0" smtClean="0"/>
+                <a:t>Eltern</a:t>
+              </a:r>
+              <a:endParaRPr lang="de-DE" dirty="0"/>
+            </a:p>
+          </p:txBody>
+        </p:sp>
+      </p:grpSp>
+      <p:grpSp>
+        <p:nvGrpSpPr>
+          <p:cNvPr id="48" name="Gruppieren 47"/>
+          <p:cNvGrpSpPr/>
+          <p:nvPr/>
+        </p:nvGrpSpPr>
+        <p:grpSpPr>
+          <a:xfrm>
+            <a:off x="119042" y="4490346"/>
+            <a:ext cx="1532792" cy="1443789"/>
+            <a:chOff x="1772653" y="561474"/>
+            <a:chExt cx="1532792" cy="1443789"/>
+          </a:xfrm>
+        </p:grpSpPr>
+        <p:grpSp>
+          <p:nvGrpSpPr>
+            <p:cNvPr id="49" name="Gruppieren 48"/>
+            <p:cNvGrpSpPr/>
+            <p:nvPr/>
+          </p:nvGrpSpPr>
+          <p:grpSpPr>
+            <a:xfrm>
+              <a:off x="1772653" y="561474"/>
+              <a:ext cx="1532792" cy="1443789"/>
+              <a:chOff x="1772653" y="561474"/>
+              <a:chExt cx="1532792" cy="1443789"/>
+            </a:xfrm>
+          </p:grpSpPr>
+          <p:sp>
+            <p:nvSpPr>
+              <p:cNvPr id="52" name="Rechteck 51"/>
+              <p:cNvSpPr/>
+              <p:nvPr/>
+            </p:nvSpPr>
+            <p:spPr>
+              <a:xfrm>
+                <a:off x="1772653" y="561474"/>
+                <a:ext cx="1532792" cy="1443789"/>
+              </a:xfrm>
+              <a:prstGeom prst="rect">
+                <a:avLst/>
+              </a:prstGeom>
+              <a:noFill/>
+              <a:ln w="25400">
+                <a:solidFill>
+                  <a:schemeClr val="tx1"/>
+                </a:solidFill>
+              </a:ln>
+            </p:spPr>
+            <p:style>
+              <a:lnRef idx="2">
+                <a:schemeClr val="accent1">
+                  <a:shade val="50000"/>
+                </a:schemeClr>
+              </a:lnRef>
+              <a:fillRef idx="1">
+                <a:schemeClr val="accent1"/>
+              </a:fillRef>
+              <a:effectRef idx="0">
+                <a:schemeClr val="accent1"/>
+              </a:effectRef>
+              <a:fontRef idx="minor">
+                <a:schemeClr val="lt1"/>
+              </a:fontRef>
+            </p:style>
+            <p:txBody>
+              <a:bodyPr rtlCol="0" anchor="ctr"/>
+              <a:lstStyle/>
+              <a:p>
+                <a:pPr algn="ctr"/>
+                <a:endParaRPr lang="de-DE"/>
+              </a:p>
+            </p:txBody>
+          </p:sp>
+          <p:cxnSp>
+            <p:nvCxnSpPr>
+              <p:cNvPr id="53" name="Gerader Verbinder 52"/>
+              <p:cNvCxnSpPr/>
+              <p:nvPr/>
+            </p:nvCxnSpPr>
+            <p:spPr>
+              <a:xfrm>
+                <a:off x="1772653" y="945229"/>
+                <a:ext cx="1532792" cy="7681"/>
+              </a:xfrm>
+              <a:prstGeom prst="line">
+                <a:avLst/>
+              </a:prstGeom>
+              <a:ln w="25400">
+                <a:tailEnd type="none"/>
+              </a:ln>
+            </p:spPr>
+            <p:style>
+              <a:lnRef idx="1">
+                <a:schemeClr val="dk1"/>
+              </a:lnRef>
+              <a:fillRef idx="0">
+                <a:schemeClr val="dk1"/>
+              </a:fillRef>
+              <a:effectRef idx="0">
+                <a:schemeClr val="dk1"/>
+              </a:effectRef>
+              <a:fontRef idx="minor">
+                <a:schemeClr val="tx1"/>
+              </a:fontRef>
+            </p:style>
+          </p:cxnSp>
+          <p:sp>
+            <p:nvSpPr>
+              <p:cNvPr id="54" name="Textfeld 53"/>
+              <p:cNvSpPr txBox="1"/>
+              <p:nvPr/>
+            </p:nvSpPr>
+            <p:spPr>
+              <a:xfrm>
+                <a:off x="1772653" y="561474"/>
+                <a:ext cx="1532792" cy="369332"/>
+              </a:xfrm>
+              <a:prstGeom prst="rect">
+                <a:avLst/>
+              </a:prstGeom>
+              <a:noFill/>
+            </p:spPr>
+            <p:txBody>
+              <a:bodyPr wrap="square" rtlCol="0">
+                <a:spAutoFit/>
+              </a:bodyPr>
+              <a:lstStyle/>
+              <a:p>
+                <a:pPr algn="ctr"/>
+                <a:r>
+                  <a:rPr lang="de-DE" dirty="0" smtClean="0"/>
+                  <a:t>Schlüssel</a:t>
+                </a:r>
+                <a:endParaRPr lang="de-DE" dirty="0"/>
+              </a:p>
+            </p:txBody>
+          </p:sp>
+          <p:sp>
+            <p:nvSpPr>
+              <p:cNvPr id="55" name="Textfeld 54"/>
+              <p:cNvSpPr txBox="1"/>
+              <p:nvPr/>
+            </p:nvSpPr>
+            <p:spPr>
+              <a:xfrm>
+                <a:off x="1772653" y="967333"/>
+                <a:ext cx="1532792" cy="369332"/>
+              </a:xfrm>
+              <a:prstGeom prst="rect">
+                <a:avLst/>
+              </a:prstGeom>
+              <a:noFill/>
+            </p:spPr>
+            <p:txBody>
+              <a:bodyPr wrap="none" rtlCol="0">
+                <a:spAutoFit/>
+              </a:bodyPr>
+              <a:lstStyle/>
+              <a:p>
+                <a:pPr algn="ctr"/>
+                <a:r>
+                  <a:rPr lang="de-DE" dirty="0" smtClean="0"/>
+                  <a:t>Speicherinhalt</a:t>
+                </a:r>
+                <a:endParaRPr lang="de-DE" dirty="0"/>
+              </a:p>
+            </p:txBody>
+          </p:sp>
+        </p:grpSp>
+        <p:sp>
+          <p:nvSpPr>
+            <p:cNvPr id="50" name="Textfeld 49"/>
+            <p:cNvSpPr txBox="1"/>
+            <p:nvPr/>
+          </p:nvSpPr>
+          <p:spPr>
+            <a:xfrm>
+              <a:off x="1801030" y="1340734"/>
+              <a:ext cx="1504415" cy="369332"/>
+            </a:xfrm>
+            <a:prstGeom prst="rect">
+              <a:avLst/>
+            </a:prstGeom>
+            <a:noFill/>
+          </p:spPr>
+          <p:txBody>
+            <a:bodyPr wrap="square" rtlCol="0">
+              <a:spAutoFit/>
+            </a:bodyPr>
+            <a:lstStyle/>
+            <a:p>
+              <a:pPr algn="ctr"/>
+              <a:r>
+                <a:rPr lang="de-DE" dirty="0" smtClean="0"/>
+                <a:t>Kinder</a:t>
+              </a:r>
+              <a:endParaRPr lang="de-DE" dirty="0"/>
+            </a:p>
+          </p:txBody>
+        </p:sp>
+        <p:sp>
+          <p:nvSpPr>
+            <p:cNvPr id="51" name="Textfeld 50"/>
+            <p:cNvSpPr txBox="1"/>
+            <p:nvPr/>
+          </p:nvSpPr>
+          <p:spPr>
+            <a:xfrm>
+              <a:off x="1801030" y="1635931"/>
+              <a:ext cx="1504415" cy="369332"/>
+            </a:xfrm>
+            <a:prstGeom prst="rect">
+              <a:avLst/>
+            </a:prstGeom>
+            <a:noFill/>
+          </p:spPr>
+          <p:txBody>
+            <a:bodyPr wrap="square" rtlCol="0">
+              <a:spAutoFit/>
+            </a:bodyPr>
+            <a:lstStyle/>
+            <a:p>
+              <a:pPr algn="ctr"/>
+              <a:r>
+                <a:rPr lang="de-DE" dirty="0" smtClean="0"/>
+                <a:t>Eltern</a:t>
+              </a:r>
+              <a:endParaRPr lang="de-DE" dirty="0"/>
+            </a:p>
+          </p:txBody>
+        </p:sp>
+      </p:grpSp>
+      <p:grpSp>
+        <p:nvGrpSpPr>
+          <p:cNvPr id="56" name="Gruppieren 55"/>
+          <p:cNvGrpSpPr/>
+          <p:nvPr/>
+        </p:nvGrpSpPr>
+        <p:grpSpPr>
+          <a:xfrm>
+            <a:off x="6067147" y="2338399"/>
+            <a:ext cx="1532792" cy="1443789"/>
+            <a:chOff x="1772653" y="561474"/>
+            <a:chExt cx="1532792" cy="1443789"/>
+          </a:xfrm>
+        </p:grpSpPr>
+        <p:grpSp>
+          <p:nvGrpSpPr>
+            <p:cNvPr id="57" name="Gruppieren 56"/>
+            <p:cNvGrpSpPr/>
+            <p:nvPr/>
+          </p:nvGrpSpPr>
+          <p:grpSpPr>
+            <a:xfrm>
+              <a:off x="1772653" y="561474"/>
+              <a:ext cx="1532792" cy="1443789"/>
+              <a:chOff x="1772653" y="561474"/>
+              <a:chExt cx="1532792" cy="1443789"/>
+            </a:xfrm>
+          </p:grpSpPr>
+          <p:sp>
+            <p:nvSpPr>
+              <p:cNvPr id="60" name="Rechteck 59"/>
+              <p:cNvSpPr/>
+              <p:nvPr/>
+            </p:nvSpPr>
+            <p:spPr>
+              <a:xfrm>
+                <a:off x="1772653" y="561474"/>
+                <a:ext cx="1532792" cy="1443789"/>
+              </a:xfrm>
+              <a:prstGeom prst="rect">
+                <a:avLst/>
+              </a:prstGeom>
+              <a:noFill/>
+              <a:ln w="25400">
+                <a:solidFill>
+                  <a:schemeClr val="tx1"/>
+                </a:solidFill>
+              </a:ln>
+            </p:spPr>
+            <p:style>
+              <a:lnRef idx="2">
+                <a:schemeClr val="accent1">
+                  <a:shade val="50000"/>
+                </a:schemeClr>
+              </a:lnRef>
+              <a:fillRef idx="1">
+                <a:schemeClr val="accent1"/>
+              </a:fillRef>
+              <a:effectRef idx="0">
+                <a:schemeClr val="accent1"/>
+              </a:effectRef>
+              <a:fontRef idx="minor">
+                <a:schemeClr val="lt1"/>
+              </a:fontRef>
+            </p:style>
+            <p:txBody>
+              <a:bodyPr rtlCol="0" anchor="ctr"/>
+              <a:lstStyle/>
+              <a:p>
+                <a:pPr algn="ctr"/>
+                <a:endParaRPr lang="de-DE"/>
+              </a:p>
+            </p:txBody>
+          </p:sp>
+          <p:cxnSp>
+            <p:nvCxnSpPr>
+              <p:cNvPr id="61" name="Gerader Verbinder 60"/>
+              <p:cNvCxnSpPr/>
+              <p:nvPr/>
+            </p:nvCxnSpPr>
+            <p:spPr>
+              <a:xfrm>
+                <a:off x="1772653" y="945229"/>
+                <a:ext cx="1532792" cy="7681"/>
+              </a:xfrm>
+              <a:prstGeom prst="line">
+                <a:avLst/>
+              </a:prstGeom>
+              <a:ln w="25400">
+                <a:tailEnd type="none"/>
+              </a:ln>
+            </p:spPr>
+            <p:style>
+              <a:lnRef idx="1">
+                <a:schemeClr val="dk1"/>
+              </a:lnRef>
+              <a:fillRef idx="0">
+                <a:schemeClr val="dk1"/>
+              </a:fillRef>
+              <a:effectRef idx="0">
+                <a:schemeClr val="dk1"/>
+              </a:effectRef>
+              <a:fontRef idx="minor">
+                <a:schemeClr val="tx1"/>
+              </a:fontRef>
+            </p:style>
+          </p:cxnSp>
+          <p:sp>
+            <p:nvSpPr>
+              <p:cNvPr id="62" name="Textfeld 61"/>
+              <p:cNvSpPr txBox="1"/>
+              <p:nvPr/>
+            </p:nvSpPr>
+            <p:spPr>
+              <a:xfrm>
+                <a:off x="1772653" y="561474"/>
+                <a:ext cx="1532792" cy="369332"/>
+              </a:xfrm>
+              <a:prstGeom prst="rect">
+                <a:avLst/>
+              </a:prstGeom>
+              <a:noFill/>
+            </p:spPr>
+            <p:txBody>
+              <a:bodyPr wrap="square" rtlCol="0">
+                <a:spAutoFit/>
+              </a:bodyPr>
+              <a:lstStyle/>
+              <a:p>
+                <a:pPr algn="ctr"/>
+                <a:r>
+                  <a:rPr lang="de-DE" dirty="0" smtClean="0"/>
+                  <a:t>Schlüssel</a:t>
+                </a:r>
+                <a:endParaRPr lang="de-DE" dirty="0"/>
+              </a:p>
+            </p:txBody>
+          </p:sp>
+          <p:sp>
+            <p:nvSpPr>
+              <p:cNvPr id="63" name="Textfeld 62"/>
+              <p:cNvSpPr txBox="1"/>
+              <p:nvPr/>
+            </p:nvSpPr>
+            <p:spPr>
+              <a:xfrm>
+                <a:off x="1772653" y="967333"/>
+                <a:ext cx="1532792" cy="369332"/>
+              </a:xfrm>
+              <a:prstGeom prst="rect">
+                <a:avLst/>
+              </a:prstGeom>
+              <a:noFill/>
+            </p:spPr>
+            <p:txBody>
+              <a:bodyPr wrap="none" rtlCol="0">
+                <a:spAutoFit/>
+              </a:bodyPr>
+              <a:lstStyle/>
+              <a:p>
+                <a:pPr algn="ctr"/>
+                <a:r>
+                  <a:rPr lang="de-DE" dirty="0" smtClean="0"/>
+                  <a:t>Speicherinhalt</a:t>
+                </a:r>
+                <a:endParaRPr lang="de-DE" dirty="0"/>
+              </a:p>
+            </p:txBody>
+          </p:sp>
+        </p:grpSp>
+        <p:sp>
+          <p:nvSpPr>
+            <p:cNvPr id="58" name="Textfeld 57"/>
+            <p:cNvSpPr txBox="1"/>
+            <p:nvPr/>
+          </p:nvSpPr>
+          <p:spPr>
+            <a:xfrm>
+              <a:off x="1801030" y="1340734"/>
+              <a:ext cx="1504415" cy="369332"/>
+            </a:xfrm>
+            <a:prstGeom prst="rect">
+              <a:avLst/>
+            </a:prstGeom>
+            <a:noFill/>
+          </p:spPr>
+          <p:txBody>
+            <a:bodyPr wrap="square" rtlCol="0">
+              <a:spAutoFit/>
+            </a:bodyPr>
+            <a:lstStyle/>
+            <a:p>
+              <a:pPr algn="ctr"/>
+              <a:r>
+                <a:rPr lang="de-DE" dirty="0" smtClean="0"/>
+                <a:t>Kinder</a:t>
+              </a:r>
+              <a:endParaRPr lang="de-DE" dirty="0"/>
+            </a:p>
+          </p:txBody>
+        </p:sp>
+        <p:sp>
+          <p:nvSpPr>
+            <p:cNvPr id="59" name="Textfeld 58"/>
+            <p:cNvSpPr txBox="1"/>
+            <p:nvPr/>
+          </p:nvSpPr>
+          <p:spPr>
+            <a:xfrm>
+              <a:off x="1801030" y="1635931"/>
+              <a:ext cx="1504415" cy="369332"/>
+            </a:xfrm>
+            <a:prstGeom prst="rect">
+              <a:avLst/>
+            </a:prstGeom>
+            <a:noFill/>
+          </p:spPr>
+          <p:txBody>
+            <a:bodyPr wrap="square" rtlCol="0">
+              <a:spAutoFit/>
+            </a:bodyPr>
+            <a:lstStyle/>
+            <a:p>
+              <a:pPr algn="ctr"/>
+              <a:r>
+                <a:rPr lang="de-DE" dirty="0" smtClean="0"/>
+                <a:t>Eltern</a:t>
+              </a:r>
+              <a:endParaRPr lang="de-DE" dirty="0"/>
+            </a:p>
+          </p:txBody>
+        </p:sp>
+      </p:grpSp>
+      <p:grpSp>
+        <p:nvGrpSpPr>
+          <p:cNvPr id="64" name="Gruppieren 63"/>
+          <p:cNvGrpSpPr/>
+          <p:nvPr/>
+        </p:nvGrpSpPr>
+        <p:grpSpPr>
+          <a:xfrm>
+            <a:off x="3029979" y="2315399"/>
+            <a:ext cx="1532792" cy="1443789"/>
+            <a:chOff x="1772653" y="561474"/>
+            <a:chExt cx="1532792" cy="1443789"/>
+          </a:xfrm>
+        </p:grpSpPr>
+        <p:grpSp>
+          <p:nvGrpSpPr>
+            <p:cNvPr id="65" name="Gruppieren 64"/>
+            <p:cNvGrpSpPr/>
+            <p:nvPr/>
+          </p:nvGrpSpPr>
+          <p:grpSpPr>
+            <a:xfrm>
+              <a:off x="1772653" y="561474"/>
+              <a:ext cx="1532792" cy="1443789"/>
+              <a:chOff x="1772653" y="561474"/>
+              <a:chExt cx="1532792" cy="1443789"/>
+            </a:xfrm>
+          </p:grpSpPr>
+          <p:sp>
+            <p:nvSpPr>
+              <p:cNvPr id="68" name="Rechteck 67"/>
+              <p:cNvSpPr/>
+              <p:nvPr/>
+            </p:nvSpPr>
+            <p:spPr>
+              <a:xfrm>
+                <a:off x="1772653" y="561474"/>
+                <a:ext cx="1532792" cy="1443789"/>
+              </a:xfrm>
+              <a:prstGeom prst="rect">
+                <a:avLst/>
+              </a:prstGeom>
+              <a:noFill/>
+              <a:ln w="25400">
+                <a:solidFill>
+                  <a:schemeClr val="tx1"/>
+                </a:solidFill>
+              </a:ln>
+            </p:spPr>
+            <p:style>
+              <a:lnRef idx="2">
+                <a:schemeClr val="accent1">
+                  <a:shade val="50000"/>
+                </a:schemeClr>
+              </a:lnRef>
+              <a:fillRef idx="1">
+                <a:schemeClr val="accent1"/>
+              </a:fillRef>
+              <a:effectRef idx="0">
+                <a:schemeClr val="accent1"/>
+              </a:effectRef>
+              <a:fontRef idx="minor">
+                <a:schemeClr val="lt1"/>
+              </a:fontRef>
+            </p:style>
+            <p:txBody>
+              <a:bodyPr rtlCol="0" anchor="ctr"/>
+              <a:lstStyle/>
+              <a:p>
+                <a:pPr algn="ctr"/>
+                <a:endParaRPr lang="de-DE"/>
+              </a:p>
+            </p:txBody>
+          </p:sp>
+          <p:cxnSp>
+            <p:nvCxnSpPr>
+              <p:cNvPr id="69" name="Gerader Verbinder 68"/>
+              <p:cNvCxnSpPr/>
+              <p:nvPr/>
+            </p:nvCxnSpPr>
+            <p:spPr>
+              <a:xfrm>
+                <a:off x="1772653" y="945229"/>
+                <a:ext cx="1532792" cy="7681"/>
+              </a:xfrm>
+              <a:prstGeom prst="line">
+                <a:avLst/>
+              </a:prstGeom>
+              <a:ln w="25400">
+                <a:tailEnd type="none"/>
+              </a:ln>
+            </p:spPr>
+            <p:style>
+              <a:lnRef idx="1">
+                <a:schemeClr val="dk1"/>
+              </a:lnRef>
+              <a:fillRef idx="0">
+                <a:schemeClr val="dk1"/>
+              </a:fillRef>
+              <a:effectRef idx="0">
+                <a:schemeClr val="dk1"/>
+              </a:effectRef>
+              <a:fontRef idx="minor">
+                <a:schemeClr val="tx1"/>
+              </a:fontRef>
+            </p:style>
+          </p:cxnSp>
+          <p:sp>
+            <p:nvSpPr>
+              <p:cNvPr id="70" name="Textfeld 69"/>
+              <p:cNvSpPr txBox="1"/>
+              <p:nvPr/>
+            </p:nvSpPr>
+            <p:spPr>
+              <a:xfrm>
+                <a:off x="1772653" y="561474"/>
+                <a:ext cx="1532792" cy="369332"/>
+              </a:xfrm>
+              <a:prstGeom prst="rect">
+                <a:avLst/>
+              </a:prstGeom>
+              <a:noFill/>
+            </p:spPr>
+            <p:txBody>
+              <a:bodyPr wrap="square" rtlCol="0">
+                <a:spAutoFit/>
+              </a:bodyPr>
+              <a:lstStyle/>
+              <a:p>
+                <a:pPr algn="ctr"/>
+                <a:r>
+                  <a:rPr lang="de-DE" dirty="0" smtClean="0"/>
+                  <a:t>Schlüssel</a:t>
+                </a:r>
+                <a:endParaRPr lang="de-DE" dirty="0"/>
+              </a:p>
+            </p:txBody>
+          </p:sp>
+          <p:sp>
+            <p:nvSpPr>
+              <p:cNvPr id="71" name="Textfeld 70"/>
+              <p:cNvSpPr txBox="1"/>
+              <p:nvPr/>
+            </p:nvSpPr>
+            <p:spPr>
+              <a:xfrm>
+                <a:off x="1772653" y="967333"/>
+                <a:ext cx="1532792" cy="369332"/>
+              </a:xfrm>
+              <a:prstGeom prst="rect">
+                <a:avLst/>
+              </a:prstGeom>
+              <a:noFill/>
+            </p:spPr>
+            <p:txBody>
+              <a:bodyPr wrap="none" rtlCol="0">
+                <a:spAutoFit/>
+              </a:bodyPr>
+              <a:lstStyle/>
+              <a:p>
+                <a:pPr algn="ctr"/>
+                <a:r>
+                  <a:rPr lang="de-DE" dirty="0" smtClean="0"/>
+                  <a:t>Speicherinhalt</a:t>
+                </a:r>
+                <a:endParaRPr lang="de-DE" dirty="0"/>
+              </a:p>
+            </p:txBody>
+          </p:sp>
+        </p:grpSp>
+        <p:sp>
+          <p:nvSpPr>
+            <p:cNvPr id="66" name="Textfeld 65"/>
+            <p:cNvSpPr txBox="1"/>
+            <p:nvPr/>
+          </p:nvSpPr>
+          <p:spPr>
+            <a:xfrm>
+              <a:off x="1801030" y="1340734"/>
+              <a:ext cx="1504415" cy="369332"/>
+            </a:xfrm>
+            <a:prstGeom prst="rect">
+              <a:avLst/>
+            </a:prstGeom>
+            <a:noFill/>
+          </p:spPr>
+          <p:txBody>
+            <a:bodyPr wrap="square" rtlCol="0">
+              <a:spAutoFit/>
+            </a:bodyPr>
+            <a:lstStyle/>
+            <a:p>
+              <a:pPr algn="ctr"/>
+              <a:r>
+                <a:rPr lang="de-DE" dirty="0" smtClean="0"/>
+                <a:t>Kinder</a:t>
+              </a:r>
+              <a:endParaRPr lang="de-DE" dirty="0"/>
+            </a:p>
+          </p:txBody>
+        </p:sp>
+        <p:sp>
+          <p:nvSpPr>
+            <p:cNvPr id="67" name="Textfeld 66"/>
+            <p:cNvSpPr txBox="1"/>
+            <p:nvPr/>
+          </p:nvSpPr>
+          <p:spPr>
+            <a:xfrm>
+              <a:off x="1801030" y="1635931"/>
+              <a:ext cx="1504415" cy="369332"/>
+            </a:xfrm>
+            <a:prstGeom prst="rect">
+              <a:avLst/>
+            </a:prstGeom>
+            <a:noFill/>
+          </p:spPr>
+          <p:txBody>
+            <a:bodyPr wrap="square" rtlCol="0">
+              <a:spAutoFit/>
+            </a:bodyPr>
+            <a:lstStyle/>
+            <a:p>
+              <a:pPr algn="ctr"/>
+              <a:r>
+                <a:rPr lang="de-DE" dirty="0" smtClean="0"/>
+                <a:t>Eltern</a:t>
+              </a:r>
+              <a:endParaRPr lang="de-DE" dirty="0"/>
+            </a:p>
+          </p:txBody>
+        </p:sp>
+      </p:grpSp>
+      <p:cxnSp>
+        <p:nvCxnSpPr>
+          <p:cNvPr id="73" name="Gerader Verbinder 72"/>
+          <p:cNvCxnSpPr>
+            <a:stCxn id="2" idx="2"/>
+            <a:endCxn id="20" idx="0"/>
+          </p:cNvCxnSpPr>
+          <p:nvPr/>
+        </p:nvCxnSpPr>
+        <p:spPr>
+          <a:xfrm flipH="1">
+            <a:off x="888450" y="1502682"/>
+            <a:ext cx="4974034" cy="826018"/>
+          </a:xfrm>
+          <a:prstGeom prst="line">
+            <a:avLst/>
+          </a:prstGeom>
+          <a:ln w="25400">
+            <a:tailEnd type="none"/>
+          </a:ln>
+        </p:spPr>
+        <p:style>
+          <a:lnRef idx="1">
+            <a:schemeClr val="dk1"/>
+          </a:lnRef>
+          <a:fillRef idx="0">
+            <a:schemeClr val="dk1"/>
+          </a:fillRef>
+          <a:effectRef idx="0">
+            <a:schemeClr val="dk1"/>
+          </a:effectRef>
+          <a:fontRef idx="minor">
+            <a:schemeClr val="tx1"/>
+          </a:fontRef>
+        </p:style>
+      </p:cxnSp>
+      <p:cxnSp>
+        <p:nvCxnSpPr>
+          <p:cNvPr id="75" name="Gerader Verbinder 74"/>
+          <p:cNvCxnSpPr>
+            <a:stCxn id="14" idx="2"/>
+            <a:endCxn id="68" idx="0"/>
+          </p:cNvCxnSpPr>
+          <p:nvPr/>
+        </p:nvCxnSpPr>
+        <p:spPr>
+          <a:xfrm flipH="1">
+            <a:off x="3796375" y="1502682"/>
+            <a:ext cx="2080298" cy="812717"/>
+          </a:xfrm>
+          <a:prstGeom prst="line">
+            <a:avLst/>
+          </a:prstGeom>
+          <a:ln w="25400">
+            <a:tailEnd type="none"/>
+          </a:ln>
+        </p:spPr>
+        <p:style>
+          <a:lnRef idx="1">
+            <a:schemeClr val="dk1"/>
+          </a:lnRef>
+          <a:fillRef idx="0">
+            <a:schemeClr val="dk1"/>
+          </a:fillRef>
+          <a:effectRef idx="0">
+            <a:schemeClr val="dk1"/>
+          </a:effectRef>
+          <a:fontRef idx="minor">
+            <a:schemeClr val="tx1"/>
+          </a:fontRef>
+        </p:style>
+      </p:cxnSp>
+      <p:cxnSp>
+        <p:nvCxnSpPr>
+          <p:cNvPr id="77" name="Gerader Verbinder 76"/>
+          <p:cNvCxnSpPr>
+            <a:stCxn id="2" idx="2"/>
+            <a:endCxn id="62" idx="0"/>
+          </p:cNvCxnSpPr>
+          <p:nvPr/>
+        </p:nvCxnSpPr>
+        <p:spPr>
+          <a:xfrm>
+            <a:off x="5862484" y="1502682"/>
+            <a:ext cx="971059" cy="835717"/>
+          </a:xfrm>
+          <a:prstGeom prst="line">
+            <a:avLst/>
+          </a:prstGeom>
+          <a:ln w="25400">
+            <a:tailEnd type="none"/>
+          </a:ln>
+        </p:spPr>
+        <p:style>
+          <a:lnRef idx="1">
+            <a:schemeClr val="dk1"/>
+          </a:lnRef>
+          <a:fillRef idx="0">
+            <a:schemeClr val="dk1"/>
+          </a:fillRef>
+          <a:effectRef idx="0">
+            <a:schemeClr val="dk1"/>
+          </a:effectRef>
+          <a:fontRef idx="minor">
+            <a:schemeClr val="tx1"/>
+          </a:fontRef>
+        </p:style>
+      </p:cxnSp>
+      <p:cxnSp>
+        <p:nvCxnSpPr>
+          <p:cNvPr id="79" name="Gerader Verbinder 78"/>
+          <p:cNvCxnSpPr>
+            <a:stCxn id="20" idx="2"/>
+            <a:endCxn id="52" idx="0"/>
+          </p:cNvCxnSpPr>
+          <p:nvPr/>
+        </p:nvCxnSpPr>
+        <p:spPr>
+          <a:xfrm flipH="1">
+            <a:off x="885438" y="3772489"/>
+            <a:ext cx="3012" cy="717857"/>
+          </a:xfrm>
+          <a:prstGeom prst="line">
+            <a:avLst/>
+          </a:prstGeom>
+          <a:ln w="25400">
+            <a:tailEnd type="none"/>
+          </a:ln>
+        </p:spPr>
+        <p:style>
+          <a:lnRef idx="1">
+            <a:schemeClr val="dk1"/>
+          </a:lnRef>
+          <a:fillRef idx="0">
+            <a:schemeClr val="dk1"/>
+          </a:fillRef>
+          <a:effectRef idx="0">
+            <a:schemeClr val="dk1"/>
+          </a:effectRef>
+          <a:fontRef idx="minor">
+            <a:schemeClr val="tx1"/>
+          </a:fontRef>
+        </p:style>
+      </p:cxnSp>
+      <p:cxnSp>
+        <p:nvCxnSpPr>
+          <p:cNvPr id="81" name="Gerader Verbinder 80"/>
+          <p:cNvCxnSpPr>
+            <a:stCxn id="60" idx="2"/>
+            <a:endCxn id="44" idx="0"/>
+          </p:cNvCxnSpPr>
+          <p:nvPr/>
+        </p:nvCxnSpPr>
+        <p:spPr>
+          <a:xfrm flipH="1">
+            <a:off x="5890861" y="3782188"/>
+            <a:ext cx="942682" cy="708158"/>
+          </a:xfrm>
+          <a:prstGeom prst="line">
+            <a:avLst/>
+          </a:prstGeom>
+          <a:ln w="25400">
+            <a:tailEnd type="none"/>
+          </a:ln>
+        </p:spPr>
+        <p:style>
+          <a:lnRef idx="1">
+            <a:schemeClr val="dk1"/>
+          </a:lnRef>
+          <a:fillRef idx="0">
+            <a:schemeClr val="dk1"/>
+          </a:fillRef>
+          <a:effectRef idx="0">
+            <a:schemeClr val="dk1"/>
+          </a:effectRef>
+          <a:fontRef idx="minor">
+            <a:schemeClr val="tx1"/>
+          </a:fontRef>
+        </p:style>
+      </p:cxnSp>
+      <p:cxnSp>
+        <p:nvCxnSpPr>
+          <p:cNvPr id="83" name="Gerader Verbinder 82"/>
+          <p:cNvCxnSpPr>
+            <a:stCxn id="60" idx="2"/>
+            <a:endCxn id="38" idx="0"/>
+          </p:cNvCxnSpPr>
+          <p:nvPr/>
+        </p:nvCxnSpPr>
+        <p:spPr>
+          <a:xfrm>
+            <a:off x="6833543" y="3782188"/>
+            <a:ext cx="990957" cy="704342"/>
+          </a:xfrm>
+          <a:prstGeom prst="line">
+            <a:avLst/>
+          </a:prstGeom>
+          <a:ln w="25400">
+            <a:tailEnd type="none"/>
+          </a:ln>
+        </p:spPr>
+        <p:style>
+          <a:lnRef idx="1">
+            <a:schemeClr val="dk1"/>
+          </a:lnRef>
+          <a:fillRef idx="0">
+            <a:schemeClr val="dk1"/>
+          </a:fillRef>
+          <a:effectRef idx="0">
+            <a:schemeClr val="dk1"/>
+          </a:effectRef>
+          <a:fontRef idx="minor">
+            <a:schemeClr val="tx1"/>
+          </a:fontRef>
+        </p:style>
+      </p:cxnSp>
+      <p:cxnSp>
+        <p:nvCxnSpPr>
+          <p:cNvPr id="85" name="Gerader Verbinder 84"/>
+          <p:cNvCxnSpPr/>
+          <p:nvPr/>
+        </p:nvCxnSpPr>
+        <p:spPr>
+          <a:xfrm>
+            <a:off x="0" y="1989138"/>
+            <a:ext cx="11823290" cy="0"/>
+          </a:xfrm>
+          <a:prstGeom prst="line">
+            <a:avLst/>
+          </a:prstGeom>
+          <a:ln w="12700">
+            <a:prstDash val="sysDot"/>
+            <a:tailEnd type="none"/>
+          </a:ln>
+        </p:spPr>
+        <p:style>
+          <a:lnRef idx="1">
+            <a:schemeClr val="dk1"/>
+          </a:lnRef>
+          <a:fillRef idx="0">
+            <a:schemeClr val="dk1"/>
+          </a:fillRef>
+          <a:effectRef idx="0">
+            <a:schemeClr val="dk1"/>
+          </a:effectRef>
+          <a:fontRef idx="minor">
+            <a:schemeClr val="tx1"/>
+          </a:fontRef>
+        </p:style>
+      </p:cxnSp>
+      <p:cxnSp>
+        <p:nvCxnSpPr>
+          <p:cNvPr id="86" name="Gerader Verbinder 85"/>
+          <p:cNvCxnSpPr/>
+          <p:nvPr/>
+        </p:nvCxnSpPr>
+        <p:spPr>
+          <a:xfrm flipV="1">
+            <a:off x="0" y="4149725"/>
+            <a:ext cx="11823290" cy="10344"/>
+          </a:xfrm>
+          <a:prstGeom prst="line">
+            <a:avLst/>
+          </a:prstGeom>
+          <a:ln w="12700">
+            <a:prstDash val="sysDot"/>
+            <a:tailEnd type="none"/>
+          </a:ln>
+        </p:spPr>
+        <p:style>
+          <a:lnRef idx="1">
+            <a:schemeClr val="dk1"/>
+          </a:lnRef>
+          <a:fillRef idx="0">
+            <a:schemeClr val="dk1"/>
+          </a:fillRef>
+          <a:effectRef idx="0">
+            <a:schemeClr val="dk1"/>
+          </a:effectRef>
+          <a:fontRef idx="minor">
+            <a:schemeClr val="tx1"/>
+          </a:fontRef>
+        </p:style>
+      </p:cxnSp>
+      <p:sp>
+        <p:nvSpPr>
+          <p:cNvPr id="90" name="Textfeld 89"/>
+          <p:cNvSpPr txBox="1"/>
+          <p:nvPr/>
+        </p:nvSpPr>
+        <p:spPr>
+          <a:xfrm>
+            <a:off x="10717162" y="780788"/>
+            <a:ext cx="1317861" cy="369332"/>
+          </a:xfrm>
+          <a:prstGeom prst="rect">
+            <a:avLst/>
+          </a:prstGeom>
+          <a:noFill/>
+        </p:spPr>
+        <p:txBody>
+          <a:bodyPr wrap="none" rtlCol="0">
+            <a:spAutoFit/>
+          </a:bodyPr>
+          <a:lstStyle/>
+          <a:p>
+            <a:r>
+              <a:rPr lang="de-DE" dirty="0" smtClean="0">
+                <a:solidFill>
+                  <a:schemeClr val="accent2">
+                    <a:lumMod val="75000"/>
+                  </a:schemeClr>
+                </a:solidFill>
+              </a:rPr>
+              <a:t>Hierarchie 0</a:t>
+            </a:r>
+            <a:endParaRPr lang="de-DE" dirty="0">
+              <a:solidFill>
+                <a:schemeClr val="accent2">
+                  <a:lumMod val="75000"/>
+                </a:schemeClr>
+              </a:solidFill>
+            </a:endParaRPr>
+          </a:p>
+        </p:txBody>
+      </p:sp>
+      <p:sp>
+        <p:nvSpPr>
+          <p:cNvPr id="91" name="Textfeld 90"/>
+          <p:cNvSpPr txBox="1"/>
+          <p:nvPr/>
+        </p:nvSpPr>
+        <p:spPr>
+          <a:xfrm>
+            <a:off x="10717161" y="2772169"/>
+            <a:ext cx="1317861" cy="369332"/>
+          </a:xfrm>
+          <a:prstGeom prst="rect">
+            <a:avLst/>
+          </a:prstGeom>
+          <a:noFill/>
+        </p:spPr>
+        <p:txBody>
+          <a:bodyPr wrap="none" rtlCol="0">
+            <a:spAutoFit/>
+          </a:bodyPr>
+          <a:lstStyle/>
+          <a:p>
+            <a:r>
+              <a:rPr lang="de-DE" dirty="0" smtClean="0">
+                <a:solidFill>
+                  <a:schemeClr val="accent2">
+                    <a:lumMod val="75000"/>
+                  </a:schemeClr>
+                </a:solidFill>
+              </a:rPr>
+              <a:t>Hierarchie 1</a:t>
+            </a:r>
+            <a:endParaRPr lang="de-DE" dirty="0">
+              <a:solidFill>
+                <a:schemeClr val="accent2">
+                  <a:lumMod val="75000"/>
+                </a:schemeClr>
+              </a:solidFill>
+            </a:endParaRPr>
+          </a:p>
+        </p:txBody>
+      </p:sp>
+      <p:sp>
+        <p:nvSpPr>
+          <p:cNvPr id="92" name="Textfeld 91"/>
+          <p:cNvSpPr txBox="1"/>
+          <p:nvPr/>
+        </p:nvSpPr>
+        <p:spPr>
+          <a:xfrm>
+            <a:off x="10718564" y="5013738"/>
+            <a:ext cx="1317861" cy="369332"/>
+          </a:xfrm>
+          <a:prstGeom prst="rect">
+            <a:avLst/>
+          </a:prstGeom>
+          <a:noFill/>
+        </p:spPr>
+        <p:txBody>
+          <a:bodyPr wrap="none" rtlCol="0">
+            <a:spAutoFit/>
+          </a:bodyPr>
+          <a:lstStyle/>
+          <a:p>
+            <a:r>
+              <a:rPr lang="de-DE" dirty="0" smtClean="0">
+                <a:solidFill>
+                  <a:schemeClr val="accent2">
+                    <a:lumMod val="75000"/>
+                  </a:schemeClr>
+                </a:solidFill>
+              </a:rPr>
+              <a:t>Hierarchie 2</a:t>
+            </a:r>
+            <a:endParaRPr lang="de-DE" dirty="0">
+              <a:solidFill>
+                <a:schemeClr val="accent2">
+                  <a:lumMod val="75000"/>
+                </a:schemeClr>
+              </a:solidFill>
+            </a:endParaRPr>
+          </a:p>
+        </p:txBody>
+      </p:sp>
+      <p:sp>
+        <p:nvSpPr>
+          <p:cNvPr id="93" name="Textfeld 92"/>
+          <p:cNvSpPr txBox="1"/>
+          <p:nvPr/>
+        </p:nvSpPr>
+        <p:spPr>
+          <a:xfrm>
+            <a:off x="1664111" y="2324775"/>
+            <a:ext cx="1289135" cy="338554"/>
+          </a:xfrm>
+          <a:prstGeom prst="rect">
+            <a:avLst/>
+          </a:prstGeom>
+          <a:noFill/>
+        </p:spPr>
+        <p:txBody>
+          <a:bodyPr wrap="none" rtlCol="0">
+            <a:spAutoFit/>
+          </a:bodyPr>
+          <a:lstStyle/>
+          <a:p>
+            <a:r>
+              <a:rPr lang="de-DE" sz="1600" i="1" dirty="0" smtClean="0">
+                <a:solidFill>
+                  <a:srgbClr val="0070C0"/>
+                </a:solidFill>
+              </a:rPr>
+              <a:t>„1000_4711“</a:t>
+            </a:r>
+            <a:endParaRPr lang="de-DE" sz="1600" i="1" dirty="0">
+              <a:solidFill>
+                <a:srgbClr val="0070C0"/>
+              </a:solidFill>
+            </a:endParaRPr>
+          </a:p>
+        </p:txBody>
+      </p:sp>
+      <p:sp>
+        <p:nvSpPr>
+          <p:cNvPr id="94" name="Textfeld 93"/>
+          <p:cNvSpPr txBox="1"/>
+          <p:nvPr/>
+        </p:nvSpPr>
+        <p:spPr>
+          <a:xfrm>
+            <a:off x="6639179" y="58020"/>
+            <a:ext cx="828688" cy="338554"/>
+          </a:xfrm>
+          <a:prstGeom prst="rect">
+            <a:avLst/>
+          </a:prstGeom>
+          <a:noFill/>
+        </p:spPr>
+        <p:txBody>
+          <a:bodyPr wrap="none" rtlCol="0">
+            <a:spAutoFit/>
+          </a:bodyPr>
+          <a:lstStyle/>
+          <a:p>
+            <a:r>
+              <a:rPr lang="de-DE" sz="1600" i="1" dirty="0" smtClean="0">
+                <a:solidFill>
+                  <a:srgbClr val="0070C0"/>
+                </a:solidFill>
+              </a:rPr>
+              <a:t>„</a:t>
+            </a:r>
+            <a:r>
+              <a:rPr lang="de-DE" sz="1600" i="1" dirty="0" err="1" smtClean="0">
+                <a:solidFill>
+                  <a:srgbClr val="0070C0"/>
+                </a:solidFill>
+              </a:rPr>
+              <a:t>prints</a:t>
+            </a:r>
+            <a:r>
+              <a:rPr lang="de-DE" sz="1600" i="1" dirty="0" smtClean="0">
+                <a:solidFill>
+                  <a:srgbClr val="0070C0"/>
+                </a:solidFill>
+              </a:rPr>
+              <a:t>“</a:t>
+            </a:r>
+            <a:endParaRPr lang="de-DE" sz="1600" i="1" dirty="0">
+              <a:solidFill>
+                <a:srgbClr val="0070C0"/>
+              </a:solidFill>
+            </a:endParaRPr>
+          </a:p>
+        </p:txBody>
+      </p:sp>
+      <p:sp>
+        <p:nvSpPr>
+          <p:cNvPr id="95" name="Textfeld 94"/>
+          <p:cNvSpPr txBox="1"/>
+          <p:nvPr/>
+        </p:nvSpPr>
+        <p:spPr>
+          <a:xfrm>
+            <a:off x="7599939" y="2317366"/>
+            <a:ext cx="1289135" cy="338554"/>
+          </a:xfrm>
+          <a:prstGeom prst="rect">
+            <a:avLst/>
+          </a:prstGeom>
+          <a:noFill/>
+        </p:spPr>
+        <p:txBody>
+          <a:bodyPr wrap="none" rtlCol="0">
+            <a:spAutoFit/>
+          </a:bodyPr>
+          <a:lstStyle/>
+          <a:p>
+            <a:r>
+              <a:rPr lang="de-DE" sz="1600" i="1" dirty="0" smtClean="0">
+                <a:solidFill>
+                  <a:srgbClr val="0070C0"/>
+                </a:solidFill>
+              </a:rPr>
+              <a:t>„3000_2903“</a:t>
+            </a:r>
+            <a:endParaRPr lang="de-DE" sz="1600" i="1" dirty="0">
+              <a:solidFill>
+                <a:srgbClr val="0070C0"/>
+              </a:solidFill>
+            </a:endParaRPr>
+          </a:p>
+        </p:txBody>
+      </p:sp>
+      <p:sp>
+        <p:nvSpPr>
+          <p:cNvPr id="96" name="Textfeld 95"/>
+          <p:cNvSpPr txBox="1"/>
+          <p:nvPr/>
+        </p:nvSpPr>
+        <p:spPr>
+          <a:xfrm>
+            <a:off x="4593836" y="2307022"/>
+            <a:ext cx="1289135" cy="338554"/>
+          </a:xfrm>
+          <a:prstGeom prst="rect">
+            <a:avLst/>
+          </a:prstGeom>
+          <a:noFill/>
+        </p:spPr>
+        <p:txBody>
+          <a:bodyPr wrap="none" rtlCol="0">
+            <a:spAutoFit/>
+          </a:bodyPr>
+          <a:lstStyle/>
+          <a:p>
+            <a:r>
+              <a:rPr lang="de-DE" sz="1600" i="1" dirty="0" smtClean="0">
+                <a:solidFill>
+                  <a:srgbClr val="0070C0"/>
+                </a:solidFill>
+              </a:rPr>
+              <a:t>„2000_0815“</a:t>
+            </a:r>
+            <a:endParaRPr lang="de-DE" sz="1600" i="1" dirty="0">
+              <a:solidFill>
+                <a:srgbClr val="0070C0"/>
+              </a:solidFill>
+            </a:endParaRPr>
+          </a:p>
+        </p:txBody>
+      </p:sp>
+      <p:sp>
+        <p:nvSpPr>
+          <p:cNvPr id="97" name="Textfeld 96"/>
+          <p:cNvSpPr txBox="1"/>
+          <p:nvPr/>
+        </p:nvSpPr>
+        <p:spPr>
+          <a:xfrm>
+            <a:off x="8562519" y="4491739"/>
+            <a:ext cx="1289135" cy="338554"/>
+          </a:xfrm>
+          <a:prstGeom prst="rect">
+            <a:avLst/>
+          </a:prstGeom>
+          <a:noFill/>
+        </p:spPr>
+        <p:txBody>
+          <a:bodyPr wrap="none" rtlCol="0">
+            <a:spAutoFit/>
+          </a:bodyPr>
+          <a:lstStyle/>
+          <a:p>
+            <a:r>
+              <a:rPr lang="de-DE" sz="1600" i="1" dirty="0" smtClean="0">
+                <a:solidFill>
+                  <a:srgbClr val="0070C0"/>
+                </a:solidFill>
+              </a:rPr>
+              <a:t>„6000_5443“</a:t>
+            </a:r>
+            <a:endParaRPr lang="de-DE" sz="1600" i="1" dirty="0">
+              <a:solidFill>
+                <a:srgbClr val="0070C0"/>
+              </a:solidFill>
+            </a:endParaRPr>
+          </a:p>
+        </p:txBody>
+      </p:sp>
+      <p:sp>
+        <p:nvSpPr>
+          <p:cNvPr id="98" name="Textfeld 97"/>
+          <p:cNvSpPr txBox="1"/>
+          <p:nvPr/>
+        </p:nvSpPr>
+        <p:spPr>
+          <a:xfrm>
+            <a:off x="3699614" y="4484262"/>
+            <a:ext cx="1393330" cy="338554"/>
+          </a:xfrm>
+          <a:prstGeom prst="rect">
+            <a:avLst/>
+          </a:prstGeom>
+          <a:noFill/>
+        </p:spPr>
+        <p:txBody>
+          <a:bodyPr wrap="none" rtlCol="0">
+            <a:spAutoFit/>
+          </a:bodyPr>
+          <a:lstStyle/>
+          <a:p>
+            <a:r>
+              <a:rPr lang="de-DE" sz="1600" i="1" dirty="0" smtClean="0">
+                <a:solidFill>
+                  <a:srgbClr val="0070C0"/>
+                </a:solidFill>
+              </a:rPr>
+              <a:t>„5000_11597“</a:t>
+            </a:r>
+            <a:endParaRPr lang="de-DE" sz="1600" i="1" dirty="0">
+              <a:solidFill>
+                <a:srgbClr val="0070C0"/>
+              </a:solidFill>
+            </a:endParaRPr>
+          </a:p>
+        </p:txBody>
+      </p:sp>
+      <p:sp>
+        <p:nvSpPr>
+          <p:cNvPr id="99" name="Textfeld 98"/>
+          <p:cNvSpPr txBox="1"/>
+          <p:nvPr/>
+        </p:nvSpPr>
+        <p:spPr>
+          <a:xfrm>
+            <a:off x="1700902" y="4491739"/>
+            <a:ext cx="1393330" cy="338554"/>
+          </a:xfrm>
+          <a:prstGeom prst="rect">
+            <a:avLst/>
+          </a:prstGeom>
+          <a:noFill/>
+        </p:spPr>
+        <p:txBody>
+          <a:bodyPr wrap="none" rtlCol="0">
+            <a:spAutoFit/>
+          </a:bodyPr>
+          <a:lstStyle/>
+          <a:p>
+            <a:r>
+              <a:rPr lang="de-DE" sz="1600" i="1" dirty="0" smtClean="0">
+                <a:solidFill>
+                  <a:srgbClr val="0070C0"/>
+                </a:solidFill>
+              </a:rPr>
+              <a:t>„4000_62896“</a:t>
+            </a:r>
+            <a:endParaRPr lang="de-DE" sz="1600" i="1" dirty="0">
+              <a:solidFill>
+                <a:srgbClr val="0070C0"/>
+              </a:solidFill>
+            </a:endParaRPr>
+          </a:p>
+        </p:txBody>
+      </p:sp>
+      <p:cxnSp>
+        <p:nvCxnSpPr>
+          <p:cNvPr id="101" name="Gerader Verbinder 100"/>
+          <p:cNvCxnSpPr/>
+          <p:nvPr/>
+        </p:nvCxnSpPr>
+        <p:spPr>
+          <a:xfrm>
+            <a:off x="10056813" y="16409"/>
+            <a:ext cx="0" cy="6136303"/>
+          </a:xfrm>
+          <a:prstGeom prst="line">
+            <a:avLst/>
+          </a:prstGeom>
+          <a:ln w="19050">
+            <a:solidFill>
+              <a:srgbClr val="8A3CC4"/>
+            </a:solidFill>
+            <a:prstDash val="dash"/>
+            <a:tailEnd type="none"/>
+          </a:ln>
+        </p:spPr>
+        <p:style>
+          <a:lnRef idx="1">
+            <a:schemeClr val="dk1"/>
+          </a:lnRef>
+          <a:fillRef idx="0">
+            <a:schemeClr val="dk1"/>
+          </a:fillRef>
+          <a:effectRef idx="0">
+            <a:schemeClr val="dk1"/>
+          </a:effectRef>
+          <a:fontRef idx="minor">
+            <a:schemeClr val="tx1"/>
+          </a:fontRef>
+        </p:style>
+      </p:cxnSp>
+      <p:sp>
+        <p:nvSpPr>
+          <p:cNvPr id="102" name="Textfeld 101"/>
+          <p:cNvSpPr txBox="1"/>
+          <p:nvPr/>
+        </p:nvSpPr>
+        <p:spPr>
+          <a:xfrm>
+            <a:off x="10091127" y="3642569"/>
+            <a:ext cx="688009" cy="369332"/>
+          </a:xfrm>
+          <a:prstGeom prst="rect">
+            <a:avLst/>
+          </a:prstGeom>
+          <a:noFill/>
+        </p:spPr>
+        <p:txBody>
+          <a:bodyPr wrap="none" rtlCol="0">
+            <a:spAutoFit/>
+          </a:bodyPr>
+          <a:lstStyle/>
+          <a:p>
+            <a:r>
+              <a:rPr lang="de-DE" dirty="0" smtClean="0">
+                <a:solidFill>
+                  <a:srgbClr val="8A3CC4"/>
+                </a:solidFill>
+              </a:rPr>
+              <a:t>Höhe</a:t>
+            </a:r>
+            <a:endParaRPr lang="de-DE" dirty="0">
+              <a:solidFill>
+                <a:srgbClr val="8A3CC4"/>
+              </a:solidFill>
+            </a:endParaRPr>
+          </a:p>
+        </p:txBody>
+      </p:sp>
+      <p:sp>
+        <p:nvSpPr>
+          <p:cNvPr id="103" name="Rechteck 102"/>
+          <p:cNvSpPr/>
+          <p:nvPr/>
+        </p:nvSpPr>
+        <p:spPr>
+          <a:xfrm>
+            <a:off x="-68826" y="4277032"/>
+            <a:ext cx="9920480" cy="1750142"/>
+          </a:xfrm>
+          <a:prstGeom prst="rect">
+            <a:avLst/>
+          </a:prstGeom>
+          <a:noFill/>
+          <a:ln w="19050">
+            <a:solidFill>
+              <a:srgbClr val="8A3CC4"/>
+            </a:solidFill>
+            <a:prstDash val="dash"/>
+          </a:ln>
+        </p:spPr>
+        <p:style>
+          <a:lnRef idx="2">
+            <a:schemeClr val="accent1">
+              <a:shade val="50000"/>
+            </a:schemeClr>
+          </a:lnRef>
+          <a:fillRef idx="1">
+            <a:schemeClr val="accent1"/>
+          </a:fillRef>
+          <a:effectRef idx="0">
+            <a:schemeClr val="accent1"/>
+          </a:effectRef>
+          <a:fontRef idx="minor">
+            <a:schemeClr val="lt1"/>
+          </a:fontRef>
+        </p:style>
+        <p:txBody>
+          <a:bodyPr rtlCol="0" anchor="ctr"/>
+          <a:lstStyle/>
+          <a:p>
+            <a:pPr algn="ctr"/>
+            <a:endParaRPr lang="de-DE"/>
+          </a:p>
+        </p:txBody>
+      </p:sp>
+      <p:sp>
+        <p:nvSpPr>
+          <p:cNvPr id="104" name="Textfeld 103"/>
+          <p:cNvSpPr txBox="1"/>
+          <p:nvPr/>
+        </p:nvSpPr>
+        <p:spPr>
+          <a:xfrm>
+            <a:off x="3738568" y="6047081"/>
+            <a:ext cx="745012" cy="369332"/>
+          </a:xfrm>
+          <a:prstGeom prst="rect">
+            <a:avLst/>
+          </a:prstGeom>
+          <a:noFill/>
+        </p:spPr>
+        <p:txBody>
+          <a:bodyPr wrap="none" rtlCol="0">
+            <a:spAutoFit/>
+          </a:bodyPr>
+          <a:lstStyle/>
+          <a:p>
+            <a:r>
+              <a:rPr lang="de-DE" dirty="0" smtClean="0">
+                <a:solidFill>
+                  <a:srgbClr val="8A3CC4"/>
+                </a:solidFill>
+              </a:rPr>
+              <a:t>Breite</a:t>
+            </a:r>
+            <a:endParaRPr lang="de-DE" dirty="0">
+              <a:solidFill>
+                <a:srgbClr val="8A3CC4"/>
+              </a:solidFill>
+            </a:endParaRPr>
+          </a:p>
+        </p:txBody>
+      </p:sp>
+      <p:sp>
+        <p:nvSpPr>
+          <p:cNvPr id="105" name="Textfeld 104"/>
+          <p:cNvSpPr txBox="1"/>
+          <p:nvPr/>
+        </p:nvSpPr>
+        <p:spPr>
+          <a:xfrm>
+            <a:off x="321085" y="564623"/>
+            <a:ext cx="2661498" cy="369332"/>
+          </a:xfrm>
+          <a:prstGeom prst="rect">
+            <a:avLst/>
+          </a:prstGeom>
+          <a:noFill/>
+        </p:spPr>
+        <p:txBody>
+          <a:bodyPr wrap="none" rtlCol="0">
+            <a:spAutoFit/>
+          </a:bodyPr>
+          <a:lstStyle/>
+          <a:p>
+            <a:r>
+              <a:rPr lang="de-DE" dirty="0" smtClean="0">
+                <a:solidFill>
+                  <a:schemeClr val="accent6"/>
+                </a:solidFill>
+              </a:rPr>
+              <a:t>Oberster Knoten = Wurzel</a:t>
+            </a:r>
+            <a:endParaRPr lang="de-DE" dirty="0">
+              <a:solidFill>
+                <a:schemeClr val="accent6"/>
+              </a:solidFill>
+            </a:endParaRPr>
+          </a:p>
+        </p:txBody>
+      </p:sp>
+      <p:sp>
+        <p:nvSpPr>
+          <p:cNvPr id="107" name="Rechteck 106"/>
+          <p:cNvSpPr/>
+          <p:nvPr/>
+        </p:nvSpPr>
+        <p:spPr>
+          <a:xfrm>
+            <a:off x="6620094" y="883030"/>
+            <a:ext cx="3341684" cy="307777"/>
+          </a:xfrm>
+          <a:prstGeom prst="rect">
+            <a:avLst/>
+          </a:prstGeom>
+        </p:spPr>
+        <p:txBody>
+          <a:bodyPr wrap="none">
+            <a:spAutoFit/>
+          </a:bodyPr>
+          <a:lstStyle/>
+          <a:p>
+            <a:r>
+              <a:rPr lang="de-DE" sz="1400" i="1" dirty="0" smtClean="0">
+                <a:solidFill>
+                  <a:srgbClr val="0070C0"/>
+                </a:solidFill>
+              </a:rPr>
+              <a:t>[„1000_4711“, „2000_0815“, „3000_2903“]</a:t>
+            </a:r>
+            <a:endParaRPr lang="de-DE" sz="1400" dirty="0"/>
+          </a:p>
+        </p:txBody>
+      </p:sp>
+      <p:sp>
+        <p:nvSpPr>
+          <p:cNvPr id="108" name="Rechteck 107"/>
+          <p:cNvSpPr/>
+          <p:nvPr/>
+        </p:nvSpPr>
+        <p:spPr>
+          <a:xfrm>
+            <a:off x="6639172" y="1153782"/>
+            <a:ext cx="569387" cy="307777"/>
+          </a:xfrm>
+          <a:prstGeom prst="rect">
+            <a:avLst/>
+          </a:prstGeom>
+        </p:spPr>
+        <p:txBody>
+          <a:bodyPr wrap="none">
+            <a:spAutoFit/>
+          </a:bodyPr>
+          <a:lstStyle/>
+          <a:p>
+            <a:r>
+              <a:rPr lang="de-DE" sz="1400" i="1" dirty="0" smtClean="0">
+                <a:solidFill>
+                  <a:srgbClr val="0070C0"/>
+                </a:solidFill>
+              </a:rPr>
+              <a:t>None</a:t>
+            </a:r>
+            <a:endParaRPr lang="de-DE" sz="1400" dirty="0"/>
+          </a:p>
+        </p:txBody>
+      </p:sp>
+      <p:sp>
+        <p:nvSpPr>
+          <p:cNvPr id="109" name="Rechteck 108"/>
+          <p:cNvSpPr/>
+          <p:nvPr/>
+        </p:nvSpPr>
+        <p:spPr>
+          <a:xfrm>
+            <a:off x="7579878" y="3101010"/>
+            <a:ext cx="2393156" cy="307777"/>
+          </a:xfrm>
+          <a:prstGeom prst="rect">
+            <a:avLst/>
+          </a:prstGeom>
+        </p:spPr>
+        <p:txBody>
+          <a:bodyPr wrap="none">
+            <a:spAutoFit/>
+          </a:bodyPr>
+          <a:lstStyle/>
+          <a:p>
+            <a:r>
+              <a:rPr lang="de-DE" sz="1400" i="1" dirty="0" smtClean="0">
+                <a:solidFill>
+                  <a:srgbClr val="0070C0"/>
+                </a:solidFill>
+              </a:rPr>
+              <a:t>[„5000_11597“, „6000_5443“]</a:t>
+            </a:r>
+            <a:endParaRPr lang="de-DE" sz="1400" dirty="0"/>
+          </a:p>
+        </p:txBody>
+      </p:sp>
+      <p:sp>
+        <p:nvSpPr>
+          <p:cNvPr id="111" name="Rechteck 110"/>
+          <p:cNvSpPr/>
+          <p:nvPr/>
+        </p:nvSpPr>
+        <p:spPr>
+          <a:xfrm>
+            <a:off x="7571864" y="3421158"/>
+            <a:ext cx="750398" cy="307777"/>
+          </a:xfrm>
+          <a:prstGeom prst="rect">
+            <a:avLst/>
+          </a:prstGeom>
+        </p:spPr>
+        <p:txBody>
+          <a:bodyPr wrap="none">
+            <a:spAutoFit/>
+          </a:bodyPr>
+          <a:lstStyle/>
+          <a:p>
+            <a:r>
+              <a:rPr lang="de-DE" sz="1400" i="1" dirty="0" smtClean="0">
+                <a:solidFill>
+                  <a:srgbClr val="0070C0"/>
+                </a:solidFill>
+              </a:rPr>
+              <a:t>„</a:t>
+            </a:r>
+            <a:r>
+              <a:rPr lang="de-DE" sz="1400" i="1" dirty="0" err="1" smtClean="0">
+                <a:solidFill>
+                  <a:srgbClr val="0070C0"/>
+                </a:solidFill>
+              </a:rPr>
+              <a:t>prints</a:t>
+            </a:r>
+            <a:r>
+              <a:rPr lang="de-DE" sz="1400" i="1" dirty="0" smtClean="0">
+                <a:solidFill>
+                  <a:srgbClr val="0070C0"/>
+                </a:solidFill>
+              </a:rPr>
+              <a:t>“</a:t>
+            </a:r>
+            <a:endParaRPr lang="de-DE" sz="1400" dirty="0"/>
+          </a:p>
+        </p:txBody>
+      </p:sp>
+      <p:sp>
+        <p:nvSpPr>
+          <p:cNvPr id="112" name="Rechteck 111"/>
+          <p:cNvSpPr/>
+          <p:nvPr/>
+        </p:nvSpPr>
+        <p:spPr>
+          <a:xfrm>
+            <a:off x="1661376" y="5288261"/>
+            <a:ext cx="293670" cy="307777"/>
+          </a:xfrm>
+          <a:prstGeom prst="rect">
+            <a:avLst/>
+          </a:prstGeom>
+        </p:spPr>
+        <p:txBody>
+          <a:bodyPr wrap="none">
+            <a:spAutoFit/>
+          </a:bodyPr>
+          <a:lstStyle/>
+          <a:p>
+            <a:r>
+              <a:rPr lang="de-DE" sz="1400" i="1" dirty="0" smtClean="0">
+                <a:solidFill>
+                  <a:srgbClr val="0070C0"/>
+                </a:solidFill>
+              </a:rPr>
+              <a:t>[]</a:t>
+            </a:r>
+            <a:endParaRPr lang="de-DE" sz="1400" dirty="0"/>
+          </a:p>
+        </p:txBody>
+      </p:sp>
+      <p:sp>
+        <p:nvSpPr>
+          <p:cNvPr id="113" name="Rechteck 112"/>
+          <p:cNvSpPr/>
+          <p:nvPr/>
+        </p:nvSpPr>
+        <p:spPr>
+          <a:xfrm>
+            <a:off x="1653362" y="5608409"/>
+            <a:ext cx="1156086" cy="307777"/>
+          </a:xfrm>
+          <a:prstGeom prst="rect">
+            <a:avLst/>
+          </a:prstGeom>
+        </p:spPr>
+        <p:txBody>
+          <a:bodyPr wrap="none">
+            <a:spAutoFit/>
+          </a:bodyPr>
+          <a:lstStyle/>
+          <a:p>
+            <a:r>
+              <a:rPr lang="de-DE" sz="1400" i="1" dirty="0" smtClean="0">
+                <a:solidFill>
+                  <a:srgbClr val="0070C0"/>
+                </a:solidFill>
+              </a:rPr>
+              <a:t>„1000_4711“</a:t>
+            </a:r>
+            <a:endParaRPr lang="de-DE" sz="1400" dirty="0"/>
+          </a:p>
+        </p:txBody>
+      </p:sp>
+      <p:sp>
+        <p:nvSpPr>
+          <p:cNvPr id="114" name="Geschweifte Klammer links 113"/>
+          <p:cNvSpPr/>
+          <p:nvPr/>
+        </p:nvSpPr>
+        <p:spPr>
+          <a:xfrm>
+            <a:off x="4656796" y="58020"/>
+            <a:ext cx="300847" cy="1461014"/>
+          </a:xfrm>
+          <a:prstGeom prst="leftBrace">
+            <a:avLst/>
+          </a:prstGeom>
+          <a:ln w="25400">
+            <a:solidFill>
+              <a:srgbClr val="8A3CC4"/>
+            </a:solidFill>
+            <a:tailEnd type="none"/>
+          </a:ln>
+        </p:spPr>
+        <p:style>
+          <a:lnRef idx="1">
+            <a:schemeClr val="dk1"/>
+          </a:lnRef>
+          <a:fillRef idx="0">
+            <a:schemeClr val="dk1"/>
+          </a:fillRef>
+          <a:effectRef idx="0">
+            <a:schemeClr val="dk1"/>
+          </a:effectRef>
+          <a:fontRef idx="minor">
+            <a:schemeClr val="tx1"/>
+          </a:fontRef>
+        </p:style>
+        <p:txBody>
+          <a:bodyPr rtlCol="0" anchor="ctr"/>
+          <a:lstStyle/>
+          <a:p>
+            <a:pPr algn="ctr"/>
+            <a:endParaRPr lang="de-DE"/>
+          </a:p>
+        </p:txBody>
+      </p:sp>
+      <p:sp>
+        <p:nvSpPr>
+          <p:cNvPr id="115" name="Textfeld 114"/>
+          <p:cNvSpPr txBox="1"/>
+          <p:nvPr/>
+        </p:nvSpPr>
+        <p:spPr>
+          <a:xfrm>
+            <a:off x="3652642" y="565942"/>
+            <a:ext cx="856645" cy="369332"/>
+          </a:xfrm>
+          <a:prstGeom prst="rect">
+            <a:avLst/>
+          </a:prstGeom>
+          <a:noFill/>
+        </p:spPr>
+        <p:txBody>
+          <a:bodyPr wrap="none" rtlCol="0">
+            <a:spAutoFit/>
+          </a:bodyPr>
+          <a:lstStyle/>
+          <a:p>
+            <a:r>
+              <a:rPr lang="de-DE" dirty="0" smtClean="0">
+                <a:solidFill>
+                  <a:srgbClr val="8A3CC4"/>
+                </a:solidFill>
+              </a:rPr>
+              <a:t>Knoten</a:t>
+            </a:r>
+            <a:endParaRPr lang="de-DE" dirty="0">
+              <a:solidFill>
+                <a:srgbClr val="8A3CC4"/>
+              </a:solidFill>
+            </a:endParaRPr>
+          </a:p>
+        </p:txBody>
+      </p:sp>
+    </p:spTree>
+    <p:extLst>
+      <p:ext uri="{BB962C8B-B14F-4D97-AF65-F5344CB8AC3E}">
+        <p14:creationId xmlns:p14="http://schemas.microsoft.com/office/powerpoint/2010/main" val="3520084562"/>
+      </p:ext>
+    </p:extLst>
+  </p:cSld>
+  <p:clrMapOvr>
+    <a:masterClrMapping/>
+  </p:clrMapOvr>
+</p:sld>
+</file>
+
 <file path=ppt/theme/theme1.xml><?xml version="1.0" encoding="utf-8"?>
 <a:theme xmlns:a="http://schemas.openxmlformats.org/drawingml/2006/main" name="Office Theme">
   <a:themeElements>
@@ -5063,8 +7916,8 @@
   <a:objectDefaults>
     <a:lnDef>
       <a:spPr>
-        <a:ln w="41275">
-          <a:tailEnd type="triangle"/>
+        <a:ln w="25400">
+          <a:tailEnd type="none"/>
         </a:ln>
       </a:spPr>
       <a:bodyPr/>

--- a/Dokumentation/Grafiken Unternehmensfähigkeiten.pptx
+++ b/Dokumentation/Grafiken Unternehmensfähigkeiten.pptx
@@ -6,7 +6,8 @@
   </p:sldMasterIdLst>
   <p:sldIdLst>
     <p:sldId id="256" r:id="rId2"/>
-    <p:sldId id="257" r:id="rId3"/>
+    <p:sldId id="258" r:id="rId3"/>
+    <p:sldId id="257" r:id="rId4"/>
   </p:sldIdLst>
   <p:sldSz cx="12192000" cy="6858000"/>
   <p:notesSz cx="6797675" cy="9928225"/>
@@ -290,7 +291,7 @@
           <a:p>
             <a:fld id="{D67E706E-9FFF-4B25-B31B-E494BA33FABA}" type="datetimeFigureOut">
               <a:rPr lang="de-DE" smtClean="0"/>
-              <a:t>25.12.2020</a:t>
+              <a:t>27.12.2020</a:t>
             </a:fld>
             <a:endParaRPr lang="de-DE"/>
           </a:p>
@@ -460,7 +461,7 @@
           <a:p>
             <a:fld id="{D67E706E-9FFF-4B25-B31B-E494BA33FABA}" type="datetimeFigureOut">
               <a:rPr lang="de-DE" smtClean="0"/>
-              <a:t>25.12.2020</a:t>
+              <a:t>27.12.2020</a:t>
             </a:fld>
             <a:endParaRPr lang="de-DE"/>
           </a:p>
@@ -640,7 +641,7 @@
           <a:p>
             <a:fld id="{D67E706E-9FFF-4B25-B31B-E494BA33FABA}" type="datetimeFigureOut">
               <a:rPr lang="de-DE" smtClean="0"/>
-              <a:t>25.12.2020</a:t>
+              <a:t>27.12.2020</a:t>
             </a:fld>
             <a:endParaRPr lang="de-DE"/>
           </a:p>
@@ -810,7 +811,7 @@
           <a:p>
             <a:fld id="{D67E706E-9FFF-4B25-B31B-E494BA33FABA}" type="datetimeFigureOut">
               <a:rPr lang="de-DE" smtClean="0"/>
-              <a:t>25.12.2020</a:t>
+              <a:t>27.12.2020</a:t>
             </a:fld>
             <a:endParaRPr lang="de-DE"/>
           </a:p>
@@ -1056,7 +1057,7 @@
           <a:p>
             <a:fld id="{D67E706E-9FFF-4B25-B31B-E494BA33FABA}" type="datetimeFigureOut">
               <a:rPr lang="de-DE" smtClean="0"/>
-              <a:t>25.12.2020</a:t>
+              <a:t>27.12.2020</a:t>
             </a:fld>
             <a:endParaRPr lang="de-DE"/>
           </a:p>
@@ -1288,7 +1289,7 @@
           <a:p>
             <a:fld id="{D67E706E-9FFF-4B25-B31B-E494BA33FABA}" type="datetimeFigureOut">
               <a:rPr lang="de-DE" smtClean="0"/>
-              <a:t>25.12.2020</a:t>
+              <a:t>27.12.2020</a:t>
             </a:fld>
             <a:endParaRPr lang="de-DE"/>
           </a:p>
@@ -1655,7 +1656,7 @@
           <a:p>
             <a:fld id="{D67E706E-9FFF-4B25-B31B-E494BA33FABA}" type="datetimeFigureOut">
               <a:rPr lang="de-DE" smtClean="0"/>
-              <a:t>25.12.2020</a:t>
+              <a:t>27.12.2020</a:t>
             </a:fld>
             <a:endParaRPr lang="de-DE"/>
           </a:p>
@@ -1773,7 +1774,7 @@
           <a:p>
             <a:fld id="{D67E706E-9FFF-4B25-B31B-E494BA33FABA}" type="datetimeFigureOut">
               <a:rPr lang="de-DE" smtClean="0"/>
-              <a:t>25.12.2020</a:t>
+              <a:t>27.12.2020</a:t>
             </a:fld>
             <a:endParaRPr lang="de-DE"/>
           </a:p>
@@ -1868,7 +1869,7 @@
           <a:p>
             <a:fld id="{D67E706E-9FFF-4B25-B31B-E494BA33FABA}" type="datetimeFigureOut">
               <a:rPr lang="de-DE" smtClean="0"/>
-              <a:t>25.12.2020</a:t>
+              <a:t>27.12.2020</a:t>
             </a:fld>
             <a:endParaRPr lang="de-DE"/>
           </a:p>
@@ -2145,7 +2146,7 @@
           <a:p>
             <a:fld id="{D67E706E-9FFF-4B25-B31B-E494BA33FABA}" type="datetimeFigureOut">
               <a:rPr lang="de-DE" smtClean="0"/>
-              <a:t>25.12.2020</a:t>
+              <a:t>27.12.2020</a:t>
             </a:fld>
             <a:endParaRPr lang="de-DE"/>
           </a:p>
@@ -2398,7 +2399,7 @@
           <a:p>
             <a:fld id="{D67E706E-9FFF-4B25-B31B-E494BA33FABA}" type="datetimeFigureOut">
               <a:rPr lang="de-DE" smtClean="0"/>
-              <a:t>25.12.2020</a:t>
+              <a:t>27.12.2020</a:t>
             </a:fld>
             <a:endParaRPr lang="de-DE"/>
           </a:p>
@@ -2611,7 +2612,7 @@
           <a:p>
             <a:fld id="{D67E706E-9FFF-4B25-B31B-E494BA33FABA}" type="datetimeFigureOut">
               <a:rPr lang="de-DE" smtClean="0"/>
-              <a:t>25.12.2020</a:t>
+              <a:t>27.12.2020</a:t>
             </a:fld>
             <a:endParaRPr lang="de-DE"/>
           </a:p>
@@ -4834,7 +4835,647 @@
       </p:grpSpPr>
       <p:grpSp>
         <p:nvGrpSpPr>
+          <p:cNvPr id="3" name="Gruppieren 2"/>
+          <p:cNvGrpSpPr/>
+          <p:nvPr/>
+        </p:nvGrpSpPr>
+        <p:grpSpPr>
+          <a:xfrm>
+            <a:off x="334963" y="545349"/>
+            <a:ext cx="1532792" cy="1443789"/>
+            <a:chOff x="1772653" y="561474"/>
+            <a:chExt cx="1532792" cy="1443789"/>
+          </a:xfrm>
+        </p:grpSpPr>
+        <p:sp>
+          <p:nvSpPr>
+            <p:cNvPr id="6" name="Rechteck 5"/>
+            <p:cNvSpPr/>
+            <p:nvPr/>
+          </p:nvSpPr>
+          <p:spPr>
+            <a:xfrm>
+              <a:off x="1772653" y="561474"/>
+              <a:ext cx="1532792" cy="1443789"/>
+            </a:xfrm>
+            <a:prstGeom prst="rect">
+              <a:avLst/>
+            </a:prstGeom>
+            <a:noFill/>
+            <a:ln w="25400">
+              <a:solidFill>
+                <a:schemeClr val="tx1"/>
+              </a:solidFill>
+            </a:ln>
+          </p:spPr>
+          <p:style>
+            <a:lnRef idx="2">
+              <a:schemeClr val="accent1">
+                <a:shade val="50000"/>
+              </a:schemeClr>
+            </a:lnRef>
+            <a:fillRef idx="1">
+              <a:schemeClr val="accent1"/>
+            </a:fillRef>
+            <a:effectRef idx="0">
+              <a:schemeClr val="accent1"/>
+            </a:effectRef>
+            <a:fontRef idx="minor">
+              <a:schemeClr val="lt1"/>
+            </a:fontRef>
+          </p:style>
+          <p:txBody>
+            <a:bodyPr rtlCol="0" anchor="ctr"/>
+            <a:lstStyle/>
+            <a:p>
+              <a:pPr algn="ctr"/>
+              <a:endParaRPr lang="de-DE"/>
+            </a:p>
+          </p:txBody>
+        </p:sp>
+        <p:sp>
+          <p:nvSpPr>
+            <p:cNvPr id="8" name="Textfeld 7"/>
+            <p:cNvSpPr txBox="1"/>
+            <p:nvPr/>
+          </p:nvSpPr>
+          <p:spPr>
+            <a:xfrm>
+              <a:off x="1772653" y="561474"/>
+              <a:ext cx="1532792" cy="307777"/>
+            </a:xfrm>
+            <a:prstGeom prst="rect">
+              <a:avLst/>
+            </a:prstGeom>
+            <a:noFill/>
+          </p:spPr>
+          <p:txBody>
+            <a:bodyPr wrap="square" rtlCol="0">
+              <a:spAutoFit/>
+            </a:bodyPr>
+            <a:lstStyle/>
+            <a:p>
+              <a:pPr algn="ctr"/>
+              <a:r>
+                <a:rPr lang="de-DE" sz="1400" dirty="0" err="1"/>
+                <a:t>s</a:t>
+              </a:r>
+              <a:r>
+                <a:rPr lang="de-DE" sz="1400" dirty="0" err="1" smtClean="0"/>
+                <a:t>peicherdaten</a:t>
+              </a:r>
+              <a:r>
+                <a:rPr lang="de-DE" sz="1400" dirty="0" smtClean="0"/>
+                <a:t> = {}</a:t>
+              </a:r>
+              <a:endParaRPr lang="de-DE" sz="1400" dirty="0"/>
+            </a:p>
+          </p:txBody>
+        </p:sp>
+      </p:grpSp>
+      <p:sp>
+        <p:nvSpPr>
+          <p:cNvPr id="10" name="Textfeld 9"/>
+          <p:cNvSpPr txBox="1"/>
+          <p:nvPr/>
+        </p:nvSpPr>
+        <p:spPr>
+          <a:xfrm>
+            <a:off x="334963" y="161594"/>
+            <a:ext cx="1532792" cy="369332"/>
+          </a:xfrm>
+          <a:prstGeom prst="rect">
+            <a:avLst/>
+          </a:prstGeom>
+          <a:noFill/>
+        </p:spPr>
+        <p:txBody>
+          <a:bodyPr wrap="none" rtlCol="0">
+            <a:spAutoFit/>
+          </a:bodyPr>
+          <a:lstStyle/>
+          <a:p>
+            <a:pPr algn="ctr"/>
+            <a:r>
+              <a:rPr lang="de-DE" dirty="0" smtClean="0"/>
+              <a:t>Speicherinhalt</a:t>
+            </a:r>
+            <a:endParaRPr lang="de-DE" dirty="0"/>
+          </a:p>
+        </p:txBody>
+      </p:sp>
+      <p:grpSp>
+        <p:nvGrpSpPr>
+          <p:cNvPr id="11" name="Gruppieren 10"/>
+          <p:cNvGrpSpPr/>
+          <p:nvPr/>
+        </p:nvGrpSpPr>
+        <p:grpSpPr>
+          <a:xfrm>
+            <a:off x="334963" y="2646864"/>
+            <a:ext cx="1532792" cy="1443789"/>
+            <a:chOff x="1772653" y="561474"/>
+            <a:chExt cx="1532792" cy="1443789"/>
+          </a:xfrm>
+        </p:grpSpPr>
+        <p:sp>
+          <p:nvSpPr>
+            <p:cNvPr id="12" name="Rechteck 11"/>
+            <p:cNvSpPr/>
+            <p:nvPr/>
+          </p:nvSpPr>
+          <p:spPr>
+            <a:xfrm>
+              <a:off x="1772653" y="561474"/>
+              <a:ext cx="1532792" cy="1443789"/>
+            </a:xfrm>
+            <a:prstGeom prst="rect">
+              <a:avLst/>
+            </a:prstGeom>
+            <a:noFill/>
+            <a:ln w="25400">
+              <a:solidFill>
+                <a:schemeClr val="tx1"/>
+              </a:solidFill>
+            </a:ln>
+          </p:spPr>
+          <p:style>
+            <a:lnRef idx="2">
+              <a:schemeClr val="accent1">
+                <a:shade val="50000"/>
+              </a:schemeClr>
+            </a:lnRef>
+            <a:fillRef idx="1">
+              <a:schemeClr val="accent1"/>
+            </a:fillRef>
+            <a:effectRef idx="0">
+              <a:schemeClr val="accent1"/>
+            </a:effectRef>
+            <a:fontRef idx="minor">
+              <a:schemeClr val="lt1"/>
+            </a:fontRef>
+          </p:style>
+          <p:txBody>
+            <a:bodyPr rtlCol="0" anchor="ctr"/>
+            <a:lstStyle/>
+            <a:p>
+              <a:pPr algn="ctr"/>
+              <a:endParaRPr lang="de-DE"/>
+            </a:p>
+          </p:txBody>
+        </p:sp>
+        <p:sp>
+          <p:nvSpPr>
+            <p:cNvPr id="13" name="Textfeld 12"/>
+            <p:cNvSpPr txBox="1"/>
+            <p:nvPr/>
+          </p:nvSpPr>
+          <p:spPr>
+            <a:xfrm>
+              <a:off x="1772653" y="561474"/>
+              <a:ext cx="1532792" cy="954107"/>
+            </a:xfrm>
+            <a:prstGeom prst="rect">
+              <a:avLst/>
+            </a:prstGeom>
+            <a:noFill/>
+          </p:spPr>
+          <p:txBody>
+            <a:bodyPr wrap="square" rtlCol="0">
+              <a:spAutoFit/>
+            </a:bodyPr>
+            <a:lstStyle/>
+            <a:p>
+              <a:pPr algn="ctr"/>
+              <a:r>
+                <a:rPr lang="de-DE" sz="1400" dirty="0" err="1" smtClean="0"/>
+                <a:t>schluessel_ein</a:t>
+              </a:r>
+              <a:r>
+                <a:rPr lang="de-DE" sz="1400" dirty="0" smtClean="0"/>
+                <a:t> = </a:t>
+              </a:r>
+              <a:r>
+                <a:rPr lang="de-DE" sz="1400" dirty="0" err="1" smtClean="0"/>
+                <a:t>schluessel</a:t>
+              </a:r>
+              <a:endParaRPr lang="de-DE" sz="1400" dirty="0"/>
+            </a:p>
+            <a:p>
+              <a:pPr algn="ctr"/>
+              <a:r>
+                <a:rPr lang="de-DE" sz="1400" dirty="0" err="1" smtClean="0"/>
+                <a:t>speicherinhalt</a:t>
+              </a:r>
+              <a:r>
+                <a:rPr lang="de-DE" sz="1400" dirty="0" smtClean="0"/>
+                <a:t> = Speicherinhalt</a:t>
+              </a:r>
+              <a:endParaRPr lang="de-DE" sz="1400" dirty="0"/>
+            </a:p>
+          </p:txBody>
+        </p:sp>
+      </p:grpSp>
+      <p:sp>
+        <p:nvSpPr>
+          <p:cNvPr id="14" name="Textfeld 13"/>
+          <p:cNvSpPr txBox="1"/>
+          <p:nvPr/>
+        </p:nvSpPr>
+        <p:spPr>
+          <a:xfrm>
+            <a:off x="334963" y="2277532"/>
+            <a:ext cx="3337709" cy="369332"/>
+          </a:xfrm>
+          <a:prstGeom prst="rect">
+            <a:avLst/>
+          </a:prstGeom>
+          <a:noFill/>
+        </p:spPr>
+        <p:txBody>
+          <a:bodyPr wrap="none" rtlCol="0">
+            <a:spAutoFit/>
+          </a:bodyPr>
+          <a:lstStyle/>
+          <a:p>
+            <a:pPr algn="ctr"/>
+            <a:r>
+              <a:rPr lang="de-DE" dirty="0" smtClean="0"/>
+              <a:t>Speicherelement (</a:t>
+            </a:r>
+            <a:r>
+              <a:rPr lang="de-DE" dirty="0" err="1" smtClean="0"/>
+              <a:t>self</a:t>
+            </a:r>
+            <a:r>
+              <a:rPr lang="de-DE" dirty="0" smtClean="0"/>
+              <a:t>, </a:t>
+            </a:r>
+            <a:r>
+              <a:rPr lang="de-DE" dirty="0" err="1" smtClean="0"/>
+              <a:t>schluessel</a:t>
+            </a:r>
+            <a:r>
+              <a:rPr lang="de-DE" dirty="0" smtClean="0"/>
+              <a:t>)</a:t>
+            </a:r>
+            <a:endParaRPr lang="de-DE" dirty="0"/>
+          </a:p>
+        </p:txBody>
+      </p:sp>
+      <p:grpSp>
+        <p:nvGrpSpPr>
           <p:cNvPr id="15" name="Gruppieren 14"/>
+          <p:cNvGrpSpPr/>
+          <p:nvPr/>
+        </p:nvGrpSpPr>
+        <p:grpSpPr>
+          <a:xfrm>
+            <a:off x="334963" y="4867693"/>
+            <a:ext cx="1532792" cy="1443789"/>
+            <a:chOff x="1772653" y="561474"/>
+            <a:chExt cx="1532792" cy="1443789"/>
+          </a:xfrm>
+        </p:grpSpPr>
+        <p:sp>
+          <p:nvSpPr>
+            <p:cNvPr id="16" name="Rechteck 15"/>
+            <p:cNvSpPr/>
+            <p:nvPr/>
+          </p:nvSpPr>
+          <p:spPr>
+            <a:xfrm>
+              <a:off x="1772653" y="561474"/>
+              <a:ext cx="1532792" cy="1443789"/>
+            </a:xfrm>
+            <a:prstGeom prst="rect">
+              <a:avLst/>
+            </a:prstGeom>
+            <a:noFill/>
+            <a:ln w="25400">
+              <a:solidFill>
+                <a:schemeClr val="tx1"/>
+              </a:solidFill>
+            </a:ln>
+          </p:spPr>
+          <p:style>
+            <a:lnRef idx="2">
+              <a:schemeClr val="accent1">
+                <a:shade val="50000"/>
+              </a:schemeClr>
+            </a:lnRef>
+            <a:fillRef idx="1">
+              <a:schemeClr val="accent1"/>
+            </a:fillRef>
+            <a:effectRef idx="0">
+              <a:schemeClr val="accent1"/>
+            </a:effectRef>
+            <a:fontRef idx="minor">
+              <a:schemeClr val="lt1"/>
+            </a:fontRef>
+          </p:style>
+          <p:txBody>
+            <a:bodyPr rtlCol="0" anchor="ctr"/>
+            <a:lstStyle/>
+            <a:p>
+              <a:pPr algn="ctr"/>
+              <a:endParaRPr lang="de-DE"/>
+            </a:p>
+          </p:txBody>
+        </p:sp>
+        <p:sp>
+          <p:nvSpPr>
+            <p:cNvPr id="17" name="Textfeld 16"/>
+            <p:cNvSpPr txBox="1"/>
+            <p:nvPr/>
+          </p:nvSpPr>
+          <p:spPr>
+            <a:xfrm>
+              <a:off x="1772653" y="561474"/>
+              <a:ext cx="1532792" cy="954107"/>
+            </a:xfrm>
+            <a:prstGeom prst="rect">
+              <a:avLst/>
+            </a:prstGeom>
+            <a:noFill/>
+          </p:spPr>
+          <p:txBody>
+            <a:bodyPr wrap="square" rtlCol="0">
+              <a:spAutoFit/>
+            </a:bodyPr>
+            <a:lstStyle/>
+            <a:p>
+              <a:pPr algn="ctr"/>
+              <a:r>
+                <a:rPr lang="de-DE" sz="1400" dirty="0" err="1" smtClean="0"/>
+                <a:t>speicherelement</a:t>
+              </a:r>
+              <a:r>
+                <a:rPr lang="de-DE" sz="1400" dirty="0" smtClean="0"/>
+                <a:t> = None</a:t>
+              </a:r>
+            </a:p>
+            <a:p>
+              <a:pPr algn="ctr"/>
+              <a:r>
+                <a:rPr lang="de-DE" sz="1400" dirty="0" err="1" smtClean="0"/>
+                <a:t>kinder</a:t>
+              </a:r>
+              <a:r>
+                <a:rPr lang="de-DE" sz="1400" dirty="0" smtClean="0"/>
+                <a:t> = []</a:t>
+              </a:r>
+            </a:p>
+            <a:p>
+              <a:pPr algn="ctr"/>
+              <a:r>
+                <a:rPr lang="de-DE" sz="1400" dirty="0" err="1" smtClean="0"/>
+                <a:t>elternpfad</a:t>
+              </a:r>
+              <a:r>
+                <a:rPr lang="de-DE" sz="1400" dirty="0" smtClean="0"/>
+                <a:t> </a:t>
+              </a:r>
+              <a:r>
+                <a:rPr lang="de-DE" sz="1400" dirty="0" smtClean="0"/>
+                <a:t>= </a:t>
+              </a:r>
+              <a:r>
+                <a:rPr lang="de-DE" sz="1400" dirty="0" smtClean="0"/>
+                <a:t>[]</a:t>
+              </a:r>
+              <a:endParaRPr lang="de-DE" sz="1400" dirty="0"/>
+            </a:p>
+          </p:txBody>
+        </p:sp>
+      </p:grpSp>
+      <p:sp>
+        <p:nvSpPr>
+          <p:cNvPr id="18" name="Textfeld 17"/>
+          <p:cNvSpPr txBox="1"/>
+          <p:nvPr/>
+        </p:nvSpPr>
+        <p:spPr>
+          <a:xfrm>
+            <a:off x="738119" y="4483938"/>
+            <a:ext cx="726481" cy="369332"/>
+          </a:xfrm>
+          <a:prstGeom prst="rect">
+            <a:avLst/>
+          </a:prstGeom>
+          <a:noFill/>
+        </p:spPr>
+        <p:txBody>
+          <a:bodyPr wrap="none" rtlCol="0">
+            <a:spAutoFit/>
+          </a:bodyPr>
+          <a:lstStyle/>
+          <a:p>
+            <a:pPr algn="ctr"/>
+            <a:r>
+              <a:rPr lang="de-DE" dirty="0" smtClean="0"/>
+              <a:t>Baum</a:t>
+            </a:r>
+            <a:endParaRPr lang="de-DE" dirty="0"/>
+          </a:p>
+        </p:txBody>
+      </p:sp>
+      <p:sp>
+        <p:nvSpPr>
+          <p:cNvPr id="19" name="Textfeld 18"/>
+          <p:cNvSpPr txBox="1"/>
+          <p:nvPr/>
+        </p:nvSpPr>
+        <p:spPr>
+          <a:xfrm>
+            <a:off x="4612105" y="176017"/>
+            <a:ext cx="5137881" cy="4801314"/>
+          </a:xfrm>
+          <a:prstGeom prst="rect">
+            <a:avLst/>
+          </a:prstGeom>
+          <a:noFill/>
+        </p:spPr>
+        <p:txBody>
+          <a:bodyPr wrap="none" rtlCol="0">
+            <a:spAutoFit/>
+          </a:bodyPr>
+          <a:lstStyle/>
+          <a:p>
+            <a:r>
+              <a:rPr lang="de-DE" b="1" dirty="0" smtClean="0"/>
+              <a:t>Zugriff auf Ressource:</a:t>
+            </a:r>
+          </a:p>
+          <a:p>
+            <a:r>
+              <a:rPr lang="de-DE" dirty="0" smtClean="0">
+                <a:solidFill>
+                  <a:srgbClr val="0070C0"/>
+                </a:solidFill>
+              </a:rPr>
+              <a:t>Baum</a:t>
+            </a:r>
+          </a:p>
+          <a:p>
+            <a:endParaRPr lang="de-DE" b="1" dirty="0"/>
+          </a:p>
+          <a:p>
+            <a:r>
+              <a:rPr lang="de-DE" b="1" dirty="0" smtClean="0"/>
+              <a:t>Zugriff auf Speicherelement der Ressource:</a:t>
+            </a:r>
+          </a:p>
+          <a:p>
+            <a:r>
+              <a:rPr lang="de-DE" dirty="0" err="1" smtClean="0">
+                <a:solidFill>
+                  <a:srgbClr val="0070C0"/>
+                </a:solidFill>
+              </a:rPr>
+              <a:t>Baum.speicherelement</a:t>
+            </a:r>
+            <a:endParaRPr lang="de-DE" dirty="0" smtClean="0">
+              <a:solidFill>
+                <a:srgbClr val="0070C0"/>
+              </a:solidFill>
+            </a:endParaRPr>
+          </a:p>
+          <a:p>
+            <a:endParaRPr lang="de-DE" b="1" dirty="0"/>
+          </a:p>
+          <a:p>
+            <a:r>
+              <a:rPr lang="de-DE" b="1" dirty="0" smtClean="0"/>
+              <a:t>Zugriff auf Kinder der Ressource:</a:t>
+            </a:r>
+          </a:p>
+          <a:p>
+            <a:r>
+              <a:rPr lang="de-DE" dirty="0" err="1" smtClean="0">
+                <a:solidFill>
+                  <a:srgbClr val="0070C0"/>
+                </a:solidFill>
+              </a:rPr>
+              <a:t>Baum.kinder</a:t>
+            </a:r>
+            <a:endParaRPr lang="de-DE" dirty="0" smtClean="0">
+              <a:solidFill>
+                <a:srgbClr val="0070C0"/>
+              </a:solidFill>
+            </a:endParaRPr>
+          </a:p>
+          <a:p>
+            <a:endParaRPr lang="de-DE" b="1" dirty="0"/>
+          </a:p>
+          <a:p>
+            <a:r>
+              <a:rPr lang="de-DE" b="1" dirty="0" smtClean="0"/>
+              <a:t>Zugriff auf </a:t>
+            </a:r>
+            <a:r>
+              <a:rPr lang="de-DE" b="1" dirty="0" smtClean="0"/>
+              <a:t>Elternpfad </a:t>
+            </a:r>
+            <a:r>
+              <a:rPr lang="de-DE" b="1" dirty="0" smtClean="0"/>
+              <a:t>der Ressource:</a:t>
+            </a:r>
+          </a:p>
+          <a:p>
+            <a:r>
+              <a:rPr lang="de-DE" dirty="0" err="1" smtClean="0">
+                <a:solidFill>
+                  <a:srgbClr val="0070C0"/>
+                </a:solidFill>
+              </a:rPr>
+              <a:t>Baum.elternpfad</a:t>
+            </a:r>
+            <a:endParaRPr lang="de-DE" dirty="0" smtClean="0">
+              <a:solidFill>
+                <a:srgbClr val="0070C0"/>
+              </a:solidFill>
+            </a:endParaRPr>
+          </a:p>
+          <a:p>
+            <a:endParaRPr lang="de-DE" b="1" dirty="0"/>
+          </a:p>
+          <a:p>
+            <a:r>
+              <a:rPr lang="de-DE" b="1" dirty="0" smtClean="0"/>
+              <a:t>Zugriff auf Speicherinhalt des Speicherelements:</a:t>
+            </a:r>
+          </a:p>
+          <a:p>
+            <a:r>
+              <a:rPr lang="de-DE" dirty="0" err="1" smtClean="0">
+                <a:solidFill>
+                  <a:srgbClr val="0070C0"/>
+                </a:solidFill>
+              </a:rPr>
+              <a:t>Baum.speicherelement.speicherinhalt</a:t>
+            </a:r>
+            <a:endParaRPr lang="de-DE" dirty="0" smtClean="0">
+              <a:solidFill>
+                <a:srgbClr val="0070C0"/>
+              </a:solidFill>
+            </a:endParaRPr>
+          </a:p>
+          <a:p>
+            <a:endParaRPr lang="de-DE" b="1" dirty="0" smtClean="0"/>
+          </a:p>
+          <a:p>
+            <a:r>
+              <a:rPr lang="de-DE" b="1" dirty="0" smtClean="0"/>
+              <a:t>Zugriff auf Speicherdaten:</a:t>
+            </a:r>
+          </a:p>
+          <a:p>
+            <a:r>
+              <a:rPr lang="de-DE" dirty="0" err="1" smtClean="0">
+                <a:solidFill>
+                  <a:srgbClr val="0070C0"/>
+                </a:solidFill>
+              </a:rPr>
+              <a:t>Baum.speicherelement.speicherinhalt.speicherdaten</a:t>
+            </a:r>
+            <a:endParaRPr lang="de-DE" dirty="0"/>
+          </a:p>
+        </p:txBody>
+      </p:sp>
+    </p:spTree>
+    <p:extLst>
+      <p:ext uri="{BB962C8B-B14F-4D97-AF65-F5344CB8AC3E}">
+        <p14:creationId xmlns:p14="http://schemas.microsoft.com/office/powerpoint/2010/main" val="3863297723"/>
+      </p:ext>
+    </p:extLst>
+  </p:cSld>
+  <p:clrMapOvr>
+    <a:masterClrMapping/>
+  </p:clrMapOvr>
+</p:sld>
+</file>
+
+<file path=ppt/slides/slide3.xml><?xml version="1.0" encoding="utf-8"?>
+<p:sld xmlns:a="http://schemas.openxmlformats.org/drawingml/2006/main" xmlns:r="http://schemas.openxmlformats.org/officeDocument/2006/relationships" xmlns:p="http://schemas.openxmlformats.org/presentationml/2006/main">
+  <p:cSld>
+    <p:spTree>
+      <p:nvGrpSpPr>
+        <p:cNvPr id="1" name=""/>
+        <p:cNvGrpSpPr/>
+        <p:nvPr/>
+      </p:nvGrpSpPr>
+      <p:grpSpPr>
+        <a:xfrm>
+          <a:off x="0" y="0"/>
+          <a:ext cx="0" cy="0"/>
+          <a:chOff x="0" y="0"/>
+          <a:chExt cx="0" cy="0"/>
+        </a:xfrm>
+      </p:grpSpPr>
+      <p:grpSp>
+        <p:nvGrpSpPr>
+          <p:cNvPr id="11" name="Gruppieren 10"/>
           <p:cNvGrpSpPr/>
           <p:nvPr/>
         </p:nvGrpSpPr>
@@ -4846,172 +5487,95 @@
             <a:chExt cx="1532792" cy="1443789"/>
           </a:xfrm>
         </p:grpSpPr>
-        <p:grpSp>
-          <p:nvGrpSpPr>
-            <p:cNvPr id="11" name="Gruppieren 10"/>
-            <p:cNvGrpSpPr/>
-            <p:nvPr/>
-          </p:nvGrpSpPr>
-          <p:grpSpPr>
+        <p:sp>
+          <p:nvSpPr>
+            <p:cNvPr id="2" name="Rechteck 1"/>
+            <p:cNvSpPr/>
+            <p:nvPr/>
+          </p:nvSpPr>
+          <p:spPr>
             <a:xfrm>
               <a:off x="1772653" y="561474"/>
               <a:ext cx="1532792" cy="1443789"/>
-              <a:chOff x="1772653" y="561474"/>
-              <a:chExt cx="1532792" cy="1443789"/>
-            </a:xfrm>
-          </p:grpSpPr>
-          <p:sp>
-            <p:nvSpPr>
-              <p:cNvPr id="2" name="Rechteck 1"/>
-              <p:cNvSpPr/>
-              <p:nvPr/>
-            </p:nvSpPr>
-            <p:spPr>
-              <a:xfrm>
-                <a:off x="1772653" y="561474"/>
-                <a:ext cx="1532792" cy="1443789"/>
-              </a:xfrm>
-              <a:prstGeom prst="rect">
-                <a:avLst/>
-              </a:prstGeom>
-              <a:noFill/>
-              <a:ln w="25400">
-                <a:solidFill>
-                  <a:schemeClr val="tx1"/>
-                </a:solidFill>
-              </a:ln>
-            </p:spPr>
-            <p:style>
-              <a:lnRef idx="2">
-                <a:schemeClr val="accent1">
-                  <a:shade val="50000"/>
-                </a:schemeClr>
-              </a:lnRef>
-              <a:fillRef idx="1">
-                <a:schemeClr val="accent1"/>
-              </a:fillRef>
-              <a:effectRef idx="0">
-                <a:schemeClr val="accent1"/>
-              </a:effectRef>
-              <a:fontRef idx="minor">
-                <a:schemeClr val="lt1"/>
-              </a:fontRef>
-            </p:style>
-            <p:txBody>
-              <a:bodyPr rtlCol="0" anchor="ctr"/>
-              <a:lstStyle/>
-              <a:p>
-                <a:pPr algn="ctr"/>
-                <a:endParaRPr lang="de-DE"/>
-              </a:p>
-            </p:txBody>
-          </p:sp>
-          <p:cxnSp>
-            <p:nvCxnSpPr>
-              <p:cNvPr id="6" name="Gerader Verbinder 5"/>
-              <p:cNvCxnSpPr/>
-              <p:nvPr/>
-            </p:nvCxnSpPr>
-            <p:spPr>
-              <a:xfrm>
-                <a:off x="1772653" y="945229"/>
-                <a:ext cx="1532792" cy="7681"/>
-              </a:xfrm>
-              <a:prstGeom prst="line">
-                <a:avLst/>
-              </a:prstGeom>
-              <a:ln w="25400">
-                <a:tailEnd type="none"/>
-              </a:ln>
-            </p:spPr>
-            <p:style>
-              <a:lnRef idx="1">
-                <a:schemeClr val="dk1"/>
-              </a:lnRef>
-              <a:fillRef idx="0">
-                <a:schemeClr val="dk1"/>
-              </a:fillRef>
-              <a:effectRef idx="0">
-                <a:schemeClr val="dk1"/>
-              </a:effectRef>
-              <a:fontRef idx="minor">
+            </a:xfrm>
+            <a:prstGeom prst="rect">
+              <a:avLst/>
+            </a:prstGeom>
+            <a:noFill/>
+            <a:ln w="25400">
+              <a:solidFill>
                 <a:schemeClr val="tx1"/>
-              </a:fontRef>
-            </p:style>
-          </p:cxnSp>
-          <p:sp>
-            <p:nvSpPr>
-              <p:cNvPr id="7" name="Textfeld 6"/>
-              <p:cNvSpPr txBox="1"/>
-              <p:nvPr/>
-            </p:nvSpPr>
-            <p:spPr>
-              <a:xfrm>
-                <a:off x="1772653" y="561474"/>
-                <a:ext cx="1532792" cy="369332"/>
-              </a:xfrm>
-              <a:prstGeom prst="rect">
-                <a:avLst/>
-              </a:prstGeom>
-              <a:noFill/>
-            </p:spPr>
-            <p:txBody>
-              <a:bodyPr wrap="square" rtlCol="0">
-                <a:spAutoFit/>
-              </a:bodyPr>
-              <a:lstStyle/>
-              <a:p>
-                <a:pPr algn="ctr"/>
-                <a:r>
-                  <a:rPr lang="de-DE" dirty="0" smtClean="0"/>
-                  <a:t>Schlüssel</a:t>
-                </a:r>
-                <a:endParaRPr lang="de-DE" dirty="0"/>
-              </a:p>
-            </p:txBody>
-          </p:sp>
-          <p:sp>
-            <p:nvSpPr>
-              <p:cNvPr id="8" name="Textfeld 7"/>
-              <p:cNvSpPr txBox="1"/>
-              <p:nvPr/>
-            </p:nvSpPr>
-            <p:spPr>
-              <a:xfrm>
-                <a:off x="1772653" y="967333"/>
-                <a:ext cx="1532792" cy="369332"/>
-              </a:xfrm>
-              <a:prstGeom prst="rect">
-                <a:avLst/>
-              </a:prstGeom>
-              <a:noFill/>
-            </p:spPr>
-            <p:txBody>
-              <a:bodyPr wrap="none" rtlCol="0">
-                <a:spAutoFit/>
-              </a:bodyPr>
-              <a:lstStyle/>
-              <a:p>
-                <a:pPr algn="ctr"/>
-                <a:r>
-                  <a:rPr lang="de-DE" dirty="0" smtClean="0"/>
-                  <a:t>Speicherinhalt</a:t>
-                </a:r>
-                <a:endParaRPr lang="de-DE" dirty="0"/>
-              </a:p>
-            </p:txBody>
-          </p:sp>
-        </p:grpSp>
+              </a:solidFill>
+            </a:ln>
+          </p:spPr>
+          <p:style>
+            <a:lnRef idx="2">
+              <a:schemeClr val="accent1">
+                <a:shade val="50000"/>
+              </a:schemeClr>
+            </a:lnRef>
+            <a:fillRef idx="1">
+              <a:schemeClr val="accent1"/>
+            </a:fillRef>
+            <a:effectRef idx="0">
+              <a:schemeClr val="accent1"/>
+            </a:effectRef>
+            <a:fontRef idx="minor">
+              <a:schemeClr val="lt1"/>
+            </a:fontRef>
+          </p:style>
+          <p:txBody>
+            <a:bodyPr rtlCol="0" anchor="ctr"/>
+            <a:lstStyle/>
+            <a:p>
+              <a:pPr algn="ctr"/>
+              <a:endParaRPr lang="de-DE"/>
+            </a:p>
+          </p:txBody>
+        </p:sp>
+        <p:cxnSp>
+          <p:nvCxnSpPr>
+            <p:cNvPr id="6" name="Gerader Verbinder 5"/>
+            <p:cNvCxnSpPr/>
+            <p:nvPr/>
+          </p:nvCxnSpPr>
+          <p:spPr>
+            <a:xfrm>
+              <a:off x="1772653" y="945229"/>
+              <a:ext cx="1532792" cy="7681"/>
+            </a:xfrm>
+            <a:prstGeom prst="line">
+              <a:avLst/>
+            </a:prstGeom>
+            <a:ln w="25400">
+              <a:tailEnd type="none"/>
+            </a:ln>
+          </p:spPr>
+          <p:style>
+            <a:lnRef idx="1">
+              <a:schemeClr val="dk1"/>
+            </a:lnRef>
+            <a:fillRef idx="0">
+              <a:schemeClr val="dk1"/>
+            </a:fillRef>
+            <a:effectRef idx="0">
+              <a:schemeClr val="dk1"/>
+            </a:effectRef>
+            <a:fontRef idx="minor">
+              <a:schemeClr val="tx1"/>
+            </a:fontRef>
+          </p:style>
+        </p:cxnSp>
         <p:sp>
           <p:nvSpPr>
-            <p:cNvPr id="13" name="Textfeld 12"/>
+            <p:cNvPr id="7" name="Textfeld 6"/>
             <p:cNvSpPr txBox="1"/>
             <p:nvPr/>
           </p:nvSpPr>
           <p:spPr>
             <a:xfrm>
-              <a:off x="1801030" y="1340734"/>
-              <a:ext cx="1504415" cy="369332"/>
+              <a:off x="1772653" y="561474"/>
+              <a:ext cx="1532792" cy="369332"/>
             </a:xfrm>
             <a:prstGeom prst="rect">
               <a:avLst/>
@@ -5027,7 +5591,7 @@
               <a:pPr algn="ctr"/>
               <a:r>
                 <a:rPr lang="de-DE" dirty="0" smtClean="0"/>
-                <a:t>Kinder</a:t>
+                <a:t>Schlüssel</a:t>
               </a:r>
               <a:endParaRPr lang="de-DE" dirty="0"/>
             </a:p>
@@ -5035,14 +5599,14 @@
         </p:sp>
         <p:sp>
           <p:nvSpPr>
-            <p:cNvPr id="14" name="Textfeld 13"/>
+            <p:cNvPr id="8" name="Textfeld 7"/>
             <p:cNvSpPr txBox="1"/>
             <p:nvPr/>
           </p:nvSpPr>
           <p:spPr>
             <a:xfrm>
-              <a:off x="1801030" y="1635931"/>
-              <a:ext cx="1504415" cy="369332"/>
+              <a:off x="1772653" y="967333"/>
+              <a:ext cx="1532792" cy="369332"/>
             </a:xfrm>
             <a:prstGeom prst="rect">
               <a:avLst/>
@@ -5050,7 +5614,7 @@
             <a:noFill/>
           </p:spPr>
           <p:txBody>
-            <a:bodyPr wrap="square" rtlCol="0">
+            <a:bodyPr wrap="none" rtlCol="0">
               <a:spAutoFit/>
             </a:bodyPr>
             <a:lstStyle/>
@@ -5058,7 +5622,7 @@
               <a:pPr algn="ctr"/>
               <a:r>
                 <a:rPr lang="de-DE" dirty="0" smtClean="0"/>
-                <a:t>Eltern</a:t>
+                <a:t>Speicherinhalt</a:t>
               </a:r>
               <a:endParaRPr lang="de-DE" dirty="0"/>
             </a:p>
@@ -5067,7 +5631,7 @@
       </p:grpSp>
       <p:grpSp>
         <p:nvGrpSpPr>
-          <p:cNvPr id="16" name="Gruppieren 15"/>
+          <p:cNvPr id="17" name="Gruppieren 16"/>
           <p:cNvGrpSpPr/>
           <p:nvPr/>
         </p:nvGrpSpPr>
@@ -5079,172 +5643,95 @@
             <a:chExt cx="1532792" cy="1443789"/>
           </a:xfrm>
         </p:grpSpPr>
-        <p:grpSp>
-          <p:nvGrpSpPr>
-            <p:cNvPr id="17" name="Gruppieren 16"/>
-            <p:cNvGrpSpPr/>
-            <p:nvPr/>
-          </p:nvGrpSpPr>
-          <p:grpSpPr>
+        <p:sp>
+          <p:nvSpPr>
+            <p:cNvPr id="20" name="Rechteck 19"/>
+            <p:cNvSpPr/>
+            <p:nvPr/>
+          </p:nvSpPr>
+          <p:spPr>
             <a:xfrm>
               <a:off x="1772653" y="561474"/>
               <a:ext cx="1532792" cy="1443789"/>
-              <a:chOff x="1772653" y="561474"/>
-              <a:chExt cx="1532792" cy="1443789"/>
-            </a:xfrm>
-          </p:grpSpPr>
-          <p:sp>
-            <p:nvSpPr>
-              <p:cNvPr id="20" name="Rechteck 19"/>
-              <p:cNvSpPr/>
-              <p:nvPr/>
-            </p:nvSpPr>
-            <p:spPr>
-              <a:xfrm>
-                <a:off x="1772653" y="561474"/>
-                <a:ext cx="1532792" cy="1443789"/>
-              </a:xfrm>
-              <a:prstGeom prst="rect">
-                <a:avLst/>
-              </a:prstGeom>
-              <a:noFill/>
-              <a:ln w="25400">
-                <a:solidFill>
-                  <a:schemeClr val="tx1"/>
-                </a:solidFill>
-              </a:ln>
-            </p:spPr>
-            <p:style>
-              <a:lnRef idx="2">
-                <a:schemeClr val="accent1">
-                  <a:shade val="50000"/>
-                </a:schemeClr>
-              </a:lnRef>
-              <a:fillRef idx="1">
-                <a:schemeClr val="accent1"/>
-              </a:fillRef>
-              <a:effectRef idx="0">
-                <a:schemeClr val="accent1"/>
-              </a:effectRef>
-              <a:fontRef idx="minor">
-                <a:schemeClr val="lt1"/>
-              </a:fontRef>
-            </p:style>
-            <p:txBody>
-              <a:bodyPr rtlCol="0" anchor="ctr"/>
-              <a:lstStyle/>
-              <a:p>
-                <a:pPr algn="ctr"/>
-                <a:endParaRPr lang="de-DE"/>
-              </a:p>
-            </p:txBody>
-          </p:sp>
-          <p:cxnSp>
-            <p:nvCxnSpPr>
-              <p:cNvPr id="21" name="Gerader Verbinder 20"/>
-              <p:cNvCxnSpPr/>
-              <p:nvPr/>
-            </p:nvCxnSpPr>
-            <p:spPr>
-              <a:xfrm>
-                <a:off x="1772653" y="945229"/>
-                <a:ext cx="1532792" cy="7681"/>
-              </a:xfrm>
-              <a:prstGeom prst="line">
-                <a:avLst/>
-              </a:prstGeom>
-              <a:ln w="25400">
-                <a:tailEnd type="none"/>
-              </a:ln>
-            </p:spPr>
-            <p:style>
-              <a:lnRef idx="1">
-                <a:schemeClr val="dk1"/>
-              </a:lnRef>
-              <a:fillRef idx="0">
-                <a:schemeClr val="dk1"/>
-              </a:fillRef>
-              <a:effectRef idx="0">
-                <a:schemeClr val="dk1"/>
-              </a:effectRef>
-              <a:fontRef idx="minor">
+            </a:xfrm>
+            <a:prstGeom prst="rect">
+              <a:avLst/>
+            </a:prstGeom>
+            <a:noFill/>
+            <a:ln w="25400">
+              <a:solidFill>
                 <a:schemeClr val="tx1"/>
-              </a:fontRef>
-            </p:style>
-          </p:cxnSp>
-          <p:sp>
-            <p:nvSpPr>
-              <p:cNvPr id="22" name="Textfeld 21"/>
-              <p:cNvSpPr txBox="1"/>
-              <p:nvPr/>
-            </p:nvSpPr>
-            <p:spPr>
-              <a:xfrm>
-                <a:off x="1772653" y="561474"/>
-                <a:ext cx="1532792" cy="369332"/>
-              </a:xfrm>
-              <a:prstGeom prst="rect">
-                <a:avLst/>
-              </a:prstGeom>
-              <a:noFill/>
-            </p:spPr>
-            <p:txBody>
-              <a:bodyPr wrap="square" rtlCol="0">
-                <a:spAutoFit/>
-              </a:bodyPr>
-              <a:lstStyle/>
-              <a:p>
-                <a:pPr algn="ctr"/>
-                <a:r>
-                  <a:rPr lang="de-DE" dirty="0" smtClean="0"/>
-                  <a:t>Schlüssel</a:t>
-                </a:r>
-                <a:endParaRPr lang="de-DE" dirty="0"/>
-              </a:p>
-            </p:txBody>
-          </p:sp>
-          <p:sp>
-            <p:nvSpPr>
-              <p:cNvPr id="23" name="Textfeld 22"/>
-              <p:cNvSpPr txBox="1"/>
-              <p:nvPr/>
-            </p:nvSpPr>
-            <p:spPr>
-              <a:xfrm>
-                <a:off x="1772653" y="967333"/>
-                <a:ext cx="1532792" cy="369332"/>
-              </a:xfrm>
-              <a:prstGeom prst="rect">
-                <a:avLst/>
-              </a:prstGeom>
-              <a:noFill/>
-            </p:spPr>
-            <p:txBody>
-              <a:bodyPr wrap="none" rtlCol="0">
-                <a:spAutoFit/>
-              </a:bodyPr>
-              <a:lstStyle/>
-              <a:p>
-                <a:pPr algn="ctr"/>
-                <a:r>
-                  <a:rPr lang="de-DE" dirty="0" smtClean="0"/>
-                  <a:t>Speicherinhalt</a:t>
-                </a:r>
-                <a:endParaRPr lang="de-DE" dirty="0"/>
-              </a:p>
-            </p:txBody>
-          </p:sp>
-        </p:grpSp>
+              </a:solidFill>
+            </a:ln>
+          </p:spPr>
+          <p:style>
+            <a:lnRef idx="2">
+              <a:schemeClr val="accent1">
+                <a:shade val="50000"/>
+              </a:schemeClr>
+            </a:lnRef>
+            <a:fillRef idx="1">
+              <a:schemeClr val="accent1"/>
+            </a:fillRef>
+            <a:effectRef idx="0">
+              <a:schemeClr val="accent1"/>
+            </a:effectRef>
+            <a:fontRef idx="minor">
+              <a:schemeClr val="lt1"/>
+            </a:fontRef>
+          </p:style>
+          <p:txBody>
+            <a:bodyPr rtlCol="0" anchor="ctr"/>
+            <a:lstStyle/>
+            <a:p>
+              <a:pPr algn="ctr"/>
+              <a:endParaRPr lang="de-DE"/>
+            </a:p>
+          </p:txBody>
+        </p:sp>
+        <p:cxnSp>
+          <p:nvCxnSpPr>
+            <p:cNvPr id="21" name="Gerader Verbinder 20"/>
+            <p:cNvCxnSpPr/>
+            <p:nvPr/>
+          </p:nvCxnSpPr>
+          <p:spPr>
+            <a:xfrm>
+              <a:off x="1772653" y="945229"/>
+              <a:ext cx="1532792" cy="7681"/>
+            </a:xfrm>
+            <a:prstGeom prst="line">
+              <a:avLst/>
+            </a:prstGeom>
+            <a:ln w="25400">
+              <a:tailEnd type="none"/>
+            </a:ln>
+          </p:spPr>
+          <p:style>
+            <a:lnRef idx="1">
+              <a:schemeClr val="dk1"/>
+            </a:lnRef>
+            <a:fillRef idx="0">
+              <a:schemeClr val="dk1"/>
+            </a:fillRef>
+            <a:effectRef idx="0">
+              <a:schemeClr val="dk1"/>
+            </a:effectRef>
+            <a:fontRef idx="minor">
+              <a:schemeClr val="tx1"/>
+            </a:fontRef>
+          </p:style>
+        </p:cxnSp>
         <p:sp>
           <p:nvSpPr>
-            <p:cNvPr id="18" name="Textfeld 17"/>
+            <p:cNvPr id="22" name="Textfeld 21"/>
             <p:cNvSpPr txBox="1"/>
             <p:nvPr/>
           </p:nvSpPr>
           <p:spPr>
             <a:xfrm>
-              <a:off x="1801030" y="1340734"/>
-              <a:ext cx="1504415" cy="369332"/>
+              <a:off x="1772653" y="561474"/>
+              <a:ext cx="1532792" cy="369332"/>
             </a:xfrm>
             <a:prstGeom prst="rect">
               <a:avLst/>
@@ -5260,7 +5747,7 @@
               <a:pPr algn="ctr"/>
               <a:r>
                 <a:rPr lang="de-DE" dirty="0" smtClean="0"/>
-                <a:t>Kinder</a:t>
+                <a:t>Schlüssel</a:t>
               </a:r>
               <a:endParaRPr lang="de-DE" dirty="0"/>
             </a:p>
@@ -5268,14 +5755,14 @@
         </p:sp>
         <p:sp>
           <p:nvSpPr>
-            <p:cNvPr id="19" name="Textfeld 18"/>
+            <p:cNvPr id="23" name="Textfeld 22"/>
             <p:cNvSpPr txBox="1"/>
             <p:nvPr/>
           </p:nvSpPr>
           <p:spPr>
             <a:xfrm>
-              <a:off x="1801030" y="1635931"/>
-              <a:ext cx="1504415" cy="369332"/>
+              <a:off x="1772653" y="967333"/>
+              <a:ext cx="1532792" cy="369332"/>
             </a:xfrm>
             <a:prstGeom prst="rect">
               <a:avLst/>
@@ -5283,7 +5770,7 @@
             <a:noFill/>
           </p:spPr>
           <p:txBody>
-            <a:bodyPr wrap="square" rtlCol="0">
+            <a:bodyPr wrap="none" rtlCol="0">
               <a:spAutoFit/>
             </a:bodyPr>
             <a:lstStyle/>
@@ -5291,7 +5778,7 @@
               <a:pPr algn="ctr"/>
               <a:r>
                 <a:rPr lang="de-DE" dirty="0" smtClean="0"/>
-                <a:t>Eltern</a:t>
+                <a:t>Speicherinhalt</a:t>
               </a:r>
               <a:endParaRPr lang="de-DE" dirty="0"/>
             </a:p>
@@ -5300,7 +5787,7 @@
       </p:grpSp>
       <p:grpSp>
         <p:nvGrpSpPr>
-          <p:cNvPr id="32" name="Gruppieren 31"/>
+          <p:cNvPr id="33" name="Gruppieren 32"/>
           <p:cNvGrpSpPr/>
           <p:nvPr/>
         </p:nvGrpSpPr>
@@ -5312,172 +5799,95 @@
             <a:chExt cx="1532792" cy="1443789"/>
           </a:xfrm>
         </p:grpSpPr>
-        <p:grpSp>
-          <p:nvGrpSpPr>
-            <p:cNvPr id="33" name="Gruppieren 32"/>
-            <p:cNvGrpSpPr/>
-            <p:nvPr/>
-          </p:nvGrpSpPr>
-          <p:grpSpPr>
+        <p:sp>
+          <p:nvSpPr>
+            <p:cNvPr id="36" name="Rechteck 35"/>
+            <p:cNvSpPr/>
+            <p:nvPr/>
+          </p:nvSpPr>
+          <p:spPr>
             <a:xfrm>
               <a:off x="1772653" y="561474"/>
               <a:ext cx="1532792" cy="1443789"/>
-              <a:chOff x="1772653" y="561474"/>
-              <a:chExt cx="1532792" cy="1443789"/>
-            </a:xfrm>
-          </p:grpSpPr>
-          <p:sp>
-            <p:nvSpPr>
-              <p:cNvPr id="36" name="Rechteck 35"/>
-              <p:cNvSpPr/>
-              <p:nvPr/>
-            </p:nvSpPr>
-            <p:spPr>
-              <a:xfrm>
-                <a:off x="1772653" y="561474"/>
-                <a:ext cx="1532792" cy="1443789"/>
-              </a:xfrm>
-              <a:prstGeom prst="rect">
-                <a:avLst/>
-              </a:prstGeom>
-              <a:noFill/>
-              <a:ln w="25400">
-                <a:solidFill>
-                  <a:schemeClr val="tx1"/>
-                </a:solidFill>
-              </a:ln>
-            </p:spPr>
-            <p:style>
-              <a:lnRef idx="2">
-                <a:schemeClr val="accent1">
-                  <a:shade val="50000"/>
-                </a:schemeClr>
-              </a:lnRef>
-              <a:fillRef idx="1">
-                <a:schemeClr val="accent1"/>
-              </a:fillRef>
-              <a:effectRef idx="0">
-                <a:schemeClr val="accent1"/>
-              </a:effectRef>
-              <a:fontRef idx="minor">
-                <a:schemeClr val="lt1"/>
-              </a:fontRef>
-            </p:style>
-            <p:txBody>
-              <a:bodyPr rtlCol="0" anchor="ctr"/>
-              <a:lstStyle/>
-              <a:p>
-                <a:pPr algn="ctr"/>
-                <a:endParaRPr lang="de-DE"/>
-              </a:p>
-            </p:txBody>
-          </p:sp>
-          <p:cxnSp>
-            <p:nvCxnSpPr>
-              <p:cNvPr id="37" name="Gerader Verbinder 36"/>
-              <p:cNvCxnSpPr/>
-              <p:nvPr/>
-            </p:nvCxnSpPr>
-            <p:spPr>
-              <a:xfrm>
-                <a:off x="1772653" y="945229"/>
-                <a:ext cx="1532792" cy="7681"/>
-              </a:xfrm>
-              <a:prstGeom prst="line">
-                <a:avLst/>
-              </a:prstGeom>
-              <a:ln w="25400">
-                <a:tailEnd type="none"/>
-              </a:ln>
-            </p:spPr>
-            <p:style>
-              <a:lnRef idx="1">
-                <a:schemeClr val="dk1"/>
-              </a:lnRef>
-              <a:fillRef idx="0">
-                <a:schemeClr val="dk1"/>
-              </a:fillRef>
-              <a:effectRef idx="0">
-                <a:schemeClr val="dk1"/>
-              </a:effectRef>
-              <a:fontRef idx="minor">
+            </a:xfrm>
+            <a:prstGeom prst="rect">
+              <a:avLst/>
+            </a:prstGeom>
+            <a:noFill/>
+            <a:ln w="25400">
+              <a:solidFill>
                 <a:schemeClr val="tx1"/>
-              </a:fontRef>
-            </p:style>
-          </p:cxnSp>
-          <p:sp>
-            <p:nvSpPr>
-              <p:cNvPr id="38" name="Textfeld 37"/>
-              <p:cNvSpPr txBox="1"/>
-              <p:nvPr/>
-            </p:nvSpPr>
-            <p:spPr>
-              <a:xfrm>
-                <a:off x="1772653" y="561474"/>
-                <a:ext cx="1532792" cy="369332"/>
-              </a:xfrm>
-              <a:prstGeom prst="rect">
-                <a:avLst/>
-              </a:prstGeom>
-              <a:noFill/>
-            </p:spPr>
-            <p:txBody>
-              <a:bodyPr wrap="square" rtlCol="0">
-                <a:spAutoFit/>
-              </a:bodyPr>
-              <a:lstStyle/>
-              <a:p>
-                <a:pPr algn="ctr"/>
-                <a:r>
-                  <a:rPr lang="de-DE" dirty="0" smtClean="0"/>
-                  <a:t>Schlüssel</a:t>
-                </a:r>
-                <a:endParaRPr lang="de-DE" dirty="0"/>
-              </a:p>
-            </p:txBody>
-          </p:sp>
-          <p:sp>
-            <p:nvSpPr>
-              <p:cNvPr id="39" name="Textfeld 38"/>
-              <p:cNvSpPr txBox="1"/>
-              <p:nvPr/>
-            </p:nvSpPr>
-            <p:spPr>
-              <a:xfrm>
-                <a:off x="1772653" y="967333"/>
-                <a:ext cx="1532792" cy="369332"/>
-              </a:xfrm>
-              <a:prstGeom prst="rect">
-                <a:avLst/>
-              </a:prstGeom>
-              <a:noFill/>
-            </p:spPr>
-            <p:txBody>
-              <a:bodyPr wrap="none" rtlCol="0">
-                <a:spAutoFit/>
-              </a:bodyPr>
-              <a:lstStyle/>
-              <a:p>
-                <a:pPr algn="ctr"/>
-                <a:r>
-                  <a:rPr lang="de-DE" dirty="0" smtClean="0"/>
-                  <a:t>Speicherinhalt</a:t>
-                </a:r>
-                <a:endParaRPr lang="de-DE" dirty="0"/>
-              </a:p>
-            </p:txBody>
-          </p:sp>
-        </p:grpSp>
+              </a:solidFill>
+            </a:ln>
+          </p:spPr>
+          <p:style>
+            <a:lnRef idx="2">
+              <a:schemeClr val="accent1">
+                <a:shade val="50000"/>
+              </a:schemeClr>
+            </a:lnRef>
+            <a:fillRef idx="1">
+              <a:schemeClr val="accent1"/>
+            </a:fillRef>
+            <a:effectRef idx="0">
+              <a:schemeClr val="accent1"/>
+            </a:effectRef>
+            <a:fontRef idx="minor">
+              <a:schemeClr val="lt1"/>
+            </a:fontRef>
+          </p:style>
+          <p:txBody>
+            <a:bodyPr rtlCol="0" anchor="ctr"/>
+            <a:lstStyle/>
+            <a:p>
+              <a:pPr algn="ctr"/>
+              <a:endParaRPr lang="de-DE"/>
+            </a:p>
+          </p:txBody>
+        </p:sp>
+        <p:cxnSp>
+          <p:nvCxnSpPr>
+            <p:cNvPr id="37" name="Gerader Verbinder 36"/>
+            <p:cNvCxnSpPr/>
+            <p:nvPr/>
+          </p:nvCxnSpPr>
+          <p:spPr>
+            <a:xfrm>
+              <a:off x="1772653" y="945229"/>
+              <a:ext cx="1532792" cy="7681"/>
+            </a:xfrm>
+            <a:prstGeom prst="line">
+              <a:avLst/>
+            </a:prstGeom>
+            <a:ln w="25400">
+              <a:tailEnd type="none"/>
+            </a:ln>
+          </p:spPr>
+          <p:style>
+            <a:lnRef idx="1">
+              <a:schemeClr val="dk1"/>
+            </a:lnRef>
+            <a:fillRef idx="0">
+              <a:schemeClr val="dk1"/>
+            </a:fillRef>
+            <a:effectRef idx="0">
+              <a:schemeClr val="dk1"/>
+            </a:effectRef>
+            <a:fontRef idx="minor">
+              <a:schemeClr val="tx1"/>
+            </a:fontRef>
+          </p:style>
+        </p:cxnSp>
         <p:sp>
           <p:nvSpPr>
-            <p:cNvPr id="34" name="Textfeld 33"/>
+            <p:cNvPr id="38" name="Textfeld 37"/>
             <p:cNvSpPr txBox="1"/>
             <p:nvPr/>
           </p:nvSpPr>
           <p:spPr>
             <a:xfrm>
-              <a:off x="1801030" y="1340734"/>
-              <a:ext cx="1504415" cy="369332"/>
+              <a:off x="1772653" y="561474"/>
+              <a:ext cx="1532792" cy="369332"/>
             </a:xfrm>
             <a:prstGeom prst="rect">
               <a:avLst/>
@@ -5493,7 +5903,7 @@
               <a:pPr algn="ctr"/>
               <a:r>
                 <a:rPr lang="de-DE" dirty="0" smtClean="0"/>
-                <a:t>Kinder</a:t>
+                <a:t>Schlüssel</a:t>
               </a:r>
               <a:endParaRPr lang="de-DE" dirty="0"/>
             </a:p>
@@ -5501,14 +5911,14 @@
         </p:sp>
         <p:sp>
           <p:nvSpPr>
-            <p:cNvPr id="35" name="Textfeld 34"/>
+            <p:cNvPr id="39" name="Textfeld 38"/>
             <p:cNvSpPr txBox="1"/>
             <p:nvPr/>
           </p:nvSpPr>
           <p:spPr>
             <a:xfrm>
-              <a:off x="1801030" y="1635931"/>
-              <a:ext cx="1504415" cy="369332"/>
+              <a:off x="1772653" y="967333"/>
+              <a:ext cx="1532792" cy="369332"/>
             </a:xfrm>
             <a:prstGeom prst="rect">
               <a:avLst/>
@@ -5516,7 +5926,7 @@
             <a:noFill/>
           </p:spPr>
           <p:txBody>
-            <a:bodyPr wrap="square" rtlCol="0">
+            <a:bodyPr wrap="none" rtlCol="0">
               <a:spAutoFit/>
             </a:bodyPr>
             <a:lstStyle/>
@@ -5524,7 +5934,7 @@
               <a:pPr algn="ctr"/>
               <a:r>
                 <a:rPr lang="de-DE" dirty="0" smtClean="0"/>
-                <a:t>Eltern</a:t>
+                <a:t>Speicherinhalt</a:t>
               </a:r>
               <a:endParaRPr lang="de-DE" dirty="0"/>
             </a:p>
@@ -5533,7 +5943,7 @@
       </p:grpSp>
       <p:grpSp>
         <p:nvGrpSpPr>
-          <p:cNvPr id="40" name="Gruppieren 39"/>
+          <p:cNvPr id="41" name="Gruppieren 40"/>
           <p:cNvGrpSpPr/>
           <p:nvPr/>
         </p:nvGrpSpPr>
@@ -5545,172 +5955,95 @@
             <a:chExt cx="1532792" cy="1443789"/>
           </a:xfrm>
         </p:grpSpPr>
-        <p:grpSp>
-          <p:nvGrpSpPr>
-            <p:cNvPr id="41" name="Gruppieren 40"/>
-            <p:cNvGrpSpPr/>
-            <p:nvPr/>
-          </p:nvGrpSpPr>
-          <p:grpSpPr>
+        <p:sp>
+          <p:nvSpPr>
+            <p:cNvPr id="44" name="Rechteck 43"/>
+            <p:cNvSpPr/>
+            <p:nvPr/>
+          </p:nvSpPr>
+          <p:spPr>
             <a:xfrm>
               <a:off x="1772653" y="561474"/>
               <a:ext cx="1532792" cy="1443789"/>
-              <a:chOff x="1772653" y="561474"/>
-              <a:chExt cx="1532792" cy="1443789"/>
-            </a:xfrm>
-          </p:grpSpPr>
-          <p:sp>
-            <p:nvSpPr>
-              <p:cNvPr id="44" name="Rechteck 43"/>
-              <p:cNvSpPr/>
-              <p:nvPr/>
-            </p:nvSpPr>
-            <p:spPr>
-              <a:xfrm>
-                <a:off x="1772653" y="561474"/>
-                <a:ext cx="1532792" cy="1443789"/>
-              </a:xfrm>
-              <a:prstGeom prst="rect">
-                <a:avLst/>
-              </a:prstGeom>
-              <a:noFill/>
-              <a:ln w="25400">
-                <a:solidFill>
-                  <a:schemeClr val="tx1"/>
-                </a:solidFill>
-              </a:ln>
-            </p:spPr>
-            <p:style>
-              <a:lnRef idx="2">
-                <a:schemeClr val="accent1">
-                  <a:shade val="50000"/>
-                </a:schemeClr>
-              </a:lnRef>
-              <a:fillRef idx="1">
-                <a:schemeClr val="accent1"/>
-              </a:fillRef>
-              <a:effectRef idx="0">
-                <a:schemeClr val="accent1"/>
-              </a:effectRef>
-              <a:fontRef idx="minor">
-                <a:schemeClr val="lt1"/>
-              </a:fontRef>
-            </p:style>
-            <p:txBody>
-              <a:bodyPr rtlCol="0" anchor="ctr"/>
-              <a:lstStyle/>
-              <a:p>
-                <a:pPr algn="ctr"/>
-                <a:endParaRPr lang="de-DE"/>
-              </a:p>
-            </p:txBody>
-          </p:sp>
-          <p:cxnSp>
-            <p:nvCxnSpPr>
-              <p:cNvPr id="45" name="Gerader Verbinder 44"/>
-              <p:cNvCxnSpPr/>
-              <p:nvPr/>
-            </p:nvCxnSpPr>
-            <p:spPr>
-              <a:xfrm>
-                <a:off x="1772653" y="945229"/>
-                <a:ext cx="1532792" cy="7681"/>
-              </a:xfrm>
-              <a:prstGeom prst="line">
-                <a:avLst/>
-              </a:prstGeom>
-              <a:ln w="25400">
-                <a:tailEnd type="none"/>
-              </a:ln>
-            </p:spPr>
-            <p:style>
-              <a:lnRef idx="1">
-                <a:schemeClr val="dk1"/>
-              </a:lnRef>
-              <a:fillRef idx="0">
-                <a:schemeClr val="dk1"/>
-              </a:fillRef>
-              <a:effectRef idx="0">
-                <a:schemeClr val="dk1"/>
-              </a:effectRef>
-              <a:fontRef idx="minor">
+            </a:xfrm>
+            <a:prstGeom prst="rect">
+              <a:avLst/>
+            </a:prstGeom>
+            <a:noFill/>
+            <a:ln w="25400">
+              <a:solidFill>
                 <a:schemeClr val="tx1"/>
-              </a:fontRef>
-            </p:style>
-          </p:cxnSp>
-          <p:sp>
-            <p:nvSpPr>
-              <p:cNvPr id="46" name="Textfeld 45"/>
-              <p:cNvSpPr txBox="1"/>
-              <p:nvPr/>
-            </p:nvSpPr>
-            <p:spPr>
-              <a:xfrm>
-                <a:off x="1772653" y="561474"/>
-                <a:ext cx="1532792" cy="369332"/>
-              </a:xfrm>
-              <a:prstGeom prst="rect">
-                <a:avLst/>
-              </a:prstGeom>
-              <a:noFill/>
-            </p:spPr>
-            <p:txBody>
-              <a:bodyPr wrap="square" rtlCol="0">
-                <a:spAutoFit/>
-              </a:bodyPr>
-              <a:lstStyle/>
-              <a:p>
-                <a:pPr algn="ctr"/>
-                <a:r>
-                  <a:rPr lang="de-DE" dirty="0" smtClean="0"/>
-                  <a:t>Schlüssel</a:t>
-                </a:r>
-                <a:endParaRPr lang="de-DE" dirty="0"/>
-              </a:p>
-            </p:txBody>
-          </p:sp>
-          <p:sp>
-            <p:nvSpPr>
-              <p:cNvPr id="47" name="Textfeld 46"/>
-              <p:cNvSpPr txBox="1"/>
-              <p:nvPr/>
-            </p:nvSpPr>
-            <p:spPr>
-              <a:xfrm>
-                <a:off x="1772653" y="967333"/>
-                <a:ext cx="1532792" cy="369332"/>
-              </a:xfrm>
-              <a:prstGeom prst="rect">
-                <a:avLst/>
-              </a:prstGeom>
-              <a:noFill/>
-            </p:spPr>
-            <p:txBody>
-              <a:bodyPr wrap="none" rtlCol="0">
-                <a:spAutoFit/>
-              </a:bodyPr>
-              <a:lstStyle/>
-              <a:p>
-                <a:pPr algn="ctr"/>
-                <a:r>
-                  <a:rPr lang="de-DE" dirty="0" smtClean="0"/>
-                  <a:t>Speicherinhalt</a:t>
-                </a:r>
-                <a:endParaRPr lang="de-DE" dirty="0"/>
-              </a:p>
-            </p:txBody>
-          </p:sp>
-        </p:grpSp>
+              </a:solidFill>
+            </a:ln>
+          </p:spPr>
+          <p:style>
+            <a:lnRef idx="2">
+              <a:schemeClr val="accent1">
+                <a:shade val="50000"/>
+              </a:schemeClr>
+            </a:lnRef>
+            <a:fillRef idx="1">
+              <a:schemeClr val="accent1"/>
+            </a:fillRef>
+            <a:effectRef idx="0">
+              <a:schemeClr val="accent1"/>
+            </a:effectRef>
+            <a:fontRef idx="minor">
+              <a:schemeClr val="lt1"/>
+            </a:fontRef>
+          </p:style>
+          <p:txBody>
+            <a:bodyPr rtlCol="0" anchor="ctr"/>
+            <a:lstStyle/>
+            <a:p>
+              <a:pPr algn="ctr"/>
+              <a:endParaRPr lang="de-DE"/>
+            </a:p>
+          </p:txBody>
+        </p:sp>
+        <p:cxnSp>
+          <p:nvCxnSpPr>
+            <p:cNvPr id="45" name="Gerader Verbinder 44"/>
+            <p:cNvCxnSpPr/>
+            <p:nvPr/>
+          </p:nvCxnSpPr>
+          <p:spPr>
+            <a:xfrm>
+              <a:off x="1772653" y="945229"/>
+              <a:ext cx="1532792" cy="7681"/>
+            </a:xfrm>
+            <a:prstGeom prst="line">
+              <a:avLst/>
+            </a:prstGeom>
+            <a:ln w="25400">
+              <a:tailEnd type="none"/>
+            </a:ln>
+          </p:spPr>
+          <p:style>
+            <a:lnRef idx="1">
+              <a:schemeClr val="dk1"/>
+            </a:lnRef>
+            <a:fillRef idx="0">
+              <a:schemeClr val="dk1"/>
+            </a:fillRef>
+            <a:effectRef idx="0">
+              <a:schemeClr val="dk1"/>
+            </a:effectRef>
+            <a:fontRef idx="minor">
+              <a:schemeClr val="tx1"/>
+            </a:fontRef>
+          </p:style>
+        </p:cxnSp>
         <p:sp>
           <p:nvSpPr>
-            <p:cNvPr id="42" name="Textfeld 41"/>
+            <p:cNvPr id="46" name="Textfeld 45"/>
             <p:cNvSpPr txBox="1"/>
             <p:nvPr/>
           </p:nvSpPr>
           <p:spPr>
             <a:xfrm>
-              <a:off x="1801030" y="1340734"/>
-              <a:ext cx="1504415" cy="369332"/>
+              <a:off x="1772653" y="561474"/>
+              <a:ext cx="1532792" cy="369332"/>
             </a:xfrm>
             <a:prstGeom prst="rect">
               <a:avLst/>
@@ -5726,7 +6059,7 @@
               <a:pPr algn="ctr"/>
               <a:r>
                 <a:rPr lang="de-DE" dirty="0" smtClean="0"/>
-                <a:t>Kinder</a:t>
+                <a:t>Schlüssel</a:t>
               </a:r>
               <a:endParaRPr lang="de-DE" dirty="0"/>
             </a:p>
@@ -5734,14 +6067,139 @@
         </p:sp>
         <p:sp>
           <p:nvSpPr>
-            <p:cNvPr id="43" name="Textfeld 42"/>
+            <p:cNvPr id="47" name="Textfeld 46"/>
             <p:cNvSpPr txBox="1"/>
             <p:nvPr/>
           </p:nvSpPr>
           <p:spPr>
             <a:xfrm>
-              <a:off x="1801030" y="1635931"/>
-              <a:ext cx="1504415" cy="369332"/>
+              <a:off x="1772653" y="967333"/>
+              <a:ext cx="1532792" cy="369332"/>
+            </a:xfrm>
+            <a:prstGeom prst="rect">
+              <a:avLst/>
+            </a:prstGeom>
+            <a:noFill/>
+          </p:spPr>
+          <p:txBody>
+            <a:bodyPr wrap="none" rtlCol="0">
+              <a:spAutoFit/>
+            </a:bodyPr>
+            <a:lstStyle/>
+            <a:p>
+              <a:pPr algn="ctr"/>
+              <a:r>
+                <a:rPr lang="de-DE" dirty="0" smtClean="0"/>
+                <a:t>Speicherinhalt</a:t>
+              </a:r>
+              <a:endParaRPr lang="de-DE" dirty="0"/>
+            </a:p>
+          </p:txBody>
+        </p:sp>
+      </p:grpSp>
+      <p:grpSp>
+        <p:nvGrpSpPr>
+          <p:cNvPr id="49" name="Gruppieren 48"/>
+          <p:cNvGrpSpPr/>
+          <p:nvPr/>
+        </p:nvGrpSpPr>
+        <p:grpSpPr>
+          <a:xfrm>
+            <a:off x="113586" y="4508500"/>
+            <a:ext cx="1532792" cy="1443789"/>
+            <a:chOff x="1772653" y="561474"/>
+            <a:chExt cx="1532792" cy="1443789"/>
+          </a:xfrm>
+        </p:grpSpPr>
+        <p:sp>
+          <p:nvSpPr>
+            <p:cNvPr id="52" name="Rechteck 51"/>
+            <p:cNvSpPr/>
+            <p:nvPr/>
+          </p:nvSpPr>
+          <p:spPr>
+            <a:xfrm>
+              <a:off x="1772653" y="561474"/>
+              <a:ext cx="1532792" cy="1443789"/>
+            </a:xfrm>
+            <a:prstGeom prst="rect">
+              <a:avLst/>
+            </a:prstGeom>
+            <a:noFill/>
+            <a:ln w="25400">
+              <a:solidFill>
+                <a:schemeClr val="tx1"/>
+              </a:solidFill>
+            </a:ln>
+          </p:spPr>
+          <p:style>
+            <a:lnRef idx="2">
+              <a:schemeClr val="accent1">
+                <a:shade val="50000"/>
+              </a:schemeClr>
+            </a:lnRef>
+            <a:fillRef idx="1">
+              <a:schemeClr val="accent1"/>
+            </a:fillRef>
+            <a:effectRef idx="0">
+              <a:schemeClr val="accent1"/>
+            </a:effectRef>
+            <a:fontRef idx="minor">
+              <a:schemeClr val="lt1"/>
+            </a:fontRef>
+          </p:style>
+          <p:txBody>
+            <a:bodyPr rtlCol="0" anchor="ctr"/>
+            <a:lstStyle/>
+            <a:p>
+              <a:pPr algn="ctr"/>
+              <a:endParaRPr lang="de-DE"/>
+            </a:p>
+          </p:txBody>
+        </p:sp>
+        <p:cxnSp>
+          <p:nvCxnSpPr>
+            <p:cNvPr id="53" name="Gerader Verbinder 52"/>
+            <p:cNvCxnSpPr/>
+            <p:nvPr/>
+          </p:nvCxnSpPr>
+          <p:spPr>
+            <a:xfrm>
+              <a:off x="1772653" y="945229"/>
+              <a:ext cx="1532792" cy="7681"/>
+            </a:xfrm>
+            <a:prstGeom prst="line">
+              <a:avLst/>
+            </a:prstGeom>
+            <a:ln w="25400">
+              <a:tailEnd type="none"/>
+            </a:ln>
+          </p:spPr>
+          <p:style>
+            <a:lnRef idx="1">
+              <a:schemeClr val="dk1"/>
+            </a:lnRef>
+            <a:fillRef idx="0">
+              <a:schemeClr val="dk1"/>
+            </a:fillRef>
+            <a:effectRef idx="0">
+              <a:schemeClr val="dk1"/>
+            </a:effectRef>
+            <a:fontRef idx="minor">
+              <a:schemeClr val="tx1"/>
+            </a:fontRef>
+          </p:style>
+        </p:cxnSp>
+        <p:sp>
+          <p:nvSpPr>
+            <p:cNvPr id="54" name="Textfeld 53"/>
+            <p:cNvSpPr txBox="1"/>
+            <p:nvPr/>
+          </p:nvSpPr>
+          <p:spPr>
+            <a:xfrm>
+              <a:off x="1772653" y="561474"/>
+              <a:ext cx="1532792" cy="369332"/>
             </a:xfrm>
             <a:prstGeom prst="rect">
               <a:avLst/>
@@ -5757,7 +6215,38 @@
               <a:pPr algn="ctr"/>
               <a:r>
                 <a:rPr lang="de-DE" dirty="0" smtClean="0"/>
-                <a:t>Eltern</a:t>
+                <a:t>Schlüssel</a:t>
+              </a:r>
+              <a:endParaRPr lang="de-DE" dirty="0"/>
+            </a:p>
+          </p:txBody>
+        </p:sp>
+        <p:sp>
+          <p:nvSpPr>
+            <p:cNvPr id="55" name="Textfeld 54"/>
+            <p:cNvSpPr txBox="1"/>
+            <p:nvPr/>
+          </p:nvSpPr>
+          <p:spPr>
+            <a:xfrm>
+              <a:off x="1772653" y="967333"/>
+              <a:ext cx="1532792" cy="369332"/>
+            </a:xfrm>
+            <a:prstGeom prst="rect">
+              <a:avLst/>
+            </a:prstGeom>
+            <a:noFill/>
+          </p:spPr>
+          <p:txBody>
+            <a:bodyPr wrap="none" rtlCol="0">
+              <a:spAutoFit/>
+            </a:bodyPr>
+            <a:lstStyle/>
+            <a:p>
+              <a:pPr algn="ctr"/>
+              <a:r>
+                <a:rPr lang="de-DE" dirty="0" smtClean="0"/>
+                <a:t>Speicherinhalt</a:t>
               </a:r>
               <a:endParaRPr lang="de-DE" dirty="0"/>
             </a:p>
@@ -5766,184 +6255,107 @@
       </p:grpSp>
       <p:grpSp>
         <p:nvGrpSpPr>
-          <p:cNvPr id="48" name="Gruppieren 47"/>
+          <p:cNvPr id="57" name="Gruppieren 56"/>
           <p:cNvGrpSpPr/>
           <p:nvPr/>
         </p:nvGrpSpPr>
         <p:grpSpPr>
           <a:xfrm>
-            <a:off x="119042" y="4490346"/>
+            <a:off x="6018767" y="2327721"/>
             <a:ext cx="1532792" cy="1443789"/>
             <a:chOff x="1772653" y="561474"/>
             <a:chExt cx="1532792" cy="1443789"/>
           </a:xfrm>
         </p:grpSpPr>
-        <p:grpSp>
-          <p:nvGrpSpPr>
-            <p:cNvPr id="49" name="Gruppieren 48"/>
-            <p:cNvGrpSpPr/>
-            <p:nvPr/>
-          </p:nvGrpSpPr>
-          <p:grpSpPr>
+        <p:sp>
+          <p:nvSpPr>
+            <p:cNvPr id="60" name="Rechteck 59"/>
+            <p:cNvSpPr/>
+            <p:nvPr/>
+          </p:nvSpPr>
+          <p:spPr>
             <a:xfrm>
               <a:off x="1772653" y="561474"/>
               <a:ext cx="1532792" cy="1443789"/>
-              <a:chOff x="1772653" y="561474"/>
-              <a:chExt cx="1532792" cy="1443789"/>
-            </a:xfrm>
-          </p:grpSpPr>
-          <p:sp>
-            <p:nvSpPr>
-              <p:cNvPr id="52" name="Rechteck 51"/>
-              <p:cNvSpPr/>
-              <p:nvPr/>
-            </p:nvSpPr>
-            <p:spPr>
-              <a:xfrm>
-                <a:off x="1772653" y="561474"/>
-                <a:ext cx="1532792" cy="1443789"/>
-              </a:xfrm>
-              <a:prstGeom prst="rect">
-                <a:avLst/>
-              </a:prstGeom>
-              <a:noFill/>
-              <a:ln w="25400">
-                <a:solidFill>
-                  <a:schemeClr val="tx1"/>
-                </a:solidFill>
-              </a:ln>
-            </p:spPr>
-            <p:style>
-              <a:lnRef idx="2">
-                <a:schemeClr val="accent1">
-                  <a:shade val="50000"/>
-                </a:schemeClr>
-              </a:lnRef>
-              <a:fillRef idx="1">
-                <a:schemeClr val="accent1"/>
-              </a:fillRef>
-              <a:effectRef idx="0">
-                <a:schemeClr val="accent1"/>
-              </a:effectRef>
-              <a:fontRef idx="minor">
-                <a:schemeClr val="lt1"/>
-              </a:fontRef>
-            </p:style>
-            <p:txBody>
-              <a:bodyPr rtlCol="0" anchor="ctr"/>
-              <a:lstStyle/>
-              <a:p>
-                <a:pPr algn="ctr"/>
-                <a:endParaRPr lang="de-DE"/>
-              </a:p>
-            </p:txBody>
-          </p:sp>
-          <p:cxnSp>
-            <p:nvCxnSpPr>
-              <p:cNvPr id="53" name="Gerader Verbinder 52"/>
-              <p:cNvCxnSpPr/>
-              <p:nvPr/>
-            </p:nvCxnSpPr>
-            <p:spPr>
-              <a:xfrm>
-                <a:off x="1772653" y="945229"/>
-                <a:ext cx="1532792" cy="7681"/>
-              </a:xfrm>
-              <a:prstGeom prst="line">
-                <a:avLst/>
-              </a:prstGeom>
-              <a:ln w="25400">
-                <a:tailEnd type="none"/>
-              </a:ln>
-            </p:spPr>
-            <p:style>
-              <a:lnRef idx="1">
-                <a:schemeClr val="dk1"/>
-              </a:lnRef>
-              <a:fillRef idx="0">
-                <a:schemeClr val="dk1"/>
-              </a:fillRef>
-              <a:effectRef idx="0">
-                <a:schemeClr val="dk1"/>
-              </a:effectRef>
-              <a:fontRef idx="minor">
+            </a:xfrm>
+            <a:prstGeom prst="rect">
+              <a:avLst/>
+            </a:prstGeom>
+            <a:noFill/>
+            <a:ln w="25400">
+              <a:solidFill>
                 <a:schemeClr val="tx1"/>
-              </a:fontRef>
-            </p:style>
-          </p:cxnSp>
-          <p:sp>
-            <p:nvSpPr>
-              <p:cNvPr id="54" name="Textfeld 53"/>
-              <p:cNvSpPr txBox="1"/>
-              <p:nvPr/>
-            </p:nvSpPr>
-            <p:spPr>
-              <a:xfrm>
-                <a:off x="1772653" y="561474"/>
-                <a:ext cx="1532792" cy="369332"/>
-              </a:xfrm>
-              <a:prstGeom prst="rect">
-                <a:avLst/>
-              </a:prstGeom>
-              <a:noFill/>
-            </p:spPr>
-            <p:txBody>
-              <a:bodyPr wrap="square" rtlCol="0">
-                <a:spAutoFit/>
-              </a:bodyPr>
-              <a:lstStyle/>
-              <a:p>
-                <a:pPr algn="ctr"/>
-                <a:r>
-                  <a:rPr lang="de-DE" dirty="0" smtClean="0"/>
-                  <a:t>Schlüssel</a:t>
-                </a:r>
-                <a:endParaRPr lang="de-DE" dirty="0"/>
-              </a:p>
-            </p:txBody>
-          </p:sp>
-          <p:sp>
-            <p:nvSpPr>
-              <p:cNvPr id="55" name="Textfeld 54"/>
-              <p:cNvSpPr txBox="1"/>
-              <p:nvPr/>
-            </p:nvSpPr>
-            <p:spPr>
-              <a:xfrm>
-                <a:off x="1772653" y="967333"/>
-                <a:ext cx="1532792" cy="369332"/>
-              </a:xfrm>
-              <a:prstGeom prst="rect">
-                <a:avLst/>
-              </a:prstGeom>
-              <a:noFill/>
-            </p:spPr>
-            <p:txBody>
-              <a:bodyPr wrap="none" rtlCol="0">
-                <a:spAutoFit/>
-              </a:bodyPr>
-              <a:lstStyle/>
-              <a:p>
-                <a:pPr algn="ctr"/>
-                <a:r>
-                  <a:rPr lang="de-DE" dirty="0" smtClean="0"/>
-                  <a:t>Speicherinhalt</a:t>
-                </a:r>
-                <a:endParaRPr lang="de-DE" dirty="0"/>
-              </a:p>
-            </p:txBody>
-          </p:sp>
-        </p:grpSp>
+              </a:solidFill>
+            </a:ln>
+          </p:spPr>
+          <p:style>
+            <a:lnRef idx="2">
+              <a:schemeClr val="accent1">
+                <a:shade val="50000"/>
+              </a:schemeClr>
+            </a:lnRef>
+            <a:fillRef idx="1">
+              <a:schemeClr val="accent1"/>
+            </a:fillRef>
+            <a:effectRef idx="0">
+              <a:schemeClr val="accent1"/>
+            </a:effectRef>
+            <a:fontRef idx="minor">
+              <a:schemeClr val="lt1"/>
+            </a:fontRef>
+          </p:style>
+          <p:txBody>
+            <a:bodyPr rtlCol="0" anchor="ctr"/>
+            <a:lstStyle/>
+            <a:p>
+              <a:pPr algn="ctr"/>
+              <a:endParaRPr lang="de-DE"/>
+            </a:p>
+          </p:txBody>
+        </p:sp>
+        <p:cxnSp>
+          <p:nvCxnSpPr>
+            <p:cNvPr id="61" name="Gerader Verbinder 60"/>
+            <p:cNvCxnSpPr/>
+            <p:nvPr/>
+          </p:nvCxnSpPr>
+          <p:spPr>
+            <a:xfrm>
+              <a:off x="1772653" y="945229"/>
+              <a:ext cx="1532792" cy="7681"/>
+            </a:xfrm>
+            <a:prstGeom prst="line">
+              <a:avLst/>
+            </a:prstGeom>
+            <a:ln w="25400">
+              <a:tailEnd type="none"/>
+            </a:ln>
+          </p:spPr>
+          <p:style>
+            <a:lnRef idx="1">
+              <a:schemeClr val="dk1"/>
+            </a:lnRef>
+            <a:fillRef idx="0">
+              <a:schemeClr val="dk1"/>
+            </a:fillRef>
+            <a:effectRef idx="0">
+              <a:schemeClr val="dk1"/>
+            </a:effectRef>
+            <a:fontRef idx="minor">
+              <a:schemeClr val="tx1"/>
+            </a:fontRef>
+          </p:style>
+        </p:cxnSp>
         <p:sp>
           <p:nvSpPr>
-            <p:cNvPr id="50" name="Textfeld 49"/>
+            <p:cNvPr id="62" name="Textfeld 61"/>
             <p:cNvSpPr txBox="1"/>
             <p:nvPr/>
           </p:nvSpPr>
           <p:spPr>
             <a:xfrm>
-              <a:off x="1801030" y="1340734"/>
-              <a:ext cx="1504415" cy="369332"/>
+              <a:off x="1772653" y="561474"/>
+              <a:ext cx="1532792" cy="369332"/>
             </a:xfrm>
             <a:prstGeom prst="rect">
               <a:avLst/>
@@ -5959,7 +6371,7 @@
               <a:pPr algn="ctr"/>
               <a:r>
                 <a:rPr lang="de-DE" dirty="0" smtClean="0"/>
-                <a:t>Kinder</a:t>
+                <a:t>Schlüssel</a:t>
               </a:r>
               <a:endParaRPr lang="de-DE" dirty="0"/>
             </a:p>
@@ -5967,14 +6379,14 @@
         </p:sp>
         <p:sp>
           <p:nvSpPr>
-            <p:cNvPr id="51" name="Textfeld 50"/>
+            <p:cNvPr id="63" name="Textfeld 62"/>
             <p:cNvSpPr txBox="1"/>
             <p:nvPr/>
           </p:nvSpPr>
           <p:spPr>
             <a:xfrm>
-              <a:off x="1801030" y="1635931"/>
-              <a:ext cx="1504415" cy="369332"/>
+              <a:off x="1772653" y="967333"/>
+              <a:ext cx="1532792" cy="369332"/>
             </a:xfrm>
             <a:prstGeom prst="rect">
               <a:avLst/>
@@ -5982,7 +6394,7 @@
             <a:noFill/>
           </p:spPr>
           <p:txBody>
-            <a:bodyPr wrap="square" rtlCol="0">
+            <a:bodyPr wrap="none" rtlCol="0">
               <a:spAutoFit/>
             </a:bodyPr>
             <a:lstStyle/>
@@ -5990,7 +6402,7 @@
               <a:pPr algn="ctr"/>
               <a:r>
                 <a:rPr lang="de-DE" dirty="0" smtClean="0"/>
-                <a:t>Eltern</a:t>
+                <a:t>Speicherinhalt</a:t>
               </a:r>
               <a:endParaRPr lang="de-DE" dirty="0"/>
             </a:p>
@@ -5999,240 +6411,7 @@
       </p:grpSp>
       <p:grpSp>
         <p:nvGrpSpPr>
-          <p:cNvPr id="56" name="Gruppieren 55"/>
-          <p:cNvGrpSpPr/>
-          <p:nvPr/>
-        </p:nvGrpSpPr>
-        <p:grpSpPr>
-          <a:xfrm>
-            <a:off x="6067147" y="2338399"/>
-            <a:ext cx="1532792" cy="1443789"/>
-            <a:chOff x="1772653" y="561474"/>
-            <a:chExt cx="1532792" cy="1443789"/>
-          </a:xfrm>
-        </p:grpSpPr>
-        <p:grpSp>
-          <p:nvGrpSpPr>
-            <p:cNvPr id="57" name="Gruppieren 56"/>
-            <p:cNvGrpSpPr/>
-            <p:nvPr/>
-          </p:nvGrpSpPr>
-          <p:grpSpPr>
-            <a:xfrm>
-              <a:off x="1772653" y="561474"/>
-              <a:ext cx="1532792" cy="1443789"/>
-              <a:chOff x="1772653" y="561474"/>
-              <a:chExt cx="1532792" cy="1443789"/>
-            </a:xfrm>
-          </p:grpSpPr>
-          <p:sp>
-            <p:nvSpPr>
-              <p:cNvPr id="60" name="Rechteck 59"/>
-              <p:cNvSpPr/>
-              <p:nvPr/>
-            </p:nvSpPr>
-            <p:spPr>
-              <a:xfrm>
-                <a:off x="1772653" y="561474"/>
-                <a:ext cx="1532792" cy="1443789"/>
-              </a:xfrm>
-              <a:prstGeom prst="rect">
-                <a:avLst/>
-              </a:prstGeom>
-              <a:noFill/>
-              <a:ln w="25400">
-                <a:solidFill>
-                  <a:schemeClr val="tx1"/>
-                </a:solidFill>
-              </a:ln>
-            </p:spPr>
-            <p:style>
-              <a:lnRef idx="2">
-                <a:schemeClr val="accent1">
-                  <a:shade val="50000"/>
-                </a:schemeClr>
-              </a:lnRef>
-              <a:fillRef idx="1">
-                <a:schemeClr val="accent1"/>
-              </a:fillRef>
-              <a:effectRef idx="0">
-                <a:schemeClr val="accent1"/>
-              </a:effectRef>
-              <a:fontRef idx="minor">
-                <a:schemeClr val="lt1"/>
-              </a:fontRef>
-            </p:style>
-            <p:txBody>
-              <a:bodyPr rtlCol="0" anchor="ctr"/>
-              <a:lstStyle/>
-              <a:p>
-                <a:pPr algn="ctr"/>
-                <a:endParaRPr lang="de-DE"/>
-              </a:p>
-            </p:txBody>
-          </p:sp>
-          <p:cxnSp>
-            <p:nvCxnSpPr>
-              <p:cNvPr id="61" name="Gerader Verbinder 60"/>
-              <p:cNvCxnSpPr/>
-              <p:nvPr/>
-            </p:nvCxnSpPr>
-            <p:spPr>
-              <a:xfrm>
-                <a:off x="1772653" y="945229"/>
-                <a:ext cx="1532792" cy="7681"/>
-              </a:xfrm>
-              <a:prstGeom prst="line">
-                <a:avLst/>
-              </a:prstGeom>
-              <a:ln w="25400">
-                <a:tailEnd type="none"/>
-              </a:ln>
-            </p:spPr>
-            <p:style>
-              <a:lnRef idx="1">
-                <a:schemeClr val="dk1"/>
-              </a:lnRef>
-              <a:fillRef idx="0">
-                <a:schemeClr val="dk1"/>
-              </a:fillRef>
-              <a:effectRef idx="0">
-                <a:schemeClr val="dk1"/>
-              </a:effectRef>
-              <a:fontRef idx="minor">
-                <a:schemeClr val="tx1"/>
-              </a:fontRef>
-            </p:style>
-          </p:cxnSp>
-          <p:sp>
-            <p:nvSpPr>
-              <p:cNvPr id="62" name="Textfeld 61"/>
-              <p:cNvSpPr txBox="1"/>
-              <p:nvPr/>
-            </p:nvSpPr>
-            <p:spPr>
-              <a:xfrm>
-                <a:off x="1772653" y="561474"/>
-                <a:ext cx="1532792" cy="369332"/>
-              </a:xfrm>
-              <a:prstGeom prst="rect">
-                <a:avLst/>
-              </a:prstGeom>
-              <a:noFill/>
-            </p:spPr>
-            <p:txBody>
-              <a:bodyPr wrap="square" rtlCol="0">
-                <a:spAutoFit/>
-              </a:bodyPr>
-              <a:lstStyle/>
-              <a:p>
-                <a:pPr algn="ctr"/>
-                <a:r>
-                  <a:rPr lang="de-DE" dirty="0" smtClean="0"/>
-                  <a:t>Schlüssel</a:t>
-                </a:r>
-                <a:endParaRPr lang="de-DE" dirty="0"/>
-              </a:p>
-            </p:txBody>
-          </p:sp>
-          <p:sp>
-            <p:nvSpPr>
-              <p:cNvPr id="63" name="Textfeld 62"/>
-              <p:cNvSpPr txBox="1"/>
-              <p:nvPr/>
-            </p:nvSpPr>
-            <p:spPr>
-              <a:xfrm>
-                <a:off x="1772653" y="967333"/>
-                <a:ext cx="1532792" cy="369332"/>
-              </a:xfrm>
-              <a:prstGeom prst="rect">
-                <a:avLst/>
-              </a:prstGeom>
-              <a:noFill/>
-            </p:spPr>
-            <p:txBody>
-              <a:bodyPr wrap="none" rtlCol="0">
-                <a:spAutoFit/>
-              </a:bodyPr>
-              <a:lstStyle/>
-              <a:p>
-                <a:pPr algn="ctr"/>
-                <a:r>
-                  <a:rPr lang="de-DE" dirty="0" smtClean="0"/>
-                  <a:t>Speicherinhalt</a:t>
-                </a:r>
-                <a:endParaRPr lang="de-DE" dirty="0"/>
-              </a:p>
-            </p:txBody>
-          </p:sp>
-        </p:grpSp>
-        <p:sp>
-          <p:nvSpPr>
-            <p:cNvPr id="58" name="Textfeld 57"/>
-            <p:cNvSpPr txBox="1"/>
-            <p:nvPr/>
-          </p:nvSpPr>
-          <p:spPr>
-            <a:xfrm>
-              <a:off x="1801030" y="1340734"/>
-              <a:ext cx="1504415" cy="369332"/>
-            </a:xfrm>
-            <a:prstGeom prst="rect">
-              <a:avLst/>
-            </a:prstGeom>
-            <a:noFill/>
-          </p:spPr>
-          <p:txBody>
-            <a:bodyPr wrap="square" rtlCol="0">
-              <a:spAutoFit/>
-            </a:bodyPr>
-            <a:lstStyle/>
-            <a:p>
-              <a:pPr algn="ctr"/>
-              <a:r>
-                <a:rPr lang="de-DE" dirty="0" smtClean="0"/>
-                <a:t>Kinder</a:t>
-              </a:r>
-              <a:endParaRPr lang="de-DE" dirty="0"/>
-            </a:p>
-          </p:txBody>
-        </p:sp>
-        <p:sp>
-          <p:nvSpPr>
-            <p:cNvPr id="59" name="Textfeld 58"/>
-            <p:cNvSpPr txBox="1"/>
-            <p:nvPr/>
-          </p:nvSpPr>
-          <p:spPr>
-            <a:xfrm>
-              <a:off x="1801030" y="1635931"/>
-              <a:ext cx="1504415" cy="369332"/>
-            </a:xfrm>
-            <a:prstGeom prst="rect">
-              <a:avLst/>
-            </a:prstGeom>
-            <a:noFill/>
-          </p:spPr>
-          <p:txBody>
-            <a:bodyPr wrap="square" rtlCol="0">
-              <a:spAutoFit/>
-            </a:bodyPr>
-            <a:lstStyle/>
-            <a:p>
-              <a:pPr algn="ctr"/>
-              <a:r>
-                <a:rPr lang="de-DE" dirty="0" smtClean="0"/>
-                <a:t>Eltern</a:t>
-              </a:r>
-              <a:endParaRPr lang="de-DE" dirty="0"/>
-            </a:p>
-          </p:txBody>
-        </p:sp>
-      </p:grpSp>
-      <p:grpSp>
-        <p:nvGrpSpPr>
-          <p:cNvPr id="64" name="Gruppieren 63"/>
+          <p:cNvPr id="65" name="Gruppieren 64"/>
           <p:cNvGrpSpPr/>
           <p:nvPr/>
         </p:nvGrpSpPr>
@@ -6244,172 +6423,95 @@
             <a:chExt cx="1532792" cy="1443789"/>
           </a:xfrm>
         </p:grpSpPr>
-        <p:grpSp>
-          <p:nvGrpSpPr>
-            <p:cNvPr id="65" name="Gruppieren 64"/>
-            <p:cNvGrpSpPr/>
-            <p:nvPr/>
-          </p:nvGrpSpPr>
-          <p:grpSpPr>
+        <p:sp>
+          <p:nvSpPr>
+            <p:cNvPr id="68" name="Rechteck 67"/>
+            <p:cNvSpPr/>
+            <p:nvPr/>
+          </p:nvSpPr>
+          <p:spPr>
             <a:xfrm>
               <a:off x="1772653" y="561474"/>
               <a:ext cx="1532792" cy="1443789"/>
-              <a:chOff x="1772653" y="561474"/>
-              <a:chExt cx="1532792" cy="1443789"/>
-            </a:xfrm>
-          </p:grpSpPr>
-          <p:sp>
-            <p:nvSpPr>
-              <p:cNvPr id="68" name="Rechteck 67"/>
-              <p:cNvSpPr/>
-              <p:nvPr/>
-            </p:nvSpPr>
-            <p:spPr>
-              <a:xfrm>
-                <a:off x="1772653" y="561474"/>
-                <a:ext cx="1532792" cy="1443789"/>
-              </a:xfrm>
-              <a:prstGeom prst="rect">
-                <a:avLst/>
-              </a:prstGeom>
-              <a:noFill/>
-              <a:ln w="25400">
-                <a:solidFill>
-                  <a:schemeClr val="tx1"/>
-                </a:solidFill>
-              </a:ln>
-            </p:spPr>
-            <p:style>
-              <a:lnRef idx="2">
-                <a:schemeClr val="accent1">
-                  <a:shade val="50000"/>
-                </a:schemeClr>
-              </a:lnRef>
-              <a:fillRef idx="1">
-                <a:schemeClr val="accent1"/>
-              </a:fillRef>
-              <a:effectRef idx="0">
-                <a:schemeClr val="accent1"/>
-              </a:effectRef>
-              <a:fontRef idx="minor">
-                <a:schemeClr val="lt1"/>
-              </a:fontRef>
-            </p:style>
-            <p:txBody>
-              <a:bodyPr rtlCol="0" anchor="ctr"/>
-              <a:lstStyle/>
-              <a:p>
-                <a:pPr algn="ctr"/>
-                <a:endParaRPr lang="de-DE"/>
-              </a:p>
-            </p:txBody>
-          </p:sp>
-          <p:cxnSp>
-            <p:nvCxnSpPr>
-              <p:cNvPr id="69" name="Gerader Verbinder 68"/>
-              <p:cNvCxnSpPr/>
-              <p:nvPr/>
-            </p:nvCxnSpPr>
-            <p:spPr>
-              <a:xfrm>
-                <a:off x="1772653" y="945229"/>
-                <a:ext cx="1532792" cy="7681"/>
-              </a:xfrm>
-              <a:prstGeom prst="line">
-                <a:avLst/>
-              </a:prstGeom>
-              <a:ln w="25400">
-                <a:tailEnd type="none"/>
-              </a:ln>
-            </p:spPr>
-            <p:style>
-              <a:lnRef idx="1">
-                <a:schemeClr val="dk1"/>
-              </a:lnRef>
-              <a:fillRef idx="0">
-                <a:schemeClr val="dk1"/>
-              </a:fillRef>
-              <a:effectRef idx="0">
-                <a:schemeClr val="dk1"/>
-              </a:effectRef>
-              <a:fontRef idx="minor">
+            </a:xfrm>
+            <a:prstGeom prst="rect">
+              <a:avLst/>
+            </a:prstGeom>
+            <a:noFill/>
+            <a:ln w="25400">
+              <a:solidFill>
                 <a:schemeClr val="tx1"/>
-              </a:fontRef>
-            </p:style>
-          </p:cxnSp>
-          <p:sp>
-            <p:nvSpPr>
-              <p:cNvPr id="70" name="Textfeld 69"/>
-              <p:cNvSpPr txBox="1"/>
-              <p:nvPr/>
-            </p:nvSpPr>
-            <p:spPr>
-              <a:xfrm>
-                <a:off x="1772653" y="561474"/>
-                <a:ext cx="1532792" cy="369332"/>
-              </a:xfrm>
-              <a:prstGeom prst="rect">
-                <a:avLst/>
-              </a:prstGeom>
-              <a:noFill/>
-            </p:spPr>
-            <p:txBody>
-              <a:bodyPr wrap="square" rtlCol="0">
-                <a:spAutoFit/>
-              </a:bodyPr>
-              <a:lstStyle/>
-              <a:p>
-                <a:pPr algn="ctr"/>
-                <a:r>
-                  <a:rPr lang="de-DE" dirty="0" smtClean="0"/>
-                  <a:t>Schlüssel</a:t>
-                </a:r>
-                <a:endParaRPr lang="de-DE" dirty="0"/>
-              </a:p>
-            </p:txBody>
-          </p:sp>
-          <p:sp>
-            <p:nvSpPr>
-              <p:cNvPr id="71" name="Textfeld 70"/>
-              <p:cNvSpPr txBox="1"/>
-              <p:nvPr/>
-            </p:nvSpPr>
-            <p:spPr>
-              <a:xfrm>
-                <a:off x="1772653" y="967333"/>
-                <a:ext cx="1532792" cy="369332"/>
-              </a:xfrm>
-              <a:prstGeom prst="rect">
-                <a:avLst/>
-              </a:prstGeom>
-              <a:noFill/>
-            </p:spPr>
-            <p:txBody>
-              <a:bodyPr wrap="none" rtlCol="0">
-                <a:spAutoFit/>
-              </a:bodyPr>
-              <a:lstStyle/>
-              <a:p>
-                <a:pPr algn="ctr"/>
-                <a:r>
-                  <a:rPr lang="de-DE" dirty="0" smtClean="0"/>
-                  <a:t>Speicherinhalt</a:t>
-                </a:r>
-                <a:endParaRPr lang="de-DE" dirty="0"/>
-              </a:p>
-            </p:txBody>
-          </p:sp>
-        </p:grpSp>
+              </a:solidFill>
+            </a:ln>
+          </p:spPr>
+          <p:style>
+            <a:lnRef idx="2">
+              <a:schemeClr val="accent1">
+                <a:shade val="50000"/>
+              </a:schemeClr>
+            </a:lnRef>
+            <a:fillRef idx="1">
+              <a:schemeClr val="accent1"/>
+            </a:fillRef>
+            <a:effectRef idx="0">
+              <a:schemeClr val="accent1"/>
+            </a:effectRef>
+            <a:fontRef idx="minor">
+              <a:schemeClr val="lt1"/>
+            </a:fontRef>
+          </p:style>
+          <p:txBody>
+            <a:bodyPr rtlCol="0" anchor="ctr"/>
+            <a:lstStyle/>
+            <a:p>
+              <a:pPr algn="ctr"/>
+              <a:endParaRPr lang="de-DE"/>
+            </a:p>
+          </p:txBody>
+        </p:sp>
+        <p:cxnSp>
+          <p:nvCxnSpPr>
+            <p:cNvPr id="69" name="Gerader Verbinder 68"/>
+            <p:cNvCxnSpPr/>
+            <p:nvPr/>
+          </p:nvCxnSpPr>
+          <p:spPr>
+            <a:xfrm>
+              <a:off x="1772653" y="945229"/>
+              <a:ext cx="1532792" cy="7681"/>
+            </a:xfrm>
+            <a:prstGeom prst="line">
+              <a:avLst/>
+            </a:prstGeom>
+            <a:ln w="25400">
+              <a:tailEnd type="none"/>
+            </a:ln>
+          </p:spPr>
+          <p:style>
+            <a:lnRef idx="1">
+              <a:schemeClr val="dk1"/>
+            </a:lnRef>
+            <a:fillRef idx="0">
+              <a:schemeClr val="dk1"/>
+            </a:fillRef>
+            <a:effectRef idx="0">
+              <a:schemeClr val="dk1"/>
+            </a:effectRef>
+            <a:fontRef idx="minor">
+              <a:schemeClr val="tx1"/>
+            </a:fontRef>
+          </p:style>
+        </p:cxnSp>
         <p:sp>
           <p:nvSpPr>
-            <p:cNvPr id="66" name="Textfeld 65"/>
+            <p:cNvPr id="70" name="Textfeld 69"/>
             <p:cNvSpPr txBox="1"/>
             <p:nvPr/>
           </p:nvSpPr>
           <p:spPr>
             <a:xfrm>
-              <a:off x="1801030" y="1340734"/>
-              <a:ext cx="1504415" cy="369332"/>
+              <a:off x="1772653" y="561474"/>
+              <a:ext cx="1532792" cy="369332"/>
             </a:xfrm>
             <a:prstGeom prst="rect">
               <a:avLst/>
@@ -6425,7 +6527,7 @@
               <a:pPr algn="ctr"/>
               <a:r>
                 <a:rPr lang="de-DE" dirty="0" smtClean="0"/>
-                <a:t>Kinder</a:t>
+                <a:t>Schlüssel</a:t>
               </a:r>
               <a:endParaRPr lang="de-DE" dirty="0"/>
             </a:p>
@@ -6433,14 +6535,14 @@
         </p:sp>
         <p:sp>
           <p:nvSpPr>
-            <p:cNvPr id="67" name="Textfeld 66"/>
+            <p:cNvPr id="71" name="Textfeld 70"/>
             <p:cNvSpPr txBox="1"/>
             <p:nvPr/>
           </p:nvSpPr>
           <p:spPr>
             <a:xfrm>
-              <a:off x="1801030" y="1635931"/>
-              <a:ext cx="1504415" cy="369332"/>
+              <a:off x="1772653" y="967333"/>
+              <a:ext cx="1532792" cy="369332"/>
             </a:xfrm>
             <a:prstGeom prst="rect">
               <a:avLst/>
@@ -6448,7 +6550,7 @@
             <a:noFill/>
           </p:spPr>
           <p:txBody>
-            <a:bodyPr wrap="square" rtlCol="0">
+            <a:bodyPr wrap="none" rtlCol="0">
               <a:spAutoFit/>
             </a:bodyPr>
             <a:lstStyle/>
@@ -6456,7 +6558,7 @@
               <a:pPr algn="ctr"/>
               <a:r>
                 <a:rPr lang="de-DE" dirty="0" smtClean="0"/>
-                <a:t>Eltern</a:t>
+                <a:t>Speicherinhalt</a:t>
               </a:r>
               <a:endParaRPr lang="de-DE" dirty="0"/>
             </a:p>
@@ -6501,42 +6603,6 @@
       </p:cxnSp>
       <p:cxnSp>
         <p:nvCxnSpPr>
-          <p:cNvPr id="75" name="Gerader Verbinder 74"/>
-          <p:cNvCxnSpPr>
-            <a:stCxn id="14" idx="2"/>
-            <a:endCxn id="68" idx="0"/>
-          </p:cNvCxnSpPr>
-          <p:nvPr/>
-        </p:nvCxnSpPr>
-        <p:spPr>
-          <a:xfrm flipH="1">
-            <a:off x="3796375" y="1502682"/>
-            <a:ext cx="2080298" cy="812717"/>
-          </a:xfrm>
-          <a:prstGeom prst="line">
-            <a:avLst/>
-          </a:prstGeom>
-          <a:ln w="25400">
-            <a:tailEnd type="none"/>
-          </a:ln>
-        </p:spPr>
-        <p:style>
-          <a:lnRef idx="1">
-            <a:schemeClr val="dk1"/>
-          </a:lnRef>
-          <a:fillRef idx="0">
-            <a:schemeClr val="dk1"/>
-          </a:fillRef>
-          <a:effectRef idx="0">
-            <a:schemeClr val="dk1"/>
-          </a:effectRef>
-          <a:fontRef idx="minor">
-            <a:schemeClr val="tx1"/>
-          </a:fontRef>
-        </p:style>
-      </p:cxnSp>
-      <p:cxnSp>
-        <p:nvCxnSpPr>
           <p:cNvPr id="77" name="Gerader Verbinder 76"/>
           <p:cNvCxnSpPr>
             <a:stCxn id="2" idx="2"/>
@@ -6547,7 +6613,7 @@
         <p:spPr>
           <a:xfrm>
             <a:off x="5862484" y="1502682"/>
-            <a:ext cx="971059" cy="835717"/>
+            <a:ext cx="922679" cy="825039"/>
           </a:xfrm>
           <a:prstGeom prst="line">
             <a:avLst/>
@@ -6582,8 +6648,8 @@
         </p:nvCxnSpPr>
         <p:spPr>
           <a:xfrm flipH="1">
-            <a:off x="885438" y="3772489"/>
-            <a:ext cx="3012" cy="717857"/>
+            <a:off x="879982" y="3772489"/>
+            <a:ext cx="8468" cy="736011"/>
           </a:xfrm>
           <a:prstGeom prst="line">
             <a:avLst/>
@@ -6618,8 +6684,8 @@
         </p:nvCxnSpPr>
         <p:spPr>
           <a:xfrm flipH="1">
-            <a:off x="5890861" y="3782188"/>
-            <a:ext cx="942682" cy="708158"/>
+            <a:off x="5890861" y="3771510"/>
+            <a:ext cx="894302" cy="718836"/>
           </a:xfrm>
           <a:prstGeom prst="line">
             <a:avLst/>
@@ -6654,8 +6720,8 @@
         </p:nvCxnSpPr>
         <p:spPr>
           <a:xfrm>
-            <a:off x="6833543" y="3782188"/>
-            <a:ext cx="990957" cy="704342"/>
+            <a:off x="6785163" y="3771510"/>
+            <a:ext cx="1039337" cy="715020"/>
           </a:xfrm>
           <a:prstGeom prst="line">
             <a:avLst/>
@@ -6881,7 +6947,7 @@
         </p:nvSpPr>
         <p:spPr>
           <a:xfrm>
-            <a:off x="1664111" y="2324775"/>
+            <a:off x="1664240" y="2373822"/>
             <a:ext cx="1289135" cy="338554"/>
           </a:xfrm>
           <a:prstGeom prst="rect">
@@ -6919,7 +6985,7 @@
         </p:nvSpPr>
         <p:spPr>
           <a:xfrm>
-            <a:off x="6639179" y="58020"/>
+            <a:off x="4280763" y="122153"/>
             <a:ext cx="828688" cy="338554"/>
           </a:xfrm>
           <a:prstGeom prst="rect">
@@ -6973,7 +7039,7 @@
         </p:nvSpPr>
         <p:spPr>
           <a:xfrm>
-            <a:off x="7599939" y="2317366"/>
+            <a:off x="7576081" y="2382453"/>
             <a:ext cx="1289135" cy="338554"/>
           </a:xfrm>
           <a:prstGeom prst="rect">
@@ -7011,7 +7077,7 @@
         </p:nvSpPr>
         <p:spPr>
           <a:xfrm>
-            <a:off x="4593836" y="2307022"/>
+            <a:off x="4586856" y="2369712"/>
             <a:ext cx="1289135" cy="338554"/>
           </a:xfrm>
           <a:prstGeom prst="rect">
@@ -7049,7 +7115,7 @@
         </p:nvSpPr>
         <p:spPr>
           <a:xfrm>
-            <a:off x="8562519" y="4491739"/>
+            <a:off x="8570796" y="4524520"/>
             <a:ext cx="1289135" cy="338554"/>
           </a:xfrm>
           <a:prstGeom prst="rect">
@@ -7087,7 +7153,7 @@
         </p:nvSpPr>
         <p:spPr>
           <a:xfrm>
-            <a:off x="3699614" y="4484262"/>
+            <a:off x="3731135" y="4549163"/>
             <a:ext cx="1393330" cy="338554"/>
           </a:xfrm>
           <a:prstGeom prst="rect">
@@ -7125,7 +7191,7 @@
         </p:nvSpPr>
         <p:spPr>
           <a:xfrm>
-            <a:off x="1700902" y="4491739"/>
+            <a:off x="1702941" y="4537037"/>
             <a:ext cx="1393330" cy="338554"/>
           </a:xfrm>
           <a:prstGeom prst="rect">
@@ -7200,7 +7266,7 @@
         </p:nvSpPr>
         <p:spPr>
           <a:xfrm>
-            <a:off x="10091127" y="3642569"/>
+            <a:off x="10083476" y="1941857"/>
             <a:ext cx="688009" cy="369332"/>
           </a:xfrm>
           <a:prstGeom prst="rect">
@@ -7323,8 +7389,8 @@
         </p:nvSpPr>
         <p:spPr>
           <a:xfrm>
-            <a:off x="321085" y="564623"/>
-            <a:ext cx="2661498" cy="369332"/>
+            <a:off x="8197718" y="918105"/>
+            <a:ext cx="1785361" cy="646331"/>
           </a:xfrm>
           <a:prstGeom prst="rect">
             <a:avLst/>
@@ -7343,7 +7409,30 @@
                   <a:schemeClr val="accent6"/>
                 </a:solidFill>
               </a:rPr>
-              <a:t>Oberster Knoten = Wurzel</a:t>
+              <a:t>Oberster Knoten </a:t>
+            </a:r>
+            <a:endParaRPr lang="de-DE" dirty="0" smtClean="0">
+              <a:solidFill>
+                <a:schemeClr val="accent6"/>
+              </a:solidFill>
+            </a:endParaRPr>
+          </a:p>
+          <a:p>
+            <a:r>
+              <a:rPr lang="de-DE" dirty="0" smtClean="0">
+                <a:solidFill>
+                  <a:schemeClr val="accent6"/>
+                </a:solidFill>
+              </a:rPr>
+              <a:t>= </a:t>
+            </a:r>
+            <a:r>
+              <a:rPr lang="de-DE" dirty="0" smtClean="0">
+                <a:solidFill>
+                  <a:schemeClr val="accent6"/>
+                </a:solidFill>
+              </a:rPr>
+              <a:t>Wurzel</a:t>
             </a:r>
             <a:endParaRPr lang="de-DE" dirty="0">
               <a:solidFill>
@@ -7361,8 +7450,8 @@
         </p:nvSpPr>
         <p:spPr>
           <a:xfrm>
-            <a:off x="6620094" y="883030"/>
-            <a:ext cx="3341684" cy="307777"/>
+            <a:off x="1702941" y="1156707"/>
+            <a:ext cx="3440365" cy="307777"/>
           </a:xfrm>
           <a:prstGeom prst="rect">
             <a:avLst/>
@@ -7380,7 +7469,7 @@
                   <a:srgbClr val="0070C0"/>
                 </a:solidFill>
               </a:rPr>
-              <a:t>[„1000_4711“, „2000_0815“, „3000_2903“]</a:t>
+              <a:t>[O-1000_4711, O-2000_0815, O-3000_2903]</a:t>
             </a:r>
             <a:endParaRPr lang="de-DE" sz="1400" dirty="0"/>
           </a:p>
@@ -7388,14 +7477,14 @@
       </p:sp>
       <p:sp>
         <p:nvSpPr>
-          <p:cNvPr id="108" name="Rechteck 107"/>
+          <p:cNvPr id="109" name="Rechteck 108"/>
           <p:cNvSpPr/>
           <p:nvPr/>
         </p:nvSpPr>
         <p:spPr>
           <a:xfrm>
-            <a:off x="6639172" y="1153782"/>
-            <a:ext cx="569387" cy="307777"/>
+            <a:off x="7528561" y="3470944"/>
+            <a:ext cx="2454518" cy="307777"/>
           </a:xfrm>
           <a:prstGeom prst="rect">
             <a:avLst/>
@@ -7413,7 +7502,7 @@
                   <a:srgbClr val="0070C0"/>
                 </a:solidFill>
               </a:rPr>
-              <a:t>None</a:t>
+              <a:t>[O-5000_11597, O-6000_5443]</a:t>
             </a:r>
             <a:endParaRPr lang="de-DE" sz="1400" dirty="0"/>
           </a:p>
@@ -7421,14 +7510,14 @@
       </p:sp>
       <p:sp>
         <p:nvSpPr>
-          <p:cNvPr id="109" name="Rechteck 108"/>
+          <p:cNvPr id="111" name="Rechteck 110"/>
           <p:cNvSpPr/>
           <p:nvPr/>
         </p:nvSpPr>
         <p:spPr>
           <a:xfrm>
-            <a:off x="7579878" y="3101010"/>
-            <a:ext cx="2393156" cy="307777"/>
+            <a:off x="7577061" y="3157529"/>
+            <a:ext cx="859466" cy="307777"/>
           </a:xfrm>
           <a:prstGeom prst="rect">
             <a:avLst/>
@@ -7446,40 +7535,7 @@
                   <a:srgbClr val="0070C0"/>
                 </a:solidFill>
               </a:rPr>
-              <a:t>[„5000_11597“, „6000_5443“]</a:t>
-            </a:r>
-            <a:endParaRPr lang="de-DE" sz="1400" dirty="0"/>
-          </a:p>
-        </p:txBody>
-      </p:sp>
-      <p:sp>
-        <p:nvSpPr>
-          <p:cNvPr id="111" name="Rechteck 110"/>
-          <p:cNvSpPr/>
-          <p:nvPr/>
-        </p:nvSpPr>
-        <p:spPr>
-          <a:xfrm>
-            <a:off x="7571864" y="3421158"/>
-            <a:ext cx="750398" cy="307777"/>
-          </a:xfrm>
-          <a:prstGeom prst="rect">
-            <a:avLst/>
-          </a:prstGeom>
-        </p:spPr>
-        <p:txBody>
-          <a:bodyPr wrap="none">
-            <a:spAutoFit/>
-          </a:bodyPr>
-          <a:lstStyle/>
-          <a:p>
-            <a:r>
-              <a:rPr lang="de-DE" sz="1400" i="1" dirty="0" smtClean="0">
-                <a:solidFill>
-                  <a:srgbClr val="0070C0"/>
-                </a:solidFill>
-              </a:rPr>
-              <a:t>„</a:t>
+              <a:t>[„</a:t>
             </a:r>
             <a:r>
               <a:rPr lang="de-DE" sz="1400" i="1" dirty="0" err="1" smtClean="0">
@@ -7495,7 +7551,7 @@
                   <a:srgbClr val="0070C0"/>
                 </a:solidFill>
               </a:rPr>
-              <a:t>“</a:t>
+              <a:t>“]</a:t>
             </a:r>
             <a:endParaRPr lang="de-DE" sz="1400" dirty="0"/>
           </a:p>
@@ -7509,7 +7565,7 @@
         </p:nvSpPr>
         <p:spPr>
           <a:xfrm>
-            <a:off x="1661376" y="5288261"/>
+            <a:off x="1709964" y="5645665"/>
             <a:ext cx="293670" cy="307777"/>
           </a:xfrm>
           <a:prstGeom prst="rect">
@@ -7542,8 +7598,8 @@
         </p:nvSpPr>
         <p:spPr>
           <a:xfrm>
-            <a:off x="1653362" y="5608409"/>
-            <a:ext cx="1156086" cy="307777"/>
+            <a:off x="1685333" y="5324098"/>
+            <a:ext cx="1899366" cy="307777"/>
           </a:xfrm>
           <a:prstGeom prst="rect">
             <a:avLst/>
@@ -7561,7 +7617,23 @@
                   <a:srgbClr val="0070C0"/>
                 </a:solidFill>
               </a:rPr>
-              <a:t>„1000_4711“</a:t>
+              <a:t>[„</a:t>
+            </a:r>
+            <a:r>
+              <a:rPr lang="de-DE" sz="1400" i="1" dirty="0" err="1" smtClean="0">
+                <a:solidFill>
+                  <a:srgbClr val="0070C0"/>
+                </a:solidFill>
+              </a:rPr>
+              <a:t>prints</a:t>
+            </a:r>
+            <a:r>
+              <a:rPr lang="de-DE" sz="1400" i="1" dirty="0" smtClean="0">
+                <a:solidFill>
+                  <a:srgbClr val="0070C0"/>
+                </a:solidFill>
+              </a:rPr>
+              <a:t>“, „1000_4711“]</a:t>
             </a:r>
             <a:endParaRPr lang="de-DE" sz="1400" dirty="0"/>
           </a:p>
@@ -7569,16 +7641,16 @@
       </p:sp>
       <p:sp>
         <p:nvSpPr>
-          <p:cNvPr id="114" name="Geschweifte Klammer links 113"/>
+          <p:cNvPr id="4" name="Geschweifte Klammer rechts 3"/>
           <p:cNvSpPr/>
           <p:nvPr/>
         </p:nvSpPr>
         <p:spPr>
           <a:xfrm>
-            <a:off x="4656796" y="58020"/>
-            <a:ext cx="300847" cy="1461014"/>
+            <a:off x="6756754" y="59709"/>
+            <a:ext cx="191356" cy="1406512"/>
           </a:xfrm>
-          <a:prstGeom prst="leftBrace">
+          <a:prstGeom prst="rightBrace">
             <a:avLst/>
           </a:prstGeom>
           <a:ln w="25400">
@@ -7613,13 +7685,13 @@
       </p:sp>
       <p:sp>
         <p:nvSpPr>
-          <p:cNvPr id="115" name="Textfeld 114"/>
+          <p:cNvPr id="119" name="Textfeld 118"/>
           <p:cNvSpPr txBox="1"/>
           <p:nvPr/>
         </p:nvSpPr>
         <p:spPr>
           <a:xfrm>
-            <a:off x="3652642" y="565942"/>
+            <a:off x="7057879" y="564623"/>
             <a:ext cx="856645" cy="369332"/>
           </a:xfrm>
           <a:prstGeom prst="rect">
@@ -7646,6 +7718,614 @@
                 <a:srgbClr val="8A3CC4"/>
               </a:solidFill>
             </a:endParaRPr>
+          </a:p>
+        </p:txBody>
+      </p:sp>
+      <p:grpSp>
+        <p:nvGrpSpPr>
+          <p:cNvPr id="3" name="Gruppieren 2"/>
+          <p:cNvGrpSpPr/>
+          <p:nvPr/>
+        </p:nvGrpSpPr>
+        <p:grpSpPr>
+          <a:xfrm>
+            <a:off x="5102680" y="856267"/>
+            <a:ext cx="1526199" cy="624311"/>
+            <a:chOff x="5102680" y="856267"/>
+            <a:chExt cx="1526199" cy="624311"/>
+          </a:xfrm>
+        </p:grpSpPr>
+        <p:sp>
+          <p:nvSpPr>
+            <p:cNvPr id="13" name="Textfeld 12"/>
+            <p:cNvSpPr txBox="1"/>
+            <p:nvPr/>
+          </p:nvSpPr>
+          <p:spPr>
+            <a:xfrm>
+              <a:off x="5109272" y="1111246"/>
+              <a:ext cx="1519607" cy="369332"/>
+            </a:xfrm>
+            <a:prstGeom prst="rect">
+              <a:avLst/>
+            </a:prstGeom>
+            <a:noFill/>
+          </p:spPr>
+          <p:txBody>
+            <a:bodyPr wrap="square" rtlCol="0">
+              <a:spAutoFit/>
+            </a:bodyPr>
+            <a:lstStyle/>
+            <a:p>
+              <a:pPr algn="ctr"/>
+              <a:r>
+                <a:rPr lang="de-DE" dirty="0" smtClean="0"/>
+                <a:t>Kinder</a:t>
+              </a:r>
+              <a:endParaRPr lang="de-DE" dirty="0"/>
+            </a:p>
+          </p:txBody>
+        </p:sp>
+        <p:sp>
+          <p:nvSpPr>
+            <p:cNvPr id="130" name="Textfeld 129"/>
+            <p:cNvSpPr txBox="1"/>
+            <p:nvPr/>
+          </p:nvSpPr>
+          <p:spPr>
+            <a:xfrm>
+              <a:off x="5102680" y="856267"/>
+              <a:ext cx="1519607" cy="369332"/>
+            </a:xfrm>
+            <a:prstGeom prst="rect">
+              <a:avLst/>
+            </a:prstGeom>
+            <a:noFill/>
+          </p:spPr>
+          <p:txBody>
+            <a:bodyPr wrap="square" rtlCol="0">
+              <a:spAutoFit/>
+            </a:bodyPr>
+            <a:lstStyle/>
+            <a:p>
+              <a:pPr algn="ctr"/>
+              <a:r>
+                <a:rPr lang="de-DE" dirty="0" smtClean="0"/>
+                <a:t>Elternpfad</a:t>
+              </a:r>
+              <a:endParaRPr lang="de-DE" dirty="0"/>
+            </a:p>
+          </p:txBody>
+        </p:sp>
+      </p:grpSp>
+      <p:grpSp>
+        <p:nvGrpSpPr>
+          <p:cNvPr id="131" name="Gruppieren 130"/>
+          <p:cNvGrpSpPr/>
+          <p:nvPr/>
+        </p:nvGrpSpPr>
+        <p:grpSpPr>
+          <a:xfrm>
+            <a:off x="3033275" y="3119555"/>
+            <a:ext cx="1526199" cy="624311"/>
+            <a:chOff x="5102680" y="856267"/>
+            <a:chExt cx="1526199" cy="624311"/>
+          </a:xfrm>
+        </p:grpSpPr>
+        <p:sp>
+          <p:nvSpPr>
+            <p:cNvPr id="132" name="Textfeld 131"/>
+            <p:cNvSpPr txBox="1"/>
+            <p:nvPr/>
+          </p:nvSpPr>
+          <p:spPr>
+            <a:xfrm>
+              <a:off x="5109272" y="1111246"/>
+              <a:ext cx="1519607" cy="369332"/>
+            </a:xfrm>
+            <a:prstGeom prst="rect">
+              <a:avLst/>
+            </a:prstGeom>
+            <a:noFill/>
+          </p:spPr>
+          <p:txBody>
+            <a:bodyPr wrap="square" rtlCol="0">
+              <a:spAutoFit/>
+            </a:bodyPr>
+            <a:lstStyle/>
+            <a:p>
+              <a:pPr algn="ctr"/>
+              <a:r>
+                <a:rPr lang="de-DE" dirty="0" smtClean="0"/>
+                <a:t>Kinder</a:t>
+              </a:r>
+              <a:endParaRPr lang="de-DE" dirty="0"/>
+            </a:p>
+          </p:txBody>
+        </p:sp>
+        <p:sp>
+          <p:nvSpPr>
+            <p:cNvPr id="133" name="Textfeld 132"/>
+            <p:cNvSpPr txBox="1"/>
+            <p:nvPr/>
+          </p:nvSpPr>
+          <p:spPr>
+            <a:xfrm>
+              <a:off x="5102680" y="856267"/>
+              <a:ext cx="1519607" cy="369332"/>
+            </a:xfrm>
+            <a:prstGeom prst="rect">
+              <a:avLst/>
+            </a:prstGeom>
+            <a:noFill/>
+          </p:spPr>
+          <p:txBody>
+            <a:bodyPr wrap="square" rtlCol="0">
+              <a:spAutoFit/>
+            </a:bodyPr>
+            <a:lstStyle/>
+            <a:p>
+              <a:pPr algn="ctr"/>
+              <a:r>
+                <a:rPr lang="de-DE" dirty="0" smtClean="0"/>
+                <a:t>Elternpfad</a:t>
+              </a:r>
+              <a:endParaRPr lang="de-DE" dirty="0"/>
+            </a:p>
+          </p:txBody>
+        </p:sp>
+      </p:grpSp>
+      <p:grpSp>
+        <p:nvGrpSpPr>
+          <p:cNvPr id="134" name="Gruppieren 133"/>
+          <p:cNvGrpSpPr/>
+          <p:nvPr/>
+        </p:nvGrpSpPr>
+        <p:grpSpPr>
+          <a:xfrm>
+            <a:off x="6031404" y="3147795"/>
+            <a:ext cx="1526199" cy="624311"/>
+            <a:chOff x="5102680" y="856267"/>
+            <a:chExt cx="1526199" cy="624311"/>
+          </a:xfrm>
+        </p:grpSpPr>
+        <p:sp>
+          <p:nvSpPr>
+            <p:cNvPr id="135" name="Textfeld 134"/>
+            <p:cNvSpPr txBox="1"/>
+            <p:nvPr/>
+          </p:nvSpPr>
+          <p:spPr>
+            <a:xfrm>
+              <a:off x="5109272" y="1111246"/>
+              <a:ext cx="1519607" cy="369332"/>
+            </a:xfrm>
+            <a:prstGeom prst="rect">
+              <a:avLst/>
+            </a:prstGeom>
+            <a:noFill/>
+          </p:spPr>
+          <p:txBody>
+            <a:bodyPr wrap="square" rtlCol="0">
+              <a:spAutoFit/>
+            </a:bodyPr>
+            <a:lstStyle/>
+            <a:p>
+              <a:pPr algn="ctr"/>
+              <a:r>
+                <a:rPr lang="de-DE" dirty="0" smtClean="0"/>
+                <a:t>Kinder</a:t>
+              </a:r>
+              <a:endParaRPr lang="de-DE" dirty="0"/>
+            </a:p>
+          </p:txBody>
+        </p:sp>
+        <p:sp>
+          <p:nvSpPr>
+            <p:cNvPr id="136" name="Textfeld 135"/>
+            <p:cNvSpPr txBox="1"/>
+            <p:nvPr/>
+          </p:nvSpPr>
+          <p:spPr>
+            <a:xfrm>
+              <a:off x="5102680" y="856267"/>
+              <a:ext cx="1519607" cy="369332"/>
+            </a:xfrm>
+            <a:prstGeom prst="rect">
+              <a:avLst/>
+            </a:prstGeom>
+            <a:noFill/>
+          </p:spPr>
+          <p:txBody>
+            <a:bodyPr wrap="square" rtlCol="0">
+              <a:spAutoFit/>
+            </a:bodyPr>
+            <a:lstStyle/>
+            <a:p>
+              <a:pPr algn="ctr"/>
+              <a:r>
+                <a:rPr lang="de-DE" dirty="0" smtClean="0"/>
+                <a:t>Elternpfad</a:t>
+              </a:r>
+              <a:endParaRPr lang="de-DE" dirty="0"/>
+            </a:p>
+          </p:txBody>
+        </p:sp>
+      </p:grpSp>
+      <p:grpSp>
+        <p:nvGrpSpPr>
+          <p:cNvPr id="137" name="Gruppieren 136"/>
+          <p:cNvGrpSpPr/>
+          <p:nvPr/>
+        </p:nvGrpSpPr>
+        <p:grpSpPr>
+          <a:xfrm>
+            <a:off x="138890" y="3125995"/>
+            <a:ext cx="1526199" cy="624311"/>
+            <a:chOff x="5102680" y="856267"/>
+            <a:chExt cx="1526199" cy="624311"/>
+          </a:xfrm>
+        </p:grpSpPr>
+        <p:sp>
+          <p:nvSpPr>
+            <p:cNvPr id="138" name="Textfeld 137"/>
+            <p:cNvSpPr txBox="1"/>
+            <p:nvPr/>
+          </p:nvSpPr>
+          <p:spPr>
+            <a:xfrm>
+              <a:off x="5109272" y="1111246"/>
+              <a:ext cx="1519607" cy="369332"/>
+            </a:xfrm>
+            <a:prstGeom prst="rect">
+              <a:avLst/>
+            </a:prstGeom>
+            <a:noFill/>
+          </p:spPr>
+          <p:txBody>
+            <a:bodyPr wrap="square" rtlCol="0">
+              <a:spAutoFit/>
+            </a:bodyPr>
+            <a:lstStyle/>
+            <a:p>
+              <a:pPr algn="ctr"/>
+              <a:r>
+                <a:rPr lang="de-DE" dirty="0" smtClean="0"/>
+                <a:t>Kinder</a:t>
+              </a:r>
+              <a:endParaRPr lang="de-DE" dirty="0"/>
+            </a:p>
+          </p:txBody>
+        </p:sp>
+        <p:sp>
+          <p:nvSpPr>
+            <p:cNvPr id="139" name="Textfeld 138"/>
+            <p:cNvSpPr txBox="1"/>
+            <p:nvPr/>
+          </p:nvSpPr>
+          <p:spPr>
+            <a:xfrm>
+              <a:off x="5102680" y="856267"/>
+              <a:ext cx="1519607" cy="369332"/>
+            </a:xfrm>
+            <a:prstGeom prst="rect">
+              <a:avLst/>
+            </a:prstGeom>
+            <a:noFill/>
+          </p:spPr>
+          <p:txBody>
+            <a:bodyPr wrap="square" rtlCol="0">
+              <a:spAutoFit/>
+            </a:bodyPr>
+            <a:lstStyle/>
+            <a:p>
+              <a:pPr algn="ctr"/>
+              <a:r>
+                <a:rPr lang="de-DE" dirty="0" smtClean="0"/>
+                <a:t>Elternpfad</a:t>
+              </a:r>
+              <a:endParaRPr lang="de-DE" dirty="0"/>
+            </a:p>
+          </p:txBody>
+        </p:sp>
+      </p:grpSp>
+      <p:grpSp>
+        <p:nvGrpSpPr>
+          <p:cNvPr id="140" name="Gruppieren 139"/>
+          <p:cNvGrpSpPr/>
+          <p:nvPr/>
+        </p:nvGrpSpPr>
+        <p:grpSpPr>
+          <a:xfrm>
+            <a:off x="5109596" y="5316301"/>
+            <a:ext cx="1526199" cy="624311"/>
+            <a:chOff x="5102680" y="856267"/>
+            <a:chExt cx="1526199" cy="624311"/>
+          </a:xfrm>
+        </p:grpSpPr>
+        <p:sp>
+          <p:nvSpPr>
+            <p:cNvPr id="141" name="Textfeld 140"/>
+            <p:cNvSpPr txBox="1"/>
+            <p:nvPr/>
+          </p:nvSpPr>
+          <p:spPr>
+            <a:xfrm>
+              <a:off x="5109272" y="1111246"/>
+              <a:ext cx="1519607" cy="369332"/>
+            </a:xfrm>
+            <a:prstGeom prst="rect">
+              <a:avLst/>
+            </a:prstGeom>
+            <a:noFill/>
+          </p:spPr>
+          <p:txBody>
+            <a:bodyPr wrap="square" rtlCol="0">
+              <a:spAutoFit/>
+            </a:bodyPr>
+            <a:lstStyle/>
+            <a:p>
+              <a:pPr algn="ctr"/>
+              <a:r>
+                <a:rPr lang="de-DE" dirty="0" smtClean="0"/>
+                <a:t>Kinder</a:t>
+              </a:r>
+              <a:endParaRPr lang="de-DE" dirty="0"/>
+            </a:p>
+          </p:txBody>
+        </p:sp>
+        <p:sp>
+          <p:nvSpPr>
+            <p:cNvPr id="142" name="Textfeld 141"/>
+            <p:cNvSpPr txBox="1"/>
+            <p:nvPr/>
+          </p:nvSpPr>
+          <p:spPr>
+            <a:xfrm>
+              <a:off x="5102680" y="856267"/>
+              <a:ext cx="1519607" cy="369332"/>
+            </a:xfrm>
+            <a:prstGeom prst="rect">
+              <a:avLst/>
+            </a:prstGeom>
+            <a:noFill/>
+          </p:spPr>
+          <p:txBody>
+            <a:bodyPr wrap="square" rtlCol="0">
+              <a:spAutoFit/>
+            </a:bodyPr>
+            <a:lstStyle/>
+            <a:p>
+              <a:pPr algn="ctr"/>
+              <a:r>
+                <a:rPr lang="de-DE" dirty="0" smtClean="0"/>
+                <a:t>Elternpfad</a:t>
+              </a:r>
+              <a:endParaRPr lang="de-DE" dirty="0"/>
+            </a:p>
+          </p:txBody>
+        </p:sp>
+      </p:grpSp>
+      <p:grpSp>
+        <p:nvGrpSpPr>
+          <p:cNvPr id="143" name="Gruppieren 142"/>
+          <p:cNvGrpSpPr/>
+          <p:nvPr/>
+        </p:nvGrpSpPr>
+        <p:grpSpPr>
+          <a:xfrm>
+            <a:off x="116882" y="5324098"/>
+            <a:ext cx="1526199" cy="624311"/>
+            <a:chOff x="5102680" y="856267"/>
+            <a:chExt cx="1526199" cy="624311"/>
+          </a:xfrm>
+        </p:grpSpPr>
+        <p:sp>
+          <p:nvSpPr>
+            <p:cNvPr id="144" name="Textfeld 143"/>
+            <p:cNvSpPr txBox="1"/>
+            <p:nvPr/>
+          </p:nvSpPr>
+          <p:spPr>
+            <a:xfrm>
+              <a:off x="5109272" y="1111246"/>
+              <a:ext cx="1519607" cy="369332"/>
+            </a:xfrm>
+            <a:prstGeom prst="rect">
+              <a:avLst/>
+            </a:prstGeom>
+            <a:noFill/>
+          </p:spPr>
+          <p:txBody>
+            <a:bodyPr wrap="square" rtlCol="0">
+              <a:spAutoFit/>
+            </a:bodyPr>
+            <a:lstStyle/>
+            <a:p>
+              <a:pPr algn="ctr"/>
+              <a:r>
+                <a:rPr lang="de-DE" dirty="0" smtClean="0"/>
+                <a:t>Kinder</a:t>
+              </a:r>
+              <a:endParaRPr lang="de-DE" dirty="0"/>
+            </a:p>
+          </p:txBody>
+        </p:sp>
+        <p:sp>
+          <p:nvSpPr>
+            <p:cNvPr id="145" name="Textfeld 144"/>
+            <p:cNvSpPr txBox="1"/>
+            <p:nvPr/>
+          </p:nvSpPr>
+          <p:spPr>
+            <a:xfrm>
+              <a:off x="5102680" y="856267"/>
+              <a:ext cx="1519607" cy="369332"/>
+            </a:xfrm>
+            <a:prstGeom prst="rect">
+              <a:avLst/>
+            </a:prstGeom>
+            <a:noFill/>
+          </p:spPr>
+          <p:txBody>
+            <a:bodyPr wrap="square" rtlCol="0">
+              <a:spAutoFit/>
+            </a:bodyPr>
+            <a:lstStyle/>
+            <a:p>
+              <a:pPr algn="ctr"/>
+              <a:r>
+                <a:rPr lang="de-DE" dirty="0" smtClean="0"/>
+                <a:t>Elternpfad</a:t>
+              </a:r>
+              <a:endParaRPr lang="de-DE" dirty="0"/>
+            </a:p>
+          </p:txBody>
+        </p:sp>
+      </p:grpSp>
+      <p:grpSp>
+        <p:nvGrpSpPr>
+          <p:cNvPr id="146" name="Gruppieren 145"/>
+          <p:cNvGrpSpPr/>
+          <p:nvPr/>
+        </p:nvGrpSpPr>
+        <p:grpSpPr>
+          <a:xfrm>
+            <a:off x="7100818" y="5307082"/>
+            <a:ext cx="1526199" cy="624311"/>
+            <a:chOff x="5102680" y="856267"/>
+            <a:chExt cx="1526199" cy="624311"/>
+          </a:xfrm>
+        </p:grpSpPr>
+        <p:sp>
+          <p:nvSpPr>
+            <p:cNvPr id="147" name="Textfeld 146"/>
+            <p:cNvSpPr txBox="1"/>
+            <p:nvPr/>
+          </p:nvSpPr>
+          <p:spPr>
+            <a:xfrm>
+              <a:off x="5109272" y="1111246"/>
+              <a:ext cx="1519607" cy="369332"/>
+            </a:xfrm>
+            <a:prstGeom prst="rect">
+              <a:avLst/>
+            </a:prstGeom>
+            <a:noFill/>
+          </p:spPr>
+          <p:txBody>
+            <a:bodyPr wrap="square" rtlCol="0">
+              <a:spAutoFit/>
+            </a:bodyPr>
+            <a:lstStyle/>
+            <a:p>
+              <a:pPr algn="ctr"/>
+              <a:r>
+                <a:rPr lang="de-DE" dirty="0" smtClean="0"/>
+                <a:t>Kinder</a:t>
+              </a:r>
+              <a:endParaRPr lang="de-DE" dirty="0"/>
+            </a:p>
+          </p:txBody>
+        </p:sp>
+        <p:sp>
+          <p:nvSpPr>
+            <p:cNvPr id="148" name="Textfeld 147"/>
+            <p:cNvSpPr txBox="1"/>
+            <p:nvPr/>
+          </p:nvSpPr>
+          <p:spPr>
+            <a:xfrm>
+              <a:off x="5102680" y="856267"/>
+              <a:ext cx="1519607" cy="369332"/>
+            </a:xfrm>
+            <a:prstGeom prst="rect">
+              <a:avLst/>
+            </a:prstGeom>
+            <a:noFill/>
+          </p:spPr>
+          <p:txBody>
+            <a:bodyPr wrap="square" rtlCol="0">
+              <a:spAutoFit/>
+            </a:bodyPr>
+            <a:lstStyle/>
+            <a:p>
+              <a:pPr algn="ctr"/>
+              <a:r>
+                <a:rPr lang="de-DE" dirty="0" smtClean="0"/>
+                <a:t>Elternpfad</a:t>
+              </a:r>
+              <a:endParaRPr lang="de-DE" dirty="0"/>
+            </a:p>
+          </p:txBody>
+        </p:sp>
+      </p:grpSp>
+      <p:cxnSp>
+        <p:nvCxnSpPr>
+          <p:cNvPr id="9" name="Gerader Verbinder 8"/>
+          <p:cNvCxnSpPr>
+            <a:stCxn id="2" idx="2"/>
+            <a:endCxn id="68" idx="0"/>
+          </p:cNvCxnSpPr>
+          <p:nvPr/>
+        </p:nvCxnSpPr>
+        <p:spPr>
+          <a:xfrm flipH="1">
+            <a:off x="3796375" y="1502682"/>
+            <a:ext cx="2066109" cy="812717"/>
+          </a:xfrm>
+          <a:prstGeom prst="line">
+            <a:avLst/>
+          </a:prstGeom>
+          <a:ln w="25400">
+            <a:tailEnd type="none"/>
+          </a:ln>
+        </p:spPr>
+        <p:style>
+          <a:lnRef idx="1">
+            <a:schemeClr val="dk1"/>
+          </a:lnRef>
+          <a:fillRef idx="0">
+            <a:schemeClr val="dk1"/>
+          </a:fillRef>
+          <a:effectRef idx="0">
+            <a:schemeClr val="dk1"/>
+          </a:effectRef>
+          <a:fontRef idx="minor">
+            <a:schemeClr val="tx1"/>
+          </a:fontRef>
+        </p:style>
+      </p:cxnSp>
+      <p:sp>
+        <p:nvSpPr>
+          <p:cNvPr id="149" name="Rechteck 148"/>
+          <p:cNvSpPr/>
+          <p:nvPr/>
+        </p:nvSpPr>
+        <p:spPr>
+          <a:xfrm>
+            <a:off x="4822518" y="888145"/>
+            <a:ext cx="293670" cy="307777"/>
+          </a:xfrm>
+          <a:prstGeom prst="rect">
+            <a:avLst/>
+          </a:prstGeom>
+        </p:spPr>
+        <p:txBody>
+          <a:bodyPr wrap="none">
+            <a:spAutoFit/>
+          </a:bodyPr>
+          <a:lstStyle/>
+          <a:p>
+            <a:r>
+              <a:rPr lang="de-DE" sz="1400" i="1" dirty="0" smtClean="0">
+                <a:solidFill>
+                  <a:srgbClr val="0070C0"/>
+                </a:solidFill>
+              </a:rPr>
+              <a:t>[]</a:t>
+            </a:r>
+            <a:endParaRPr lang="de-DE" sz="1400" dirty="0"/>
           </a:p>
         </p:txBody>
       </p:sp>

--- a/Dokumentation/Grafiken Unternehmensfähigkeiten.pptx
+++ b/Dokumentation/Grafiken Unternehmensfähigkeiten.pptx
@@ -5234,15 +5234,7 @@
               </a:r>
               <a:r>
                 <a:rPr lang="de-DE" sz="1400" dirty="0" smtClean="0"/>
-                <a:t> </a:t>
-              </a:r>
-              <a:r>
-                <a:rPr lang="de-DE" sz="1400" dirty="0" smtClean="0"/>
-                <a:t>= </a:t>
-              </a:r>
-              <a:r>
-                <a:rPr lang="de-DE" sz="1400" dirty="0" smtClean="0"/>
-                <a:t>[]</a:t>
+                <a:t> = []</a:t>
               </a:r>
               <a:endParaRPr lang="de-DE" sz="1400" dirty="0"/>
             </a:p>
@@ -5371,15 +5363,7 @@
           <a:p>
             <a:r>
               <a:rPr lang="de-DE" b="1" dirty="0" smtClean="0"/>
-              <a:t>Zugriff auf </a:t>
-            </a:r>
-            <a:r>
-              <a:rPr lang="de-DE" b="1" dirty="0" smtClean="0"/>
-              <a:t>Elternpfad </a:t>
-            </a:r>
-            <a:r>
-              <a:rPr lang="de-DE" b="1" dirty="0" smtClean="0"/>
-              <a:t>der Ressource:</a:t>
+              <a:t>Zugriff auf Elternpfad der Ressource:</a:t>
             </a:r>
           </a:p>
           <a:p>
@@ -7411,11 +7395,6 @@
               </a:rPr>
               <a:t>Oberster Knoten </a:t>
             </a:r>
-            <a:endParaRPr lang="de-DE" dirty="0" smtClean="0">
-              <a:solidFill>
-                <a:schemeClr val="accent6"/>
-              </a:solidFill>
-            </a:endParaRPr>
           </a:p>
           <a:p>
             <a:r>
@@ -7424,15 +7403,7 @@
                   <a:schemeClr val="accent6"/>
                 </a:solidFill>
               </a:rPr>
-              <a:t>= </a:t>
-            </a:r>
-            <a:r>
-              <a:rPr lang="de-DE" dirty="0" smtClean="0">
-                <a:solidFill>
-                  <a:schemeClr val="accent6"/>
-                </a:solidFill>
-              </a:rPr>
-              <a:t>Wurzel</a:t>
+              <a:t>= Wurzel</a:t>
             </a:r>
             <a:endParaRPr lang="de-DE" dirty="0">
               <a:solidFill>

--- a/Dokumentation/Grafiken Unternehmensfähigkeiten.pptx
+++ b/Dokumentation/Grafiken Unternehmensfähigkeiten.pptx
@@ -4835,74 +4835,128 @@
       </p:grpSpPr>
       <p:grpSp>
         <p:nvGrpSpPr>
-          <p:cNvPr id="3" name="Gruppieren 2"/>
+          <p:cNvPr id="2" name="Gruppieren 1"/>
           <p:cNvGrpSpPr/>
           <p:nvPr/>
         </p:nvGrpSpPr>
         <p:grpSpPr>
           <a:xfrm>
-            <a:off x="334963" y="545349"/>
-            <a:ext cx="1532792" cy="1443789"/>
-            <a:chOff x="1772653" y="561474"/>
-            <a:chExt cx="1532792" cy="1443789"/>
+            <a:off x="334963" y="161594"/>
+            <a:ext cx="9415023" cy="6149888"/>
+            <a:chOff x="334963" y="161594"/>
+            <a:chExt cx="9415023" cy="6149888"/>
           </a:xfrm>
         </p:grpSpPr>
+        <p:grpSp>
+          <p:nvGrpSpPr>
+            <p:cNvPr id="3" name="Gruppieren 2"/>
+            <p:cNvGrpSpPr/>
+            <p:nvPr/>
+          </p:nvGrpSpPr>
+          <p:grpSpPr>
+            <a:xfrm>
+              <a:off x="334963" y="545349"/>
+              <a:ext cx="1532792" cy="1443789"/>
+              <a:chOff x="1772653" y="561474"/>
+              <a:chExt cx="1532792" cy="1443789"/>
+            </a:xfrm>
+          </p:grpSpPr>
+          <p:sp>
+            <p:nvSpPr>
+              <p:cNvPr id="6" name="Rechteck 5"/>
+              <p:cNvSpPr/>
+              <p:nvPr/>
+            </p:nvSpPr>
+            <p:spPr>
+              <a:xfrm>
+                <a:off x="1772653" y="561474"/>
+                <a:ext cx="1532792" cy="1443789"/>
+              </a:xfrm>
+              <a:prstGeom prst="rect">
+                <a:avLst/>
+              </a:prstGeom>
+              <a:noFill/>
+              <a:ln w="25400">
+                <a:solidFill>
+                  <a:schemeClr val="tx1"/>
+                </a:solidFill>
+              </a:ln>
+            </p:spPr>
+            <p:style>
+              <a:lnRef idx="2">
+                <a:schemeClr val="accent1">
+                  <a:shade val="50000"/>
+                </a:schemeClr>
+              </a:lnRef>
+              <a:fillRef idx="1">
+                <a:schemeClr val="accent1"/>
+              </a:fillRef>
+              <a:effectRef idx="0">
+                <a:schemeClr val="accent1"/>
+              </a:effectRef>
+              <a:fontRef idx="minor">
+                <a:schemeClr val="lt1"/>
+              </a:fontRef>
+            </p:style>
+            <p:txBody>
+              <a:bodyPr rtlCol="0" anchor="ctr"/>
+              <a:lstStyle/>
+              <a:p>
+                <a:pPr algn="ctr"/>
+                <a:endParaRPr lang="de-DE"/>
+              </a:p>
+            </p:txBody>
+          </p:sp>
+          <p:sp>
+            <p:nvSpPr>
+              <p:cNvPr id="8" name="Textfeld 7"/>
+              <p:cNvSpPr txBox="1"/>
+              <p:nvPr/>
+            </p:nvSpPr>
+            <p:spPr>
+              <a:xfrm>
+                <a:off x="1772653" y="561474"/>
+                <a:ext cx="1532792" cy="307777"/>
+              </a:xfrm>
+              <a:prstGeom prst="rect">
+                <a:avLst/>
+              </a:prstGeom>
+              <a:noFill/>
+            </p:spPr>
+            <p:txBody>
+              <a:bodyPr wrap="square" rtlCol="0">
+                <a:spAutoFit/>
+              </a:bodyPr>
+              <a:lstStyle/>
+              <a:p>
+                <a:pPr algn="ctr"/>
+                <a:r>
+                  <a:rPr lang="de-DE" sz="1400" dirty="0" err="1"/>
+                  <a:t>s</a:t>
+                </a:r>
+                <a:r>
+                  <a:rPr lang="de-DE" sz="1400" dirty="0" err="1" smtClean="0"/>
+                  <a:t>peicherdaten</a:t>
+                </a:r>
+                <a:r>
+                  <a:rPr lang="de-DE" sz="1400" dirty="0" smtClean="0"/>
+                  <a:t> = {}</a:t>
+                </a:r>
+                <a:endParaRPr lang="de-DE" sz="1400" dirty="0"/>
+              </a:p>
+            </p:txBody>
+          </p:sp>
+        </p:grpSp>
         <p:sp>
           <p:nvSpPr>
-            <p:cNvPr id="6" name="Rechteck 5"/>
-            <p:cNvSpPr/>
+            <p:cNvPr id="10" name="Textfeld 9"/>
+            <p:cNvSpPr txBox="1"/>
             <p:nvPr/>
           </p:nvSpPr>
           <p:spPr>
             <a:xfrm>
-              <a:off x="1772653" y="561474"/>
-              <a:ext cx="1532792" cy="1443789"/>
-            </a:xfrm>
-            <a:prstGeom prst="rect">
-              <a:avLst/>
-            </a:prstGeom>
-            <a:noFill/>
-            <a:ln w="25400">
-              <a:solidFill>
-                <a:schemeClr val="tx1"/>
-              </a:solidFill>
-            </a:ln>
-          </p:spPr>
-          <p:style>
-            <a:lnRef idx="2">
-              <a:schemeClr val="accent1">
-                <a:shade val="50000"/>
-              </a:schemeClr>
-            </a:lnRef>
-            <a:fillRef idx="1">
-              <a:schemeClr val="accent1"/>
-            </a:fillRef>
-            <a:effectRef idx="0">
-              <a:schemeClr val="accent1"/>
-            </a:effectRef>
-            <a:fontRef idx="minor">
-              <a:schemeClr val="lt1"/>
-            </a:fontRef>
-          </p:style>
-          <p:txBody>
-            <a:bodyPr rtlCol="0" anchor="ctr"/>
-            <a:lstStyle/>
-            <a:p>
-              <a:pPr algn="ctr"/>
-              <a:endParaRPr lang="de-DE"/>
-            </a:p>
-          </p:txBody>
-        </p:sp>
-        <p:sp>
-          <p:nvSpPr>
-            <p:cNvPr id="8" name="Textfeld 7"/>
-            <p:cNvSpPr txBox="1"/>
-            <p:nvPr/>
-          </p:nvSpPr>
-          <p:spPr>
-            <a:xfrm>
-              <a:off x="1772653" y="561474"/>
-              <a:ext cx="1532792" cy="307777"/>
+              <a:off x="334963" y="161594"/>
+              <a:ext cx="1532792" cy="369332"/>
             </a:xfrm>
             <a:prstGeom prst="rect">
               <a:avLst/>
@@ -4910,130 +4964,142 @@
             <a:noFill/>
           </p:spPr>
           <p:txBody>
-            <a:bodyPr wrap="square" rtlCol="0">
+            <a:bodyPr wrap="none" rtlCol="0">
               <a:spAutoFit/>
             </a:bodyPr>
             <a:lstStyle/>
             <a:p>
               <a:pPr algn="ctr"/>
               <a:r>
-                <a:rPr lang="de-DE" sz="1400" dirty="0" err="1"/>
-                <a:t>s</a:t>
+                <a:rPr lang="de-DE" dirty="0" smtClean="0"/>
+                <a:t>Speicherinhalt</a:t>
               </a:r>
-              <a:r>
-                <a:rPr lang="de-DE" sz="1400" dirty="0" err="1" smtClean="0"/>
-                <a:t>peicherdaten</a:t>
-              </a:r>
-              <a:r>
-                <a:rPr lang="de-DE" sz="1400" dirty="0" smtClean="0"/>
-                <a:t> = {}</a:t>
-              </a:r>
-              <a:endParaRPr lang="de-DE" sz="1400" dirty="0"/>
+              <a:endParaRPr lang="de-DE" dirty="0"/>
             </a:p>
           </p:txBody>
         </p:sp>
-      </p:grpSp>
-      <p:sp>
-        <p:nvSpPr>
-          <p:cNvPr id="10" name="Textfeld 9"/>
-          <p:cNvSpPr txBox="1"/>
-          <p:nvPr/>
-        </p:nvSpPr>
-        <p:spPr>
-          <a:xfrm>
-            <a:off x="334963" y="161594"/>
-            <a:ext cx="1532792" cy="369332"/>
-          </a:xfrm>
-          <a:prstGeom prst="rect">
-            <a:avLst/>
-          </a:prstGeom>
-          <a:noFill/>
-        </p:spPr>
-        <p:txBody>
-          <a:bodyPr wrap="none" rtlCol="0">
-            <a:spAutoFit/>
-          </a:bodyPr>
-          <a:lstStyle/>
-          <a:p>
-            <a:pPr algn="ctr"/>
-            <a:r>
-              <a:rPr lang="de-DE" dirty="0" smtClean="0"/>
-              <a:t>Speicherinhalt</a:t>
-            </a:r>
-            <a:endParaRPr lang="de-DE" dirty="0"/>
-          </a:p>
-        </p:txBody>
-      </p:sp>
-      <p:grpSp>
-        <p:nvGrpSpPr>
-          <p:cNvPr id="11" name="Gruppieren 10"/>
-          <p:cNvGrpSpPr/>
-          <p:nvPr/>
-        </p:nvGrpSpPr>
-        <p:grpSpPr>
-          <a:xfrm>
-            <a:off x="334963" y="2646864"/>
-            <a:ext cx="1532792" cy="1443789"/>
-            <a:chOff x="1772653" y="561474"/>
-            <a:chExt cx="1532792" cy="1443789"/>
-          </a:xfrm>
-        </p:grpSpPr>
+        <p:grpSp>
+          <p:nvGrpSpPr>
+            <p:cNvPr id="11" name="Gruppieren 10"/>
+            <p:cNvGrpSpPr/>
+            <p:nvPr/>
+          </p:nvGrpSpPr>
+          <p:grpSpPr>
+            <a:xfrm>
+              <a:off x="334963" y="2646864"/>
+              <a:ext cx="1532792" cy="1443789"/>
+              <a:chOff x="1772653" y="561474"/>
+              <a:chExt cx="1532792" cy="1443789"/>
+            </a:xfrm>
+          </p:grpSpPr>
+          <p:sp>
+            <p:nvSpPr>
+              <p:cNvPr id="12" name="Rechteck 11"/>
+              <p:cNvSpPr/>
+              <p:nvPr/>
+            </p:nvSpPr>
+            <p:spPr>
+              <a:xfrm>
+                <a:off x="1772653" y="561474"/>
+                <a:ext cx="1532792" cy="1443789"/>
+              </a:xfrm>
+              <a:prstGeom prst="rect">
+                <a:avLst/>
+              </a:prstGeom>
+              <a:noFill/>
+              <a:ln w="25400">
+                <a:solidFill>
+                  <a:schemeClr val="tx1"/>
+                </a:solidFill>
+              </a:ln>
+            </p:spPr>
+            <p:style>
+              <a:lnRef idx="2">
+                <a:schemeClr val="accent1">
+                  <a:shade val="50000"/>
+                </a:schemeClr>
+              </a:lnRef>
+              <a:fillRef idx="1">
+                <a:schemeClr val="accent1"/>
+              </a:fillRef>
+              <a:effectRef idx="0">
+                <a:schemeClr val="accent1"/>
+              </a:effectRef>
+              <a:fontRef idx="minor">
+                <a:schemeClr val="lt1"/>
+              </a:fontRef>
+            </p:style>
+            <p:txBody>
+              <a:bodyPr rtlCol="0" anchor="ctr"/>
+              <a:lstStyle/>
+              <a:p>
+                <a:pPr algn="ctr"/>
+                <a:endParaRPr lang="de-DE"/>
+              </a:p>
+            </p:txBody>
+          </p:sp>
+          <p:sp>
+            <p:nvSpPr>
+              <p:cNvPr id="13" name="Textfeld 12"/>
+              <p:cNvSpPr txBox="1"/>
+              <p:nvPr/>
+            </p:nvSpPr>
+            <p:spPr>
+              <a:xfrm>
+                <a:off x="1772653" y="561474"/>
+                <a:ext cx="1532792" cy="954107"/>
+              </a:xfrm>
+              <a:prstGeom prst="rect">
+                <a:avLst/>
+              </a:prstGeom>
+              <a:noFill/>
+            </p:spPr>
+            <p:txBody>
+              <a:bodyPr wrap="square" rtlCol="0">
+                <a:spAutoFit/>
+              </a:bodyPr>
+              <a:lstStyle/>
+              <a:p>
+                <a:pPr algn="ctr"/>
+                <a:r>
+                  <a:rPr lang="de-DE" sz="1400" dirty="0" err="1" smtClean="0"/>
+                  <a:t>schluessel_ein</a:t>
+                </a:r>
+                <a:r>
+                  <a:rPr lang="de-DE" sz="1400" dirty="0" smtClean="0"/>
+                  <a:t> = </a:t>
+                </a:r>
+                <a:r>
+                  <a:rPr lang="de-DE" sz="1400" dirty="0" err="1" smtClean="0"/>
+                  <a:t>schluessel</a:t>
+                </a:r>
+                <a:endParaRPr lang="de-DE" sz="1400" dirty="0"/>
+              </a:p>
+              <a:p>
+                <a:pPr algn="ctr"/>
+                <a:r>
+                  <a:rPr lang="de-DE" sz="1400" dirty="0" err="1" smtClean="0"/>
+                  <a:t>speicherinhalt</a:t>
+                </a:r>
+                <a:r>
+                  <a:rPr lang="de-DE" sz="1400" dirty="0" smtClean="0"/>
+                  <a:t> = Speicherinhalt</a:t>
+                </a:r>
+                <a:endParaRPr lang="de-DE" sz="1400" dirty="0"/>
+              </a:p>
+            </p:txBody>
+          </p:sp>
+        </p:grpSp>
         <p:sp>
           <p:nvSpPr>
-            <p:cNvPr id="12" name="Rechteck 11"/>
-            <p:cNvSpPr/>
+            <p:cNvPr id="14" name="Textfeld 13"/>
+            <p:cNvSpPr txBox="1"/>
             <p:nvPr/>
           </p:nvSpPr>
           <p:spPr>
             <a:xfrm>
-              <a:off x="1772653" y="561474"/>
-              <a:ext cx="1532792" cy="1443789"/>
-            </a:xfrm>
-            <a:prstGeom prst="rect">
-              <a:avLst/>
-            </a:prstGeom>
-            <a:noFill/>
-            <a:ln w="25400">
-              <a:solidFill>
-                <a:schemeClr val="tx1"/>
-              </a:solidFill>
-            </a:ln>
-          </p:spPr>
-          <p:style>
-            <a:lnRef idx="2">
-              <a:schemeClr val="accent1">
-                <a:shade val="50000"/>
-              </a:schemeClr>
-            </a:lnRef>
-            <a:fillRef idx="1">
-              <a:schemeClr val="accent1"/>
-            </a:fillRef>
-            <a:effectRef idx="0">
-              <a:schemeClr val="accent1"/>
-            </a:effectRef>
-            <a:fontRef idx="minor">
-              <a:schemeClr val="lt1"/>
-            </a:fontRef>
-          </p:style>
-          <p:txBody>
-            <a:bodyPr rtlCol="0" anchor="ctr"/>
-            <a:lstStyle/>
-            <a:p>
-              <a:pPr algn="ctr"/>
-              <a:endParaRPr lang="de-DE"/>
-            </a:p>
-          </p:txBody>
-        </p:sp>
-        <p:sp>
-          <p:nvSpPr>
-            <p:cNvPr id="13" name="Textfeld 12"/>
-            <p:cNvSpPr txBox="1"/>
-            <p:nvPr/>
-          </p:nvSpPr>
-          <p:spPr>
-            <a:xfrm>
-              <a:off x="1772653" y="561474"/>
-              <a:ext cx="1532792" cy="954107"/>
+              <a:off x="334963" y="2277532"/>
+              <a:ext cx="3337709" cy="369332"/>
             </a:xfrm>
             <a:prstGeom prst="rect">
               <a:avLst/>
@@ -5041,158 +5107,164 @@
             <a:noFill/>
           </p:spPr>
           <p:txBody>
-            <a:bodyPr wrap="square" rtlCol="0">
+            <a:bodyPr wrap="none" rtlCol="0">
               <a:spAutoFit/>
             </a:bodyPr>
             <a:lstStyle/>
             <a:p>
               <a:pPr algn="ctr"/>
               <a:r>
-                <a:rPr lang="de-DE" sz="1400" dirty="0" err="1" smtClean="0"/>
-                <a:t>schluessel_ein</a:t>
+                <a:rPr lang="de-DE" dirty="0" smtClean="0"/>
+                <a:t>Speicherelement (</a:t>
               </a:r>
               <a:r>
-                <a:rPr lang="de-DE" sz="1400" dirty="0" smtClean="0"/>
-                <a:t> = </a:t>
+                <a:rPr lang="de-DE" dirty="0" err="1" smtClean="0"/>
+                <a:t>self</a:t>
               </a:r>
               <a:r>
-                <a:rPr lang="de-DE" sz="1400" dirty="0" err="1" smtClean="0"/>
+                <a:rPr lang="de-DE" dirty="0" smtClean="0"/>
+                <a:t>, </a:t>
+              </a:r>
+              <a:r>
+                <a:rPr lang="de-DE" dirty="0" err="1" smtClean="0"/>
                 <a:t>schluessel</a:t>
               </a:r>
-              <a:endParaRPr lang="de-DE" sz="1400" dirty="0"/>
-            </a:p>
-            <a:p>
-              <a:pPr algn="ctr"/>
               <a:r>
-                <a:rPr lang="de-DE" sz="1400" dirty="0" err="1" smtClean="0"/>
-                <a:t>speicherinhalt</a:t>
+                <a:rPr lang="de-DE" dirty="0" smtClean="0"/>
+                <a:t>)</a:t>
               </a:r>
-              <a:r>
-                <a:rPr lang="de-DE" sz="1400" dirty="0" smtClean="0"/>
-                <a:t> = Speicherinhalt</a:t>
-              </a:r>
-              <a:endParaRPr lang="de-DE" sz="1400" dirty="0"/>
+              <a:endParaRPr lang="de-DE" dirty="0"/>
             </a:p>
           </p:txBody>
         </p:sp>
-      </p:grpSp>
-      <p:sp>
-        <p:nvSpPr>
-          <p:cNvPr id="14" name="Textfeld 13"/>
-          <p:cNvSpPr txBox="1"/>
-          <p:nvPr/>
-        </p:nvSpPr>
-        <p:spPr>
-          <a:xfrm>
-            <a:off x="334963" y="2277532"/>
-            <a:ext cx="3337709" cy="369332"/>
-          </a:xfrm>
-          <a:prstGeom prst="rect">
-            <a:avLst/>
-          </a:prstGeom>
-          <a:noFill/>
-        </p:spPr>
-        <p:txBody>
-          <a:bodyPr wrap="none" rtlCol="0">
-            <a:spAutoFit/>
-          </a:bodyPr>
-          <a:lstStyle/>
-          <a:p>
-            <a:pPr algn="ctr"/>
-            <a:r>
-              <a:rPr lang="de-DE" dirty="0" smtClean="0"/>
-              <a:t>Speicherelement (</a:t>
-            </a:r>
-            <a:r>
-              <a:rPr lang="de-DE" dirty="0" err="1" smtClean="0"/>
-              <a:t>self</a:t>
-            </a:r>
-            <a:r>
-              <a:rPr lang="de-DE" dirty="0" smtClean="0"/>
-              <a:t>, </a:t>
-            </a:r>
-            <a:r>
-              <a:rPr lang="de-DE" dirty="0" err="1" smtClean="0"/>
-              <a:t>schluessel</a:t>
-            </a:r>
-            <a:r>
-              <a:rPr lang="de-DE" dirty="0" smtClean="0"/>
-              <a:t>)</a:t>
-            </a:r>
-            <a:endParaRPr lang="de-DE" dirty="0"/>
-          </a:p>
-        </p:txBody>
-      </p:sp>
-      <p:grpSp>
-        <p:nvGrpSpPr>
-          <p:cNvPr id="15" name="Gruppieren 14"/>
-          <p:cNvGrpSpPr/>
-          <p:nvPr/>
-        </p:nvGrpSpPr>
-        <p:grpSpPr>
-          <a:xfrm>
-            <a:off x="334963" y="4867693"/>
-            <a:ext cx="1532792" cy="1443789"/>
-            <a:chOff x="1772653" y="561474"/>
-            <a:chExt cx="1532792" cy="1443789"/>
-          </a:xfrm>
-        </p:grpSpPr>
+        <p:grpSp>
+          <p:nvGrpSpPr>
+            <p:cNvPr id="15" name="Gruppieren 14"/>
+            <p:cNvGrpSpPr/>
+            <p:nvPr/>
+          </p:nvGrpSpPr>
+          <p:grpSpPr>
+            <a:xfrm>
+              <a:off x="334963" y="4867693"/>
+              <a:ext cx="1532792" cy="1443789"/>
+              <a:chOff x="1772653" y="561474"/>
+              <a:chExt cx="1532792" cy="1443789"/>
+            </a:xfrm>
+          </p:grpSpPr>
+          <p:sp>
+            <p:nvSpPr>
+              <p:cNvPr id="16" name="Rechteck 15"/>
+              <p:cNvSpPr/>
+              <p:nvPr/>
+            </p:nvSpPr>
+            <p:spPr>
+              <a:xfrm>
+                <a:off x="1772653" y="561474"/>
+                <a:ext cx="1532792" cy="1443789"/>
+              </a:xfrm>
+              <a:prstGeom prst="rect">
+                <a:avLst/>
+              </a:prstGeom>
+              <a:noFill/>
+              <a:ln w="25400">
+                <a:solidFill>
+                  <a:schemeClr val="tx1"/>
+                </a:solidFill>
+              </a:ln>
+            </p:spPr>
+            <p:style>
+              <a:lnRef idx="2">
+                <a:schemeClr val="accent1">
+                  <a:shade val="50000"/>
+                </a:schemeClr>
+              </a:lnRef>
+              <a:fillRef idx="1">
+                <a:schemeClr val="accent1"/>
+              </a:fillRef>
+              <a:effectRef idx="0">
+                <a:schemeClr val="accent1"/>
+              </a:effectRef>
+              <a:fontRef idx="minor">
+                <a:schemeClr val="lt1"/>
+              </a:fontRef>
+            </p:style>
+            <p:txBody>
+              <a:bodyPr rtlCol="0" anchor="ctr"/>
+              <a:lstStyle/>
+              <a:p>
+                <a:pPr algn="ctr"/>
+                <a:endParaRPr lang="de-DE"/>
+              </a:p>
+            </p:txBody>
+          </p:sp>
+          <p:sp>
+            <p:nvSpPr>
+              <p:cNvPr id="17" name="Textfeld 16"/>
+              <p:cNvSpPr txBox="1"/>
+              <p:nvPr/>
+            </p:nvSpPr>
+            <p:spPr>
+              <a:xfrm>
+                <a:off x="1772653" y="561474"/>
+                <a:ext cx="1532792" cy="954107"/>
+              </a:xfrm>
+              <a:prstGeom prst="rect">
+                <a:avLst/>
+              </a:prstGeom>
+              <a:noFill/>
+            </p:spPr>
+            <p:txBody>
+              <a:bodyPr wrap="square" rtlCol="0">
+                <a:spAutoFit/>
+              </a:bodyPr>
+              <a:lstStyle/>
+              <a:p>
+                <a:pPr algn="ctr"/>
+                <a:r>
+                  <a:rPr lang="de-DE" sz="1400" dirty="0" err="1" smtClean="0"/>
+                  <a:t>speicherelement</a:t>
+                </a:r>
+                <a:r>
+                  <a:rPr lang="de-DE" sz="1400" dirty="0" smtClean="0"/>
+                  <a:t> = None</a:t>
+                </a:r>
+              </a:p>
+              <a:p>
+                <a:pPr algn="ctr"/>
+                <a:r>
+                  <a:rPr lang="de-DE" sz="1400" dirty="0" err="1" smtClean="0"/>
+                  <a:t>kinder</a:t>
+                </a:r>
+                <a:r>
+                  <a:rPr lang="de-DE" sz="1400" dirty="0" smtClean="0"/>
+                  <a:t> = []</a:t>
+                </a:r>
+              </a:p>
+              <a:p>
+                <a:pPr algn="ctr"/>
+                <a:r>
+                  <a:rPr lang="de-DE" sz="1400" dirty="0" err="1" smtClean="0"/>
+                  <a:t>elternpfad</a:t>
+                </a:r>
+                <a:r>
+                  <a:rPr lang="de-DE" sz="1400" dirty="0" smtClean="0"/>
+                  <a:t> = []</a:t>
+                </a:r>
+                <a:endParaRPr lang="de-DE" sz="1400" dirty="0"/>
+              </a:p>
+            </p:txBody>
+          </p:sp>
+        </p:grpSp>
         <p:sp>
           <p:nvSpPr>
-            <p:cNvPr id="16" name="Rechteck 15"/>
-            <p:cNvSpPr/>
+            <p:cNvPr id="18" name="Textfeld 17"/>
+            <p:cNvSpPr txBox="1"/>
             <p:nvPr/>
           </p:nvSpPr>
           <p:spPr>
             <a:xfrm>
-              <a:off x="1772653" y="561474"/>
-              <a:ext cx="1532792" cy="1443789"/>
-            </a:xfrm>
-            <a:prstGeom prst="rect">
-              <a:avLst/>
-            </a:prstGeom>
-            <a:noFill/>
-            <a:ln w="25400">
-              <a:solidFill>
-                <a:schemeClr val="tx1"/>
-              </a:solidFill>
-            </a:ln>
-          </p:spPr>
-          <p:style>
-            <a:lnRef idx="2">
-              <a:schemeClr val="accent1">
-                <a:shade val="50000"/>
-              </a:schemeClr>
-            </a:lnRef>
-            <a:fillRef idx="1">
-              <a:schemeClr val="accent1"/>
-            </a:fillRef>
-            <a:effectRef idx="0">
-              <a:schemeClr val="accent1"/>
-            </a:effectRef>
-            <a:fontRef idx="minor">
-              <a:schemeClr val="lt1"/>
-            </a:fontRef>
-          </p:style>
-          <p:txBody>
-            <a:bodyPr rtlCol="0" anchor="ctr"/>
-            <a:lstStyle/>
-            <a:p>
-              <a:pPr algn="ctr"/>
-              <a:endParaRPr lang="de-DE"/>
-            </a:p>
-          </p:txBody>
-        </p:sp>
-        <p:sp>
-          <p:nvSpPr>
-            <p:cNvPr id="17" name="Textfeld 16"/>
-            <p:cNvSpPr txBox="1"/>
-            <p:nvPr/>
-          </p:nvSpPr>
-          <p:spPr>
-            <a:xfrm>
-              <a:off x="1772653" y="561474"/>
-              <a:ext cx="1532792" cy="954107"/>
+              <a:off x="738119" y="4483938"/>
+              <a:ext cx="726481" cy="369332"/>
             </a:xfrm>
             <a:prstGeom prst="rect">
               <a:avLst/>
@@ -5200,233 +5272,176 @@
             <a:noFill/>
           </p:spPr>
           <p:txBody>
-            <a:bodyPr wrap="square" rtlCol="0">
+            <a:bodyPr wrap="none" rtlCol="0">
               <a:spAutoFit/>
             </a:bodyPr>
             <a:lstStyle/>
             <a:p>
               <a:pPr algn="ctr"/>
               <a:r>
-                <a:rPr lang="de-DE" sz="1400" dirty="0" err="1" smtClean="0"/>
-                <a:t>speicherelement</a:t>
+                <a:rPr lang="de-DE" dirty="0" smtClean="0"/>
+                <a:t>Baum</a:t>
               </a:r>
+              <a:endParaRPr lang="de-DE" dirty="0"/>
+            </a:p>
+          </p:txBody>
+        </p:sp>
+        <p:sp>
+          <p:nvSpPr>
+            <p:cNvPr id="19" name="Textfeld 18"/>
+            <p:cNvSpPr txBox="1"/>
+            <p:nvPr/>
+          </p:nvSpPr>
+          <p:spPr>
+            <a:xfrm>
+              <a:off x="4612105" y="176017"/>
+              <a:ext cx="5137881" cy="4801314"/>
+            </a:xfrm>
+            <a:prstGeom prst="rect">
+              <a:avLst/>
+            </a:prstGeom>
+            <a:noFill/>
+          </p:spPr>
+          <p:txBody>
+            <a:bodyPr wrap="none" rtlCol="0">
+              <a:spAutoFit/>
+            </a:bodyPr>
+            <a:lstStyle/>
+            <a:p>
               <a:r>
-                <a:rPr lang="de-DE" sz="1400" dirty="0" smtClean="0"/>
-                <a:t> = None</a:t>
+                <a:rPr lang="de-DE" b="1" dirty="0" smtClean="0"/>
+                <a:t>Zugriff auf Ressource:</a:t>
               </a:r>
             </a:p>
             <a:p>
-              <a:pPr algn="ctr"/>
               <a:r>
-                <a:rPr lang="de-DE" sz="1400" dirty="0" err="1" smtClean="0"/>
-                <a:t>kinder</a:t>
-              </a:r>
-              <a:r>
-                <a:rPr lang="de-DE" sz="1400" dirty="0" smtClean="0"/>
-                <a:t> = []</a:t>
+                <a:rPr lang="de-DE" dirty="0" smtClean="0">
+                  <a:solidFill>
+                    <a:srgbClr val="0070C0"/>
+                  </a:solidFill>
+                </a:rPr>
+                <a:t>Baum</a:t>
               </a:r>
             </a:p>
             <a:p>
-              <a:pPr algn="ctr"/>
+              <a:endParaRPr lang="de-DE" b="1" dirty="0"/>
+            </a:p>
+            <a:p>
               <a:r>
-                <a:rPr lang="de-DE" sz="1400" dirty="0" err="1" smtClean="0"/>
-                <a:t>elternpfad</a:t>
+                <a:rPr lang="de-DE" b="1" dirty="0" smtClean="0"/>
+                <a:t>Zugriff auf Speicherelement der Ressource:</a:t>
               </a:r>
+            </a:p>
+            <a:p>
               <a:r>
-                <a:rPr lang="de-DE" sz="1400" dirty="0" smtClean="0"/>
-                <a:t> = []</a:t>
+                <a:rPr lang="de-DE" dirty="0" err="1" smtClean="0">
+                  <a:solidFill>
+                    <a:srgbClr val="0070C0"/>
+                  </a:solidFill>
+                </a:rPr>
+                <a:t>Baum.speicherelement</a:t>
               </a:r>
-              <a:endParaRPr lang="de-DE" sz="1400" dirty="0"/>
+              <a:endParaRPr lang="de-DE" dirty="0" smtClean="0">
+                <a:solidFill>
+                  <a:srgbClr val="0070C0"/>
+                </a:solidFill>
+              </a:endParaRPr>
+            </a:p>
+            <a:p>
+              <a:endParaRPr lang="de-DE" b="1" dirty="0"/>
+            </a:p>
+            <a:p>
+              <a:r>
+                <a:rPr lang="de-DE" b="1" dirty="0" smtClean="0"/>
+                <a:t>Zugriff auf Kinder der Ressource:</a:t>
+              </a:r>
+            </a:p>
+            <a:p>
+              <a:r>
+                <a:rPr lang="de-DE" dirty="0" err="1" smtClean="0">
+                  <a:solidFill>
+                    <a:srgbClr val="0070C0"/>
+                  </a:solidFill>
+                </a:rPr>
+                <a:t>Baum.kinder</a:t>
+              </a:r>
+              <a:endParaRPr lang="de-DE" dirty="0" smtClean="0">
+                <a:solidFill>
+                  <a:srgbClr val="0070C0"/>
+                </a:solidFill>
+              </a:endParaRPr>
+            </a:p>
+            <a:p>
+              <a:endParaRPr lang="de-DE" b="1" dirty="0"/>
+            </a:p>
+            <a:p>
+              <a:r>
+                <a:rPr lang="de-DE" b="1" dirty="0" smtClean="0"/>
+                <a:t>Zugriff auf Elternpfad der Ressource:</a:t>
+              </a:r>
+            </a:p>
+            <a:p>
+              <a:r>
+                <a:rPr lang="de-DE" dirty="0" err="1" smtClean="0">
+                  <a:solidFill>
+                    <a:srgbClr val="0070C0"/>
+                  </a:solidFill>
+                </a:rPr>
+                <a:t>Baum.elternpfad</a:t>
+              </a:r>
+              <a:endParaRPr lang="de-DE" dirty="0" smtClean="0">
+                <a:solidFill>
+                  <a:srgbClr val="0070C0"/>
+                </a:solidFill>
+              </a:endParaRPr>
+            </a:p>
+            <a:p>
+              <a:endParaRPr lang="de-DE" b="1" dirty="0"/>
+            </a:p>
+            <a:p>
+              <a:r>
+                <a:rPr lang="de-DE" b="1" dirty="0" smtClean="0"/>
+                <a:t>Zugriff auf Speicherinhalt des Speicherelements:</a:t>
+              </a:r>
+            </a:p>
+            <a:p>
+              <a:r>
+                <a:rPr lang="de-DE" dirty="0" err="1" smtClean="0">
+                  <a:solidFill>
+                    <a:srgbClr val="0070C0"/>
+                  </a:solidFill>
+                </a:rPr>
+                <a:t>Baum.speicherelement.speicherinhalt</a:t>
+              </a:r>
+              <a:endParaRPr lang="de-DE" dirty="0" smtClean="0">
+                <a:solidFill>
+                  <a:srgbClr val="0070C0"/>
+                </a:solidFill>
+              </a:endParaRPr>
+            </a:p>
+            <a:p>
+              <a:endParaRPr lang="de-DE" b="1" dirty="0" smtClean="0"/>
+            </a:p>
+            <a:p>
+              <a:r>
+                <a:rPr lang="de-DE" b="1" dirty="0" smtClean="0"/>
+                <a:t>Zugriff auf Speicherdaten:</a:t>
+              </a:r>
+            </a:p>
+            <a:p>
+              <a:r>
+                <a:rPr lang="de-DE" dirty="0" err="1" smtClean="0">
+                  <a:solidFill>
+                    <a:srgbClr val="0070C0"/>
+                  </a:solidFill>
+                </a:rPr>
+                <a:t>Baum.speicherelement.speicherinhalt.speicherdaten</a:t>
+              </a:r>
+              <a:endParaRPr lang="de-DE" dirty="0"/>
             </a:p>
           </p:txBody>
         </p:sp>
       </p:grpSp>
-      <p:sp>
-        <p:nvSpPr>
-          <p:cNvPr id="18" name="Textfeld 17"/>
-          <p:cNvSpPr txBox="1"/>
-          <p:nvPr/>
-        </p:nvSpPr>
-        <p:spPr>
-          <a:xfrm>
-            <a:off x="738119" y="4483938"/>
-            <a:ext cx="726481" cy="369332"/>
-          </a:xfrm>
-          <a:prstGeom prst="rect">
-            <a:avLst/>
-          </a:prstGeom>
-          <a:noFill/>
-        </p:spPr>
-        <p:txBody>
-          <a:bodyPr wrap="none" rtlCol="0">
-            <a:spAutoFit/>
-          </a:bodyPr>
-          <a:lstStyle/>
-          <a:p>
-            <a:pPr algn="ctr"/>
-            <a:r>
-              <a:rPr lang="de-DE" dirty="0" smtClean="0"/>
-              <a:t>Baum</a:t>
-            </a:r>
-            <a:endParaRPr lang="de-DE" dirty="0"/>
-          </a:p>
-        </p:txBody>
-      </p:sp>
-      <p:sp>
-        <p:nvSpPr>
-          <p:cNvPr id="19" name="Textfeld 18"/>
-          <p:cNvSpPr txBox="1"/>
-          <p:nvPr/>
-        </p:nvSpPr>
-        <p:spPr>
-          <a:xfrm>
-            <a:off x="4612105" y="176017"/>
-            <a:ext cx="5137881" cy="4801314"/>
-          </a:xfrm>
-          <a:prstGeom prst="rect">
-            <a:avLst/>
-          </a:prstGeom>
-          <a:noFill/>
-        </p:spPr>
-        <p:txBody>
-          <a:bodyPr wrap="none" rtlCol="0">
-            <a:spAutoFit/>
-          </a:bodyPr>
-          <a:lstStyle/>
-          <a:p>
-            <a:r>
-              <a:rPr lang="de-DE" b="1" dirty="0" smtClean="0"/>
-              <a:t>Zugriff auf Ressource:</a:t>
-            </a:r>
-          </a:p>
-          <a:p>
-            <a:r>
-              <a:rPr lang="de-DE" dirty="0" smtClean="0">
-                <a:solidFill>
-                  <a:srgbClr val="0070C0"/>
-                </a:solidFill>
-              </a:rPr>
-              <a:t>Baum</a:t>
-            </a:r>
-          </a:p>
-          <a:p>
-            <a:endParaRPr lang="de-DE" b="1" dirty="0"/>
-          </a:p>
-          <a:p>
-            <a:r>
-              <a:rPr lang="de-DE" b="1" dirty="0" smtClean="0"/>
-              <a:t>Zugriff auf Speicherelement der Ressource:</a:t>
-            </a:r>
-          </a:p>
-          <a:p>
-            <a:r>
-              <a:rPr lang="de-DE" dirty="0" err="1" smtClean="0">
-                <a:solidFill>
-                  <a:srgbClr val="0070C0"/>
-                </a:solidFill>
-              </a:rPr>
-              <a:t>Baum.speicherelement</a:t>
-            </a:r>
-            <a:endParaRPr lang="de-DE" dirty="0" smtClean="0">
-              <a:solidFill>
-                <a:srgbClr val="0070C0"/>
-              </a:solidFill>
-            </a:endParaRPr>
-          </a:p>
-          <a:p>
-            <a:endParaRPr lang="de-DE" b="1" dirty="0"/>
-          </a:p>
-          <a:p>
-            <a:r>
-              <a:rPr lang="de-DE" b="1" dirty="0" smtClean="0"/>
-              <a:t>Zugriff auf Kinder der Ressource:</a:t>
-            </a:r>
-          </a:p>
-          <a:p>
-            <a:r>
-              <a:rPr lang="de-DE" dirty="0" err="1" smtClean="0">
-                <a:solidFill>
-                  <a:srgbClr val="0070C0"/>
-                </a:solidFill>
-              </a:rPr>
-              <a:t>Baum.kinder</a:t>
-            </a:r>
-            <a:endParaRPr lang="de-DE" dirty="0" smtClean="0">
-              <a:solidFill>
-                <a:srgbClr val="0070C0"/>
-              </a:solidFill>
-            </a:endParaRPr>
-          </a:p>
-          <a:p>
-            <a:endParaRPr lang="de-DE" b="1" dirty="0"/>
-          </a:p>
-          <a:p>
-            <a:r>
-              <a:rPr lang="de-DE" b="1" dirty="0" smtClean="0"/>
-              <a:t>Zugriff auf Elternpfad der Ressource:</a:t>
-            </a:r>
-          </a:p>
-          <a:p>
-            <a:r>
-              <a:rPr lang="de-DE" dirty="0" err="1" smtClean="0">
-                <a:solidFill>
-                  <a:srgbClr val="0070C0"/>
-                </a:solidFill>
-              </a:rPr>
-              <a:t>Baum.elternpfad</a:t>
-            </a:r>
-            <a:endParaRPr lang="de-DE" dirty="0" smtClean="0">
-              <a:solidFill>
-                <a:srgbClr val="0070C0"/>
-              </a:solidFill>
-            </a:endParaRPr>
-          </a:p>
-          <a:p>
-            <a:endParaRPr lang="de-DE" b="1" dirty="0"/>
-          </a:p>
-          <a:p>
-            <a:r>
-              <a:rPr lang="de-DE" b="1" dirty="0" smtClean="0"/>
-              <a:t>Zugriff auf Speicherinhalt des Speicherelements:</a:t>
-            </a:r>
-          </a:p>
-          <a:p>
-            <a:r>
-              <a:rPr lang="de-DE" dirty="0" err="1" smtClean="0">
-                <a:solidFill>
-                  <a:srgbClr val="0070C0"/>
-                </a:solidFill>
-              </a:rPr>
-              <a:t>Baum.speicherelement.speicherinhalt</a:t>
-            </a:r>
-            <a:endParaRPr lang="de-DE" dirty="0" smtClean="0">
-              <a:solidFill>
-                <a:srgbClr val="0070C0"/>
-              </a:solidFill>
-            </a:endParaRPr>
-          </a:p>
-          <a:p>
-            <a:endParaRPr lang="de-DE" b="1" dirty="0" smtClean="0"/>
-          </a:p>
-          <a:p>
-            <a:r>
-              <a:rPr lang="de-DE" b="1" dirty="0" smtClean="0"/>
-              <a:t>Zugriff auf Speicherdaten:</a:t>
-            </a:r>
-          </a:p>
-          <a:p>
-            <a:r>
-              <a:rPr lang="de-DE" dirty="0" err="1" smtClean="0">
-                <a:solidFill>
-                  <a:srgbClr val="0070C0"/>
-                </a:solidFill>
-              </a:rPr>
-              <a:t>Baum.speicherelement.speicherinhalt.speicherdaten</a:t>
-            </a:r>
-            <a:endParaRPr lang="de-DE" dirty="0"/>
-          </a:p>
-        </p:txBody>
-      </p:sp>
     </p:spTree>
     <p:extLst>
       <p:ext uri="{BB962C8B-B14F-4D97-AF65-F5344CB8AC3E}">
@@ -5459,37 +5474,1861 @@
       </p:grpSpPr>
       <p:grpSp>
         <p:nvGrpSpPr>
-          <p:cNvPr id="11" name="Gruppieren 10"/>
+          <p:cNvPr id="5" name="Gruppieren 4"/>
           <p:cNvGrpSpPr/>
           <p:nvPr/>
         </p:nvGrpSpPr>
         <p:grpSpPr>
           <a:xfrm>
-            <a:off x="5096088" y="58893"/>
-            <a:ext cx="1532792" cy="1443789"/>
-            <a:chOff x="1772653" y="561474"/>
-            <a:chExt cx="1532792" cy="1443789"/>
+            <a:off x="-68826" y="16409"/>
+            <a:ext cx="12105251" cy="6400004"/>
+            <a:chOff x="-68826" y="16409"/>
+            <a:chExt cx="12105251" cy="6400004"/>
           </a:xfrm>
         </p:grpSpPr>
+        <p:grpSp>
+          <p:nvGrpSpPr>
+            <p:cNvPr id="11" name="Gruppieren 10"/>
+            <p:cNvGrpSpPr/>
+            <p:nvPr/>
+          </p:nvGrpSpPr>
+          <p:grpSpPr>
+            <a:xfrm>
+              <a:off x="5096088" y="58893"/>
+              <a:ext cx="1532792" cy="1443789"/>
+              <a:chOff x="1772653" y="561474"/>
+              <a:chExt cx="1532792" cy="1443789"/>
+            </a:xfrm>
+          </p:grpSpPr>
+          <p:sp>
+            <p:nvSpPr>
+              <p:cNvPr id="2" name="Rechteck 1"/>
+              <p:cNvSpPr/>
+              <p:nvPr/>
+            </p:nvSpPr>
+            <p:spPr>
+              <a:xfrm>
+                <a:off x="1772653" y="561474"/>
+                <a:ext cx="1532792" cy="1443789"/>
+              </a:xfrm>
+              <a:prstGeom prst="rect">
+                <a:avLst/>
+              </a:prstGeom>
+              <a:noFill/>
+              <a:ln w="25400">
+                <a:solidFill>
+                  <a:schemeClr val="tx1"/>
+                </a:solidFill>
+              </a:ln>
+            </p:spPr>
+            <p:style>
+              <a:lnRef idx="2">
+                <a:schemeClr val="accent1">
+                  <a:shade val="50000"/>
+                </a:schemeClr>
+              </a:lnRef>
+              <a:fillRef idx="1">
+                <a:schemeClr val="accent1"/>
+              </a:fillRef>
+              <a:effectRef idx="0">
+                <a:schemeClr val="accent1"/>
+              </a:effectRef>
+              <a:fontRef idx="minor">
+                <a:schemeClr val="lt1"/>
+              </a:fontRef>
+            </p:style>
+            <p:txBody>
+              <a:bodyPr rtlCol="0" anchor="ctr"/>
+              <a:lstStyle/>
+              <a:p>
+                <a:pPr algn="ctr"/>
+                <a:endParaRPr lang="de-DE"/>
+              </a:p>
+            </p:txBody>
+          </p:sp>
+          <p:cxnSp>
+            <p:nvCxnSpPr>
+              <p:cNvPr id="6" name="Gerader Verbinder 5"/>
+              <p:cNvCxnSpPr/>
+              <p:nvPr/>
+            </p:nvCxnSpPr>
+            <p:spPr>
+              <a:xfrm>
+                <a:off x="1772653" y="945229"/>
+                <a:ext cx="1532792" cy="7681"/>
+              </a:xfrm>
+              <a:prstGeom prst="line">
+                <a:avLst/>
+              </a:prstGeom>
+              <a:ln w="25400">
+                <a:tailEnd type="none"/>
+              </a:ln>
+            </p:spPr>
+            <p:style>
+              <a:lnRef idx="1">
+                <a:schemeClr val="dk1"/>
+              </a:lnRef>
+              <a:fillRef idx="0">
+                <a:schemeClr val="dk1"/>
+              </a:fillRef>
+              <a:effectRef idx="0">
+                <a:schemeClr val="dk1"/>
+              </a:effectRef>
+              <a:fontRef idx="minor">
+                <a:schemeClr val="tx1"/>
+              </a:fontRef>
+            </p:style>
+          </p:cxnSp>
+          <p:sp>
+            <p:nvSpPr>
+              <p:cNvPr id="7" name="Textfeld 6"/>
+              <p:cNvSpPr txBox="1"/>
+              <p:nvPr/>
+            </p:nvSpPr>
+            <p:spPr>
+              <a:xfrm>
+                <a:off x="1772653" y="561474"/>
+                <a:ext cx="1532792" cy="369332"/>
+              </a:xfrm>
+              <a:prstGeom prst="rect">
+                <a:avLst/>
+              </a:prstGeom>
+              <a:noFill/>
+            </p:spPr>
+            <p:txBody>
+              <a:bodyPr wrap="square" rtlCol="0">
+                <a:spAutoFit/>
+              </a:bodyPr>
+              <a:lstStyle/>
+              <a:p>
+                <a:pPr algn="ctr"/>
+                <a:r>
+                  <a:rPr lang="de-DE" dirty="0" smtClean="0"/>
+                  <a:t>Schlüssel</a:t>
+                </a:r>
+                <a:endParaRPr lang="de-DE" dirty="0"/>
+              </a:p>
+            </p:txBody>
+          </p:sp>
+          <p:sp>
+            <p:nvSpPr>
+              <p:cNvPr id="8" name="Textfeld 7"/>
+              <p:cNvSpPr txBox="1"/>
+              <p:nvPr/>
+            </p:nvSpPr>
+            <p:spPr>
+              <a:xfrm>
+                <a:off x="1772653" y="967333"/>
+                <a:ext cx="1532792" cy="369332"/>
+              </a:xfrm>
+              <a:prstGeom prst="rect">
+                <a:avLst/>
+              </a:prstGeom>
+              <a:noFill/>
+            </p:spPr>
+            <p:txBody>
+              <a:bodyPr wrap="none" rtlCol="0">
+                <a:spAutoFit/>
+              </a:bodyPr>
+              <a:lstStyle/>
+              <a:p>
+                <a:pPr algn="ctr"/>
+                <a:r>
+                  <a:rPr lang="de-DE" dirty="0" smtClean="0"/>
+                  <a:t>Speicherinhalt</a:t>
+                </a:r>
+                <a:endParaRPr lang="de-DE" dirty="0"/>
+              </a:p>
+            </p:txBody>
+          </p:sp>
+        </p:grpSp>
+        <p:grpSp>
+          <p:nvGrpSpPr>
+            <p:cNvPr id="17" name="Gruppieren 16"/>
+            <p:cNvGrpSpPr/>
+            <p:nvPr/>
+          </p:nvGrpSpPr>
+          <p:grpSpPr>
+            <a:xfrm>
+              <a:off x="122054" y="2328700"/>
+              <a:ext cx="1532792" cy="1443789"/>
+              <a:chOff x="1772653" y="561474"/>
+              <a:chExt cx="1532792" cy="1443789"/>
+            </a:xfrm>
+          </p:grpSpPr>
+          <p:sp>
+            <p:nvSpPr>
+              <p:cNvPr id="20" name="Rechteck 19"/>
+              <p:cNvSpPr/>
+              <p:nvPr/>
+            </p:nvSpPr>
+            <p:spPr>
+              <a:xfrm>
+                <a:off x="1772653" y="561474"/>
+                <a:ext cx="1532792" cy="1443789"/>
+              </a:xfrm>
+              <a:prstGeom prst="rect">
+                <a:avLst/>
+              </a:prstGeom>
+              <a:noFill/>
+              <a:ln w="25400">
+                <a:solidFill>
+                  <a:schemeClr val="tx1"/>
+                </a:solidFill>
+              </a:ln>
+            </p:spPr>
+            <p:style>
+              <a:lnRef idx="2">
+                <a:schemeClr val="accent1">
+                  <a:shade val="50000"/>
+                </a:schemeClr>
+              </a:lnRef>
+              <a:fillRef idx="1">
+                <a:schemeClr val="accent1"/>
+              </a:fillRef>
+              <a:effectRef idx="0">
+                <a:schemeClr val="accent1"/>
+              </a:effectRef>
+              <a:fontRef idx="minor">
+                <a:schemeClr val="lt1"/>
+              </a:fontRef>
+            </p:style>
+            <p:txBody>
+              <a:bodyPr rtlCol="0" anchor="ctr"/>
+              <a:lstStyle/>
+              <a:p>
+                <a:pPr algn="ctr"/>
+                <a:endParaRPr lang="de-DE"/>
+              </a:p>
+            </p:txBody>
+          </p:sp>
+          <p:cxnSp>
+            <p:nvCxnSpPr>
+              <p:cNvPr id="21" name="Gerader Verbinder 20"/>
+              <p:cNvCxnSpPr/>
+              <p:nvPr/>
+            </p:nvCxnSpPr>
+            <p:spPr>
+              <a:xfrm>
+                <a:off x="1772653" y="945229"/>
+                <a:ext cx="1532792" cy="7681"/>
+              </a:xfrm>
+              <a:prstGeom prst="line">
+                <a:avLst/>
+              </a:prstGeom>
+              <a:ln w="25400">
+                <a:tailEnd type="none"/>
+              </a:ln>
+            </p:spPr>
+            <p:style>
+              <a:lnRef idx="1">
+                <a:schemeClr val="dk1"/>
+              </a:lnRef>
+              <a:fillRef idx="0">
+                <a:schemeClr val="dk1"/>
+              </a:fillRef>
+              <a:effectRef idx="0">
+                <a:schemeClr val="dk1"/>
+              </a:effectRef>
+              <a:fontRef idx="minor">
+                <a:schemeClr val="tx1"/>
+              </a:fontRef>
+            </p:style>
+          </p:cxnSp>
+          <p:sp>
+            <p:nvSpPr>
+              <p:cNvPr id="22" name="Textfeld 21"/>
+              <p:cNvSpPr txBox="1"/>
+              <p:nvPr/>
+            </p:nvSpPr>
+            <p:spPr>
+              <a:xfrm>
+                <a:off x="1772653" y="561474"/>
+                <a:ext cx="1532792" cy="369332"/>
+              </a:xfrm>
+              <a:prstGeom prst="rect">
+                <a:avLst/>
+              </a:prstGeom>
+              <a:noFill/>
+            </p:spPr>
+            <p:txBody>
+              <a:bodyPr wrap="square" rtlCol="0">
+                <a:spAutoFit/>
+              </a:bodyPr>
+              <a:lstStyle/>
+              <a:p>
+                <a:pPr algn="ctr"/>
+                <a:r>
+                  <a:rPr lang="de-DE" dirty="0" smtClean="0"/>
+                  <a:t>Schlüssel</a:t>
+                </a:r>
+                <a:endParaRPr lang="de-DE" dirty="0"/>
+              </a:p>
+            </p:txBody>
+          </p:sp>
+          <p:sp>
+            <p:nvSpPr>
+              <p:cNvPr id="23" name="Textfeld 22"/>
+              <p:cNvSpPr txBox="1"/>
+              <p:nvPr/>
+            </p:nvSpPr>
+            <p:spPr>
+              <a:xfrm>
+                <a:off x="1772653" y="967333"/>
+                <a:ext cx="1532792" cy="369332"/>
+              </a:xfrm>
+              <a:prstGeom prst="rect">
+                <a:avLst/>
+              </a:prstGeom>
+              <a:noFill/>
+            </p:spPr>
+            <p:txBody>
+              <a:bodyPr wrap="none" rtlCol="0">
+                <a:spAutoFit/>
+              </a:bodyPr>
+              <a:lstStyle/>
+              <a:p>
+                <a:pPr algn="ctr"/>
+                <a:r>
+                  <a:rPr lang="de-DE" dirty="0" smtClean="0"/>
+                  <a:t>Speicherinhalt</a:t>
+                </a:r>
+                <a:endParaRPr lang="de-DE" dirty="0"/>
+              </a:p>
+            </p:txBody>
+          </p:sp>
+        </p:grpSp>
+        <p:grpSp>
+          <p:nvGrpSpPr>
+            <p:cNvPr id="33" name="Gruppieren 32"/>
+            <p:cNvGrpSpPr/>
+            <p:nvPr/>
+          </p:nvGrpSpPr>
+          <p:grpSpPr>
+            <a:xfrm>
+              <a:off x="7058104" y="4486530"/>
+              <a:ext cx="1532792" cy="1443789"/>
+              <a:chOff x="1772653" y="561474"/>
+              <a:chExt cx="1532792" cy="1443789"/>
+            </a:xfrm>
+          </p:grpSpPr>
+          <p:sp>
+            <p:nvSpPr>
+              <p:cNvPr id="36" name="Rechteck 35"/>
+              <p:cNvSpPr/>
+              <p:nvPr/>
+            </p:nvSpPr>
+            <p:spPr>
+              <a:xfrm>
+                <a:off x="1772653" y="561474"/>
+                <a:ext cx="1532792" cy="1443789"/>
+              </a:xfrm>
+              <a:prstGeom prst="rect">
+                <a:avLst/>
+              </a:prstGeom>
+              <a:noFill/>
+              <a:ln w="25400">
+                <a:solidFill>
+                  <a:schemeClr val="tx1"/>
+                </a:solidFill>
+              </a:ln>
+            </p:spPr>
+            <p:style>
+              <a:lnRef idx="2">
+                <a:schemeClr val="accent1">
+                  <a:shade val="50000"/>
+                </a:schemeClr>
+              </a:lnRef>
+              <a:fillRef idx="1">
+                <a:schemeClr val="accent1"/>
+              </a:fillRef>
+              <a:effectRef idx="0">
+                <a:schemeClr val="accent1"/>
+              </a:effectRef>
+              <a:fontRef idx="minor">
+                <a:schemeClr val="lt1"/>
+              </a:fontRef>
+            </p:style>
+            <p:txBody>
+              <a:bodyPr rtlCol="0" anchor="ctr"/>
+              <a:lstStyle/>
+              <a:p>
+                <a:pPr algn="ctr"/>
+                <a:endParaRPr lang="de-DE"/>
+              </a:p>
+            </p:txBody>
+          </p:sp>
+          <p:cxnSp>
+            <p:nvCxnSpPr>
+              <p:cNvPr id="37" name="Gerader Verbinder 36"/>
+              <p:cNvCxnSpPr/>
+              <p:nvPr/>
+            </p:nvCxnSpPr>
+            <p:spPr>
+              <a:xfrm>
+                <a:off x="1772653" y="945229"/>
+                <a:ext cx="1532792" cy="7681"/>
+              </a:xfrm>
+              <a:prstGeom prst="line">
+                <a:avLst/>
+              </a:prstGeom>
+              <a:ln w="25400">
+                <a:tailEnd type="none"/>
+              </a:ln>
+            </p:spPr>
+            <p:style>
+              <a:lnRef idx="1">
+                <a:schemeClr val="dk1"/>
+              </a:lnRef>
+              <a:fillRef idx="0">
+                <a:schemeClr val="dk1"/>
+              </a:fillRef>
+              <a:effectRef idx="0">
+                <a:schemeClr val="dk1"/>
+              </a:effectRef>
+              <a:fontRef idx="minor">
+                <a:schemeClr val="tx1"/>
+              </a:fontRef>
+            </p:style>
+          </p:cxnSp>
+          <p:sp>
+            <p:nvSpPr>
+              <p:cNvPr id="38" name="Textfeld 37"/>
+              <p:cNvSpPr txBox="1"/>
+              <p:nvPr/>
+            </p:nvSpPr>
+            <p:spPr>
+              <a:xfrm>
+                <a:off x="1772653" y="561474"/>
+                <a:ext cx="1532792" cy="369332"/>
+              </a:xfrm>
+              <a:prstGeom prst="rect">
+                <a:avLst/>
+              </a:prstGeom>
+              <a:noFill/>
+            </p:spPr>
+            <p:txBody>
+              <a:bodyPr wrap="square" rtlCol="0">
+                <a:spAutoFit/>
+              </a:bodyPr>
+              <a:lstStyle/>
+              <a:p>
+                <a:pPr algn="ctr"/>
+                <a:r>
+                  <a:rPr lang="de-DE" dirty="0" smtClean="0"/>
+                  <a:t>Schlüssel</a:t>
+                </a:r>
+                <a:endParaRPr lang="de-DE" dirty="0"/>
+              </a:p>
+            </p:txBody>
+          </p:sp>
+          <p:sp>
+            <p:nvSpPr>
+              <p:cNvPr id="39" name="Textfeld 38"/>
+              <p:cNvSpPr txBox="1"/>
+              <p:nvPr/>
+            </p:nvSpPr>
+            <p:spPr>
+              <a:xfrm>
+                <a:off x="1772653" y="967333"/>
+                <a:ext cx="1532792" cy="369332"/>
+              </a:xfrm>
+              <a:prstGeom prst="rect">
+                <a:avLst/>
+              </a:prstGeom>
+              <a:noFill/>
+            </p:spPr>
+            <p:txBody>
+              <a:bodyPr wrap="none" rtlCol="0">
+                <a:spAutoFit/>
+              </a:bodyPr>
+              <a:lstStyle/>
+              <a:p>
+                <a:pPr algn="ctr"/>
+                <a:r>
+                  <a:rPr lang="de-DE" dirty="0" smtClean="0"/>
+                  <a:t>Speicherinhalt</a:t>
+                </a:r>
+                <a:endParaRPr lang="de-DE" dirty="0"/>
+              </a:p>
+            </p:txBody>
+          </p:sp>
+        </p:grpSp>
+        <p:grpSp>
+          <p:nvGrpSpPr>
+            <p:cNvPr id="41" name="Gruppieren 40"/>
+            <p:cNvGrpSpPr/>
+            <p:nvPr/>
+          </p:nvGrpSpPr>
+          <p:grpSpPr>
+            <a:xfrm>
+              <a:off x="5124465" y="4490346"/>
+              <a:ext cx="1532792" cy="1443789"/>
+              <a:chOff x="1772653" y="561474"/>
+              <a:chExt cx="1532792" cy="1443789"/>
+            </a:xfrm>
+          </p:grpSpPr>
+          <p:sp>
+            <p:nvSpPr>
+              <p:cNvPr id="44" name="Rechteck 43"/>
+              <p:cNvSpPr/>
+              <p:nvPr/>
+            </p:nvSpPr>
+            <p:spPr>
+              <a:xfrm>
+                <a:off x="1772653" y="561474"/>
+                <a:ext cx="1532792" cy="1443789"/>
+              </a:xfrm>
+              <a:prstGeom prst="rect">
+                <a:avLst/>
+              </a:prstGeom>
+              <a:noFill/>
+              <a:ln w="25400">
+                <a:solidFill>
+                  <a:schemeClr val="tx1"/>
+                </a:solidFill>
+              </a:ln>
+            </p:spPr>
+            <p:style>
+              <a:lnRef idx="2">
+                <a:schemeClr val="accent1">
+                  <a:shade val="50000"/>
+                </a:schemeClr>
+              </a:lnRef>
+              <a:fillRef idx="1">
+                <a:schemeClr val="accent1"/>
+              </a:fillRef>
+              <a:effectRef idx="0">
+                <a:schemeClr val="accent1"/>
+              </a:effectRef>
+              <a:fontRef idx="minor">
+                <a:schemeClr val="lt1"/>
+              </a:fontRef>
+            </p:style>
+            <p:txBody>
+              <a:bodyPr rtlCol="0" anchor="ctr"/>
+              <a:lstStyle/>
+              <a:p>
+                <a:pPr algn="ctr"/>
+                <a:endParaRPr lang="de-DE"/>
+              </a:p>
+            </p:txBody>
+          </p:sp>
+          <p:cxnSp>
+            <p:nvCxnSpPr>
+              <p:cNvPr id="45" name="Gerader Verbinder 44"/>
+              <p:cNvCxnSpPr/>
+              <p:nvPr/>
+            </p:nvCxnSpPr>
+            <p:spPr>
+              <a:xfrm>
+                <a:off x="1772653" y="945229"/>
+                <a:ext cx="1532792" cy="7681"/>
+              </a:xfrm>
+              <a:prstGeom prst="line">
+                <a:avLst/>
+              </a:prstGeom>
+              <a:ln w="25400">
+                <a:tailEnd type="none"/>
+              </a:ln>
+            </p:spPr>
+            <p:style>
+              <a:lnRef idx="1">
+                <a:schemeClr val="dk1"/>
+              </a:lnRef>
+              <a:fillRef idx="0">
+                <a:schemeClr val="dk1"/>
+              </a:fillRef>
+              <a:effectRef idx="0">
+                <a:schemeClr val="dk1"/>
+              </a:effectRef>
+              <a:fontRef idx="minor">
+                <a:schemeClr val="tx1"/>
+              </a:fontRef>
+            </p:style>
+          </p:cxnSp>
+          <p:sp>
+            <p:nvSpPr>
+              <p:cNvPr id="46" name="Textfeld 45"/>
+              <p:cNvSpPr txBox="1"/>
+              <p:nvPr/>
+            </p:nvSpPr>
+            <p:spPr>
+              <a:xfrm>
+                <a:off x="1772653" y="561474"/>
+                <a:ext cx="1532792" cy="369332"/>
+              </a:xfrm>
+              <a:prstGeom prst="rect">
+                <a:avLst/>
+              </a:prstGeom>
+              <a:noFill/>
+            </p:spPr>
+            <p:txBody>
+              <a:bodyPr wrap="square" rtlCol="0">
+                <a:spAutoFit/>
+              </a:bodyPr>
+              <a:lstStyle/>
+              <a:p>
+                <a:pPr algn="ctr"/>
+                <a:r>
+                  <a:rPr lang="de-DE" dirty="0" smtClean="0"/>
+                  <a:t>Schlüssel</a:t>
+                </a:r>
+                <a:endParaRPr lang="de-DE" dirty="0"/>
+              </a:p>
+            </p:txBody>
+          </p:sp>
+          <p:sp>
+            <p:nvSpPr>
+              <p:cNvPr id="47" name="Textfeld 46"/>
+              <p:cNvSpPr txBox="1"/>
+              <p:nvPr/>
+            </p:nvSpPr>
+            <p:spPr>
+              <a:xfrm>
+                <a:off x="1772653" y="967333"/>
+                <a:ext cx="1532792" cy="369332"/>
+              </a:xfrm>
+              <a:prstGeom prst="rect">
+                <a:avLst/>
+              </a:prstGeom>
+              <a:noFill/>
+            </p:spPr>
+            <p:txBody>
+              <a:bodyPr wrap="none" rtlCol="0">
+                <a:spAutoFit/>
+              </a:bodyPr>
+              <a:lstStyle/>
+              <a:p>
+                <a:pPr algn="ctr"/>
+                <a:r>
+                  <a:rPr lang="de-DE" dirty="0" smtClean="0"/>
+                  <a:t>Speicherinhalt</a:t>
+                </a:r>
+                <a:endParaRPr lang="de-DE" dirty="0"/>
+              </a:p>
+            </p:txBody>
+          </p:sp>
+        </p:grpSp>
+        <p:grpSp>
+          <p:nvGrpSpPr>
+            <p:cNvPr id="49" name="Gruppieren 48"/>
+            <p:cNvGrpSpPr/>
+            <p:nvPr/>
+          </p:nvGrpSpPr>
+          <p:grpSpPr>
+            <a:xfrm>
+              <a:off x="113586" y="4508500"/>
+              <a:ext cx="1532792" cy="1443789"/>
+              <a:chOff x="1772653" y="561474"/>
+              <a:chExt cx="1532792" cy="1443789"/>
+            </a:xfrm>
+          </p:grpSpPr>
+          <p:sp>
+            <p:nvSpPr>
+              <p:cNvPr id="52" name="Rechteck 51"/>
+              <p:cNvSpPr/>
+              <p:nvPr/>
+            </p:nvSpPr>
+            <p:spPr>
+              <a:xfrm>
+                <a:off x="1772653" y="561474"/>
+                <a:ext cx="1532792" cy="1443789"/>
+              </a:xfrm>
+              <a:prstGeom prst="rect">
+                <a:avLst/>
+              </a:prstGeom>
+              <a:noFill/>
+              <a:ln w="25400">
+                <a:solidFill>
+                  <a:schemeClr val="tx1"/>
+                </a:solidFill>
+              </a:ln>
+            </p:spPr>
+            <p:style>
+              <a:lnRef idx="2">
+                <a:schemeClr val="accent1">
+                  <a:shade val="50000"/>
+                </a:schemeClr>
+              </a:lnRef>
+              <a:fillRef idx="1">
+                <a:schemeClr val="accent1"/>
+              </a:fillRef>
+              <a:effectRef idx="0">
+                <a:schemeClr val="accent1"/>
+              </a:effectRef>
+              <a:fontRef idx="minor">
+                <a:schemeClr val="lt1"/>
+              </a:fontRef>
+            </p:style>
+            <p:txBody>
+              <a:bodyPr rtlCol="0" anchor="ctr"/>
+              <a:lstStyle/>
+              <a:p>
+                <a:pPr algn="ctr"/>
+                <a:endParaRPr lang="de-DE"/>
+              </a:p>
+            </p:txBody>
+          </p:sp>
+          <p:cxnSp>
+            <p:nvCxnSpPr>
+              <p:cNvPr id="53" name="Gerader Verbinder 52"/>
+              <p:cNvCxnSpPr/>
+              <p:nvPr/>
+            </p:nvCxnSpPr>
+            <p:spPr>
+              <a:xfrm>
+                <a:off x="1772653" y="945229"/>
+                <a:ext cx="1532792" cy="7681"/>
+              </a:xfrm>
+              <a:prstGeom prst="line">
+                <a:avLst/>
+              </a:prstGeom>
+              <a:ln w="25400">
+                <a:tailEnd type="none"/>
+              </a:ln>
+            </p:spPr>
+            <p:style>
+              <a:lnRef idx="1">
+                <a:schemeClr val="dk1"/>
+              </a:lnRef>
+              <a:fillRef idx="0">
+                <a:schemeClr val="dk1"/>
+              </a:fillRef>
+              <a:effectRef idx="0">
+                <a:schemeClr val="dk1"/>
+              </a:effectRef>
+              <a:fontRef idx="minor">
+                <a:schemeClr val="tx1"/>
+              </a:fontRef>
+            </p:style>
+          </p:cxnSp>
+          <p:sp>
+            <p:nvSpPr>
+              <p:cNvPr id="54" name="Textfeld 53"/>
+              <p:cNvSpPr txBox="1"/>
+              <p:nvPr/>
+            </p:nvSpPr>
+            <p:spPr>
+              <a:xfrm>
+                <a:off x="1772653" y="561474"/>
+                <a:ext cx="1532792" cy="369332"/>
+              </a:xfrm>
+              <a:prstGeom prst="rect">
+                <a:avLst/>
+              </a:prstGeom>
+              <a:noFill/>
+            </p:spPr>
+            <p:txBody>
+              <a:bodyPr wrap="square" rtlCol="0">
+                <a:spAutoFit/>
+              </a:bodyPr>
+              <a:lstStyle/>
+              <a:p>
+                <a:pPr algn="ctr"/>
+                <a:r>
+                  <a:rPr lang="de-DE" dirty="0" smtClean="0"/>
+                  <a:t>Schlüssel</a:t>
+                </a:r>
+                <a:endParaRPr lang="de-DE" dirty="0"/>
+              </a:p>
+            </p:txBody>
+          </p:sp>
+          <p:sp>
+            <p:nvSpPr>
+              <p:cNvPr id="55" name="Textfeld 54"/>
+              <p:cNvSpPr txBox="1"/>
+              <p:nvPr/>
+            </p:nvSpPr>
+            <p:spPr>
+              <a:xfrm>
+                <a:off x="1772653" y="967333"/>
+                <a:ext cx="1532792" cy="369332"/>
+              </a:xfrm>
+              <a:prstGeom prst="rect">
+                <a:avLst/>
+              </a:prstGeom>
+              <a:noFill/>
+            </p:spPr>
+            <p:txBody>
+              <a:bodyPr wrap="none" rtlCol="0">
+                <a:spAutoFit/>
+              </a:bodyPr>
+              <a:lstStyle/>
+              <a:p>
+                <a:pPr algn="ctr"/>
+                <a:r>
+                  <a:rPr lang="de-DE" dirty="0" smtClean="0"/>
+                  <a:t>Speicherinhalt</a:t>
+                </a:r>
+                <a:endParaRPr lang="de-DE" dirty="0"/>
+              </a:p>
+            </p:txBody>
+          </p:sp>
+        </p:grpSp>
+        <p:grpSp>
+          <p:nvGrpSpPr>
+            <p:cNvPr id="57" name="Gruppieren 56"/>
+            <p:cNvGrpSpPr/>
+            <p:nvPr/>
+          </p:nvGrpSpPr>
+          <p:grpSpPr>
+            <a:xfrm>
+              <a:off x="6018767" y="2327721"/>
+              <a:ext cx="1532792" cy="1443789"/>
+              <a:chOff x="1772653" y="561474"/>
+              <a:chExt cx="1532792" cy="1443789"/>
+            </a:xfrm>
+          </p:grpSpPr>
+          <p:sp>
+            <p:nvSpPr>
+              <p:cNvPr id="60" name="Rechteck 59"/>
+              <p:cNvSpPr/>
+              <p:nvPr/>
+            </p:nvSpPr>
+            <p:spPr>
+              <a:xfrm>
+                <a:off x="1772653" y="561474"/>
+                <a:ext cx="1532792" cy="1443789"/>
+              </a:xfrm>
+              <a:prstGeom prst="rect">
+                <a:avLst/>
+              </a:prstGeom>
+              <a:noFill/>
+              <a:ln w="25400">
+                <a:solidFill>
+                  <a:schemeClr val="tx1"/>
+                </a:solidFill>
+              </a:ln>
+            </p:spPr>
+            <p:style>
+              <a:lnRef idx="2">
+                <a:schemeClr val="accent1">
+                  <a:shade val="50000"/>
+                </a:schemeClr>
+              </a:lnRef>
+              <a:fillRef idx="1">
+                <a:schemeClr val="accent1"/>
+              </a:fillRef>
+              <a:effectRef idx="0">
+                <a:schemeClr val="accent1"/>
+              </a:effectRef>
+              <a:fontRef idx="minor">
+                <a:schemeClr val="lt1"/>
+              </a:fontRef>
+            </p:style>
+            <p:txBody>
+              <a:bodyPr rtlCol="0" anchor="ctr"/>
+              <a:lstStyle/>
+              <a:p>
+                <a:pPr algn="ctr"/>
+                <a:endParaRPr lang="de-DE"/>
+              </a:p>
+            </p:txBody>
+          </p:sp>
+          <p:cxnSp>
+            <p:nvCxnSpPr>
+              <p:cNvPr id="61" name="Gerader Verbinder 60"/>
+              <p:cNvCxnSpPr/>
+              <p:nvPr/>
+            </p:nvCxnSpPr>
+            <p:spPr>
+              <a:xfrm>
+                <a:off x="1772653" y="945229"/>
+                <a:ext cx="1532792" cy="7681"/>
+              </a:xfrm>
+              <a:prstGeom prst="line">
+                <a:avLst/>
+              </a:prstGeom>
+              <a:ln w="25400">
+                <a:tailEnd type="none"/>
+              </a:ln>
+            </p:spPr>
+            <p:style>
+              <a:lnRef idx="1">
+                <a:schemeClr val="dk1"/>
+              </a:lnRef>
+              <a:fillRef idx="0">
+                <a:schemeClr val="dk1"/>
+              </a:fillRef>
+              <a:effectRef idx="0">
+                <a:schemeClr val="dk1"/>
+              </a:effectRef>
+              <a:fontRef idx="minor">
+                <a:schemeClr val="tx1"/>
+              </a:fontRef>
+            </p:style>
+          </p:cxnSp>
+          <p:sp>
+            <p:nvSpPr>
+              <p:cNvPr id="62" name="Textfeld 61"/>
+              <p:cNvSpPr txBox="1"/>
+              <p:nvPr/>
+            </p:nvSpPr>
+            <p:spPr>
+              <a:xfrm>
+                <a:off x="1772653" y="561474"/>
+                <a:ext cx="1532792" cy="369332"/>
+              </a:xfrm>
+              <a:prstGeom prst="rect">
+                <a:avLst/>
+              </a:prstGeom>
+              <a:noFill/>
+            </p:spPr>
+            <p:txBody>
+              <a:bodyPr wrap="square" rtlCol="0">
+                <a:spAutoFit/>
+              </a:bodyPr>
+              <a:lstStyle/>
+              <a:p>
+                <a:pPr algn="ctr"/>
+                <a:r>
+                  <a:rPr lang="de-DE" dirty="0" smtClean="0"/>
+                  <a:t>Schlüssel</a:t>
+                </a:r>
+                <a:endParaRPr lang="de-DE" dirty="0"/>
+              </a:p>
+            </p:txBody>
+          </p:sp>
+          <p:sp>
+            <p:nvSpPr>
+              <p:cNvPr id="63" name="Textfeld 62"/>
+              <p:cNvSpPr txBox="1"/>
+              <p:nvPr/>
+            </p:nvSpPr>
+            <p:spPr>
+              <a:xfrm>
+                <a:off x="1772653" y="967333"/>
+                <a:ext cx="1532792" cy="369332"/>
+              </a:xfrm>
+              <a:prstGeom prst="rect">
+                <a:avLst/>
+              </a:prstGeom>
+              <a:noFill/>
+            </p:spPr>
+            <p:txBody>
+              <a:bodyPr wrap="none" rtlCol="0">
+                <a:spAutoFit/>
+              </a:bodyPr>
+              <a:lstStyle/>
+              <a:p>
+                <a:pPr algn="ctr"/>
+                <a:r>
+                  <a:rPr lang="de-DE" dirty="0" smtClean="0"/>
+                  <a:t>Speicherinhalt</a:t>
+                </a:r>
+                <a:endParaRPr lang="de-DE" dirty="0"/>
+              </a:p>
+            </p:txBody>
+          </p:sp>
+        </p:grpSp>
+        <p:grpSp>
+          <p:nvGrpSpPr>
+            <p:cNvPr id="65" name="Gruppieren 64"/>
+            <p:cNvGrpSpPr/>
+            <p:nvPr/>
+          </p:nvGrpSpPr>
+          <p:grpSpPr>
+            <a:xfrm>
+              <a:off x="3029979" y="2315399"/>
+              <a:ext cx="1532792" cy="1443789"/>
+              <a:chOff x="1772653" y="561474"/>
+              <a:chExt cx="1532792" cy="1443789"/>
+            </a:xfrm>
+          </p:grpSpPr>
+          <p:sp>
+            <p:nvSpPr>
+              <p:cNvPr id="68" name="Rechteck 67"/>
+              <p:cNvSpPr/>
+              <p:nvPr/>
+            </p:nvSpPr>
+            <p:spPr>
+              <a:xfrm>
+                <a:off x="1772653" y="561474"/>
+                <a:ext cx="1532792" cy="1443789"/>
+              </a:xfrm>
+              <a:prstGeom prst="rect">
+                <a:avLst/>
+              </a:prstGeom>
+              <a:noFill/>
+              <a:ln w="25400">
+                <a:solidFill>
+                  <a:schemeClr val="tx1"/>
+                </a:solidFill>
+              </a:ln>
+            </p:spPr>
+            <p:style>
+              <a:lnRef idx="2">
+                <a:schemeClr val="accent1">
+                  <a:shade val="50000"/>
+                </a:schemeClr>
+              </a:lnRef>
+              <a:fillRef idx="1">
+                <a:schemeClr val="accent1"/>
+              </a:fillRef>
+              <a:effectRef idx="0">
+                <a:schemeClr val="accent1"/>
+              </a:effectRef>
+              <a:fontRef idx="minor">
+                <a:schemeClr val="lt1"/>
+              </a:fontRef>
+            </p:style>
+            <p:txBody>
+              <a:bodyPr rtlCol="0" anchor="ctr"/>
+              <a:lstStyle/>
+              <a:p>
+                <a:pPr algn="ctr"/>
+                <a:endParaRPr lang="de-DE"/>
+              </a:p>
+            </p:txBody>
+          </p:sp>
+          <p:cxnSp>
+            <p:nvCxnSpPr>
+              <p:cNvPr id="69" name="Gerader Verbinder 68"/>
+              <p:cNvCxnSpPr/>
+              <p:nvPr/>
+            </p:nvCxnSpPr>
+            <p:spPr>
+              <a:xfrm>
+                <a:off x="1772653" y="945229"/>
+                <a:ext cx="1532792" cy="7681"/>
+              </a:xfrm>
+              <a:prstGeom prst="line">
+                <a:avLst/>
+              </a:prstGeom>
+              <a:ln w="25400">
+                <a:tailEnd type="none"/>
+              </a:ln>
+            </p:spPr>
+            <p:style>
+              <a:lnRef idx="1">
+                <a:schemeClr val="dk1"/>
+              </a:lnRef>
+              <a:fillRef idx="0">
+                <a:schemeClr val="dk1"/>
+              </a:fillRef>
+              <a:effectRef idx="0">
+                <a:schemeClr val="dk1"/>
+              </a:effectRef>
+              <a:fontRef idx="minor">
+                <a:schemeClr val="tx1"/>
+              </a:fontRef>
+            </p:style>
+          </p:cxnSp>
+          <p:sp>
+            <p:nvSpPr>
+              <p:cNvPr id="70" name="Textfeld 69"/>
+              <p:cNvSpPr txBox="1"/>
+              <p:nvPr/>
+            </p:nvSpPr>
+            <p:spPr>
+              <a:xfrm>
+                <a:off x="1772653" y="561474"/>
+                <a:ext cx="1532792" cy="369332"/>
+              </a:xfrm>
+              <a:prstGeom prst="rect">
+                <a:avLst/>
+              </a:prstGeom>
+              <a:noFill/>
+            </p:spPr>
+            <p:txBody>
+              <a:bodyPr wrap="square" rtlCol="0">
+                <a:spAutoFit/>
+              </a:bodyPr>
+              <a:lstStyle/>
+              <a:p>
+                <a:pPr algn="ctr"/>
+                <a:r>
+                  <a:rPr lang="de-DE" dirty="0" smtClean="0"/>
+                  <a:t>Schlüssel</a:t>
+                </a:r>
+                <a:endParaRPr lang="de-DE" dirty="0"/>
+              </a:p>
+            </p:txBody>
+          </p:sp>
+          <p:sp>
+            <p:nvSpPr>
+              <p:cNvPr id="71" name="Textfeld 70"/>
+              <p:cNvSpPr txBox="1"/>
+              <p:nvPr/>
+            </p:nvSpPr>
+            <p:spPr>
+              <a:xfrm>
+                <a:off x="1772653" y="967333"/>
+                <a:ext cx="1532792" cy="369332"/>
+              </a:xfrm>
+              <a:prstGeom prst="rect">
+                <a:avLst/>
+              </a:prstGeom>
+              <a:noFill/>
+            </p:spPr>
+            <p:txBody>
+              <a:bodyPr wrap="none" rtlCol="0">
+                <a:spAutoFit/>
+              </a:bodyPr>
+              <a:lstStyle/>
+              <a:p>
+                <a:pPr algn="ctr"/>
+                <a:r>
+                  <a:rPr lang="de-DE" dirty="0" smtClean="0"/>
+                  <a:t>Speicherinhalt</a:t>
+                </a:r>
+                <a:endParaRPr lang="de-DE" dirty="0"/>
+              </a:p>
+            </p:txBody>
+          </p:sp>
+        </p:grpSp>
+        <p:cxnSp>
+          <p:nvCxnSpPr>
+            <p:cNvPr id="73" name="Gerader Verbinder 72"/>
+            <p:cNvCxnSpPr>
+              <a:stCxn id="2" idx="2"/>
+              <a:endCxn id="20" idx="0"/>
+            </p:cNvCxnSpPr>
+            <p:nvPr/>
+          </p:nvCxnSpPr>
+          <p:spPr>
+            <a:xfrm flipH="1">
+              <a:off x="888450" y="1502682"/>
+              <a:ext cx="4974034" cy="826018"/>
+            </a:xfrm>
+            <a:prstGeom prst="line">
+              <a:avLst/>
+            </a:prstGeom>
+            <a:ln w="25400">
+              <a:tailEnd type="none"/>
+            </a:ln>
+          </p:spPr>
+          <p:style>
+            <a:lnRef idx="1">
+              <a:schemeClr val="dk1"/>
+            </a:lnRef>
+            <a:fillRef idx="0">
+              <a:schemeClr val="dk1"/>
+            </a:fillRef>
+            <a:effectRef idx="0">
+              <a:schemeClr val="dk1"/>
+            </a:effectRef>
+            <a:fontRef idx="minor">
+              <a:schemeClr val="tx1"/>
+            </a:fontRef>
+          </p:style>
+        </p:cxnSp>
+        <p:cxnSp>
+          <p:nvCxnSpPr>
+            <p:cNvPr id="77" name="Gerader Verbinder 76"/>
+            <p:cNvCxnSpPr>
+              <a:stCxn id="2" idx="2"/>
+              <a:endCxn id="62" idx="0"/>
+            </p:cNvCxnSpPr>
+            <p:nvPr/>
+          </p:nvCxnSpPr>
+          <p:spPr>
+            <a:xfrm>
+              <a:off x="5862484" y="1502682"/>
+              <a:ext cx="922679" cy="825039"/>
+            </a:xfrm>
+            <a:prstGeom prst="line">
+              <a:avLst/>
+            </a:prstGeom>
+            <a:ln w="25400">
+              <a:tailEnd type="none"/>
+            </a:ln>
+          </p:spPr>
+          <p:style>
+            <a:lnRef idx="1">
+              <a:schemeClr val="dk1"/>
+            </a:lnRef>
+            <a:fillRef idx="0">
+              <a:schemeClr val="dk1"/>
+            </a:fillRef>
+            <a:effectRef idx="0">
+              <a:schemeClr val="dk1"/>
+            </a:effectRef>
+            <a:fontRef idx="minor">
+              <a:schemeClr val="tx1"/>
+            </a:fontRef>
+          </p:style>
+        </p:cxnSp>
+        <p:cxnSp>
+          <p:nvCxnSpPr>
+            <p:cNvPr id="79" name="Gerader Verbinder 78"/>
+            <p:cNvCxnSpPr>
+              <a:stCxn id="20" idx="2"/>
+              <a:endCxn id="52" idx="0"/>
+            </p:cNvCxnSpPr>
+            <p:nvPr/>
+          </p:nvCxnSpPr>
+          <p:spPr>
+            <a:xfrm flipH="1">
+              <a:off x="879982" y="3772489"/>
+              <a:ext cx="8468" cy="736011"/>
+            </a:xfrm>
+            <a:prstGeom prst="line">
+              <a:avLst/>
+            </a:prstGeom>
+            <a:ln w="25400">
+              <a:tailEnd type="none"/>
+            </a:ln>
+          </p:spPr>
+          <p:style>
+            <a:lnRef idx="1">
+              <a:schemeClr val="dk1"/>
+            </a:lnRef>
+            <a:fillRef idx="0">
+              <a:schemeClr val="dk1"/>
+            </a:fillRef>
+            <a:effectRef idx="0">
+              <a:schemeClr val="dk1"/>
+            </a:effectRef>
+            <a:fontRef idx="minor">
+              <a:schemeClr val="tx1"/>
+            </a:fontRef>
+          </p:style>
+        </p:cxnSp>
+        <p:cxnSp>
+          <p:nvCxnSpPr>
+            <p:cNvPr id="81" name="Gerader Verbinder 80"/>
+            <p:cNvCxnSpPr>
+              <a:stCxn id="60" idx="2"/>
+              <a:endCxn id="44" idx="0"/>
+            </p:cNvCxnSpPr>
+            <p:nvPr/>
+          </p:nvCxnSpPr>
+          <p:spPr>
+            <a:xfrm flipH="1">
+              <a:off x="5890861" y="3771510"/>
+              <a:ext cx="894302" cy="718836"/>
+            </a:xfrm>
+            <a:prstGeom prst="line">
+              <a:avLst/>
+            </a:prstGeom>
+            <a:ln w="25400">
+              <a:tailEnd type="none"/>
+            </a:ln>
+          </p:spPr>
+          <p:style>
+            <a:lnRef idx="1">
+              <a:schemeClr val="dk1"/>
+            </a:lnRef>
+            <a:fillRef idx="0">
+              <a:schemeClr val="dk1"/>
+            </a:fillRef>
+            <a:effectRef idx="0">
+              <a:schemeClr val="dk1"/>
+            </a:effectRef>
+            <a:fontRef idx="minor">
+              <a:schemeClr val="tx1"/>
+            </a:fontRef>
+          </p:style>
+        </p:cxnSp>
+        <p:cxnSp>
+          <p:nvCxnSpPr>
+            <p:cNvPr id="83" name="Gerader Verbinder 82"/>
+            <p:cNvCxnSpPr>
+              <a:stCxn id="60" idx="2"/>
+              <a:endCxn id="38" idx="0"/>
+            </p:cNvCxnSpPr>
+            <p:nvPr/>
+          </p:nvCxnSpPr>
+          <p:spPr>
+            <a:xfrm>
+              <a:off x="6785163" y="3771510"/>
+              <a:ext cx="1039337" cy="715020"/>
+            </a:xfrm>
+            <a:prstGeom prst="line">
+              <a:avLst/>
+            </a:prstGeom>
+            <a:ln w="25400">
+              <a:tailEnd type="none"/>
+            </a:ln>
+          </p:spPr>
+          <p:style>
+            <a:lnRef idx="1">
+              <a:schemeClr val="dk1"/>
+            </a:lnRef>
+            <a:fillRef idx="0">
+              <a:schemeClr val="dk1"/>
+            </a:fillRef>
+            <a:effectRef idx="0">
+              <a:schemeClr val="dk1"/>
+            </a:effectRef>
+            <a:fontRef idx="minor">
+              <a:schemeClr val="tx1"/>
+            </a:fontRef>
+          </p:style>
+        </p:cxnSp>
+        <p:cxnSp>
+          <p:nvCxnSpPr>
+            <p:cNvPr id="85" name="Gerader Verbinder 84"/>
+            <p:cNvCxnSpPr/>
+            <p:nvPr/>
+          </p:nvCxnSpPr>
+          <p:spPr>
+            <a:xfrm>
+              <a:off x="0" y="1989138"/>
+              <a:ext cx="11823290" cy="0"/>
+            </a:xfrm>
+            <a:prstGeom prst="line">
+              <a:avLst/>
+            </a:prstGeom>
+            <a:ln w="12700">
+              <a:prstDash val="sysDot"/>
+              <a:tailEnd type="none"/>
+            </a:ln>
+          </p:spPr>
+          <p:style>
+            <a:lnRef idx="1">
+              <a:schemeClr val="dk1"/>
+            </a:lnRef>
+            <a:fillRef idx="0">
+              <a:schemeClr val="dk1"/>
+            </a:fillRef>
+            <a:effectRef idx="0">
+              <a:schemeClr val="dk1"/>
+            </a:effectRef>
+            <a:fontRef idx="minor">
+              <a:schemeClr val="tx1"/>
+            </a:fontRef>
+          </p:style>
+        </p:cxnSp>
+        <p:cxnSp>
+          <p:nvCxnSpPr>
+            <p:cNvPr id="86" name="Gerader Verbinder 85"/>
+            <p:cNvCxnSpPr/>
+            <p:nvPr/>
+          </p:nvCxnSpPr>
+          <p:spPr>
+            <a:xfrm flipV="1">
+              <a:off x="0" y="4149725"/>
+              <a:ext cx="11823290" cy="10344"/>
+            </a:xfrm>
+            <a:prstGeom prst="line">
+              <a:avLst/>
+            </a:prstGeom>
+            <a:ln w="12700">
+              <a:prstDash val="sysDot"/>
+              <a:tailEnd type="none"/>
+            </a:ln>
+          </p:spPr>
+          <p:style>
+            <a:lnRef idx="1">
+              <a:schemeClr val="dk1"/>
+            </a:lnRef>
+            <a:fillRef idx="0">
+              <a:schemeClr val="dk1"/>
+            </a:fillRef>
+            <a:effectRef idx="0">
+              <a:schemeClr val="dk1"/>
+            </a:effectRef>
+            <a:fontRef idx="minor">
+              <a:schemeClr val="tx1"/>
+            </a:fontRef>
+          </p:style>
+        </p:cxnSp>
         <p:sp>
           <p:nvSpPr>
-            <p:cNvPr id="2" name="Rechteck 1"/>
-            <p:cNvSpPr/>
+            <p:cNvPr id="90" name="Textfeld 89"/>
+            <p:cNvSpPr txBox="1"/>
             <p:nvPr/>
           </p:nvSpPr>
           <p:spPr>
             <a:xfrm>
-              <a:off x="1772653" y="561474"/>
-              <a:ext cx="1532792" cy="1443789"/>
+              <a:off x="10717162" y="780788"/>
+              <a:ext cx="1317861" cy="369332"/>
             </a:xfrm>
             <a:prstGeom prst="rect">
               <a:avLst/>
             </a:prstGeom>
             <a:noFill/>
-            <a:ln w="25400">
+          </p:spPr>
+          <p:txBody>
+            <a:bodyPr wrap="none" rtlCol="0">
+              <a:spAutoFit/>
+            </a:bodyPr>
+            <a:lstStyle/>
+            <a:p>
+              <a:r>
+                <a:rPr lang="de-DE" dirty="0" smtClean="0">
+                  <a:solidFill>
+                    <a:schemeClr val="accent2">
+                      <a:lumMod val="75000"/>
+                    </a:schemeClr>
+                  </a:solidFill>
+                </a:rPr>
+                <a:t>Hierarchie 0</a:t>
+              </a:r>
+              <a:endParaRPr lang="de-DE" dirty="0">
+                <a:solidFill>
+                  <a:schemeClr val="accent2">
+                    <a:lumMod val="75000"/>
+                  </a:schemeClr>
+                </a:solidFill>
+              </a:endParaRPr>
+            </a:p>
+          </p:txBody>
+        </p:sp>
+        <p:sp>
+          <p:nvSpPr>
+            <p:cNvPr id="91" name="Textfeld 90"/>
+            <p:cNvSpPr txBox="1"/>
+            <p:nvPr/>
+          </p:nvSpPr>
+          <p:spPr>
+            <a:xfrm>
+              <a:off x="10717161" y="2772169"/>
+              <a:ext cx="1317861" cy="369332"/>
+            </a:xfrm>
+            <a:prstGeom prst="rect">
+              <a:avLst/>
+            </a:prstGeom>
+            <a:noFill/>
+          </p:spPr>
+          <p:txBody>
+            <a:bodyPr wrap="none" rtlCol="0">
+              <a:spAutoFit/>
+            </a:bodyPr>
+            <a:lstStyle/>
+            <a:p>
+              <a:r>
+                <a:rPr lang="de-DE" dirty="0" smtClean="0">
+                  <a:solidFill>
+                    <a:schemeClr val="accent2">
+                      <a:lumMod val="75000"/>
+                    </a:schemeClr>
+                  </a:solidFill>
+                </a:rPr>
+                <a:t>Hierarchie 1</a:t>
+              </a:r>
+              <a:endParaRPr lang="de-DE" dirty="0">
+                <a:solidFill>
+                  <a:schemeClr val="accent2">
+                    <a:lumMod val="75000"/>
+                  </a:schemeClr>
+                </a:solidFill>
+              </a:endParaRPr>
+            </a:p>
+          </p:txBody>
+        </p:sp>
+        <p:sp>
+          <p:nvSpPr>
+            <p:cNvPr id="92" name="Textfeld 91"/>
+            <p:cNvSpPr txBox="1"/>
+            <p:nvPr/>
+          </p:nvSpPr>
+          <p:spPr>
+            <a:xfrm>
+              <a:off x="10718564" y="5013738"/>
+              <a:ext cx="1317861" cy="369332"/>
+            </a:xfrm>
+            <a:prstGeom prst="rect">
+              <a:avLst/>
+            </a:prstGeom>
+            <a:noFill/>
+          </p:spPr>
+          <p:txBody>
+            <a:bodyPr wrap="none" rtlCol="0">
+              <a:spAutoFit/>
+            </a:bodyPr>
+            <a:lstStyle/>
+            <a:p>
+              <a:r>
+                <a:rPr lang="de-DE" dirty="0" smtClean="0">
+                  <a:solidFill>
+                    <a:schemeClr val="accent2">
+                      <a:lumMod val="75000"/>
+                    </a:schemeClr>
+                  </a:solidFill>
+                </a:rPr>
+                <a:t>Hierarchie 2</a:t>
+              </a:r>
+              <a:endParaRPr lang="de-DE" dirty="0">
+                <a:solidFill>
+                  <a:schemeClr val="accent2">
+                    <a:lumMod val="75000"/>
+                  </a:schemeClr>
+                </a:solidFill>
+              </a:endParaRPr>
+            </a:p>
+          </p:txBody>
+        </p:sp>
+        <p:sp>
+          <p:nvSpPr>
+            <p:cNvPr id="93" name="Textfeld 92"/>
+            <p:cNvSpPr txBox="1"/>
+            <p:nvPr/>
+          </p:nvSpPr>
+          <p:spPr>
+            <a:xfrm>
+              <a:off x="1664240" y="2373822"/>
+              <a:ext cx="1289135" cy="338554"/>
+            </a:xfrm>
+            <a:prstGeom prst="rect">
+              <a:avLst/>
+            </a:prstGeom>
+            <a:noFill/>
+          </p:spPr>
+          <p:txBody>
+            <a:bodyPr wrap="none" rtlCol="0">
+              <a:spAutoFit/>
+            </a:bodyPr>
+            <a:lstStyle/>
+            <a:p>
+              <a:r>
+                <a:rPr lang="de-DE" sz="1600" i="1" dirty="0" smtClean="0">
+                  <a:solidFill>
+                    <a:srgbClr val="0070C0"/>
+                  </a:solidFill>
+                </a:rPr>
+                <a:t>„1000_4711“</a:t>
+              </a:r>
+              <a:endParaRPr lang="de-DE" sz="1600" i="1" dirty="0">
+                <a:solidFill>
+                  <a:srgbClr val="0070C0"/>
+                </a:solidFill>
+              </a:endParaRPr>
+            </a:p>
+          </p:txBody>
+        </p:sp>
+        <p:sp>
+          <p:nvSpPr>
+            <p:cNvPr id="94" name="Textfeld 93"/>
+            <p:cNvSpPr txBox="1"/>
+            <p:nvPr/>
+          </p:nvSpPr>
+          <p:spPr>
+            <a:xfrm>
+              <a:off x="4280763" y="122153"/>
+              <a:ext cx="828688" cy="338554"/>
+            </a:xfrm>
+            <a:prstGeom prst="rect">
+              <a:avLst/>
+            </a:prstGeom>
+            <a:noFill/>
+          </p:spPr>
+          <p:txBody>
+            <a:bodyPr wrap="none" rtlCol="0">
+              <a:spAutoFit/>
+            </a:bodyPr>
+            <a:lstStyle/>
+            <a:p>
+              <a:r>
+                <a:rPr lang="de-DE" sz="1600" i="1" dirty="0" smtClean="0">
+                  <a:solidFill>
+                    <a:srgbClr val="0070C0"/>
+                  </a:solidFill>
+                </a:rPr>
+                <a:t>„</a:t>
+              </a:r>
+              <a:r>
+                <a:rPr lang="de-DE" sz="1600" i="1" dirty="0" err="1" smtClean="0">
+                  <a:solidFill>
+                    <a:srgbClr val="0070C0"/>
+                  </a:solidFill>
+                </a:rPr>
+                <a:t>prints</a:t>
+              </a:r>
+              <a:r>
+                <a:rPr lang="de-DE" sz="1600" i="1" dirty="0" smtClean="0">
+                  <a:solidFill>
+                    <a:srgbClr val="0070C0"/>
+                  </a:solidFill>
+                </a:rPr>
+                <a:t>“</a:t>
+              </a:r>
+              <a:endParaRPr lang="de-DE" sz="1600" i="1" dirty="0">
+                <a:solidFill>
+                  <a:srgbClr val="0070C0"/>
+                </a:solidFill>
+              </a:endParaRPr>
+            </a:p>
+          </p:txBody>
+        </p:sp>
+        <p:sp>
+          <p:nvSpPr>
+            <p:cNvPr id="95" name="Textfeld 94"/>
+            <p:cNvSpPr txBox="1"/>
+            <p:nvPr/>
+          </p:nvSpPr>
+          <p:spPr>
+            <a:xfrm>
+              <a:off x="7576081" y="2382453"/>
+              <a:ext cx="1289135" cy="338554"/>
+            </a:xfrm>
+            <a:prstGeom prst="rect">
+              <a:avLst/>
+            </a:prstGeom>
+            <a:noFill/>
+          </p:spPr>
+          <p:txBody>
+            <a:bodyPr wrap="none" rtlCol="0">
+              <a:spAutoFit/>
+            </a:bodyPr>
+            <a:lstStyle/>
+            <a:p>
+              <a:r>
+                <a:rPr lang="de-DE" sz="1600" i="1" dirty="0" smtClean="0">
+                  <a:solidFill>
+                    <a:srgbClr val="0070C0"/>
+                  </a:solidFill>
+                </a:rPr>
+                <a:t>„3000_2903“</a:t>
+              </a:r>
+              <a:endParaRPr lang="de-DE" sz="1600" i="1" dirty="0">
+                <a:solidFill>
+                  <a:srgbClr val="0070C0"/>
+                </a:solidFill>
+              </a:endParaRPr>
+            </a:p>
+          </p:txBody>
+        </p:sp>
+        <p:sp>
+          <p:nvSpPr>
+            <p:cNvPr id="96" name="Textfeld 95"/>
+            <p:cNvSpPr txBox="1"/>
+            <p:nvPr/>
+          </p:nvSpPr>
+          <p:spPr>
+            <a:xfrm>
+              <a:off x="4586856" y="2369712"/>
+              <a:ext cx="1289135" cy="338554"/>
+            </a:xfrm>
+            <a:prstGeom prst="rect">
+              <a:avLst/>
+            </a:prstGeom>
+            <a:noFill/>
+          </p:spPr>
+          <p:txBody>
+            <a:bodyPr wrap="none" rtlCol="0">
+              <a:spAutoFit/>
+            </a:bodyPr>
+            <a:lstStyle/>
+            <a:p>
+              <a:r>
+                <a:rPr lang="de-DE" sz="1600" i="1" dirty="0" smtClean="0">
+                  <a:solidFill>
+                    <a:srgbClr val="0070C0"/>
+                  </a:solidFill>
+                </a:rPr>
+                <a:t>„2000_0815“</a:t>
+              </a:r>
+              <a:endParaRPr lang="de-DE" sz="1600" i="1" dirty="0">
+                <a:solidFill>
+                  <a:srgbClr val="0070C0"/>
+                </a:solidFill>
+              </a:endParaRPr>
+            </a:p>
+          </p:txBody>
+        </p:sp>
+        <p:sp>
+          <p:nvSpPr>
+            <p:cNvPr id="97" name="Textfeld 96"/>
+            <p:cNvSpPr txBox="1"/>
+            <p:nvPr/>
+          </p:nvSpPr>
+          <p:spPr>
+            <a:xfrm>
+              <a:off x="8570796" y="4524520"/>
+              <a:ext cx="1289135" cy="338554"/>
+            </a:xfrm>
+            <a:prstGeom prst="rect">
+              <a:avLst/>
+            </a:prstGeom>
+            <a:noFill/>
+          </p:spPr>
+          <p:txBody>
+            <a:bodyPr wrap="none" rtlCol="0">
+              <a:spAutoFit/>
+            </a:bodyPr>
+            <a:lstStyle/>
+            <a:p>
+              <a:r>
+                <a:rPr lang="de-DE" sz="1600" i="1" dirty="0" smtClean="0">
+                  <a:solidFill>
+                    <a:srgbClr val="0070C0"/>
+                  </a:solidFill>
+                </a:rPr>
+                <a:t>„6000_5443“</a:t>
+              </a:r>
+              <a:endParaRPr lang="de-DE" sz="1600" i="1" dirty="0">
+                <a:solidFill>
+                  <a:srgbClr val="0070C0"/>
+                </a:solidFill>
+              </a:endParaRPr>
+            </a:p>
+          </p:txBody>
+        </p:sp>
+        <p:sp>
+          <p:nvSpPr>
+            <p:cNvPr id="98" name="Textfeld 97"/>
+            <p:cNvSpPr txBox="1"/>
+            <p:nvPr/>
+          </p:nvSpPr>
+          <p:spPr>
+            <a:xfrm>
+              <a:off x="3731135" y="4549163"/>
+              <a:ext cx="1393330" cy="338554"/>
+            </a:xfrm>
+            <a:prstGeom prst="rect">
+              <a:avLst/>
+            </a:prstGeom>
+            <a:noFill/>
+          </p:spPr>
+          <p:txBody>
+            <a:bodyPr wrap="none" rtlCol="0">
+              <a:spAutoFit/>
+            </a:bodyPr>
+            <a:lstStyle/>
+            <a:p>
+              <a:r>
+                <a:rPr lang="de-DE" sz="1600" i="1" dirty="0" smtClean="0">
+                  <a:solidFill>
+                    <a:srgbClr val="0070C0"/>
+                  </a:solidFill>
+                </a:rPr>
+                <a:t>„5000_11597“</a:t>
+              </a:r>
+              <a:endParaRPr lang="de-DE" sz="1600" i="1" dirty="0">
+                <a:solidFill>
+                  <a:srgbClr val="0070C0"/>
+                </a:solidFill>
+              </a:endParaRPr>
+            </a:p>
+          </p:txBody>
+        </p:sp>
+        <p:sp>
+          <p:nvSpPr>
+            <p:cNvPr id="99" name="Textfeld 98"/>
+            <p:cNvSpPr txBox="1"/>
+            <p:nvPr/>
+          </p:nvSpPr>
+          <p:spPr>
+            <a:xfrm>
+              <a:off x="1702941" y="4537037"/>
+              <a:ext cx="1393330" cy="338554"/>
+            </a:xfrm>
+            <a:prstGeom prst="rect">
+              <a:avLst/>
+            </a:prstGeom>
+            <a:noFill/>
+          </p:spPr>
+          <p:txBody>
+            <a:bodyPr wrap="none" rtlCol="0">
+              <a:spAutoFit/>
+            </a:bodyPr>
+            <a:lstStyle/>
+            <a:p>
+              <a:r>
+                <a:rPr lang="de-DE" sz="1600" i="1" dirty="0" smtClean="0">
+                  <a:solidFill>
+                    <a:srgbClr val="0070C0"/>
+                  </a:solidFill>
+                </a:rPr>
+                <a:t>„4000_62896“</a:t>
+              </a:r>
+              <a:endParaRPr lang="de-DE" sz="1600" i="1" dirty="0">
+                <a:solidFill>
+                  <a:srgbClr val="0070C0"/>
+                </a:solidFill>
+              </a:endParaRPr>
+            </a:p>
+          </p:txBody>
+        </p:sp>
+        <p:cxnSp>
+          <p:nvCxnSpPr>
+            <p:cNvPr id="101" name="Gerader Verbinder 100"/>
+            <p:cNvCxnSpPr/>
+            <p:nvPr/>
+          </p:nvCxnSpPr>
+          <p:spPr>
+            <a:xfrm>
+              <a:off x="10056813" y="16409"/>
+              <a:ext cx="0" cy="6136303"/>
+            </a:xfrm>
+            <a:prstGeom prst="line">
+              <a:avLst/>
+            </a:prstGeom>
+            <a:ln w="19050">
               <a:solidFill>
-                <a:schemeClr val="tx1"/>
+                <a:srgbClr val="8A3CC4"/>
               </a:solidFill>
+              <a:prstDash val="dash"/>
+              <a:tailEnd type="none"/>
+            </a:ln>
+          </p:spPr>
+          <p:style>
+            <a:lnRef idx="1">
+              <a:schemeClr val="dk1"/>
+            </a:lnRef>
+            <a:fillRef idx="0">
+              <a:schemeClr val="dk1"/>
+            </a:fillRef>
+            <a:effectRef idx="0">
+              <a:schemeClr val="dk1"/>
+            </a:effectRef>
+            <a:fontRef idx="minor">
+              <a:schemeClr val="tx1"/>
+            </a:fontRef>
+          </p:style>
+        </p:cxnSp>
+        <p:sp>
+          <p:nvSpPr>
+            <p:cNvPr id="102" name="Textfeld 101"/>
+            <p:cNvSpPr txBox="1"/>
+            <p:nvPr/>
+          </p:nvSpPr>
+          <p:spPr>
+            <a:xfrm>
+              <a:off x="10083476" y="1941857"/>
+              <a:ext cx="688009" cy="369332"/>
+            </a:xfrm>
+            <a:prstGeom prst="rect">
+              <a:avLst/>
+            </a:prstGeom>
+            <a:noFill/>
+          </p:spPr>
+          <p:txBody>
+            <a:bodyPr wrap="none" rtlCol="0">
+              <a:spAutoFit/>
+            </a:bodyPr>
+            <a:lstStyle/>
+            <a:p>
+              <a:r>
+                <a:rPr lang="de-DE" dirty="0" smtClean="0">
+                  <a:solidFill>
+                    <a:srgbClr val="8A3CC4"/>
+                  </a:solidFill>
+                </a:rPr>
+                <a:t>Höhe</a:t>
+              </a:r>
+              <a:endParaRPr lang="de-DE" dirty="0">
+                <a:solidFill>
+                  <a:srgbClr val="8A3CC4"/>
+                </a:solidFill>
+              </a:endParaRPr>
+            </a:p>
+          </p:txBody>
+        </p:sp>
+        <p:sp>
+          <p:nvSpPr>
+            <p:cNvPr id="103" name="Rechteck 102"/>
+            <p:cNvSpPr/>
+            <p:nvPr/>
+          </p:nvSpPr>
+          <p:spPr>
+            <a:xfrm>
+              <a:off x="-68826" y="4277032"/>
+              <a:ext cx="9920480" cy="1750142"/>
+            </a:xfrm>
+            <a:prstGeom prst="rect">
+              <a:avLst/>
+            </a:prstGeom>
+            <a:noFill/>
+            <a:ln w="19050">
+              <a:solidFill>
+                <a:srgbClr val="8A3CC4"/>
+              </a:solidFill>
+              <a:prstDash val="dash"/>
             </a:ln>
           </p:spPr>
           <p:style>
@@ -5517,16 +7356,923 @@
             </a:p>
           </p:txBody>
         </p:sp>
+        <p:sp>
+          <p:nvSpPr>
+            <p:cNvPr id="104" name="Textfeld 103"/>
+            <p:cNvSpPr txBox="1"/>
+            <p:nvPr/>
+          </p:nvSpPr>
+          <p:spPr>
+            <a:xfrm>
+              <a:off x="3738568" y="6047081"/>
+              <a:ext cx="745012" cy="369332"/>
+            </a:xfrm>
+            <a:prstGeom prst="rect">
+              <a:avLst/>
+            </a:prstGeom>
+            <a:noFill/>
+          </p:spPr>
+          <p:txBody>
+            <a:bodyPr wrap="none" rtlCol="0">
+              <a:spAutoFit/>
+            </a:bodyPr>
+            <a:lstStyle/>
+            <a:p>
+              <a:r>
+                <a:rPr lang="de-DE" dirty="0" smtClean="0">
+                  <a:solidFill>
+                    <a:srgbClr val="8A3CC4"/>
+                  </a:solidFill>
+                </a:rPr>
+                <a:t>Breite</a:t>
+              </a:r>
+              <a:endParaRPr lang="de-DE" dirty="0">
+                <a:solidFill>
+                  <a:srgbClr val="8A3CC4"/>
+                </a:solidFill>
+              </a:endParaRPr>
+            </a:p>
+          </p:txBody>
+        </p:sp>
+        <p:sp>
+          <p:nvSpPr>
+            <p:cNvPr id="105" name="Textfeld 104"/>
+            <p:cNvSpPr txBox="1"/>
+            <p:nvPr/>
+          </p:nvSpPr>
+          <p:spPr>
+            <a:xfrm>
+              <a:off x="8197718" y="918105"/>
+              <a:ext cx="1785361" cy="646331"/>
+            </a:xfrm>
+            <a:prstGeom prst="rect">
+              <a:avLst/>
+            </a:prstGeom>
+            <a:noFill/>
+          </p:spPr>
+          <p:txBody>
+            <a:bodyPr wrap="none" rtlCol="0">
+              <a:spAutoFit/>
+            </a:bodyPr>
+            <a:lstStyle/>
+            <a:p>
+              <a:r>
+                <a:rPr lang="de-DE" dirty="0" smtClean="0">
+                  <a:solidFill>
+                    <a:schemeClr val="accent6"/>
+                  </a:solidFill>
+                </a:rPr>
+                <a:t>Oberster Knoten </a:t>
+              </a:r>
+            </a:p>
+            <a:p>
+              <a:r>
+                <a:rPr lang="de-DE" dirty="0" smtClean="0">
+                  <a:solidFill>
+                    <a:schemeClr val="accent6"/>
+                  </a:solidFill>
+                </a:rPr>
+                <a:t>= Wurzel</a:t>
+              </a:r>
+              <a:endParaRPr lang="de-DE" dirty="0">
+                <a:solidFill>
+                  <a:schemeClr val="accent6"/>
+                </a:solidFill>
+              </a:endParaRPr>
+            </a:p>
+          </p:txBody>
+        </p:sp>
+        <p:sp>
+          <p:nvSpPr>
+            <p:cNvPr id="107" name="Rechteck 106"/>
+            <p:cNvSpPr/>
+            <p:nvPr/>
+          </p:nvSpPr>
+          <p:spPr>
+            <a:xfrm>
+              <a:off x="1702941" y="1156707"/>
+              <a:ext cx="3440365" cy="307777"/>
+            </a:xfrm>
+            <a:prstGeom prst="rect">
+              <a:avLst/>
+            </a:prstGeom>
+          </p:spPr>
+          <p:txBody>
+            <a:bodyPr wrap="none">
+              <a:spAutoFit/>
+            </a:bodyPr>
+            <a:lstStyle/>
+            <a:p>
+              <a:r>
+                <a:rPr lang="de-DE" sz="1400" i="1" dirty="0" smtClean="0">
+                  <a:solidFill>
+                    <a:srgbClr val="0070C0"/>
+                  </a:solidFill>
+                </a:rPr>
+                <a:t>[O-1000_4711, O-2000_0815, O-3000_2903]</a:t>
+              </a:r>
+              <a:endParaRPr lang="de-DE" sz="1400" dirty="0"/>
+            </a:p>
+          </p:txBody>
+        </p:sp>
+        <p:sp>
+          <p:nvSpPr>
+            <p:cNvPr id="109" name="Rechteck 108"/>
+            <p:cNvSpPr/>
+            <p:nvPr/>
+          </p:nvSpPr>
+          <p:spPr>
+            <a:xfrm>
+              <a:off x="7528561" y="3470944"/>
+              <a:ext cx="2454518" cy="307777"/>
+            </a:xfrm>
+            <a:prstGeom prst="rect">
+              <a:avLst/>
+            </a:prstGeom>
+          </p:spPr>
+          <p:txBody>
+            <a:bodyPr wrap="none">
+              <a:spAutoFit/>
+            </a:bodyPr>
+            <a:lstStyle/>
+            <a:p>
+              <a:r>
+                <a:rPr lang="de-DE" sz="1400" i="1" dirty="0" smtClean="0">
+                  <a:solidFill>
+                    <a:srgbClr val="0070C0"/>
+                  </a:solidFill>
+                </a:rPr>
+                <a:t>[O-5000_11597, O-6000_5443]</a:t>
+              </a:r>
+              <a:endParaRPr lang="de-DE" sz="1400" dirty="0"/>
+            </a:p>
+          </p:txBody>
+        </p:sp>
+        <p:sp>
+          <p:nvSpPr>
+            <p:cNvPr id="111" name="Rechteck 110"/>
+            <p:cNvSpPr/>
+            <p:nvPr/>
+          </p:nvSpPr>
+          <p:spPr>
+            <a:xfrm>
+              <a:off x="7577061" y="3157529"/>
+              <a:ext cx="859466" cy="307777"/>
+            </a:xfrm>
+            <a:prstGeom prst="rect">
+              <a:avLst/>
+            </a:prstGeom>
+          </p:spPr>
+          <p:txBody>
+            <a:bodyPr wrap="none">
+              <a:spAutoFit/>
+            </a:bodyPr>
+            <a:lstStyle/>
+            <a:p>
+              <a:r>
+                <a:rPr lang="de-DE" sz="1400" i="1" dirty="0" smtClean="0">
+                  <a:solidFill>
+                    <a:srgbClr val="0070C0"/>
+                  </a:solidFill>
+                </a:rPr>
+                <a:t>[„</a:t>
+              </a:r>
+              <a:r>
+                <a:rPr lang="de-DE" sz="1400" i="1" dirty="0" err="1" smtClean="0">
+                  <a:solidFill>
+                    <a:srgbClr val="0070C0"/>
+                  </a:solidFill>
+                </a:rPr>
+                <a:t>prints</a:t>
+              </a:r>
+              <a:r>
+                <a:rPr lang="de-DE" sz="1400" i="1" dirty="0" smtClean="0">
+                  <a:solidFill>
+                    <a:srgbClr val="0070C0"/>
+                  </a:solidFill>
+                </a:rPr>
+                <a:t>“]</a:t>
+              </a:r>
+              <a:endParaRPr lang="de-DE" sz="1400" dirty="0"/>
+            </a:p>
+          </p:txBody>
+        </p:sp>
+        <p:sp>
+          <p:nvSpPr>
+            <p:cNvPr id="112" name="Rechteck 111"/>
+            <p:cNvSpPr/>
+            <p:nvPr/>
+          </p:nvSpPr>
+          <p:spPr>
+            <a:xfrm>
+              <a:off x="1709964" y="5645665"/>
+              <a:ext cx="293670" cy="307777"/>
+            </a:xfrm>
+            <a:prstGeom prst="rect">
+              <a:avLst/>
+            </a:prstGeom>
+          </p:spPr>
+          <p:txBody>
+            <a:bodyPr wrap="none">
+              <a:spAutoFit/>
+            </a:bodyPr>
+            <a:lstStyle/>
+            <a:p>
+              <a:r>
+                <a:rPr lang="de-DE" sz="1400" i="1" dirty="0" smtClean="0">
+                  <a:solidFill>
+                    <a:srgbClr val="0070C0"/>
+                  </a:solidFill>
+                </a:rPr>
+                <a:t>[]</a:t>
+              </a:r>
+              <a:endParaRPr lang="de-DE" sz="1400" dirty="0"/>
+            </a:p>
+          </p:txBody>
+        </p:sp>
+        <p:sp>
+          <p:nvSpPr>
+            <p:cNvPr id="113" name="Rechteck 112"/>
+            <p:cNvSpPr/>
+            <p:nvPr/>
+          </p:nvSpPr>
+          <p:spPr>
+            <a:xfrm>
+              <a:off x="1685333" y="5324098"/>
+              <a:ext cx="1899366" cy="307777"/>
+            </a:xfrm>
+            <a:prstGeom prst="rect">
+              <a:avLst/>
+            </a:prstGeom>
+          </p:spPr>
+          <p:txBody>
+            <a:bodyPr wrap="none">
+              <a:spAutoFit/>
+            </a:bodyPr>
+            <a:lstStyle/>
+            <a:p>
+              <a:r>
+                <a:rPr lang="de-DE" sz="1400" i="1" dirty="0" smtClean="0">
+                  <a:solidFill>
+                    <a:srgbClr val="0070C0"/>
+                  </a:solidFill>
+                </a:rPr>
+                <a:t>[„</a:t>
+              </a:r>
+              <a:r>
+                <a:rPr lang="de-DE" sz="1400" i="1" dirty="0" err="1" smtClean="0">
+                  <a:solidFill>
+                    <a:srgbClr val="0070C0"/>
+                  </a:solidFill>
+                </a:rPr>
+                <a:t>prints</a:t>
+              </a:r>
+              <a:r>
+                <a:rPr lang="de-DE" sz="1400" i="1" dirty="0" smtClean="0">
+                  <a:solidFill>
+                    <a:srgbClr val="0070C0"/>
+                  </a:solidFill>
+                </a:rPr>
+                <a:t>“, „1000_4711“]</a:t>
+              </a:r>
+              <a:endParaRPr lang="de-DE" sz="1400" dirty="0"/>
+            </a:p>
+          </p:txBody>
+        </p:sp>
+        <p:sp>
+          <p:nvSpPr>
+            <p:cNvPr id="4" name="Geschweifte Klammer rechts 3"/>
+            <p:cNvSpPr/>
+            <p:nvPr/>
+          </p:nvSpPr>
+          <p:spPr>
+            <a:xfrm>
+              <a:off x="6756754" y="59709"/>
+              <a:ext cx="191356" cy="1406512"/>
+            </a:xfrm>
+            <a:prstGeom prst="rightBrace">
+              <a:avLst/>
+            </a:prstGeom>
+            <a:ln w="25400">
+              <a:solidFill>
+                <a:srgbClr val="8A3CC4"/>
+              </a:solidFill>
+              <a:tailEnd type="none"/>
+            </a:ln>
+          </p:spPr>
+          <p:style>
+            <a:lnRef idx="1">
+              <a:schemeClr val="dk1"/>
+            </a:lnRef>
+            <a:fillRef idx="0">
+              <a:schemeClr val="dk1"/>
+            </a:fillRef>
+            <a:effectRef idx="0">
+              <a:schemeClr val="dk1"/>
+            </a:effectRef>
+            <a:fontRef idx="minor">
+              <a:schemeClr val="tx1"/>
+            </a:fontRef>
+          </p:style>
+          <p:txBody>
+            <a:bodyPr rtlCol="0" anchor="ctr"/>
+            <a:lstStyle/>
+            <a:p>
+              <a:pPr algn="ctr"/>
+              <a:endParaRPr lang="de-DE"/>
+            </a:p>
+          </p:txBody>
+        </p:sp>
+        <p:sp>
+          <p:nvSpPr>
+            <p:cNvPr id="119" name="Textfeld 118"/>
+            <p:cNvSpPr txBox="1"/>
+            <p:nvPr/>
+          </p:nvSpPr>
+          <p:spPr>
+            <a:xfrm>
+              <a:off x="7057879" y="564623"/>
+              <a:ext cx="856645" cy="369332"/>
+            </a:xfrm>
+            <a:prstGeom prst="rect">
+              <a:avLst/>
+            </a:prstGeom>
+            <a:noFill/>
+          </p:spPr>
+          <p:txBody>
+            <a:bodyPr wrap="none" rtlCol="0">
+              <a:spAutoFit/>
+            </a:bodyPr>
+            <a:lstStyle/>
+            <a:p>
+              <a:r>
+                <a:rPr lang="de-DE" dirty="0" smtClean="0">
+                  <a:solidFill>
+                    <a:srgbClr val="8A3CC4"/>
+                  </a:solidFill>
+                </a:rPr>
+                <a:t>Knoten</a:t>
+              </a:r>
+              <a:endParaRPr lang="de-DE" dirty="0">
+                <a:solidFill>
+                  <a:srgbClr val="8A3CC4"/>
+                </a:solidFill>
+              </a:endParaRPr>
+            </a:p>
+          </p:txBody>
+        </p:sp>
+        <p:grpSp>
+          <p:nvGrpSpPr>
+            <p:cNvPr id="3" name="Gruppieren 2"/>
+            <p:cNvGrpSpPr/>
+            <p:nvPr/>
+          </p:nvGrpSpPr>
+          <p:grpSpPr>
+            <a:xfrm>
+              <a:off x="5102680" y="856267"/>
+              <a:ext cx="1526199" cy="624311"/>
+              <a:chOff x="5102680" y="856267"/>
+              <a:chExt cx="1526199" cy="624311"/>
+            </a:xfrm>
+          </p:grpSpPr>
+          <p:sp>
+            <p:nvSpPr>
+              <p:cNvPr id="13" name="Textfeld 12"/>
+              <p:cNvSpPr txBox="1"/>
+              <p:nvPr/>
+            </p:nvSpPr>
+            <p:spPr>
+              <a:xfrm>
+                <a:off x="5109272" y="1111246"/>
+                <a:ext cx="1519607" cy="369332"/>
+              </a:xfrm>
+              <a:prstGeom prst="rect">
+                <a:avLst/>
+              </a:prstGeom>
+              <a:noFill/>
+            </p:spPr>
+            <p:txBody>
+              <a:bodyPr wrap="square" rtlCol="0">
+                <a:spAutoFit/>
+              </a:bodyPr>
+              <a:lstStyle/>
+              <a:p>
+                <a:pPr algn="ctr"/>
+                <a:r>
+                  <a:rPr lang="de-DE" dirty="0" smtClean="0"/>
+                  <a:t>Kinder</a:t>
+                </a:r>
+                <a:endParaRPr lang="de-DE" dirty="0"/>
+              </a:p>
+            </p:txBody>
+          </p:sp>
+          <p:sp>
+            <p:nvSpPr>
+              <p:cNvPr id="130" name="Textfeld 129"/>
+              <p:cNvSpPr txBox="1"/>
+              <p:nvPr/>
+            </p:nvSpPr>
+            <p:spPr>
+              <a:xfrm>
+                <a:off x="5102680" y="856267"/>
+                <a:ext cx="1519607" cy="369332"/>
+              </a:xfrm>
+              <a:prstGeom prst="rect">
+                <a:avLst/>
+              </a:prstGeom>
+              <a:noFill/>
+            </p:spPr>
+            <p:txBody>
+              <a:bodyPr wrap="square" rtlCol="0">
+                <a:spAutoFit/>
+              </a:bodyPr>
+              <a:lstStyle/>
+              <a:p>
+                <a:pPr algn="ctr"/>
+                <a:r>
+                  <a:rPr lang="de-DE" dirty="0" smtClean="0"/>
+                  <a:t>Elternpfad</a:t>
+                </a:r>
+                <a:endParaRPr lang="de-DE" dirty="0"/>
+              </a:p>
+            </p:txBody>
+          </p:sp>
+        </p:grpSp>
+        <p:grpSp>
+          <p:nvGrpSpPr>
+            <p:cNvPr id="131" name="Gruppieren 130"/>
+            <p:cNvGrpSpPr/>
+            <p:nvPr/>
+          </p:nvGrpSpPr>
+          <p:grpSpPr>
+            <a:xfrm>
+              <a:off x="3033275" y="3119555"/>
+              <a:ext cx="1526199" cy="624311"/>
+              <a:chOff x="5102680" y="856267"/>
+              <a:chExt cx="1526199" cy="624311"/>
+            </a:xfrm>
+          </p:grpSpPr>
+          <p:sp>
+            <p:nvSpPr>
+              <p:cNvPr id="132" name="Textfeld 131"/>
+              <p:cNvSpPr txBox="1"/>
+              <p:nvPr/>
+            </p:nvSpPr>
+            <p:spPr>
+              <a:xfrm>
+                <a:off x="5109272" y="1111246"/>
+                <a:ext cx="1519607" cy="369332"/>
+              </a:xfrm>
+              <a:prstGeom prst="rect">
+                <a:avLst/>
+              </a:prstGeom>
+              <a:noFill/>
+            </p:spPr>
+            <p:txBody>
+              <a:bodyPr wrap="square" rtlCol="0">
+                <a:spAutoFit/>
+              </a:bodyPr>
+              <a:lstStyle/>
+              <a:p>
+                <a:pPr algn="ctr"/>
+                <a:r>
+                  <a:rPr lang="de-DE" dirty="0" smtClean="0"/>
+                  <a:t>Kinder</a:t>
+                </a:r>
+                <a:endParaRPr lang="de-DE" dirty="0"/>
+              </a:p>
+            </p:txBody>
+          </p:sp>
+          <p:sp>
+            <p:nvSpPr>
+              <p:cNvPr id="133" name="Textfeld 132"/>
+              <p:cNvSpPr txBox="1"/>
+              <p:nvPr/>
+            </p:nvSpPr>
+            <p:spPr>
+              <a:xfrm>
+                <a:off x="5102680" y="856267"/>
+                <a:ext cx="1519607" cy="369332"/>
+              </a:xfrm>
+              <a:prstGeom prst="rect">
+                <a:avLst/>
+              </a:prstGeom>
+              <a:noFill/>
+            </p:spPr>
+            <p:txBody>
+              <a:bodyPr wrap="square" rtlCol="0">
+                <a:spAutoFit/>
+              </a:bodyPr>
+              <a:lstStyle/>
+              <a:p>
+                <a:pPr algn="ctr"/>
+                <a:r>
+                  <a:rPr lang="de-DE" dirty="0" smtClean="0"/>
+                  <a:t>Elternpfad</a:t>
+                </a:r>
+                <a:endParaRPr lang="de-DE" dirty="0"/>
+              </a:p>
+            </p:txBody>
+          </p:sp>
+        </p:grpSp>
+        <p:grpSp>
+          <p:nvGrpSpPr>
+            <p:cNvPr id="134" name="Gruppieren 133"/>
+            <p:cNvGrpSpPr/>
+            <p:nvPr/>
+          </p:nvGrpSpPr>
+          <p:grpSpPr>
+            <a:xfrm>
+              <a:off x="6031404" y="3147795"/>
+              <a:ext cx="1526199" cy="624311"/>
+              <a:chOff x="5102680" y="856267"/>
+              <a:chExt cx="1526199" cy="624311"/>
+            </a:xfrm>
+          </p:grpSpPr>
+          <p:sp>
+            <p:nvSpPr>
+              <p:cNvPr id="135" name="Textfeld 134"/>
+              <p:cNvSpPr txBox="1"/>
+              <p:nvPr/>
+            </p:nvSpPr>
+            <p:spPr>
+              <a:xfrm>
+                <a:off x="5109272" y="1111246"/>
+                <a:ext cx="1519607" cy="369332"/>
+              </a:xfrm>
+              <a:prstGeom prst="rect">
+                <a:avLst/>
+              </a:prstGeom>
+              <a:noFill/>
+            </p:spPr>
+            <p:txBody>
+              <a:bodyPr wrap="square" rtlCol="0">
+                <a:spAutoFit/>
+              </a:bodyPr>
+              <a:lstStyle/>
+              <a:p>
+                <a:pPr algn="ctr"/>
+                <a:r>
+                  <a:rPr lang="de-DE" dirty="0" smtClean="0"/>
+                  <a:t>Kinder</a:t>
+                </a:r>
+                <a:endParaRPr lang="de-DE" dirty="0"/>
+              </a:p>
+            </p:txBody>
+          </p:sp>
+          <p:sp>
+            <p:nvSpPr>
+              <p:cNvPr id="136" name="Textfeld 135"/>
+              <p:cNvSpPr txBox="1"/>
+              <p:nvPr/>
+            </p:nvSpPr>
+            <p:spPr>
+              <a:xfrm>
+                <a:off x="5102680" y="856267"/>
+                <a:ext cx="1519607" cy="369332"/>
+              </a:xfrm>
+              <a:prstGeom prst="rect">
+                <a:avLst/>
+              </a:prstGeom>
+              <a:noFill/>
+            </p:spPr>
+            <p:txBody>
+              <a:bodyPr wrap="square" rtlCol="0">
+                <a:spAutoFit/>
+              </a:bodyPr>
+              <a:lstStyle/>
+              <a:p>
+                <a:pPr algn="ctr"/>
+                <a:r>
+                  <a:rPr lang="de-DE" dirty="0" smtClean="0"/>
+                  <a:t>Elternpfad</a:t>
+                </a:r>
+                <a:endParaRPr lang="de-DE" dirty="0"/>
+              </a:p>
+            </p:txBody>
+          </p:sp>
+        </p:grpSp>
+        <p:grpSp>
+          <p:nvGrpSpPr>
+            <p:cNvPr id="137" name="Gruppieren 136"/>
+            <p:cNvGrpSpPr/>
+            <p:nvPr/>
+          </p:nvGrpSpPr>
+          <p:grpSpPr>
+            <a:xfrm>
+              <a:off x="138890" y="3125995"/>
+              <a:ext cx="1526199" cy="624311"/>
+              <a:chOff x="5102680" y="856267"/>
+              <a:chExt cx="1526199" cy="624311"/>
+            </a:xfrm>
+          </p:grpSpPr>
+          <p:sp>
+            <p:nvSpPr>
+              <p:cNvPr id="138" name="Textfeld 137"/>
+              <p:cNvSpPr txBox="1"/>
+              <p:nvPr/>
+            </p:nvSpPr>
+            <p:spPr>
+              <a:xfrm>
+                <a:off x="5109272" y="1111246"/>
+                <a:ext cx="1519607" cy="369332"/>
+              </a:xfrm>
+              <a:prstGeom prst="rect">
+                <a:avLst/>
+              </a:prstGeom>
+              <a:noFill/>
+            </p:spPr>
+            <p:txBody>
+              <a:bodyPr wrap="square" rtlCol="0">
+                <a:spAutoFit/>
+              </a:bodyPr>
+              <a:lstStyle/>
+              <a:p>
+                <a:pPr algn="ctr"/>
+                <a:r>
+                  <a:rPr lang="de-DE" dirty="0" smtClean="0"/>
+                  <a:t>Kinder</a:t>
+                </a:r>
+                <a:endParaRPr lang="de-DE" dirty="0"/>
+              </a:p>
+            </p:txBody>
+          </p:sp>
+          <p:sp>
+            <p:nvSpPr>
+              <p:cNvPr id="139" name="Textfeld 138"/>
+              <p:cNvSpPr txBox="1"/>
+              <p:nvPr/>
+            </p:nvSpPr>
+            <p:spPr>
+              <a:xfrm>
+                <a:off x="5102680" y="856267"/>
+                <a:ext cx="1519607" cy="369332"/>
+              </a:xfrm>
+              <a:prstGeom prst="rect">
+                <a:avLst/>
+              </a:prstGeom>
+              <a:noFill/>
+            </p:spPr>
+            <p:txBody>
+              <a:bodyPr wrap="square" rtlCol="0">
+                <a:spAutoFit/>
+              </a:bodyPr>
+              <a:lstStyle/>
+              <a:p>
+                <a:pPr algn="ctr"/>
+                <a:r>
+                  <a:rPr lang="de-DE" dirty="0" smtClean="0"/>
+                  <a:t>Elternpfad</a:t>
+                </a:r>
+                <a:endParaRPr lang="de-DE" dirty="0"/>
+              </a:p>
+            </p:txBody>
+          </p:sp>
+        </p:grpSp>
+        <p:grpSp>
+          <p:nvGrpSpPr>
+            <p:cNvPr id="140" name="Gruppieren 139"/>
+            <p:cNvGrpSpPr/>
+            <p:nvPr/>
+          </p:nvGrpSpPr>
+          <p:grpSpPr>
+            <a:xfrm>
+              <a:off x="5109596" y="5316301"/>
+              <a:ext cx="1526199" cy="624311"/>
+              <a:chOff x="5102680" y="856267"/>
+              <a:chExt cx="1526199" cy="624311"/>
+            </a:xfrm>
+          </p:grpSpPr>
+          <p:sp>
+            <p:nvSpPr>
+              <p:cNvPr id="141" name="Textfeld 140"/>
+              <p:cNvSpPr txBox="1"/>
+              <p:nvPr/>
+            </p:nvSpPr>
+            <p:spPr>
+              <a:xfrm>
+                <a:off x="5109272" y="1111246"/>
+                <a:ext cx="1519607" cy="369332"/>
+              </a:xfrm>
+              <a:prstGeom prst="rect">
+                <a:avLst/>
+              </a:prstGeom>
+              <a:noFill/>
+            </p:spPr>
+            <p:txBody>
+              <a:bodyPr wrap="square" rtlCol="0">
+                <a:spAutoFit/>
+              </a:bodyPr>
+              <a:lstStyle/>
+              <a:p>
+                <a:pPr algn="ctr"/>
+                <a:r>
+                  <a:rPr lang="de-DE" dirty="0" smtClean="0"/>
+                  <a:t>Kinder</a:t>
+                </a:r>
+                <a:endParaRPr lang="de-DE" dirty="0"/>
+              </a:p>
+            </p:txBody>
+          </p:sp>
+          <p:sp>
+            <p:nvSpPr>
+              <p:cNvPr id="142" name="Textfeld 141"/>
+              <p:cNvSpPr txBox="1"/>
+              <p:nvPr/>
+            </p:nvSpPr>
+            <p:spPr>
+              <a:xfrm>
+                <a:off x="5102680" y="856267"/>
+                <a:ext cx="1519607" cy="369332"/>
+              </a:xfrm>
+              <a:prstGeom prst="rect">
+                <a:avLst/>
+              </a:prstGeom>
+              <a:noFill/>
+            </p:spPr>
+            <p:txBody>
+              <a:bodyPr wrap="square" rtlCol="0">
+                <a:spAutoFit/>
+              </a:bodyPr>
+              <a:lstStyle/>
+              <a:p>
+                <a:pPr algn="ctr"/>
+                <a:r>
+                  <a:rPr lang="de-DE" dirty="0" smtClean="0"/>
+                  <a:t>Elternpfad</a:t>
+                </a:r>
+                <a:endParaRPr lang="de-DE" dirty="0"/>
+              </a:p>
+            </p:txBody>
+          </p:sp>
+        </p:grpSp>
+        <p:grpSp>
+          <p:nvGrpSpPr>
+            <p:cNvPr id="143" name="Gruppieren 142"/>
+            <p:cNvGrpSpPr/>
+            <p:nvPr/>
+          </p:nvGrpSpPr>
+          <p:grpSpPr>
+            <a:xfrm>
+              <a:off x="116882" y="5324098"/>
+              <a:ext cx="1526199" cy="624311"/>
+              <a:chOff x="5102680" y="856267"/>
+              <a:chExt cx="1526199" cy="624311"/>
+            </a:xfrm>
+          </p:grpSpPr>
+          <p:sp>
+            <p:nvSpPr>
+              <p:cNvPr id="144" name="Textfeld 143"/>
+              <p:cNvSpPr txBox="1"/>
+              <p:nvPr/>
+            </p:nvSpPr>
+            <p:spPr>
+              <a:xfrm>
+                <a:off x="5109272" y="1111246"/>
+                <a:ext cx="1519607" cy="369332"/>
+              </a:xfrm>
+              <a:prstGeom prst="rect">
+                <a:avLst/>
+              </a:prstGeom>
+              <a:noFill/>
+            </p:spPr>
+            <p:txBody>
+              <a:bodyPr wrap="square" rtlCol="0">
+                <a:spAutoFit/>
+              </a:bodyPr>
+              <a:lstStyle/>
+              <a:p>
+                <a:pPr algn="ctr"/>
+                <a:r>
+                  <a:rPr lang="de-DE" dirty="0" smtClean="0"/>
+                  <a:t>Kinder</a:t>
+                </a:r>
+                <a:endParaRPr lang="de-DE" dirty="0"/>
+              </a:p>
+            </p:txBody>
+          </p:sp>
+          <p:sp>
+            <p:nvSpPr>
+              <p:cNvPr id="145" name="Textfeld 144"/>
+              <p:cNvSpPr txBox="1"/>
+              <p:nvPr/>
+            </p:nvSpPr>
+            <p:spPr>
+              <a:xfrm>
+                <a:off x="5102680" y="856267"/>
+                <a:ext cx="1519607" cy="369332"/>
+              </a:xfrm>
+              <a:prstGeom prst="rect">
+                <a:avLst/>
+              </a:prstGeom>
+              <a:noFill/>
+            </p:spPr>
+            <p:txBody>
+              <a:bodyPr wrap="square" rtlCol="0">
+                <a:spAutoFit/>
+              </a:bodyPr>
+              <a:lstStyle/>
+              <a:p>
+                <a:pPr algn="ctr"/>
+                <a:r>
+                  <a:rPr lang="de-DE" dirty="0" smtClean="0"/>
+                  <a:t>Elternpfad</a:t>
+                </a:r>
+                <a:endParaRPr lang="de-DE" dirty="0"/>
+              </a:p>
+            </p:txBody>
+          </p:sp>
+        </p:grpSp>
+        <p:grpSp>
+          <p:nvGrpSpPr>
+            <p:cNvPr id="146" name="Gruppieren 145"/>
+            <p:cNvGrpSpPr/>
+            <p:nvPr/>
+          </p:nvGrpSpPr>
+          <p:grpSpPr>
+            <a:xfrm>
+              <a:off x="7100818" y="5307082"/>
+              <a:ext cx="1526199" cy="624311"/>
+              <a:chOff x="5102680" y="856267"/>
+              <a:chExt cx="1526199" cy="624311"/>
+            </a:xfrm>
+          </p:grpSpPr>
+          <p:sp>
+            <p:nvSpPr>
+              <p:cNvPr id="147" name="Textfeld 146"/>
+              <p:cNvSpPr txBox="1"/>
+              <p:nvPr/>
+            </p:nvSpPr>
+            <p:spPr>
+              <a:xfrm>
+                <a:off x="5109272" y="1111246"/>
+                <a:ext cx="1519607" cy="369332"/>
+              </a:xfrm>
+              <a:prstGeom prst="rect">
+                <a:avLst/>
+              </a:prstGeom>
+              <a:noFill/>
+            </p:spPr>
+            <p:txBody>
+              <a:bodyPr wrap="square" rtlCol="0">
+                <a:spAutoFit/>
+              </a:bodyPr>
+              <a:lstStyle/>
+              <a:p>
+                <a:pPr algn="ctr"/>
+                <a:r>
+                  <a:rPr lang="de-DE" dirty="0" smtClean="0"/>
+                  <a:t>Kinder</a:t>
+                </a:r>
+                <a:endParaRPr lang="de-DE" dirty="0"/>
+              </a:p>
+            </p:txBody>
+          </p:sp>
+          <p:sp>
+            <p:nvSpPr>
+              <p:cNvPr id="148" name="Textfeld 147"/>
+              <p:cNvSpPr txBox="1"/>
+              <p:nvPr/>
+            </p:nvSpPr>
+            <p:spPr>
+              <a:xfrm>
+                <a:off x="5102680" y="856267"/>
+                <a:ext cx="1519607" cy="369332"/>
+              </a:xfrm>
+              <a:prstGeom prst="rect">
+                <a:avLst/>
+              </a:prstGeom>
+              <a:noFill/>
+            </p:spPr>
+            <p:txBody>
+              <a:bodyPr wrap="square" rtlCol="0">
+                <a:spAutoFit/>
+              </a:bodyPr>
+              <a:lstStyle/>
+              <a:p>
+                <a:pPr algn="ctr"/>
+                <a:r>
+                  <a:rPr lang="de-DE" dirty="0" smtClean="0"/>
+                  <a:t>Elternpfad</a:t>
+                </a:r>
+                <a:endParaRPr lang="de-DE" dirty="0"/>
+              </a:p>
+            </p:txBody>
+          </p:sp>
+        </p:grpSp>
         <p:cxnSp>
           <p:nvCxnSpPr>
-            <p:cNvPr id="6" name="Gerader Verbinder 5"/>
-            <p:cNvCxnSpPr/>
+            <p:cNvPr id="9" name="Gerader Verbinder 8"/>
+            <p:cNvCxnSpPr>
+              <a:stCxn id="2" idx="2"/>
+              <a:endCxn id="68" idx="0"/>
+            </p:cNvCxnSpPr>
             <p:nvPr/>
           </p:nvCxnSpPr>
           <p:spPr>
-            <a:xfrm>
-              <a:off x="1772653" y="945229"/>
-              <a:ext cx="1532792" cy="7681"/>
+            <a:xfrm flipH="1">
+              <a:off x="3796375" y="1502682"/>
+              <a:ext cx="2066109" cy="812717"/>
             </a:xfrm>
             <a:prstGeom prst="line">
               <a:avLst/>
@@ -5552,2754 +8298,38 @@
         </p:cxnSp>
         <p:sp>
           <p:nvSpPr>
-            <p:cNvPr id="7" name="Textfeld 6"/>
-            <p:cNvSpPr txBox="1"/>
+            <p:cNvPr id="149" name="Rechteck 148"/>
+            <p:cNvSpPr/>
             <p:nvPr/>
           </p:nvSpPr>
           <p:spPr>
             <a:xfrm>
-              <a:off x="1772653" y="561474"/>
-              <a:ext cx="1532792" cy="369332"/>
+              <a:off x="4822518" y="888145"/>
+              <a:ext cx="293670" cy="307777"/>
             </a:xfrm>
             <a:prstGeom prst="rect">
               <a:avLst/>
             </a:prstGeom>
-            <a:noFill/>
           </p:spPr>
           <p:txBody>
-            <a:bodyPr wrap="square" rtlCol="0">
+            <a:bodyPr wrap="none">
               <a:spAutoFit/>
             </a:bodyPr>
             <a:lstStyle/>
             <a:p>
-              <a:pPr algn="ctr"/>
               <a:r>
-                <a:rPr lang="de-DE" dirty="0" smtClean="0"/>
-                <a:t>Schlüssel</a:t>
+                <a:rPr lang="de-DE" sz="1400" i="1" dirty="0" smtClean="0">
+                  <a:solidFill>
+                    <a:srgbClr val="0070C0"/>
+                  </a:solidFill>
+                </a:rPr>
+                <a:t>[]</a:t>
               </a:r>
-              <a:endParaRPr lang="de-DE" dirty="0"/>
-            </a:p>
-          </p:txBody>
-        </p:sp>
-        <p:sp>
-          <p:nvSpPr>
-            <p:cNvPr id="8" name="Textfeld 7"/>
-            <p:cNvSpPr txBox="1"/>
-            <p:nvPr/>
-          </p:nvSpPr>
-          <p:spPr>
-            <a:xfrm>
-              <a:off x="1772653" y="967333"/>
-              <a:ext cx="1532792" cy="369332"/>
-            </a:xfrm>
-            <a:prstGeom prst="rect">
-              <a:avLst/>
-            </a:prstGeom>
-            <a:noFill/>
-          </p:spPr>
-          <p:txBody>
-            <a:bodyPr wrap="none" rtlCol="0">
-              <a:spAutoFit/>
-            </a:bodyPr>
-            <a:lstStyle/>
-            <a:p>
-              <a:pPr algn="ctr"/>
-              <a:r>
-                <a:rPr lang="de-DE" dirty="0" smtClean="0"/>
-                <a:t>Speicherinhalt</a:t>
-              </a:r>
-              <a:endParaRPr lang="de-DE" dirty="0"/>
+              <a:endParaRPr lang="de-DE" sz="1400" dirty="0"/>
             </a:p>
           </p:txBody>
         </p:sp>
       </p:grpSp>
-      <p:grpSp>
-        <p:nvGrpSpPr>
-          <p:cNvPr id="17" name="Gruppieren 16"/>
-          <p:cNvGrpSpPr/>
-          <p:nvPr/>
-        </p:nvGrpSpPr>
-        <p:grpSpPr>
-          <a:xfrm>
-            <a:off x="122054" y="2328700"/>
-            <a:ext cx="1532792" cy="1443789"/>
-            <a:chOff x="1772653" y="561474"/>
-            <a:chExt cx="1532792" cy="1443789"/>
-          </a:xfrm>
-        </p:grpSpPr>
-        <p:sp>
-          <p:nvSpPr>
-            <p:cNvPr id="20" name="Rechteck 19"/>
-            <p:cNvSpPr/>
-            <p:nvPr/>
-          </p:nvSpPr>
-          <p:spPr>
-            <a:xfrm>
-              <a:off x="1772653" y="561474"/>
-              <a:ext cx="1532792" cy="1443789"/>
-            </a:xfrm>
-            <a:prstGeom prst="rect">
-              <a:avLst/>
-            </a:prstGeom>
-            <a:noFill/>
-            <a:ln w="25400">
-              <a:solidFill>
-                <a:schemeClr val="tx1"/>
-              </a:solidFill>
-            </a:ln>
-          </p:spPr>
-          <p:style>
-            <a:lnRef idx="2">
-              <a:schemeClr val="accent1">
-                <a:shade val="50000"/>
-              </a:schemeClr>
-            </a:lnRef>
-            <a:fillRef idx="1">
-              <a:schemeClr val="accent1"/>
-            </a:fillRef>
-            <a:effectRef idx="0">
-              <a:schemeClr val="accent1"/>
-            </a:effectRef>
-            <a:fontRef idx="minor">
-              <a:schemeClr val="lt1"/>
-            </a:fontRef>
-          </p:style>
-          <p:txBody>
-            <a:bodyPr rtlCol="0" anchor="ctr"/>
-            <a:lstStyle/>
-            <a:p>
-              <a:pPr algn="ctr"/>
-              <a:endParaRPr lang="de-DE"/>
-            </a:p>
-          </p:txBody>
-        </p:sp>
-        <p:cxnSp>
-          <p:nvCxnSpPr>
-            <p:cNvPr id="21" name="Gerader Verbinder 20"/>
-            <p:cNvCxnSpPr/>
-            <p:nvPr/>
-          </p:nvCxnSpPr>
-          <p:spPr>
-            <a:xfrm>
-              <a:off x="1772653" y="945229"/>
-              <a:ext cx="1532792" cy="7681"/>
-            </a:xfrm>
-            <a:prstGeom prst="line">
-              <a:avLst/>
-            </a:prstGeom>
-            <a:ln w="25400">
-              <a:tailEnd type="none"/>
-            </a:ln>
-          </p:spPr>
-          <p:style>
-            <a:lnRef idx="1">
-              <a:schemeClr val="dk1"/>
-            </a:lnRef>
-            <a:fillRef idx="0">
-              <a:schemeClr val="dk1"/>
-            </a:fillRef>
-            <a:effectRef idx="0">
-              <a:schemeClr val="dk1"/>
-            </a:effectRef>
-            <a:fontRef idx="minor">
-              <a:schemeClr val="tx1"/>
-            </a:fontRef>
-          </p:style>
-        </p:cxnSp>
-        <p:sp>
-          <p:nvSpPr>
-            <p:cNvPr id="22" name="Textfeld 21"/>
-            <p:cNvSpPr txBox="1"/>
-            <p:nvPr/>
-          </p:nvSpPr>
-          <p:spPr>
-            <a:xfrm>
-              <a:off x="1772653" y="561474"/>
-              <a:ext cx="1532792" cy="369332"/>
-            </a:xfrm>
-            <a:prstGeom prst="rect">
-              <a:avLst/>
-            </a:prstGeom>
-            <a:noFill/>
-          </p:spPr>
-          <p:txBody>
-            <a:bodyPr wrap="square" rtlCol="0">
-              <a:spAutoFit/>
-            </a:bodyPr>
-            <a:lstStyle/>
-            <a:p>
-              <a:pPr algn="ctr"/>
-              <a:r>
-                <a:rPr lang="de-DE" dirty="0" smtClean="0"/>
-                <a:t>Schlüssel</a:t>
-              </a:r>
-              <a:endParaRPr lang="de-DE" dirty="0"/>
-            </a:p>
-          </p:txBody>
-        </p:sp>
-        <p:sp>
-          <p:nvSpPr>
-            <p:cNvPr id="23" name="Textfeld 22"/>
-            <p:cNvSpPr txBox="1"/>
-            <p:nvPr/>
-          </p:nvSpPr>
-          <p:spPr>
-            <a:xfrm>
-              <a:off x="1772653" y="967333"/>
-              <a:ext cx="1532792" cy="369332"/>
-            </a:xfrm>
-            <a:prstGeom prst="rect">
-              <a:avLst/>
-            </a:prstGeom>
-            <a:noFill/>
-          </p:spPr>
-          <p:txBody>
-            <a:bodyPr wrap="none" rtlCol="0">
-              <a:spAutoFit/>
-            </a:bodyPr>
-            <a:lstStyle/>
-            <a:p>
-              <a:pPr algn="ctr"/>
-              <a:r>
-                <a:rPr lang="de-DE" dirty="0" smtClean="0"/>
-                <a:t>Speicherinhalt</a:t>
-              </a:r>
-              <a:endParaRPr lang="de-DE" dirty="0"/>
-            </a:p>
-          </p:txBody>
-        </p:sp>
-      </p:grpSp>
-      <p:grpSp>
-        <p:nvGrpSpPr>
-          <p:cNvPr id="33" name="Gruppieren 32"/>
-          <p:cNvGrpSpPr/>
-          <p:nvPr/>
-        </p:nvGrpSpPr>
-        <p:grpSpPr>
-          <a:xfrm>
-            <a:off x="7058104" y="4486530"/>
-            <a:ext cx="1532792" cy="1443789"/>
-            <a:chOff x="1772653" y="561474"/>
-            <a:chExt cx="1532792" cy="1443789"/>
-          </a:xfrm>
-        </p:grpSpPr>
-        <p:sp>
-          <p:nvSpPr>
-            <p:cNvPr id="36" name="Rechteck 35"/>
-            <p:cNvSpPr/>
-            <p:nvPr/>
-          </p:nvSpPr>
-          <p:spPr>
-            <a:xfrm>
-              <a:off x="1772653" y="561474"/>
-              <a:ext cx="1532792" cy="1443789"/>
-            </a:xfrm>
-            <a:prstGeom prst="rect">
-              <a:avLst/>
-            </a:prstGeom>
-            <a:noFill/>
-            <a:ln w="25400">
-              <a:solidFill>
-                <a:schemeClr val="tx1"/>
-              </a:solidFill>
-            </a:ln>
-          </p:spPr>
-          <p:style>
-            <a:lnRef idx="2">
-              <a:schemeClr val="accent1">
-                <a:shade val="50000"/>
-              </a:schemeClr>
-            </a:lnRef>
-            <a:fillRef idx="1">
-              <a:schemeClr val="accent1"/>
-            </a:fillRef>
-            <a:effectRef idx="0">
-              <a:schemeClr val="accent1"/>
-            </a:effectRef>
-            <a:fontRef idx="minor">
-              <a:schemeClr val="lt1"/>
-            </a:fontRef>
-          </p:style>
-          <p:txBody>
-            <a:bodyPr rtlCol="0" anchor="ctr"/>
-            <a:lstStyle/>
-            <a:p>
-              <a:pPr algn="ctr"/>
-              <a:endParaRPr lang="de-DE"/>
-            </a:p>
-          </p:txBody>
-        </p:sp>
-        <p:cxnSp>
-          <p:nvCxnSpPr>
-            <p:cNvPr id="37" name="Gerader Verbinder 36"/>
-            <p:cNvCxnSpPr/>
-            <p:nvPr/>
-          </p:nvCxnSpPr>
-          <p:spPr>
-            <a:xfrm>
-              <a:off x="1772653" y="945229"/>
-              <a:ext cx="1532792" cy="7681"/>
-            </a:xfrm>
-            <a:prstGeom prst="line">
-              <a:avLst/>
-            </a:prstGeom>
-            <a:ln w="25400">
-              <a:tailEnd type="none"/>
-            </a:ln>
-          </p:spPr>
-          <p:style>
-            <a:lnRef idx="1">
-              <a:schemeClr val="dk1"/>
-            </a:lnRef>
-            <a:fillRef idx="0">
-              <a:schemeClr val="dk1"/>
-            </a:fillRef>
-            <a:effectRef idx="0">
-              <a:schemeClr val="dk1"/>
-            </a:effectRef>
-            <a:fontRef idx="minor">
-              <a:schemeClr val="tx1"/>
-            </a:fontRef>
-          </p:style>
-        </p:cxnSp>
-        <p:sp>
-          <p:nvSpPr>
-            <p:cNvPr id="38" name="Textfeld 37"/>
-            <p:cNvSpPr txBox="1"/>
-            <p:nvPr/>
-          </p:nvSpPr>
-          <p:spPr>
-            <a:xfrm>
-              <a:off x="1772653" y="561474"/>
-              <a:ext cx="1532792" cy="369332"/>
-            </a:xfrm>
-            <a:prstGeom prst="rect">
-              <a:avLst/>
-            </a:prstGeom>
-            <a:noFill/>
-          </p:spPr>
-          <p:txBody>
-            <a:bodyPr wrap="square" rtlCol="0">
-              <a:spAutoFit/>
-            </a:bodyPr>
-            <a:lstStyle/>
-            <a:p>
-              <a:pPr algn="ctr"/>
-              <a:r>
-                <a:rPr lang="de-DE" dirty="0" smtClean="0"/>
-                <a:t>Schlüssel</a:t>
-              </a:r>
-              <a:endParaRPr lang="de-DE" dirty="0"/>
-            </a:p>
-          </p:txBody>
-        </p:sp>
-        <p:sp>
-          <p:nvSpPr>
-            <p:cNvPr id="39" name="Textfeld 38"/>
-            <p:cNvSpPr txBox="1"/>
-            <p:nvPr/>
-          </p:nvSpPr>
-          <p:spPr>
-            <a:xfrm>
-              <a:off x="1772653" y="967333"/>
-              <a:ext cx="1532792" cy="369332"/>
-            </a:xfrm>
-            <a:prstGeom prst="rect">
-              <a:avLst/>
-            </a:prstGeom>
-            <a:noFill/>
-          </p:spPr>
-          <p:txBody>
-            <a:bodyPr wrap="none" rtlCol="0">
-              <a:spAutoFit/>
-            </a:bodyPr>
-            <a:lstStyle/>
-            <a:p>
-              <a:pPr algn="ctr"/>
-              <a:r>
-                <a:rPr lang="de-DE" dirty="0" smtClean="0"/>
-                <a:t>Speicherinhalt</a:t>
-              </a:r>
-              <a:endParaRPr lang="de-DE" dirty="0"/>
-            </a:p>
-          </p:txBody>
-        </p:sp>
-      </p:grpSp>
-      <p:grpSp>
-        <p:nvGrpSpPr>
-          <p:cNvPr id="41" name="Gruppieren 40"/>
-          <p:cNvGrpSpPr/>
-          <p:nvPr/>
-        </p:nvGrpSpPr>
-        <p:grpSpPr>
-          <a:xfrm>
-            <a:off x="5124465" y="4490346"/>
-            <a:ext cx="1532792" cy="1443789"/>
-            <a:chOff x="1772653" y="561474"/>
-            <a:chExt cx="1532792" cy="1443789"/>
-          </a:xfrm>
-        </p:grpSpPr>
-        <p:sp>
-          <p:nvSpPr>
-            <p:cNvPr id="44" name="Rechteck 43"/>
-            <p:cNvSpPr/>
-            <p:nvPr/>
-          </p:nvSpPr>
-          <p:spPr>
-            <a:xfrm>
-              <a:off x="1772653" y="561474"/>
-              <a:ext cx="1532792" cy="1443789"/>
-            </a:xfrm>
-            <a:prstGeom prst="rect">
-              <a:avLst/>
-            </a:prstGeom>
-            <a:noFill/>
-            <a:ln w="25400">
-              <a:solidFill>
-                <a:schemeClr val="tx1"/>
-              </a:solidFill>
-            </a:ln>
-          </p:spPr>
-          <p:style>
-            <a:lnRef idx="2">
-              <a:schemeClr val="accent1">
-                <a:shade val="50000"/>
-              </a:schemeClr>
-            </a:lnRef>
-            <a:fillRef idx="1">
-              <a:schemeClr val="accent1"/>
-            </a:fillRef>
-            <a:effectRef idx="0">
-              <a:schemeClr val="accent1"/>
-            </a:effectRef>
-            <a:fontRef idx="minor">
-              <a:schemeClr val="lt1"/>
-            </a:fontRef>
-          </p:style>
-          <p:txBody>
-            <a:bodyPr rtlCol="0" anchor="ctr"/>
-            <a:lstStyle/>
-            <a:p>
-              <a:pPr algn="ctr"/>
-              <a:endParaRPr lang="de-DE"/>
-            </a:p>
-          </p:txBody>
-        </p:sp>
-        <p:cxnSp>
-          <p:nvCxnSpPr>
-            <p:cNvPr id="45" name="Gerader Verbinder 44"/>
-            <p:cNvCxnSpPr/>
-            <p:nvPr/>
-          </p:nvCxnSpPr>
-          <p:spPr>
-            <a:xfrm>
-              <a:off x="1772653" y="945229"/>
-              <a:ext cx="1532792" cy="7681"/>
-            </a:xfrm>
-            <a:prstGeom prst="line">
-              <a:avLst/>
-            </a:prstGeom>
-            <a:ln w="25400">
-              <a:tailEnd type="none"/>
-            </a:ln>
-          </p:spPr>
-          <p:style>
-            <a:lnRef idx="1">
-              <a:schemeClr val="dk1"/>
-            </a:lnRef>
-            <a:fillRef idx="0">
-              <a:schemeClr val="dk1"/>
-            </a:fillRef>
-            <a:effectRef idx="0">
-              <a:schemeClr val="dk1"/>
-            </a:effectRef>
-            <a:fontRef idx="minor">
-              <a:schemeClr val="tx1"/>
-            </a:fontRef>
-          </p:style>
-        </p:cxnSp>
-        <p:sp>
-          <p:nvSpPr>
-            <p:cNvPr id="46" name="Textfeld 45"/>
-            <p:cNvSpPr txBox="1"/>
-            <p:nvPr/>
-          </p:nvSpPr>
-          <p:spPr>
-            <a:xfrm>
-              <a:off x="1772653" y="561474"/>
-              <a:ext cx="1532792" cy="369332"/>
-            </a:xfrm>
-            <a:prstGeom prst="rect">
-              <a:avLst/>
-            </a:prstGeom>
-            <a:noFill/>
-          </p:spPr>
-          <p:txBody>
-            <a:bodyPr wrap="square" rtlCol="0">
-              <a:spAutoFit/>
-            </a:bodyPr>
-            <a:lstStyle/>
-            <a:p>
-              <a:pPr algn="ctr"/>
-              <a:r>
-                <a:rPr lang="de-DE" dirty="0" smtClean="0"/>
-                <a:t>Schlüssel</a:t>
-              </a:r>
-              <a:endParaRPr lang="de-DE" dirty="0"/>
-            </a:p>
-          </p:txBody>
-        </p:sp>
-        <p:sp>
-          <p:nvSpPr>
-            <p:cNvPr id="47" name="Textfeld 46"/>
-            <p:cNvSpPr txBox="1"/>
-            <p:nvPr/>
-          </p:nvSpPr>
-          <p:spPr>
-            <a:xfrm>
-              <a:off x="1772653" y="967333"/>
-              <a:ext cx="1532792" cy="369332"/>
-            </a:xfrm>
-            <a:prstGeom prst="rect">
-              <a:avLst/>
-            </a:prstGeom>
-            <a:noFill/>
-          </p:spPr>
-          <p:txBody>
-            <a:bodyPr wrap="none" rtlCol="0">
-              <a:spAutoFit/>
-            </a:bodyPr>
-            <a:lstStyle/>
-            <a:p>
-              <a:pPr algn="ctr"/>
-              <a:r>
-                <a:rPr lang="de-DE" dirty="0" smtClean="0"/>
-                <a:t>Speicherinhalt</a:t>
-              </a:r>
-              <a:endParaRPr lang="de-DE" dirty="0"/>
-            </a:p>
-          </p:txBody>
-        </p:sp>
-      </p:grpSp>
-      <p:grpSp>
-        <p:nvGrpSpPr>
-          <p:cNvPr id="49" name="Gruppieren 48"/>
-          <p:cNvGrpSpPr/>
-          <p:nvPr/>
-        </p:nvGrpSpPr>
-        <p:grpSpPr>
-          <a:xfrm>
-            <a:off x="113586" y="4508500"/>
-            <a:ext cx="1532792" cy="1443789"/>
-            <a:chOff x="1772653" y="561474"/>
-            <a:chExt cx="1532792" cy="1443789"/>
-          </a:xfrm>
-        </p:grpSpPr>
-        <p:sp>
-          <p:nvSpPr>
-            <p:cNvPr id="52" name="Rechteck 51"/>
-            <p:cNvSpPr/>
-            <p:nvPr/>
-          </p:nvSpPr>
-          <p:spPr>
-            <a:xfrm>
-              <a:off x="1772653" y="561474"/>
-              <a:ext cx="1532792" cy="1443789"/>
-            </a:xfrm>
-            <a:prstGeom prst="rect">
-              <a:avLst/>
-            </a:prstGeom>
-            <a:noFill/>
-            <a:ln w="25400">
-              <a:solidFill>
-                <a:schemeClr val="tx1"/>
-              </a:solidFill>
-            </a:ln>
-          </p:spPr>
-          <p:style>
-            <a:lnRef idx="2">
-              <a:schemeClr val="accent1">
-                <a:shade val="50000"/>
-              </a:schemeClr>
-            </a:lnRef>
-            <a:fillRef idx="1">
-              <a:schemeClr val="accent1"/>
-            </a:fillRef>
-            <a:effectRef idx="0">
-              <a:schemeClr val="accent1"/>
-            </a:effectRef>
-            <a:fontRef idx="minor">
-              <a:schemeClr val="lt1"/>
-            </a:fontRef>
-          </p:style>
-          <p:txBody>
-            <a:bodyPr rtlCol="0" anchor="ctr"/>
-            <a:lstStyle/>
-            <a:p>
-              <a:pPr algn="ctr"/>
-              <a:endParaRPr lang="de-DE"/>
-            </a:p>
-          </p:txBody>
-        </p:sp>
-        <p:cxnSp>
-          <p:nvCxnSpPr>
-            <p:cNvPr id="53" name="Gerader Verbinder 52"/>
-            <p:cNvCxnSpPr/>
-            <p:nvPr/>
-          </p:nvCxnSpPr>
-          <p:spPr>
-            <a:xfrm>
-              <a:off x="1772653" y="945229"/>
-              <a:ext cx="1532792" cy="7681"/>
-            </a:xfrm>
-            <a:prstGeom prst="line">
-              <a:avLst/>
-            </a:prstGeom>
-            <a:ln w="25400">
-              <a:tailEnd type="none"/>
-            </a:ln>
-          </p:spPr>
-          <p:style>
-            <a:lnRef idx="1">
-              <a:schemeClr val="dk1"/>
-            </a:lnRef>
-            <a:fillRef idx="0">
-              <a:schemeClr val="dk1"/>
-            </a:fillRef>
-            <a:effectRef idx="0">
-              <a:schemeClr val="dk1"/>
-            </a:effectRef>
-            <a:fontRef idx="minor">
-              <a:schemeClr val="tx1"/>
-            </a:fontRef>
-          </p:style>
-        </p:cxnSp>
-        <p:sp>
-          <p:nvSpPr>
-            <p:cNvPr id="54" name="Textfeld 53"/>
-            <p:cNvSpPr txBox="1"/>
-            <p:nvPr/>
-          </p:nvSpPr>
-          <p:spPr>
-            <a:xfrm>
-              <a:off x="1772653" y="561474"/>
-              <a:ext cx="1532792" cy="369332"/>
-            </a:xfrm>
-            <a:prstGeom prst="rect">
-              <a:avLst/>
-            </a:prstGeom>
-            <a:noFill/>
-          </p:spPr>
-          <p:txBody>
-            <a:bodyPr wrap="square" rtlCol="0">
-              <a:spAutoFit/>
-            </a:bodyPr>
-            <a:lstStyle/>
-            <a:p>
-              <a:pPr algn="ctr"/>
-              <a:r>
-                <a:rPr lang="de-DE" dirty="0" smtClean="0"/>
-                <a:t>Schlüssel</a:t>
-              </a:r>
-              <a:endParaRPr lang="de-DE" dirty="0"/>
-            </a:p>
-          </p:txBody>
-        </p:sp>
-        <p:sp>
-          <p:nvSpPr>
-            <p:cNvPr id="55" name="Textfeld 54"/>
-            <p:cNvSpPr txBox="1"/>
-            <p:nvPr/>
-          </p:nvSpPr>
-          <p:spPr>
-            <a:xfrm>
-              <a:off x="1772653" y="967333"/>
-              <a:ext cx="1532792" cy="369332"/>
-            </a:xfrm>
-            <a:prstGeom prst="rect">
-              <a:avLst/>
-            </a:prstGeom>
-            <a:noFill/>
-          </p:spPr>
-          <p:txBody>
-            <a:bodyPr wrap="none" rtlCol="0">
-              <a:spAutoFit/>
-            </a:bodyPr>
-            <a:lstStyle/>
-            <a:p>
-              <a:pPr algn="ctr"/>
-              <a:r>
-                <a:rPr lang="de-DE" dirty="0" smtClean="0"/>
-                <a:t>Speicherinhalt</a:t>
-              </a:r>
-              <a:endParaRPr lang="de-DE" dirty="0"/>
-            </a:p>
-          </p:txBody>
-        </p:sp>
-      </p:grpSp>
-      <p:grpSp>
-        <p:nvGrpSpPr>
-          <p:cNvPr id="57" name="Gruppieren 56"/>
-          <p:cNvGrpSpPr/>
-          <p:nvPr/>
-        </p:nvGrpSpPr>
-        <p:grpSpPr>
-          <a:xfrm>
-            <a:off x="6018767" y="2327721"/>
-            <a:ext cx="1532792" cy="1443789"/>
-            <a:chOff x="1772653" y="561474"/>
-            <a:chExt cx="1532792" cy="1443789"/>
-          </a:xfrm>
-        </p:grpSpPr>
-        <p:sp>
-          <p:nvSpPr>
-            <p:cNvPr id="60" name="Rechteck 59"/>
-            <p:cNvSpPr/>
-            <p:nvPr/>
-          </p:nvSpPr>
-          <p:spPr>
-            <a:xfrm>
-              <a:off x="1772653" y="561474"/>
-              <a:ext cx="1532792" cy="1443789"/>
-            </a:xfrm>
-            <a:prstGeom prst="rect">
-              <a:avLst/>
-            </a:prstGeom>
-            <a:noFill/>
-            <a:ln w="25400">
-              <a:solidFill>
-                <a:schemeClr val="tx1"/>
-              </a:solidFill>
-            </a:ln>
-          </p:spPr>
-          <p:style>
-            <a:lnRef idx="2">
-              <a:schemeClr val="accent1">
-                <a:shade val="50000"/>
-              </a:schemeClr>
-            </a:lnRef>
-            <a:fillRef idx="1">
-              <a:schemeClr val="accent1"/>
-            </a:fillRef>
-            <a:effectRef idx="0">
-              <a:schemeClr val="accent1"/>
-            </a:effectRef>
-            <a:fontRef idx="minor">
-              <a:schemeClr val="lt1"/>
-            </a:fontRef>
-          </p:style>
-          <p:txBody>
-            <a:bodyPr rtlCol="0" anchor="ctr"/>
-            <a:lstStyle/>
-            <a:p>
-              <a:pPr algn="ctr"/>
-              <a:endParaRPr lang="de-DE"/>
-            </a:p>
-          </p:txBody>
-        </p:sp>
-        <p:cxnSp>
-          <p:nvCxnSpPr>
-            <p:cNvPr id="61" name="Gerader Verbinder 60"/>
-            <p:cNvCxnSpPr/>
-            <p:nvPr/>
-          </p:nvCxnSpPr>
-          <p:spPr>
-            <a:xfrm>
-              <a:off x="1772653" y="945229"/>
-              <a:ext cx="1532792" cy="7681"/>
-            </a:xfrm>
-            <a:prstGeom prst="line">
-              <a:avLst/>
-            </a:prstGeom>
-            <a:ln w="25400">
-              <a:tailEnd type="none"/>
-            </a:ln>
-          </p:spPr>
-          <p:style>
-            <a:lnRef idx="1">
-              <a:schemeClr val="dk1"/>
-            </a:lnRef>
-            <a:fillRef idx="0">
-              <a:schemeClr val="dk1"/>
-            </a:fillRef>
-            <a:effectRef idx="0">
-              <a:schemeClr val="dk1"/>
-            </a:effectRef>
-            <a:fontRef idx="minor">
-              <a:schemeClr val="tx1"/>
-            </a:fontRef>
-          </p:style>
-        </p:cxnSp>
-        <p:sp>
-          <p:nvSpPr>
-            <p:cNvPr id="62" name="Textfeld 61"/>
-            <p:cNvSpPr txBox="1"/>
-            <p:nvPr/>
-          </p:nvSpPr>
-          <p:spPr>
-            <a:xfrm>
-              <a:off x="1772653" y="561474"/>
-              <a:ext cx="1532792" cy="369332"/>
-            </a:xfrm>
-            <a:prstGeom prst="rect">
-              <a:avLst/>
-            </a:prstGeom>
-            <a:noFill/>
-          </p:spPr>
-          <p:txBody>
-            <a:bodyPr wrap="square" rtlCol="0">
-              <a:spAutoFit/>
-            </a:bodyPr>
-            <a:lstStyle/>
-            <a:p>
-              <a:pPr algn="ctr"/>
-              <a:r>
-                <a:rPr lang="de-DE" dirty="0" smtClean="0"/>
-                <a:t>Schlüssel</a:t>
-              </a:r>
-              <a:endParaRPr lang="de-DE" dirty="0"/>
-            </a:p>
-          </p:txBody>
-        </p:sp>
-        <p:sp>
-          <p:nvSpPr>
-            <p:cNvPr id="63" name="Textfeld 62"/>
-            <p:cNvSpPr txBox="1"/>
-            <p:nvPr/>
-          </p:nvSpPr>
-          <p:spPr>
-            <a:xfrm>
-              <a:off x="1772653" y="967333"/>
-              <a:ext cx="1532792" cy="369332"/>
-            </a:xfrm>
-            <a:prstGeom prst="rect">
-              <a:avLst/>
-            </a:prstGeom>
-            <a:noFill/>
-          </p:spPr>
-          <p:txBody>
-            <a:bodyPr wrap="none" rtlCol="0">
-              <a:spAutoFit/>
-            </a:bodyPr>
-            <a:lstStyle/>
-            <a:p>
-              <a:pPr algn="ctr"/>
-              <a:r>
-                <a:rPr lang="de-DE" dirty="0" smtClean="0"/>
-                <a:t>Speicherinhalt</a:t>
-              </a:r>
-              <a:endParaRPr lang="de-DE" dirty="0"/>
-            </a:p>
-          </p:txBody>
-        </p:sp>
-      </p:grpSp>
-      <p:grpSp>
-        <p:nvGrpSpPr>
-          <p:cNvPr id="65" name="Gruppieren 64"/>
-          <p:cNvGrpSpPr/>
-          <p:nvPr/>
-        </p:nvGrpSpPr>
-        <p:grpSpPr>
-          <a:xfrm>
-            <a:off x="3029979" y="2315399"/>
-            <a:ext cx="1532792" cy="1443789"/>
-            <a:chOff x="1772653" y="561474"/>
-            <a:chExt cx="1532792" cy="1443789"/>
-          </a:xfrm>
-        </p:grpSpPr>
-        <p:sp>
-          <p:nvSpPr>
-            <p:cNvPr id="68" name="Rechteck 67"/>
-            <p:cNvSpPr/>
-            <p:nvPr/>
-          </p:nvSpPr>
-          <p:spPr>
-            <a:xfrm>
-              <a:off x="1772653" y="561474"/>
-              <a:ext cx="1532792" cy="1443789"/>
-            </a:xfrm>
-            <a:prstGeom prst="rect">
-              <a:avLst/>
-            </a:prstGeom>
-            <a:noFill/>
-            <a:ln w="25400">
-              <a:solidFill>
-                <a:schemeClr val="tx1"/>
-              </a:solidFill>
-            </a:ln>
-          </p:spPr>
-          <p:style>
-            <a:lnRef idx="2">
-              <a:schemeClr val="accent1">
-                <a:shade val="50000"/>
-              </a:schemeClr>
-            </a:lnRef>
-            <a:fillRef idx="1">
-              <a:schemeClr val="accent1"/>
-            </a:fillRef>
-            <a:effectRef idx="0">
-              <a:schemeClr val="accent1"/>
-            </a:effectRef>
-            <a:fontRef idx="minor">
-              <a:schemeClr val="lt1"/>
-            </a:fontRef>
-          </p:style>
-          <p:txBody>
-            <a:bodyPr rtlCol="0" anchor="ctr"/>
-            <a:lstStyle/>
-            <a:p>
-              <a:pPr algn="ctr"/>
-              <a:endParaRPr lang="de-DE"/>
-            </a:p>
-          </p:txBody>
-        </p:sp>
-        <p:cxnSp>
-          <p:nvCxnSpPr>
-            <p:cNvPr id="69" name="Gerader Verbinder 68"/>
-            <p:cNvCxnSpPr/>
-            <p:nvPr/>
-          </p:nvCxnSpPr>
-          <p:spPr>
-            <a:xfrm>
-              <a:off x="1772653" y="945229"/>
-              <a:ext cx="1532792" cy="7681"/>
-            </a:xfrm>
-            <a:prstGeom prst="line">
-              <a:avLst/>
-            </a:prstGeom>
-            <a:ln w="25400">
-              <a:tailEnd type="none"/>
-            </a:ln>
-          </p:spPr>
-          <p:style>
-            <a:lnRef idx="1">
-              <a:schemeClr val="dk1"/>
-            </a:lnRef>
-            <a:fillRef idx="0">
-              <a:schemeClr val="dk1"/>
-            </a:fillRef>
-            <a:effectRef idx="0">
-              <a:schemeClr val="dk1"/>
-            </a:effectRef>
-            <a:fontRef idx="minor">
-              <a:schemeClr val="tx1"/>
-            </a:fontRef>
-          </p:style>
-        </p:cxnSp>
-        <p:sp>
-          <p:nvSpPr>
-            <p:cNvPr id="70" name="Textfeld 69"/>
-            <p:cNvSpPr txBox="1"/>
-            <p:nvPr/>
-          </p:nvSpPr>
-          <p:spPr>
-            <a:xfrm>
-              <a:off x="1772653" y="561474"/>
-              <a:ext cx="1532792" cy="369332"/>
-            </a:xfrm>
-            <a:prstGeom prst="rect">
-              <a:avLst/>
-            </a:prstGeom>
-            <a:noFill/>
-          </p:spPr>
-          <p:txBody>
-            <a:bodyPr wrap="square" rtlCol="0">
-              <a:spAutoFit/>
-            </a:bodyPr>
-            <a:lstStyle/>
-            <a:p>
-              <a:pPr algn="ctr"/>
-              <a:r>
-                <a:rPr lang="de-DE" dirty="0" smtClean="0"/>
-                <a:t>Schlüssel</a:t>
-              </a:r>
-              <a:endParaRPr lang="de-DE" dirty="0"/>
-            </a:p>
-          </p:txBody>
-        </p:sp>
-        <p:sp>
-          <p:nvSpPr>
-            <p:cNvPr id="71" name="Textfeld 70"/>
-            <p:cNvSpPr txBox="1"/>
-            <p:nvPr/>
-          </p:nvSpPr>
-          <p:spPr>
-            <a:xfrm>
-              <a:off x="1772653" y="967333"/>
-              <a:ext cx="1532792" cy="369332"/>
-            </a:xfrm>
-            <a:prstGeom prst="rect">
-              <a:avLst/>
-            </a:prstGeom>
-            <a:noFill/>
-          </p:spPr>
-          <p:txBody>
-            <a:bodyPr wrap="none" rtlCol="0">
-              <a:spAutoFit/>
-            </a:bodyPr>
-            <a:lstStyle/>
-            <a:p>
-              <a:pPr algn="ctr"/>
-              <a:r>
-                <a:rPr lang="de-DE" dirty="0" smtClean="0"/>
-                <a:t>Speicherinhalt</a:t>
-              </a:r>
-              <a:endParaRPr lang="de-DE" dirty="0"/>
-            </a:p>
-          </p:txBody>
-        </p:sp>
-      </p:grpSp>
-      <p:cxnSp>
-        <p:nvCxnSpPr>
-          <p:cNvPr id="73" name="Gerader Verbinder 72"/>
-          <p:cNvCxnSpPr>
-            <a:stCxn id="2" idx="2"/>
-            <a:endCxn id="20" idx="0"/>
-          </p:cNvCxnSpPr>
-          <p:nvPr/>
-        </p:nvCxnSpPr>
-        <p:spPr>
-          <a:xfrm flipH="1">
-            <a:off x="888450" y="1502682"/>
-            <a:ext cx="4974034" cy="826018"/>
-          </a:xfrm>
-          <a:prstGeom prst="line">
-            <a:avLst/>
-          </a:prstGeom>
-          <a:ln w="25400">
-            <a:tailEnd type="none"/>
-          </a:ln>
-        </p:spPr>
-        <p:style>
-          <a:lnRef idx="1">
-            <a:schemeClr val="dk1"/>
-          </a:lnRef>
-          <a:fillRef idx="0">
-            <a:schemeClr val="dk1"/>
-          </a:fillRef>
-          <a:effectRef idx="0">
-            <a:schemeClr val="dk1"/>
-          </a:effectRef>
-          <a:fontRef idx="minor">
-            <a:schemeClr val="tx1"/>
-          </a:fontRef>
-        </p:style>
-      </p:cxnSp>
-      <p:cxnSp>
-        <p:nvCxnSpPr>
-          <p:cNvPr id="77" name="Gerader Verbinder 76"/>
-          <p:cNvCxnSpPr>
-            <a:stCxn id="2" idx="2"/>
-            <a:endCxn id="62" idx="0"/>
-          </p:cNvCxnSpPr>
-          <p:nvPr/>
-        </p:nvCxnSpPr>
-        <p:spPr>
-          <a:xfrm>
-            <a:off x="5862484" y="1502682"/>
-            <a:ext cx="922679" cy="825039"/>
-          </a:xfrm>
-          <a:prstGeom prst="line">
-            <a:avLst/>
-          </a:prstGeom>
-          <a:ln w="25400">
-            <a:tailEnd type="none"/>
-          </a:ln>
-        </p:spPr>
-        <p:style>
-          <a:lnRef idx="1">
-            <a:schemeClr val="dk1"/>
-          </a:lnRef>
-          <a:fillRef idx="0">
-            <a:schemeClr val="dk1"/>
-          </a:fillRef>
-          <a:effectRef idx="0">
-            <a:schemeClr val="dk1"/>
-          </a:effectRef>
-          <a:fontRef idx="minor">
-            <a:schemeClr val="tx1"/>
-          </a:fontRef>
-        </p:style>
-      </p:cxnSp>
-      <p:cxnSp>
-        <p:nvCxnSpPr>
-          <p:cNvPr id="79" name="Gerader Verbinder 78"/>
-          <p:cNvCxnSpPr>
-            <a:stCxn id="20" idx="2"/>
-            <a:endCxn id="52" idx="0"/>
-          </p:cNvCxnSpPr>
-          <p:nvPr/>
-        </p:nvCxnSpPr>
-        <p:spPr>
-          <a:xfrm flipH="1">
-            <a:off x="879982" y="3772489"/>
-            <a:ext cx="8468" cy="736011"/>
-          </a:xfrm>
-          <a:prstGeom prst="line">
-            <a:avLst/>
-          </a:prstGeom>
-          <a:ln w="25400">
-            <a:tailEnd type="none"/>
-          </a:ln>
-        </p:spPr>
-        <p:style>
-          <a:lnRef idx="1">
-            <a:schemeClr val="dk1"/>
-          </a:lnRef>
-          <a:fillRef idx="0">
-            <a:schemeClr val="dk1"/>
-          </a:fillRef>
-          <a:effectRef idx="0">
-            <a:schemeClr val="dk1"/>
-          </a:effectRef>
-          <a:fontRef idx="minor">
-            <a:schemeClr val="tx1"/>
-          </a:fontRef>
-        </p:style>
-      </p:cxnSp>
-      <p:cxnSp>
-        <p:nvCxnSpPr>
-          <p:cNvPr id="81" name="Gerader Verbinder 80"/>
-          <p:cNvCxnSpPr>
-            <a:stCxn id="60" idx="2"/>
-            <a:endCxn id="44" idx="0"/>
-          </p:cNvCxnSpPr>
-          <p:nvPr/>
-        </p:nvCxnSpPr>
-        <p:spPr>
-          <a:xfrm flipH="1">
-            <a:off x="5890861" y="3771510"/>
-            <a:ext cx="894302" cy="718836"/>
-          </a:xfrm>
-          <a:prstGeom prst="line">
-            <a:avLst/>
-          </a:prstGeom>
-          <a:ln w="25400">
-            <a:tailEnd type="none"/>
-          </a:ln>
-        </p:spPr>
-        <p:style>
-          <a:lnRef idx="1">
-            <a:schemeClr val="dk1"/>
-          </a:lnRef>
-          <a:fillRef idx="0">
-            <a:schemeClr val="dk1"/>
-          </a:fillRef>
-          <a:effectRef idx="0">
-            <a:schemeClr val="dk1"/>
-          </a:effectRef>
-          <a:fontRef idx="minor">
-            <a:schemeClr val="tx1"/>
-          </a:fontRef>
-        </p:style>
-      </p:cxnSp>
-      <p:cxnSp>
-        <p:nvCxnSpPr>
-          <p:cNvPr id="83" name="Gerader Verbinder 82"/>
-          <p:cNvCxnSpPr>
-            <a:stCxn id="60" idx="2"/>
-            <a:endCxn id="38" idx="0"/>
-          </p:cNvCxnSpPr>
-          <p:nvPr/>
-        </p:nvCxnSpPr>
-        <p:spPr>
-          <a:xfrm>
-            <a:off x="6785163" y="3771510"/>
-            <a:ext cx="1039337" cy="715020"/>
-          </a:xfrm>
-          <a:prstGeom prst="line">
-            <a:avLst/>
-          </a:prstGeom>
-          <a:ln w="25400">
-            <a:tailEnd type="none"/>
-          </a:ln>
-        </p:spPr>
-        <p:style>
-          <a:lnRef idx="1">
-            <a:schemeClr val="dk1"/>
-          </a:lnRef>
-          <a:fillRef idx="0">
-            <a:schemeClr val="dk1"/>
-          </a:fillRef>
-          <a:effectRef idx="0">
-            <a:schemeClr val="dk1"/>
-          </a:effectRef>
-          <a:fontRef idx="minor">
-            <a:schemeClr val="tx1"/>
-          </a:fontRef>
-        </p:style>
-      </p:cxnSp>
-      <p:cxnSp>
-        <p:nvCxnSpPr>
-          <p:cNvPr id="85" name="Gerader Verbinder 84"/>
-          <p:cNvCxnSpPr/>
-          <p:nvPr/>
-        </p:nvCxnSpPr>
-        <p:spPr>
-          <a:xfrm>
-            <a:off x="0" y="1989138"/>
-            <a:ext cx="11823290" cy="0"/>
-          </a:xfrm>
-          <a:prstGeom prst="line">
-            <a:avLst/>
-          </a:prstGeom>
-          <a:ln w="12700">
-            <a:prstDash val="sysDot"/>
-            <a:tailEnd type="none"/>
-          </a:ln>
-        </p:spPr>
-        <p:style>
-          <a:lnRef idx="1">
-            <a:schemeClr val="dk1"/>
-          </a:lnRef>
-          <a:fillRef idx="0">
-            <a:schemeClr val="dk1"/>
-          </a:fillRef>
-          <a:effectRef idx="0">
-            <a:schemeClr val="dk1"/>
-          </a:effectRef>
-          <a:fontRef idx="minor">
-            <a:schemeClr val="tx1"/>
-          </a:fontRef>
-        </p:style>
-      </p:cxnSp>
-      <p:cxnSp>
-        <p:nvCxnSpPr>
-          <p:cNvPr id="86" name="Gerader Verbinder 85"/>
-          <p:cNvCxnSpPr/>
-          <p:nvPr/>
-        </p:nvCxnSpPr>
-        <p:spPr>
-          <a:xfrm flipV="1">
-            <a:off x="0" y="4149725"/>
-            <a:ext cx="11823290" cy="10344"/>
-          </a:xfrm>
-          <a:prstGeom prst="line">
-            <a:avLst/>
-          </a:prstGeom>
-          <a:ln w="12700">
-            <a:prstDash val="sysDot"/>
-            <a:tailEnd type="none"/>
-          </a:ln>
-        </p:spPr>
-        <p:style>
-          <a:lnRef idx="1">
-            <a:schemeClr val="dk1"/>
-          </a:lnRef>
-          <a:fillRef idx="0">
-            <a:schemeClr val="dk1"/>
-          </a:fillRef>
-          <a:effectRef idx="0">
-            <a:schemeClr val="dk1"/>
-          </a:effectRef>
-          <a:fontRef idx="minor">
-            <a:schemeClr val="tx1"/>
-          </a:fontRef>
-        </p:style>
-      </p:cxnSp>
-      <p:sp>
-        <p:nvSpPr>
-          <p:cNvPr id="90" name="Textfeld 89"/>
-          <p:cNvSpPr txBox="1"/>
-          <p:nvPr/>
-        </p:nvSpPr>
-        <p:spPr>
-          <a:xfrm>
-            <a:off x="10717162" y="780788"/>
-            <a:ext cx="1317861" cy="369332"/>
-          </a:xfrm>
-          <a:prstGeom prst="rect">
-            <a:avLst/>
-          </a:prstGeom>
-          <a:noFill/>
-        </p:spPr>
-        <p:txBody>
-          <a:bodyPr wrap="none" rtlCol="0">
-            <a:spAutoFit/>
-          </a:bodyPr>
-          <a:lstStyle/>
-          <a:p>
-            <a:r>
-              <a:rPr lang="de-DE" dirty="0" smtClean="0">
-                <a:solidFill>
-                  <a:schemeClr val="accent2">
-                    <a:lumMod val="75000"/>
-                  </a:schemeClr>
-                </a:solidFill>
-              </a:rPr>
-              <a:t>Hierarchie 0</a:t>
-            </a:r>
-            <a:endParaRPr lang="de-DE" dirty="0">
-              <a:solidFill>
-                <a:schemeClr val="accent2">
-                  <a:lumMod val="75000"/>
-                </a:schemeClr>
-              </a:solidFill>
-            </a:endParaRPr>
-          </a:p>
-        </p:txBody>
-      </p:sp>
-      <p:sp>
-        <p:nvSpPr>
-          <p:cNvPr id="91" name="Textfeld 90"/>
-          <p:cNvSpPr txBox="1"/>
-          <p:nvPr/>
-        </p:nvSpPr>
-        <p:spPr>
-          <a:xfrm>
-            <a:off x="10717161" y="2772169"/>
-            <a:ext cx="1317861" cy="369332"/>
-          </a:xfrm>
-          <a:prstGeom prst="rect">
-            <a:avLst/>
-          </a:prstGeom>
-          <a:noFill/>
-        </p:spPr>
-        <p:txBody>
-          <a:bodyPr wrap="none" rtlCol="0">
-            <a:spAutoFit/>
-          </a:bodyPr>
-          <a:lstStyle/>
-          <a:p>
-            <a:r>
-              <a:rPr lang="de-DE" dirty="0" smtClean="0">
-                <a:solidFill>
-                  <a:schemeClr val="accent2">
-                    <a:lumMod val="75000"/>
-                  </a:schemeClr>
-                </a:solidFill>
-              </a:rPr>
-              <a:t>Hierarchie 1</a:t>
-            </a:r>
-            <a:endParaRPr lang="de-DE" dirty="0">
-              <a:solidFill>
-                <a:schemeClr val="accent2">
-                  <a:lumMod val="75000"/>
-                </a:schemeClr>
-              </a:solidFill>
-            </a:endParaRPr>
-          </a:p>
-        </p:txBody>
-      </p:sp>
-      <p:sp>
-        <p:nvSpPr>
-          <p:cNvPr id="92" name="Textfeld 91"/>
-          <p:cNvSpPr txBox="1"/>
-          <p:nvPr/>
-        </p:nvSpPr>
-        <p:spPr>
-          <a:xfrm>
-            <a:off x="10718564" y="5013738"/>
-            <a:ext cx="1317861" cy="369332"/>
-          </a:xfrm>
-          <a:prstGeom prst="rect">
-            <a:avLst/>
-          </a:prstGeom>
-          <a:noFill/>
-        </p:spPr>
-        <p:txBody>
-          <a:bodyPr wrap="none" rtlCol="0">
-            <a:spAutoFit/>
-          </a:bodyPr>
-          <a:lstStyle/>
-          <a:p>
-            <a:r>
-              <a:rPr lang="de-DE" dirty="0" smtClean="0">
-                <a:solidFill>
-                  <a:schemeClr val="accent2">
-                    <a:lumMod val="75000"/>
-                  </a:schemeClr>
-                </a:solidFill>
-              </a:rPr>
-              <a:t>Hierarchie 2</a:t>
-            </a:r>
-            <a:endParaRPr lang="de-DE" dirty="0">
-              <a:solidFill>
-                <a:schemeClr val="accent2">
-                  <a:lumMod val="75000"/>
-                </a:schemeClr>
-              </a:solidFill>
-            </a:endParaRPr>
-          </a:p>
-        </p:txBody>
-      </p:sp>
-      <p:sp>
-        <p:nvSpPr>
-          <p:cNvPr id="93" name="Textfeld 92"/>
-          <p:cNvSpPr txBox="1"/>
-          <p:nvPr/>
-        </p:nvSpPr>
-        <p:spPr>
-          <a:xfrm>
-            <a:off x="1664240" y="2373822"/>
-            <a:ext cx="1289135" cy="338554"/>
-          </a:xfrm>
-          <a:prstGeom prst="rect">
-            <a:avLst/>
-          </a:prstGeom>
-          <a:noFill/>
-        </p:spPr>
-        <p:txBody>
-          <a:bodyPr wrap="none" rtlCol="0">
-            <a:spAutoFit/>
-          </a:bodyPr>
-          <a:lstStyle/>
-          <a:p>
-            <a:r>
-              <a:rPr lang="de-DE" sz="1600" i="1" dirty="0" smtClean="0">
-                <a:solidFill>
-                  <a:srgbClr val="0070C0"/>
-                </a:solidFill>
-              </a:rPr>
-              <a:t>„1000_4711“</a:t>
-            </a:r>
-            <a:endParaRPr lang="de-DE" sz="1600" i="1" dirty="0">
-              <a:solidFill>
-                <a:srgbClr val="0070C0"/>
-              </a:solidFill>
-            </a:endParaRPr>
-          </a:p>
-        </p:txBody>
-      </p:sp>
-      <p:sp>
-        <p:nvSpPr>
-          <p:cNvPr id="94" name="Textfeld 93"/>
-          <p:cNvSpPr txBox="1"/>
-          <p:nvPr/>
-        </p:nvSpPr>
-        <p:spPr>
-          <a:xfrm>
-            <a:off x="4280763" y="122153"/>
-            <a:ext cx="828688" cy="338554"/>
-          </a:xfrm>
-          <a:prstGeom prst="rect">
-            <a:avLst/>
-          </a:prstGeom>
-          <a:noFill/>
-        </p:spPr>
-        <p:txBody>
-          <a:bodyPr wrap="none" rtlCol="0">
-            <a:spAutoFit/>
-          </a:bodyPr>
-          <a:lstStyle/>
-          <a:p>
-            <a:r>
-              <a:rPr lang="de-DE" sz="1600" i="1" dirty="0" smtClean="0">
-                <a:solidFill>
-                  <a:srgbClr val="0070C0"/>
-                </a:solidFill>
-              </a:rPr>
-              <a:t>„</a:t>
-            </a:r>
-            <a:r>
-              <a:rPr lang="de-DE" sz="1600" i="1" dirty="0" err="1" smtClean="0">
-                <a:solidFill>
-                  <a:srgbClr val="0070C0"/>
-                </a:solidFill>
-              </a:rPr>
-              <a:t>prints</a:t>
-            </a:r>
-            <a:r>
-              <a:rPr lang="de-DE" sz="1600" i="1" dirty="0" smtClean="0">
-                <a:solidFill>
-                  <a:srgbClr val="0070C0"/>
-                </a:solidFill>
-              </a:rPr>
-              <a:t>“</a:t>
-            </a:r>
-            <a:endParaRPr lang="de-DE" sz="1600" i="1" dirty="0">
-              <a:solidFill>
-                <a:srgbClr val="0070C0"/>
-              </a:solidFill>
-            </a:endParaRPr>
-          </a:p>
-        </p:txBody>
-      </p:sp>
-      <p:sp>
-        <p:nvSpPr>
-          <p:cNvPr id="95" name="Textfeld 94"/>
-          <p:cNvSpPr txBox="1"/>
-          <p:nvPr/>
-        </p:nvSpPr>
-        <p:spPr>
-          <a:xfrm>
-            <a:off x="7576081" y="2382453"/>
-            <a:ext cx="1289135" cy="338554"/>
-          </a:xfrm>
-          <a:prstGeom prst="rect">
-            <a:avLst/>
-          </a:prstGeom>
-          <a:noFill/>
-        </p:spPr>
-        <p:txBody>
-          <a:bodyPr wrap="none" rtlCol="0">
-            <a:spAutoFit/>
-          </a:bodyPr>
-          <a:lstStyle/>
-          <a:p>
-            <a:r>
-              <a:rPr lang="de-DE" sz="1600" i="1" dirty="0" smtClean="0">
-                <a:solidFill>
-                  <a:srgbClr val="0070C0"/>
-                </a:solidFill>
-              </a:rPr>
-              <a:t>„3000_2903“</a:t>
-            </a:r>
-            <a:endParaRPr lang="de-DE" sz="1600" i="1" dirty="0">
-              <a:solidFill>
-                <a:srgbClr val="0070C0"/>
-              </a:solidFill>
-            </a:endParaRPr>
-          </a:p>
-        </p:txBody>
-      </p:sp>
-      <p:sp>
-        <p:nvSpPr>
-          <p:cNvPr id="96" name="Textfeld 95"/>
-          <p:cNvSpPr txBox="1"/>
-          <p:nvPr/>
-        </p:nvSpPr>
-        <p:spPr>
-          <a:xfrm>
-            <a:off x="4586856" y="2369712"/>
-            <a:ext cx="1289135" cy="338554"/>
-          </a:xfrm>
-          <a:prstGeom prst="rect">
-            <a:avLst/>
-          </a:prstGeom>
-          <a:noFill/>
-        </p:spPr>
-        <p:txBody>
-          <a:bodyPr wrap="none" rtlCol="0">
-            <a:spAutoFit/>
-          </a:bodyPr>
-          <a:lstStyle/>
-          <a:p>
-            <a:r>
-              <a:rPr lang="de-DE" sz="1600" i="1" dirty="0" smtClean="0">
-                <a:solidFill>
-                  <a:srgbClr val="0070C0"/>
-                </a:solidFill>
-              </a:rPr>
-              <a:t>„2000_0815“</a:t>
-            </a:r>
-            <a:endParaRPr lang="de-DE" sz="1600" i="1" dirty="0">
-              <a:solidFill>
-                <a:srgbClr val="0070C0"/>
-              </a:solidFill>
-            </a:endParaRPr>
-          </a:p>
-        </p:txBody>
-      </p:sp>
-      <p:sp>
-        <p:nvSpPr>
-          <p:cNvPr id="97" name="Textfeld 96"/>
-          <p:cNvSpPr txBox="1"/>
-          <p:nvPr/>
-        </p:nvSpPr>
-        <p:spPr>
-          <a:xfrm>
-            <a:off x="8570796" y="4524520"/>
-            <a:ext cx="1289135" cy="338554"/>
-          </a:xfrm>
-          <a:prstGeom prst="rect">
-            <a:avLst/>
-          </a:prstGeom>
-          <a:noFill/>
-        </p:spPr>
-        <p:txBody>
-          <a:bodyPr wrap="none" rtlCol="0">
-            <a:spAutoFit/>
-          </a:bodyPr>
-          <a:lstStyle/>
-          <a:p>
-            <a:r>
-              <a:rPr lang="de-DE" sz="1600" i="1" dirty="0" smtClean="0">
-                <a:solidFill>
-                  <a:srgbClr val="0070C0"/>
-                </a:solidFill>
-              </a:rPr>
-              <a:t>„6000_5443“</a:t>
-            </a:r>
-            <a:endParaRPr lang="de-DE" sz="1600" i="1" dirty="0">
-              <a:solidFill>
-                <a:srgbClr val="0070C0"/>
-              </a:solidFill>
-            </a:endParaRPr>
-          </a:p>
-        </p:txBody>
-      </p:sp>
-      <p:sp>
-        <p:nvSpPr>
-          <p:cNvPr id="98" name="Textfeld 97"/>
-          <p:cNvSpPr txBox="1"/>
-          <p:nvPr/>
-        </p:nvSpPr>
-        <p:spPr>
-          <a:xfrm>
-            <a:off x="3731135" y="4549163"/>
-            <a:ext cx="1393330" cy="338554"/>
-          </a:xfrm>
-          <a:prstGeom prst="rect">
-            <a:avLst/>
-          </a:prstGeom>
-          <a:noFill/>
-        </p:spPr>
-        <p:txBody>
-          <a:bodyPr wrap="none" rtlCol="0">
-            <a:spAutoFit/>
-          </a:bodyPr>
-          <a:lstStyle/>
-          <a:p>
-            <a:r>
-              <a:rPr lang="de-DE" sz="1600" i="1" dirty="0" smtClean="0">
-                <a:solidFill>
-                  <a:srgbClr val="0070C0"/>
-                </a:solidFill>
-              </a:rPr>
-              <a:t>„5000_11597“</a:t>
-            </a:r>
-            <a:endParaRPr lang="de-DE" sz="1600" i="1" dirty="0">
-              <a:solidFill>
-                <a:srgbClr val="0070C0"/>
-              </a:solidFill>
-            </a:endParaRPr>
-          </a:p>
-        </p:txBody>
-      </p:sp>
-      <p:sp>
-        <p:nvSpPr>
-          <p:cNvPr id="99" name="Textfeld 98"/>
-          <p:cNvSpPr txBox="1"/>
-          <p:nvPr/>
-        </p:nvSpPr>
-        <p:spPr>
-          <a:xfrm>
-            <a:off x="1702941" y="4537037"/>
-            <a:ext cx="1393330" cy="338554"/>
-          </a:xfrm>
-          <a:prstGeom prst="rect">
-            <a:avLst/>
-          </a:prstGeom>
-          <a:noFill/>
-        </p:spPr>
-        <p:txBody>
-          <a:bodyPr wrap="none" rtlCol="0">
-            <a:spAutoFit/>
-          </a:bodyPr>
-          <a:lstStyle/>
-          <a:p>
-            <a:r>
-              <a:rPr lang="de-DE" sz="1600" i="1" dirty="0" smtClean="0">
-                <a:solidFill>
-                  <a:srgbClr val="0070C0"/>
-                </a:solidFill>
-              </a:rPr>
-              <a:t>„4000_62896“</a:t>
-            </a:r>
-            <a:endParaRPr lang="de-DE" sz="1600" i="1" dirty="0">
-              <a:solidFill>
-                <a:srgbClr val="0070C0"/>
-              </a:solidFill>
-            </a:endParaRPr>
-          </a:p>
-        </p:txBody>
-      </p:sp>
-      <p:cxnSp>
-        <p:nvCxnSpPr>
-          <p:cNvPr id="101" name="Gerader Verbinder 100"/>
-          <p:cNvCxnSpPr/>
-          <p:nvPr/>
-        </p:nvCxnSpPr>
-        <p:spPr>
-          <a:xfrm>
-            <a:off x="10056813" y="16409"/>
-            <a:ext cx="0" cy="6136303"/>
-          </a:xfrm>
-          <a:prstGeom prst="line">
-            <a:avLst/>
-          </a:prstGeom>
-          <a:ln w="19050">
-            <a:solidFill>
-              <a:srgbClr val="8A3CC4"/>
-            </a:solidFill>
-            <a:prstDash val="dash"/>
-            <a:tailEnd type="none"/>
-          </a:ln>
-        </p:spPr>
-        <p:style>
-          <a:lnRef idx="1">
-            <a:schemeClr val="dk1"/>
-          </a:lnRef>
-          <a:fillRef idx="0">
-            <a:schemeClr val="dk1"/>
-          </a:fillRef>
-          <a:effectRef idx="0">
-            <a:schemeClr val="dk1"/>
-          </a:effectRef>
-          <a:fontRef idx="minor">
-            <a:schemeClr val="tx1"/>
-          </a:fontRef>
-        </p:style>
-      </p:cxnSp>
-      <p:sp>
-        <p:nvSpPr>
-          <p:cNvPr id="102" name="Textfeld 101"/>
-          <p:cNvSpPr txBox="1"/>
-          <p:nvPr/>
-        </p:nvSpPr>
-        <p:spPr>
-          <a:xfrm>
-            <a:off x="10083476" y="1941857"/>
-            <a:ext cx="688009" cy="369332"/>
-          </a:xfrm>
-          <a:prstGeom prst="rect">
-            <a:avLst/>
-          </a:prstGeom>
-          <a:noFill/>
-        </p:spPr>
-        <p:txBody>
-          <a:bodyPr wrap="none" rtlCol="0">
-            <a:spAutoFit/>
-          </a:bodyPr>
-          <a:lstStyle/>
-          <a:p>
-            <a:r>
-              <a:rPr lang="de-DE" dirty="0" smtClean="0">
-                <a:solidFill>
-                  <a:srgbClr val="8A3CC4"/>
-                </a:solidFill>
-              </a:rPr>
-              <a:t>Höhe</a:t>
-            </a:r>
-            <a:endParaRPr lang="de-DE" dirty="0">
-              <a:solidFill>
-                <a:srgbClr val="8A3CC4"/>
-              </a:solidFill>
-            </a:endParaRPr>
-          </a:p>
-        </p:txBody>
-      </p:sp>
-      <p:sp>
-        <p:nvSpPr>
-          <p:cNvPr id="103" name="Rechteck 102"/>
-          <p:cNvSpPr/>
-          <p:nvPr/>
-        </p:nvSpPr>
-        <p:spPr>
-          <a:xfrm>
-            <a:off x="-68826" y="4277032"/>
-            <a:ext cx="9920480" cy="1750142"/>
-          </a:xfrm>
-          <a:prstGeom prst="rect">
-            <a:avLst/>
-          </a:prstGeom>
-          <a:noFill/>
-          <a:ln w="19050">
-            <a:solidFill>
-              <a:srgbClr val="8A3CC4"/>
-            </a:solidFill>
-            <a:prstDash val="dash"/>
-          </a:ln>
-        </p:spPr>
-        <p:style>
-          <a:lnRef idx="2">
-            <a:schemeClr val="accent1">
-              <a:shade val="50000"/>
-            </a:schemeClr>
-          </a:lnRef>
-          <a:fillRef idx="1">
-            <a:schemeClr val="accent1"/>
-          </a:fillRef>
-          <a:effectRef idx="0">
-            <a:schemeClr val="accent1"/>
-          </a:effectRef>
-          <a:fontRef idx="minor">
-            <a:schemeClr val="lt1"/>
-          </a:fontRef>
-        </p:style>
-        <p:txBody>
-          <a:bodyPr rtlCol="0" anchor="ctr"/>
-          <a:lstStyle/>
-          <a:p>
-            <a:pPr algn="ctr"/>
-            <a:endParaRPr lang="de-DE"/>
-          </a:p>
-        </p:txBody>
-      </p:sp>
-      <p:sp>
-        <p:nvSpPr>
-          <p:cNvPr id="104" name="Textfeld 103"/>
-          <p:cNvSpPr txBox="1"/>
-          <p:nvPr/>
-        </p:nvSpPr>
-        <p:spPr>
-          <a:xfrm>
-            <a:off x="3738568" y="6047081"/>
-            <a:ext cx="745012" cy="369332"/>
-          </a:xfrm>
-          <a:prstGeom prst="rect">
-            <a:avLst/>
-          </a:prstGeom>
-          <a:noFill/>
-        </p:spPr>
-        <p:txBody>
-          <a:bodyPr wrap="none" rtlCol="0">
-            <a:spAutoFit/>
-          </a:bodyPr>
-          <a:lstStyle/>
-          <a:p>
-            <a:r>
-              <a:rPr lang="de-DE" dirty="0" smtClean="0">
-                <a:solidFill>
-                  <a:srgbClr val="8A3CC4"/>
-                </a:solidFill>
-              </a:rPr>
-              <a:t>Breite</a:t>
-            </a:r>
-            <a:endParaRPr lang="de-DE" dirty="0">
-              <a:solidFill>
-                <a:srgbClr val="8A3CC4"/>
-              </a:solidFill>
-            </a:endParaRPr>
-          </a:p>
-        </p:txBody>
-      </p:sp>
-      <p:sp>
-        <p:nvSpPr>
-          <p:cNvPr id="105" name="Textfeld 104"/>
-          <p:cNvSpPr txBox="1"/>
-          <p:nvPr/>
-        </p:nvSpPr>
-        <p:spPr>
-          <a:xfrm>
-            <a:off x="8197718" y="918105"/>
-            <a:ext cx="1785361" cy="646331"/>
-          </a:xfrm>
-          <a:prstGeom prst="rect">
-            <a:avLst/>
-          </a:prstGeom>
-          <a:noFill/>
-        </p:spPr>
-        <p:txBody>
-          <a:bodyPr wrap="none" rtlCol="0">
-            <a:spAutoFit/>
-          </a:bodyPr>
-          <a:lstStyle/>
-          <a:p>
-            <a:r>
-              <a:rPr lang="de-DE" dirty="0" smtClean="0">
-                <a:solidFill>
-                  <a:schemeClr val="accent6"/>
-                </a:solidFill>
-              </a:rPr>
-              <a:t>Oberster Knoten </a:t>
-            </a:r>
-          </a:p>
-          <a:p>
-            <a:r>
-              <a:rPr lang="de-DE" dirty="0" smtClean="0">
-                <a:solidFill>
-                  <a:schemeClr val="accent6"/>
-                </a:solidFill>
-              </a:rPr>
-              <a:t>= Wurzel</a:t>
-            </a:r>
-            <a:endParaRPr lang="de-DE" dirty="0">
-              <a:solidFill>
-                <a:schemeClr val="accent6"/>
-              </a:solidFill>
-            </a:endParaRPr>
-          </a:p>
-        </p:txBody>
-      </p:sp>
-      <p:sp>
-        <p:nvSpPr>
-          <p:cNvPr id="107" name="Rechteck 106"/>
-          <p:cNvSpPr/>
-          <p:nvPr/>
-        </p:nvSpPr>
-        <p:spPr>
-          <a:xfrm>
-            <a:off x="1702941" y="1156707"/>
-            <a:ext cx="3440365" cy="307777"/>
-          </a:xfrm>
-          <a:prstGeom prst="rect">
-            <a:avLst/>
-          </a:prstGeom>
-        </p:spPr>
-        <p:txBody>
-          <a:bodyPr wrap="none">
-            <a:spAutoFit/>
-          </a:bodyPr>
-          <a:lstStyle/>
-          <a:p>
-            <a:r>
-              <a:rPr lang="de-DE" sz="1400" i="1" dirty="0" smtClean="0">
-                <a:solidFill>
-                  <a:srgbClr val="0070C0"/>
-                </a:solidFill>
-              </a:rPr>
-              <a:t>[O-1000_4711, O-2000_0815, O-3000_2903]</a:t>
-            </a:r>
-            <a:endParaRPr lang="de-DE" sz="1400" dirty="0"/>
-          </a:p>
-        </p:txBody>
-      </p:sp>
-      <p:sp>
-        <p:nvSpPr>
-          <p:cNvPr id="109" name="Rechteck 108"/>
-          <p:cNvSpPr/>
-          <p:nvPr/>
-        </p:nvSpPr>
-        <p:spPr>
-          <a:xfrm>
-            <a:off x="7528561" y="3470944"/>
-            <a:ext cx="2454518" cy="307777"/>
-          </a:xfrm>
-          <a:prstGeom prst="rect">
-            <a:avLst/>
-          </a:prstGeom>
-        </p:spPr>
-        <p:txBody>
-          <a:bodyPr wrap="none">
-            <a:spAutoFit/>
-          </a:bodyPr>
-          <a:lstStyle/>
-          <a:p>
-            <a:r>
-              <a:rPr lang="de-DE" sz="1400" i="1" dirty="0" smtClean="0">
-                <a:solidFill>
-                  <a:srgbClr val="0070C0"/>
-                </a:solidFill>
-              </a:rPr>
-              <a:t>[O-5000_11597, O-6000_5443]</a:t>
-            </a:r>
-            <a:endParaRPr lang="de-DE" sz="1400" dirty="0"/>
-          </a:p>
-        </p:txBody>
-      </p:sp>
-      <p:sp>
-        <p:nvSpPr>
-          <p:cNvPr id="111" name="Rechteck 110"/>
-          <p:cNvSpPr/>
-          <p:nvPr/>
-        </p:nvSpPr>
-        <p:spPr>
-          <a:xfrm>
-            <a:off x="7577061" y="3157529"/>
-            <a:ext cx="859466" cy="307777"/>
-          </a:xfrm>
-          <a:prstGeom prst="rect">
-            <a:avLst/>
-          </a:prstGeom>
-        </p:spPr>
-        <p:txBody>
-          <a:bodyPr wrap="none">
-            <a:spAutoFit/>
-          </a:bodyPr>
-          <a:lstStyle/>
-          <a:p>
-            <a:r>
-              <a:rPr lang="de-DE" sz="1400" i="1" dirty="0" smtClean="0">
-                <a:solidFill>
-                  <a:srgbClr val="0070C0"/>
-                </a:solidFill>
-              </a:rPr>
-              <a:t>[„</a:t>
-            </a:r>
-            <a:r>
-              <a:rPr lang="de-DE" sz="1400" i="1" dirty="0" err="1" smtClean="0">
-                <a:solidFill>
-                  <a:srgbClr val="0070C0"/>
-                </a:solidFill>
-              </a:rPr>
-              <a:t>prints</a:t>
-            </a:r>
-            <a:r>
-              <a:rPr lang="de-DE" sz="1400" i="1" dirty="0" smtClean="0">
-                <a:solidFill>
-                  <a:srgbClr val="0070C0"/>
-                </a:solidFill>
-              </a:rPr>
-              <a:t>“]</a:t>
-            </a:r>
-            <a:endParaRPr lang="de-DE" sz="1400" dirty="0"/>
-          </a:p>
-        </p:txBody>
-      </p:sp>
-      <p:sp>
-        <p:nvSpPr>
-          <p:cNvPr id="112" name="Rechteck 111"/>
-          <p:cNvSpPr/>
-          <p:nvPr/>
-        </p:nvSpPr>
-        <p:spPr>
-          <a:xfrm>
-            <a:off x="1709964" y="5645665"/>
-            <a:ext cx="293670" cy="307777"/>
-          </a:xfrm>
-          <a:prstGeom prst="rect">
-            <a:avLst/>
-          </a:prstGeom>
-        </p:spPr>
-        <p:txBody>
-          <a:bodyPr wrap="none">
-            <a:spAutoFit/>
-          </a:bodyPr>
-          <a:lstStyle/>
-          <a:p>
-            <a:r>
-              <a:rPr lang="de-DE" sz="1400" i="1" dirty="0" smtClean="0">
-                <a:solidFill>
-                  <a:srgbClr val="0070C0"/>
-                </a:solidFill>
-              </a:rPr>
-              <a:t>[]</a:t>
-            </a:r>
-            <a:endParaRPr lang="de-DE" sz="1400" dirty="0"/>
-          </a:p>
-        </p:txBody>
-      </p:sp>
-      <p:sp>
-        <p:nvSpPr>
-          <p:cNvPr id="113" name="Rechteck 112"/>
-          <p:cNvSpPr/>
-          <p:nvPr/>
-        </p:nvSpPr>
-        <p:spPr>
-          <a:xfrm>
-            <a:off x="1685333" y="5324098"/>
-            <a:ext cx="1899366" cy="307777"/>
-          </a:xfrm>
-          <a:prstGeom prst="rect">
-            <a:avLst/>
-          </a:prstGeom>
-        </p:spPr>
-        <p:txBody>
-          <a:bodyPr wrap="none">
-            <a:spAutoFit/>
-          </a:bodyPr>
-          <a:lstStyle/>
-          <a:p>
-            <a:r>
-              <a:rPr lang="de-DE" sz="1400" i="1" dirty="0" smtClean="0">
-                <a:solidFill>
-                  <a:srgbClr val="0070C0"/>
-                </a:solidFill>
-              </a:rPr>
-              <a:t>[„</a:t>
-            </a:r>
-            <a:r>
-              <a:rPr lang="de-DE" sz="1400" i="1" dirty="0" err="1" smtClean="0">
-                <a:solidFill>
-                  <a:srgbClr val="0070C0"/>
-                </a:solidFill>
-              </a:rPr>
-              <a:t>prints</a:t>
-            </a:r>
-            <a:r>
-              <a:rPr lang="de-DE" sz="1400" i="1" dirty="0" smtClean="0">
-                <a:solidFill>
-                  <a:srgbClr val="0070C0"/>
-                </a:solidFill>
-              </a:rPr>
-              <a:t>“, „1000_4711“]</a:t>
-            </a:r>
-            <a:endParaRPr lang="de-DE" sz="1400" dirty="0"/>
-          </a:p>
-        </p:txBody>
-      </p:sp>
-      <p:sp>
-        <p:nvSpPr>
-          <p:cNvPr id="4" name="Geschweifte Klammer rechts 3"/>
-          <p:cNvSpPr/>
-          <p:nvPr/>
-        </p:nvSpPr>
-        <p:spPr>
-          <a:xfrm>
-            <a:off x="6756754" y="59709"/>
-            <a:ext cx="191356" cy="1406512"/>
-          </a:xfrm>
-          <a:prstGeom prst="rightBrace">
-            <a:avLst/>
-          </a:prstGeom>
-          <a:ln w="25400">
-            <a:solidFill>
-              <a:srgbClr val="8A3CC4"/>
-            </a:solidFill>
-            <a:tailEnd type="none"/>
-          </a:ln>
-        </p:spPr>
-        <p:style>
-          <a:lnRef idx="1">
-            <a:schemeClr val="dk1"/>
-          </a:lnRef>
-          <a:fillRef idx="0">
-            <a:schemeClr val="dk1"/>
-          </a:fillRef>
-          <a:effectRef idx="0">
-            <a:schemeClr val="dk1"/>
-          </a:effectRef>
-          <a:fontRef idx="minor">
-            <a:schemeClr val="tx1"/>
-          </a:fontRef>
-        </p:style>
-        <p:txBody>
-          <a:bodyPr rtlCol="0" anchor="ctr"/>
-          <a:lstStyle/>
-          <a:p>
-            <a:pPr algn="ctr"/>
-            <a:endParaRPr lang="de-DE"/>
-          </a:p>
-        </p:txBody>
-      </p:sp>
-      <p:sp>
-        <p:nvSpPr>
-          <p:cNvPr id="119" name="Textfeld 118"/>
-          <p:cNvSpPr txBox="1"/>
-          <p:nvPr/>
-        </p:nvSpPr>
-        <p:spPr>
-          <a:xfrm>
-            <a:off x="7057879" y="564623"/>
-            <a:ext cx="856645" cy="369332"/>
-          </a:xfrm>
-          <a:prstGeom prst="rect">
-            <a:avLst/>
-          </a:prstGeom>
-          <a:noFill/>
-        </p:spPr>
-        <p:txBody>
-          <a:bodyPr wrap="none" rtlCol="0">
-            <a:spAutoFit/>
-          </a:bodyPr>
-          <a:lstStyle/>
-          <a:p>
-            <a:r>
-              <a:rPr lang="de-DE" dirty="0" smtClean="0">
-                <a:solidFill>
-                  <a:srgbClr val="8A3CC4"/>
-                </a:solidFill>
-              </a:rPr>
-              <a:t>Knoten</a:t>
-            </a:r>
-            <a:endParaRPr lang="de-DE" dirty="0">
-              <a:solidFill>
-                <a:srgbClr val="8A3CC4"/>
-              </a:solidFill>
-            </a:endParaRPr>
-          </a:p>
-        </p:txBody>
-      </p:sp>
-      <p:grpSp>
-        <p:nvGrpSpPr>
-          <p:cNvPr id="3" name="Gruppieren 2"/>
-          <p:cNvGrpSpPr/>
-          <p:nvPr/>
-        </p:nvGrpSpPr>
-        <p:grpSpPr>
-          <a:xfrm>
-            <a:off x="5102680" y="856267"/>
-            <a:ext cx="1526199" cy="624311"/>
-            <a:chOff x="5102680" y="856267"/>
-            <a:chExt cx="1526199" cy="624311"/>
-          </a:xfrm>
-        </p:grpSpPr>
-        <p:sp>
-          <p:nvSpPr>
-            <p:cNvPr id="13" name="Textfeld 12"/>
-            <p:cNvSpPr txBox="1"/>
-            <p:nvPr/>
-          </p:nvSpPr>
-          <p:spPr>
-            <a:xfrm>
-              <a:off x="5109272" y="1111246"/>
-              <a:ext cx="1519607" cy="369332"/>
-            </a:xfrm>
-            <a:prstGeom prst="rect">
-              <a:avLst/>
-            </a:prstGeom>
-            <a:noFill/>
-          </p:spPr>
-          <p:txBody>
-            <a:bodyPr wrap="square" rtlCol="0">
-              <a:spAutoFit/>
-            </a:bodyPr>
-            <a:lstStyle/>
-            <a:p>
-              <a:pPr algn="ctr"/>
-              <a:r>
-                <a:rPr lang="de-DE" dirty="0" smtClean="0"/>
-                <a:t>Kinder</a:t>
-              </a:r>
-              <a:endParaRPr lang="de-DE" dirty="0"/>
-            </a:p>
-          </p:txBody>
-        </p:sp>
-        <p:sp>
-          <p:nvSpPr>
-            <p:cNvPr id="130" name="Textfeld 129"/>
-            <p:cNvSpPr txBox="1"/>
-            <p:nvPr/>
-          </p:nvSpPr>
-          <p:spPr>
-            <a:xfrm>
-              <a:off x="5102680" y="856267"/>
-              <a:ext cx="1519607" cy="369332"/>
-            </a:xfrm>
-            <a:prstGeom prst="rect">
-              <a:avLst/>
-            </a:prstGeom>
-            <a:noFill/>
-          </p:spPr>
-          <p:txBody>
-            <a:bodyPr wrap="square" rtlCol="0">
-              <a:spAutoFit/>
-            </a:bodyPr>
-            <a:lstStyle/>
-            <a:p>
-              <a:pPr algn="ctr"/>
-              <a:r>
-                <a:rPr lang="de-DE" dirty="0" smtClean="0"/>
-                <a:t>Elternpfad</a:t>
-              </a:r>
-              <a:endParaRPr lang="de-DE" dirty="0"/>
-            </a:p>
-          </p:txBody>
-        </p:sp>
-      </p:grpSp>
-      <p:grpSp>
-        <p:nvGrpSpPr>
-          <p:cNvPr id="131" name="Gruppieren 130"/>
-          <p:cNvGrpSpPr/>
-          <p:nvPr/>
-        </p:nvGrpSpPr>
-        <p:grpSpPr>
-          <a:xfrm>
-            <a:off x="3033275" y="3119555"/>
-            <a:ext cx="1526199" cy="624311"/>
-            <a:chOff x="5102680" y="856267"/>
-            <a:chExt cx="1526199" cy="624311"/>
-          </a:xfrm>
-        </p:grpSpPr>
-        <p:sp>
-          <p:nvSpPr>
-            <p:cNvPr id="132" name="Textfeld 131"/>
-            <p:cNvSpPr txBox="1"/>
-            <p:nvPr/>
-          </p:nvSpPr>
-          <p:spPr>
-            <a:xfrm>
-              <a:off x="5109272" y="1111246"/>
-              <a:ext cx="1519607" cy="369332"/>
-            </a:xfrm>
-            <a:prstGeom prst="rect">
-              <a:avLst/>
-            </a:prstGeom>
-            <a:noFill/>
-          </p:spPr>
-          <p:txBody>
-            <a:bodyPr wrap="square" rtlCol="0">
-              <a:spAutoFit/>
-            </a:bodyPr>
-            <a:lstStyle/>
-            <a:p>
-              <a:pPr algn="ctr"/>
-              <a:r>
-                <a:rPr lang="de-DE" dirty="0" smtClean="0"/>
-                <a:t>Kinder</a:t>
-              </a:r>
-              <a:endParaRPr lang="de-DE" dirty="0"/>
-            </a:p>
-          </p:txBody>
-        </p:sp>
-        <p:sp>
-          <p:nvSpPr>
-            <p:cNvPr id="133" name="Textfeld 132"/>
-            <p:cNvSpPr txBox="1"/>
-            <p:nvPr/>
-          </p:nvSpPr>
-          <p:spPr>
-            <a:xfrm>
-              <a:off x="5102680" y="856267"/>
-              <a:ext cx="1519607" cy="369332"/>
-            </a:xfrm>
-            <a:prstGeom prst="rect">
-              <a:avLst/>
-            </a:prstGeom>
-            <a:noFill/>
-          </p:spPr>
-          <p:txBody>
-            <a:bodyPr wrap="square" rtlCol="0">
-              <a:spAutoFit/>
-            </a:bodyPr>
-            <a:lstStyle/>
-            <a:p>
-              <a:pPr algn="ctr"/>
-              <a:r>
-                <a:rPr lang="de-DE" dirty="0" smtClean="0"/>
-                <a:t>Elternpfad</a:t>
-              </a:r>
-              <a:endParaRPr lang="de-DE" dirty="0"/>
-            </a:p>
-          </p:txBody>
-        </p:sp>
-      </p:grpSp>
-      <p:grpSp>
-        <p:nvGrpSpPr>
-          <p:cNvPr id="134" name="Gruppieren 133"/>
-          <p:cNvGrpSpPr/>
-          <p:nvPr/>
-        </p:nvGrpSpPr>
-        <p:grpSpPr>
-          <a:xfrm>
-            <a:off x="6031404" y="3147795"/>
-            <a:ext cx="1526199" cy="624311"/>
-            <a:chOff x="5102680" y="856267"/>
-            <a:chExt cx="1526199" cy="624311"/>
-          </a:xfrm>
-        </p:grpSpPr>
-        <p:sp>
-          <p:nvSpPr>
-            <p:cNvPr id="135" name="Textfeld 134"/>
-            <p:cNvSpPr txBox="1"/>
-            <p:nvPr/>
-          </p:nvSpPr>
-          <p:spPr>
-            <a:xfrm>
-              <a:off x="5109272" y="1111246"/>
-              <a:ext cx="1519607" cy="369332"/>
-            </a:xfrm>
-            <a:prstGeom prst="rect">
-              <a:avLst/>
-            </a:prstGeom>
-            <a:noFill/>
-          </p:spPr>
-          <p:txBody>
-            <a:bodyPr wrap="square" rtlCol="0">
-              <a:spAutoFit/>
-            </a:bodyPr>
-            <a:lstStyle/>
-            <a:p>
-              <a:pPr algn="ctr"/>
-              <a:r>
-                <a:rPr lang="de-DE" dirty="0" smtClean="0"/>
-                <a:t>Kinder</a:t>
-              </a:r>
-              <a:endParaRPr lang="de-DE" dirty="0"/>
-            </a:p>
-          </p:txBody>
-        </p:sp>
-        <p:sp>
-          <p:nvSpPr>
-            <p:cNvPr id="136" name="Textfeld 135"/>
-            <p:cNvSpPr txBox="1"/>
-            <p:nvPr/>
-          </p:nvSpPr>
-          <p:spPr>
-            <a:xfrm>
-              <a:off x="5102680" y="856267"/>
-              <a:ext cx="1519607" cy="369332"/>
-            </a:xfrm>
-            <a:prstGeom prst="rect">
-              <a:avLst/>
-            </a:prstGeom>
-            <a:noFill/>
-          </p:spPr>
-          <p:txBody>
-            <a:bodyPr wrap="square" rtlCol="0">
-              <a:spAutoFit/>
-            </a:bodyPr>
-            <a:lstStyle/>
-            <a:p>
-              <a:pPr algn="ctr"/>
-              <a:r>
-                <a:rPr lang="de-DE" dirty="0" smtClean="0"/>
-                <a:t>Elternpfad</a:t>
-              </a:r>
-              <a:endParaRPr lang="de-DE" dirty="0"/>
-            </a:p>
-          </p:txBody>
-        </p:sp>
-      </p:grpSp>
-      <p:grpSp>
-        <p:nvGrpSpPr>
-          <p:cNvPr id="137" name="Gruppieren 136"/>
-          <p:cNvGrpSpPr/>
-          <p:nvPr/>
-        </p:nvGrpSpPr>
-        <p:grpSpPr>
-          <a:xfrm>
-            <a:off x="138890" y="3125995"/>
-            <a:ext cx="1526199" cy="624311"/>
-            <a:chOff x="5102680" y="856267"/>
-            <a:chExt cx="1526199" cy="624311"/>
-          </a:xfrm>
-        </p:grpSpPr>
-        <p:sp>
-          <p:nvSpPr>
-            <p:cNvPr id="138" name="Textfeld 137"/>
-            <p:cNvSpPr txBox="1"/>
-            <p:nvPr/>
-          </p:nvSpPr>
-          <p:spPr>
-            <a:xfrm>
-              <a:off x="5109272" y="1111246"/>
-              <a:ext cx="1519607" cy="369332"/>
-            </a:xfrm>
-            <a:prstGeom prst="rect">
-              <a:avLst/>
-            </a:prstGeom>
-            <a:noFill/>
-          </p:spPr>
-          <p:txBody>
-            <a:bodyPr wrap="square" rtlCol="0">
-              <a:spAutoFit/>
-            </a:bodyPr>
-            <a:lstStyle/>
-            <a:p>
-              <a:pPr algn="ctr"/>
-              <a:r>
-                <a:rPr lang="de-DE" dirty="0" smtClean="0"/>
-                <a:t>Kinder</a:t>
-              </a:r>
-              <a:endParaRPr lang="de-DE" dirty="0"/>
-            </a:p>
-          </p:txBody>
-        </p:sp>
-        <p:sp>
-          <p:nvSpPr>
-            <p:cNvPr id="139" name="Textfeld 138"/>
-            <p:cNvSpPr txBox="1"/>
-            <p:nvPr/>
-          </p:nvSpPr>
-          <p:spPr>
-            <a:xfrm>
-              <a:off x="5102680" y="856267"/>
-              <a:ext cx="1519607" cy="369332"/>
-            </a:xfrm>
-            <a:prstGeom prst="rect">
-              <a:avLst/>
-            </a:prstGeom>
-            <a:noFill/>
-          </p:spPr>
-          <p:txBody>
-            <a:bodyPr wrap="square" rtlCol="0">
-              <a:spAutoFit/>
-            </a:bodyPr>
-            <a:lstStyle/>
-            <a:p>
-              <a:pPr algn="ctr"/>
-              <a:r>
-                <a:rPr lang="de-DE" dirty="0" smtClean="0"/>
-                <a:t>Elternpfad</a:t>
-              </a:r>
-              <a:endParaRPr lang="de-DE" dirty="0"/>
-            </a:p>
-          </p:txBody>
-        </p:sp>
-      </p:grpSp>
-      <p:grpSp>
-        <p:nvGrpSpPr>
-          <p:cNvPr id="140" name="Gruppieren 139"/>
-          <p:cNvGrpSpPr/>
-          <p:nvPr/>
-        </p:nvGrpSpPr>
-        <p:grpSpPr>
-          <a:xfrm>
-            <a:off x="5109596" y="5316301"/>
-            <a:ext cx="1526199" cy="624311"/>
-            <a:chOff x="5102680" y="856267"/>
-            <a:chExt cx="1526199" cy="624311"/>
-          </a:xfrm>
-        </p:grpSpPr>
-        <p:sp>
-          <p:nvSpPr>
-            <p:cNvPr id="141" name="Textfeld 140"/>
-            <p:cNvSpPr txBox="1"/>
-            <p:nvPr/>
-          </p:nvSpPr>
-          <p:spPr>
-            <a:xfrm>
-              <a:off x="5109272" y="1111246"/>
-              <a:ext cx="1519607" cy="369332"/>
-            </a:xfrm>
-            <a:prstGeom prst="rect">
-              <a:avLst/>
-            </a:prstGeom>
-            <a:noFill/>
-          </p:spPr>
-          <p:txBody>
-            <a:bodyPr wrap="square" rtlCol="0">
-              <a:spAutoFit/>
-            </a:bodyPr>
-            <a:lstStyle/>
-            <a:p>
-              <a:pPr algn="ctr"/>
-              <a:r>
-                <a:rPr lang="de-DE" dirty="0" smtClean="0"/>
-                <a:t>Kinder</a:t>
-              </a:r>
-              <a:endParaRPr lang="de-DE" dirty="0"/>
-            </a:p>
-          </p:txBody>
-        </p:sp>
-        <p:sp>
-          <p:nvSpPr>
-            <p:cNvPr id="142" name="Textfeld 141"/>
-            <p:cNvSpPr txBox="1"/>
-            <p:nvPr/>
-          </p:nvSpPr>
-          <p:spPr>
-            <a:xfrm>
-              <a:off x="5102680" y="856267"/>
-              <a:ext cx="1519607" cy="369332"/>
-            </a:xfrm>
-            <a:prstGeom prst="rect">
-              <a:avLst/>
-            </a:prstGeom>
-            <a:noFill/>
-          </p:spPr>
-          <p:txBody>
-            <a:bodyPr wrap="square" rtlCol="0">
-              <a:spAutoFit/>
-            </a:bodyPr>
-            <a:lstStyle/>
-            <a:p>
-              <a:pPr algn="ctr"/>
-              <a:r>
-                <a:rPr lang="de-DE" dirty="0" smtClean="0"/>
-                <a:t>Elternpfad</a:t>
-              </a:r>
-              <a:endParaRPr lang="de-DE" dirty="0"/>
-            </a:p>
-          </p:txBody>
-        </p:sp>
-      </p:grpSp>
-      <p:grpSp>
-        <p:nvGrpSpPr>
-          <p:cNvPr id="143" name="Gruppieren 142"/>
-          <p:cNvGrpSpPr/>
-          <p:nvPr/>
-        </p:nvGrpSpPr>
-        <p:grpSpPr>
-          <a:xfrm>
-            <a:off x="116882" y="5324098"/>
-            <a:ext cx="1526199" cy="624311"/>
-            <a:chOff x="5102680" y="856267"/>
-            <a:chExt cx="1526199" cy="624311"/>
-          </a:xfrm>
-        </p:grpSpPr>
-        <p:sp>
-          <p:nvSpPr>
-            <p:cNvPr id="144" name="Textfeld 143"/>
-            <p:cNvSpPr txBox="1"/>
-            <p:nvPr/>
-          </p:nvSpPr>
-          <p:spPr>
-            <a:xfrm>
-              <a:off x="5109272" y="1111246"/>
-              <a:ext cx="1519607" cy="369332"/>
-            </a:xfrm>
-            <a:prstGeom prst="rect">
-              <a:avLst/>
-            </a:prstGeom>
-            <a:noFill/>
-          </p:spPr>
-          <p:txBody>
-            <a:bodyPr wrap="square" rtlCol="0">
-              <a:spAutoFit/>
-            </a:bodyPr>
-            <a:lstStyle/>
-            <a:p>
-              <a:pPr algn="ctr"/>
-              <a:r>
-                <a:rPr lang="de-DE" dirty="0" smtClean="0"/>
-                <a:t>Kinder</a:t>
-              </a:r>
-              <a:endParaRPr lang="de-DE" dirty="0"/>
-            </a:p>
-          </p:txBody>
-        </p:sp>
-        <p:sp>
-          <p:nvSpPr>
-            <p:cNvPr id="145" name="Textfeld 144"/>
-            <p:cNvSpPr txBox="1"/>
-            <p:nvPr/>
-          </p:nvSpPr>
-          <p:spPr>
-            <a:xfrm>
-              <a:off x="5102680" y="856267"/>
-              <a:ext cx="1519607" cy="369332"/>
-            </a:xfrm>
-            <a:prstGeom prst="rect">
-              <a:avLst/>
-            </a:prstGeom>
-            <a:noFill/>
-          </p:spPr>
-          <p:txBody>
-            <a:bodyPr wrap="square" rtlCol="0">
-              <a:spAutoFit/>
-            </a:bodyPr>
-            <a:lstStyle/>
-            <a:p>
-              <a:pPr algn="ctr"/>
-              <a:r>
-                <a:rPr lang="de-DE" dirty="0" smtClean="0"/>
-                <a:t>Elternpfad</a:t>
-              </a:r>
-              <a:endParaRPr lang="de-DE" dirty="0"/>
-            </a:p>
-          </p:txBody>
-        </p:sp>
-      </p:grpSp>
-      <p:grpSp>
-        <p:nvGrpSpPr>
-          <p:cNvPr id="146" name="Gruppieren 145"/>
-          <p:cNvGrpSpPr/>
-          <p:nvPr/>
-        </p:nvGrpSpPr>
-        <p:grpSpPr>
-          <a:xfrm>
-            <a:off x="7100818" y="5307082"/>
-            <a:ext cx="1526199" cy="624311"/>
-            <a:chOff x="5102680" y="856267"/>
-            <a:chExt cx="1526199" cy="624311"/>
-          </a:xfrm>
-        </p:grpSpPr>
-        <p:sp>
-          <p:nvSpPr>
-            <p:cNvPr id="147" name="Textfeld 146"/>
-            <p:cNvSpPr txBox="1"/>
-            <p:nvPr/>
-          </p:nvSpPr>
-          <p:spPr>
-            <a:xfrm>
-              <a:off x="5109272" y="1111246"/>
-              <a:ext cx="1519607" cy="369332"/>
-            </a:xfrm>
-            <a:prstGeom prst="rect">
-              <a:avLst/>
-            </a:prstGeom>
-            <a:noFill/>
-          </p:spPr>
-          <p:txBody>
-            <a:bodyPr wrap="square" rtlCol="0">
-              <a:spAutoFit/>
-            </a:bodyPr>
-            <a:lstStyle/>
-            <a:p>
-              <a:pPr algn="ctr"/>
-              <a:r>
-                <a:rPr lang="de-DE" dirty="0" smtClean="0"/>
-                <a:t>Kinder</a:t>
-              </a:r>
-              <a:endParaRPr lang="de-DE" dirty="0"/>
-            </a:p>
-          </p:txBody>
-        </p:sp>
-        <p:sp>
-          <p:nvSpPr>
-            <p:cNvPr id="148" name="Textfeld 147"/>
-            <p:cNvSpPr txBox="1"/>
-            <p:nvPr/>
-          </p:nvSpPr>
-          <p:spPr>
-            <a:xfrm>
-              <a:off x="5102680" y="856267"/>
-              <a:ext cx="1519607" cy="369332"/>
-            </a:xfrm>
-            <a:prstGeom prst="rect">
-              <a:avLst/>
-            </a:prstGeom>
-            <a:noFill/>
-          </p:spPr>
-          <p:txBody>
-            <a:bodyPr wrap="square" rtlCol="0">
-              <a:spAutoFit/>
-            </a:bodyPr>
-            <a:lstStyle/>
-            <a:p>
-              <a:pPr algn="ctr"/>
-              <a:r>
-                <a:rPr lang="de-DE" dirty="0" smtClean="0"/>
-                <a:t>Elternpfad</a:t>
-              </a:r>
-              <a:endParaRPr lang="de-DE" dirty="0"/>
-            </a:p>
-          </p:txBody>
-        </p:sp>
-      </p:grpSp>
-      <p:cxnSp>
-        <p:nvCxnSpPr>
-          <p:cNvPr id="9" name="Gerader Verbinder 8"/>
-          <p:cNvCxnSpPr>
-            <a:stCxn id="2" idx="2"/>
-            <a:endCxn id="68" idx="0"/>
-          </p:cNvCxnSpPr>
-          <p:nvPr/>
-        </p:nvCxnSpPr>
-        <p:spPr>
-          <a:xfrm flipH="1">
-            <a:off x="3796375" y="1502682"/>
-            <a:ext cx="2066109" cy="812717"/>
-          </a:xfrm>
-          <a:prstGeom prst="line">
-            <a:avLst/>
-          </a:prstGeom>
-          <a:ln w="25400">
-            <a:tailEnd type="none"/>
-          </a:ln>
-        </p:spPr>
-        <p:style>
-          <a:lnRef idx="1">
-            <a:schemeClr val="dk1"/>
-          </a:lnRef>
-          <a:fillRef idx="0">
-            <a:schemeClr val="dk1"/>
-          </a:fillRef>
-          <a:effectRef idx="0">
-            <a:schemeClr val="dk1"/>
-          </a:effectRef>
-          <a:fontRef idx="minor">
-            <a:schemeClr val="tx1"/>
-          </a:fontRef>
-        </p:style>
-      </p:cxnSp>
-      <p:sp>
-        <p:nvSpPr>
-          <p:cNvPr id="149" name="Rechteck 148"/>
-          <p:cNvSpPr/>
-          <p:nvPr/>
-        </p:nvSpPr>
-        <p:spPr>
-          <a:xfrm>
-            <a:off x="4822518" y="888145"/>
-            <a:ext cx="293670" cy="307777"/>
-          </a:xfrm>
-          <a:prstGeom prst="rect">
-            <a:avLst/>
-          </a:prstGeom>
-        </p:spPr>
-        <p:txBody>
-          <a:bodyPr wrap="none">
-            <a:spAutoFit/>
-          </a:bodyPr>
-          <a:lstStyle/>
-          <a:p>
-            <a:r>
-              <a:rPr lang="de-DE" sz="1400" i="1" dirty="0" smtClean="0">
-                <a:solidFill>
-                  <a:srgbClr val="0070C0"/>
-                </a:solidFill>
-              </a:rPr>
-              <a:t>[]</a:t>
-            </a:r>
-            <a:endParaRPr lang="de-DE" sz="1400" dirty="0"/>
-          </a:p>
-        </p:txBody>
-      </p:sp>
     </p:spTree>
     <p:extLst>
       <p:ext uri="{BB962C8B-B14F-4D97-AF65-F5344CB8AC3E}">

--- a/Dokumentation/Grafiken Unternehmensfähigkeiten.pptx
+++ b/Dokumentation/Grafiken Unternehmensfähigkeiten.pptx
@@ -291,7 +291,7 @@
           <a:p>
             <a:fld id="{D67E706E-9FFF-4B25-B31B-E494BA33FABA}" type="datetimeFigureOut">
               <a:rPr lang="de-DE" smtClean="0"/>
-              <a:t>27.12.2020</a:t>
+              <a:t>30.12.2020</a:t>
             </a:fld>
             <a:endParaRPr lang="de-DE"/>
           </a:p>
@@ -461,7 +461,7 @@
           <a:p>
             <a:fld id="{D67E706E-9FFF-4B25-B31B-E494BA33FABA}" type="datetimeFigureOut">
               <a:rPr lang="de-DE" smtClean="0"/>
-              <a:t>27.12.2020</a:t>
+              <a:t>30.12.2020</a:t>
             </a:fld>
             <a:endParaRPr lang="de-DE"/>
           </a:p>
@@ -641,7 +641,7 @@
           <a:p>
             <a:fld id="{D67E706E-9FFF-4B25-B31B-E494BA33FABA}" type="datetimeFigureOut">
               <a:rPr lang="de-DE" smtClean="0"/>
-              <a:t>27.12.2020</a:t>
+              <a:t>30.12.2020</a:t>
             </a:fld>
             <a:endParaRPr lang="de-DE"/>
           </a:p>
@@ -811,7 +811,7 @@
           <a:p>
             <a:fld id="{D67E706E-9FFF-4B25-B31B-E494BA33FABA}" type="datetimeFigureOut">
               <a:rPr lang="de-DE" smtClean="0"/>
-              <a:t>27.12.2020</a:t>
+              <a:t>30.12.2020</a:t>
             </a:fld>
             <a:endParaRPr lang="de-DE"/>
           </a:p>
@@ -1057,7 +1057,7 @@
           <a:p>
             <a:fld id="{D67E706E-9FFF-4B25-B31B-E494BA33FABA}" type="datetimeFigureOut">
               <a:rPr lang="de-DE" smtClean="0"/>
-              <a:t>27.12.2020</a:t>
+              <a:t>30.12.2020</a:t>
             </a:fld>
             <a:endParaRPr lang="de-DE"/>
           </a:p>
@@ -1289,7 +1289,7 @@
           <a:p>
             <a:fld id="{D67E706E-9FFF-4B25-B31B-E494BA33FABA}" type="datetimeFigureOut">
               <a:rPr lang="de-DE" smtClean="0"/>
-              <a:t>27.12.2020</a:t>
+              <a:t>30.12.2020</a:t>
             </a:fld>
             <a:endParaRPr lang="de-DE"/>
           </a:p>
@@ -1656,7 +1656,7 @@
           <a:p>
             <a:fld id="{D67E706E-9FFF-4B25-B31B-E494BA33FABA}" type="datetimeFigureOut">
               <a:rPr lang="de-DE" smtClean="0"/>
-              <a:t>27.12.2020</a:t>
+              <a:t>30.12.2020</a:t>
             </a:fld>
             <a:endParaRPr lang="de-DE"/>
           </a:p>
@@ -1774,7 +1774,7 @@
           <a:p>
             <a:fld id="{D67E706E-9FFF-4B25-B31B-E494BA33FABA}" type="datetimeFigureOut">
               <a:rPr lang="de-DE" smtClean="0"/>
-              <a:t>27.12.2020</a:t>
+              <a:t>30.12.2020</a:t>
             </a:fld>
             <a:endParaRPr lang="de-DE"/>
           </a:p>
@@ -1869,7 +1869,7 @@
           <a:p>
             <a:fld id="{D67E706E-9FFF-4B25-B31B-E494BA33FABA}" type="datetimeFigureOut">
               <a:rPr lang="de-DE" smtClean="0"/>
-              <a:t>27.12.2020</a:t>
+              <a:t>30.12.2020</a:t>
             </a:fld>
             <a:endParaRPr lang="de-DE"/>
           </a:p>
@@ -2146,7 +2146,7 @@
           <a:p>
             <a:fld id="{D67E706E-9FFF-4B25-B31B-E494BA33FABA}" type="datetimeFigureOut">
               <a:rPr lang="de-DE" smtClean="0"/>
-              <a:t>27.12.2020</a:t>
+              <a:t>30.12.2020</a:t>
             </a:fld>
             <a:endParaRPr lang="de-DE"/>
           </a:p>
@@ -2399,7 +2399,7 @@
           <a:p>
             <a:fld id="{D67E706E-9FFF-4B25-B31B-E494BA33FABA}" type="datetimeFigureOut">
               <a:rPr lang="de-DE" smtClean="0"/>
-              <a:t>27.12.2020</a:t>
+              <a:t>30.12.2020</a:t>
             </a:fld>
             <a:endParaRPr lang="de-DE"/>
           </a:p>
@@ -2612,7 +2612,7 @@
           <a:p>
             <a:fld id="{D67E706E-9FFF-4B25-B31B-E494BA33FABA}" type="datetimeFigureOut">
               <a:rPr lang="de-DE" smtClean="0"/>
-              <a:t>27.12.2020</a:t>
+              <a:t>30.12.2020</a:t>
             </a:fld>
             <a:endParaRPr lang="de-DE"/>
           </a:p>
@@ -4841,10 +4841,10 @@
         </p:nvGrpSpPr>
         <p:grpSpPr>
           <a:xfrm>
-            <a:off x="334963" y="161594"/>
-            <a:ext cx="9415023" cy="6149888"/>
-            <a:chOff x="334963" y="161594"/>
-            <a:chExt cx="9415023" cy="6149888"/>
+            <a:off x="333104" y="161594"/>
+            <a:ext cx="9416882" cy="6149888"/>
+            <a:chOff x="333104" y="161594"/>
+            <a:chExt cx="9416882" cy="6149888"/>
           </a:xfrm>
         </p:grpSpPr>
         <p:grpSp>
@@ -4916,7 +4916,7 @@
             <p:spPr>
               <a:xfrm>
                 <a:off x="1772653" y="561474"/>
-                <a:ext cx="1532792" cy="307777"/>
+                <a:ext cx="1532792" cy="523220"/>
               </a:xfrm>
               <a:prstGeom prst="rect">
                 <a:avLst/>
@@ -4931,16 +4931,16 @@
               <a:p>
                 <a:pPr algn="ctr"/>
                 <a:r>
-                  <a:rPr lang="de-DE" sz="1400" dirty="0" err="1"/>
-                  <a:t>s</a:t>
-                </a:r>
-                <a:r>
                   <a:rPr lang="de-DE" sz="1400" dirty="0" err="1" smtClean="0"/>
-                  <a:t>peicherdaten</a:t>
+                  <a:t>speicherelement</a:t>
                 </a:r>
                 <a:r>
                   <a:rPr lang="de-DE" sz="1400" dirty="0" smtClean="0"/>
-                  <a:t> = {}</a:t>
+                  <a:t> </a:t>
+                </a:r>
+                <a:r>
+                  <a:rPr lang="de-DE" sz="1400" dirty="0" smtClean="0"/>
+                  <a:t>= {}</a:t>
                 </a:r>
                 <a:endParaRPr lang="de-DE" sz="1400" dirty="0"/>
               </a:p>
@@ -5047,7 +5047,7 @@
             <p:spPr>
               <a:xfrm>
                 <a:off x="1772653" y="561474"/>
-                <a:ext cx="1532792" cy="954107"/>
+                <a:ext cx="1532792" cy="738664"/>
               </a:xfrm>
               <a:prstGeom prst="rect">
                 <a:avLst/>
@@ -5063,15 +5063,11 @@
                 <a:pPr algn="ctr"/>
                 <a:r>
                   <a:rPr lang="de-DE" sz="1400" dirty="0" err="1" smtClean="0"/>
-                  <a:t>schluessel_ein</a:t>
+                  <a:t>schluessel</a:t>
                 </a:r>
                 <a:r>
                   <a:rPr lang="de-DE" sz="1400" dirty="0" smtClean="0"/>
-                  <a:t> = </a:t>
-                </a:r>
-                <a:r>
-                  <a:rPr lang="de-DE" sz="1400" dirty="0" err="1" smtClean="0"/>
-                  <a:t>schluessel</a:t>
+                  <a:t> = „“ </a:t>
                 </a:r>
                 <a:endParaRPr lang="de-DE" sz="1400" dirty="0"/>
               </a:p>
@@ -5098,8 +5094,8 @@
           </p:nvSpPr>
           <p:spPr>
             <a:xfrm>
-              <a:off x="334963" y="2277532"/>
-              <a:ext cx="3337709" cy="369332"/>
+              <a:off x="333104" y="2277532"/>
+              <a:ext cx="1534651" cy="369332"/>
             </a:xfrm>
             <a:prstGeom prst="rect">
               <a:avLst/>
@@ -5115,23 +5111,7 @@
               <a:pPr algn="ctr"/>
               <a:r>
                 <a:rPr lang="de-DE" dirty="0" smtClean="0"/>
-                <a:t>Speicherelement (</a:t>
-              </a:r>
-              <a:r>
-                <a:rPr lang="de-DE" dirty="0" err="1" smtClean="0"/>
-                <a:t>self</a:t>
-              </a:r>
-              <a:r>
-                <a:rPr lang="de-DE" dirty="0" smtClean="0"/>
-                <a:t>, </a:t>
-              </a:r>
-              <a:r>
-                <a:rPr lang="de-DE" dirty="0" err="1" smtClean="0"/>
-                <a:t>schluessel</a:t>
-              </a:r>
-              <a:r>
-                <a:rPr lang="de-DE" dirty="0" smtClean="0"/>
-                <a:t>)</a:t>
+                <a:t>Speicherdaten</a:t>
               </a:r>
               <a:endParaRPr lang="de-DE" dirty="0"/>
             </a:p>
@@ -5222,12 +5202,21 @@
                 <a:pPr algn="ctr"/>
                 <a:r>
                   <a:rPr lang="de-DE" sz="1400" dirty="0" err="1" smtClean="0"/>
-                  <a:t>speicherelement</a:t>
+                  <a:t>speicherdaten</a:t>
                 </a:r>
                 <a:r>
                   <a:rPr lang="de-DE" sz="1400" dirty="0" smtClean="0"/>
-                  <a:t> = None</a:t>
+                  <a:t> </a:t>
                 </a:r>
+                <a:r>
+                  <a:rPr lang="de-DE" sz="1400" dirty="0" smtClean="0"/>
+                  <a:t>= </a:t>
+                </a:r>
+                <a:r>
+                  <a:rPr lang="de-DE" sz="1400" dirty="0" smtClean="0"/>
+                  <a:t>Speicherdaten</a:t>
+                </a:r>
+                <a:endParaRPr lang="de-DE" sz="1400" dirty="0" smtClean="0"/>
               </a:p>
               <a:p>
                 <a:pPr algn="ctr"/>
@@ -5295,7 +5284,7 @@
           <p:spPr>
             <a:xfrm>
               <a:off x="4612105" y="176017"/>
-              <a:ext cx="5137881" cy="4801314"/>
+              <a:ext cx="5137881" cy="5632311"/>
             </a:xfrm>
             <a:prstGeom prst="rect">
               <a:avLst/>
@@ -5310,8 +5299,13 @@
             <a:p>
               <a:r>
                 <a:rPr lang="de-DE" b="1" dirty="0" smtClean="0"/>
-                <a:t>Zugriff auf Ressource:</a:t>
+                <a:t>Zugriff auf </a:t>
               </a:r>
+              <a:r>
+                <a:rPr lang="de-DE" b="1" dirty="0" smtClean="0"/>
+                <a:t>Speicherobjekt:</a:t>
+              </a:r>
+              <a:endParaRPr lang="de-DE" b="1" dirty="0" smtClean="0"/>
             </a:p>
             <a:p>
               <a:r>
@@ -5329,8 +5323,13 @@
             <a:p>
               <a:r>
                 <a:rPr lang="de-DE" b="1" dirty="0" smtClean="0"/>
-                <a:t>Zugriff auf Speicherelement der Ressource:</a:t>
+                <a:t>Zugriff auf </a:t>
               </a:r>
+              <a:r>
+                <a:rPr lang="de-DE" b="1" dirty="0" smtClean="0"/>
+                <a:t>Speicherdaten des Speicherobjekts:</a:t>
+              </a:r>
+              <a:endParaRPr lang="de-DE" b="1" dirty="0" smtClean="0"/>
             </a:p>
             <a:p>
               <a:r>
@@ -5339,7 +5338,7 @@
                     <a:srgbClr val="0070C0"/>
                   </a:solidFill>
                 </a:rPr>
-                <a:t>Baum.speicherelement</a:t>
+                <a:t>Baum.speicherdaten</a:t>
               </a:r>
               <a:endParaRPr lang="de-DE" dirty="0" smtClean="0">
                 <a:solidFill>
@@ -5353,8 +5352,13 @@
             <a:p>
               <a:r>
                 <a:rPr lang="de-DE" b="1" dirty="0" smtClean="0"/>
-                <a:t>Zugriff auf Kinder der Ressource:</a:t>
+                <a:t>Zugriff auf Kinder </a:t>
               </a:r>
+              <a:r>
+                <a:rPr lang="de-DE" b="1" dirty="0" smtClean="0"/>
+                <a:t>des Speicherobjekts:</a:t>
+              </a:r>
+              <a:endParaRPr lang="de-DE" b="1" dirty="0" smtClean="0"/>
             </a:p>
             <a:p>
               <a:r>
@@ -5377,8 +5381,13 @@
             <a:p>
               <a:r>
                 <a:rPr lang="de-DE" b="1" dirty="0" smtClean="0"/>
-                <a:t>Zugriff auf Elternpfad der Ressource:</a:t>
+                <a:t>Zugriff auf Elternpfad </a:t>
               </a:r>
+              <a:r>
+                <a:rPr lang="de-DE" b="1" dirty="0" smtClean="0"/>
+                <a:t>des Speicherobjekts:</a:t>
+              </a:r>
+              <a:endParaRPr lang="de-DE" b="1" dirty="0" smtClean="0"/>
             </a:p>
             <a:p>
               <a:r>
@@ -5401,7 +5410,7 @@
             <a:p>
               <a:r>
                 <a:rPr lang="de-DE" b="1" dirty="0" smtClean="0"/>
-                <a:t>Zugriff auf Speicherinhalt des Speicherelements:</a:t>
+                <a:t>Zugriff auf Schlüssel des Speicherobjekts</a:t>
               </a:r>
             </a:p>
             <a:p>
@@ -5411,7 +5420,36 @@
                     <a:srgbClr val="0070C0"/>
                   </a:solidFill>
                 </a:rPr>
-                <a:t>Baum.speicherelement.speicherinhalt</a:t>
+                <a:t>Baum.speicherdaten.schluessel</a:t>
+              </a:r>
+              <a:endParaRPr lang="de-DE" b="1" dirty="0" smtClean="0"/>
+            </a:p>
+            <a:p>
+              <a:endParaRPr lang="de-DE" b="1" dirty="0"/>
+            </a:p>
+            <a:p>
+              <a:r>
+                <a:rPr lang="de-DE" b="1" dirty="0" smtClean="0"/>
+                <a:t>Zugriff </a:t>
+              </a:r>
+              <a:r>
+                <a:rPr lang="de-DE" b="1" dirty="0" smtClean="0"/>
+                <a:t>auf Speicherinhalt des </a:t>
+              </a:r>
+              <a:r>
+                <a:rPr lang="de-DE" b="1" dirty="0" smtClean="0"/>
+                <a:t>Speicherobjekts:</a:t>
+              </a:r>
+              <a:endParaRPr lang="de-DE" b="1" dirty="0" smtClean="0"/>
+            </a:p>
+            <a:p>
+              <a:r>
+                <a:rPr lang="de-DE" dirty="0" err="1" smtClean="0">
+                  <a:solidFill>
+                    <a:srgbClr val="0070C0"/>
+                  </a:solidFill>
+                </a:rPr>
+                <a:t>Baum.speicherdaten.speicherinhalt</a:t>
               </a:r>
               <a:endParaRPr lang="de-DE" dirty="0" smtClean="0">
                 <a:solidFill>
@@ -5425,8 +5463,13 @@
             <a:p>
               <a:r>
                 <a:rPr lang="de-DE" b="1" dirty="0" smtClean="0"/>
-                <a:t>Zugriff auf Speicherdaten:</a:t>
+                <a:t>Zugriff auf </a:t>
               </a:r>
+              <a:r>
+                <a:rPr lang="de-DE" b="1" dirty="0" smtClean="0"/>
+                <a:t>Speicherelement:</a:t>
+              </a:r>
+              <a:endParaRPr lang="de-DE" b="1" dirty="0" smtClean="0"/>
             </a:p>
             <a:p>
               <a:r>
@@ -5435,7 +5478,7 @@
                     <a:srgbClr val="0070C0"/>
                   </a:solidFill>
                 </a:rPr>
-                <a:t>Baum.speicherelement.speicherinhalt.speicherdaten</a:t>
+                <a:t>Baum.speicherdaten.speicherinhalt.speicherelement</a:t>
               </a:r>
               <a:endParaRPr lang="de-DE" dirty="0"/>
             </a:p>
@@ -5474,7 +5517,7 @@
       </p:grpSpPr>
       <p:grpSp>
         <p:nvGrpSpPr>
-          <p:cNvPr id="5" name="Gruppieren 4"/>
+          <p:cNvPr id="12" name="Gruppieren 11"/>
           <p:cNvGrpSpPr/>
           <p:nvPr/>
         </p:nvGrpSpPr>
@@ -5486,1098 +5529,6 @@
             <a:chExt cx="12105251" cy="6400004"/>
           </a:xfrm>
         </p:grpSpPr>
-        <p:grpSp>
-          <p:nvGrpSpPr>
-            <p:cNvPr id="11" name="Gruppieren 10"/>
-            <p:cNvGrpSpPr/>
-            <p:nvPr/>
-          </p:nvGrpSpPr>
-          <p:grpSpPr>
-            <a:xfrm>
-              <a:off x="5096088" y="58893"/>
-              <a:ext cx="1532792" cy="1443789"/>
-              <a:chOff x="1772653" y="561474"/>
-              <a:chExt cx="1532792" cy="1443789"/>
-            </a:xfrm>
-          </p:grpSpPr>
-          <p:sp>
-            <p:nvSpPr>
-              <p:cNvPr id="2" name="Rechteck 1"/>
-              <p:cNvSpPr/>
-              <p:nvPr/>
-            </p:nvSpPr>
-            <p:spPr>
-              <a:xfrm>
-                <a:off x="1772653" y="561474"/>
-                <a:ext cx="1532792" cy="1443789"/>
-              </a:xfrm>
-              <a:prstGeom prst="rect">
-                <a:avLst/>
-              </a:prstGeom>
-              <a:noFill/>
-              <a:ln w="25400">
-                <a:solidFill>
-                  <a:schemeClr val="tx1"/>
-                </a:solidFill>
-              </a:ln>
-            </p:spPr>
-            <p:style>
-              <a:lnRef idx="2">
-                <a:schemeClr val="accent1">
-                  <a:shade val="50000"/>
-                </a:schemeClr>
-              </a:lnRef>
-              <a:fillRef idx="1">
-                <a:schemeClr val="accent1"/>
-              </a:fillRef>
-              <a:effectRef idx="0">
-                <a:schemeClr val="accent1"/>
-              </a:effectRef>
-              <a:fontRef idx="minor">
-                <a:schemeClr val="lt1"/>
-              </a:fontRef>
-            </p:style>
-            <p:txBody>
-              <a:bodyPr rtlCol="0" anchor="ctr"/>
-              <a:lstStyle/>
-              <a:p>
-                <a:pPr algn="ctr"/>
-                <a:endParaRPr lang="de-DE"/>
-              </a:p>
-            </p:txBody>
-          </p:sp>
-          <p:cxnSp>
-            <p:nvCxnSpPr>
-              <p:cNvPr id="6" name="Gerader Verbinder 5"/>
-              <p:cNvCxnSpPr/>
-              <p:nvPr/>
-            </p:nvCxnSpPr>
-            <p:spPr>
-              <a:xfrm>
-                <a:off x="1772653" y="945229"/>
-                <a:ext cx="1532792" cy="7681"/>
-              </a:xfrm>
-              <a:prstGeom prst="line">
-                <a:avLst/>
-              </a:prstGeom>
-              <a:ln w="25400">
-                <a:tailEnd type="none"/>
-              </a:ln>
-            </p:spPr>
-            <p:style>
-              <a:lnRef idx="1">
-                <a:schemeClr val="dk1"/>
-              </a:lnRef>
-              <a:fillRef idx="0">
-                <a:schemeClr val="dk1"/>
-              </a:fillRef>
-              <a:effectRef idx="0">
-                <a:schemeClr val="dk1"/>
-              </a:effectRef>
-              <a:fontRef idx="minor">
-                <a:schemeClr val="tx1"/>
-              </a:fontRef>
-            </p:style>
-          </p:cxnSp>
-          <p:sp>
-            <p:nvSpPr>
-              <p:cNvPr id="7" name="Textfeld 6"/>
-              <p:cNvSpPr txBox="1"/>
-              <p:nvPr/>
-            </p:nvSpPr>
-            <p:spPr>
-              <a:xfrm>
-                <a:off x="1772653" y="561474"/>
-                <a:ext cx="1532792" cy="369332"/>
-              </a:xfrm>
-              <a:prstGeom prst="rect">
-                <a:avLst/>
-              </a:prstGeom>
-              <a:noFill/>
-            </p:spPr>
-            <p:txBody>
-              <a:bodyPr wrap="square" rtlCol="0">
-                <a:spAutoFit/>
-              </a:bodyPr>
-              <a:lstStyle/>
-              <a:p>
-                <a:pPr algn="ctr"/>
-                <a:r>
-                  <a:rPr lang="de-DE" dirty="0" smtClean="0"/>
-                  <a:t>Schlüssel</a:t>
-                </a:r>
-                <a:endParaRPr lang="de-DE" dirty="0"/>
-              </a:p>
-            </p:txBody>
-          </p:sp>
-          <p:sp>
-            <p:nvSpPr>
-              <p:cNvPr id="8" name="Textfeld 7"/>
-              <p:cNvSpPr txBox="1"/>
-              <p:nvPr/>
-            </p:nvSpPr>
-            <p:spPr>
-              <a:xfrm>
-                <a:off x="1772653" y="967333"/>
-                <a:ext cx="1532792" cy="369332"/>
-              </a:xfrm>
-              <a:prstGeom prst="rect">
-                <a:avLst/>
-              </a:prstGeom>
-              <a:noFill/>
-            </p:spPr>
-            <p:txBody>
-              <a:bodyPr wrap="none" rtlCol="0">
-                <a:spAutoFit/>
-              </a:bodyPr>
-              <a:lstStyle/>
-              <a:p>
-                <a:pPr algn="ctr"/>
-                <a:r>
-                  <a:rPr lang="de-DE" dirty="0" smtClean="0"/>
-                  <a:t>Speicherinhalt</a:t>
-                </a:r>
-                <a:endParaRPr lang="de-DE" dirty="0"/>
-              </a:p>
-            </p:txBody>
-          </p:sp>
-        </p:grpSp>
-        <p:grpSp>
-          <p:nvGrpSpPr>
-            <p:cNvPr id="17" name="Gruppieren 16"/>
-            <p:cNvGrpSpPr/>
-            <p:nvPr/>
-          </p:nvGrpSpPr>
-          <p:grpSpPr>
-            <a:xfrm>
-              <a:off x="122054" y="2328700"/>
-              <a:ext cx="1532792" cy="1443789"/>
-              <a:chOff x="1772653" y="561474"/>
-              <a:chExt cx="1532792" cy="1443789"/>
-            </a:xfrm>
-          </p:grpSpPr>
-          <p:sp>
-            <p:nvSpPr>
-              <p:cNvPr id="20" name="Rechteck 19"/>
-              <p:cNvSpPr/>
-              <p:nvPr/>
-            </p:nvSpPr>
-            <p:spPr>
-              <a:xfrm>
-                <a:off x="1772653" y="561474"/>
-                <a:ext cx="1532792" cy="1443789"/>
-              </a:xfrm>
-              <a:prstGeom prst="rect">
-                <a:avLst/>
-              </a:prstGeom>
-              <a:noFill/>
-              <a:ln w="25400">
-                <a:solidFill>
-                  <a:schemeClr val="tx1"/>
-                </a:solidFill>
-              </a:ln>
-            </p:spPr>
-            <p:style>
-              <a:lnRef idx="2">
-                <a:schemeClr val="accent1">
-                  <a:shade val="50000"/>
-                </a:schemeClr>
-              </a:lnRef>
-              <a:fillRef idx="1">
-                <a:schemeClr val="accent1"/>
-              </a:fillRef>
-              <a:effectRef idx="0">
-                <a:schemeClr val="accent1"/>
-              </a:effectRef>
-              <a:fontRef idx="minor">
-                <a:schemeClr val="lt1"/>
-              </a:fontRef>
-            </p:style>
-            <p:txBody>
-              <a:bodyPr rtlCol="0" anchor="ctr"/>
-              <a:lstStyle/>
-              <a:p>
-                <a:pPr algn="ctr"/>
-                <a:endParaRPr lang="de-DE"/>
-              </a:p>
-            </p:txBody>
-          </p:sp>
-          <p:cxnSp>
-            <p:nvCxnSpPr>
-              <p:cNvPr id="21" name="Gerader Verbinder 20"/>
-              <p:cNvCxnSpPr/>
-              <p:nvPr/>
-            </p:nvCxnSpPr>
-            <p:spPr>
-              <a:xfrm>
-                <a:off x="1772653" y="945229"/>
-                <a:ext cx="1532792" cy="7681"/>
-              </a:xfrm>
-              <a:prstGeom prst="line">
-                <a:avLst/>
-              </a:prstGeom>
-              <a:ln w="25400">
-                <a:tailEnd type="none"/>
-              </a:ln>
-            </p:spPr>
-            <p:style>
-              <a:lnRef idx="1">
-                <a:schemeClr val="dk1"/>
-              </a:lnRef>
-              <a:fillRef idx="0">
-                <a:schemeClr val="dk1"/>
-              </a:fillRef>
-              <a:effectRef idx="0">
-                <a:schemeClr val="dk1"/>
-              </a:effectRef>
-              <a:fontRef idx="minor">
-                <a:schemeClr val="tx1"/>
-              </a:fontRef>
-            </p:style>
-          </p:cxnSp>
-          <p:sp>
-            <p:nvSpPr>
-              <p:cNvPr id="22" name="Textfeld 21"/>
-              <p:cNvSpPr txBox="1"/>
-              <p:nvPr/>
-            </p:nvSpPr>
-            <p:spPr>
-              <a:xfrm>
-                <a:off x="1772653" y="561474"/>
-                <a:ext cx="1532792" cy="369332"/>
-              </a:xfrm>
-              <a:prstGeom prst="rect">
-                <a:avLst/>
-              </a:prstGeom>
-              <a:noFill/>
-            </p:spPr>
-            <p:txBody>
-              <a:bodyPr wrap="square" rtlCol="0">
-                <a:spAutoFit/>
-              </a:bodyPr>
-              <a:lstStyle/>
-              <a:p>
-                <a:pPr algn="ctr"/>
-                <a:r>
-                  <a:rPr lang="de-DE" dirty="0" smtClean="0"/>
-                  <a:t>Schlüssel</a:t>
-                </a:r>
-                <a:endParaRPr lang="de-DE" dirty="0"/>
-              </a:p>
-            </p:txBody>
-          </p:sp>
-          <p:sp>
-            <p:nvSpPr>
-              <p:cNvPr id="23" name="Textfeld 22"/>
-              <p:cNvSpPr txBox="1"/>
-              <p:nvPr/>
-            </p:nvSpPr>
-            <p:spPr>
-              <a:xfrm>
-                <a:off x="1772653" y="967333"/>
-                <a:ext cx="1532792" cy="369332"/>
-              </a:xfrm>
-              <a:prstGeom prst="rect">
-                <a:avLst/>
-              </a:prstGeom>
-              <a:noFill/>
-            </p:spPr>
-            <p:txBody>
-              <a:bodyPr wrap="none" rtlCol="0">
-                <a:spAutoFit/>
-              </a:bodyPr>
-              <a:lstStyle/>
-              <a:p>
-                <a:pPr algn="ctr"/>
-                <a:r>
-                  <a:rPr lang="de-DE" dirty="0" smtClean="0"/>
-                  <a:t>Speicherinhalt</a:t>
-                </a:r>
-                <a:endParaRPr lang="de-DE" dirty="0"/>
-              </a:p>
-            </p:txBody>
-          </p:sp>
-        </p:grpSp>
-        <p:grpSp>
-          <p:nvGrpSpPr>
-            <p:cNvPr id="33" name="Gruppieren 32"/>
-            <p:cNvGrpSpPr/>
-            <p:nvPr/>
-          </p:nvGrpSpPr>
-          <p:grpSpPr>
-            <a:xfrm>
-              <a:off x="7058104" y="4486530"/>
-              <a:ext cx="1532792" cy="1443789"/>
-              <a:chOff x="1772653" y="561474"/>
-              <a:chExt cx="1532792" cy="1443789"/>
-            </a:xfrm>
-          </p:grpSpPr>
-          <p:sp>
-            <p:nvSpPr>
-              <p:cNvPr id="36" name="Rechteck 35"/>
-              <p:cNvSpPr/>
-              <p:nvPr/>
-            </p:nvSpPr>
-            <p:spPr>
-              <a:xfrm>
-                <a:off x="1772653" y="561474"/>
-                <a:ext cx="1532792" cy="1443789"/>
-              </a:xfrm>
-              <a:prstGeom prst="rect">
-                <a:avLst/>
-              </a:prstGeom>
-              <a:noFill/>
-              <a:ln w="25400">
-                <a:solidFill>
-                  <a:schemeClr val="tx1"/>
-                </a:solidFill>
-              </a:ln>
-            </p:spPr>
-            <p:style>
-              <a:lnRef idx="2">
-                <a:schemeClr val="accent1">
-                  <a:shade val="50000"/>
-                </a:schemeClr>
-              </a:lnRef>
-              <a:fillRef idx="1">
-                <a:schemeClr val="accent1"/>
-              </a:fillRef>
-              <a:effectRef idx="0">
-                <a:schemeClr val="accent1"/>
-              </a:effectRef>
-              <a:fontRef idx="minor">
-                <a:schemeClr val="lt1"/>
-              </a:fontRef>
-            </p:style>
-            <p:txBody>
-              <a:bodyPr rtlCol="0" anchor="ctr"/>
-              <a:lstStyle/>
-              <a:p>
-                <a:pPr algn="ctr"/>
-                <a:endParaRPr lang="de-DE"/>
-              </a:p>
-            </p:txBody>
-          </p:sp>
-          <p:cxnSp>
-            <p:nvCxnSpPr>
-              <p:cNvPr id="37" name="Gerader Verbinder 36"/>
-              <p:cNvCxnSpPr/>
-              <p:nvPr/>
-            </p:nvCxnSpPr>
-            <p:spPr>
-              <a:xfrm>
-                <a:off x="1772653" y="945229"/>
-                <a:ext cx="1532792" cy="7681"/>
-              </a:xfrm>
-              <a:prstGeom prst="line">
-                <a:avLst/>
-              </a:prstGeom>
-              <a:ln w="25400">
-                <a:tailEnd type="none"/>
-              </a:ln>
-            </p:spPr>
-            <p:style>
-              <a:lnRef idx="1">
-                <a:schemeClr val="dk1"/>
-              </a:lnRef>
-              <a:fillRef idx="0">
-                <a:schemeClr val="dk1"/>
-              </a:fillRef>
-              <a:effectRef idx="0">
-                <a:schemeClr val="dk1"/>
-              </a:effectRef>
-              <a:fontRef idx="minor">
-                <a:schemeClr val="tx1"/>
-              </a:fontRef>
-            </p:style>
-          </p:cxnSp>
-          <p:sp>
-            <p:nvSpPr>
-              <p:cNvPr id="38" name="Textfeld 37"/>
-              <p:cNvSpPr txBox="1"/>
-              <p:nvPr/>
-            </p:nvSpPr>
-            <p:spPr>
-              <a:xfrm>
-                <a:off x="1772653" y="561474"/>
-                <a:ext cx="1532792" cy="369332"/>
-              </a:xfrm>
-              <a:prstGeom prst="rect">
-                <a:avLst/>
-              </a:prstGeom>
-              <a:noFill/>
-            </p:spPr>
-            <p:txBody>
-              <a:bodyPr wrap="square" rtlCol="0">
-                <a:spAutoFit/>
-              </a:bodyPr>
-              <a:lstStyle/>
-              <a:p>
-                <a:pPr algn="ctr"/>
-                <a:r>
-                  <a:rPr lang="de-DE" dirty="0" smtClean="0"/>
-                  <a:t>Schlüssel</a:t>
-                </a:r>
-                <a:endParaRPr lang="de-DE" dirty="0"/>
-              </a:p>
-            </p:txBody>
-          </p:sp>
-          <p:sp>
-            <p:nvSpPr>
-              <p:cNvPr id="39" name="Textfeld 38"/>
-              <p:cNvSpPr txBox="1"/>
-              <p:nvPr/>
-            </p:nvSpPr>
-            <p:spPr>
-              <a:xfrm>
-                <a:off x="1772653" y="967333"/>
-                <a:ext cx="1532792" cy="369332"/>
-              </a:xfrm>
-              <a:prstGeom prst="rect">
-                <a:avLst/>
-              </a:prstGeom>
-              <a:noFill/>
-            </p:spPr>
-            <p:txBody>
-              <a:bodyPr wrap="none" rtlCol="0">
-                <a:spAutoFit/>
-              </a:bodyPr>
-              <a:lstStyle/>
-              <a:p>
-                <a:pPr algn="ctr"/>
-                <a:r>
-                  <a:rPr lang="de-DE" dirty="0" smtClean="0"/>
-                  <a:t>Speicherinhalt</a:t>
-                </a:r>
-                <a:endParaRPr lang="de-DE" dirty="0"/>
-              </a:p>
-            </p:txBody>
-          </p:sp>
-        </p:grpSp>
-        <p:grpSp>
-          <p:nvGrpSpPr>
-            <p:cNvPr id="41" name="Gruppieren 40"/>
-            <p:cNvGrpSpPr/>
-            <p:nvPr/>
-          </p:nvGrpSpPr>
-          <p:grpSpPr>
-            <a:xfrm>
-              <a:off x="5124465" y="4490346"/>
-              <a:ext cx="1532792" cy="1443789"/>
-              <a:chOff x="1772653" y="561474"/>
-              <a:chExt cx="1532792" cy="1443789"/>
-            </a:xfrm>
-          </p:grpSpPr>
-          <p:sp>
-            <p:nvSpPr>
-              <p:cNvPr id="44" name="Rechteck 43"/>
-              <p:cNvSpPr/>
-              <p:nvPr/>
-            </p:nvSpPr>
-            <p:spPr>
-              <a:xfrm>
-                <a:off x="1772653" y="561474"/>
-                <a:ext cx="1532792" cy="1443789"/>
-              </a:xfrm>
-              <a:prstGeom prst="rect">
-                <a:avLst/>
-              </a:prstGeom>
-              <a:noFill/>
-              <a:ln w="25400">
-                <a:solidFill>
-                  <a:schemeClr val="tx1"/>
-                </a:solidFill>
-              </a:ln>
-            </p:spPr>
-            <p:style>
-              <a:lnRef idx="2">
-                <a:schemeClr val="accent1">
-                  <a:shade val="50000"/>
-                </a:schemeClr>
-              </a:lnRef>
-              <a:fillRef idx="1">
-                <a:schemeClr val="accent1"/>
-              </a:fillRef>
-              <a:effectRef idx="0">
-                <a:schemeClr val="accent1"/>
-              </a:effectRef>
-              <a:fontRef idx="minor">
-                <a:schemeClr val="lt1"/>
-              </a:fontRef>
-            </p:style>
-            <p:txBody>
-              <a:bodyPr rtlCol="0" anchor="ctr"/>
-              <a:lstStyle/>
-              <a:p>
-                <a:pPr algn="ctr"/>
-                <a:endParaRPr lang="de-DE"/>
-              </a:p>
-            </p:txBody>
-          </p:sp>
-          <p:cxnSp>
-            <p:nvCxnSpPr>
-              <p:cNvPr id="45" name="Gerader Verbinder 44"/>
-              <p:cNvCxnSpPr/>
-              <p:nvPr/>
-            </p:nvCxnSpPr>
-            <p:spPr>
-              <a:xfrm>
-                <a:off x="1772653" y="945229"/>
-                <a:ext cx="1532792" cy="7681"/>
-              </a:xfrm>
-              <a:prstGeom prst="line">
-                <a:avLst/>
-              </a:prstGeom>
-              <a:ln w="25400">
-                <a:tailEnd type="none"/>
-              </a:ln>
-            </p:spPr>
-            <p:style>
-              <a:lnRef idx="1">
-                <a:schemeClr val="dk1"/>
-              </a:lnRef>
-              <a:fillRef idx="0">
-                <a:schemeClr val="dk1"/>
-              </a:fillRef>
-              <a:effectRef idx="0">
-                <a:schemeClr val="dk1"/>
-              </a:effectRef>
-              <a:fontRef idx="minor">
-                <a:schemeClr val="tx1"/>
-              </a:fontRef>
-            </p:style>
-          </p:cxnSp>
-          <p:sp>
-            <p:nvSpPr>
-              <p:cNvPr id="46" name="Textfeld 45"/>
-              <p:cNvSpPr txBox="1"/>
-              <p:nvPr/>
-            </p:nvSpPr>
-            <p:spPr>
-              <a:xfrm>
-                <a:off x="1772653" y="561474"/>
-                <a:ext cx="1532792" cy="369332"/>
-              </a:xfrm>
-              <a:prstGeom prst="rect">
-                <a:avLst/>
-              </a:prstGeom>
-              <a:noFill/>
-            </p:spPr>
-            <p:txBody>
-              <a:bodyPr wrap="square" rtlCol="0">
-                <a:spAutoFit/>
-              </a:bodyPr>
-              <a:lstStyle/>
-              <a:p>
-                <a:pPr algn="ctr"/>
-                <a:r>
-                  <a:rPr lang="de-DE" dirty="0" smtClean="0"/>
-                  <a:t>Schlüssel</a:t>
-                </a:r>
-                <a:endParaRPr lang="de-DE" dirty="0"/>
-              </a:p>
-            </p:txBody>
-          </p:sp>
-          <p:sp>
-            <p:nvSpPr>
-              <p:cNvPr id="47" name="Textfeld 46"/>
-              <p:cNvSpPr txBox="1"/>
-              <p:nvPr/>
-            </p:nvSpPr>
-            <p:spPr>
-              <a:xfrm>
-                <a:off x="1772653" y="967333"/>
-                <a:ext cx="1532792" cy="369332"/>
-              </a:xfrm>
-              <a:prstGeom prst="rect">
-                <a:avLst/>
-              </a:prstGeom>
-              <a:noFill/>
-            </p:spPr>
-            <p:txBody>
-              <a:bodyPr wrap="none" rtlCol="0">
-                <a:spAutoFit/>
-              </a:bodyPr>
-              <a:lstStyle/>
-              <a:p>
-                <a:pPr algn="ctr"/>
-                <a:r>
-                  <a:rPr lang="de-DE" dirty="0" smtClean="0"/>
-                  <a:t>Speicherinhalt</a:t>
-                </a:r>
-                <a:endParaRPr lang="de-DE" dirty="0"/>
-              </a:p>
-            </p:txBody>
-          </p:sp>
-        </p:grpSp>
-        <p:grpSp>
-          <p:nvGrpSpPr>
-            <p:cNvPr id="49" name="Gruppieren 48"/>
-            <p:cNvGrpSpPr/>
-            <p:nvPr/>
-          </p:nvGrpSpPr>
-          <p:grpSpPr>
-            <a:xfrm>
-              <a:off x="113586" y="4508500"/>
-              <a:ext cx="1532792" cy="1443789"/>
-              <a:chOff x="1772653" y="561474"/>
-              <a:chExt cx="1532792" cy="1443789"/>
-            </a:xfrm>
-          </p:grpSpPr>
-          <p:sp>
-            <p:nvSpPr>
-              <p:cNvPr id="52" name="Rechteck 51"/>
-              <p:cNvSpPr/>
-              <p:nvPr/>
-            </p:nvSpPr>
-            <p:spPr>
-              <a:xfrm>
-                <a:off x="1772653" y="561474"/>
-                <a:ext cx="1532792" cy="1443789"/>
-              </a:xfrm>
-              <a:prstGeom prst="rect">
-                <a:avLst/>
-              </a:prstGeom>
-              <a:noFill/>
-              <a:ln w="25400">
-                <a:solidFill>
-                  <a:schemeClr val="tx1"/>
-                </a:solidFill>
-              </a:ln>
-            </p:spPr>
-            <p:style>
-              <a:lnRef idx="2">
-                <a:schemeClr val="accent1">
-                  <a:shade val="50000"/>
-                </a:schemeClr>
-              </a:lnRef>
-              <a:fillRef idx="1">
-                <a:schemeClr val="accent1"/>
-              </a:fillRef>
-              <a:effectRef idx="0">
-                <a:schemeClr val="accent1"/>
-              </a:effectRef>
-              <a:fontRef idx="minor">
-                <a:schemeClr val="lt1"/>
-              </a:fontRef>
-            </p:style>
-            <p:txBody>
-              <a:bodyPr rtlCol="0" anchor="ctr"/>
-              <a:lstStyle/>
-              <a:p>
-                <a:pPr algn="ctr"/>
-                <a:endParaRPr lang="de-DE"/>
-              </a:p>
-            </p:txBody>
-          </p:sp>
-          <p:cxnSp>
-            <p:nvCxnSpPr>
-              <p:cNvPr id="53" name="Gerader Verbinder 52"/>
-              <p:cNvCxnSpPr/>
-              <p:nvPr/>
-            </p:nvCxnSpPr>
-            <p:spPr>
-              <a:xfrm>
-                <a:off x="1772653" y="945229"/>
-                <a:ext cx="1532792" cy="7681"/>
-              </a:xfrm>
-              <a:prstGeom prst="line">
-                <a:avLst/>
-              </a:prstGeom>
-              <a:ln w="25400">
-                <a:tailEnd type="none"/>
-              </a:ln>
-            </p:spPr>
-            <p:style>
-              <a:lnRef idx="1">
-                <a:schemeClr val="dk1"/>
-              </a:lnRef>
-              <a:fillRef idx="0">
-                <a:schemeClr val="dk1"/>
-              </a:fillRef>
-              <a:effectRef idx="0">
-                <a:schemeClr val="dk1"/>
-              </a:effectRef>
-              <a:fontRef idx="minor">
-                <a:schemeClr val="tx1"/>
-              </a:fontRef>
-            </p:style>
-          </p:cxnSp>
-          <p:sp>
-            <p:nvSpPr>
-              <p:cNvPr id="54" name="Textfeld 53"/>
-              <p:cNvSpPr txBox="1"/>
-              <p:nvPr/>
-            </p:nvSpPr>
-            <p:spPr>
-              <a:xfrm>
-                <a:off x="1772653" y="561474"/>
-                <a:ext cx="1532792" cy="369332"/>
-              </a:xfrm>
-              <a:prstGeom prst="rect">
-                <a:avLst/>
-              </a:prstGeom>
-              <a:noFill/>
-            </p:spPr>
-            <p:txBody>
-              <a:bodyPr wrap="square" rtlCol="0">
-                <a:spAutoFit/>
-              </a:bodyPr>
-              <a:lstStyle/>
-              <a:p>
-                <a:pPr algn="ctr"/>
-                <a:r>
-                  <a:rPr lang="de-DE" dirty="0" smtClean="0"/>
-                  <a:t>Schlüssel</a:t>
-                </a:r>
-                <a:endParaRPr lang="de-DE" dirty="0"/>
-              </a:p>
-            </p:txBody>
-          </p:sp>
-          <p:sp>
-            <p:nvSpPr>
-              <p:cNvPr id="55" name="Textfeld 54"/>
-              <p:cNvSpPr txBox="1"/>
-              <p:nvPr/>
-            </p:nvSpPr>
-            <p:spPr>
-              <a:xfrm>
-                <a:off x="1772653" y="967333"/>
-                <a:ext cx="1532792" cy="369332"/>
-              </a:xfrm>
-              <a:prstGeom prst="rect">
-                <a:avLst/>
-              </a:prstGeom>
-              <a:noFill/>
-            </p:spPr>
-            <p:txBody>
-              <a:bodyPr wrap="none" rtlCol="0">
-                <a:spAutoFit/>
-              </a:bodyPr>
-              <a:lstStyle/>
-              <a:p>
-                <a:pPr algn="ctr"/>
-                <a:r>
-                  <a:rPr lang="de-DE" dirty="0" smtClean="0"/>
-                  <a:t>Speicherinhalt</a:t>
-                </a:r>
-                <a:endParaRPr lang="de-DE" dirty="0"/>
-              </a:p>
-            </p:txBody>
-          </p:sp>
-        </p:grpSp>
-        <p:grpSp>
-          <p:nvGrpSpPr>
-            <p:cNvPr id="57" name="Gruppieren 56"/>
-            <p:cNvGrpSpPr/>
-            <p:nvPr/>
-          </p:nvGrpSpPr>
-          <p:grpSpPr>
-            <a:xfrm>
-              <a:off x="6018767" y="2327721"/>
-              <a:ext cx="1532792" cy="1443789"/>
-              <a:chOff x="1772653" y="561474"/>
-              <a:chExt cx="1532792" cy="1443789"/>
-            </a:xfrm>
-          </p:grpSpPr>
-          <p:sp>
-            <p:nvSpPr>
-              <p:cNvPr id="60" name="Rechteck 59"/>
-              <p:cNvSpPr/>
-              <p:nvPr/>
-            </p:nvSpPr>
-            <p:spPr>
-              <a:xfrm>
-                <a:off x="1772653" y="561474"/>
-                <a:ext cx="1532792" cy="1443789"/>
-              </a:xfrm>
-              <a:prstGeom prst="rect">
-                <a:avLst/>
-              </a:prstGeom>
-              <a:noFill/>
-              <a:ln w="25400">
-                <a:solidFill>
-                  <a:schemeClr val="tx1"/>
-                </a:solidFill>
-              </a:ln>
-            </p:spPr>
-            <p:style>
-              <a:lnRef idx="2">
-                <a:schemeClr val="accent1">
-                  <a:shade val="50000"/>
-                </a:schemeClr>
-              </a:lnRef>
-              <a:fillRef idx="1">
-                <a:schemeClr val="accent1"/>
-              </a:fillRef>
-              <a:effectRef idx="0">
-                <a:schemeClr val="accent1"/>
-              </a:effectRef>
-              <a:fontRef idx="minor">
-                <a:schemeClr val="lt1"/>
-              </a:fontRef>
-            </p:style>
-            <p:txBody>
-              <a:bodyPr rtlCol="0" anchor="ctr"/>
-              <a:lstStyle/>
-              <a:p>
-                <a:pPr algn="ctr"/>
-                <a:endParaRPr lang="de-DE"/>
-              </a:p>
-            </p:txBody>
-          </p:sp>
-          <p:cxnSp>
-            <p:nvCxnSpPr>
-              <p:cNvPr id="61" name="Gerader Verbinder 60"/>
-              <p:cNvCxnSpPr/>
-              <p:nvPr/>
-            </p:nvCxnSpPr>
-            <p:spPr>
-              <a:xfrm>
-                <a:off x="1772653" y="945229"/>
-                <a:ext cx="1532792" cy="7681"/>
-              </a:xfrm>
-              <a:prstGeom prst="line">
-                <a:avLst/>
-              </a:prstGeom>
-              <a:ln w="25400">
-                <a:tailEnd type="none"/>
-              </a:ln>
-            </p:spPr>
-            <p:style>
-              <a:lnRef idx="1">
-                <a:schemeClr val="dk1"/>
-              </a:lnRef>
-              <a:fillRef idx="0">
-                <a:schemeClr val="dk1"/>
-              </a:fillRef>
-              <a:effectRef idx="0">
-                <a:schemeClr val="dk1"/>
-              </a:effectRef>
-              <a:fontRef idx="minor">
-                <a:schemeClr val="tx1"/>
-              </a:fontRef>
-            </p:style>
-          </p:cxnSp>
-          <p:sp>
-            <p:nvSpPr>
-              <p:cNvPr id="62" name="Textfeld 61"/>
-              <p:cNvSpPr txBox="1"/>
-              <p:nvPr/>
-            </p:nvSpPr>
-            <p:spPr>
-              <a:xfrm>
-                <a:off x="1772653" y="561474"/>
-                <a:ext cx="1532792" cy="369332"/>
-              </a:xfrm>
-              <a:prstGeom prst="rect">
-                <a:avLst/>
-              </a:prstGeom>
-              <a:noFill/>
-            </p:spPr>
-            <p:txBody>
-              <a:bodyPr wrap="square" rtlCol="0">
-                <a:spAutoFit/>
-              </a:bodyPr>
-              <a:lstStyle/>
-              <a:p>
-                <a:pPr algn="ctr"/>
-                <a:r>
-                  <a:rPr lang="de-DE" dirty="0" smtClean="0"/>
-                  <a:t>Schlüssel</a:t>
-                </a:r>
-                <a:endParaRPr lang="de-DE" dirty="0"/>
-              </a:p>
-            </p:txBody>
-          </p:sp>
-          <p:sp>
-            <p:nvSpPr>
-              <p:cNvPr id="63" name="Textfeld 62"/>
-              <p:cNvSpPr txBox="1"/>
-              <p:nvPr/>
-            </p:nvSpPr>
-            <p:spPr>
-              <a:xfrm>
-                <a:off x="1772653" y="967333"/>
-                <a:ext cx="1532792" cy="369332"/>
-              </a:xfrm>
-              <a:prstGeom prst="rect">
-                <a:avLst/>
-              </a:prstGeom>
-              <a:noFill/>
-            </p:spPr>
-            <p:txBody>
-              <a:bodyPr wrap="none" rtlCol="0">
-                <a:spAutoFit/>
-              </a:bodyPr>
-              <a:lstStyle/>
-              <a:p>
-                <a:pPr algn="ctr"/>
-                <a:r>
-                  <a:rPr lang="de-DE" dirty="0" smtClean="0"/>
-                  <a:t>Speicherinhalt</a:t>
-                </a:r>
-                <a:endParaRPr lang="de-DE" dirty="0"/>
-              </a:p>
-            </p:txBody>
-          </p:sp>
-        </p:grpSp>
-        <p:grpSp>
-          <p:nvGrpSpPr>
-            <p:cNvPr id="65" name="Gruppieren 64"/>
-            <p:cNvGrpSpPr/>
-            <p:nvPr/>
-          </p:nvGrpSpPr>
-          <p:grpSpPr>
-            <a:xfrm>
-              <a:off x="3029979" y="2315399"/>
-              <a:ext cx="1532792" cy="1443789"/>
-              <a:chOff x="1772653" y="561474"/>
-              <a:chExt cx="1532792" cy="1443789"/>
-            </a:xfrm>
-          </p:grpSpPr>
-          <p:sp>
-            <p:nvSpPr>
-              <p:cNvPr id="68" name="Rechteck 67"/>
-              <p:cNvSpPr/>
-              <p:nvPr/>
-            </p:nvSpPr>
-            <p:spPr>
-              <a:xfrm>
-                <a:off x="1772653" y="561474"/>
-                <a:ext cx="1532792" cy="1443789"/>
-              </a:xfrm>
-              <a:prstGeom prst="rect">
-                <a:avLst/>
-              </a:prstGeom>
-              <a:noFill/>
-              <a:ln w="25400">
-                <a:solidFill>
-                  <a:schemeClr val="tx1"/>
-                </a:solidFill>
-              </a:ln>
-            </p:spPr>
-            <p:style>
-              <a:lnRef idx="2">
-                <a:schemeClr val="accent1">
-                  <a:shade val="50000"/>
-                </a:schemeClr>
-              </a:lnRef>
-              <a:fillRef idx="1">
-                <a:schemeClr val="accent1"/>
-              </a:fillRef>
-              <a:effectRef idx="0">
-                <a:schemeClr val="accent1"/>
-              </a:effectRef>
-              <a:fontRef idx="minor">
-                <a:schemeClr val="lt1"/>
-              </a:fontRef>
-            </p:style>
-            <p:txBody>
-              <a:bodyPr rtlCol="0" anchor="ctr"/>
-              <a:lstStyle/>
-              <a:p>
-                <a:pPr algn="ctr"/>
-                <a:endParaRPr lang="de-DE"/>
-              </a:p>
-            </p:txBody>
-          </p:sp>
-          <p:cxnSp>
-            <p:nvCxnSpPr>
-              <p:cNvPr id="69" name="Gerader Verbinder 68"/>
-              <p:cNvCxnSpPr/>
-              <p:nvPr/>
-            </p:nvCxnSpPr>
-            <p:spPr>
-              <a:xfrm>
-                <a:off x="1772653" y="945229"/>
-                <a:ext cx="1532792" cy="7681"/>
-              </a:xfrm>
-              <a:prstGeom prst="line">
-                <a:avLst/>
-              </a:prstGeom>
-              <a:ln w="25400">
-                <a:tailEnd type="none"/>
-              </a:ln>
-            </p:spPr>
-            <p:style>
-              <a:lnRef idx="1">
-                <a:schemeClr val="dk1"/>
-              </a:lnRef>
-              <a:fillRef idx="0">
-                <a:schemeClr val="dk1"/>
-              </a:fillRef>
-              <a:effectRef idx="0">
-                <a:schemeClr val="dk1"/>
-              </a:effectRef>
-              <a:fontRef idx="minor">
-                <a:schemeClr val="tx1"/>
-              </a:fontRef>
-            </p:style>
-          </p:cxnSp>
-          <p:sp>
-            <p:nvSpPr>
-              <p:cNvPr id="70" name="Textfeld 69"/>
-              <p:cNvSpPr txBox="1"/>
-              <p:nvPr/>
-            </p:nvSpPr>
-            <p:spPr>
-              <a:xfrm>
-                <a:off x="1772653" y="561474"/>
-                <a:ext cx="1532792" cy="369332"/>
-              </a:xfrm>
-              <a:prstGeom prst="rect">
-                <a:avLst/>
-              </a:prstGeom>
-              <a:noFill/>
-            </p:spPr>
-            <p:txBody>
-              <a:bodyPr wrap="square" rtlCol="0">
-                <a:spAutoFit/>
-              </a:bodyPr>
-              <a:lstStyle/>
-              <a:p>
-                <a:pPr algn="ctr"/>
-                <a:r>
-                  <a:rPr lang="de-DE" dirty="0" smtClean="0"/>
-                  <a:t>Schlüssel</a:t>
-                </a:r>
-                <a:endParaRPr lang="de-DE" dirty="0"/>
-              </a:p>
-            </p:txBody>
-          </p:sp>
-          <p:sp>
-            <p:nvSpPr>
-              <p:cNvPr id="71" name="Textfeld 70"/>
-              <p:cNvSpPr txBox="1"/>
-              <p:nvPr/>
-            </p:nvSpPr>
-            <p:spPr>
-              <a:xfrm>
-                <a:off x="1772653" y="967333"/>
-                <a:ext cx="1532792" cy="369332"/>
-              </a:xfrm>
-              <a:prstGeom prst="rect">
-                <a:avLst/>
-              </a:prstGeom>
-              <a:noFill/>
-            </p:spPr>
-            <p:txBody>
-              <a:bodyPr wrap="none" rtlCol="0">
-                <a:spAutoFit/>
-              </a:bodyPr>
-              <a:lstStyle/>
-              <a:p>
-                <a:pPr algn="ctr"/>
-                <a:r>
-                  <a:rPr lang="de-DE" dirty="0" smtClean="0"/>
-                  <a:t>Speicherinhalt</a:t>
-                </a:r>
-                <a:endParaRPr lang="de-DE" dirty="0"/>
-              </a:p>
-            </p:txBody>
-          </p:sp>
-        </p:grpSp>
         <p:cxnSp>
           <p:nvCxnSpPr>
             <p:cNvPr id="73" name="Gerader Verbinder 72"/>
@@ -6691,7 +5642,6 @@
             <p:cNvPr id="81" name="Gerader Verbinder 80"/>
             <p:cNvCxnSpPr>
               <a:stCxn id="60" idx="2"/>
-              <a:endCxn id="44" idx="0"/>
             </p:cNvCxnSpPr>
             <p:nvPr/>
           </p:nvCxnSpPr>
@@ -7723,542 +6673,251 @@
         </p:sp>
         <p:grpSp>
           <p:nvGrpSpPr>
-            <p:cNvPr id="3" name="Gruppieren 2"/>
+            <p:cNvPr id="10" name="Gruppieren 9"/>
             <p:cNvGrpSpPr/>
             <p:nvPr/>
           </p:nvGrpSpPr>
           <p:grpSpPr>
             <a:xfrm>
-              <a:off x="5102680" y="856267"/>
-              <a:ext cx="1526199" cy="624311"/>
-              <a:chOff x="5102680" y="856267"/>
-              <a:chExt cx="1526199" cy="624311"/>
+              <a:off x="122054" y="2328700"/>
+              <a:ext cx="1543035" cy="1443789"/>
+              <a:chOff x="122054" y="2328700"/>
+              <a:chExt cx="1543035" cy="1443789"/>
             </a:xfrm>
           </p:grpSpPr>
-          <p:sp>
-            <p:nvSpPr>
-              <p:cNvPr id="13" name="Textfeld 12"/>
-              <p:cNvSpPr txBox="1"/>
+          <p:grpSp>
+            <p:nvGrpSpPr>
+              <p:cNvPr id="17" name="Gruppieren 16"/>
+              <p:cNvGrpSpPr/>
               <p:nvPr/>
-            </p:nvSpPr>
-            <p:spPr>
+            </p:nvGrpSpPr>
+            <p:grpSpPr>
               <a:xfrm>
-                <a:off x="5109272" y="1111246"/>
-                <a:ext cx="1519607" cy="369332"/>
+                <a:off x="122054" y="2328700"/>
+                <a:ext cx="1532792" cy="1443789"/>
+                <a:chOff x="1772653" y="561474"/>
+                <a:chExt cx="1532792" cy="1443789"/>
               </a:xfrm>
-              <a:prstGeom prst="rect">
-                <a:avLst/>
-              </a:prstGeom>
-              <a:noFill/>
-            </p:spPr>
-            <p:txBody>
-              <a:bodyPr wrap="square" rtlCol="0">
-                <a:spAutoFit/>
-              </a:bodyPr>
-              <a:lstStyle/>
-              <a:p>
-                <a:pPr algn="ctr"/>
-                <a:r>
-                  <a:rPr lang="de-DE" dirty="0" smtClean="0"/>
-                  <a:t>Kinder</a:t>
-                </a:r>
-                <a:endParaRPr lang="de-DE" dirty="0"/>
-              </a:p>
-            </p:txBody>
-          </p:sp>
-          <p:sp>
-            <p:nvSpPr>
-              <p:cNvPr id="130" name="Textfeld 129"/>
-              <p:cNvSpPr txBox="1"/>
+            </p:grpSpPr>
+            <p:sp>
+              <p:nvSpPr>
+                <p:cNvPr id="20" name="Rechteck 19"/>
+                <p:cNvSpPr/>
+                <p:nvPr/>
+              </p:nvSpPr>
+              <p:spPr>
+                <a:xfrm>
+                  <a:off x="1772653" y="561474"/>
+                  <a:ext cx="1532792" cy="1443789"/>
+                </a:xfrm>
+                <a:prstGeom prst="rect">
+                  <a:avLst/>
+                </a:prstGeom>
+                <a:noFill/>
+                <a:ln w="25400">
+                  <a:solidFill>
+                    <a:schemeClr val="tx1"/>
+                  </a:solidFill>
+                </a:ln>
+              </p:spPr>
+              <p:style>
+                <a:lnRef idx="2">
+                  <a:schemeClr val="accent1">
+                    <a:shade val="50000"/>
+                  </a:schemeClr>
+                </a:lnRef>
+                <a:fillRef idx="1">
+                  <a:schemeClr val="accent1"/>
+                </a:fillRef>
+                <a:effectRef idx="0">
+                  <a:schemeClr val="accent1"/>
+                </a:effectRef>
+                <a:fontRef idx="minor">
+                  <a:schemeClr val="lt1"/>
+                </a:fontRef>
+              </p:style>
+              <p:txBody>
+                <a:bodyPr rtlCol="0" anchor="ctr"/>
+                <a:lstStyle/>
+                <a:p>
+                  <a:pPr algn="ctr"/>
+                  <a:endParaRPr lang="de-DE"/>
+                </a:p>
+              </p:txBody>
+            </p:sp>
+            <p:cxnSp>
+              <p:nvCxnSpPr>
+                <p:cNvPr id="21" name="Gerader Verbinder 20"/>
+                <p:cNvCxnSpPr/>
+                <p:nvPr/>
+              </p:nvCxnSpPr>
+              <p:spPr>
+                <a:xfrm>
+                  <a:off x="1772653" y="1274293"/>
+                  <a:ext cx="1532792" cy="7681"/>
+                </a:xfrm>
+                <a:prstGeom prst="line">
+                  <a:avLst/>
+                </a:prstGeom>
+                <a:ln w="25400">
+                  <a:tailEnd type="none"/>
+                </a:ln>
+              </p:spPr>
+              <p:style>
+                <a:lnRef idx="1">
+                  <a:schemeClr val="dk1"/>
+                </a:lnRef>
+                <a:fillRef idx="0">
+                  <a:schemeClr val="dk1"/>
+                </a:fillRef>
+                <a:effectRef idx="0">
+                  <a:schemeClr val="dk1"/>
+                </a:effectRef>
+                <a:fontRef idx="minor">
+                  <a:schemeClr val="tx1"/>
+                </a:fontRef>
+              </p:style>
+            </p:cxnSp>
+            <p:sp>
+              <p:nvSpPr>
+                <p:cNvPr id="22" name="Textfeld 21"/>
+                <p:cNvSpPr txBox="1"/>
+                <p:nvPr/>
+              </p:nvSpPr>
+              <p:spPr>
+                <a:xfrm>
+                  <a:off x="1772653" y="561474"/>
+                  <a:ext cx="1532792" cy="369332"/>
+                </a:xfrm>
+                <a:prstGeom prst="rect">
+                  <a:avLst/>
+                </a:prstGeom>
+                <a:noFill/>
+              </p:spPr>
+              <p:txBody>
+                <a:bodyPr wrap="square" rtlCol="0">
+                  <a:spAutoFit/>
+                </a:bodyPr>
+                <a:lstStyle/>
+                <a:p>
+                  <a:pPr algn="ctr"/>
+                  <a:r>
+                    <a:rPr lang="de-DE" dirty="0" smtClean="0"/>
+                    <a:t>Schlüssel</a:t>
+                  </a:r>
+                  <a:endParaRPr lang="de-DE" dirty="0"/>
+                </a:p>
+              </p:txBody>
+            </p:sp>
+            <p:sp>
+              <p:nvSpPr>
+                <p:cNvPr id="23" name="Textfeld 22"/>
+                <p:cNvSpPr txBox="1"/>
+                <p:nvPr/>
+              </p:nvSpPr>
+              <p:spPr>
+                <a:xfrm>
+                  <a:off x="1772653" y="856185"/>
+                  <a:ext cx="1532792" cy="369332"/>
+                </a:xfrm>
+                <a:prstGeom prst="rect">
+                  <a:avLst/>
+                </a:prstGeom>
+                <a:noFill/>
+              </p:spPr>
+              <p:txBody>
+                <a:bodyPr wrap="none" rtlCol="0">
+                  <a:spAutoFit/>
+                </a:bodyPr>
+                <a:lstStyle/>
+                <a:p>
+                  <a:pPr algn="ctr"/>
+                  <a:r>
+                    <a:rPr lang="de-DE" dirty="0" smtClean="0"/>
+                    <a:t>Speicherinhalt</a:t>
+                  </a:r>
+                  <a:endParaRPr lang="de-DE" dirty="0"/>
+                </a:p>
+              </p:txBody>
+            </p:sp>
+          </p:grpSp>
+          <p:grpSp>
+            <p:nvGrpSpPr>
+              <p:cNvPr id="137" name="Gruppieren 136"/>
+              <p:cNvGrpSpPr/>
               <p:nvPr/>
-            </p:nvSpPr>
-            <p:spPr>
+            </p:nvGrpSpPr>
+            <p:grpSpPr>
               <a:xfrm>
-                <a:off x="5102680" y="856267"/>
-                <a:ext cx="1519607" cy="369332"/>
+                <a:off x="141831" y="3061718"/>
+                <a:ext cx="1523258" cy="688588"/>
+                <a:chOff x="5105621" y="791990"/>
+                <a:chExt cx="1523258" cy="688588"/>
               </a:xfrm>
-              <a:prstGeom prst="rect">
-                <a:avLst/>
-              </a:prstGeom>
-              <a:noFill/>
-            </p:spPr>
-            <p:txBody>
-              <a:bodyPr wrap="square" rtlCol="0">
-                <a:spAutoFit/>
-              </a:bodyPr>
-              <a:lstStyle/>
-              <a:p>
-                <a:pPr algn="ctr"/>
-                <a:r>
-                  <a:rPr lang="de-DE" dirty="0" smtClean="0"/>
-                  <a:t>Elternpfad</a:t>
-                </a:r>
-                <a:endParaRPr lang="de-DE" dirty="0"/>
-              </a:p>
-            </p:txBody>
-          </p:sp>
-        </p:grpSp>
-        <p:grpSp>
-          <p:nvGrpSpPr>
-            <p:cNvPr id="131" name="Gruppieren 130"/>
-            <p:cNvGrpSpPr/>
-            <p:nvPr/>
-          </p:nvGrpSpPr>
-          <p:grpSpPr>
-            <a:xfrm>
-              <a:off x="3033275" y="3119555"/>
-              <a:ext cx="1526199" cy="624311"/>
-              <a:chOff x="5102680" y="856267"/>
-              <a:chExt cx="1526199" cy="624311"/>
-            </a:xfrm>
-          </p:grpSpPr>
-          <p:sp>
-            <p:nvSpPr>
-              <p:cNvPr id="132" name="Textfeld 131"/>
-              <p:cNvSpPr txBox="1"/>
-              <p:nvPr/>
-            </p:nvSpPr>
-            <p:spPr>
-              <a:xfrm>
-                <a:off x="5109272" y="1111246"/>
-                <a:ext cx="1519607" cy="369332"/>
-              </a:xfrm>
-              <a:prstGeom prst="rect">
-                <a:avLst/>
-              </a:prstGeom>
-              <a:noFill/>
-            </p:spPr>
-            <p:txBody>
-              <a:bodyPr wrap="square" rtlCol="0">
-                <a:spAutoFit/>
-              </a:bodyPr>
-              <a:lstStyle/>
-              <a:p>
-                <a:pPr algn="ctr"/>
-                <a:r>
-                  <a:rPr lang="de-DE" dirty="0" smtClean="0"/>
-                  <a:t>Kinder</a:t>
-                </a:r>
-                <a:endParaRPr lang="de-DE" dirty="0"/>
-              </a:p>
-            </p:txBody>
-          </p:sp>
-          <p:sp>
-            <p:nvSpPr>
-              <p:cNvPr id="133" name="Textfeld 132"/>
-              <p:cNvSpPr txBox="1"/>
-              <p:nvPr/>
-            </p:nvSpPr>
-            <p:spPr>
-              <a:xfrm>
-                <a:off x="5102680" y="856267"/>
-                <a:ext cx="1519607" cy="369332"/>
-              </a:xfrm>
-              <a:prstGeom prst="rect">
-                <a:avLst/>
-              </a:prstGeom>
-              <a:noFill/>
-            </p:spPr>
-            <p:txBody>
-              <a:bodyPr wrap="square" rtlCol="0">
-                <a:spAutoFit/>
-              </a:bodyPr>
-              <a:lstStyle/>
-              <a:p>
-                <a:pPr algn="ctr"/>
-                <a:r>
-                  <a:rPr lang="de-DE" dirty="0" smtClean="0"/>
-                  <a:t>Elternpfad</a:t>
-                </a:r>
-                <a:endParaRPr lang="de-DE" dirty="0"/>
-              </a:p>
-            </p:txBody>
-          </p:sp>
-        </p:grpSp>
-        <p:grpSp>
-          <p:nvGrpSpPr>
-            <p:cNvPr id="134" name="Gruppieren 133"/>
-            <p:cNvGrpSpPr/>
-            <p:nvPr/>
-          </p:nvGrpSpPr>
-          <p:grpSpPr>
-            <a:xfrm>
-              <a:off x="6031404" y="3147795"/>
-              <a:ext cx="1526199" cy="624311"/>
-              <a:chOff x="5102680" y="856267"/>
-              <a:chExt cx="1526199" cy="624311"/>
-            </a:xfrm>
-          </p:grpSpPr>
-          <p:sp>
-            <p:nvSpPr>
-              <p:cNvPr id="135" name="Textfeld 134"/>
-              <p:cNvSpPr txBox="1"/>
-              <p:nvPr/>
-            </p:nvSpPr>
-            <p:spPr>
-              <a:xfrm>
-                <a:off x="5109272" y="1111246"/>
-                <a:ext cx="1519607" cy="369332"/>
-              </a:xfrm>
-              <a:prstGeom prst="rect">
-                <a:avLst/>
-              </a:prstGeom>
-              <a:noFill/>
-            </p:spPr>
-            <p:txBody>
-              <a:bodyPr wrap="square" rtlCol="0">
-                <a:spAutoFit/>
-              </a:bodyPr>
-              <a:lstStyle/>
-              <a:p>
-                <a:pPr algn="ctr"/>
-                <a:r>
-                  <a:rPr lang="de-DE" dirty="0" smtClean="0"/>
-                  <a:t>Kinder</a:t>
-                </a:r>
-                <a:endParaRPr lang="de-DE" dirty="0"/>
-              </a:p>
-            </p:txBody>
-          </p:sp>
-          <p:sp>
-            <p:nvSpPr>
-              <p:cNvPr id="136" name="Textfeld 135"/>
-              <p:cNvSpPr txBox="1"/>
-              <p:nvPr/>
-            </p:nvSpPr>
-            <p:spPr>
-              <a:xfrm>
-                <a:off x="5102680" y="856267"/>
-                <a:ext cx="1519607" cy="369332"/>
-              </a:xfrm>
-              <a:prstGeom prst="rect">
-                <a:avLst/>
-              </a:prstGeom>
-              <a:noFill/>
-            </p:spPr>
-            <p:txBody>
-              <a:bodyPr wrap="square" rtlCol="0">
-                <a:spAutoFit/>
-              </a:bodyPr>
-              <a:lstStyle/>
-              <a:p>
-                <a:pPr algn="ctr"/>
-                <a:r>
-                  <a:rPr lang="de-DE" dirty="0" smtClean="0"/>
-                  <a:t>Elternpfad</a:t>
-                </a:r>
-                <a:endParaRPr lang="de-DE" dirty="0"/>
-              </a:p>
-            </p:txBody>
-          </p:sp>
-        </p:grpSp>
-        <p:grpSp>
-          <p:nvGrpSpPr>
-            <p:cNvPr id="137" name="Gruppieren 136"/>
-            <p:cNvGrpSpPr/>
-            <p:nvPr/>
-          </p:nvGrpSpPr>
-          <p:grpSpPr>
-            <a:xfrm>
-              <a:off x="138890" y="3125995"/>
-              <a:ext cx="1526199" cy="624311"/>
-              <a:chOff x="5102680" y="856267"/>
-              <a:chExt cx="1526199" cy="624311"/>
-            </a:xfrm>
-          </p:grpSpPr>
-          <p:sp>
-            <p:nvSpPr>
-              <p:cNvPr id="138" name="Textfeld 137"/>
-              <p:cNvSpPr txBox="1"/>
-              <p:nvPr/>
-            </p:nvSpPr>
-            <p:spPr>
-              <a:xfrm>
-                <a:off x="5109272" y="1111246"/>
-                <a:ext cx="1519607" cy="369332"/>
-              </a:xfrm>
-              <a:prstGeom prst="rect">
-                <a:avLst/>
-              </a:prstGeom>
-              <a:noFill/>
-            </p:spPr>
-            <p:txBody>
-              <a:bodyPr wrap="square" rtlCol="0">
-                <a:spAutoFit/>
-              </a:bodyPr>
-              <a:lstStyle/>
-              <a:p>
-                <a:pPr algn="ctr"/>
-                <a:r>
-                  <a:rPr lang="de-DE" dirty="0" smtClean="0"/>
-                  <a:t>Kinder</a:t>
-                </a:r>
-                <a:endParaRPr lang="de-DE" dirty="0"/>
-              </a:p>
-            </p:txBody>
-          </p:sp>
-          <p:sp>
-            <p:nvSpPr>
-              <p:cNvPr id="139" name="Textfeld 138"/>
-              <p:cNvSpPr txBox="1"/>
-              <p:nvPr/>
-            </p:nvSpPr>
-            <p:spPr>
-              <a:xfrm>
-                <a:off x="5102680" y="856267"/>
-                <a:ext cx="1519607" cy="369332"/>
-              </a:xfrm>
-              <a:prstGeom prst="rect">
-                <a:avLst/>
-              </a:prstGeom>
-              <a:noFill/>
-            </p:spPr>
-            <p:txBody>
-              <a:bodyPr wrap="square" rtlCol="0">
-                <a:spAutoFit/>
-              </a:bodyPr>
-              <a:lstStyle/>
-              <a:p>
-                <a:pPr algn="ctr"/>
-                <a:r>
-                  <a:rPr lang="de-DE" dirty="0" smtClean="0"/>
-                  <a:t>Elternpfad</a:t>
-                </a:r>
-                <a:endParaRPr lang="de-DE" dirty="0"/>
-              </a:p>
-            </p:txBody>
-          </p:sp>
-        </p:grpSp>
-        <p:grpSp>
-          <p:nvGrpSpPr>
-            <p:cNvPr id="140" name="Gruppieren 139"/>
-            <p:cNvGrpSpPr/>
-            <p:nvPr/>
-          </p:nvGrpSpPr>
-          <p:grpSpPr>
-            <a:xfrm>
-              <a:off x="5109596" y="5316301"/>
-              <a:ext cx="1526199" cy="624311"/>
-              <a:chOff x="5102680" y="856267"/>
-              <a:chExt cx="1526199" cy="624311"/>
-            </a:xfrm>
-          </p:grpSpPr>
-          <p:sp>
-            <p:nvSpPr>
-              <p:cNvPr id="141" name="Textfeld 140"/>
-              <p:cNvSpPr txBox="1"/>
-              <p:nvPr/>
-            </p:nvSpPr>
-            <p:spPr>
-              <a:xfrm>
-                <a:off x="5109272" y="1111246"/>
-                <a:ext cx="1519607" cy="369332"/>
-              </a:xfrm>
-              <a:prstGeom prst="rect">
-                <a:avLst/>
-              </a:prstGeom>
-              <a:noFill/>
-            </p:spPr>
-            <p:txBody>
-              <a:bodyPr wrap="square" rtlCol="0">
-                <a:spAutoFit/>
-              </a:bodyPr>
-              <a:lstStyle/>
-              <a:p>
-                <a:pPr algn="ctr"/>
-                <a:r>
-                  <a:rPr lang="de-DE" dirty="0" smtClean="0"/>
-                  <a:t>Kinder</a:t>
-                </a:r>
-                <a:endParaRPr lang="de-DE" dirty="0"/>
-              </a:p>
-            </p:txBody>
-          </p:sp>
-          <p:sp>
-            <p:nvSpPr>
-              <p:cNvPr id="142" name="Textfeld 141"/>
-              <p:cNvSpPr txBox="1"/>
-              <p:nvPr/>
-            </p:nvSpPr>
-            <p:spPr>
-              <a:xfrm>
-                <a:off x="5102680" y="856267"/>
-                <a:ext cx="1519607" cy="369332"/>
-              </a:xfrm>
-              <a:prstGeom prst="rect">
-                <a:avLst/>
-              </a:prstGeom>
-              <a:noFill/>
-            </p:spPr>
-            <p:txBody>
-              <a:bodyPr wrap="square" rtlCol="0">
-                <a:spAutoFit/>
-              </a:bodyPr>
-              <a:lstStyle/>
-              <a:p>
-                <a:pPr algn="ctr"/>
-                <a:r>
-                  <a:rPr lang="de-DE" dirty="0" smtClean="0"/>
-                  <a:t>Elternpfad</a:t>
-                </a:r>
-                <a:endParaRPr lang="de-DE" dirty="0"/>
-              </a:p>
-            </p:txBody>
-          </p:sp>
-        </p:grpSp>
-        <p:grpSp>
-          <p:nvGrpSpPr>
-            <p:cNvPr id="143" name="Gruppieren 142"/>
-            <p:cNvGrpSpPr/>
-            <p:nvPr/>
-          </p:nvGrpSpPr>
-          <p:grpSpPr>
-            <a:xfrm>
-              <a:off x="116882" y="5324098"/>
-              <a:ext cx="1526199" cy="624311"/>
-              <a:chOff x="5102680" y="856267"/>
-              <a:chExt cx="1526199" cy="624311"/>
-            </a:xfrm>
-          </p:grpSpPr>
-          <p:sp>
-            <p:nvSpPr>
-              <p:cNvPr id="144" name="Textfeld 143"/>
-              <p:cNvSpPr txBox="1"/>
-              <p:nvPr/>
-            </p:nvSpPr>
-            <p:spPr>
-              <a:xfrm>
-                <a:off x="5109272" y="1111246"/>
-                <a:ext cx="1519607" cy="369332"/>
-              </a:xfrm>
-              <a:prstGeom prst="rect">
-                <a:avLst/>
-              </a:prstGeom>
-              <a:noFill/>
-            </p:spPr>
-            <p:txBody>
-              <a:bodyPr wrap="square" rtlCol="0">
-                <a:spAutoFit/>
-              </a:bodyPr>
-              <a:lstStyle/>
-              <a:p>
-                <a:pPr algn="ctr"/>
-                <a:r>
-                  <a:rPr lang="de-DE" dirty="0" smtClean="0"/>
-                  <a:t>Kinder</a:t>
-                </a:r>
-                <a:endParaRPr lang="de-DE" dirty="0"/>
-              </a:p>
-            </p:txBody>
-          </p:sp>
-          <p:sp>
-            <p:nvSpPr>
-              <p:cNvPr id="145" name="Textfeld 144"/>
-              <p:cNvSpPr txBox="1"/>
-              <p:nvPr/>
-            </p:nvSpPr>
-            <p:spPr>
-              <a:xfrm>
-                <a:off x="5102680" y="856267"/>
-                <a:ext cx="1519607" cy="369332"/>
-              </a:xfrm>
-              <a:prstGeom prst="rect">
-                <a:avLst/>
-              </a:prstGeom>
-              <a:noFill/>
-            </p:spPr>
-            <p:txBody>
-              <a:bodyPr wrap="square" rtlCol="0">
-                <a:spAutoFit/>
-              </a:bodyPr>
-              <a:lstStyle/>
-              <a:p>
-                <a:pPr algn="ctr"/>
-                <a:r>
-                  <a:rPr lang="de-DE" dirty="0" smtClean="0"/>
-                  <a:t>Elternpfad</a:t>
-                </a:r>
-                <a:endParaRPr lang="de-DE" dirty="0"/>
-              </a:p>
-            </p:txBody>
-          </p:sp>
-        </p:grpSp>
-        <p:grpSp>
-          <p:nvGrpSpPr>
-            <p:cNvPr id="146" name="Gruppieren 145"/>
-            <p:cNvGrpSpPr/>
-            <p:nvPr/>
-          </p:nvGrpSpPr>
-          <p:grpSpPr>
-            <a:xfrm>
-              <a:off x="7100818" y="5307082"/>
-              <a:ext cx="1526199" cy="624311"/>
-              <a:chOff x="5102680" y="856267"/>
-              <a:chExt cx="1526199" cy="624311"/>
-            </a:xfrm>
-          </p:grpSpPr>
-          <p:sp>
-            <p:nvSpPr>
-              <p:cNvPr id="147" name="Textfeld 146"/>
-              <p:cNvSpPr txBox="1"/>
-              <p:nvPr/>
-            </p:nvSpPr>
-            <p:spPr>
-              <a:xfrm>
-                <a:off x="5109272" y="1111246"/>
-                <a:ext cx="1519607" cy="369332"/>
-              </a:xfrm>
-              <a:prstGeom prst="rect">
-                <a:avLst/>
-              </a:prstGeom>
-              <a:noFill/>
-            </p:spPr>
-            <p:txBody>
-              <a:bodyPr wrap="square" rtlCol="0">
-                <a:spAutoFit/>
-              </a:bodyPr>
-              <a:lstStyle/>
-              <a:p>
-                <a:pPr algn="ctr"/>
-                <a:r>
-                  <a:rPr lang="de-DE" dirty="0" smtClean="0"/>
-                  <a:t>Kinder</a:t>
-                </a:r>
-                <a:endParaRPr lang="de-DE" dirty="0"/>
-              </a:p>
-            </p:txBody>
-          </p:sp>
-          <p:sp>
-            <p:nvSpPr>
-              <p:cNvPr id="148" name="Textfeld 147"/>
-              <p:cNvSpPr txBox="1"/>
-              <p:nvPr/>
-            </p:nvSpPr>
-            <p:spPr>
-              <a:xfrm>
-                <a:off x="5102680" y="856267"/>
-                <a:ext cx="1519607" cy="369332"/>
-              </a:xfrm>
-              <a:prstGeom prst="rect">
-                <a:avLst/>
-              </a:prstGeom>
-              <a:noFill/>
-            </p:spPr>
-            <p:txBody>
-              <a:bodyPr wrap="square" rtlCol="0">
-                <a:spAutoFit/>
-              </a:bodyPr>
-              <a:lstStyle/>
-              <a:p>
-                <a:pPr algn="ctr"/>
-                <a:r>
-                  <a:rPr lang="de-DE" dirty="0" smtClean="0"/>
-                  <a:t>Elternpfad</a:t>
-                </a:r>
-                <a:endParaRPr lang="de-DE" dirty="0"/>
-              </a:p>
-            </p:txBody>
-          </p:sp>
+            </p:grpSpPr>
+            <p:sp>
+              <p:nvSpPr>
+                <p:cNvPr id="138" name="Textfeld 137"/>
+                <p:cNvSpPr txBox="1"/>
+                <p:nvPr/>
+              </p:nvSpPr>
+              <p:spPr>
+                <a:xfrm>
+                  <a:off x="5109272" y="1111246"/>
+                  <a:ext cx="1519607" cy="369332"/>
+                </a:xfrm>
+                <a:prstGeom prst="rect">
+                  <a:avLst/>
+                </a:prstGeom>
+                <a:noFill/>
+              </p:spPr>
+              <p:txBody>
+                <a:bodyPr wrap="square" rtlCol="0">
+                  <a:spAutoFit/>
+                </a:bodyPr>
+                <a:lstStyle/>
+                <a:p>
+                  <a:pPr algn="ctr"/>
+                  <a:r>
+                    <a:rPr lang="de-DE" dirty="0" smtClean="0"/>
+                    <a:t>Kinder</a:t>
+                  </a:r>
+                  <a:endParaRPr lang="de-DE" dirty="0"/>
+                </a:p>
+              </p:txBody>
+            </p:sp>
+            <p:sp>
+              <p:nvSpPr>
+                <p:cNvPr id="139" name="Textfeld 138"/>
+                <p:cNvSpPr txBox="1"/>
+                <p:nvPr/>
+              </p:nvSpPr>
+              <p:spPr>
+                <a:xfrm>
+                  <a:off x="5105621" y="791990"/>
+                  <a:ext cx="1519607" cy="369332"/>
+                </a:xfrm>
+                <a:prstGeom prst="rect">
+                  <a:avLst/>
+                </a:prstGeom>
+                <a:noFill/>
+              </p:spPr>
+              <p:txBody>
+                <a:bodyPr wrap="square" rtlCol="0">
+                  <a:spAutoFit/>
+                </a:bodyPr>
+                <a:lstStyle/>
+                <a:p>
+                  <a:pPr algn="ctr"/>
+                  <a:r>
+                    <a:rPr lang="de-DE" dirty="0" smtClean="0"/>
+                    <a:t>Elternpfad</a:t>
+                  </a:r>
+                  <a:endParaRPr lang="de-DE" dirty="0"/>
+                </a:p>
+              </p:txBody>
+            </p:sp>
+          </p:grpSp>
         </p:grpSp>
         <p:cxnSp>
           <p:nvCxnSpPr>
@@ -8329,6 +6988,1494 @@
             </a:p>
           </p:txBody>
         </p:sp>
+        <p:grpSp>
+          <p:nvGrpSpPr>
+            <p:cNvPr id="221" name="Gruppieren 220"/>
+            <p:cNvGrpSpPr/>
+            <p:nvPr/>
+          </p:nvGrpSpPr>
+          <p:grpSpPr>
+            <a:xfrm>
+              <a:off x="3037502" y="2321484"/>
+              <a:ext cx="1543035" cy="1443789"/>
+              <a:chOff x="122054" y="2328700"/>
+              <a:chExt cx="1543035" cy="1443789"/>
+            </a:xfrm>
+          </p:grpSpPr>
+          <p:grpSp>
+            <p:nvGrpSpPr>
+              <p:cNvPr id="222" name="Gruppieren 221"/>
+              <p:cNvGrpSpPr/>
+              <p:nvPr/>
+            </p:nvGrpSpPr>
+            <p:grpSpPr>
+              <a:xfrm>
+                <a:off x="122054" y="2328700"/>
+                <a:ext cx="1532792" cy="1443789"/>
+                <a:chOff x="1772653" y="561474"/>
+                <a:chExt cx="1532792" cy="1443789"/>
+              </a:xfrm>
+            </p:grpSpPr>
+            <p:sp>
+              <p:nvSpPr>
+                <p:cNvPr id="226" name="Rechteck 225"/>
+                <p:cNvSpPr/>
+                <p:nvPr/>
+              </p:nvSpPr>
+              <p:spPr>
+                <a:xfrm>
+                  <a:off x="1772653" y="561474"/>
+                  <a:ext cx="1532792" cy="1443789"/>
+                </a:xfrm>
+                <a:prstGeom prst="rect">
+                  <a:avLst/>
+                </a:prstGeom>
+                <a:noFill/>
+                <a:ln w="25400">
+                  <a:solidFill>
+                    <a:schemeClr val="tx1"/>
+                  </a:solidFill>
+                </a:ln>
+              </p:spPr>
+              <p:style>
+                <a:lnRef idx="2">
+                  <a:schemeClr val="accent1">
+                    <a:shade val="50000"/>
+                  </a:schemeClr>
+                </a:lnRef>
+                <a:fillRef idx="1">
+                  <a:schemeClr val="accent1"/>
+                </a:fillRef>
+                <a:effectRef idx="0">
+                  <a:schemeClr val="accent1"/>
+                </a:effectRef>
+                <a:fontRef idx="minor">
+                  <a:schemeClr val="lt1"/>
+                </a:fontRef>
+              </p:style>
+              <p:txBody>
+                <a:bodyPr rtlCol="0" anchor="ctr"/>
+                <a:lstStyle/>
+                <a:p>
+                  <a:pPr algn="ctr"/>
+                  <a:endParaRPr lang="de-DE"/>
+                </a:p>
+              </p:txBody>
+            </p:sp>
+            <p:cxnSp>
+              <p:nvCxnSpPr>
+                <p:cNvPr id="227" name="Gerader Verbinder 226"/>
+                <p:cNvCxnSpPr/>
+                <p:nvPr/>
+              </p:nvCxnSpPr>
+              <p:spPr>
+                <a:xfrm>
+                  <a:off x="1772653" y="1274293"/>
+                  <a:ext cx="1532792" cy="7681"/>
+                </a:xfrm>
+                <a:prstGeom prst="line">
+                  <a:avLst/>
+                </a:prstGeom>
+                <a:ln w="25400">
+                  <a:tailEnd type="none"/>
+                </a:ln>
+              </p:spPr>
+              <p:style>
+                <a:lnRef idx="1">
+                  <a:schemeClr val="dk1"/>
+                </a:lnRef>
+                <a:fillRef idx="0">
+                  <a:schemeClr val="dk1"/>
+                </a:fillRef>
+                <a:effectRef idx="0">
+                  <a:schemeClr val="dk1"/>
+                </a:effectRef>
+                <a:fontRef idx="minor">
+                  <a:schemeClr val="tx1"/>
+                </a:fontRef>
+              </p:style>
+            </p:cxnSp>
+            <p:sp>
+              <p:nvSpPr>
+                <p:cNvPr id="228" name="Textfeld 227"/>
+                <p:cNvSpPr txBox="1"/>
+                <p:nvPr/>
+              </p:nvSpPr>
+              <p:spPr>
+                <a:xfrm>
+                  <a:off x="1772653" y="561474"/>
+                  <a:ext cx="1532792" cy="369332"/>
+                </a:xfrm>
+                <a:prstGeom prst="rect">
+                  <a:avLst/>
+                </a:prstGeom>
+                <a:noFill/>
+              </p:spPr>
+              <p:txBody>
+                <a:bodyPr wrap="square" rtlCol="0">
+                  <a:spAutoFit/>
+                </a:bodyPr>
+                <a:lstStyle/>
+                <a:p>
+                  <a:pPr algn="ctr"/>
+                  <a:r>
+                    <a:rPr lang="de-DE" dirty="0" smtClean="0"/>
+                    <a:t>Schlüssel</a:t>
+                  </a:r>
+                  <a:endParaRPr lang="de-DE" dirty="0"/>
+                </a:p>
+              </p:txBody>
+            </p:sp>
+            <p:sp>
+              <p:nvSpPr>
+                <p:cNvPr id="229" name="Textfeld 228"/>
+                <p:cNvSpPr txBox="1"/>
+                <p:nvPr/>
+              </p:nvSpPr>
+              <p:spPr>
+                <a:xfrm>
+                  <a:off x="1772653" y="856185"/>
+                  <a:ext cx="1532792" cy="369332"/>
+                </a:xfrm>
+                <a:prstGeom prst="rect">
+                  <a:avLst/>
+                </a:prstGeom>
+                <a:noFill/>
+              </p:spPr>
+              <p:txBody>
+                <a:bodyPr wrap="none" rtlCol="0">
+                  <a:spAutoFit/>
+                </a:bodyPr>
+                <a:lstStyle/>
+                <a:p>
+                  <a:pPr algn="ctr"/>
+                  <a:r>
+                    <a:rPr lang="de-DE" dirty="0" smtClean="0"/>
+                    <a:t>Speicherinhalt</a:t>
+                  </a:r>
+                  <a:endParaRPr lang="de-DE" dirty="0"/>
+                </a:p>
+              </p:txBody>
+            </p:sp>
+          </p:grpSp>
+          <p:grpSp>
+            <p:nvGrpSpPr>
+              <p:cNvPr id="223" name="Gruppieren 222"/>
+              <p:cNvGrpSpPr/>
+              <p:nvPr/>
+            </p:nvGrpSpPr>
+            <p:grpSpPr>
+              <a:xfrm>
+                <a:off x="141831" y="3061718"/>
+                <a:ext cx="1523258" cy="688588"/>
+                <a:chOff x="5105621" y="791990"/>
+                <a:chExt cx="1523258" cy="688588"/>
+              </a:xfrm>
+            </p:grpSpPr>
+            <p:sp>
+              <p:nvSpPr>
+                <p:cNvPr id="224" name="Textfeld 223"/>
+                <p:cNvSpPr txBox="1"/>
+                <p:nvPr/>
+              </p:nvSpPr>
+              <p:spPr>
+                <a:xfrm>
+                  <a:off x="5109272" y="1111246"/>
+                  <a:ext cx="1519607" cy="369332"/>
+                </a:xfrm>
+                <a:prstGeom prst="rect">
+                  <a:avLst/>
+                </a:prstGeom>
+                <a:noFill/>
+              </p:spPr>
+              <p:txBody>
+                <a:bodyPr wrap="square" rtlCol="0">
+                  <a:spAutoFit/>
+                </a:bodyPr>
+                <a:lstStyle/>
+                <a:p>
+                  <a:pPr algn="ctr"/>
+                  <a:r>
+                    <a:rPr lang="de-DE" dirty="0" smtClean="0"/>
+                    <a:t>Kinder</a:t>
+                  </a:r>
+                  <a:endParaRPr lang="de-DE" dirty="0"/>
+                </a:p>
+              </p:txBody>
+            </p:sp>
+            <p:sp>
+              <p:nvSpPr>
+                <p:cNvPr id="225" name="Textfeld 224"/>
+                <p:cNvSpPr txBox="1"/>
+                <p:nvPr/>
+              </p:nvSpPr>
+              <p:spPr>
+                <a:xfrm>
+                  <a:off x="5105621" y="791990"/>
+                  <a:ext cx="1519607" cy="369332"/>
+                </a:xfrm>
+                <a:prstGeom prst="rect">
+                  <a:avLst/>
+                </a:prstGeom>
+                <a:noFill/>
+              </p:spPr>
+              <p:txBody>
+                <a:bodyPr wrap="square" rtlCol="0">
+                  <a:spAutoFit/>
+                </a:bodyPr>
+                <a:lstStyle/>
+                <a:p>
+                  <a:pPr algn="ctr"/>
+                  <a:r>
+                    <a:rPr lang="de-DE" dirty="0" smtClean="0"/>
+                    <a:t>Elternpfad</a:t>
+                  </a:r>
+                  <a:endParaRPr lang="de-DE" dirty="0"/>
+                </a:p>
+              </p:txBody>
+            </p:sp>
+          </p:grpSp>
+        </p:grpSp>
+        <p:grpSp>
+          <p:nvGrpSpPr>
+            <p:cNvPr id="230" name="Gruppieren 229"/>
+            <p:cNvGrpSpPr/>
+            <p:nvPr/>
+          </p:nvGrpSpPr>
+          <p:grpSpPr>
+            <a:xfrm>
+              <a:off x="5987711" y="2321224"/>
+              <a:ext cx="1543035" cy="1443789"/>
+              <a:chOff x="122054" y="2328700"/>
+              <a:chExt cx="1543035" cy="1443789"/>
+            </a:xfrm>
+          </p:grpSpPr>
+          <p:grpSp>
+            <p:nvGrpSpPr>
+              <p:cNvPr id="231" name="Gruppieren 230"/>
+              <p:cNvGrpSpPr/>
+              <p:nvPr/>
+            </p:nvGrpSpPr>
+            <p:grpSpPr>
+              <a:xfrm>
+                <a:off x="122054" y="2328700"/>
+                <a:ext cx="1532792" cy="1443789"/>
+                <a:chOff x="1772653" y="561474"/>
+                <a:chExt cx="1532792" cy="1443789"/>
+              </a:xfrm>
+            </p:grpSpPr>
+            <p:sp>
+              <p:nvSpPr>
+                <p:cNvPr id="235" name="Rechteck 234"/>
+                <p:cNvSpPr/>
+                <p:nvPr/>
+              </p:nvSpPr>
+              <p:spPr>
+                <a:xfrm>
+                  <a:off x="1772653" y="561474"/>
+                  <a:ext cx="1532792" cy="1443789"/>
+                </a:xfrm>
+                <a:prstGeom prst="rect">
+                  <a:avLst/>
+                </a:prstGeom>
+                <a:noFill/>
+                <a:ln w="25400">
+                  <a:solidFill>
+                    <a:schemeClr val="tx1"/>
+                  </a:solidFill>
+                </a:ln>
+              </p:spPr>
+              <p:style>
+                <a:lnRef idx="2">
+                  <a:schemeClr val="accent1">
+                    <a:shade val="50000"/>
+                  </a:schemeClr>
+                </a:lnRef>
+                <a:fillRef idx="1">
+                  <a:schemeClr val="accent1"/>
+                </a:fillRef>
+                <a:effectRef idx="0">
+                  <a:schemeClr val="accent1"/>
+                </a:effectRef>
+                <a:fontRef idx="minor">
+                  <a:schemeClr val="lt1"/>
+                </a:fontRef>
+              </p:style>
+              <p:txBody>
+                <a:bodyPr rtlCol="0" anchor="ctr"/>
+                <a:lstStyle/>
+                <a:p>
+                  <a:pPr algn="ctr"/>
+                  <a:endParaRPr lang="de-DE"/>
+                </a:p>
+              </p:txBody>
+            </p:sp>
+            <p:cxnSp>
+              <p:nvCxnSpPr>
+                <p:cNvPr id="236" name="Gerader Verbinder 235"/>
+                <p:cNvCxnSpPr/>
+                <p:nvPr/>
+              </p:nvCxnSpPr>
+              <p:spPr>
+                <a:xfrm>
+                  <a:off x="1772653" y="1274293"/>
+                  <a:ext cx="1532792" cy="7681"/>
+                </a:xfrm>
+                <a:prstGeom prst="line">
+                  <a:avLst/>
+                </a:prstGeom>
+                <a:ln w="25400">
+                  <a:tailEnd type="none"/>
+                </a:ln>
+              </p:spPr>
+              <p:style>
+                <a:lnRef idx="1">
+                  <a:schemeClr val="dk1"/>
+                </a:lnRef>
+                <a:fillRef idx="0">
+                  <a:schemeClr val="dk1"/>
+                </a:fillRef>
+                <a:effectRef idx="0">
+                  <a:schemeClr val="dk1"/>
+                </a:effectRef>
+                <a:fontRef idx="minor">
+                  <a:schemeClr val="tx1"/>
+                </a:fontRef>
+              </p:style>
+            </p:cxnSp>
+            <p:sp>
+              <p:nvSpPr>
+                <p:cNvPr id="237" name="Textfeld 236"/>
+                <p:cNvSpPr txBox="1"/>
+                <p:nvPr/>
+              </p:nvSpPr>
+              <p:spPr>
+                <a:xfrm>
+                  <a:off x="1772653" y="561474"/>
+                  <a:ext cx="1532792" cy="369332"/>
+                </a:xfrm>
+                <a:prstGeom prst="rect">
+                  <a:avLst/>
+                </a:prstGeom>
+                <a:noFill/>
+              </p:spPr>
+              <p:txBody>
+                <a:bodyPr wrap="square" rtlCol="0">
+                  <a:spAutoFit/>
+                </a:bodyPr>
+                <a:lstStyle/>
+                <a:p>
+                  <a:pPr algn="ctr"/>
+                  <a:r>
+                    <a:rPr lang="de-DE" dirty="0" smtClean="0"/>
+                    <a:t>Schlüssel</a:t>
+                  </a:r>
+                  <a:endParaRPr lang="de-DE" dirty="0"/>
+                </a:p>
+              </p:txBody>
+            </p:sp>
+            <p:sp>
+              <p:nvSpPr>
+                <p:cNvPr id="238" name="Textfeld 237"/>
+                <p:cNvSpPr txBox="1"/>
+                <p:nvPr/>
+              </p:nvSpPr>
+              <p:spPr>
+                <a:xfrm>
+                  <a:off x="1772653" y="856185"/>
+                  <a:ext cx="1532792" cy="369332"/>
+                </a:xfrm>
+                <a:prstGeom prst="rect">
+                  <a:avLst/>
+                </a:prstGeom>
+                <a:noFill/>
+              </p:spPr>
+              <p:txBody>
+                <a:bodyPr wrap="none" rtlCol="0">
+                  <a:spAutoFit/>
+                </a:bodyPr>
+                <a:lstStyle/>
+                <a:p>
+                  <a:pPr algn="ctr"/>
+                  <a:r>
+                    <a:rPr lang="de-DE" dirty="0" smtClean="0"/>
+                    <a:t>Speicherinhalt</a:t>
+                  </a:r>
+                  <a:endParaRPr lang="de-DE" dirty="0"/>
+                </a:p>
+              </p:txBody>
+            </p:sp>
+          </p:grpSp>
+          <p:grpSp>
+            <p:nvGrpSpPr>
+              <p:cNvPr id="232" name="Gruppieren 231"/>
+              <p:cNvGrpSpPr/>
+              <p:nvPr/>
+            </p:nvGrpSpPr>
+            <p:grpSpPr>
+              <a:xfrm>
+                <a:off x="141831" y="3061718"/>
+                <a:ext cx="1523258" cy="688588"/>
+                <a:chOff x="5105621" y="791990"/>
+                <a:chExt cx="1523258" cy="688588"/>
+              </a:xfrm>
+            </p:grpSpPr>
+            <p:sp>
+              <p:nvSpPr>
+                <p:cNvPr id="233" name="Textfeld 232"/>
+                <p:cNvSpPr txBox="1"/>
+                <p:nvPr/>
+              </p:nvSpPr>
+              <p:spPr>
+                <a:xfrm>
+                  <a:off x="5109272" y="1111246"/>
+                  <a:ext cx="1519607" cy="369332"/>
+                </a:xfrm>
+                <a:prstGeom prst="rect">
+                  <a:avLst/>
+                </a:prstGeom>
+                <a:noFill/>
+              </p:spPr>
+              <p:txBody>
+                <a:bodyPr wrap="square" rtlCol="0">
+                  <a:spAutoFit/>
+                </a:bodyPr>
+                <a:lstStyle/>
+                <a:p>
+                  <a:pPr algn="ctr"/>
+                  <a:r>
+                    <a:rPr lang="de-DE" dirty="0" smtClean="0"/>
+                    <a:t>Kinder</a:t>
+                  </a:r>
+                  <a:endParaRPr lang="de-DE" dirty="0"/>
+                </a:p>
+              </p:txBody>
+            </p:sp>
+            <p:sp>
+              <p:nvSpPr>
+                <p:cNvPr id="234" name="Textfeld 233"/>
+                <p:cNvSpPr txBox="1"/>
+                <p:nvPr/>
+              </p:nvSpPr>
+              <p:spPr>
+                <a:xfrm>
+                  <a:off x="5105621" y="791990"/>
+                  <a:ext cx="1519607" cy="369332"/>
+                </a:xfrm>
+                <a:prstGeom prst="rect">
+                  <a:avLst/>
+                </a:prstGeom>
+                <a:noFill/>
+              </p:spPr>
+              <p:txBody>
+                <a:bodyPr wrap="square" rtlCol="0">
+                  <a:spAutoFit/>
+                </a:bodyPr>
+                <a:lstStyle/>
+                <a:p>
+                  <a:pPr algn="ctr"/>
+                  <a:r>
+                    <a:rPr lang="de-DE" dirty="0" smtClean="0"/>
+                    <a:t>Elternpfad</a:t>
+                  </a:r>
+                  <a:endParaRPr lang="de-DE" dirty="0"/>
+                </a:p>
+              </p:txBody>
+            </p:sp>
+          </p:grpSp>
+        </p:grpSp>
+        <p:grpSp>
+          <p:nvGrpSpPr>
+            <p:cNvPr id="239" name="Gruppieren 238"/>
+            <p:cNvGrpSpPr/>
+            <p:nvPr/>
+          </p:nvGrpSpPr>
+          <p:grpSpPr>
+            <a:xfrm>
+              <a:off x="5119343" y="51157"/>
+              <a:ext cx="1543035" cy="1443789"/>
+              <a:chOff x="122054" y="2328700"/>
+              <a:chExt cx="1543035" cy="1443789"/>
+            </a:xfrm>
+          </p:grpSpPr>
+          <p:grpSp>
+            <p:nvGrpSpPr>
+              <p:cNvPr id="240" name="Gruppieren 239"/>
+              <p:cNvGrpSpPr/>
+              <p:nvPr/>
+            </p:nvGrpSpPr>
+            <p:grpSpPr>
+              <a:xfrm>
+                <a:off x="122054" y="2328700"/>
+                <a:ext cx="1532792" cy="1443789"/>
+                <a:chOff x="1772653" y="561474"/>
+                <a:chExt cx="1532792" cy="1443789"/>
+              </a:xfrm>
+            </p:grpSpPr>
+            <p:sp>
+              <p:nvSpPr>
+                <p:cNvPr id="244" name="Rechteck 243"/>
+                <p:cNvSpPr/>
+                <p:nvPr/>
+              </p:nvSpPr>
+              <p:spPr>
+                <a:xfrm>
+                  <a:off x="1772653" y="561474"/>
+                  <a:ext cx="1532792" cy="1443789"/>
+                </a:xfrm>
+                <a:prstGeom prst="rect">
+                  <a:avLst/>
+                </a:prstGeom>
+                <a:noFill/>
+                <a:ln w="25400">
+                  <a:solidFill>
+                    <a:schemeClr val="tx1"/>
+                  </a:solidFill>
+                </a:ln>
+              </p:spPr>
+              <p:style>
+                <a:lnRef idx="2">
+                  <a:schemeClr val="accent1">
+                    <a:shade val="50000"/>
+                  </a:schemeClr>
+                </a:lnRef>
+                <a:fillRef idx="1">
+                  <a:schemeClr val="accent1"/>
+                </a:fillRef>
+                <a:effectRef idx="0">
+                  <a:schemeClr val="accent1"/>
+                </a:effectRef>
+                <a:fontRef idx="minor">
+                  <a:schemeClr val="lt1"/>
+                </a:fontRef>
+              </p:style>
+              <p:txBody>
+                <a:bodyPr rtlCol="0" anchor="ctr"/>
+                <a:lstStyle/>
+                <a:p>
+                  <a:pPr algn="ctr"/>
+                  <a:endParaRPr lang="de-DE"/>
+                </a:p>
+              </p:txBody>
+            </p:sp>
+            <p:cxnSp>
+              <p:nvCxnSpPr>
+                <p:cNvPr id="245" name="Gerader Verbinder 244"/>
+                <p:cNvCxnSpPr/>
+                <p:nvPr/>
+              </p:nvCxnSpPr>
+              <p:spPr>
+                <a:xfrm>
+                  <a:off x="1772653" y="1274293"/>
+                  <a:ext cx="1532792" cy="7681"/>
+                </a:xfrm>
+                <a:prstGeom prst="line">
+                  <a:avLst/>
+                </a:prstGeom>
+                <a:ln w="25400">
+                  <a:tailEnd type="none"/>
+                </a:ln>
+              </p:spPr>
+              <p:style>
+                <a:lnRef idx="1">
+                  <a:schemeClr val="dk1"/>
+                </a:lnRef>
+                <a:fillRef idx="0">
+                  <a:schemeClr val="dk1"/>
+                </a:fillRef>
+                <a:effectRef idx="0">
+                  <a:schemeClr val="dk1"/>
+                </a:effectRef>
+                <a:fontRef idx="minor">
+                  <a:schemeClr val="tx1"/>
+                </a:fontRef>
+              </p:style>
+            </p:cxnSp>
+            <p:sp>
+              <p:nvSpPr>
+                <p:cNvPr id="246" name="Textfeld 245"/>
+                <p:cNvSpPr txBox="1"/>
+                <p:nvPr/>
+              </p:nvSpPr>
+              <p:spPr>
+                <a:xfrm>
+                  <a:off x="1772653" y="561474"/>
+                  <a:ext cx="1532792" cy="369332"/>
+                </a:xfrm>
+                <a:prstGeom prst="rect">
+                  <a:avLst/>
+                </a:prstGeom>
+                <a:noFill/>
+              </p:spPr>
+              <p:txBody>
+                <a:bodyPr wrap="square" rtlCol="0">
+                  <a:spAutoFit/>
+                </a:bodyPr>
+                <a:lstStyle/>
+                <a:p>
+                  <a:pPr algn="ctr"/>
+                  <a:r>
+                    <a:rPr lang="de-DE" dirty="0" smtClean="0"/>
+                    <a:t>Schlüssel</a:t>
+                  </a:r>
+                  <a:endParaRPr lang="de-DE" dirty="0"/>
+                </a:p>
+              </p:txBody>
+            </p:sp>
+            <p:sp>
+              <p:nvSpPr>
+                <p:cNvPr id="247" name="Textfeld 246"/>
+                <p:cNvSpPr txBox="1"/>
+                <p:nvPr/>
+              </p:nvSpPr>
+              <p:spPr>
+                <a:xfrm>
+                  <a:off x="1772653" y="856185"/>
+                  <a:ext cx="1532792" cy="369332"/>
+                </a:xfrm>
+                <a:prstGeom prst="rect">
+                  <a:avLst/>
+                </a:prstGeom>
+                <a:noFill/>
+              </p:spPr>
+              <p:txBody>
+                <a:bodyPr wrap="none" rtlCol="0">
+                  <a:spAutoFit/>
+                </a:bodyPr>
+                <a:lstStyle/>
+                <a:p>
+                  <a:pPr algn="ctr"/>
+                  <a:r>
+                    <a:rPr lang="de-DE" dirty="0" smtClean="0"/>
+                    <a:t>Speicherinhalt</a:t>
+                  </a:r>
+                  <a:endParaRPr lang="de-DE" dirty="0"/>
+                </a:p>
+              </p:txBody>
+            </p:sp>
+          </p:grpSp>
+          <p:grpSp>
+            <p:nvGrpSpPr>
+              <p:cNvPr id="241" name="Gruppieren 240"/>
+              <p:cNvGrpSpPr/>
+              <p:nvPr/>
+            </p:nvGrpSpPr>
+            <p:grpSpPr>
+              <a:xfrm>
+                <a:off x="141831" y="3061718"/>
+                <a:ext cx="1523258" cy="688588"/>
+                <a:chOff x="5105621" y="791990"/>
+                <a:chExt cx="1523258" cy="688588"/>
+              </a:xfrm>
+            </p:grpSpPr>
+            <p:sp>
+              <p:nvSpPr>
+                <p:cNvPr id="242" name="Textfeld 241"/>
+                <p:cNvSpPr txBox="1"/>
+                <p:nvPr/>
+              </p:nvSpPr>
+              <p:spPr>
+                <a:xfrm>
+                  <a:off x="5109272" y="1111246"/>
+                  <a:ext cx="1519607" cy="369332"/>
+                </a:xfrm>
+                <a:prstGeom prst="rect">
+                  <a:avLst/>
+                </a:prstGeom>
+                <a:noFill/>
+              </p:spPr>
+              <p:txBody>
+                <a:bodyPr wrap="square" rtlCol="0">
+                  <a:spAutoFit/>
+                </a:bodyPr>
+                <a:lstStyle/>
+                <a:p>
+                  <a:pPr algn="ctr"/>
+                  <a:r>
+                    <a:rPr lang="de-DE" dirty="0" smtClean="0"/>
+                    <a:t>Kinder</a:t>
+                  </a:r>
+                  <a:endParaRPr lang="de-DE" dirty="0"/>
+                </a:p>
+              </p:txBody>
+            </p:sp>
+            <p:sp>
+              <p:nvSpPr>
+                <p:cNvPr id="243" name="Textfeld 242"/>
+                <p:cNvSpPr txBox="1"/>
+                <p:nvPr/>
+              </p:nvSpPr>
+              <p:spPr>
+                <a:xfrm>
+                  <a:off x="5105621" y="791990"/>
+                  <a:ext cx="1519607" cy="369332"/>
+                </a:xfrm>
+                <a:prstGeom prst="rect">
+                  <a:avLst/>
+                </a:prstGeom>
+                <a:noFill/>
+              </p:spPr>
+              <p:txBody>
+                <a:bodyPr wrap="square" rtlCol="0">
+                  <a:spAutoFit/>
+                </a:bodyPr>
+                <a:lstStyle/>
+                <a:p>
+                  <a:pPr algn="ctr"/>
+                  <a:r>
+                    <a:rPr lang="de-DE" dirty="0" smtClean="0"/>
+                    <a:t>Elternpfad</a:t>
+                  </a:r>
+                  <a:endParaRPr lang="de-DE" dirty="0"/>
+                </a:p>
+              </p:txBody>
+            </p:sp>
+          </p:grpSp>
+        </p:grpSp>
+        <p:grpSp>
+          <p:nvGrpSpPr>
+            <p:cNvPr id="248" name="Gruppieren 247"/>
+            <p:cNvGrpSpPr/>
+            <p:nvPr/>
+          </p:nvGrpSpPr>
+          <p:grpSpPr>
+            <a:xfrm>
+              <a:off x="137400" y="4498380"/>
+              <a:ext cx="1543035" cy="1443789"/>
+              <a:chOff x="122054" y="2328700"/>
+              <a:chExt cx="1543035" cy="1443789"/>
+            </a:xfrm>
+          </p:grpSpPr>
+          <p:grpSp>
+            <p:nvGrpSpPr>
+              <p:cNvPr id="249" name="Gruppieren 248"/>
+              <p:cNvGrpSpPr/>
+              <p:nvPr/>
+            </p:nvGrpSpPr>
+            <p:grpSpPr>
+              <a:xfrm>
+                <a:off x="122054" y="2328700"/>
+                <a:ext cx="1532792" cy="1443789"/>
+                <a:chOff x="1772653" y="561474"/>
+                <a:chExt cx="1532792" cy="1443789"/>
+              </a:xfrm>
+            </p:grpSpPr>
+            <p:sp>
+              <p:nvSpPr>
+                <p:cNvPr id="253" name="Rechteck 252"/>
+                <p:cNvSpPr/>
+                <p:nvPr/>
+              </p:nvSpPr>
+              <p:spPr>
+                <a:xfrm>
+                  <a:off x="1772653" y="561474"/>
+                  <a:ext cx="1532792" cy="1443789"/>
+                </a:xfrm>
+                <a:prstGeom prst="rect">
+                  <a:avLst/>
+                </a:prstGeom>
+                <a:noFill/>
+                <a:ln w="25400">
+                  <a:solidFill>
+                    <a:schemeClr val="tx1"/>
+                  </a:solidFill>
+                </a:ln>
+              </p:spPr>
+              <p:style>
+                <a:lnRef idx="2">
+                  <a:schemeClr val="accent1">
+                    <a:shade val="50000"/>
+                  </a:schemeClr>
+                </a:lnRef>
+                <a:fillRef idx="1">
+                  <a:schemeClr val="accent1"/>
+                </a:fillRef>
+                <a:effectRef idx="0">
+                  <a:schemeClr val="accent1"/>
+                </a:effectRef>
+                <a:fontRef idx="minor">
+                  <a:schemeClr val="lt1"/>
+                </a:fontRef>
+              </p:style>
+              <p:txBody>
+                <a:bodyPr rtlCol="0" anchor="ctr"/>
+                <a:lstStyle/>
+                <a:p>
+                  <a:pPr algn="ctr"/>
+                  <a:endParaRPr lang="de-DE"/>
+                </a:p>
+              </p:txBody>
+            </p:sp>
+            <p:cxnSp>
+              <p:nvCxnSpPr>
+                <p:cNvPr id="254" name="Gerader Verbinder 253"/>
+                <p:cNvCxnSpPr/>
+                <p:nvPr/>
+              </p:nvCxnSpPr>
+              <p:spPr>
+                <a:xfrm>
+                  <a:off x="1772653" y="1274293"/>
+                  <a:ext cx="1532792" cy="7681"/>
+                </a:xfrm>
+                <a:prstGeom prst="line">
+                  <a:avLst/>
+                </a:prstGeom>
+                <a:ln w="25400">
+                  <a:tailEnd type="none"/>
+                </a:ln>
+              </p:spPr>
+              <p:style>
+                <a:lnRef idx="1">
+                  <a:schemeClr val="dk1"/>
+                </a:lnRef>
+                <a:fillRef idx="0">
+                  <a:schemeClr val="dk1"/>
+                </a:fillRef>
+                <a:effectRef idx="0">
+                  <a:schemeClr val="dk1"/>
+                </a:effectRef>
+                <a:fontRef idx="minor">
+                  <a:schemeClr val="tx1"/>
+                </a:fontRef>
+              </p:style>
+            </p:cxnSp>
+            <p:sp>
+              <p:nvSpPr>
+                <p:cNvPr id="255" name="Textfeld 254"/>
+                <p:cNvSpPr txBox="1"/>
+                <p:nvPr/>
+              </p:nvSpPr>
+              <p:spPr>
+                <a:xfrm>
+                  <a:off x="1772653" y="561474"/>
+                  <a:ext cx="1532792" cy="369332"/>
+                </a:xfrm>
+                <a:prstGeom prst="rect">
+                  <a:avLst/>
+                </a:prstGeom>
+                <a:noFill/>
+              </p:spPr>
+              <p:txBody>
+                <a:bodyPr wrap="square" rtlCol="0">
+                  <a:spAutoFit/>
+                </a:bodyPr>
+                <a:lstStyle/>
+                <a:p>
+                  <a:pPr algn="ctr"/>
+                  <a:r>
+                    <a:rPr lang="de-DE" dirty="0" smtClean="0"/>
+                    <a:t>Schlüssel</a:t>
+                  </a:r>
+                  <a:endParaRPr lang="de-DE" dirty="0"/>
+                </a:p>
+              </p:txBody>
+            </p:sp>
+            <p:sp>
+              <p:nvSpPr>
+                <p:cNvPr id="256" name="Textfeld 255"/>
+                <p:cNvSpPr txBox="1"/>
+                <p:nvPr/>
+              </p:nvSpPr>
+              <p:spPr>
+                <a:xfrm>
+                  <a:off x="1772653" y="856185"/>
+                  <a:ext cx="1532792" cy="369332"/>
+                </a:xfrm>
+                <a:prstGeom prst="rect">
+                  <a:avLst/>
+                </a:prstGeom>
+                <a:noFill/>
+              </p:spPr>
+              <p:txBody>
+                <a:bodyPr wrap="none" rtlCol="0">
+                  <a:spAutoFit/>
+                </a:bodyPr>
+                <a:lstStyle/>
+                <a:p>
+                  <a:pPr algn="ctr"/>
+                  <a:r>
+                    <a:rPr lang="de-DE" dirty="0" smtClean="0"/>
+                    <a:t>Speicherinhalt</a:t>
+                  </a:r>
+                  <a:endParaRPr lang="de-DE" dirty="0"/>
+                </a:p>
+              </p:txBody>
+            </p:sp>
+          </p:grpSp>
+          <p:grpSp>
+            <p:nvGrpSpPr>
+              <p:cNvPr id="250" name="Gruppieren 249"/>
+              <p:cNvGrpSpPr/>
+              <p:nvPr/>
+            </p:nvGrpSpPr>
+            <p:grpSpPr>
+              <a:xfrm>
+                <a:off x="141831" y="3061718"/>
+                <a:ext cx="1523258" cy="688588"/>
+                <a:chOff x="5105621" y="791990"/>
+                <a:chExt cx="1523258" cy="688588"/>
+              </a:xfrm>
+            </p:grpSpPr>
+            <p:sp>
+              <p:nvSpPr>
+                <p:cNvPr id="251" name="Textfeld 250"/>
+                <p:cNvSpPr txBox="1"/>
+                <p:nvPr/>
+              </p:nvSpPr>
+              <p:spPr>
+                <a:xfrm>
+                  <a:off x="5109272" y="1111246"/>
+                  <a:ext cx="1519607" cy="369332"/>
+                </a:xfrm>
+                <a:prstGeom prst="rect">
+                  <a:avLst/>
+                </a:prstGeom>
+                <a:noFill/>
+              </p:spPr>
+              <p:txBody>
+                <a:bodyPr wrap="square" rtlCol="0">
+                  <a:spAutoFit/>
+                </a:bodyPr>
+                <a:lstStyle/>
+                <a:p>
+                  <a:pPr algn="ctr"/>
+                  <a:r>
+                    <a:rPr lang="de-DE" dirty="0" smtClean="0"/>
+                    <a:t>Kinder</a:t>
+                  </a:r>
+                  <a:endParaRPr lang="de-DE" dirty="0"/>
+                </a:p>
+              </p:txBody>
+            </p:sp>
+            <p:sp>
+              <p:nvSpPr>
+                <p:cNvPr id="252" name="Textfeld 251"/>
+                <p:cNvSpPr txBox="1"/>
+                <p:nvPr/>
+              </p:nvSpPr>
+              <p:spPr>
+                <a:xfrm>
+                  <a:off x="5105621" y="791990"/>
+                  <a:ext cx="1519607" cy="369332"/>
+                </a:xfrm>
+                <a:prstGeom prst="rect">
+                  <a:avLst/>
+                </a:prstGeom>
+                <a:noFill/>
+              </p:spPr>
+              <p:txBody>
+                <a:bodyPr wrap="square" rtlCol="0">
+                  <a:spAutoFit/>
+                </a:bodyPr>
+                <a:lstStyle/>
+                <a:p>
+                  <a:pPr algn="ctr"/>
+                  <a:r>
+                    <a:rPr lang="de-DE" dirty="0" smtClean="0"/>
+                    <a:t>Elternpfad</a:t>
+                  </a:r>
+                  <a:endParaRPr lang="de-DE" dirty="0"/>
+                </a:p>
+              </p:txBody>
+            </p:sp>
+          </p:grpSp>
+        </p:grpSp>
+        <p:grpSp>
+          <p:nvGrpSpPr>
+            <p:cNvPr id="257" name="Gruppieren 256"/>
+            <p:cNvGrpSpPr/>
+            <p:nvPr/>
+          </p:nvGrpSpPr>
+          <p:grpSpPr>
+            <a:xfrm>
+              <a:off x="5111255" y="4509759"/>
+              <a:ext cx="1543035" cy="1443789"/>
+              <a:chOff x="122054" y="2328700"/>
+              <a:chExt cx="1543035" cy="1443789"/>
+            </a:xfrm>
+          </p:grpSpPr>
+          <p:grpSp>
+            <p:nvGrpSpPr>
+              <p:cNvPr id="258" name="Gruppieren 257"/>
+              <p:cNvGrpSpPr/>
+              <p:nvPr/>
+            </p:nvGrpSpPr>
+            <p:grpSpPr>
+              <a:xfrm>
+                <a:off x="122054" y="2328700"/>
+                <a:ext cx="1532792" cy="1443789"/>
+                <a:chOff x="1772653" y="561474"/>
+                <a:chExt cx="1532792" cy="1443789"/>
+              </a:xfrm>
+            </p:grpSpPr>
+            <p:sp>
+              <p:nvSpPr>
+                <p:cNvPr id="262" name="Rechteck 261"/>
+                <p:cNvSpPr/>
+                <p:nvPr/>
+              </p:nvSpPr>
+              <p:spPr>
+                <a:xfrm>
+                  <a:off x="1772653" y="561474"/>
+                  <a:ext cx="1532792" cy="1443789"/>
+                </a:xfrm>
+                <a:prstGeom prst="rect">
+                  <a:avLst/>
+                </a:prstGeom>
+                <a:noFill/>
+                <a:ln w="25400">
+                  <a:solidFill>
+                    <a:schemeClr val="tx1"/>
+                  </a:solidFill>
+                </a:ln>
+              </p:spPr>
+              <p:style>
+                <a:lnRef idx="2">
+                  <a:schemeClr val="accent1">
+                    <a:shade val="50000"/>
+                  </a:schemeClr>
+                </a:lnRef>
+                <a:fillRef idx="1">
+                  <a:schemeClr val="accent1"/>
+                </a:fillRef>
+                <a:effectRef idx="0">
+                  <a:schemeClr val="accent1"/>
+                </a:effectRef>
+                <a:fontRef idx="minor">
+                  <a:schemeClr val="lt1"/>
+                </a:fontRef>
+              </p:style>
+              <p:txBody>
+                <a:bodyPr rtlCol="0" anchor="ctr"/>
+                <a:lstStyle/>
+                <a:p>
+                  <a:pPr algn="ctr"/>
+                  <a:endParaRPr lang="de-DE"/>
+                </a:p>
+              </p:txBody>
+            </p:sp>
+            <p:cxnSp>
+              <p:nvCxnSpPr>
+                <p:cNvPr id="263" name="Gerader Verbinder 262"/>
+                <p:cNvCxnSpPr/>
+                <p:nvPr/>
+              </p:nvCxnSpPr>
+              <p:spPr>
+                <a:xfrm>
+                  <a:off x="1772653" y="1274293"/>
+                  <a:ext cx="1532792" cy="7681"/>
+                </a:xfrm>
+                <a:prstGeom prst="line">
+                  <a:avLst/>
+                </a:prstGeom>
+                <a:ln w="25400">
+                  <a:tailEnd type="none"/>
+                </a:ln>
+              </p:spPr>
+              <p:style>
+                <a:lnRef idx="1">
+                  <a:schemeClr val="dk1"/>
+                </a:lnRef>
+                <a:fillRef idx="0">
+                  <a:schemeClr val="dk1"/>
+                </a:fillRef>
+                <a:effectRef idx="0">
+                  <a:schemeClr val="dk1"/>
+                </a:effectRef>
+                <a:fontRef idx="minor">
+                  <a:schemeClr val="tx1"/>
+                </a:fontRef>
+              </p:style>
+            </p:cxnSp>
+            <p:sp>
+              <p:nvSpPr>
+                <p:cNvPr id="264" name="Textfeld 263"/>
+                <p:cNvSpPr txBox="1"/>
+                <p:nvPr/>
+              </p:nvSpPr>
+              <p:spPr>
+                <a:xfrm>
+                  <a:off x="1772653" y="561474"/>
+                  <a:ext cx="1532792" cy="369332"/>
+                </a:xfrm>
+                <a:prstGeom prst="rect">
+                  <a:avLst/>
+                </a:prstGeom>
+                <a:noFill/>
+              </p:spPr>
+              <p:txBody>
+                <a:bodyPr wrap="square" rtlCol="0">
+                  <a:spAutoFit/>
+                </a:bodyPr>
+                <a:lstStyle/>
+                <a:p>
+                  <a:pPr algn="ctr"/>
+                  <a:r>
+                    <a:rPr lang="de-DE" dirty="0" smtClean="0"/>
+                    <a:t>Schlüssel</a:t>
+                  </a:r>
+                  <a:endParaRPr lang="de-DE" dirty="0"/>
+                </a:p>
+              </p:txBody>
+            </p:sp>
+            <p:sp>
+              <p:nvSpPr>
+                <p:cNvPr id="265" name="Textfeld 264"/>
+                <p:cNvSpPr txBox="1"/>
+                <p:nvPr/>
+              </p:nvSpPr>
+              <p:spPr>
+                <a:xfrm>
+                  <a:off x="1772653" y="856185"/>
+                  <a:ext cx="1532792" cy="369332"/>
+                </a:xfrm>
+                <a:prstGeom prst="rect">
+                  <a:avLst/>
+                </a:prstGeom>
+                <a:noFill/>
+              </p:spPr>
+              <p:txBody>
+                <a:bodyPr wrap="none" rtlCol="0">
+                  <a:spAutoFit/>
+                </a:bodyPr>
+                <a:lstStyle/>
+                <a:p>
+                  <a:pPr algn="ctr"/>
+                  <a:r>
+                    <a:rPr lang="de-DE" dirty="0" smtClean="0"/>
+                    <a:t>Speicherinhalt</a:t>
+                  </a:r>
+                  <a:endParaRPr lang="de-DE" dirty="0"/>
+                </a:p>
+              </p:txBody>
+            </p:sp>
+          </p:grpSp>
+          <p:grpSp>
+            <p:nvGrpSpPr>
+              <p:cNvPr id="259" name="Gruppieren 258"/>
+              <p:cNvGrpSpPr/>
+              <p:nvPr/>
+            </p:nvGrpSpPr>
+            <p:grpSpPr>
+              <a:xfrm>
+                <a:off x="141831" y="3061718"/>
+                <a:ext cx="1523258" cy="688588"/>
+                <a:chOff x="5105621" y="791990"/>
+                <a:chExt cx="1523258" cy="688588"/>
+              </a:xfrm>
+            </p:grpSpPr>
+            <p:sp>
+              <p:nvSpPr>
+                <p:cNvPr id="260" name="Textfeld 259"/>
+                <p:cNvSpPr txBox="1"/>
+                <p:nvPr/>
+              </p:nvSpPr>
+              <p:spPr>
+                <a:xfrm>
+                  <a:off x="5109272" y="1111246"/>
+                  <a:ext cx="1519607" cy="369332"/>
+                </a:xfrm>
+                <a:prstGeom prst="rect">
+                  <a:avLst/>
+                </a:prstGeom>
+                <a:noFill/>
+              </p:spPr>
+              <p:txBody>
+                <a:bodyPr wrap="square" rtlCol="0">
+                  <a:spAutoFit/>
+                </a:bodyPr>
+                <a:lstStyle/>
+                <a:p>
+                  <a:pPr algn="ctr"/>
+                  <a:r>
+                    <a:rPr lang="de-DE" dirty="0" smtClean="0"/>
+                    <a:t>Kinder</a:t>
+                  </a:r>
+                  <a:endParaRPr lang="de-DE" dirty="0"/>
+                </a:p>
+              </p:txBody>
+            </p:sp>
+            <p:sp>
+              <p:nvSpPr>
+                <p:cNvPr id="261" name="Textfeld 260"/>
+                <p:cNvSpPr txBox="1"/>
+                <p:nvPr/>
+              </p:nvSpPr>
+              <p:spPr>
+                <a:xfrm>
+                  <a:off x="5105621" y="791990"/>
+                  <a:ext cx="1519607" cy="369332"/>
+                </a:xfrm>
+                <a:prstGeom prst="rect">
+                  <a:avLst/>
+                </a:prstGeom>
+                <a:noFill/>
+              </p:spPr>
+              <p:txBody>
+                <a:bodyPr wrap="square" rtlCol="0">
+                  <a:spAutoFit/>
+                </a:bodyPr>
+                <a:lstStyle/>
+                <a:p>
+                  <a:pPr algn="ctr"/>
+                  <a:r>
+                    <a:rPr lang="de-DE" dirty="0" smtClean="0"/>
+                    <a:t>Elternpfad</a:t>
+                  </a:r>
+                  <a:endParaRPr lang="de-DE" dirty="0"/>
+                </a:p>
+              </p:txBody>
+            </p:sp>
+          </p:grpSp>
+        </p:grpSp>
+        <p:grpSp>
+          <p:nvGrpSpPr>
+            <p:cNvPr id="266" name="Gruppieren 265"/>
+            <p:cNvGrpSpPr/>
+            <p:nvPr/>
+          </p:nvGrpSpPr>
+          <p:grpSpPr>
+            <a:xfrm>
+              <a:off x="7044075" y="4486530"/>
+              <a:ext cx="1543035" cy="1443789"/>
+              <a:chOff x="122054" y="2328700"/>
+              <a:chExt cx="1543035" cy="1443789"/>
+            </a:xfrm>
+          </p:grpSpPr>
+          <p:grpSp>
+            <p:nvGrpSpPr>
+              <p:cNvPr id="267" name="Gruppieren 266"/>
+              <p:cNvGrpSpPr/>
+              <p:nvPr/>
+            </p:nvGrpSpPr>
+            <p:grpSpPr>
+              <a:xfrm>
+                <a:off x="122054" y="2328700"/>
+                <a:ext cx="1532792" cy="1443789"/>
+                <a:chOff x="1772653" y="561474"/>
+                <a:chExt cx="1532792" cy="1443789"/>
+              </a:xfrm>
+            </p:grpSpPr>
+            <p:sp>
+              <p:nvSpPr>
+                <p:cNvPr id="271" name="Rechteck 270"/>
+                <p:cNvSpPr/>
+                <p:nvPr/>
+              </p:nvSpPr>
+              <p:spPr>
+                <a:xfrm>
+                  <a:off x="1772653" y="561474"/>
+                  <a:ext cx="1532792" cy="1443789"/>
+                </a:xfrm>
+                <a:prstGeom prst="rect">
+                  <a:avLst/>
+                </a:prstGeom>
+                <a:noFill/>
+                <a:ln w="25400">
+                  <a:solidFill>
+                    <a:schemeClr val="tx1"/>
+                  </a:solidFill>
+                </a:ln>
+              </p:spPr>
+              <p:style>
+                <a:lnRef idx="2">
+                  <a:schemeClr val="accent1">
+                    <a:shade val="50000"/>
+                  </a:schemeClr>
+                </a:lnRef>
+                <a:fillRef idx="1">
+                  <a:schemeClr val="accent1"/>
+                </a:fillRef>
+                <a:effectRef idx="0">
+                  <a:schemeClr val="accent1"/>
+                </a:effectRef>
+                <a:fontRef idx="minor">
+                  <a:schemeClr val="lt1"/>
+                </a:fontRef>
+              </p:style>
+              <p:txBody>
+                <a:bodyPr rtlCol="0" anchor="ctr"/>
+                <a:lstStyle/>
+                <a:p>
+                  <a:pPr algn="ctr"/>
+                  <a:endParaRPr lang="de-DE"/>
+                </a:p>
+              </p:txBody>
+            </p:sp>
+            <p:cxnSp>
+              <p:nvCxnSpPr>
+                <p:cNvPr id="272" name="Gerader Verbinder 271"/>
+                <p:cNvCxnSpPr/>
+                <p:nvPr/>
+              </p:nvCxnSpPr>
+              <p:spPr>
+                <a:xfrm>
+                  <a:off x="1772653" y="1274293"/>
+                  <a:ext cx="1532792" cy="7681"/>
+                </a:xfrm>
+                <a:prstGeom prst="line">
+                  <a:avLst/>
+                </a:prstGeom>
+                <a:ln w="25400">
+                  <a:tailEnd type="none"/>
+                </a:ln>
+              </p:spPr>
+              <p:style>
+                <a:lnRef idx="1">
+                  <a:schemeClr val="dk1"/>
+                </a:lnRef>
+                <a:fillRef idx="0">
+                  <a:schemeClr val="dk1"/>
+                </a:fillRef>
+                <a:effectRef idx="0">
+                  <a:schemeClr val="dk1"/>
+                </a:effectRef>
+                <a:fontRef idx="minor">
+                  <a:schemeClr val="tx1"/>
+                </a:fontRef>
+              </p:style>
+            </p:cxnSp>
+            <p:sp>
+              <p:nvSpPr>
+                <p:cNvPr id="273" name="Textfeld 272"/>
+                <p:cNvSpPr txBox="1"/>
+                <p:nvPr/>
+              </p:nvSpPr>
+              <p:spPr>
+                <a:xfrm>
+                  <a:off x="1772653" y="561474"/>
+                  <a:ext cx="1532792" cy="369332"/>
+                </a:xfrm>
+                <a:prstGeom prst="rect">
+                  <a:avLst/>
+                </a:prstGeom>
+                <a:noFill/>
+              </p:spPr>
+              <p:txBody>
+                <a:bodyPr wrap="square" rtlCol="0">
+                  <a:spAutoFit/>
+                </a:bodyPr>
+                <a:lstStyle/>
+                <a:p>
+                  <a:pPr algn="ctr"/>
+                  <a:r>
+                    <a:rPr lang="de-DE" dirty="0" smtClean="0"/>
+                    <a:t>Schlüssel</a:t>
+                  </a:r>
+                  <a:endParaRPr lang="de-DE" dirty="0"/>
+                </a:p>
+              </p:txBody>
+            </p:sp>
+            <p:sp>
+              <p:nvSpPr>
+                <p:cNvPr id="274" name="Textfeld 273"/>
+                <p:cNvSpPr txBox="1"/>
+                <p:nvPr/>
+              </p:nvSpPr>
+              <p:spPr>
+                <a:xfrm>
+                  <a:off x="1772653" y="856185"/>
+                  <a:ext cx="1532792" cy="369332"/>
+                </a:xfrm>
+                <a:prstGeom prst="rect">
+                  <a:avLst/>
+                </a:prstGeom>
+                <a:noFill/>
+              </p:spPr>
+              <p:txBody>
+                <a:bodyPr wrap="none" rtlCol="0">
+                  <a:spAutoFit/>
+                </a:bodyPr>
+                <a:lstStyle/>
+                <a:p>
+                  <a:pPr algn="ctr"/>
+                  <a:r>
+                    <a:rPr lang="de-DE" dirty="0" smtClean="0"/>
+                    <a:t>Speicherinhalt</a:t>
+                  </a:r>
+                  <a:endParaRPr lang="de-DE" dirty="0"/>
+                </a:p>
+              </p:txBody>
+            </p:sp>
+          </p:grpSp>
+          <p:grpSp>
+            <p:nvGrpSpPr>
+              <p:cNvPr id="268" name="Gruppieren 267"/>
+              <p:cNvGrpSpPr/>
+              <p:nvPr/>
+            </p:nvGrpSpPr>
+            <p:grpSpPr>
+              <a:xfrm>
+                <a:off x="141831" y="3061718"/>
+                <a:ext cx="1523258" cy="688588"/>
+                <a:chOff x="5105621" y="791990"/>
+                <a:chExt cx="1523258" cy="688588"/>
+              </a:xfrm>
+            </p:grpSpPr>
+            <p:sp>
+              <p:nvSpPr>
+                <p:cNvPr id="269" name="Textfeld 268"/>
+                <p:cNvSpPr txBox="1"/>
+                <p:nvPr/>
+              </p:nvSpPr>
+              <p:spPr>
+                <a:xfrm>
+                  <a:off x="5109272" y="1111246"/>
+                  <a:ext cx="1519607" cy="369332"/>
+                </a:xfrm>
+                <a:prstGeom prst="rect">
+                  <a:avLst/>
+                </a:prstGeom>
+                <a:noFill/>
+              </p:spPr>
+              <p:txBody>
+                <a:bodyPr wrap="square" rtlCol="0">
+                  <a:spAutoFit/>
+                </a:bodyPr>
+                <a:lstStyle/>
+                <a:p>
+                  <a:pPr algn="ctr"/>
+                  <a:r>
+                    <a:rPr lang="de-DE" dirty="0" smtClean="0"/>
+                    <a:t>Kinder</a:t>
+                  </a:r>
+                  <a:endParaRPr lang="de-DE" dirty="0"/>
+                </a:p>
+              </p:txBody>
+            </p:sp>
+            <p:sp>
+              <p:nvSpPr>
+                <p:cNvPr id="270" name="Textfeld 269"/>
+                <p:cNvSpPr txBox="1"/>
+                <p:nvPr/>
+              </p:nvSpPr>
+              <p:spPr>
+                <a:xfrm>
+                  <a:off x="5105621" y="791990"/>
+                  <a:ext cx="1519607" cy="369332"/>
+                </a:xfrm>
+                <a:prstGeom prst="rect">
+                  <a:avLst/>
+                </a:prstGeom>
+                <a:noFill/>
+              </p:spPr>
+              <p:txBody>
+                <a:bodyPr wrap="square" rtlCol="0">
+                  <a:spAutoFit/>
+                </a:bodyPr>
+                <a:lstStyle/>
+                <a:p>
+                  <a:pPr algn="ctr"/>
+                  <a:r>
+                    <a:rPr lang="de-DE" dirty="0" smtClean="0"/>
+                    <a:t>Elternpfad</a:t>
+                  </a:r>
+                  <a:endParaRPr lang="de-DE" dirty="0"/>
+                </a:p>
+              </p:txBody>
+            </p:sp>
+          </p:grpSp>
+        </p:grpSp>
       </p:grpSp>
     </p:spTree>
     <p:extLst>

--- a/Dokumentation/Grafiken Unternehmensfähigkeiten.pptx
+++ b/Dokumentation/Grafiken Unternehmensfähigkeiten.pptx
@@ -8,6 +8,7 @@
     <p:sldId id="256" r:id="rId2"/>
     <p:sldId id="258" r:id="rId3"/>
     <p:sldId id="257" r:id="rId4"/>
+    <p:sldId id="259" r:id="rId5"/>
   </p:sldIdLst>
   <p:sldSz cx="12192000" cy="6858000"/>
   <p:notesSz cx="6797675" cy="9928225"/>
@@ -109,7 +110,7 @@
   <p:extLst>
     <p:ext uri="{EFAFB233-063F-42B5-8137-9DF3F51BA10A}">
       <p15:sldGuideLst xmlns:p15="http://schemas.microsoft.com/office/powerpoint/2012/main">
-        <p15:guide id="1" orient="horz" pos="595" userDrawn="1">
+        <p15:guide id="1" orient="horz" pos="731" userDrawn="1">
           <p15:clr>
             <a:srgbClr val="A4A3A4"/>
           </p15:clr>
@@ -291,7 +292,7 @@
           <a:p>
             <a:fld id="{D67E706E-9FFF-4B25-B31B-E494BA33FABA}" type="datetimeFigureOut">
               <a:rPr lang="de-DE" smtClean="0"/>
-              <a:t>30.12.2020</a:t>
+              <a:t>18.01.2021</a:t>
             </a:fld>
             <a:endParaRPr lang="de-DE"/>
           </a:p>
@@ -461,7 +462,7 @@
           <a:p>
             <a:fld id="{D67E706E-9FFF-4B25-B31B-E494BA33FABA}" type="datetimeFigureOut">
               <a:rPr lang="de-DE" smtClean="0"/>
-              <a:t>30.12.2020</a:t>
+              <a:t>18.01.2021</a:t>
             </a:fld>
             <a:endParaRPr lang="de-DE"/>
           </a:p>
@@ -641,7 +642,7 @@
           <a:p>
             <a:fld id="{D67E706E-9FFF-4B25-B31B-E494BA33FABA}" type="datetimeFigureOut">
               <a:rPr lang="de-DE" smtClean="0"/>
-              <a:t>30.12.2020</a:t>
+              <a:t>18.01.2021</a:t>
             </a:fld>
             <a:endParaRPr lang="de-DE"/>
           </a:p>
@@ -811,7 +812,7 @@
           <a:p>
             <a:fld id="{D67E706E-9FFF-4B25-B31B-E494BA33FABA}" type="datetimeFigureOut">
               <a:rPr lang="de-DE" smtClean="0"/>
-              <a:t>30.12.2020</a:t>
+              <a:t>18.01.2021</a:t>
             </a:fld>
             <a:endParaRPr lang="de-DE"/>
           </a:p>
@@ -1057,7 +1058,7 @@
           <a:p>
             <a:fld id="{D67E706E-9FFF-4B25-B31B-E494BA33FABA}" type="datetimeFigureOut">
               <a:rPr lang="de-DE" smtClean="0"/>
-              <a:t>30.12.2020</a:t>
+              <a:t>18.01.2021</a:t>
             </a:fld>
             <a:endParaRPr lang="de-DE"/>
           </a:p>
@@ -1289,7 +1290,7 @@
           <a:p>
             <a:fld id="{D67E706E-9FFF-4B25-B31B-E494BA33FABA}" type="datetimeFigureOut">
               <a:rPr lang="de-DE" smtClean="0"/>
-              <a:t>30.12.2020</a:t>
+              <a:t>18.01.2021</a:t>
             </a:fld>
             <a:endParaRPr lang="de-DE"/>
           </a:p>
@@ -1656,7 +1657,7 @@
           <a:p>
             <a:fld id="{D67E706E-9FFF-4B25-B31B-E494BA33FABA}" type="datetimeFigureOut">
               <a:rPr lang="de-DE" smtClean="0"/>
-              <a:t>30.12.2020</a:t>
+              <a:t>18.01.2021</a:t>
             </a:fld>
             <a:endParaRPr lang="de-DE"/>
           </a:p>
@@ -1774,7 +1775,7 @@
           <a:p>
             <a:fld id="{D67E706E-9FFF-4B25-B31B-E494BA33FABA}" type="datetimeFigureOut">
               <a:rPr lang="de-DE" smtClean="0"/>
-              <a:t>30.12.2020</a:t>
+              <a:t>18.01.2021</a:t>
             </a:fld>
             <a:endParaRPr lang="de-DE"/>
           </a:p>
@@ -1869,7 +1870,7 @@
           <a:p>
             <a:fld id="{D67E706E-9FFF-4B25-B31B-E494BA33FABA}" type="datetimeFigureOut">
               <a:rPr lang="de-DE" smtClean="0"/>
-              <a:t>30.12.2020</a:t>
+              <a:t>18.01.2021</a:t>
             </a:fld>
             <a:endParaRPr lang="de-DE"/>
           </a:p>
@@ -2146,7 +2147,7 @@
           <a:p>
             <a:fld id="{D67E706E-9FFF-4B25-B31B-E494BA33FABA}" type="datetimeFigureOut">
               <a:rPr lang="de-DE" smtClean="0"/>
-              <a:t>30.12.2020</a:t>
+              <a:t>18.01.2021</a:t>
             </a:fld>
             <a:endParaRPr lang="de-DE"/>
           </a:p>
@@ -2399,7 +2400,7 @@
           <a:p>
             <a:fld id="{D67E706E-9FFF-4B25-B31B-E494BA33FABA}" type="datetimeFigureOut">
               <a:rPr lang="de-DE" smtClean="0"/>
-              <a:t>30.12.2020</a:t>
+              <a:t>18.01.2021</a:t>
             </a:fld>
             <a:endParaRPr lang="de-DE"/>
           </a:p>
@@ -2612,7 +2613,7 @@
           <a:p>
             <a:fld id="{D67E706E-9FFF-4B25-B31B-E494BA33FABA}" type="datetimeFigureOut">
               <a:rPr lang="de-DE" smtClean="0"/>
-              <a:t>30.12.2020</a:t>
+              <a:t>18.01.2021</a:t>
             </a:fld>
             <a:endParaRPr lang="de-DE"/>
           </a:p>
@@ -4936,11 +4937,7 @@
                 </a:r>
                 <a:r>
                   <a:rPr lang="de-DE" sz="1400" dirty="0" smtClean="0"/>
-                  <a:t> </a:t>
-                </a:r>
-                <a:r>
-                  <a:rPr lang="de-DE" sz="1400" dirty="0" smtClean="0"/>
-                  <a:t>= {}</a:t>
+                  <a:t> = {}</a:t>
                 </a:r>
                 <a:endParaRPr lang="de-DE" sz="1400" dirty="0"/>
               </a:p>
@@ -5206,17 +5203,8 @@
                 </a:r>
                 <a:r>
                   <a:rPr lang="de-DE" sz="1400" dirty="0" smtClean="0"/>
-                  <a:t> </a:t>
+                  <a:t> = Speicherdaten</a:t>
                 </a:r>
-                <a:r>
-                  <a:rPr lang="de-DE" sz="1400" dirty="0" smtClean="0"/>
-                  <a:t>= </a:t>
-                </a:r>
-                <a:r>
-                  <a:rPr lang="de-DE" sz="1400" dirty="0" smtClean="0"/>
-                  <a:t>Speicherdaten</a:t>
-                </a:r>
-                <a:endParaRPr lang="de-DE" sz="1400" dirty="0" smtClean="0"/>
               </a:p>
               <a:p>
                 <a:pPr algn="ctr"/>
@@ -5299,13 +5287,8 @@
             <a:p>
               <a:r>
                 <a:rPr lang="de-DE" b="1" dirty="0" smtClean="0"/>
-                <a:t>Zugriff auf </a:t>
+                <a:t>Zugriff auf Speicherobjekt:</a:t>
               </a:r>
-              <a:r>
-                <a:rPr lang="de-DE" b="1" dirty="0" smtClean="0"/>
-                <a:t>Speicherobjekt:</a:t>
-              </a:r>
-              <a:endParaRPr lang="de-DE" b="1" dirty="0" smtClean="0"/>
             </a:p>
             <a:p>
               <a:r>
@@ -5323,13 +5306,8 @@
             <a:p>
               <a:r>
                 <a:rPr lang="de-DE" b="1" dirty="0" smtClean="0"/>
-                <a:t>Zugriff auf </a:t>
+                <a:t>Zugriff auf Speicherdaten des Speicherobjekts:</a:t>
               </a:r>
-              <a:r>
-                <a:rPr lang="de-DE" b="1" dirty="0" smtClean="0"/>
-                <a:t>Speicherdaten des Speicherobjekts:</a:t>
-              </a:r>
-              <a:endParaRPr lang="de-DE" b="1" dirty="0" smtClean="0"/>
             </a:p>
             <a:p>
               <a:r>
@@ -5352,13 +5330,8 @@
             <a:p>
               <a:r>
                 <a:rPr lang="de-DE" b="1" dirty="0" smtClean="0"/>
-                <a:t>Zugriff auf Kinder </a:t>
+                <a:t>Zugriff auf Kinder des Speicherobjekts:</a:t>
               </a:r>
-              <a:r>
-                <a:rPr lang="de-DE" b="1" dirty="0" smtClean="0"/>
-                <a:t>des Speicherobjekts:</a:t>
-              </a:r>
-              <a:endParaRPr lang="de-DE" b="1" dirty="0" smtClean="0"/>
             </a:p>
             <a:p>
               <a:r>
@@ -5381,13 +5354,8 @@
             <a:p>
               <a:r>
                 <a:rPr lang="de-DE" b="1" dirty="0" smtClean="0"/>
-                <a:t>Zugriff auf Elternpfad </a:t>
+                <a:t>Zugriff auf Elternpfad des Speicherobjekts:</a:t>
               </a:r>
-              <a:r>
-                <a:rPr lang="de-DE" b="1" dirty="0" smtClean="0"/>
-                <a:t>des Speicherobjekts:</a:t>
-              </a:r>
-              <a:endParaRPr lang="de-DE" b="1" dirty="0" smtClean="0"/>
             </a:p>
             <a:p>
               <a:r>
@@ -5430,17 +5398,8 @@
             <a:p>
               <a:r>
                 <a:rPr lang="de-DE" b="1" dirty="0" smtClean="0"/>
-                <a:t>Zugriff </a:t>
+                <a:t>Zugriff auf Speicherinhalt des Speicherobjekts:</a:t>
               </a:r>
-              <a:r>
-                <a:rPr lang="de-DE" b="1" dirty="0" smtClean="0"/>
-                <a:t>auf Speicherinhalt des </a:t>
-              </a:r>
-              <a:r>
-                <a:rPr lang="de-DE" b="1" dirty="0" smtClean="0"/>
-                <a:t>Speicherobjekts:</a:t>
-              </a:r>
-              <a:endParaRPr lang="de-DE" b="1" dirty="0" smtClean="0"/>
             </a:p>
             <a:p>
               <a:r>
@@ -5463,13 +5422,8 @@
             <a:p>
               <a:r>
                 <a:rPr lang="de-DE" b="1" dirty="0" smtClean="0"/>
-                <a:t>Zugriff auf </a:t>
+                <a:t>Zugriff auf Speicherelement:</a:t>
               </a:r>
-              <a:r>
-                <a:rPr lang="de-DE" b="1" dirty="0" smtClean="0"/>
-                <a:t>Speicherelement:</a:t>
-              </a:r>
-              <a:endParaRPr lang="de-DE" b="1" dirty="0" smtClean="0"/>
             </a:p>
             <a:p>
               <a:r>
@@ -8490,6 +8444,1971 @@
 </p:sld>
 </file>
 
+<file path=ppt/slides/slide4.xml><?xml version="1.0" encoding="utf-8"?>
+<p:sld xmlns:a="http://schemas.openxmlformats.org/drawingml/2006/main" xmlns:r="http://schemas.openxmlformats.org/officeDocument/2006/relationships" xmlns:p="http://schemas.openxmlformats.org/presentationml/2006/main">
+  <p:cSld>
+    <p:spTree>
+      <p:nvGrpSpPr>
+        <p:cNvPr id="1" name=""/>
+        <p:cNvGrpSpPr/>
+        <p:nvPr/>
+      </p:nvGrpSpPr>
+      <p:grpSpPr>
+        <a:xfrm>
+          <a:off x="0" y="0"/>
+          <a:ext cx="0" cy="0"/>
+          <a:chOff x="0" y="0"/>
+          <a:chExt cx="0" cy="0"/>
+        </a:xfrm>
+      </p:grpSpPr>
+      <p:grpSp>
+        <p:nvGrpSpPr>
+          <p:cNvPr id="5" name="Gruppieren 4"/>
+          <p:cNvGrpSpPr/>
+          <p:nvPr/>
+        </p:nvGrpSpPr>
+        <p:grpSpPr>
+          <a:xfrm>
+            <a:off x="354366" y="1648324"/>
+            <a:ext cx="2167605" cy="2157663"/>
+            <a:chOff x="334962" y="569494"/>
+            <a:chExt cx="2167605" cy="2157663"/>
+          </a:xfrm>
+        </p:grpSpPr>
+        <p:sp>
+          <p:nvSpPr>
+            <p:cNvPr id="2" name="Rechteck 1"/>
+            <p:cNvSpPr/>
+            <p:nvPr/>
+          </p:nvSpPr>
+          <p:spPr>
+            <a:xfrm>
+              <a:off x="334962" y="569494"/>
+              <a:ext cx="2167605" cy="2157663"/>
+            </a:xfrm>
+            <a:prstGeom prst="rect">
+              <a:avLst/>
+            </a:prstGeom>
+            <a:noFill/>
+            <a:ln w="25400">
+              <a:solidFill>
+                <a:schemeClr val="tx1"/>
+              </a:solidFill>
+            </a:ln>
+          </p:spPr>
+          <p:style>
+            <a:lnRef idx="2">
+              <a:schemeClr val="accent1">
+                <a:shade val="50000"/>
+              </a:schemeClr>
+            </a:lnRef>
+            <a:fillRef idx="1">
+              <a:schemeClr val="accent1"/>
+            </a:fillRef>
+            <a:effectRef idx="0">
+              <a:schemeClr val="accent1"/>
+            </a:effectRef>
+            <a:fontRef idx="minor">
+              <a:schemeClr val="lt1"/>
+            </a:fontRef>
+          </p:style>
+          <p:txBody>
+            <a:bodyPr rtlCol="0" anchor="ctr"/>
+            <a:lstStyle/>
+            <a:p>
+              <a:pPr algn="ctr"/>
+              <a:endParaRPr lang="de-DE"/>
+            </a:p>
+          </p:txBody>
+        </p:sp>
+        <p:cxnSp>
+          <p:nvCxnSpPr>
+            <p:cNvPr id="4" name="Gerader Verbinder 3"/>
+            <p:cNvCxnSpPr/>
+            <p:nvPr/>
+          </p:nvCxnSpPr>
+          <p:spPr>
+            <a:xfrm>
+              <a:off x="334962" y="1160463"/>
+              <a:ext cx="2167605" cy="0"/>
+            </a:xfrm>
+            <a:prstGeom prst="line">
+              <a:avLst/>
+            </a:prstGeom>
+            <a:ln w="25400">
+              <a:tailEnd type="none"/>
+            </a:ln>
+          </p:spPr>
+          <p:style>
+            <a:lnRef idx="1">
+              <a:schemeClr val="dk1"/>
+            </a:lnRef>
+            <a:fillRef idx="0">
+              <a:schemeClr val="dk1"/>
+            </a:fillRef>
+            <a:effectRef idx="0">
+              <a:schemeClr val="dk1"/>
+            </a:effectRef>
+            <a:fontRef idx="minor">
+              <a:schemeClr val="tx1"/>
+            </a:fontRef>
+          </p:style>
+        </p:cxnSp>
+      </p:grpSp>
+      <p:grpSp>
+        <p:nvGrpSpPr>
+          <p:cNvPr id="6" name="Gruppieren 5"/>
+          <p:cNvGrpSpPr/>
+          <p:nvPr/>
+        </p:nvGrpSpPr>
+        <p:grpSpPr>
+          <a:xfrm>
+            <a:off x="3331344" y="4149725"/>
+            <a:ext cx="2167605" cy="2157663"/>
+            <a:chOff x="334962" y="569494"/>
+            <a:chExt cx="2167605" cy="2157663"/>
+          </a:xfrm>
+        </p:grpSpPr>
+        <p:sp>
+          <p:nvSpPr>
+            <p:cNvPr id="7" name="Rechteck 6"/>
+            <p:cNvSpPr/>
+            <p:nvPr/>
+          </p:nvSpPr>
+          <p:spPr>
+            <a:xfrm>
+              <a:off x="334962" y="569494"/>
+              <a:ext cx="2167605" cy="2157663"/>
+            </a:xfrm>
+            <a:prstGeom prst="rect">
+              <a:avLst/>
+            </a:prstGeom>
+            <a:noFill/>
+            <a:ln w="25400">
+              <a:solidFill>
+                <a:srgbClr val="0070C0"/>
+              </a:solidFill>
+            </a:ln>
+          </p:spPr>
+          <p:style>
+            <a:lnRef idx="2">
+              <a:schemeClr val="accent1">
+                <a:shade val="50000"/>
+              </a:schemeClr>
+            </a:lnRef>
+            <a:fillRef idx="1">
+              <a:schemeClr val="accent1"/>
+            </a:fillRef>
+            <a:effectRef idx="0">
+              <a:schemeClr val="accent1"/>
+            </a:effectRef>
+            <a:fontRef idx="minor">
+              <a:schemeClr val="lt1"/>
+            </a:fontRef>
+          </p:style>
+          <p:txBody>
+            <a:bodyPr rtlCol="0" anchor="ctr"/>
+            <a:lstStyle/>
+            <a:p>
+              <a:pPr algn="ctr"/>
+              <a:endParaRPr lang="de-DE"/>
+            </a:p>
+          </p:txBody>
+        </p:sp>
+        <p:cxnSp>
+          <p:nvCxnSpPr>
+            <p:cNvPr id="8" name="Gerader Verbinder 7"/>
+            <p:cNvCxnSpPr/>
+            <p:nvPr/>
+          </p:nvCxnSpPr>
+          <p:spPr>
+            <a:xfrm>
+              <a:off x="334962" y="1160463"/>
+              <a:ext cx="2167605" cy="0"/>
+            </a:xfrm>
+            <a:prstGeom prst="line">
+              <a:avLst/>
+            </a:prstGeom>
+            <a:ln w="25400">
+              <a:solidFill>
+                <a:srgbClr val="0070C0"/>
+              </a:solidFill>
+              <a:tailEnd type="none"/>
+            </a:ln>
+          </p:spPr>
+          <p:style>
+            <a:lnRef idx="1">
+              <a:schemeClr val="dk1"/>
+            </a:lnRef>
+            <a:fillRef idx="0">
+              <a:schemeClr val="dk1"/>
+            </a:fillRef>
+            <a:effectRef idx="0">
+              <a:schemeClr val="dk1"/>
+            </a:effectRef>
+            <a:fontRef idx="minor">
+              <a:schemeClr val="tx1"/>
+            </a:fontRef>
+          </p:style>
+        </p:cxnSp>
+      </p:grpSp>
+      <p:grpSp>
+        <p:nvGrpSpPr>
+          <p:cNvPr id="9" name="Gruppieren 8"/>
+          <p:cNvGrpSpPr/>
+          <p:nvPr/>
+        </p:nvGrpSpPr>
+        <p:grpSpPr>
+          <a:xfrm>
+            <a:off x="5024819" y="529898"/>
+            <a:ext cx="2167605" cy="2157663"/>
+            <a:chOff x="334962" y="569494"/>
+            <a:chExt cx="2167605" cy="2157663"/>
+          </a:xfrm>
+        </p:grpSpPr>
+        <p:sp>
+          <p:nvSpPr>
+            <p:cNvPr id="10" name="Rechteck 9"/>
+            <p:cNvSpPr/>
+            <p:nvPr/>
+          </p:nvSpPr>
+          <p:spPr>
+            <a:xfrm>
+              <a:off x="334962" y="569494"/>
+              <a:ext cx="2167605" cy="2157663"/>
+            </a:xfrm>
+            <a:prstGeom prst="rect">
+              <a:avLst/>
+            </a:prstGeom>
+            <a:noFill/>
+            <a:ln w="25400">
+              <a:solidFill>
+                <a:srgbClr val="0070C0"/>
+              </a:solidFill>
+            </a:ln>
+          </p:spPr>
+          <p:style>
+            <a:lnRef idx="2">
+              <a:schemeClr val="accent1">
+                <a:shade val="50000"/>
+              </a:schemeClr>
+            </a:lnRef>
+            <a:fillRef idx="1">
+              <a:schemeClr val="accent1"/>
+            </a:fillRef>
+            <a:effectRef idx="0">
+              <a:schemeClr val="accent1"/>
+            </a:effectRef>
+            <a:fontRef idx="minor">
+              <a:schemeClr val="lt1"/>
+            </a:fontRef>
+          </p:style>
+          <p:txBody>
+            <a:bodyPr rtlCol="0" anchor="ctr"/>
+            <a:lstStyle/>
+            <a:p>
+              <a:pPr algn="ctr"/>
+              <a:endParaRPr lang="de-DE"/>
+            </a:p>
+          </p:txBody>
+        </p:sp>
+        <p:cxnSp>
+          <p:nvCxnSpPr>
+            <p:cNvPr id="11" name="Gerader Verbinder 10"/>
+            <p:cNvCxnSpPr/>
+            <p:nvPr/>
+          </p:nvCxnSpPr>
+          <p:spPr>
+            <a:xfrm>
+              <a:off x="334962" y="1160463"/>
+              <a:ext cx="2167605" cy="0"/>
+            </a:xfrm>
+            <a:prstGeom prst="line">
+              <a:avLst/>
+            </a:prstGeom>
+            <a:ln w="25400">
+              <a:solidFill>
+                <a:srgbClr val="0070C0"/>
+              </a:solidFill>
+              <a:tailEnd type="none"/>
+            </a:ln>
+          </p:spPr>
+          <p:style>
+            <a:lnRef idx="1">
+              <a:schemeClr val="dk1"/>
+            </a:lnRef>
+            <a:fillRef idx="0">
+              <a:schemeClr val="dk1"/>
+            </a:fillRef>
+            <a:effectRef idx="0">
+              <a:schemeClr val="dk1"/>
+            </a:effectRef>
+            <a:fontRef idx="minor">
+              <a:schemeClr val="tx1"/>
+            </a:fontRef>
+          </p:style>
+        </p:cxnSp>
+      </p:grpSp>
+      <p:grpSp>
+        <p:nvGrpSpPr>
+          <p:cNvPr id="12" name="Gruppieren 11"/>
+          <p:cNvGrpSpPr/>
+          <p:nvPr/>
+        </p:nvGrpSpPr>
+        <p:grpSpPr>
+          <a:xfrm>
+            <a:off x="7011065" y="4149725"/>
+            <a:ext cx="2167605" cy="2157663"/>
+            <a:chOff x="334962" y="569494"/>
+            <a:chExt cx="2167605" cy="2157663"/>
+          </a:xfrm>
+        </p:grpSpPr>
+        <p:sp>
+          <p:nvSpPr>
+            <p:cNvPr id="13" name="Rechteck 12"/>
+            <p:cNvSpPr/>
+            <p:nvPr/>
+          </p:nvSpPr>
+          <p:spPr>
+            <a:xfrm>
+              <a:off x="334962" y="569494"/>
+              <a:ext cx="2167605" cy="2157663"/>
+            </a:xfrm>
+            <a:prstGeom prst="rect">
+              <a:avLst/>
+            </a:prstGeom>
+            <a:noFill/>
+            <a:ln w="25400">
+              <a:solidFill>
+                <a:srgbClr val="0070C0"/>
+              </a:solidFill>
+            </a:ln>
+          </p:spPr>
+          <p:style>
+            <a:lnRef idx="2">
+              <a:schemeClr val="accent1">
+                <a:shade val="50000"/>
+              </a:schemeClr>
+            </a:lnRef>
+            <a:fillRef idx="1">
+              <a:schemeClr val="accent1"/>
+            </a:fillRef>
+            <a:effectRef idx="0">
+              <a:schemeClr val="accent1"/>
+            </a:effectRef>
+            <a:fontRef idx="minor">
+              <a:schemeClr val="lt1"/>
+            </a:fontRef>
+          </p:style>
+          <p:txBody>
+            <a:bodyPr rtlCol="0" anchor="ctr"/>
+            <a:lstStyle/>
+            <a:p>
+              <a:pPr algn="ctr"/>
+              <a:endParaRPr lang="de-DE"/>
+            </a:p>
+          </p:txBody>
+        </p:sp>
+        <p:cxnSp>
+          <p:nvCxnSpPr>
+            <p:cNvPr id="14" name="Gerader Verbinder 13"/>
+            <p:cNvCxnSpPr/>
+            <p:nvPr/>
+          </p:nvCxnSpPr>
+          <p:spPr>
+            <a:xfrm>
+              <a:off x="334962" y="1160463"/>
+              <a:ext cx="2167605" cy="0"/>
+            </a:xfrm>
+            <a:prstGeom prst="line">
+              <a:avLst/>
+            </a:prstGeom>
+            <a:ln w="25400">
+              <a:solidFill>
+                <a:srgbClr val="0070C0"/>
+              </a:solidFill>
+              <a:tailEnd type="none"/>
+            </a:ln>
+          </p:spPr>
+          <p:style>
+            <a:lnRef idx="1">
+              <a:schemeClr val="dk1"/>
+            </a:lnRef>
+            <a:fillRef idx="0">
+              <a:schemeClr val="dk1"/>
+            </a:fillRef>
+            <a:effectRef idx="0">
+              <a:schemeClr val="dk1"/>
+            </a:effectRef>
+            <a:fontRef idx="minor">
+              <a:schemeClr val="tx1"/>
+            </a:fontRef>
+          </p:style>
+        </p:cxnSp>
+      </p:grpSp>
+      <p:grpSp>
+        <p:nvGrpSpPr>
+          <p:cNvPr id="15" name="Gruppieren 14"/>
+          <p:cNvGrpSpPr/>
+          <p:nvPr/>
+        </p:nvGrpSpPr>
+        <p:grpSpPr>
+          <a:xfrm>
+            <a:off x="9695270" y="1608729"/>
+            <a:ext cx="2167605" cy="2157663"/>
+            <a:chOff x="334962" y="569494"/>
+            <a:chExt cx="2167605" cy="2157663"/>
+          </a:xfrm>
+        </p:grpSpPr>
+        <p:sp>
+          <p:nvSpPr>
+            <p:cNvPr id="16" name="Rechteck 15"/>
+            <p:cNvSpPr/>
+            <p:nvPr/>
+          </p:nvSpPr>
+          <p:spPr>
+            <a:xfrm>
+              <a:off x="334962" y="569494"/>
+              <a:ext cx="2167605" cy="2157663"/>
+            </a:xfrm>
+            <a:prstGeom prst="rect">
+              <a:avLst/>
+            </a:prstGeom>
+            <a:noFill/>
+            <a:ln w="25400">
+              <a:solidFill>
+                <a:schemeClr val="tx1"/>
+              </a:solidFill>
+            </a:ln>
+          </p:spPr>
+          <p:style>
+            <a:lnRef idx="2">
+              <a:schemeClr val="accent1">
+                <a:shade val="50000"/>
+              </a:schemeClr>
+            </a:lnRef>
+            <a:fillRef idx="1">
+              <a:schemeClr val="accent1"/>
+            </a:fillRef>
+            <a:effectRef idx="0">
+              <a:schemeClr val="accent1"/>
+            </a:effectRef>
+            <a:fontRef idx="minor">
+              <a:schemeClr val="lt1"/>
+            </a:fontRef>
+          </p:style>
+          <p:txBody>
+            <a:bodyPr rtlCol="0" anchor="ctr"/>
+            <a:lstStyle/>
+            <a:p>
+              <a:pPr algn="ctr"/>
+              <a:endParaRPr lang="de-DE"/>
+            </a:p>
+          </p:txBody>
+        </p:sp>
+        <p:cxnSp>
+          <p:nvCxnSpPr>
+            <p:cNvPr id="17" name="Gerader Verbinder 16"/>
+            <p:cNvCxnSpPr/>
+            <p:nvPr/>
+          </p:nvCxnSpPr>
+          <p:spPr>
+            <a:xfrm>
+              <a:off x="334962" y="1160463"/>
+              <a:ext cx="2167605" cy="0"/>
+            </a:xfrm>
+            <a:prstGeom prst="line">
+              <a:avLst/>
+            </a:prstGeom>
+            <a:ln w="25400">
+              <a:tailEnd type="none"/>
+            </a:ln>
+          </p:spPr>
+          <p:style>
+            <a:lnRef idx="1">
+              <a:schemeClr val="dk1"/>
+            </a:lnRef>
+            <a:fillRef idx="0">
+              <a:schemeClr val="dk1"/>
+            </a:fillRef>
+            <a:effectRef idx="0">
+              <a:schemeClr val="dk1"/>
+            </a:effectRef>
+            <a:fontRef idx="minor">
+              <a:schemeClr val="tx1"/>
+            </a:fontRef>
+          </p:style>
+        </p:cxnSp>
+      </p:grpSp>
+      <p:sp>
+        <p:nvSpPr>
+          <p:cNvPr id="18" name="Textfeld 17"/>
+          <p:cNvSpPr txBox="1"/>
+          <p:nvPr/>
+        </p:nvSpPr>
+        <p:spPr>
+          <a:xfrm>
+            <a:off x="354366" y="1648323"/>
+            <a:ext cx="2167604" cy="584775"/>
+          </a:xfrm>
+          <a:prstGeom prst="rect">
+            <a:avLst/>
+          </a:prstGeom>
+          <a:noFill/>
+        </p:spPr>
+        <p:txBody>
+          <a:bodyPr wrap="square" rtlCol="0">
+            <a:spAutoFit/>
+          </a:bodyPr>
+          <a:lstStyle/>
+          <a:p>
+            <a:pPr algn="ctr"/>
+            <a:r>
+              <a:rPr lang="de-DE" sz="3200" b="1" dirty="0" err="1" smtClean="0"/>
+              <a:t>hellos</a:t>
+            </a:r>
+            <a:endParaRPr lang="de-DE" sz="3200" b="1" dirty="0"/>
+          </a:p>
+        </p:txBody>
+      </p:sp>
+      <p:sp>
+        <p:nvSpPr>
+          <p:cNvPr id="20" name="Textfeld 19"/>
+          <p:cNvSpPr txBox="1"/>
+          <p:nvPr/>
+        </p:nvSpPr>
+        <p:spPr>
+          <a:xfrm>
+            <a:off x="5005411" y="539985"/>
+            <a:ext cx="2167604" cy="584775"/>
+          </a:xfrm>
+          <a:prstGeom prst="rect">
+            <a:avLst/>
+          </a:prstGeom>
+          <a:noFill/>
+        </p:spPr>
+        <p:txBody>
+          <a:bodyPr wrap="square" rtlCol="0">
+            <a:spAutoFit/>
+          </a:bodyPr>
+          <a:lstStyle/>
+          <a:p>
+            <a:pPr algn="ctr"/>
+            <a:r>
+              <a:rPr lang="de-DE" sz="3200" b="1" dirty="0" smtClean="0">
+                <a:solidFill>
+                  <a:srgbClr val="0070C0"/>
+                </a:solidFill>
+              </a:rPr>
+              <a:t>API</a:t>
+            </a:r>
+            <a:endParaRPr lang="de-DE" sz="3200" b="1" dirty="0">
+              <a:solidFill>
+                <a:srgbClr val="0070C0"/>
+              </a:solidFill>
+            </a:endParaRPr>
+          </a:p>
+        </p:txBody>
+      </p:sp>
+      <p:sp>
+        <p:nvSpPr>
+          <p:cNvPr id="21" name="Textfeld 20"/>
+          <p:cNvSpPr txBox="1"/>
+          <p:nvPr/>
+        </p:nvSpPr>
+        <p:spPr>
+          <a:xfrm>
+            <a:off x="9695269" y="1608728"/>
+            <a:ext cx="2167604" cy="584775"/>
+          </a:xfrm>
+          <a:prstGeom prst="rect">
+            <a:avLst/>
+          </a:prstGeom>
+          <a:noFill/>
+        </p:spPr>
+        <p:txBody>
+          <a:bodyPr wrap="square" rtlCol="0">
+            <a:spAutoFit/>
+          </a:bodyPr>
+          <a:lstStyle/>
+          <a:p>
+            <a:pPr algn="ctr"/>
+            <a:r>
+              <a:rPr lang="de-DE" sz="3200" b="1" dirty="0" err="1" smtClean="0"/>
+              <a:t>prints</a:t>
+            </a:r>
+            <a:endParaRPr lang="de-DE" sz="3200" b="1" dirty="0"/>
+          </a:p>
+        </p:txBody>
+      </p:sp>
+      <p:sp>
+        <p:nvSpPr>
+          <p:cNvPr id="22" name="Textfeld 21"/>
+          <p:cNvSpPr txBox="1"/>
+          <p:nvPr/>
+        </p:nvSpPr>
+        <p:spPr>
+          <a:xfrm>
+            <a:off x="7011064" y="4172411"/>
+            <a:ext cx="2167604" cy="584775"/>
+          </a:xfrm>
+          <a:prstGeom prst="rect">
+            <a:avLst/>
+          </a:prstGeom>
+          <a:noFill/>
+        </p:spPr>
+        <p:txBody>
+          <a:bodyPr wrap="square" rtlCol="0">
+            <a:spAutoFit/>
+          </a:bodyPr>
+          <a:lstStyle/>
+          <a:p>
+            <a:pPr algn="ctr"/>
+            <a:r>
+              <a:rPr lang="de-DE" sz="3200" b="1" dirty="0" smtClean="0">
+                <a:solidFill>
+                  <a:srgbClr val="0070C0"/>
+                </a:solidFill>
+              </a:rPr>
+              <a:t>CRUD</a:t>
+            </a:r>
+            <a:endParaRPr lang="de-DE" sz="3200" b="1" dirty="0">
+              <a:solidFill>
+                <a:srgbClr val="0070C0"/>
+              </a:solidFill>
+            </a:endParaRPr>
+          </a:p>
+        </p:txBody>
+      </p:sp>
+      <p:sp>
+        <p:nvSpPr>
+          <p:cNvPr id="23" name="Textfeld 22"/>
+          <p:cNvSpPr txBox="1"/>
+          <p:nvPr/>
+        </p:nvSpPr>
+        <p:spPr>
+          <a:xfrm>
+            <a:off x="3331345" y="4149725"/>
+            <a:ext cx="2167604" cy="584775"/>
+          </a:xfrm>
+          <a:prstGeom prst="rect">
+            <a:avLst/>
+          </a:prstGeom>
+          <a:noFill/>
+        </p:spPr>
+        <p:txBody>
+          <a:bodyPr wrap="square" rtlCol="0">
+            <a:spAutoFit/>
+          </a:bodyPr>
+          <a:lstStyle/>
+          <a:p>
+            <a:pPr algn="ctr"/>
+            <a:r>
+              <a:rPr lang="de-DE" sz="3200" b="1" dirty="0" smtClean="0">
+                <a:solidFill>
+                  <a:srgbClr val="0070C0"/>
+                </a:solidFill>
+              </a:rPr>
+              <a:t>Persistenz</a:t>
+            </a:r>
+            <a:endParaRPr lang="de-DE" sz="3200" b="1" dirty="0">
+              <a:solidFill>
+                <a:srgbClr val="0070C0"/>
+              </a:solidFill>
+            </a:endParaRPr>
+          </a:p>
+        </p:txBody>
+      </p:sp>
+      <p:cxnSp>
+        <p:nvCxnSpPr>
+          <p:cNvPr id="25" name="Gerade Verbindung mit Pfeil 24"/>
+          <p:cNvCxnSpPr/>
+          <p:nvPr/>
+        </p:nvCxnSpPr>
+        <p:spPr>
+          <a:xfrm flipV="1">
+            <a:off x="2565153" y="1648323"/>
+            <a:ext cx="2374848" cy="809743"/>
+          </a:xfrm>
+          <a:prstGeom prst="straightConnector1">
+            <a:avLst/>
+          </a:prstGeom>
+          <a:ln w="25400">
+            <a:prstDash val="dash"/>
+            <a:tailEnd type="triangle"/>
+          </a:ln>
+        </p:spPr>
+        <p:style>
+          <a:lnRef idx="1">
+            <a:schemeClr val="dk1"/>
+          </a:lnRef>
+          <a:fillRef idx="0">
+            <a:schemeClr val="dk1"/>
+          </a:fillRef>
+          <a:effectRef idx="0">
+            <a:schemeClr val="dk1"/>
+          </a:effectRef>
+          <a:fontRef idx="minor">
+            <a:schemeClr val="tx1"/>
+          </a:fontRef>
+        </p:style>
+      </p:cxnSp>
+      <p:sp>
+        <p:nvSpPr>
+          <p:cNvPr id="29" name="Textfeld 28"/>
+          <p:cNvSpPr txBox="1"/>
+          <p:nvPr/>
+        </p:nvSpPr>
+        <p:spPr>
+          <a:xfrm>
+            <a:off x="334963" y="2245489"/>
+            <a:ext cx="2187002" cy="1077218"/>
+          </a:xfrm>
+          <a:prstGeom prst="rect">
+            <a:avLst/>
+          </a:prstGeom>
+          <a:noFill/>
+        </p:spPr>
+        <p:txBody>
+          <a:bodyPr wrap="square" rtlCol="0">
+            <a:spAutoFit/>
+          </a:bodyPr>
+          <a:lstStyle/>
+          <a:p>
+            <a:pPr marL="285750" indent="-285750">
+              <a:buFontTx/>
+              <a:buChar char="-"/>
+            </a:pPr>
+            <a:r>
+              <a:rPr lang="de-DE" sz="1600" dirty="0" smtClean="0"/>
+              <a:t>Holt Daten zum Request von Nutzer ein</a:t>
+            </a:r>
+          </a:p>
+          <a:p>
+            <a:pPr marL="285750" indent="-285750">
+              <a:buFontTx/>
+              <a:buChar char="-"/>
+            </a:pPr>
+            <a:r>
+              <a:rPr lang="de-DE" sz="1600" dirty="0" smtClean="0"/>
+              <a:t>Erzeugt Request</a:t>
+            </a:r>
+            <a:endParaRPr lang="de-DE" sz="1600" dirty="0"/>
+          </a:p>
+        </p:txBody>
+      </p:sp>
+      <p:sp>
+        <p:nvSpPr>
+          <p:cNvPr id="30" name="Textfeld 29"/>
+          <p:cNvSpPr txBox="1"/>
+          <p:nvPr/>
+        </p:nvSpPr>
+        <p:spPr>
+          <a:xfrm>
+            <a:off x="3056767" y="437899"/>
+            <a:ext cx="1721712" cy="1231106"/>
+          </a:xfrm>
+          <a:prstGeom prst="rect">
+            <a:avLst/>
+          </a:prstGeom>
+          <a:noFill/>
+        </p:spPr>
+        <p:txBody>
+          <a:bodyPr wrap="square" rtlCol="0">
+            <a:spAutoFit/>
+          </a:bodyPr>
+          <a:lstStyle/>
+          <a:p>
+            <a:r>
+              <a:rPr lang="de-DE" dirty="0" err="1" smtClean="0"/>
+              <a:t>API.hole</a:t>
+            </a:r>
+            <a:r>
+              <a:rPr lang="de-DE" dirty="0" smtClean="0"/>
+              <a:t>()</a:t>
+            </a:r>
+          </a:p>
+          <a:p>
+            <a:pPr marL="285750" indent="-285750">
+              <a:buFont typeface="Arial" panose="020B0604020202020204" pitchFamily="34" charset="0"/>
+              <a:buChar char="•"/>
+            </a:pPr>
+            <a:r>
+              <a:rPr lang="de-DE" sz="1400" dirty="0" smtClean="0"/>
+              <a:t>Schickt die Daten zur Anfrage mit</a:t>
+            </a:r>
+          </a:p>
+          <a:p>
+            <a:pPr marL="285750" indent="-285750">
+              <a:buFont typeface="Arial" panose="020B0604020202020204" pitchFamily="34" charset="0"/>
+              <a:buChar char="•"/>
+            </a:pPr>
+            <a:r>
+              <a:rPr lang="de-DE" sz="1400" dirty="0" smtClean="0"/>
+              <a:t>Wartet auf Rückgabedaten</a:t>
+            </a:r>
+            <a:endParaRPr lang="de-DE" sz="1400" dirty="0"/>
+          </a:p>
+        </p:txBody>
+      </p:sp>
+      <p:cxnSp>
+        <p:nvCxnSpPr>
+          <p:cNvPr id="32" name="Gerade Verbindung mit Pfeil 31"/>
+          <p:cNvCxnSpPr/>
+          <p:nvPr/>
+        </p:nvCxnSpPr>
+        <p:spPr>
+          <a:xfrm>
+            <a:off x="7211832" y="1337187"/>
+            <a:ext cx="2483435" cy="1115390"/>
+          </a:xfrm>
+          <a:prstGeom prst="straightConnector1">
+            <a:avLst/>
+          </a:prstGeom>
+          <a:ln w="25400">
+            <a:prstDash val="dash"/>
+            <a:tailEnd type="triangle"/>
+          </a:ln>
+        </p:spPr>
+        <p:style>
+          <a:lnRef idx="1">
+            <a:schemeClr val="dk1"/>
+          </a:lnRef>
+          <a:fillRef idx="0">
+            <a:schemeClr val="dk1"/>
+          </a:fillRef>
+          <a:effectRef idx="0">
+            <a:schemeClr val="dk1"/>
+          </a:effectRef>
+          <a:fontRef idx="minor">
+            <a:schemeClr val="tx1"/>
+          </a:fontRef>
+        </p:style>
+      </p:cxnSp>
+      <p:sp>
+        <p:nvSpPr>
+          <p:cNvPr id="33" name="Textfeld 32"/>
+          <p:cNvSpPr txBox="1"/>
+          <p:nvPr/>
+        </p:nvSpPr>
+        <p:spPr>
+          <a:xfrm>
+            <a:off x="7399947" y="216819"/>
+            <a:ext cx="2146360" cy="1231106"/>
+          </a:xfrm>
+          <a:prstGeom prst="rect">
+            <a:avLst/>
+          </a:prstGeom>
+          <a:noFill/>
+        </p:spPr>
+        <p:txBody>
+          <a:bodyPr wrap="square" rtlCol="0">
+            <a:spAutoFit/>
+          </a:bodyPr>
+          <a:lstStyle/>
+          <a:p>
+            <a:r>
+              <a:rPr lang="de-DE" dirty="0" err="1" smtClean="0"/>
+              <a:t>API.get</a:t>
+            </a:r>
+            <a:r>
+              <a:rPr lang="de-DE" dirty="0" smtClean="0"/>
+              <a:t>()</a:t>
+            </a:r>
+          </a:p>
+          <a:p>
+            <a:pPr marL="285750" indent="-285750">
+              <a:buFont typeface="Arial" panose="020B0604020202020204" pitchFamily="34" charset="0"/>
+              <a:buChar char="•"/>
+            </a:pPr>
+            <a:r>
+              <a:rPr lang="de-DE" sz="1400" dirty="0" smtClean="0"/>
+              <a:t>Nimmt die Daten aus dem Request entgegen</a:t>
+            </a:r>
+          </a:p>
+          <a:p>
+            <a:pPr marL="285750" indent="-285750">
+              <a:buFont typeface="Arial" panose="020B0604020202020204" pitchFamily="34" charset="0"/>
+              <a:buChar char="•"/>
+            </a:pPr>
+            <a:r>
+              <a:rPr lang="de-DE" sz="1400" dirty="0" smtClean="0"/>
+              <a:t>Leitet Daten zur Anfrage weiter</a:t>
+            </a:r>
+            <a:endParaRPr lang="de-DE" sz="1400" dirty="0"/>
+          </a:p>
+        </p:txBody>
+      </p:sp>
+      <p:sp>
+        <p:nvSpPr>
+          <p:cNvPr id="34" name="Textfeld 33"/>
+          <p:cNvSpPr txBox="1"/>
+          <p:nvPr/>
+        </p:nvSpPr>
+        <p:spPr>
+          <a:xfrm>
+            <a:off x="4551105" y="1172694"/>
+            <a:ext cx="490840" cy="369332"/>
+          </a:xfrm>
+          <a:prstGeom prst="rect">
+            <a:avLst/>
+          </a:prstGeom>
+          <a:noFill/>
+        </p:spPr>
+        <p:txBody>
+          <a:bodyPr wrap="none" rtlCol="0">
+            <a:spAutoFit/>
+          </a:bodyPr>
+          <a:lstStyle/>
+          <a:p>
+            <a:r>
+              <a:rPr lang="de-DE" dirty="0" smtClean="0"/>
+              <a:t>①</a:t>
+            </a:r>
+            <a:endParaRPr lang="de-DE" dirty="0"/>
+          </a:p>
+        </p:txBody>
+      </p:sp>
+      <p:sp>
+        <p:nvSpPr>
+          <p:cNvPr id="35" name="Textfeld 34"/>
+          <p:cNvSpPr txBox="1"/>
+          <p:nvPr/>
+        </p:nvSpPr>
+        <p:spPr>
+          <a:xfrm>
+            <a:off x="7011064" y="4738902"/>
+            <a:ext cx="2187002" cy="1569660"/>
+          </a:xfrm>
+          <a:prstGeom prst="rect">
+            <a:avLst/>
+          </a:prstGeom>
+          <a:noFill/>
+        </p:spPr>
+        <p:txBody>
+          <a:bodyPr wrap="square" rtlCol="0">
+            <a:spAutoFit/>
+          </a:bodyPr>
+          <a:lstStyle/>
+          <a:p>
+            <a:pPr marL="285750" indent="-285750">
+              <a:buFontTx/>
+              <a:buChar char="-"/>
+            </a:pPr>
+            <a:r>
+              <a:rPr lang="de-DE" sz="1600" dirty="0" smtClean="0"/>
+              <a:t>Wandelt Request in Persistenz-Methoden um</a:t>
+            </a:r>
+          </a:p>
+          <a:p>
+            <a:pPr marL="285750" indent="-285750">
+              <a:buFontTx/>
+              <a:buChar char="-"/>
+            </a:pPr>
+            <a:r>
+              <a:rPr lang="de-DE" sz="1600" dirty="0" smtClean="0"/>
+              <a:t>Analysiert zurückgegebene Daten aus Persistenz</a:t>
+            </a:r>
+            <a:endParaRPr lang="de-DE" sz="1600" dirty="0"/>
+          </a:p>
+        </p:txBody>
+      </p:sp>
+      <p:cxnSp>
+        <p:nvCxnSpPr>
+          <p:cNvPr id="37" name="Gerade Verbindung mit Pfeil 36"/>
+          <p:cNvCxnSpPr/>
+          <p:nvPr/>
+        </p:nvCxnSpPr>
+        <p:spPr>
+          <a:xfrm flipH="1">
+            <a:off x="9281652" y="3805987"/>
+            <a:ext cx="924232" cy="1060981"/>
+          </a:xfrm>
+          <a:prstGeom prst="straightConnector1">
+            <a:avLst/>
+          </a:prstGeom>
+          <a:ln w="25400">
+            <a:prstDash val="dash"/>
+            <a:tailEnd type="triangle"/>
+          </a:ln>
+        </p:spPr>
+        <p:style>
+          <a:lnRef idx="1">
+            <a:schemeClr val="dk1"/>
+          </a:lnRef>
+          <a:fillRef idx="0">
+            <a:schemeClr val="dk1"/>
+          </a:fillRef>
+          <a:effectRef idx="0">
+            <a:schemeClr val="dk1"/>
+          </a:effectRef>
+          <a:fontRef idx="minor">
+            <a:schemeClr val="tx1"/>
+          </a:fontRef>
+        </p:style>
+      </p:cxnSp>
+      <p:sp>
+        <p:nvSpPr>
+          <p:cNvPr id="38" name="Textfeld 37"/>
+          <p:cNvSpPr txBox="1"/>
+          <p:nvPr/>
+        </p:nvSpPr>
+        <p:spPr>
+          <a:xfrm>
+            <a:off x="10056813" y="3859423"/>
+            <a:ext cx="953729" cy="954107"/>
+          </a:xfrm>
+          <a:prstGeom prst="rect">
+            <a:avLst/>
+          </a:prstGeom>
+          <a:noFill/>
+        </p:spPr>
+        <p:txBody>
+          <a:bodyPr wrap="square" rtlCol="0">
+            <a:spAutoFit/>
+          </a:bodyPr>
+          <a:lstStyle/>
+          <a:p>
+            <a:r>
+              <a:rPr lang="de-DE" sz="1400" dirty="0" smtClean="0"/>
+              <a:t>Leitet Daten zur Anfrage weiter</a:t>
+            </a:r>
+            <a:endParaRPr lang="de-DE" sz="1400" dirty="0"/>
+          </a:p>
+        </p:txBody>
+      </p:sp>
+      <p:sp>
+        <p:nvSpPr>
+          <p:cNvPr id="39" name="Textfeld 38"/>
+          <p:cNvSpPr txBox="1"/>
+          <p:nvPr/>
+        </p:nvSpPr>
+        <p:spPr>
+          <a:xfrm>
+            <a:off x="3321645" y="4757186"/>
+            <a:ext cx="2187002" cy="338554"/>
+          </a:xfrm>
+          <a:prstGeom prst="rect">
+            <a:avLst/>
+          </a:prstGeom>
+          <a:noFill/>
+        </p:spPr>
+        <p:txBody>
+          <a:bodyPr wrap="square" rtlCol="0">
+            <a:spAutoFit/>
+          </a:bodyPr>
+          <a:lstStyle/>
+          <a:p>
+            <a:pPr marL="285750" indent="-285750">
+              <a:buFontTx/>
+              <a:buChar char="-"/>
+            </a:pPr>
+            <a:r>
+              <a:rPr lang="de-DE" sz="1600" dirty="0" smtClean="0"/>
+              <a:t>Verwaltet Speicher</a:t>
+            </a:r>
+            <a:endParaRPr lang="de-DE" sz="1600" dirty="0"/>
+          </a:p>
+        </p:txBody>
+      </p:sp>
+      <p:cxnSp>
+        <p:nvCxnSpPr>
+          <p:cNvPr id="41" name="Gerade Verbindung mit Pfeil 40"/>
+          <p:cNvCxnSpPr/>
+          <p:nvPr/>
+        </p:nvCxnSpPr>
+        <p:spPr>
+          <a:xfrm flipH="1" flipV="1">
+            <a:off x="5526387" y="5014452"/>
+            <a:ext cx="1465281" cy="9832"/>
+          </a:xfrm>
+          <a:prstGeom prst="straightConnector1">
+            <a:avLst/>
+          </a:prstGeom>
+          <a:ln w="25400">
+            <a:prstDash val="dash"/>
+            <a:tailEnd type="triangle"/>
+          </a:ln>
+        </p:spPr>
+        <p:style>
+          <a:lnRef idx="1">
+            <a:schemeClr val="dk1"/>
+          </a:lnRef>
+          <a:fillRef idx="0">
+            <a:schemeClr val="dk1"/>
+          </a:fillRef>
+          <a:effectRef idx="0">
+            <a:schemeClr val="dk1"/>
+          </a:effectRef>
+          <a:fontRef idx="minor">
+            <a:schemeClr val="tx1"/>
+          </a:fontRef>
+        </p:style>
+      </p:cxnSp>
+      <p:sp>
+        <p:nvSpPr>
+          <p:cNvPr id="42" name="Textfeld 41"/>
+          <p:cNvSpPr txBox="1"/>
+          <p:nvPr/>
+        </p:nvSpPr>
+        <p:spPr>
+          <a:xfrm>
+            <a:off x="5658537" y="3965058"/>
+            <a:ext cx="1310734" cy="954107"/>
+          </a:xfrm>
+          <a:prstGeom prst="rect">
+            <a:avLst/>
+          </a:prstGeom>
+          <a:noFill/>
+        </p:spPr>
+        <p:txBody>
+          <a:bodyPr wrap="square" rtlCol="0">
+            <a:spAutoFit/>
+          </a:bodyPr>
+          <a:lstStyle/>
+          <a:p>
+            <a:r>
+              <a:rPr lang="de-DE" sz="1400" dirty="0" smtClean="0"/>
+              <a:t>Steuert Umsetzung des Request in Persistenz</a:t>
+            </a:r>
+            <a:endParaRPr lang="de-DE" sz="1400" dirty="0"/>
+          </a:p>
+        </p:txBody>
+      </p:sp>
+      <p:sp>
+        <p:nvSpPr>
+          <p:cNvPr id="43" name="Textfeld 42"/>
+          <p:cNvSpPr txBox="1"/>
+          <p:nvPr/>
+        </p:nvSpPr>
+        <p:spPr>
+          <a:xfrm>
+            <a:off x="7338457" y="1136030"/>
+            <a:ext cx="490840" cy="369332"/>
+          </a:xfrm>
+          <a:prstGeom prst="rect">
+            <a:avLst/>
+          </a:prstGeom>
+          <a:noFill/>
+        </p:spPr>
+        <p:txBody>
+          <a:bodyPr wrap="none" rtlCol="0">
+            <a:spAutoFit/>
+          </a:bodyPr>
+          <a:lstStyle/>
+          <a:p>
+            <a:r>
+              <a:rPr lang="de-DE" dirty="0" smtClean="0"/>
+              <a:t>②</a:t>
+            </a:r>
+            <a:endParaRPr lang="de-DE" dirty="0"/>
+          </a:p>
+        </p:txBody>
+      </p:sp>
+      <p:sp>
+        <p:nvSpPr>
+          <p:cNvPr id="44" name="Textfeld 43"/>
+          <p:cNvSpPr txBox="1"/>
+          <p:nvPr/>
+        </p:nvSpPr>
+        <p:spPr>
+          <a:xfrm>
+            <a:off x="9673169" y="4286251"/>
+            <a:ext cx="490840" cy="369332"/>
+          </a:xfrm>
+          <a:prstGeom prst="rect">
+            <a:avLst/>
+          </a:prstGeom>
+          <a:noFill/>
+        </p:spPr>
+        <p:txBody>
+          <a:bodyPr wrap="none" rtlCol="0">
+            <a:spAutoFit/>
+          </a:bodyPr>
+          <a:lstStyle/>
+          <a:p>
+            <a:r>
+              <a:rPr lang="de-DE" dirty="0" smtClean="0"/>
+              <a:t>③</a:t>
+            </a:r>
+            <a:endParaRPr lang="de-DE" dirty="0"/>
+          </a:p>
+        </p:txBody>
+      </p:sp>
+      <p:sp>
+        <p:nvSpPr>
+          <p:cNvPr id="45" name="Textfeld 44"/>
+          <p:cNvSpPr txBox="1"/>
+          <p:nvPr/>
+        </p:nvSpPr>
+        <p:spPr>
+          <a:xfrm>
+            <a:off x="6598678" y="5970227"/>
+            <a:ext cx="490840" cy="369332"/>
+          </a:xfrm>
+          <a:prstGeom prst="rect">
+            <a:avLst/>
+          </a:prstGeom>
+          <a:noFill/>
+        </p:spPr>
+        <p:txBody>
+          <a:bodyPr wrap="none" rtlCol="0">
+            <a:spAutoFit/>
+          </a:bodyPr>
+          <a:lstStyle/>
+          <a:p>
+            <a:r>
+              <a:rPr lang="de-DE" dirty="0" smtClean="0"/>
+              <a:t>⑤</a:t>
+            </a:r>
+            <a:endParaRPr lang="de-DE" dirty="0"/>
+          </a:p>
+        </p:txBody>
+      </p:sp>
+      <p:cxnSp>
+        <p:nvCxnSpPr>
+          <p:cNvPr id="47" name="Gerade Verbindung mit Pfeil 46"/>
+          <p:cNvCxnSpPr/>
+          <p:nvPr/>
+        </p:nvCxnSpPr>
+        <p:spPr>
+          <a:xfrm>
+            <a:off x="5526387" y="5589588"/>
+            <a:ext cx="1442884" cy="0"/>
+          </a:xfrm>
+          <a:prstGeom prst="straightConnector1">
+            <a:avLst/>
+          </a:prstGeom>
+          <a:ln w="25400">
+            <a:solidFill>
+              <a:schemeClr val="tx1"/>
+            </a:solidFill>
+            <a:prstDash val="sysDot"/>
+            <a:tailEnd type="triangle"/>
+          </a:ln>
+        </p:spPr>
+        <p:style>
+          <a:lnRef idx="1">
+            <a:schemeClr val="dk1"/>
+          </a:lnRef>
+          <a:fillRef idx="0">
+            <a:schemeClr val="dk1"/>
+          </a:fillRef>
+          <a:effectRef idx="0">
+            <a:schemeClr val="dk1"/>
+          </a:effectRef>
+          <a:fontRef idx="minor">
+            <a:schemeClr val="tx1"/>
+          </a:fontRef>
+        </p:style>
+      </p:cxnSp>
+      <p:sp>
+        <p:nvSpPr>
+          <p:cNvPr id="48" name="Textfeld 47"/>
+          <p:cNvSpPr txBox="1"/>
+          <p:nvPr/>
+        </p:nvSpPr>
+        <p:spPr>
+          <a:xfrm>
+            <a:off x="5584252" y="5589588"/>
+            <a:ext cx="1310734" cy="523220"/>
+          </a:xfrm>
+          <a:prstGeom prst="rect">
+            <a:avLst/>
+          </a:prstGeom>
+          <a:noFill/>
+        </p:spPr>
+        <p:txBody>
+          <a:bodyPr wrap="square" rtlCol="0">
+            <a:spAutoFit/>
+          </a:bodyPr>
+          <a:lstStyle/>
+          <a:p>
+            <a:r>
+              <a:rPr lang="de-DE" sz="1400" dirty="0" smtClean="0"/>
+              <a:t>Liefert Daten aus Persistenz</a:t>
+            </a:r>
+            <a:endParaRPr lang="de-DE" sz="1400" dirty="0"/>
+          </a:p>
+        </p:txBody>
+      </p:sp>
+      <p:sp>
+        <p:nvSpPr>
+          <p:cNvPr id="49" name="Textfeld 48"/>
+          <p:cNvSpPr txBox="1"/>
+          <p:nvPr/>
+        </p:nvSpPr>
+        <p:spPr>
+          <a:xfrm>
+            <a:off x="6529922" y="3876744"/>
+            <a:ext cx="490840" cy="369332"/>
+          </a:xfrm>
+          <a:prstGeom prst="rect">
+            <a:avLst/>
+          </a:prstGeom>
+          <a:noFill/>
+        </p:spPr>
+        <p:txBody>
+          <a:bodyPr wrap="none" rtlCol="0">
+            <a:spAutoFit/>
+          </a:bodyPr>
+          <a:lstStyle/>
+          <a:p>
+            <a:r>
+              <a:rPr lang="de-DE" dirty="0" smtClean="0"/>
+              <a:t>④</a:t>
+            </a:r>
+            <a:endParaRPr lang="de-DE" dirty="0"/>
+          </a:p>
+        </p:txBody>
+      </p:sp>
+      <p:cxnSp>
+        <p:nvCxnSpPr>
+          <p:cNvPr id="51" name="Gerade Verbindung mit Pfeil 50"/>
+          <p:cNvCxnSpPr/>
+          <p:nvPr/>
+        </p:nvCxnSpPr>
+        <p:spPr>
+          <a:xfrm flipV="1">
+            <a:off x="9239860" y="3834141"/>
+            <a:ext cx="2342540" cy="2278667"/>
+          </a:xfrm>
+          <a:prstGeom prst="straightConnector1">
+            <a:avLst/>
+          </a:prstGeom>
+          <a:ln w="25400">
+            <a:prstDash val="sysDot"/>
+            <a:tailEnd type="triangle"/>
+          </a:ln>
+        </p:spPr>
+        <p:style>
+          <a:lnRef idx="1">
+            <a:schemeClr val="dk1"/>
+          </a:lnRef>
+          <a:fillRef idx="0">
+            <a:schemeClr val="dk1"/>
+          </a:fillRef>
+          <a:effectRef idx="0">
+            <a:schemeClr val="dk1"/>
+          </a:effectRef>
+          <a:fontRef idx="minor">
+            <a:schemeClr val="tx1"/>
+          </a:fontRef>
+        </p:style>
+      </p:cxnSp>
+      <p:sp>
+        <p:nvSpPr>
+          <p:cNvPr id="54" name="Textfeld 53"/>
+          <p:cNvSpPr txBox="1"/>
+          <p:nvPr/>
+        </p:nvSpPr>
+        <p:spPr>
+          <a:xfrm>
+            <a:off x="10030816" y="5433720"/>
+            <a:ext cx="1504335" cy="954107"/>
+          </a:xfrm>
+          <a:prstGeom prst="rect">
+            <a:avLst/>
+          </a:prstGeom>
+          <a:noFill/>
+        </p:spPr>
+        <p:txBody>
+          <a:bodyPr wrap="square" rtlCol="0">
+            <a:spAutoFit/>
+          </a:bodyPr>
+          <a:lstStyle/>
+          <a:p>
+            <a:r>
+              <a:rPr lang="de-DE" sz="1400" dirty="0" smtClean="0"/>
+              <a:t>Liefert Daten aus Speicherobjekt und Analysedaten zurück</a:t>
+            </a:r>
+            <a:endParaRPr lang="de-DE" sz="1400" dirty="0"/>
+          </a:p>
+        </p:txBody>
+      </p:sp>
+      <p:sp>
+        <p:nvSpPr>
+          <p:cNvPr id="55" name="Textfeld 54"/>
+          <p:cNvSpPr txBox="1"/>
+          <p:nvPr/>
+        </p:nvSpPr>
+        <p:spPr>
+          <a:xfrm>
+            <a:off x="9673169" y="5700155"/>
+            <a:ext cx="490840" cy="369332"/>
+          </a:xfrm>
+          <a:prstGeom prst="rect">
+            <a:avLst/>
+          </a:prstGeom>
+          <a:noFill/>
+        </p:spPr>
+        <p:txBody>
+          <a:bodyPr wrap="none" rtlCol="0">
+            <a:spAutoFit/>
+          </a:bodyPr>
+          <a:lstStyle/>
+          <a:p>
+            <a:r>
+              <a:rPr lang="de-DE" dirty="0" smtClean="0"/>
+              <a:t>⑥</a:t>
+            </a:r>
+            <a:endParaRPr lang="de-DE" dirty="0"/>
+          </a:p>
+        </p:txBody>
+      </p:sp>
+      <p:sp>
+        <p:nvSpPr>
+          <p:cNvPr id="56" name="Textfeld 55"/>
+          <p:cNvSpPr txBox="1"/>
+          <p:nvPr/>
+        </p:nvSpPr>
+        <p:spPr>
+          <a:xfrm>
+            <a:off x="8559508" y="2959370"/>
+            <a:ext cx="490840" cy="369332"/>
+          </a:xfrm>
+          <a:prstGeom prst="rect">
+            <a:avLst/>
+          </a:prstGeom>
+          <a:noFill/>
+        </p:spPr>
+        <p:txBody>
+          <a:bodyPr wrap="none" rtlCol="0">
+            <a:spAutoFit/>
+          </a:bodyPr>
+          <a:lstStyle/>
+          <a:p>
+            <a:r>
+              <a:rPr lang="de-DE" dirty="0" smtClean="0"/>
+              <a:t>⑦</a:t>
+            </a:r>
+            <a:endParaRPr lang="de-DE" dirty="0"/>
+          </a:p>
+        </p:txBody>
+      </p:sp>
+      <p:sp>
+        <p:nvSpPr>
+          <p:cNvPr id="57" name="Textfeld 56"/>
+          <p:cNvSpPr txBox="1"/>
+          <p:nvPr/>
+        </p:nvSpPr>
+        <p:spPr>
+          <a:xfrm>
+            <a:off x="2772752" y="2953375"/>
+            <a:ext cx="490840" cy="369332"/>
+          </a:xfrm>
+          <a:prstGeom prst="rect">
+            <a:avLst/>
+          </a:prstGeom>
+          <a:noFill/>
+        </p:spPr>
+        <p:txBody>
+          <a:bodyPr wrap="none" rtlCol="0">
+            <a:spAutoFit/>
+          </a:bodyPr>
+          <a:lstStyle/>
+          <a:p>
+            <a:r>
+              <a:rPr lang="de-DE" dirty="0" smtClean="0"/>
+              <a:t>⑧</a:t>
+            </a:r>
+            <a:endParaRPr lang="de-DE" dirty="0"/>
+          </a:p>
+        </p:txBody>
+      </p:sp>
+      <p:cxnSp>
+        <p:nvCxnSpPr>
+          <p:cNvPr id="60" name="Gerade Verbindung mit Pfeil 59"/>
+          <p:cNvCxnSpPr/>
+          <p:nvPr/>
+        </p:nvCxnSpPr>
+        <p:spPr>
+          <a:xfrm flipH="1" flipV="1">
+            <a:off x="7260473" y="2193503"/>
+            <a:ext cx="2349979" cy="1117723"/>
+          </a:xfrm>
+          <a:prstGeom prst="straightConnector1">
+            <a:avLst/>
+          </a:prstGeom>
+          <a:ln w="25400">
+            <a:prstDash val="sysDot"/>
+            <a:tailEnd type="triangle"/>
+          </a:ln>
+        </p:spPr>
+        <p:style>
+          <a:lnRef idx="1">
+            <a:schemeClr val="dk1"/>
+          </a:lnRef>
+          <a:fillRef idx="0">
+            <a:schemeClr val="dk1"/>
+          </a:fillRef>
+          <a:effectRef idx="0">
+            <a:schemeClr val="dk1"/>
+          </a:effectRef>
+          <a:fontRef idx="minor">
+            <a:schemeClr val="tx1"/>
+          </a:fontRef>
+        </p:style>
+      </p:cxnSp>
+      <p:sp>
+        <p:nvSpPr>
+          <p:cNvPr id="61" name="Textfeld 60"/>
+          <p:cNvSpPr txBox="1"/>
+          <p:nvPr/>
+        </p:nvSpPr>
+        <p:spPr>
+          <a:xfrm>
+            <a:off x="9714675" y="2224981"/>
+            <a:ext cx="2187002" cy="1569660"/>
+          </a:xfrm>
+          <a:prstGeom prst="rect">
+            <a:avLst/>
+          </a:prstGeom>
+          <a:noFill/>
+        </p:spPr>
+        <p:txBody>
+          <a:bodyPr wrap="square" rtlCol="0">
+            <a:spAutoFit/>
+          </a:bodyPr>
+          <a:lstStyle/>
+          <a:p>
+            <a:pPr marL="285750" indent="-285750">
+              <a:buFontTx/>
+              <a:buChar char="-"/>
+            </a:pPr>
+            <a:r>
+              <a:rPr lang="de-DE" sz="1600" dirty="0" smtClean="0"/>
+              <a:t>Steuert wie mit Request umgegangen wird</a:t>
+            </a:r>
+          </a:p>
+          <a:p>
+            <a:pPr marL="285750" indent="-285750">
+              <a:buFontTx/>
+              <a:buChar char="-"/>
+            </a:pPr>
+            <a:r>
+              <a:rPr lang="de-DE" sz="1600" dirty="0" smtClean="0"/>
+              <a:t>Schickt Rückgabedaten mit „</a:t>
+            </a:r>
+            <a:r>
+              <a:rPr lang="de-DE" sz="1600" dirty="0" err="1" smtClean="0"/>
+              <a:t>return</a:t>
+            </a:r>
+            <a:r>
+              <a:rPr lang="de-DE" sz="1600" dirty="0" smtClean="0"/>
+              <a:t>“</a:t>
+            </a:r>
+            <a:endParaRPr lang="de-DE" sz="1600" dirty="0"/>
+          </a:p>
+        </p:txBody>
+      </p:sp>
+      <p:sp>
+        <p:nvSpPr>
+          <p:cNvPr id="62" name="Textfeld 61"/>
+          <p:cNvSpPr txBox="1"/>
+          <p:nvPr/>
+        </p:nvSpPr>
+        <p:spPr>
+          <a:xfrm>
+            <a:off x="7389603" y="2534454"/>
+            <a:ext cx="1366684" cy="954107"/>
+          </a:xfrm>
+          <a:prstGeom prst="rect">
+            <a:avLst/>
+          </a:prstGeom>
+          <a:noFill/>
+        </p:spPr>
+        <p:txBody>
+          <a:bodyPr wrap="square" rtlCol="0">
+            <a:spAutoFit/>
+          </a:bodyPr>
+          <a:lstStyle/>
+          <a:p>
+            <a:r>
+              <a:rPr lang="de-DE" sz="1400" dirty="0" smtClean="0"/>
+              <a:t>Leitet Rückgabedaten weiter an Request-Steller</a:t>
+            </a:r>
+            <a:endParaRPr lang="de-DE" sz="1400" dirty="0"/>
+          </a:p>
+        </p:txBody>
+      </p:sp>
+      <p:sp>
+        <p:nvSpPr>
+          <p:cNvPr id="63" name="Textfeld 62"/>
+          <p:cNvSpPr txBox="1"/>
+          <p:nvPr/>
+        </p:nvSpPr>
+        <p:spPr>
+          <a:xfrm>
+            <a:off x="5029871" y="1122150"/>
+            <a:ext cx="2187002" cy="584775"/>
+          </a:xfrm>
+          <a:prstGeom prst="rect">
+            <a:avLst/>
+          </a:prstGeom>
+          <a:noFill/>
+        </p:spPr>
+        <p:txBody>
+          <a:bodyPr wrap="square" rtlCol="0">
+            <a:spAutoFit/>
+          </a:bodyPr>
+          <a:lstStyle/>
+          <a:p>
+            <a:pPr marL="285750" indent="-285750">
+              <a:buFontTx/>
+              <a:buChar char="-"/>
+            </a:pPr>
+            <a:r>
+              <a:rPr lang="de-DE" sz="1600" dirty="0" smtClean="0"/>
+              <a:t>Analysiert Rückgabedaten</a:t>
+            </a:r>
+            <a:endParaRPr lang="de-DE" sz="1600" dirty="0"/>
+          </a:p>
+        </p:txBody>
+      </p:sp>
+      <p:cxnSp>
+        <p:nvCxnSpPr>
+          <p:cNvPr id="65" name="Gerade Verbindung mit Pfeil 64"/>
+          <p:cNvCxnSpPr/>
+          <p:nvPr/>
+        </p:nvCxnSpPr>
+        <p:spPr>
+          <a:xfrm flipH="1">
+            <a:off x="2586594" y="2105423"/>
+            <a:ext cx="2386974" cy="960104"/>
+          </a:xfrm>
+          <a:prstGeom prst="straightConnector1">
+            <a:avLst/>
+          </a:prstGeom>
+          <a:ln w="25400">
+            <a:prstDash val="sysDot"/>
+            <a:tailEnd type="triangle"/>
+          </a:ln>
+        </p:spPr>
+        <p:style>
+          <a:lnRef idx="1">
+            <a:schemeClr val="dk1"/>
+          </a:lnRef>
+          <a:fillRef idx="0">
+            <a:schemeClr val="dk1"/>
+          </a:fillRef>
+          <a:effectRef idx="0">
+            <a:schemeClr val="dk1"/>
+          </a:effectRef>
+          <a:fontRef idx="minor">
+            <a:schemeClr val="tx1"/>
+          </a:fontRef>
+        </p:style>
+      </p:cxnSp>
+      <p:sp>
+        <p:nvSpPr>
+          <p:cNvPr id="68" name="Textfeld 67"/>
+          <p:cNvSpPr txBox="1"/>
+          <p:nvPr/>
+        </p:nvSpPr>
+        <p:spPr>
+          <a:xfrm>
+            <a:off x="3166887" y="2896224"/>
+            <a:ext cx="1784606" cy="738664"/>
+          </a:xfrm>
+          <a:prstGeom prst="rect">
+            <a:avLst/>
+          </a:prstGeom>
+          <a:noFill/>
+        </p:spPr>
+        <p:txBody>
+          <a:bodyPr wrap="square" rtlCol="0">
+            <a:spAutoFit/>
+          </a:bodyPr>
+          <a:lstStyle/>
+          <a:p>
+            <a:r>
+              <a:rPr lang="de-DE" sz="1400" dirty="0" smtClean="0"/>
+              <a:t>Leitet Rückgabedaten und Analysedaten weiter</a:t>
+            </a:r>
+            <a:endParaRPr lang="de-DE" sz="1400" dirty="0"/>
+          </a:p>
+        </p:txBody>
+      </p:sp>
+      <p:sp>
+        <p:nvSpPr>
+          <p:cNvPr id="70" name="Textfeld 69"/>
+          <p:cNvSpPr txBox="1"/>
+          <p:nvPr/>
+        </p:nvSpPr>
+        <p:spPr>
+          <a:xfrm rot="20547108">
+            <a:off x="2873661" y="1898975"/>
+            <a:ext cx="1025089" cy="307777"/>
+          </a:xfrm>
+          <a:prstGeom prst="rect">
+            <a:avLst/>
+          </a:prstGeom>
+          <a:noFill/>
+        </p:spPr>
+        <p:txBody>
+          <a:bodyPr wrap="none" rtlCol="0">
+            <a:spAutoFit/>
+          </a:bodyPr>
+          <a:lstStyle/>
+          <a:p>
+            <a:r>
+              <a:rPr lang="de-DE" sz="1400" dirty="0" smtClean="0">
+                <a:solidFill>
+                  <a:srgbClr val="00B050"/>
+                </a:solidFill>
+              </a:rPr>
+              <a:t>JSON/Bytes</a:t>
+            </a:r>
+            <a:endParaRPr lang="de-DE" sz="1400" dirty="0">
+              <a:solidFill>
+                <a:srgbClr val="00B050"/>
+              </a:solidFill>
+            </a:endParaRPr>
+          </a:p>
+        </p:txBody>
+      </p:sp>
+      <p:sp>
+        <p:nvSpPr>
+          <p:cNvPr id="71" name="Textfeld 70"/>
+          <p:cNvSpPr txBox="1"/>
+          <p:nvPr/>
+        </p:nvSpPr>
+        <p:spPr>
+          <a:xfrm rot="20256109">
+            <a:off x="3040776" y="2376181"/>
+            <a:ext cx="1025089" cy="307777"/>
+          </a:xfrm>
+          <a:prstGeom prst="rect">
+            <a:avLst/>
+          </a:prstGeom>
+          <a:noFill/>
+        </p:spPr>
+        <p:txBody>
+          <a:bodyPr wrap="none" rtlCol="0">
+            <a:spAutoFit/>
+          </a:bodyPr>
+          <a:lstStyle/>
+          <a:p>
+            <a:r>
+              <a:rPr lang="de-DE" sz="1400" dirty="0" smtClean="0">
+                <a:solidFill>
+                  <a:srgbClr val="00B050"/>
+                </a:solidFill>
+              </a:rPr>
+              <a:t>JSON/Bytes</a:t>
+            </a:r>
+            <a:endParaRPr lang="de-DE" sz="1400" dirty="0">
+              <a:solidFill>
+                <a:srgbClr val="00B050"/>
+              </a:solidFill>
+            </a:endParaRPr>
+          </a:p>
+        </p:txBody>
+      </p:sp>
+      <p:sp>
+        <p:nvSpPr>
+          <p:cNvPr id="72" name="Textfeld 71"/>
+          <p:cNvSpPr txBox="1"/>
+          <p:nvPr/>
+        </p:nvSpPr>
+        <p:spPr>
+          <a:xfrm rot="1517292">
+            <a:off x="8121185" y="1668330"/>
+            <a:ext cx="1025089" cy="307777"/>
+          </a:xfrm>
+          <a:prstGeom prst="rect">
+            <a:avLst/>
+          </a:prstGeom>
+          <a:noFill/>
+        </p:spPr>
+        <p:txBody>
+          <a:bodyPr wrap="none" rtlCol="0">
+            <a:spAutoFit/>
+          </a:bodyPr>
+          <a:lstStyle/>
+          <a:p>
+            <a:r>
+              <a:rPr lang="de-DE" sz="1400" dirty="0" smtClean="0">
+                <a:solidFill>
+                  <a:srgbClr val="00B050"/>
+                </a:solidFill>
+              </a:rPr>
+              <a:t>JSON/Bytes</a:t>
+            </a:r>
+            <a:endParaRPr lang="de-DE" sz="1400" dirty="0">
+              <a:solidFill>
+                <a:srgbClr val="00B050"/>
+              </a:solidFill>
+            </a:endParaRPr>
+          </a:p>
+        </p:txBody>
+      </p:sp>
+      <p:sp>
+        <p:nvSpPr>
+          <p:cNvPr id="73" name="Textfeld 72"/>
+          <p:cNvSpPr txBox="1"/>
+          <p:nvPr/>
+        </p:nvSpPr>
+        <p:spPr>
+          <a:xfrm>
+            <a:off x="5451838" y="4973474"/>
+            <a:ext cx="1721177" cy="307777"/>
+          </a:xfrm>
+          <a:prstGeom prst="rect">
+            <a:avLst/>
+          </a:prstGeom>
+          <a:noFill/>
+        </p:spPr>
+        <p:txBody>
+          <a:bodyPr wrap="none" rtlCol="0">
+            <a:spAutoFit/>
+          </a:bodyPr>
+          <a:lstStyle/>
+          <a:p>
+            <a:r>
+              <a:rPr lang="de-DE" sz="1400" dirty="0" smtClean="0">
+                <a:solidFill>
+                  <a:srgbClr val="00B050"/>
+                </a:solidFill>
+              </a:rPr>
+              <a:t>Grund-Datenformate</a:t>
+            </a:r>
+            <a:endParaRPr lang="de-DE" sz="1400" dirty="0">
+              <a:solidFill>
+                <a:srgbClr val="00B050"/>
+              </a:solidFill>
+            </a:endParaRPr>
+          </a:p>
+        </p:txBody>
+      </p:sp>
+      <p:sp>
+        <p:nvSpPr>
+          <p:cNvPr id="74" name="Textfeld 73"/>
+          <p:cNvSpPr txBox="1"/>
+          <p:nvPr/>
+        </p:nvSpPr>
+        <p:spPr>
+          <a:xfrm>
+            <a:off x="5523062" y="6016955"/>
+            <a:ext cx="1236034" cy="523220"/>
+          </a:xfrm>
+          <a:prstGeom prst="rect">
+            <a:avLst/>
+          </a:prstGeom>
+          <a:noFill/>
+        </p:spPr>
+        <p:txBody>
+          <a:bodyPr wrap="square" rtlCol="0">
+            <a:spAutoFit/>
+          </a:bodyPr>
+          <a:lstStyle/>
+          <a:p>
+            <a:r>
+              <a:rPr lang="de-DE" sz="1400" dirty="0" smtClean="0">
+                <a:solidFill>
+                  <a:srgbClr val="00B050"/>
+                </a:solidFill>
+              </a:rPr>
+              <a:t>Datentypen aus Persistenz</a:t>
+            </a:r>
+            <a:endParaRPr lang="de-DE" sz="1400" dirty="0">
+              <a:solidFill>
+                <a:srgbClr val="00B050"/>
+              </a:solidFill>
+            </a:endParaRPr>
+          </a:p>
+        </p:txBody>
+      </p:sp>
+      <p:sp>
+        <p:nvSpPr>
+          <p:cNvPr id="75" name="Textfeld 74"/>
+          <p:cNvSpPr txBox="1"/>
+          <p:nvPr/>
+        </p:nvSpPr>
+        <p:spPr>
+          <a:xfrm>
+            <a:off x="10785874" y="4473986"/>
+            <a:ext cx="1320819" cy="954107"/>
+          </a:xfrm>
+          <a:prstGeom prst="rect">
+            <a:avLst/>
+          </a:prstGeom>
+          <a:noFill/>
+        </p:spPr>
+        <p:txBody>
+          <a:bodyPr wrap="square" rtlCol="0">
+            <a:spAutoFit/>
+          </a:bodyPr>
+          <a:lstStyle/>
+          <a:p>
+            <a:r>
+              <a:rPr lang="de-DE" sz="1400" dirty="0" smtClean="0">
+                <a:solidFill>
+                  <a:srgbClr val="00B050"/>
+                </a:solidFill>
+              </a:rPr>
+              <a:t>Datentypen aus Persistenz und JSON (Analysedaten)</a:t>
+            </a:r>
+            <a:endParaRPr lang="de-DE" sz="1400" dirty="0">
+              <a:solidFill>
+                <a:srgbClr val="00B050"/>
+              </a:solidFill>
+            </a:endParaRPr>
+          </a:p>
+        </p:txBody>
+      </p:sp>
+      <p:sp>
+        <p:nvSpPr>
+          <p:cNvPr id="76" name="Textfeld 75"/>
+          <p:cNvSpPr txBox="1"/>
+          <p:nvPr/>
+        </p:nvSpPr>
+        <p:spPr>
+          <a:xfrm>
+            <a:off x="5004624" y="2102819"/>
+            <a:ext cx="2425173" cy="1200329"/>
+          </a:xfrm>
+          <a:prstGeom prst="rect">
+            <a:avLst/>
+          </a:prstGeom>
+          <a:noFill/>
+        </p:spPr>
+        <p:txBody>
+          <a:bodyPr wrap="square" rtlCol="0">
+            <a:spAutoFit/>
+          </a:bodyPr>
+          <a:lstStyle/>
+          <a:p>
+            <a:r>
+              <a:rPr lang="de-DE" b="1" dirty="0" smtClean="0">
+                <a:solidFill>
+                  <a:srgbClr val="FF0000"/>
+                </a:solidFill>
+              </a:rPr>
+              <a:t>Problem: API braucht Grunddaten (mit Datentypen) aus Persistenz</a:t>
+            </a:r>
+            <a:endParaRPr lang="de-DE" b="1" dirty="0">
+              <a:solidFill>
+                <a:srgbClr val="FF0000"/>
+              </a:solidFill>
+            </a:endParaRPr>
+          </a:p>
+        </p:txBody>
+      </p:sp>
+    </p:spTree>
+    <p:extLst>
+      <p:ext uri="{BB962C8B-B14F-4D97-AF65-F5344CB8AC3E}">
+        <p14:creationId xmlns:p14="http://schemas.microsoft.com/office/powerpoint/2010/main" val="3222773670"/>
+      </p:ext>
+    </p:extLst>
+  </p:cSld>
+  <p:clrMapOvr>
+    <a:masterClrMapping/>
+  </p:clrMapOvr>
+</p:sld>
+</file>
+
 <file path=ppt/theme/theme1.xml><?xml version="1.0" encoding="utf-8"?>
 <a:theme xmlns:a="http://schemas.openxmlformats.org/drawingml/2006/main" name="Office Theme">
   <a:themeElements>
@@ -8742,6 +10661,38 @@
     </a:fmtScheme>
   </a:themeElements>
   <a:objectDefaults>
+    <a:spDef>
+      <a:spPr>
+        <a:noFill/>
+        <a:ln w="25400">
+          <a:solidFill>
+            <a:schemeClr val="tx1"/>
+          </a:solidFill>
+        </a:ln>
+      </a:spPr>
+      <a:bodyPr rtlCol="0" anchor="ctr"/>
+      <a:lstStyle>
+        <a:defPPr algn="ctr">
+          <a:defRPr/>
+        </a:defPPr>
+      </a:lstStyle>
+      <a:style>
+        <a:lnRef idx="2">
+          <a:schemeClr val="accent1">
+            <a:shade val="50000"/>
+          </a:schemeClr>
+        </a:lnRef>
+        <a:fillRef idx="1">
+          <a:schemeClr val="accent1"/>
+        </a:fillRef>
+        <a:effectRef idx="0">
+          <a:schemeClr val="accent1"/>
+        </a:effectRef>
+        <a:fontRef idx="minor">
+          <a:schemeClr val="lt1"/>
+        </a:fontRef>
+      </a:style>
+    </a:spDef>
     <a:lnDef>
       <a:spPr>
         <a:ln w="25400">

--- a/Dokumentation/Grafiken Unternehmensfähigkeiten.pptx
+++ b/Dokumentation/Grafiken Unternehmensfähigkeiten.pptx
@@ -292,7 +292,7 @@
           <a:p>
             <a:fld id="{D67E706E-9FFF-4B25-B31B-E494BA33FABA}" type="datetimeFigureOut">
               <a:rPr lang="de-DE" smtClean="0"/>
-              <a:t>18.01.2021</a:t>
+              <a:t>19.01.2021</a:t>
             </a:fld>
             <a:endParaRPr lang="de-DE"/>
           </a:p>
@@ -462,7 +462,7 @@
           <a:p>
             <a:fld id="{D67E706E-9FFF-4B25-B31B-E494BA33FABA}" type="datetimeFigureOut">
               <a:rPr lang="de-DE" smtClean="0"/>
-              <a:t>18.01.2021</a:t>
+              <a:t>19.01.2021</a:t>
             </a:fld>
             <a:endParaRPr lang="de-DE"/>
           </a:p>
@@ -642,7 +642,7 @@
           <a:p>
             <a:fld id="{D67E706E-9FFF-4B25-B31B-E494BA33FABA}" type="datetimeFigureOut">
               <a:rPr lang="de-DE" smtClean="0"/>
-              <a:t>18.01.2021</a:t>
+              <a:t>19.01.2021</a:t>
             </a:fld>
             <a:endParaRPr lang="de-DE"/>
           </a:p>
@@ -812,7 +812,7 @@
           <a:p>
             <a:fld id="{D67E706E-9FFF-4B25-B31B-E494BA33FABA}" type="datetimeFigureOut">
               <a:rPr lang="de-DE" smtClean="0"/>
-              <a:t>18.01.2021</a:t>
+              <a:t>19.01.2021</a:t>
             </a:fld>
             <a:endParaRPr lang="de-DE"/>
           </a:p>
@@ -1058,7 +1058,7 @@
           <a:p>
             <a:fld id="{D67E706E-9FFF-4B25-B31B-E494BA33FABA}" type="datetimeFigureOut">
               <a:rPr lang="de-DE" smtClean="0"/>
-              <a:t>18.01.2021</a:t>
+              <a:t>19.01.2021</a:t>
             </a:fld>
             <a:endParaRPr lang="de-DE"/>
           </a:p>
@@ -1290,7 +1290,7 @@
           <a:p>
             <a:fld id="{D67E706E-9FFF-4B25-B31B-E494BA33FABA}" type="datetimeFigureOut">
               <a:rPr lang="de-DE" smtClean="0"/>
-              <a:t>18.01.2021</a:t>
+              <a:t>19.01.2021</a:t>
             </a:fld>
             <a:endParaRPr lang="de-DE"/>
           </a:p>
@@ -1657,7 +1657,7 @@
           <a:p>
             <a:fld id="{D67E706E-9FFF-4B25-B31B-E494BA33FABA}" type="datetimeFigureOut">
               <a:rPr lang="de-DE" smtClean="0"/>
-              <a:t>18.01.2021</a:t>
+              <a:t>19.01.2021</a:t>
             </a:fld>
             <a:endParaRPr lang="de-DE"/>
           </a:p>
@@ -1775,7 +1775,7 @@
           <a:p>
             <a:fld id="{D67E706E-9FFF-4B25-B31B-E494BA33FABA}" type="datetimeFigureOut">
               <a:rPr lang="de-DE" smtClean="0"/>
-              <a:t>18.01.2021</a:t>
+              <a:t>19.01.2021</a:t>
             </a:fld>
             <a:endParaRPr lang="de-DE"/>
           </a:p>
@@ -1870,7 +1870,7 @@
           <a:p>
             <a:fld id="{D67E706E-9FFF-4B25-B31B-E494BA33FABA}" type="datetimeFigureOut">
               <a:rPr lang="de-DE" smtClean="0"/>
-              <a:t>18.01.2021</a:t>
+              <a:t>19.01.2021</a:t>
             </a:fld>
             <a:endParaRPr lang="de-DE"/>
           </a:p>
@@ -2147,7 +2147,7 @@
           <a:p>
             <a:fld id="{D67E706E-9FFF-4B25-B31B-E494BA33FABA}" type="datetimeFigureOut">
               <a:rPr lang="de-DE" smtClean="0"/>
-              <a:t>18.01.2021</a:t>
+              <a:t>19.01.2021</a:t>
             </a:fld>
             <a:endParaRPr lang="de-DE"/>
           </a:p>
@@ -2400,7 +2400,7 @@
           <a:p>
             <a:fld id="{D67E706E-9FFF-4B25-B31B-E494BA33FABA}" type="datetimeFigureOut">
               <a:rPr lang="de-DE" smtClean="0"/>
-              <a:t>18.01.2021</a:t>
+              <a:t>19.01.2021</a:t>
             </a:fld>
             <a:endParaRPr lang="de-DE"/>
           </a:p>
@@ -2613,7 +2613,7 @@
           <a:p>
             <a:fld id="{D67E706E-9FFF-4B25-B31B-E494BA33FABA}" type="datetimeFigureOut">
               <a:rPr lang="de-DE" smtClean="0"/>
-              <a:t>18.01.2021</a:t>
+              <a:t>19.01.2021</a:t>
             </a:fld>
             <a:endParaRPr lang="de-DE"/>
           </a:p>
@@ -8469,7 +8469,7 @@
         </p:nvGrpSpPr>
         <p:grpSpPr>
           <a:xfrm>
-            <a:off x="354366" y="1648324"/>
+            <a:off x="338600" y="569491"/>
             <a:ext cx="2167605" cy="2157663"/>
             <a:chOff x="334962" y="569494"/>
             <a:chExt cx="2167605" cy="2157663"/>
@@ -8854,7 +8854,7 @@
         </p:nvGrpSpPr>
         <p:grpSpPr>
           <a:xfrm>
-            <a:off x="9695270" y="1608729"/>
+            <a:off x="9687776" y="536093"/>
             <a:ext cx="2167605" cy="2157663"/>
             <a:chOff x="334962" y="569494"/>
             <a:chExt cx="2167605" cy="2157663"/>
@@ -8948,7 +8948,7 @@
         </p:nvSpPr>
         <p:spPr>
           <a:xfrm>
-            <a:off x="354366" y="1648323"/>
+            <a:off x="338600" y="569490"/>
             <a:ext cx="2167604" cy="584775"/>
           </a:xfrm>
           <a:prstGeom prst="rect">
@@ -9018,7 +9018,7 @@
         </p:nvSpPr>
         <p:spPr>
           <a:xfrm>
-            <a:off x="9695269" y="1608728"/>
+            <a:off x="9687775" y="536092"/>
             <a:ext cx="2167604" cy="584775"/>
           </a:xfrm>
           <a:prstGeom prst="rect">
@@ -9127,8 +9127,8 @@
         </p:nvCxnSpPr>
         <p:spPr>
           <a:xfrm flipV="1">
-            <a:off x="2565153" y="1648323"/>
-            <a:ext cx="2374848" cy="809743"/>
+            <a:off x="2548790" y="1400928"/>
+            <a:ext cx="2417819" cy="13610"/>
           </a:xfrm>
           <a:prstGeom prst="straightConnector1">
             <a:avLst/>
@@ -9161,7 +9161,7 @@
         </p:nvSpPr>
         <p:spPr>
           <a:xfrm>
-            <a:off x="334963" y="2245489"/>
+            <a:off x="319197" y="1166656"/>
             <a:ext cx="2187002" cy="1077218"/>
           </a:xfrm>
           <a:prstGeom prst="rect">
@@ -9205,7 +9205,7 @@
         </p:nvSpPr>
         <p:spPr>
           <a:xfrm>
-            <a:off x="3056767" y="437899"/>
+            <a:off x="2689273" y="141247"/>
             <a:ext cx="1721712" cy="1231106"/>
           </a:xfrm>
           <a:prstGeom prst="rect">
@@ -9258,9 +9258,9 @@
           <p:nvPr/>
         </p:nvCxnSpPr>
         <p:spPr>
-          <a:xfrm>
-            <a:off x="7211832" y="1337187"/>
-            <a:ext cx="2483435" cy="1115390"/>
+          <a:xfrm flipV="1">
+            <a:off x="7211832" y="1390875"/>
+            <a:ext cx="2437142" cy="10053"/>
           </a:xfrm>
           <a:prstGeom prst="straightConnector1">
             <a:avLst/>
@@ -9293,7 +9293,7 @@
         </p:nvSpPr>
         <p:spPr>
           <a:xfrm>
-            <a:off x="7399947" y="216819"/>
+            <a:off x="7309072" y="152377"/>
             <a:ext cx="2146360" cy="1231106"/>
           </a:xfrm>
           <a:prstGeom prst="rect">
@@ -9347,7 +9347,7 @@
         </p:nvSpPr>
         <p:spPr>
           <a:xfrm>
-            <a:off x="4551105" y="1172694"/>
+            <a:off x="2536876" y="1060172"/>
             <a:ext cx="490840" cy="369332"/>
           </a:xfrm>
           <a:prstGeom prst="rect">
@@ -9421,8 +9421,8 @@
         </p:nvCxnSpPr>
         <p:spPr>
           <a:xfrm flipH="1">
-            <a:off x="9281652" y="3805987"/>
-            <a:ext cx="924232" cy="1060981"/>
+            <a:off x="9281652" y="2747287"/>
+            <a:ext cx="775161" cy="2119681"/>
           </a:xfrm>
           <a:prstGeom prst="straightConnector1">
             <a:avLst/>
@@ -9455,7 +9455,7 @@
         </p:nvSpPr>
         <p:spPr>
           <a:xfrm>
-            <a:off x="10056813" y="3859423"/>
+            <a:off x="10030816" y="2726783"/>
             <a:ext cx="953729" cy="954107"/>
           </a:xfrm>
           <a:prstGeom prst="rect">
@@ -9583,7 +9583,7 @@
         </p:nvSpPr>
         <p:spPr>
           <a:xfrm>
-            <a:off x="7338457" y="1136030"/>
+            <a:off x="7144183" y="1055197"/>
             <a:ext cx="490840" cy="369332"/>
           </a:xfrm>
           <a:prstGeom prst="rect">
@@ -9613,7 +9613,7 @@
         </p:nvSpPr>
         <p:spPr>
           <a:xfrm>
-            <a:off x="9673169" y="4286251"/>
+            <a:off x="9696528" y="3414868"/>
             <a:ext cx="490840" cy="369332"/>
           </a:xfrm>
           <a:prstGeom prst="rect">
@@ -9770,8 +9770,8 @@
         </p:nvCxnSpPr>
         <p:spPr>
           <a:xfrm flipV="1">
-            <a:off x="9239860" y="3834141"/>
-            <a:ext cx="2342540" cy="2278667"/>
+            <a:off x="9239860" y="2775536"/>
+            <a:ext cx="2206423" cy="3337273"/>
           </a:xfrm>
           <a:prstGeom prst="straightConnector1">
             <a:avLst/>
@@ -9804,7 +9804,7 @@
         </p:nvSpPr>
         <p:spPr>
           <a:xfrm>
-            <a:off x="10030816" y="5433720"/>
+            <a:off x="9840999" y="5203108"/>
             <a:ext cx="1504335" cy="954107"/>
           </a:xfrm>
           <a:prstGeom prst="rect">
@@ -9834,7 +9834,7 @@
         </p:nvSpPr>
         <p:spPr>
           <a:xfrm>
-            <a:off x="9673169" y="5700155"/>
+            <a:off x="9376079" y="5832289"/>
             <a:ext cx="490840" cy="369332"/>
           </a:xfrm>
           <a:prstGeom prst="rect">
@@ -9864,7 +9864,7 @@
         </p:nvSpPr>
         <p:spPr>
           <a:xfrm>
-            <a:off x="8559508" y="2959370"/>
+            <a:off x="9252928" y="2126645"/>
             <a:ext cx="490840" cy="369332"/>
           </a:xfrm>
           <a:prstGeom prst="rect">
@@ -9894,7 +9894,7 @@
         </p:nvSpPr>
         <p:spPr>
           <a:xfrm>
-            <a:off x="2772752" y="2953375"/>
+            <a:off x="4547796" y="2378771"/>
             <a:ext cx="490840" cy="369332"/>
           </a:xfrm>
           <a:prstGeom prst="rect">
@@ -9923,9 +9923,9 @@
           <p:nvPr/>
         </p:nvCxnSpPr>
         <p:spPr>
-          <a:xfrm flipH="1" flipV="1">
-            <a:off x="7260473" y="2193503"/>
-            <a:ext cx="2349979" cy="1117723"/>
+          <a:xfrm flipH="1">
+            <a:off x="7236153" y="2104502"/>
+            <a:ext cx="2388500" cy="8813"/>
           </a:xfrm>
           <a:prstGeom prst="straightConnector1">
             <a:avLst/>
@@ -9958,7 +9958,7 @@
         </p:nvSpPr>
         <p:spPr>
           <a:xfrm>
-            <a:off x="9714675" y="2224981"/>
+            <a:off x="9707181" y="1152345"/>
             <a:ext cx="2187002" cy="1569660"/>
           </a:xfrm>
           <a:prstGeom prst="rect">
@@ -10010,7 +10010,7 @@
         </p:nvSpPr>
         <p:spPr>
           <a:xfrm>
-            <a:off x="7389603" y="2534454"/>
+            <a:off x="8204920" y="2126404"/>
             <a:ext cx="1366684" cy="954107"/>
           </a:xfrm>
           <a:prstGeom prst="rect">
@@ -10073,9 +10073,9 @@
           <p:nvPr/>
         </p:nvCxnSpPr>
         <p:spPr>
-          <a:xfrm flipH="1">
-            <a:off x="2586594" y="2105423"/>
-            <a:ext cx="2386974" cy="960104"/>
+          <a:xfrm flipH="1" flipV="1">
+            <a:off x="2583523" y="2102819"/>
+            <a:ext cx="2390045" cy="2604"/>
           </a:xfrm>
           <a:prstGeom prst="straightConnector1">
             <a:avLst/>
@@ -10108,7 +10108,7 @@
         </p:nvSpPr>
         <p:spPr>
           <a:xfrm>
-            <a:off x="3166887" y="2896224"/>
+            <a:off x="3176706" y="2111617"/>
             <a:ext cx="1784606" cy="738664"/>
           </a:xfrm>
           <a:prstGeom prst="rect">
@@ -10137,84 +10137,8 @@
           <p:nvPr/>
         </p:nvSpPr>
         <p:spPr>
-          <a:xfrm rot="20547108">
-            <a:off x="2873661" y="1898975"/>
-            <a:ext cx="1025089" cy="307777"/>
-          </a:xfrm>
-          <a:prstGeom prst="rect">
-            <a:avLst/>
-          </a:prstGeom>
-          <a:noFill/>
-        </p:spPr>
-        <p:txBody>
-          <a:bodyPr wrap="none" rtlCol="0">
-            <a:spAutoFit/>
-          </a:bodyPr>
-          <a:lstStyle/>
-          <a:p>
-            <a:r>
-              <a:rPr lang="de-DE" sz="1400" dirty="0" smtClean="0">
-                <a:solidFill>
-                  <a:srgbClr val="00B050"/>
-                </a:solidFill>
-              </a:rPr>
-              <a:t>JSON/Bytes</a:t>
-            </a:r>
-            <a:endParaRPr lang="de-DE" sz="1400" dirty="0">
-              <a:solidFill>
-                <a:srgbClr val="00B050"/>
-              </a:solidFill>
-            </a:endParaRPr>
-          </a:p>
-        </p:txBody>
-      </p:sp>
-      <p:sp>
-        <p:nvSpPr>
-          <p:cNvPr id="71" name="Textfeld 70"/>
-          <p:cNvSpPr txBox="1"/>
-          <p:nvPr/>
-        </p:nvSpPr>
-        <p:spPr>
-          <a:xfrm rot="20256109">
-            <a:off x="3040776" y="2376181"/>
-            <a:ext cx="1025089" cy="307777"/>
-          </a:xfrm>
-          <a:prstGeom prst="rect">
-            <a:avLst/>
-          </a:prstGeom>
-          <a:noFill/>
-        </p:spPr>
-        <p:txBody>
-          <a:bodyPr wrap="none" rtlCol="0">
-            <a:spAutoFit/>
-          </a:bodyPr>
-          <a:lstStyle/>
-          <a:p>
-            <a:r>
-              <a:rPr lang="de-DE" sz="1400" dirty="0" smtClean="0">
-                <a:solidFill>
-                  <a:srgbClr val="00B050"/>
-                </a:solidFill>
-              </a:rPr>
-              <a:t>JSON/Bytes</a:t>
-            </a:r>
-            <a:endParaRPr lang="de-DE" sz="1400" dirty="0">
-              <a:solidFill>
-                <a:srgbClr val="00B050"/>
-              </a:solidFill>
-            </a:endParaRPr>
-          </a:p>
-        </p:txBody>
-      </p:sp>
-      <p:sp>
-        <p:nvSpPr>
-          <p:cNvPr id="72" name="Textfeld 71"/>
-          <p:cNvSpPr txBox="1"/>
-          <p:nvPr/>
-        </p:nvSpPr>
-        <p:spPr>
-          <a:xfrm rot="1517292">
-            <a:off x="8121185" y="1668330"/>
+          <a:xfrm>
+            <a:off x="3120033" y="1407733"/>
             <a:ext cx="1025089" cy="307777"/>
           </a:xfrm>
           <a:prstGeom prst="rect">
@@ -10328,7 +10252,7 @@
         </p:nvSpPr>
         <p:spPr>
           <a:xfrm>
-            <a:off x="10785874" y="4473986"/>
+            <a:off x="10743533" y="4222235"/>
             <a:ext cx="1320819" cy="954107"/>
           </a:xfrm>
           <a:prstGeom prst="rect">
@@ -10391,6 +10315,120 @@
             <a:endParaRPr lang="de-DE" b="1" dirty="0">
               <a:solidFill>
                 <a:srgbClr val="FF0000"/>
+              </a:solidFill>
+            </a:endParaRPr>
+          </a:p>
+        </p:txBody>
+      </p:sp>
+      <p:sp>
+        <p:nvSpPr>
+          <p:cNvPr id="64" name="Textfeld 63"/>
+          <p:cNvSpPr txBox="1"/>
+          <p:nvPr/>
+        </p:nvSpPr>
+        <p:spPr>
+          <a:xfrm>
+            <a:off x="3129607" y="1813552"/>
+            <a:ext cx="1025089" cy="307777"/>
+          </a:xfrm>
+          <a:prstGeom prst="rect">
+            <a:avLst/>
+          </a:prstGeom>
+          <a:noFill/>
+        </p:spPr>
+        <p:txBody>
+          <a:bodyPr wrap="none" rtlCol="0">
+            <a:spAutoFit/>
+          </a:bodyPr>
+          <a:lstStyle/>
+          <a:p>
+            <a:r>
+              <a:rPr lang="de-DE" sz="1400" dirty="0" smtClean="0">
+                <a:solidFill>
+                  <a:srgbClr val="00B050"/>
+                </a:solidFill>
+              </a:rPr>
+              <a:t>JSON/Bytes</a:t>
+            </a:r>
+            <a:endParaRPr lang="de-DE" sz="1400" dirty="0">
+              <a:solidFill>
+                <a:srgbClr val="00B050"/>
+              </a:solidFill>
+            </a:endParaRPr>
+          </a:p>
+        </p:txBody>
+      </p:sp>
+      <p:sp>
+        <p:nvSpPr>
+          <p:cNvPr id="66" name="Textfeld 65"/>
+          <p:cNvSpPr txBox="1"/>
+          <p:nvPr/>
+        </p:nvSpPr>
+        <p:spPr>
+          <a:xfrm>
+            <a:off x="7869708" y="1375586"/>
+            <a:ext cx="1025089" cy="307777"/>
+          </a:xfrm>
+          <a:prstGeom prst="rect">
+            <a:avLst/>
+          </a:prstGeom>
+          <a:noFill/>
+        </p:spPr>
+        <p:txBody>
+          <a:bodyPr wrap="none" rtlCol="0">
+            <a:spAutoFit/>
+          </a:bodyPr>
+          <a:lstStyle/>
+          <a:p>
+            <a:r>
+              <a:rPr lang="de-DE" sz="1400" dirty="0" smtClean="0">
+                <a:solidFill>
+                  <a:srgbClr val="00B050"/>
+                </a:solidFill>
+              </a:rPr>
+              <a:t>JSON/Bytes</a:t>
+            </a:r>
+            <a:endParaRPr lang="de-DE" sz="1400" dirty="0">
+              <a:solidFill>
+                <a:srgbClr val="00B050"/>
+              </a:solidFill>
+            </a:endParaRPr>
+          </a:p>
+        </p:txBody>
+      </p:sp>
+      <p:sp>
+        <p:nvSpPr>
+          <p:cNvPr id="67" name="Textfeld 66"/>
+          <p:cNvSpPr txBox="1"/>
+          <p:nvPr/>
+        </p:nvSpPr>
+        <p:spPr>
+          <a:xfrm>
+            <a:off x="7870418" y="1836216"/>
+            <a:ext cx="1025089" cy="307777"/>
+          </a:xfrm>
+          <a:prstGeom prst="rect">
+            <a:avLst/>
+          </a:prstGeom>
+          <a:noFill/>
+        </p:spPr>
+        <p:txBody>
+          <a:bodyPr wrap="none" rtlCol="0">
+            <a:spAutoFit/>
+          </a:bodyPr>
+          <a:lstStyle/>
+          <a:p>
+            <a:r>
+              <a:rPr lang="de-DE" sz="1400" dirty="0" smtClean="0">
+                <a:solidFill>
+                  <a:srgbClr val="00B050"/>
+                </a:solidFill>
+              </a:rPr>
+              <a:t>JSON/Bytes</a:t>
+            </a:r>
+            <a:endParaRPr lang="de-DE" sz="1400" dirty="0">
+              <a:solidFill>
+                <a:srgbClr val="00B050"/>
               </a:solidFill>
             </a:endParaRPr>
           </a:p>

--- a/Dokumentation/Grafiken Unternehmensfähigkeiten.pptx
+++ b/Dokumentation/Grafiken Unternehmensfähigkeiten.pptx
@@ -292,7 +292,7 @@
           <a:p>
             <a:fld id="{D67E706E-9FFF-4B25-B31B-E494BA33FABA}" type="datetimeFigureOut">
               <a:rPr lang="de-DE" smtClean="0"/>
-              <a:t>19.01.2021</a:t>
+              <a:t>20.01.2021</a:t>
             </a:fld>
             <a:endParaRPr lang="de-DE"/>
           </a:p>
@@ -462,7 +462,7 @@
           <a:p>
             <a:fld id="{D67E706E-9FFF-4B25-B31B-E494BA33FABA}" type="datetimeFigureOut">
               <a:rPr lang="de-DE" smtClean="0"/>
-              <a:t>19.01.2021</a:t>
+              <a:t>20.01.2021</a:t>
             </a:fld>
             <a:endParaRPr lang="de-DE"/>
           </a:p>
@@ -642,7 +642,7 @@
           <a:p>
             <a:fld id="{D67E706E-9FFF-4B25-B31B-E494BA33FABA}" type="datetimeFigureOut">
               <a:rPr lang="de-DE" smtClean="0"/>
-              <a:t>19.01.2021</a:t>
+              <a:t>20.01.2021</a:t>
             </a:fld>
             <a:endParaRPr lang="de-DE"/>
           </a:p>
@@ -812,7 +812,7 @@
           <a:p>
             <a:fld id="{D67E706E-9FFF-4B25-B31B-E494BA33FABA}" type="datetimeFigureOut">
               <a:rPr lang="de-DE" smtClean="0"/>
-              <a:t>19.01.2021</a:t>
+              <a:t>20.01.2021</a:t>
             </a:fld>
             <a:endParaRPr lang="de-DE"/>
           </a:p>
@@ -1058,7 +1058,7 @@
           <a:p>
             <a:fld id="{D67E706E-9FFF-4B25-B31B-E494BA33FABA}" type="datetimeFigureOut">
               <a:rPr lang="de-DE" smtClean="0"/>
-              <a:t>19.01.2021</a:t>
+              <a:t>20.01.2021</a:t>
             </a:fld>
             <a:endParaRPr lang="de-DE"/>
           </a:p>
@@ -1290,7 +1290,7 @@
           <a:p>
             <a:fld id="{D67E706E-9FFF-4B25-B31B-E494BA33FABA}" type="datetimeFigureOut">
               <a:rPr lang="de-DE" smtClean="0"/>
-              <a:t>19.01.2021</a:t>
+              <a:t>20.01.2021</a:t>
             </a:fld>
             <a:endParaRPr lang="de-DE"/>
           </a:p>
@@ -1657,7 +1657,7 @@
           <a:p>
             <a:fld id="{D67E706E-9FFF-4B25-B31B-E494BA33FABA}" type="datetimeFigureOut">
               <a:rPr lang="de-DE" smtClean="0"/>
-              <a:t>19.01.2021</a:t>
+              <a:t>20.01.2021</a:t>
             </a:fld>
             <a:endParaRPr lang="de-DE"/>
           </a:p>
@@ -1775,7 +1775,7 @@
           <a:p>
             <a:fld id="{D67E706E-9FFF-4B25-B31B-E494BA33FABA}" type="datetimeFigureOut">
               <a:rPr lang="de-DE" smtClean="0"/>
-              <a:t>19.01.2021</a:t>
+              <a:t>20.01.2021</a:t>
             </a:fld>
             <a:endParaRPr lang="de-DE"/>
           </a:p>
@@ -1870,7 +1870,7 @@
           <a:p>
             <a:fld id="{D67E706E-9FFF-4B25-B31B-E494BA33FABA}" type="datetimeFigureOut">
               <a:rPr lang="de-DE" smtClean="0"/>
-              <a:t>19.01.2021</a:t>
+              <a:t>20.01.2021</a:t>
             </a:fld>
             <a:endParaRPr lang="de-DE"/>
           </a:p>
@@ -2147,7 +2147,7 @@
           <a:p>
             <a:fld id="{D67E706E-9FFF-4B25-B31B-E494BA33FABA}" type="datetimeFigureOut">
               <a:rPr lang="de-DE" smtClean="0"/>
-              <a:t>19.01.2021</a:t>
+              <a:t>20.01.2021</a:t>
             </a:fld>
             <a:endParaRPr lang="de-DE"/>
           </a:p>
@@ -2400,7 +2400,7 @@
           <a:p>
             <a:fld id="{D67E706E-9FFF-4B25-B31B-E494BA33FABA}" type="datetimeFigureOut">
               <a:rPr lang="de-DE" smtClean="0"/>
-              <a:t>19.01.2021</a:t>
+              <a:t>20.01.2021</a:t>
             </a:fld>
             <a:endParaRPr lang="de-DE"/>
           </a:p>
@@ -2613,7 +2613,7 @@
           <a:p>
             <a:fld id="{D67E706E-9FFF-4B25-B31B-E494BA33FABA}" type="datetimeFigureOut">
               <a:rPr lang="de-DE" smtClean="0"/>
-              <a:t>19.01.2021</a:t>
+              <a:t>20.01.2021</a:t>
             </a:fld>
             <a:endParaRPr lang="de-DE"/>
           </a:p>

--- a/Dokumentation/Grafiken Unternehmensfähigkeiten.pptx
+++ b/Dokumentation/Grafiken Unternehmensfähigkeiten.pptx
@@ -9,6 +9,7 @@
     <p:sldId id="258" r:id="rId3"/>
     <p:sldId id="257" r:id="rId4"/>
     <p:sldId id="259" r:id="rId5"/>
+    <p:sldId id="260" r:id="rId6"/>
   </p:sldIdLst>
   <p:sldSz cx="12192000" cy="6858000"/>
   <p:notesSz cx="6797675" cy="9928225"/>
@@ -292,7 +293,7 @@
           <a:p>
             <a:fld id="{D67E706E-9FFF-4B25-B31B-E494BA33FABA}" type="datetimeFigureOut">
               <a:rPr lang="de-DE" smtClean="0"/>
-              <a:t>20.01.2021</a:t>
+              <a:t>22.01.2021</a:t>
             </a:fld>
             <a:endParaRPr lang="de-DE"/>
           </a:p>
@@ -462,7 +463,7 @@
           <a:p>
             <a:fld id="{D67E706E-9FFF-4B25-B31B-E494BA33FABA}" type="datetimeFigureOut">
               <a:rPr lang="de-DE" smtClean="0"/>
-              <a:t>20.01.2021</a:t>
+              <a:t>22.01.2021</a:t>
             </a:fld>
             <a:endParaRPr lang="de-DE"/>
           </a:p>
@@ -642,7 +643,7 @@
           <a:p>
             <a:fld id="{D67E706E-9FFF-4B25-B31B-E494BA33FABA}" type="datetimeFigureOut">
               <a:rPr lang="de-DE" smtClean="0"/>
-              <a:t>20.01.2021</a:t>
+              <a:t>22.01.2021</a:t>
             </a:fld>
             <a:endParaRPr lang="de-DE"/>
           </a:p>
@@ -812,7 +813,7 @@
           <a:p>
             <a:fld id="{D67E706E-9FFF-4B25-B31B-E494BA33FABA}" type="datetimeFigureOut">
               <a:rPr lang="de-DE" smtClean="0"/>
-              <a:t>20.01.2021</a:t>
+              <a:t>22.01.2021</a:t>
             </a:fld>
             <a:endParaRPr lang="de-DE"/>
           </a:p>
@@ -1058,7 +1059,7 @@
           <a:p>
             <a:fld id="{D67E706E-9FFF-4B25-B31B-E494BA33FABA}" type="datetimeFigureOut">
               <a:rPr lang="de-DE" smtClean="0"/>
-              <a:t>20.01.2021</a:t>
+              <a:t>22.01.2021</a:t>
             </a:fld>
             <a:endParaRPr lang="de-DE"/>
           </a:p>
@@ -1290,7 +1291,7 @@
           <a:p>
             <a:fld id="{D67E706E-9FFF-4B25-B31B-E494BA33FABA}" type="datetimeFigureOut">
               <a:rPr lang="de-DE" smtClean="0"/>
-              <a:t>20.01.2021</a:t>
+              <a:t>22.01.2021</a:t>
             </a:fld>
             <a:endParaRPr lang="de-DE"/>
           </a:p>
@@ -1657,7 +1658,7 @@
           <a:p>
             <a:fld id="{D67E706E-9FFF-4B25-B31B-E494BA33FABA}" type="datetimeFigureOut">
               <a:rPr lang="de-DE" smtClean="0"/>
-              <a:t>20.01.2021</a:t>
+              <a:t>22.01.2021</a:t>
             </a:fld>
             <a:endParaRPr lang="de-DE"/>
           </a:p>
@@ -1775,7 +1776,7 @@
           <a:p>
             <a:fld id="{D67E706E-9FFF-4B25-B31B-E494BA33FABA}" type="datetimeFigureOut">
               <a:rPr lang="de-DE" smtClean="0"/>
-              <a:t>20.01.2021</a:t>
+              <a:t>22.01.2021</a:t>
             </a:fld>
             <a:endParaRPr lang="de-DE"/>
           </a:p>
@@ -1870,7 +1871,7 @@
           <a:p>
             <a:fld id="{D67E706E-9FFF-4B25-B31B-E494BA33FABA}" type="datetimeFigureOut">
               <a:rPr lang="de-DE" smtClean="0"/>
-              <a:t>20.01.2021</a:t>
+              <a:t>22.01.2021</a:t>
             </a:fld>
             <a:endParaRPr lang="de-DE"/>
           </a:p>
@@ -2147,7 +2148,7 @@
           <a:p>
             <a:fld id="{D67E706E-9FFF-4B25-B31B-E494BA33FABA}" type="datetimeFigureOut">
               <a:rPr lang="de-DE" smtClean="0"/>
-              <a:t>20.01.2021</a:t>
+              <a:t>22.01.2021</a:t>
             </a:fld>
             <a:endParaRPr lang="de-DE"/>
           </a:p>
@@ -2400,7 +2401,7 @@
           <a:p>
             <a:fld id="{D67E706E-9FFF-4B25-B31B-E494BA33FABA}" type="datetimeFigureOut">
               <a:rPr lang="de-DE" smtClean="0"/>
-              <a:t>20.01.2021</a:t>
+              <a:t>22.01.2021</a:t>
             </a:fld>
             <a:endParaRPr lang="de-DE"/>
           </a:p>
@@ -2613,7 +2614,7 @@
           <a:p>
             <a:fld id="{D67E706E-9FFF-4B25-B31B-E494BA33FABA}" type="datetimeFigureOut">
               <a:rPr lang="de-DE" smtClean="0"/>
-              <a:t>20.01.2021</a:t>
+              <a:t>22.01.2021</a:t>
             </a:fld>
             <a:endParaRPr lang="de-DE"/>
           </a:p>
@@ -10447,6 +10448,1178 @@
 </p:sld>
 </file>
 
+<file path=ppt/slides/slide5.xml><?xml version="1.0" encoding="utf-8"?>
+<p:sld xmlns:a="http://schemas.openxmlformats.org/drawingml/2006/main" xmlns:r="http://schemas.openxmlformats.org/officeDocument/2006/relationships" xmlns:p="http://schemas.openxmlformats.org/presentationml/2006/main">
+  <p:cSld>
+    <p:spTree>
+      <p:nvGrpSpPr>
+        <p:cNvPr id="1" name=""/>
+        <p:cNvGrpSpPr/>
+        <p:nvPr/>
+      </p:nvGrpSpPr>
+      <p:grpSpPr>
+        <a:xfrm>
+          <a:off x="0" y="0"/>
+          <a:ext cx="0" cy="0"/>
+          <a:chOff x="0" y="0"/>
+          <a:chExt cx="0" cy="0"/>
+        </a:xfrm>
+      </p:grpSpPr>
+      <p:grpSp>
+        <p:nvGrpSpPr>
+          <p:cNvPr id="2" name="Gruppieren 1"/>
+          <p:cNvGrpSpPr/>
+          <p:nvPr/>
+        </p:nvGrpSpPr>
+        <p:grpSpPr>
+          <a:xfrm>
+            <a:off x="338600" y="569491"/>
+            <a:ext cx="2167605" cy="2157663"/>
+            <a:chOff x="334962" y="569494"/>
+            <a:chExt cx="2167605" cy="2157663"/>
+          </a:xfrm>
+        </p:grpSpPr>
+        <p:sp>
+          <p:nvSpPr>
+            <p:cNvPr id="3" name="Rechteck 2"/>
+            <p:cNvSpPr/>
+            <p:nvPr/>
+          </p:nvSpPr>
+          <p:spPr>
+            <a:xfrm>
+              <a:off x="334962" y="569494"/>
+              <a:ext cx="2167605" cy="2157663"/>
+            </a:xfrm>
+            <a:prstGeom prst="rect">
+              <a:avLst/>
+            </a:prstGeom>
+            <a:noFill/>
+            <a:ln w="25400">
+              <a:solidFill>
+                <a:schemeClr val="tx1"/>
+              </a:solidFill>
+            </a:ln>
+          </p:spPr>
+          <p:style>
+            <a:lnRef idx="2">
+              <a:schemeClr val="accent1">
+                <a:shade val="50000"/>
+              </a:schemeClr>
+            </a:lnRef>
+            <a:fillRef idx="1">
+              <a:schemeClr val="accent1"/>
+            </a:fillRef>
+            <a:effectRef idx="0">
+              <a:schemeClr val="accent1"/>
+            </a:effectRef>
+            <a:fontRef idx="minor">
+              <a:schemeClr val="lt1"/>
+            </a:fontRef>
+          </p:style>
+          <p:txBody>
+            <a:bodyPr rtlCol="0" anchor="ctr"/>
+            <a:lstStyle/>
+            <a:p>
+              <a:pPr algn="ctr"/>
+              <a:endParaRPr lang="de-DE"/>
+            </a:p>
+          </p:txBody>
+        </p:sp>
+        <p:cxnSp>
+          <p:nvCxnSpPr>
+            <p:cNvPr id="4" name="Gerader Verbinder 3"/>
+            <p:cNvCxnSpPr/>
+            <p:nvPr/>
+          </p:nvCxnSpPr>
+          <p:spPr>
+            <a:xfrm>
+              <a:off x="334962" y="1160463"/>
+              <a:ext cx="2167605" cy="0"/>
+            </a:xfrm>
+            <a:prstGeom prst="line">
+              <a:avLst/>
+            </a:prstGeom>
+            <a:ln w="25400">
+              <a:tailEnd type="none"/>
+            </a:ln>
+          </p:spPr>
+          <p:style>
+            <a:lnRef idx="1">
+              <a:schemeClr val="dk1"/>
+            </a:lnRef>
+            <a:fillRef idx="0">
+              <a:schemeClr val="dk1"/>
+            </a:fillRef>
+            <a:effectRef idx="0">
+              <a:schemeClr val="dk1"/>
+            </a:effectRef>
+            <a:fontRef idx="minor">
+              <a:schemeClr val="tx1"/>
+            </a:fontRef>
+          </p:style>
+        </p:cxnSp>
+      </p:grpSp>
+      <p:grpSp>
+        <p:nvGrpSpPr>
+          <p:cNvPr id="5" name="Gruppieren 4"/>
+          <p:cNvGrpSpPr/>
+          <p:nvPr/>
+        </p:nvGrpSpPr>
+        <p:grpSpPr>
+          <a:xfrm>
+            <a:off x="9675105" y="569488"/>
+            <a:ext cx="2167605" cy="2157663"/>
+            <a:chOff x="334962" y="569494"/>
+            <a:chExt cx="2167605" cy="2157663"/>
+          </a:xfrm>
+        </p:grpSpPr>
+        <p:sp>
+          <p:nvSpPr>
+            <p:cNvPr id="6" name="Rechteck 5"/>
+            <p:cNvSpPr/>
+            <p:nvPr/>
+          </p:nvSpPr>
+          <p:spPr>
+            <a:xfrm>
+              <a:off x="334962" y="569494"/>
+              <a:ext cx="2167605" cy="2157663"/>
+            </a:xfrm>
+            <a:prstGeom prst="rect">
+              <a:avLst/>
+            </a:prstGeom>
+            <a:noFill/>
+            <a:ln w="25400">
+              <a:solidFill>
+                <a:schemeClr val="tx1"/>
+              </a:solidFill>
+            </a:ln>
+          </p:spPr>
+          <p:style>
+            <a:lnRef idx="2">
+              <a:schemeClr val="accent1">
+                <a:shade val="50000"/>
+              </a:schemeClr>
+            </a:lnRef>
+            <a:fillRef idx="1">
+              <a:schemeClr val="accent1"/>
+            </a:fillRef>
+            <a:effectRef idx="0">
+              <a:schemeClr val="accent1"/>
+            </a:effectRef>
+            <a:fontRef idx="minor">
+              <a:schemeClr val="lt1"/>
+            </a:fontRef>
+          </p:style>
+          <p:txBody>
+            <a:bodyPr rtlCol="0" anchor="ctr"/>
+            <a:lstStyle/>
+            <a:p>
+              <a:pPr algn="ctr"/>
+              <a:endParaRPr lang="de-DE"/>
+            </a:p>
+          </p:txBody>
+        </p:sp>
+        <p:cxnSp>
+          <p:nvCxnSpPr>
+            <p:cNvPr id="7" name="Gerader Verbinder 6"/>
+            <p:cNvCxnSpPr/>
+            <p:nvPr/>
+          </p:nvCxnSpPr>
+          <p:spPr>
+            <a:xfrm>
+              <a:off x="334962" y="1160463"/>
+              <a:ext cx="2167605" cy="0"/>
+            </a:xfrm>
+            <a:prstGeom prst="line">
+              <a:avLst/>
+            </a:prstGeom>
+            <a:ln w="25400">
+              <a:tailEnd type="none"/>
+            </a:ln>
+          </p:spPr>
+          <p:style>
+            <a:lnRef idx="1">
+              <a:schemeClr val="dk1"/>
+            </a:lnRef>
+            <a:fillRef idx="0">
+              <a:schemeClr val="dk1"/>
+            </a:fillRef>
+            <a:effectRef idx="0">
+              <a:schemeClr val="dk1"/>
+            </a:effectRef>
+            <a:fontRef idx="minor">
+              <a:schemeClr val="tx1"/>
+            </a:fontRef>
+          </p:style>
+        </p:cxnSp>
+      </p:grpSp>
+      <p:grpSp>
+        <p:nvGrpSpPr>
+          <p:cNvPr id="8" name="Gruppieren 7"/>
+          <p:cNvGrpSpPr/>
+          <p:nvPr/>
+        </p:nvGrpSpPr>
+        <p:grpSpPr>
+          <a:xfrm>
+            <a:off x="6837738" y="569487"/>
+            <a:ext cx="2167605" cy="2157663"/>
+            <a:chOff x="334962" y="569494"/>
+            <a:chExt cx="2167605" cy="2157663"/>
+          </a:xfrm>
+        </p:grpSpPr>
+        <p:sp>
+          <p:nvSpPr>
+            <p:cNvPr id="9" name="Rechteck 8"/>
+            <p:cNvSpPr/>
+            <p:nvPr/>
+          </p:nvSpPr>
+          <p:spPr>
+            <a:xfrm>
+              <a:off x="334962" y="569494"/>
+              <a:ext cx="2167605" cy="2157663"/>
+            </a:xfrm>
+            <a:prstGeom prst="rect">
+              <a:avLst/>
+            </a:prstGeom>
+            <a:noFill/>
+            <a:ln w="25400">
+              <a:solidFill>
+                <a:srgbClr val="0070C0"/>
+              </a:solidFill>
+            </a:ln>
+          </p:spPr>
+          <p:style>
+            <a:lnRef idx="2">
+              <a:schemeClr val="accent1">
+                <a:shade val="50000"/>
+              </a:schemeClr>
+            </a:lnRef>
+            <a:fillRef idx="1">
+              <a:schemeClr val="accent1"/>
+            </a:fillRef>
+            <a:effectRef idx="0">
+              <a:schemeClr val="accent1"/>
+            </a:effectRef>
+            <a:fontRef idx="minor">
+              <a:schemeClr val="lt1"/>
+            </a:fontRef>
+          </p:style>
+          <p:txBody>
+            <a:bodyPr rtlCol="0" anchor="ctr"/>
+            <a:lstStyle/>
+            <a:p>
+              <a:pPr algn="ctr"/>
+              <a:endParaRPr lang="de-DE"/>
+            </a:p>
+          </p:txBody>
+        </p:sp>
+        <p:cxnSp>
+          <p:nvCxnSpPr>
+            <p:cNvPr id="10" name="Gerader Verbinder 9"/>
+            <p:cNvCxnSpPr/>
+            <p:nvPr/>
+          </p:nvCxnSpPr>
+          <p:spPr>
+            <a:xfrm>
+              <a:off x="334962" y="1160463"/>
+              <a:ext cx="2167605" cy="0"/>
+            </a:xfrm>
+            <a:prstGeom prst="line">
+              <a:avLst/>
+            </a:prstGeom>
+            <a:ln w="25400">
+              <a:solidFill>
+                <a:srgbClr val="0070C0"/>
+              </a:solidFill>
+              <a:tailEnd type="none"/>
+            </a:ln>
+          </p:spPr>
+          <p:style>
+            <a:lnRef idx="1">
+              <a:schemeClr val="dk1"/>
+            </a:lnRef>
+            <a:fillRef idx="0">
+              <a:schemeClr val="dk1"/>
+            </a:fillRef>
+            <a:effectRef idx="0">
+              <a:schemeClr val="dk1"/>
+            </a:effectRef>
+            <a:fontRef idx="minor">
+              <a:schemeClr val="tx1"/>
+            </a:fontRef>
+          </p:style>
+        </p:cxnSp>
+      </p:grpSp>
+      <p:grpSp>
+        <p:nvGrpSpPr>
+          <p:cNvPr id="11" name="Gruppieren 10"/>
+          <p:cNvGrpSpPr/>
+          <p:nvPr/>
+        </p:nvGrpSpPr>
+        <p:grpSpPr>
+          <a:xfrm>
+            <a:off x="3236878" y="569487"/>
+            <a:ext cx="2167605" cy="2157663"/>
+            <a:chOff x="334962" y="569494"/>
+            <a:chExt cx="2167605" cy="2157663"/>
+          </a:xfrm>
+        </p:grpSpPr>
+        <p:sp>
+          <p:nvSpPr>
+            <p:cNvPr id="12" name="Rechteck 11"/>
+            <p:cNvSpPr/>
+            <p:nvPr/>
+          </p:nvSpPr>
+          <p:spPr>
+            <a:xfrm>
+              <a:off x="334962" y="569494"/>
+              <a:ext cx="2167605" cy="2157663"/>
+            </a:xfrm>
+            <a:prstGeom prst="rect">
+              <a:avLst/>
+            </a:prstGeom>
+            <a:noFill/>
+            <a:ln w="25400">
+              <a:solidFill>
+                <a:srgbClr val="0070C0"/>
+              </a:solidFill>
+            </a:ln>
+          </p:spPr>
+          <p:style>
+            <a:lnRef idx="2">
+              <a:schemeClr val="accent1">
+                <a:shade val="50000"/>
+              </a:schemeClr>
+            </a:lnRef>
+            <a:fillRef idx="1">
+              <a:schemeClr val="accent1"/>
+            </a:fillRef>
+            <a:effectRef idx="0">
+              <a:schemeClr val="accent1"/>
+            </a:effectRef>
+            <a:fontRef idx="minor">
+              <a:schemeClr val="lt1"/>
+            </a:fontRef>
+          </p:style>
+          <p:txBody>
+            <a:bodyPr rtlCol="0" anchor="ctr"/>
+            <a:lstStyle/>
+            <a:p>
+              <a:pPr algn="ctr"/>
+              <a:endParaRPr lang="de-DE"/>
+            </a:p>
+          </p:txBody>
+        </p:sp>
+        <p:cxnSp>
+          <p:nvCxnSpPr>
+            <p:cNvPr id="13" name="Gerader Verbinder 12"/>
+            <p:cNvCxnSpPr/>
+            <p:nvPr/>
+          </p:nvCxnSpPr>
+          <p:spPr>
+            <a:xfrm>
+              <a:off x="334962" y="1160463"/>
+              <a:ext cx="2167605" cy="0"/>
+            </a:xfrm>
+            <a:prstGeom prst="line">
+              <a:avLst/>
+            </a:prstGeom>
+            <a:ln w="25400">
+              <a:solidFill>
+                <a:srgbClr val="0070C0"/>
+              </a:solidFill>
+              <a:tailEnd type="none"/>
+            </a:ln>
+          </p:spPr>
+          <p:style>
+            <a:lnRef idx="1">
+              <a:schemeClr val="dk1"/>
+            </a:lnRef>
+            <a:fillRef idx="0">
+              <a:schemeClr val="dk1"/>
+            </a:fillRef>
+            <a:effectRef idx="0">
+              <a:schemeClr val="dk1"/>
+            </a:effectRef>
+            <a:fontRef idx="minor">
+              <a:schemeClr val="tx1"/>
+            </a:fontRef>
+          </p:style>
+        </p:cxnSp>
+      </p:grpSp>
+      <p:sp>
+        <p:nvSpPr>
+          <p:cNvPr id="14" name="Textfeld 13"/>
+          <p:cNvSpPr txBox="1"/>
+          <p:nvPr/>
+        </p:nvSpPr>
+        <p:spPr>
+          <a:xfrm>
+            <a:off x="338600" y="569489"/>
+            <a:ext cx="2167605" cy="369332"/>
+          </a:xfrm>
+          <a:prstGeom prst="rect">
+            <a:avLst/>
+          </a:prstGeom>
+          <a:noFill/>
+        </p:spPr>
+        <p:txBody>
+          <a:bodyPr wrap="square" rtlCol="0">
+            <a:spAutoFit/>
+          </a:bodyPr>
+          <a:lstStyle/>
+          <a:p>
+            <a:pPr algn="ctr"/>
+            <a:r>
+              <a:rPr lang="de-DE" b="1" dirty="0" smtClean="0"/>
+              <a:t>Request-Sender</a:t>
+            </a:r>
+            <a:endParaRPr lang="de-DE" b="1" dirty="0"/>
+          </a:p>
+        </p:txBody>
+      </p:sp>
+      <p:sp>
+        <p:nvSpPr>
+          <p:cNvPr id="15" name="Textfeld 14"/>
+          <p:cNvSpPr txBox="1"/>
+          <p:nvPr/>
+        </p:nvSpPr>
+        <p:spPr>
+          <a:xfrm>
+            <a:off x="9675104" y="569487"/>
+            <a:ext cx="2167605" cy="369332"/>
+          </a:xfrm>
+          <a:prstGeom prst="rect">
+            <a:avLst/>
+          </a:prstGeom>
+          <a:noFill/>
+        </p:spPr>
+        <p:txBody>
+          <a:bodyPr wrap="square" rtlCol="0">
+            <a:spAutoFit/>
+          </a:bodyPr>
+          <a:lstStyle/>
+          <a:p>
+            <a:pPr algn="ctr"/>
+            <a:r>
+              <a:rPr lang="de-DE" b="1" dirty="0" smtClean="0"/>
+              <a:t>Request-Empfänger</a:t>
+            </a:r>
+            <a:endParaRPr lang="de-DE" b="1" dirty="0"/>
+          </a:p>
+        </p:txBody>
+      </p:sp>
+      <p:sp>
+        <p:nvSpPr>
+          <p:cNvPr id="16" name="Textfeld 15"/>
+          <p:cNvSpPr txBox="1"/>
+          <p:nvPr/>
+        </p:nvSpPr>
+        <p:spPr>
+          <a:xfrm>
+            <a:off x="6837737" y="569487"/>
+            <a:ext cx="2167604" cy="584775"/>
+          </a:xfrm>
+          <a:prstGeom prst="rect">
+            <a:avLst/>
+          </a:prstGeom>
+          <a:noFill/>
+        </p:spPr>
+        <p:txBody>
+          <a:bodyPr wrap="square" rtlCol="0">
+            <a:spAutoFit/>
+          </a:bodyPr>
+          <a:lstStyle/>
+          <a:p>
+            <a:pPr algn="ctr"/>
+            <a:r>
+              <a:rPr lang="de-DE" sz="3200" b="1" dirty="0" smtClean="0">
+                <a:solidFill>
+                  <a:srgbClr val="0070C0"/>
+                </a:solidFill>
+              </a:rPr>
+              <a:t>API</a:t>
+            </a:r>
+            <a:endParaRPr lang="de-DE" sz="3200" b="1" dirty="0">
+              <a:solidFill>
+                <a:srgbClr val="0070C0"/>
+              </a:solidFill>
+            </a:endParaRPr>
+          </a:p>
+        </p:txBody>
+      </p:sp>
+      <p:sp>
+        <p:nvSpPr>
+          <p:cNvPr id="17" name="Textfeld 16"/>
+          <p:cNvSpPr txBox="1"/>
+          <p:nvPr/>
+        </p:nvSpPr>
+        <p:spPr>
+          <a:xfrm>
+            <a:off x="3236878" y="569487"/>
+            <a:ext cx="2167604" cy="584775"/>
+          </a:xfrm>
+          <a:prstGeom prst="rect">
+            <a:avLst/>
+          </a:prstGeom>
+          <a:noFill/>
+        </p:spPr>
+        <p:txBody>
+          <a:bodyPr wrap="square" rtlCol="0">
+            <a:spAutoFit/>
+          </a:bodyPr>
+          <a:lstStyle/>
+          <a:p>
+            <a:pPr algn="ctr"/>
+            <a:r>
+              <a:rPr lang="de-DE" sz="3200" b="1" dirty="0" smtClean="0">
+                <a:solidFill>
+                  <a:srgbClr val="0070C0"/>
+                </a:solidFill>
+              </a:rPr>
+              <a:t>API</a:t>
+            </a:r>
+            <a:endParaRPr lang="de-DE" sz="3200" b="1" dirty="0">
+              <a:solidFill>
+                <a:srgbClr val="0070C0"/>
+              </a:solidFill>
+            </a:endParaRPr>
+          </a:p>
+        </p:txBody>
+      </p:sp>
+      <p:sp>
+        <p:nvSpPr>
+          <p:cNvPr id="18" name="Pfeil nach rechts 17"/>
+          <p:cNvSpPr/>
+          <p:nvPr/>
+        </p:nvSpPr>
+        <p:spPr>
+          <a:xfrm>
+            <a:off x="2642565" y="1477911"/>
+            <a:ext cx="465221" cy="340818"/>
+          </a:xfrm>
+          <a:prstGeom prst="rightArrow">
+            <a:avLst/>
+          </a:prstGeom>
+          <a:noFill/>
+          <a:ln w="25400">
+            <a:solidFill>
+              <a:schemeClr val="tx1"/>
+            </a:solidFill>
+          </a:ln>
+        </p:spPr>
+        <p:style>
+          <a:lnRef idx="2">
+            <a:schemeClr val="accent1">
+              <a:shade val="50000"/>
+            </a:schemeClr>
+          </a:lnRef>
+          <a:fillRef idx="1">
+            <a:schemeClr val="accent1"/>
+          </a:fillRef>
+          <a:effectRef idx="0">
+            <a:schemeClr val="accent1"/>
+          </a:effectRef>
+          <a:fontRef idx="minor">
+            <a:schemeClr val="lt1"/>
+          </a:fontRef>
+        </p:style>
+        <p:txBody>
+          <a:bodyPr rtlCol="0" anchor="ctr"/>
+          <a:lstStyle/>
+          <a:p>
+            <a:pPr algn="ctr"/>
+            <a:endParaRPr lang="de-DE"/>
+          </a:p>
+        </p:txBody>
+      </p:sp>
+      <p:sp>
+        <p:nvSpPr>
+          <p:cNvPr id="19" name="Pfeil nach rechts 18"/>
+          <p:cNvSpPr/>
+          <p:nvPr/>
+        </p:nvSpPr>
+        <p:spPr>
+          <a:xfrm>
+            <a:off x="9073523" y="1477911"/>
+            <a:ext cx="465221" cy="340818"/>
+          </a:xfrm>
+          <a:prstGeom prst="rightArrow">
+            <a:avLst/>
+          </a:prstGeom>
+          <a:noFill/>
+          <a:ln w="25400">
+            <a:solidFill>
+              <a:schemeClr val="tx1"/>
+            </a:solidFill>
+          </a:ln>
+        </p:spPr>
+        <p:style>
+          <a:lnRef idx="2">
+            <a:schemeClr val="accent1">
+              <a:shade val="50000"/>
+            </a:schemeClr>
+          </a:lnRef>
+          <a:fillRef idx="1">
+            <a:schemeClr val="accent1"/>
+          </a:fillRef>
+          <a:effectRef idx="0">
+            <a:schemeClr val="accent1"/>
+          </a:effectRef>
+          <a:fontRef idx="minor">
+            <a:schemeClr val="lt1"/>
+          </a:fontRef>
+        </p:style>
+        <p:txBody>
+          <a:bodyPr rtlCol="0" anchor="ctr"/>
+          <a:lstStyle/>
+          <a:p>
+            <a:pPr algn="ctr"/>
+            <a:endParaRPr lang="de-DE"/>
+          </a:p>
+        </p:txBody>
+      </p:sp>
+      <p:sp>
+        <p:nvSpPr>
+          <p:cNvPr id="20" name="Textfeld 19"/>
+          <p:cNvSpPr txBox="1"/>
+          <p:nvPr/>
+        </p:nvSpPr>
+        <p:spPr>
+          <a:xfrm>
+            <a:off x="334963" y="1154262"/>
+            <a:ext cx="2171241" cy="1384995"/>
+          </a:xfrm>
+          <a:prstGeom prst="rect">
+            <a:avLst/>
+          </a:prstGeom>
+          <a:noFill/>
+        </p:spPr>
+        <p:txBody>
+          <a:bodyPr wrap="square" rtlCol="0">
+            <a:spAutoFit/>
+          </a:bodyPr>
+          <a:lstStyle/>
+          <a:p>
+            <a:pPr marL="342900" indent="-342900">
+              <a:buFont typeface="+mj-lt"/>
+              <a:buAutoNum type="arabicPeriod"/>
+            </a:pPr>
+            <a:r>
+              <a:rPr lang="de-DE" sz="1400" dirty="0" smtClean="0"/>
+              <a:t>Nimmt die vom Nutzer eingegebenen Daten auf</a:t>
+            </a:r>
+          </a:p>
+          <a:p>
+            <a:pPr marL="342900" indent="-342900">
+              <a:buFont typeface="+mj-lt"/>
+              <a:buAutoNum type="arabicPeriod"/>
+            </a:pPr>
+            <a:r>
+              <a:rPr lang="de-DE" sz="1400" dirty="0" smtClean="0"/>
+              <a:t>Schreibt die Daten in ein </a:t>
+            </a:r>
+            <a:r>
+              <a:rPr lang="de-DE" sz="1400" dirty="0" err="1" smtClean="0"/>
+              <a:t>Dictionary</a:t>
+            </a:r>
+            <a:endParaRPr lang="de-DE" sz="1400" dirty="0" smtClean="0"/>
+          </a:p>
+          <a:p>
+            <a:pPr marL="342900" indent="-342900">
+              <a:buFont typeface="+mj-lt"/>
+              <a:buAutoNum type="arabicPeriod"/>
+            </a:pPr>
+            <a:r>
+              <a:rPr lang="de-DE" sz="1400" dirty="0" smtClean="0"/>
+              <a:t>Erzeugt Request</a:t>
+            </a:r>
+            <a:endParaRPr lang="de-DE" sz="1400" dirty="0"/>
+          </a:p>
+        </p:txBody>
+      </p:sp>
+      <p:sp>
+        <p:nvSpPr>
+          <p:cNvPr id="21" name="Textfeld 20"/>
+          <p:cNvSpPr txBox="1"/>
+          <p:nvPr/>
+        </p:nvSpPr>
+        <p:spPr>
+          <a:xfrm>
+            <a:off x="3250467" y="1166651"/>
+            <a:ext cx="2154016" cy="954107"/>
+          </a:xfrm>
+          <a:prstGeom prst="rect">
+            <a:avLst/>
+          </a:prstGeom>
+          <a:noFill/>
+        </p:spPr>
+        <p:txBody>
+          <a:bodyPr wrap="square" rtlCol="0">
+            <a:spAutoFit/>
+          </a:bodyPr>
+          <a:lstStyle/>
+          <a:p>
+            <a:pPr marL="342900" indent="-342900">
+              <a:buFont typeface="+mj-lt"/>
+              <a:buAutoNum type="arabicPeriod"/>
+            </a:pPr>
+            <a:r>
+              <a:rPr lang="de-DE" sz="1400" dirty="0" smtClean="0">
+                <a:solidFill>
+                  <a:srgbClr val="0070C0"/>
+                </a:solidFill>
+              </a:rPr>
+              <a:t>Wandelt Daten von </a:t>
+            </a:r>
+            <a:r>
+              <a:rPr lang="de-DE" sz="1400" dirty="0" err="1" smtClean="0">
+                <a:solidFill>
+                  <a:srgbClr val="0070C0"/>
+                </a:solidFill>
+              </a:rPr>
+              <a:t>Dictionary</a:t>
+            </a:r>
+            <a:r>
+              <a:rPr lang="de-DE" sz="1400" dirty="0" smtClean="0">
+                <a:solidFill>
+                  <a:srgbClr val="0070C0"/>
+                </a:solidFill>
+              </a:rPr>
+              <a:t> in Bytes um</a:t>
+            </a:r>
+          </a:p>
+          <a:p>
+            <a:pPr marL="342900" indent="-342900">
+              <a:buFont typeface="+mj-lt"/>
+              <a:buAutoNum type="arabicPeriod"/>
+            </a:pPr>
+            <a:r>
+              <a:rPr lang="de-DE" sz="1400" dirty="0" smtClean="0">
+                <a:solidFill>
+                  <a:srgbClr val="0070C0"/>
+                </a:solidFill>
+              </a:rPr>
+              <a:t>Setzt Request an Empfänger um</a:t>
+            </a:r>
+            <a:endParaRPr lang="de-DE" sz="1400" dirty="0">
+              <a:solidFill>
+                <a:srgbClr val="0070C0"/>
+              </a:solidFill>
+            </a:endParaRPr>
+          </a:p>
+        </p:txBody>
+      </p:sp>
+      <p:sp>
+        <p:nvSpPr>
+          <p:cNvPr id="22" name="Textfeld 21"/>
+          <p:cNvSpPr txBox="1"/>
+          <p:nvPr/>
+        </p:nvSpPr>
+        <p:spPr>
+          <a:xfrm>
+            <a:off x="6851326" y="1160463"/>
+            <a:ext cx="2154016" cy="954107"/>
+          </a:xfrm>
+          <a:prstGeom prst="rect">
+            <a:avLst/>
+          </a:prstGeom>
+          <a:noFill/>
+        </p:spPr>
+        <p:txBody>
+          <a:bodyPr wrap="square" rtlCol="0">
+            <a:spAutoFit/>
+          </a:bodyPr>
+          <a:lstStyle/>
+          <a:p>
+            <a:pPr marL="342900" indent="-342900">
+              <a:buFont typeface="+mj-lt"/>
+              <a:buAutoNum type="arabicPeriod"/>
+            </a:pPr>
+            <a:r>
+              <a:rPr lang="de-DE" sz="1400" dirty="0" smtClean="0">
+                <a:solidFill>
+                  <a:srgbClr val="0070C0"/>
+                </a:solidFill>
+              </a:rPr>
+              <a:t>Wandelt Daten von Bytes in Tabelle um</a:t>
+            </a:r>
+          </a:p>
+          <a:p>
+            <a:pPr marL="342900" indent="-342900">
+              <a:buFont typeface="+mj-lt"/>
+              <a:buAutoNum type="arabicPeriod"/>
+            </a:pPr>
+            <a:r>
+              <a:rPr lang="de-DE" sz="1400" dirty="0" smtClean="0">
+                <a:solidFill>
+                  <a:srgbClr val="0070C0"/>
+                </a:solidFill>
+              </a:rPr>
+              <a:t>Nimmt Request des Senders um</a:t>
+            </a:r>
+            <a:endParaRPr lang="de-DE" sz="1400" dirty="0">
+              <a:solidFill>
+                <a:srgbClr val="0070C0"/>
+              </a:solidFill>
+            </a:endParaRPr>
+          </a:p>
+        </p:txBody>
+      </p:sp>
+      <p:sp>
+        <p:nvSpPr>
+          <p:cNvPr id="23" name="Textfeld 22"/>
+          <p:cNvSpPr txBox="1"/>
+          <p:nvPr/>
+        </p:nvSpPr>
+        <p:spPr>
+          <a:xfrm>
+            <a:off x="9675103" y="1140487"/>
+            <a:ext cx="2171241" cy="954107"/>
+          </a:xfrm>
+          <a:prstGeom prst="rect">
+            <a:avLst/>
+          </a:prstGeom>
+          <a:noFill/>
+        </p:spPr>
+        <p:txBody>
+          <a:bodyPr wrap="square" rtlCol="0">
+            <a:spAutoFit/>
+          </a:bodyPr>
+          <a:lstStyle/>
+          <a:p>
+            <a:pPr marL="342900" indent="-342900">
+              <a:buFont typeface="+mj-lt"/>
+              <a:buAutoNum type="arabicPeriod"/>
+            </a:pPr>
+            <a:r>
+              <a:rPr lang="de-DE" sz="1400" dirty="0" smtClean="0"/>
+              <a:t>Nimmt übertragene Daten auf</a:t>
+            </a:r>
+          </a:p>
+          <a:p>
+            <a:pPr marL="342900" indent="-342900">
+              <a:buFont typeface="+mj-lt"/>
+              <a:buAutoNum type="arabicPeriod"/>
+            </a:pPr>
+            <a:r>
+              <a:rPr lang="de-DE" sz="1400" dirty="0" smtClean="0"/>
+              <a:t>Setzt Request in Persistenz-Aufruf um</a:t>
+            </a:r>
+            <a:endParaRPr lang="de-DE" sz="1400" dirty="0"/>
+          </a:p>
+        </p:txBody>
+      </p:sp>
+      <p:sp>
+        <p:nvSpPr>
+          <p:cNvPr id="28" name="Textfeld 27"/>
+          <p:cNvSpPr txBox="1"/>
+          <p:nvPr/>
+        </p:nvSpPr>
+        <p:spPr>
+          <a:xfrm>
+            <a:off x="334963" y="2742541"/>
+            <a:ext cx="1375248" cy="646331"/>
+          </a:xfrm>
+          <a:prstGeom prst="rect">
+            <a:avLst/>
+          </a:prstGeom>
+          <a:noFill/>
+        </p:spPr>
+        <p:txBody>
+          <a:bodyPr wrap="none" rtlCol="0">
+            <a:spAutoFit/>
+          </a:bodyPr>
+          <a:lstStyle/>
+          <a:p>
+            <a:r>
+              <a:rPr lang="de-DE" dirty="0" smtClean="0">
+                <a:solidFill>
+                  <a:srgbClr val="00B050"/>
+                </a:solidFill>
+              </a:rPr>
+              <a:t>Datentypen</a:t>
+            </a:r>
+          </a:p>
+          <a:p>
+            <a:r>
+              <a:rPr lang="de-DE" dirty="0" smtClean="0">
+                <a:solidFill>
+                  <a:srgbClr val="00B050"/>
+                </a:solidFill>
+              </a:rPr>
+              <a:t>in </a:t>
+            </a:r>
+            <a:r>
+              <a:rPr lang="de-DE" dirty="0" err="1" smtClean="0">
+                <a:solidFill>
+                  <a:srgbClr val="00B050"/>
+                </a:solidFill>
+              </a:rPr>
+              <a:t>Dictionary</a:t>
+            </a:r>
+            <a:endParaRPr lang="de-DE" dirty="0">
+              <a:solidFill>
+                <a:srgbClr val="00B050"/>
+              </a:solidFill>
+            </a:endParaRPr>
+          </a:p>
+        </p:txBody>
+      </p:sp>
+      <p:sp>
+        <p:nvSpPr>
+          <p:cNvPr id="30" name="Textfeld 29"/>
+          <p:cNvSpPr txBox="1"/>
+          <p:nvPr/>
+        </p:nvSpPr>
+        <p:spPr>
+          <a:xfrm>
+            <a:off x="3240512" y="2727150"/>
+            <a:ext cx="1510350" cy="923330"/>
+          </a:xfrm>
+          <a:prstGeom prst="rect">
+            <a:avLst/>
+          </a:prstGeom>
+          <a:noFill/>
+        </p:spPr>
+        <p:txBody>
+          <a:bodyPr wrap="none" rtlCol="0">
+            <a:spAutoFit/>
+          </a:bodyPr>
+          <a:lstStyle/>
+          <a:p>
+            <a:r>
+              <a:rPr lang="de-DE" dirty="0" err="1" smtClean="0">
+                <a:solidFill>
+                  <a:srgbClr val="00B050"/>
+                </a:solidFill>
+              </a:rPr>
+              <a:t>Dictionary</a:t>
+            </a:r>
+            <a:endParaRPr lang="de-DE" dirty="0" smtClean="0">
+              <a:solidFill>
+                <a:srgbClr val="00B050"/>
+              </a:solidFill>
+            </a:endParaRPr>
+          </a:p>
+          <a:p>
+            <a:r>
+              <a:rPr lang="de-DE" dirty="0" smtClean="0">
+                <a:solidFill>
+                  <a:srgbClr val="00B050"/>
+                </a:solidFill>
+              </a:rPr>
+              <a:t>in JSON-String</a:t>
+            </a:r>
+          </a:p>
+          <a:p>
+            <a:r>
+              <a:rPr lang="de-DE" dirty="0" smtClean="0">
+                <a:solidFill>
+                  <a:srgbClr val="00B050"/>
+                </a:solidFill>
+              </a:rPr>
+              <a:t>in Bytes</a:t>
+            </a:r>
+            <a:endParaRPr lang="de-DE" dirty="0">
+              <a:solidFill>
+                <a:srgbClr val="00B050"/>
+              </a:solidFill>
+            </a:endParaRPr>
+          </a:p>
+        </p:txBody>
+      </p:sp>
+      <p:sp>
+        <p:nvSpPr>
+          <p:cNvPr id="32" name="Textfeld 31"/>
+          <p:cNvSpPr txBox="1"/>
+          <p:nvPr/>
+        </p:nvSpPr>
+        <p:spPr>
+          <a:xfrm>
+            <a:off x="6834104" y="2727150"/>
+            <a:ext cx="1075551" cy="646331"/>
+          </a:xfrm>
+          <a:prstGeom prst="rect">
+            <a:avLst/>
+          </a:prstGeom>
+          <a:noFill/>
+        </p:spPr>
+        <p:txBody>
+          <a:bodyPr wrap="none" rtlCol="0">
+            <a:spAutoFit/>
+          </a:bodyPr>
+          <a:lstStyle/>
+          <a:p>
+            <a:r>
+              <a:rPr lang="de-DE" dirty="0" smtClean="0">
+                <a:solidFill>
+                  <a:srgbClr val="00B050"/>
+                </a:solidFill>
+              </a:rPr>
+              <a:t>Bytes</a:t>
+            </a:r>
+          </a:p>
+          <a:p>
+            <a:r>
+              <a:rPr lang="de-DE" dirty="0" smtClean="0">
+                <a:solidFill>
+                  <a:srgbClr val="00B050"/>
+                </a:solidFill>
+              </a:rPr>
+              <a:t>in Tabelle</a:t>
+            </a:r>
+            <a:endParaRPr lang="de-DE" dirty="0">
+              <a:solidFill>
+                <a:srgbClr val="00B050"/>
+              </a:solidFill>
+            </a:endParaRPr>
+          </a:p>
+        </p:txBody>
+      </p:sp>
+      <p:sp>
+        <p:nvSpPr>
+          <p:cNvPr id="33" name="Textfeld 32"/>
+          <p:cNvSpPr txBox="1"/>
+          <p:nvPr/>
+        </p:nvSpPr>
+        <p:spPr>
+          <a:xfrm>
+            <a:off x="9671471" y="2727150"/>
+            <a:ext cx="847924" cy="369332"/>
+          </a:xfrm>
+          <a:prstGeom prst="rect">
+            <a:avLst/>
+          </a:prstGeom>
+          <a:noFill/>
+        </p:spPr>
+        <p:txBody>
+          <a:bodyPr wrap="none" rtlCol="0">
+            <a:spAutoFit/>
+          </a:bodyPr>
+          <a:lstStyle/>
+          <a:p>
+            <a:r>
+              <a:rPr lang="de-DE" dirty="0" smtClean="0">
+                <a:solidFill>
+                  <a:srgbClr val="00B050"/>
+                </a:solidFill>
+              </a:rPr>
+              <a:t>Tabelle</a:t>
+            </a:r>
+            <a:endParaRPr lang="de-DE" dirty="0">
+              <a:solidFill>
+                <a:srgbClr val="00B050"/>
+              </a:solidFill>
+            </a:endParaRPr>
+          </a:p>
+        </p:txBody>
+      </p:sp>
+      <p:sp>
+        <p:nvSpPr>
+          <p:cNvPr id="35" name="Pfeil nach rechts 34"/>
+          <p:cNvSpPr/>
+          <p:nvPr/>
+        </p:nvSpPr>
+        <p:spPr>
+          <a:xfrm>
+            <a:off x="2640748" y="2911816"/>
+            <a:ext cx="465221" cy="340818"/>
+          </a:xfrm>
+          <a:prstGeom prst="rightArrow">
+            <a:avLst/>
+          </a:prstGeom>
+          <a:noFill/>
+          <a:ln w="25400">
+            <a:solidFill>
+              <a:srgbClr val="00B050"/>
+            </a:solidFill>
+          </a:ln>
+        </p:spPr>
+        <p:style>
+          <a:lnRef idx="2">
+            <a:schemeClr val="accent1">
+              <a:shade val="50000"/>
+            </a:schemeClr>
+          </a:lnRef>
+          <a:fillRef idx="1">
+            <a:schemeClr val="accent1"/>
+          </a:fillRef>
+          <a:effectRef idx="0">
+            <a:schemeClr val="accent1"/>
+          </a:effectRef>
+          <a:fontRef idx="minor">
+            <a:schemeClr val="lt1"/>
+          </a:fontRef>
+        </p:style>
+        <p:txBody>
+          <a:bodyPr rtlCol="0" anchor="ctr"/>
+          <a:lstStyle/>
+          <a:p>
+            <a:pPr algn="ctr"/>
+            <a:endParaRPr lang="de-DE"/>
+          </a:p>
+        </p:txBody>
+      </p:sp>
+      <p:sp>
+        <p:nvSpPr>
+          <p:cNvPr id="36" name="Pfeil nach rechts 35"/>
+          <p:cNvSpPr/>
+          <p:nvPr/>
+        </p:nvSpPr>
+        <p:spPr>
+          <a:xfrm>
+            <a:off x="9073523" y="2865780"/>
+            <a:ext cx="465221" cy="340818"/>
+          </a:xfrm>
+          <a:prstGeom prst="rightArrow">
+            <a:avLst/>
+          </a:prstGeom>
+          <a:noFill/>
+          <a:ln w="25400">
+            <a:solidFill>
+              <a:srgbClr val="00B050"/>
+            </a:solidFill>
+          </a:ln>
+        </p:spPr>
+        <p:style>
+          <a:lnRef idx="2">
+            <a:schemeClr val="accent1">
+              <a:shade val="50000"/>
+            </a:schemeClr>
+          </a:lnRef>
+          <a:fillRef idx="1">
+            <a:schemeClr val="accent1"/>
+          </a:fillRef>
+          <a:effectRef idx="0">
+            <a:schemeClr val="accent1"/>
+          </a:effectRef>
+          <a:fontRef idx="minor">
+            <a:schemeClr val="lt1"/>
+          </a:fontRef>
+        </p:style>
+        <p:txBody>
+          <a:bodyPr rtlCol="0" anchor="ctr"/>
+          <a:lstStyle/>
+          <a:p>
+            <a:pPr algn="ctr"/>
+            <a:endParaRPr lang="de-DE"/>
+          </a:p>
+        </p:txBody>
+      </p:sp>
+    </p:spTree>
+    <p:extLst>
+      <p:ext uri="{BB962C8B-B14F-4D97-AF65-F5344CB8AC3E}">
+        <p14:creationId xmlns:p14="http://schemas.microsoft.com/office/powerpoint/2010/main" val="731570001"/>
+      </p:ext>
+    </p:extLst>
+  </p:cSld>
+  <p:clrMapOvr>
+    <a:masterClrMapping/>
+  </p:clrMapOvr>
+</p:sld>
+</file>
+
 <file path=ppt/theme/theme1.xml><?xml version="1.0" encoding="utf-8"?>
 <a:theme xmlns:a="http://schemas.openxmlformats.org/drawingml/2006/main" name="Office Theme">
   <a:themeElements>

--- a/Dokumentation/Grafiken Unternehmensfähigkeiten.pptx
+++ b/Dokumentation/Grafiken Unternehmensfähigkeiten.pptx
@@ -10,6 +10,7 @@
     <p:sldId id="257" r:id="rId4"/>
     <p:sldId id="259" r:id="rId5"/>
     <p:sldId id="260" r:id="rId6"/>
+    <p:sldId id="261" r:id="rId7"/>
   </p:sldIdLst>
   <p:sldSz cx="12192000" cy="6858000"/>
   <p:notesSz cx="6797675" cy="9928225"/>
@@ -111,7 +112,7 @@
   <p:extLst>
     <p:ext uri="{EFAFB233-063F-42B5-8137-9DF3F51BA10A}">
       <p15:sldGuideLst xmlns:p15="http://schemas.microsoft.com/office/powerpoint/2012/main">
-        <p15:guide id="1" orient="horz" pos="731" userDrawn="1">
+        <p15:guide id="1" orient="horz" pos="754" userDrawn="1">
           <p15:clr>
             <a:srgbClr val="A4A3A4"/>
           </p15:clr>
@@ -131,12 +132,12 @@
             <a:srgbClr val="A4A3A4"/>
           </p15:clr>
         </p15:guide>
-        <p15:guide id="5" orient="horz" pos="2840" userDrawn="1">
+        <p15:guide id="5" orient="horz" pos="2818" userDrawn="1">
           <p15:clr>
             <a:srgbClr val="A4A3A4"/>
           </p15:clr>
         </p15:guide>
-        <p15:guide id="6" orient="horz" pos="2614" userDrawn="1">
+        <p15:guide id="6" orient="horz" pos="2500" userDrawn="1">
           <p15:clr>
             <a:srgbClr val="A4A3A4"/>
           </p15:clr>
@@ -152,6 +153,11 @@
           </p15:clr>
         </p15:guide>
         <p15:guide id="9" pos="6335" userDrawn="1">
+          <p15:clr>
+            <a:srgbClr val="A4A3A4"/>
+          </p15:clr>
+        </p15:guide>
+        <p15:guide id="10" orient="horz" pos="1865" userDrawn="1">
           <p15:clr>
             <a:srgbClr val="A4A3A4"/>
           </p15:clr>
@@ -293,7 +299,7 @@
           <a:p>
             <a:fld id="{D67E706E-9FFF-4B25-B31B-E494BA33FABA}" type="datetimeFigureOut">
               <a:rPr lang="de-DE" smtClean="0"/>
-              <a:t>22.01.2021</a:t>
+              <a:t>23.01.2021</a:t>
             </a:fld>
             <a:endParaRPr lang="de-DE"/>
           </a:p>
@@ -463,7 +469,7 @@
           <a:p>
             <a:fld id="{D67E706E-9FFF-4B25-B31B-E494BA33FABA}" type="datetimeFigureOut">
               <a:rPr lang="de-DE" smtClean="0"/>
-              <a:t>22.01.2021</a:t>
+              <a:t>23.01.2021</a:t>
             </a:fld>
             <a:endParaRPr lang="de-DE"/>
           </a:p>
@@ -643,7 +649,7 @@
           <a:p>
             <a:fld id="{D67E706E-9FFF-4B25-B31B-E494BA33FABA}" type="datetimeFigureOut">
               <a:rPr lang="de-DE" smtClean="0"/>
-              <a:t>22.01.2021</a:t>
+              <a:t>23.01.2021</a:t>
             </a:fld>
             <a:endParaRPr lang="de-DE"/>
           </a:p>
@@ -813,7 +819,7 @@
           <a:p>
             <a:fld id="{D67E706E-9FFF-4B25-B31B-E494BA33FABA}" type="datetimeFigureOut">
               <a:rPr lang="de-DE" smtClean="0"/>
-              <a:t>22.01.2021</a:t>
+              <a:t>23.01.2021</a:t>
             </a:fld>
             <a:endParaRPr lang="de-DE"/>
           </a:p>
@@ -1059,7 +1065,7 @@
           <a:p>
             <a:fld id="{D67E706E-9FFF-4B25-B31B-E494BA33FABA}" type="datetimeFigureOut">
               <a:rPr lang="de-DE" smtClean="0"/>
-              <a:t>22.01.2021</a:t>
+              <a:t>23.01.2021</a:t>
             </a:fld>
             <a:endParaRPr lang="de-DE"/>
           </a:p>
@@ -1291,7 +1297,7 @@
           <a:p>
             <a:fld id="{D67E706E-9FFF-4B25-B31B-E494BA33FABA}" type="datetimeFigureOut">
               <a:rPr lang="de-DE" smtClean="0"/>
-              <a:t>22.01.2021</a:t>
+              <a:t>23.01.2021</a:t>
             </a:fld>
             <a:endParaRPr lang="de-DE"/>
           </a:p>
@@ -1658,7 +1664,7 @@
           <a:p>
             <a:fld id="{D67E706E-9FFF-4B25-B31B-E494BA33FABA}" type="datetimeFigureOut">
               <a:rPr lang="de-DE" smtClean="0"/>
-              <a:t>22.01.2021</a:t>
+              <a:t>23.01.2021</a:t>
             </a:fld>
             <a:endParaRPr lang="de-DE"/>
           </a:p>
@@ -1776,7 +1782,7 @@
           <a:p>
             <a:fld id="{D67E706E-9FFF-4B25-B31B-E494BA33FABA}" type="datetimeFigureOut">
               <a:rPr lang="de-DE" smtClean="0"/>
-              <a:t>22.01.2021</a:t>
+              <a:t>23.01.2021</a:t>
             </a:fld>
             <a:endParaRPr lang="de-DE"/>
           </a:p>
@@ -1871,7 +1877,7 @@
           <a:p>
             <a:fld id="{D67E706E-9FFF-4B25-B31B-E494BA33FABA}" type="datetimeFigureOut">
               <a:rPr lang="de-DE" smtClean="0"/>
-              <a:t>22.01.2021</a:t>
+              <a:t>23.01.2021</a:t>
             </a:fld>
             <a:endParaRPr lang="de-DE"/>
           </a:p>
@@ -2148,7 +2154,7 @@
           <a:p>
             <a:fld id="{D67E706E-9FFF-4B25-B31B-E494BA33FABA}" type="datetimeFigureOut">
               <a:rPr lang="de-DE" smtClean="0"/>
-              <a:t>22.01.2021</a:t>
+              <a:t>23.01.2021</a:t>
             </a:fld>
             <a:endParaRPr lang="de-DE"/>
           </a:p>
@@ -2401,7 +2407,7 @@
           <a:p>
             <a:fld id="{D67E706E-9FFF-4B25-B31B-E494BA33FABA}" type="datetimeFigureOut">
               <a:rPr lang="de-DE" smtClean="0"/>
-              <a:t>22.01.2021</a:t>
+              <a:t>23.01.2021</a:t>
             </a:fld>
             <a:endParaRPr lang="de-DE"/>
           </a:p>
@@ -2614,7 +2620,7 @@
           <a:p>
             <a:fld id="{D67E706E-9FFF-4B25-B31B-E494BA33FABA}" type="datetimeFigureOut">
               <a:rPr lang="de-DE" smtClean="0"/>
-              <a:t>22.01.2021</a:t>
+              <a:t>23.01.2021</a:t>
             </a:fld>
             <a:endParaRPr lang="de-DE"/>
           </a:p>
@@ -11620,6 +11626,2030 @@
 </p:sld>
 </file>
 
+<file path=ppt/slides/slide6.xml><?xml version="1.0" encoding="utf-8"?>
+<p:sld xmlns:a="http://schemas.openxmlformats.org/drawingml/2006/main" xmlns:r="http://schemas.openxmlformats.org/officeDocument/2006/relationships" xmlns:p="http://schemas.openxmlformats.org/presentationml/2006/main">
+  <p:cSld>
+    <p:spTree>
+      <p:nvGrpSpPr>
+        <p:cNvPr id="1" name=""/>
+        <p:cNvGrpSpPr/>
+        <p:nvPr/>
+      </p:nvGrpSpPr>
+      <p:grpSpPr>
+        <a:xfrm>
+          <a:off x="0" y="0"/>
+          <a:ext cx="0" cy="0"/>
+          <a:chOff x="0" y="0"/>
+          <a:chExt cx="0" cy="0"/>
+        </a:xfrm>
+      </p:grpSpPr>
+      <p:grpSp>
+        <p:nvGrpSpPr>
+          <p:cNvPr id="2" name="Gruppieren 1"/>
+          <p:cNvGrpSpPr/>
+          <p:nvPr/>
+        </p:nvGrpSpPr>
+        <p:grpSpPr>
+          <a:xfrm>
+            <a:off x="338600" y="569491"/>
+            <a:ext cx="2167605" cy="2157663"/>
+            <a:chOff x="334962" y="569494"/>
+            <a:chExt cx="2167605" cy="2157663"/>
+          </a:xfrm>
+        </p:grpSpPr>
+        <p:sp>
+          <p:nvSpPr>
+            <p:cNvPr id="3" name="Rechteck 2"/>
+            <p:cNvSpPr/>
+            <p:nvPr/>
+          </p:nvSpPr>
+          <p:spPr>
+            <a:xfrm>
+              <a:off x="334962" y="569494"/>
+              <a:ext cx="2167605" cy="2157663"/>
+            </a:xfrm>
+            <a:prstGeom prst="rect">
+              <a:avLst/>
+            </a:prstGeom>
+            <a:noFill/>
+            <a:ln w="25400">
+              <a:solidFill>
+                <a:schemeClr val="tx1"/>
+              </a:solidFill>
+            </a:ln>
+          </p:spPr>
+          <p:style>
+            <a:lnRef idx="2">
+              <a:schemeClr val="accent1">
+                <a:shade val="50000"/>
+              </a:schemeClr>
+            </a:lnRef>
+            <a:fillRef idx="1">
+              <a:schemeClr val="accent1"/>
+            </a:fillRef>
+            <a:effectRef idx="0">
+              <a:schemeClr val="accent1"/>
+            </a:effectRef>
+            <a:fontRef idx="minor">
+              <a:schemeClr val="lt1"/>
+            </a:fontRef>
+          </p:style>
+          <p:txBody>
+            <a:bodyPr rtlCol="0" anchor="ctr"/>
+            <a:lstStyle/>
+            <a:p>
+              <a:pPr algn="ctr"/>
+              <a:endParaRPr lang="de-DE"/>
+            </a:p>
+          </p:txBody>
+        </p:sp>
+        <p:cxnSp>
+          <p:nvCxnSpPr>
+            <p:cNvPr id="4" name="Gerader Verbinder 3"/>
+            <p:cNvCxnSpPr/>
+            <p:nvPr/>
+          </p:nvCxnSpPr>
+          <p:spPr>
+            <a:xfrm>
+              <a:off x="334962" y="1160463"/>
+              <a:ext cx="2167605" cy="0"/>
+            </a:xfrm>
+            <a:prstGeom prst="line">
+              <a:avLst/>
+            </a:prstGeom>
+            <a:ln w="25400">
+              <a:tailEnd type="none"/>
+            </a:ln>
+          </p:spPr>
+          <p:style>
+            <a:lnRef idx="1">
+              <a:schemeClr val="dk1"/>
+            </a:lnRef>
+            <a:fillRef idx="0">
+              <a:schemeClr val="dk1"/>
+            </a:fillRef>
+            <a:effectRef idx="0">
+              <a:schemeClr val="dk1"/>
+            </a:effectRef>
+            <a:fontRef idx="minor">
+              <a:schemeClr val="tx1"/>
+            </a:fontRef>
+          </p:style>
+        </p:cxnSp>
+      </p:grpSp>
+      <p:grpSp>
+        <p:nvGrpSpPr>
+          <p:cNvPr id="5" name="Gruppieren 4"/>
+          <p:cNvGrpSpPr/>
+          <p:nvPr/>
+        </p:nvGrpSpPr>
+        <p:grpSpPr>
+          <a:xfrm>
+            <a:off x="3218159" y="561460"/>
+            <a:ext cx="2167605" cy="2157663"/>
+            <a:chOff x="334962" y="569494"/>
+            <a:chExt cx="2167605" cy="2157663"/>
+          </a:xfrm>
+        </p:grpSpPr>
+        <p:sp>
+          <p:nvSpPr>
+            <p:cNvPr id="6" name="Rechteck 5"/>
+            <p:cNvSpPr/>
+            <p:nvPr/>
+          </p:nvSpPr>
+          <p:spPr>
+            <a:xfrm>
+              <a:off x="334962" y="569494"/>
+              <a:ext cx="2167605" cy="2157663"/>
+            </a:xfrm>
+            <a:prstGeom prst="rect">
+              <a:avLst/>
+            </a:prstGeom>
+            <a:noFill/>
+            <a:ln w="25400">
+              <a:solidFill>
+                <a:schemeClr val="tx1"/>
+              </a:solidFill>
+            </a:ln>
+          </p:spPr>
+          <p:style>
+            <a:lnRef idx="2">
+              <a:schemeClr val="accent1">
+                <a:shade val="50000"/>
+              </a:schemeClr>
+            </a:lnRef>
+            <a:fillRef idx="1">
+              <a:schemeClr val="accent1"/>
+            </a:fillRef>
+            <a:effectRef idx="0">
+              <a:schemeClr val="accent1"/>
+            </a:effectRef>
+            <a:fontRef idx="minor">
+              <a:schemeClr val="lt1"/>
+            </a:fontRef>
+          </p:style>
+          <p:txBody>
+            <a:bodyPr rtlCol="0" anchor="ctr"/>
+            <a:lstStyle/>
+            <a:p>
+              <a:pPr algn="ctr"/>
+              <a:endParaRPr lang="de-DE"/>
+            </a:p>
+          </p:txBody>
+        </p:sp>
+        <p:cxnSp>
+          <p:nvCxnSpPr>
+            <p:cNvPr id="7" name="Gerader Verbinder 6"/>
+            <p:cNvCxnSpPr/>
+            <p:nvPr/>
+          </p:nvCxnSpPr>
+          <p:spPr>
+            <a:xfrm>
+              <a:off x="334962" y="1160463"/>
+              <a:ext cx="2167605" cy="0"/>
+            </a:xfrm>
+            <a:prstGeom prst="line">
+              <a:avLst/>
+            </a:prstGeom>
+            <a:ln w="25400">
+              <a:tailEnd type="none"/>
+            </a:ln>
+          </p:spPr>
+          <p:style>
+            <a:lnRef idx="1">
+              <a:schemeClr val="dk1"/>
+            </a:lnRef>
+            <a:fillRef idx="0">
+              <a:schemeClr val="dk1"/>
+            </a:fillRef>
+            <a:effectRef idx="0">
+              <a:schemeClr val="dk1"/>
+            </a:effectRef>
+            <a:fontRef idx="minor">
+              <a:schemeClr val="tx1"/>
+            </a:fontRef>
+          </p:style>
+        </p:cxnSp>
+      </p:grpSp>
+      <p:grpSp>
+        <p:nvGrpSpPr>
+          <p:cNvPr id="8" name="Gruppieren 7"/>
+          <p:cNvGrpSpPr/>
+          <p:nvPr/>
+        </p:nvGrpSpPr>
+        <p:grpSpPr>
+          <a:xfrm>
+            <a:off x="6097718" y="577502"/>
+            <a:ext cx="2167605" cy="2157663"/>
+            <a:chOff x="334962" y="569494"/>
+            <a:chExt cx="2167605" cy="2157663"/>
+          </a:xfrm>
+        </p:grpSpPr>
+        <p:sp>
+          <p:nvSpPr>
+            <p:cNvPr id="9" name="Rechteck 8"/>
+            <p:cNvSpPr/>
+            <p:nvPr/>
+          </p:nvSpPr>
+          <p:spPr>
+            <a:xfrm>
+              <a:off x="334962" y="569494"/>
+              <a:ext cx="2167605" cy="2157663"/>
+            </a:xfrm>
+            <a:prstGeom prst="rect">
+              <a:avLst/>
+            </a:prstGeom>
+            <a:noFill/>
+            <a:ln w="25400">
+              <a:solidFill>
+                <a:schemeClr val="tx1"/>
+              </a:solidFill>
+            </a:ln>
+          </p:spPr>
+          <p:style>
+            <a:lnRef idx="2">
+              <a:schemeClr val="accent1">
+                <a:shade val="50000"/>
+              </a:schemeClr>
+            </a:lnRef>
+            <a:fillRef idx="1">
+              <a:schemeClr val="accent1"/>
+            </a:fillRef>
+            <a:effectRef idx="0">
+              <a:schemeClr val="accent1"/>
+            </a:effectRef>
+            <a:fontRef idx="minor">
+              <a:schemeClr val="lt1"/>
+            </a:fontRef>
+          </p:style>
+          <p:txBody>
+            <a:bodyPr rtlCol="0" anchor="ctr"/>
+            <a:lstStyle/>
+            <a:p>
+              <a:pPr algn="ctr"/>
+              <a:endParaRPr lang="de-DE"/>
+            </a:p>
+          </p:txBody>
+        </p:sp>
+        <p:cxnSp>
+          <p:nvCxnSpPr>
+            <p:cNvPr id="10" name="Gerader Verbinder 9"/>
+            <p:cNvCxnSpPr/>
+            <p:nvPr/>
+          </p:nvCxnSpPr>
+          <p:spPr>
+            <a:xfrm>
+              <a:off x="334962" y="1160463"/>
+              <a:ext cx="2167605" cy="0"/>
+            </a:xfrm>
+            <a:prstGeom prst="line">
+              <a:avLst/>
+            </a:prstGeom>
+            <a:ln w="25400">
+              <a:tailEnd type="none"/>
+            </a:ln>
+          </p:spPr>
+          <p:style>
+            <a:lnRef idx="1">
+              <a:schemeClr val="dk1"/>
+            </a:lnRef>
+            <a:fillRef idx="0">
+              <a:schemeClr val="dk1"/>
+            </a:fillRef>
+            <a:effectRef idx="0">
+              <a:schemeClr val="dk1"/>
+            </a:effectRef>
+            <a:fontRef idx="minor">
+              <a:schemeClr val="tx1"/>
+            </a:fontRef>
+          </p:style>
+        </p:cxnSp>
+      </p:grpSp>
+      <p:grpSp>
+        <p:nvGrpSpPr>
+          <p:cNvPr id="11" name="Gruppieren 10"/>
+          <p:cNvGrpSpPr/>
+          <p:nvPr/>
+        </p:nvGrpSpPr>
+        <p:grpSpPr>
+          <a:xfrm>
+            <a:off x="8977277" y="577502"/>
+            <a:ext cx="2167605" cy="2157663"/>
+            <a:chOff x="334962" y="569494"/>
+            <a:chExt cx="2167605" cy="2157663"/>
+          </a:xfrm>
+        </p:grpSpPr>
+        <p:sp>
+          <p:nvSpPr>
+            <p:cNvPr id="12" name="Rechteck 11"/>
+            <p:cNvSpPr/>
+            <p:nvPr/>
+          </p:nvSpPr>
+          <p:spPr>
+            <a:xfrm>
+              <a:off x="334962" y="569494"/>
+              <a:ext cx="2167605" cy="2157663"/>
+            </a:xfrm>
+            <a:prstGeom prst="rect">
+              <a:avLst/>
+            </a:prstGeom>
+            <a:noFill/>
+            <a:ln w="25400">
+              <a:solidFill>
+                <a:schemeClr val="tx1"/>
+              </a:solidFill>
+            </a:ln>
+          </p:spPr>
+          <p:style>
+            <a:lnRef idx="2">
+              <a:schemeClr val="accent1">
+                <a:shade val="50000"/>
+              </a:schemeClr>
+            </a:lnRef>
+            <a:fillRef idx="1">
+              <a:schemeClr val="accent1"/>
+            </a:fillRef>
+            <a:effectRef idx="0">
+              <a:schemeClr val="accent1"/>
+            </a:effectRef>
+            <a:fontRef idx="minor">
+              <a:schemeClr val="lt1"/>
+            </a:fontRef>
+          </p:style>
+          <p:txBody>
+            <a:bodyPr rtlCol="0" anchor="ctr"/>
+            <a:lstStyle/>
+            <a:p>
+              <a:pPr algn="ctr"/>
+              <a:endParaRPr lang="de-DE"/>
+            </a:p>
+          </p:txBody>
+        </p:sp>
+        <p:cxnSp>
+          <p:nvCxnSpPr>
+            <p:cNvPr id="13" name="Gerader Verbinder 12"/>
+            <p:cNvCxnSpPr/>
+            <p:nvPr/>
+          </p:nvCxnSpPr>
+          <p:spPr>
+            <a:xfrm>
+              <a:off x="334962" y="1160463"/>
+              <a:ext cx="2167605" cy="0"/>
+            </a:xfrm>
+            <a:prstGeom prst="line">
+              <a:avLst/>
+            </a:prstGeom>
+            <a:ln w="25400">
+              <a:tailEnd type="none"/>
+            </a:ln>
+          </p:spPr>
+          <p:style>
+            <a:lnRef idx="1">
+              <a:schemeClr val="dk1"/>
+            </a:lnRef>
+            <a:fillRef idx="0">
+              <a:schemeClr val="dk1"/>
+            </a:fillRef>
+            <a:effectRef idx="0">
+              <a:schemeClr val="dk1"/>
+            </a:effectRef>
+            <a:fontRef idx="minor">
+              <a:schemeClr val="tx1"/>
+            </a:fontRef>
+          </p:style>
+        </p:cxnSp>
+      </p:grpSp>
+      <p:sp>
+        <p:nvSpPr>
+          <p:cNvPr id="14" name="Textfeld 13"/>
+          <p:cNvSpPr txBox="1"/>
+          <p:nvPr/>
+        </p:nvSpPr>
+        <p:spPr>
+          <a:xfrm>
+            <a:off x="338600" y="569489"/>
+            <a:ext cx="2167605" cy="369332"/>
+          </a:xfrm>
+          <a:prstGeom prst="rect">
+            <a:avLst/>
+          </a:prstGeom>
+          <a:noFill/>
+        </p:spPr>
+        <p:txBody>
+          <a:bodyPr wrap="square" rtlCol="0">
+            <a:spAutoFit/>
+          </a:bodyPr>
+          <a:lstStyle/>
+          <a:p>
+            <a:pPr algn="ctr"/>
+            <a:r>
+              <a:rPr lang="de-DE" b="1" dirty="0" smtClean="0"/>
+              <a:t>Request-Sender</a:t>
+            </a:r>
+            <a:endParaRPr lang="de-DE" b="1" dirty="0"/>
+          </a:p>
+        </p:txBody>
+      </p:sp>
+      <p:sp>
+        <p:nvSpPr>
+          <p:cNvPr id="15" name="Textfeld 14"/>
+          <p:cNvSpPr txBox="1"/>
+          <p:nvPr/>
+        </p:nvSpPr>
+        <p:spPr>
+          <a:xfrm>
+            <a:off x="6097717" y="577502"/>
+            <a:ext cx="2167605" cy="369332"/>
+          </a:xfrm>
+          <a:prstGeom prst="rect">
+            <a:avLst/>
+          </a:prstGeom>
+          <a:noFill/>
+        </p:spPr>
+        <p:txBody>
+          <a:bodyPr wrap="square" rtlCol="0">
+            <a:spAutoFit/>
+          </a:bodyPr>
+          <a:lstStyle/>
+          <a:p>
+            <a:pPr algn="ctr"/>
+            <a:r>
+              <a:rPr lang="de-DE" b="1" dirty="0" smtClean="0"/>
+              <a:t>CRUD</a:t>
+            </a:r>
+            <a:endParaRPr lang="de-DE" b="1" dirty="0"/>
+          </a:p>
+        </p:txBody>
+      </p:sp>
+      <p:sp>
+        <p:nvSpPr>
+          <p:cNvPr id="16" name="Textfeld 15"/>
+          <p:cNvSpPr txBox="1"/>
+          <p:nvPr/>
+        </p:nvSpPr>
+        <p:spPr>
+          <a:xfrm>
+            <a:off x="3218158" y="577502"/>
+            <a:ext cx="2167605" cy="369332"/>
+          </a:xfrm>
+          <a:prstGeom prst="rect">
+            <a:avLst/>
+          </a:prstGeom>
+          <a:noFill/>
+        </p:spPr>
+        <p:txBody>
+          <a:bodyPr wrap="square" rtlCol="0">
+            <a:spAutoFit/>
+          </a:bodyPr>
+          <a:lstStyle/>
+          <a:p>
+            <a:pPr algn="ctr"/>
+            <a:r>
+              <a:rPr lang="de-DE" b="1" dirty="0" smtClean="0"/>
+              <a:t>Request-Empfänger</a:t>
+            </a:r>
+            <a:endParaRPr lang="de-DE" b="1" dirty="0"/>
+          </a:p>
+        </p:txBody>
+      </p:sp>
+      <p:sp>
+        <p:nvSpPr>
+          <p:cNvPr id="17" name="Textfeld 16"/>
+          <p:cNvSpPr txBox="1"/>
+          <p:nvPr/>
+        </p:nvSpPr>
+        <p:spPr>
+          <a:xfrm>
+            <a:off x="8977277" y="569489"/>
+            <a:ext cx="2167605" cy="369332"/>
+          </a:xfrm>
+          <a:prstGeom prst="rect">
+            <a:avLst/>
+          </a:prstGeom>
+          <a:noFill/>
+        </p:spPr>
+        <p:txBody>
+          <a:bodyPr wrap="square" rtlCol="0">
+            <a:spAutoFit/>
+          </a:bodyPr>
+          <a:lstStyle/>
+          <a:p>
+            <a:pPr algn="ctr"/>
+            <a:r>
+              <a:rPr lang="de-DE" b="1" dirty="0" smtClean="0"/>
+              <a:t>Persistenz</a:t>
+            </a:r>
+            <a:endParaRPr lang="de-DE" b="1" dirty="0"/>
+          </a:p>
+        </p:txBody>
+      </p:sp>
+      <p:sp>
+        <p:nvSpPr>
+          <p:cNvPr id="18" name="Textfeld 17"/>
+          <p:cNvSpPr txBox="1"/>
+          <p:nvPr/>
+        </p:nvSpPr>
+        <p:spPr>
+          <a:xfrm>
+            <a:off x="334963" y="3947414"/>
+            <a:ext cx="1983235" cy="307777"/>
+          </a:xfrm>
+          <a:prstGeom prst="rect">
+            <a:avLst/>
+          </a:prstGeom>
+          <a:noFill/>
+        </p:spPr>
+        <p:txBody>
+          <a:bodyPr wrap="none" rtlCol="0">
+            <a:spAutoFit/>
+          </a:bodyPr>
+          <a:lstStyle/>
+          <a:p>
+            <a:r>
+              <a:rPr lang="de-DE" sz="1400" dirty="0" smtClean="0"/>
+              <a:t>Schlüssel: Speicherinhalt</a:t>
+            </a:r>
+            <a:endParaRPr lang="de-DE" sz="1400" dirty="0"/>
+          </a:p>
+        </p:txBody>
+      </p:sp>
+      <p:pic>
+        <p:nvPicPr>
+          <p:cNvPr id="19" name="Grafik 18"/>
+          <p:cNvPicPr>
+            <a:picLocks noChangeAspect="1"/>
+          </p:cNvPicPr>
+          <p:nvPr/>
+        </p:nvPicPr>
+        <p:blipFill>
+          <a:blip r:embed="rId2" cstate="print">
+            <a:extLst>
+              <a:ext uri="{28A0092B-C50C-407E-A947-70E740481C1C}">
+                <a14:useLocalDpi xmlns:a14="http://schemas.microsoft.com/office/drawing/2010/main" val="0"/>
+              </a:ext>
+            </a:extLst>
+          </a:blip>
+          <a:stretch>
+            <a:fillRect/>
+          </a:stretch>
+        </p:blipFill>
+        <p:spPr>
+          <a:xfrm>
+            <a:off x="346858" y="2960688"/>
+            <a:ext cx="996206" cy="996206"/>
+          </a:xfrm>
+          <a:prstGeom prst="rect">
+            <a:avLst/>
+          </a:prstGeom>
+        </p:spPr>
+      </p:pic>
+      <p:pic>
+        <p:nvPicPr>
+          <p:cNvPr id="20" name="Grafik 19"/>
+          <p:cNvPicPr>
+            <a:picLocks noChangeAspect="1"/>
+          </p:cNvPicPr>
+          <p:nvPr/>
+        </p:nvPicPr>
+        <p:blipFill>
+          <a:blip r:embed="rId3" cstate="print">
+            <a:extLst>
+              <a:ext uri="{28A0092B-C50C-407E-A947-70E740481C1C}">
+                <a14:useLocalDpi xmlns:a14="http://schemas.microsoft.com/office/drawing/2010/main" val="0"/>
+              </a:ext>
+            </a:extLst>
+          </a:blip>
+          <a:stretch>
+            <a:fillRect/>
+          </a:stretch>
+        </p:blipFill>
+        <p:spPr>
+          <a:xfrm>
+            <a:off x="3218158" y="2960688"/>
+            <a:ext cx="996206" cy="996206"/>
+          </a:xfrm>
+          <a:prstGeom prst="rect">
+            <a:avLst/>
+          </a:prstGeom>
+        </p:spPr>
+      </p:pic>
+      <p:sp>
+        <p:nvSpPr>
+          <p:cNvPr id="21" name="Textfeld 20"/>
+          <p:cNvSpPr txBox="1"/>
+          <p:nvPr/>
+        </p:nvSpPr>
+        <p:spPr>
+          <a:xfrm>
+            <a:off x="3218158" y="3947414"/>
+            <a:ext cx="2058577" cy="307777"/>
+          </a:xfrm>
+          <a:prstGeom prst="rect">
+            <a:avLst/>
+          </a:prstGeom>
+          <a:noFill/>
+        </p:spPr>
+        <p:txBody>
+          <a:bodyPr wrap="none" rtlCol="0">
+            <a:spAutoFit/>
+          </a:bodyPr>
+          <a:lstStyle/>
+          <a:p>
+            <a:r>
+              <a:rPr lang="de-DE" sz="1400" dirty="0" smtClean="0"/>
+              <a:t>Schlüssel | Speicherinhalt</a:t>
+            </a:r>
+            <a:endParaRPr lang="de-DE" sz="1400" dirty="0"/>
+          </a:p>
+        </p:txBody>
+      </p:sp>
+      <p:graphicFrame>
+        <p:nvGraphicFramePr>
+          <p:cNvPr id="22" name="Tabelle 21"/>
+          <p:cNvGraphicFramePr>
+            <a:graphicFrameLocks noGrp="1"/>
+          </p:cNvGraphicFramePr>
+          <p:nvPr>
+            <p:extLst>
+              <p:ext uri="{D42A27DB-BD31-4B8C-83A1-F6EECF244321}">
+                <p14:modId xmlns:p14="http://schemas.microsoft.com/office/powerpoint/2010/main" val="1866647112"/>
+              </p:ext>
+            </p:extLst>
+          </p:nvPr>
+        </p:nvGraphicFramePr>
+        <p:xfrm>
+          <a:off x="3218157" y="4492308"/>
+          <a:ext cx="2155948" cy="1354844"/>
+        </p:xfrm>
+        <a:graphic>
+          <a:graphicData uri="http://schemas.openxmlformats.org/drawingml/2006/table">
+            <a:tbl>
+              <a:tblPr firstRow="1" bandRow="1">
+                <a:tableStyleId>{5940675A-B579-460E-94D1-54222C63F5DA}</a:tableStyleId>
+              </a:tblPr>
+              <a:tblGrid>
+                <a:gridCol w="1016959"/>
+                <a:gridCol w="1138989"/>
+              </a:tblGrid>
+              <a:tr h="338711">
+                <a:tc>
+                  <a:txBody>
+                    <a:bodyPr/>
+                    <a:lstStyle/>
+                    <a:p>
+                      <a:r>
+                        <a:rPr lang="de-DE" sz="1200" dirty="0" smtClean="0"/>
+                        <a:t>Schlüssel</a:t>
+                      </a:r>
+                      <a:endParaRPr lang="de-DE" sz="1200" dirty="0"/>
+                    </a:p>
+                  </a:txBody>
+                  <a:tcPr>
+                    <a:lnL w="12700" cap="flat" cmpd="sng" algn="ctr">
+                      <a:solidFill>
+                        <a:schemeClr val="tx1"/>
+                      </a:solidFill>
+                      <a:prstDash val="solid"/>
+                      <a:round/>
+                      <a:headEnd type="none" w="med" len="med"/>
+                      <a:tailEnd type="none" w="med" len="med"/>
+                    </a:lnL>
+                    <a:lnR w="12700" cap="flat" cmpd="sng" algn="ctr">
+                      <a:solidFill>
+                        <a:schemeClr val="tx1"/>
+                      </a:solidFill>
+                      <a:prstDash val="solid"/>
+                      <a:round/>
+                      <a:headEnd type="none" w="med" len="med"/>
+                      <a:tailEnd type="none" w="med" len="med"/>
+                    </a:lnR>
+                    <a:lnT w="12700" cap="flat" cmpd="sng" algn="ctr">
+                      <a:solidFill>
+                        <a:schemeClr val="tx1"/>
+                      </a:solidFill>
+                      <a:prstDash val="solid"/>
+                      <a:round/>
+                      <a:headEnd type="none" w="med" len="med"/>
+                      <a:tailEnd type="none" w="med" len="med"/>
+                    </a:lnT>
+                    <a:lnB w="12700" cap="flat" cmpd="sng" algn="ctr">
+                      <a:solidFill>
+                        <a:schemeClr val="tx1"/>
+                      </a:solidFill>
+                      <a:prstDash val="solid"/>
+                      <a:round/>
+                      <a:headEnd type="none" w="med" len="med"/>
+                      <a:tailEnd type="none" w="med" len="med"/>
+                    </a:lnB>
+                  </a:tcPr>
+                </a:tc>
+                <a:tc>
+                  <a:txBody>
+                    <a:bodyPr/>
+                    <a:lstStyle/>
+                    <a:p>
+                      <a:r>
+                        <a:rPr lang="de-DE" sz="1200" dirty="0" smtClean="0"/>
+                        <a:t>Speicherinhalt</a:t>
+                      </a:r>
+                      <a:endParaRPr lang="de-DE" sz="1200" dirty="0"/>
+                    </a:p>
+                  </a:txBody>
+                  <a:tcPr>
+                    <a:lnL w="12700" cap="flat" cmpd="sng" algn="ctr">
+                      <a:solidFill>
+                        <a:schemeClr val="tx1"/>
+                      </a:solidFill>
+                      <a:prstDash val="solid"/>
+                      <a:round/>
+                      <a:headEnd type="none" w="med" len="med"/>
+                      <a:tailEnd type="none" w="med" len="med"/>
+                    </a:lnL>
+                  </a:tcPr>
+                </a:tc>
+              </a:tr>
+              <a:tr h="338711">
+                <a:tc>
+                  <a:txBody>
+                    <a:bodyPr/>
+                    <a:lstStyle/>
+                    <a:p>
+                      <a:r>
+                        <a:rPr lang="de-DE" sz="1200" dirty="0" smtClean="0"/>
+                        <a:t>ID</a:t>
+                      </a:r>
+                      <a:endParaRPr lang="de-DE" sz="1200" dirty="0"/>
+                    </a:p>
+                  </a:txBody>
+                  <a:tcPr>
+                    <a:lnL w="12700" cap="flat" cmpd="sng" algn="ctr">
+                      <a:solidFill>
+                        <a:schemeClr val="tx1"/>
+                      </a:solidFill>
+                      <a:prstDash val="solid"/>
+                      <a:round/>
+                      <a:headEnd type="none" w="med" len="med"/>
+                      <a:tailEnd type="none" w="med" len="med"/>
+                    </a:lnL>
+                    <a:lnR w="12700" cap="flat" cmpd="sng" algn="ctr">
+                      <a:solidFill>
+                        <a:schemeClr val="tx1"/>
+                      </a:solidFill>
+                      <a:prstDash val="solid"/>
+                      <a:round/>
+                      <a:headEnd type="none" w="med" len="med"/>
+                      <a:tailEnd type="none" w="med" len="med"/>
+                    </a:lnR>
+                    <a:lnT w="12700" cap="flat" cmpd="sng" algn="ctr">
+                      <a:solidFill>
+                        <a:schemeClr val="tx1"/>
+                      </a:solidFill>
+                      <a:prstDash val="solid"/>
+                      <a:round/>
+                      <a:headEnd type="none" w="med" len="med"/>
+                      <a:tailEnd type="none" w="med" len="med"/>
+                    </a:lnT>
+                    <a:lnB w="12700" cap="flat" cmpd="sng" algn="ctr">
+                      <a:solidFill>
+                        <a:schemeClr val="tx1"/>
+                      </a:solidFill>
+                      <a:prstDash val="solid"/>
+                      <a:round/>
+                      <a:headEnd type="none" w="med" len="med"/>
+                      <a:tailEnd type="none" w="med" len="med"/>
+                    </a:lnB>
+                  </a:tcPr>
+                </a:tc>
+                <a:tc>
+                  <a:txBody>
+                    <a:bodyPr/>
+                    <a:lstStyle/>
+                    <a:p>
+                      <a:r>
+                        <a:rPr lang="de-DE" sz="1200" dirty="0" smtClean="0"/>
+                        <a:t>1</a:t>
+                      </a:r>
+                      <a:endParaRPr lang="de-DE" sz="1200" dirty="0"/>
+                    </a:p>
+                  </a:txBody>
+                  <a:tcPr>
+                    <a:lnL w="12700" cap="flat" cmpd="sng" algn="ctr">
+                      <a:solidFill>
+                        <a:schemeClr val="tx1"/>
+                      </a:solidFill>
+                      <a:prstDash val="solid"/>
+                      <a:round/>
+                      <a:headEnd type="none" w="med" len="med"/>
+                      <a:tailEnd type="none" w="med" len="med"/>
+                    </a:lnL>
+                  </a:tcPr>
+                </a:tc>
+              </a:tr>
+              <a:tr h="338711">
+                <a:tc>
+                  <a:txBody>
+                    <a:bodyPr/>
+                    <a:lstStyle/>
+                    <a:p>
+                      <a:r>
+                        <a:rPr lang="de-DE" sz="1200" dirty="0" smtClean="0"/>
+                        <a:t>Text</a:t>
+                      </a:r>
+                      <a:endParaRPr lang="de-DE" sz="1200" dirty="0"/>
+                    </a:p>
+                  </a:txBody>
+                  <a:tcPr>
+                    <a:lnL w="12700" cap="flat" cmpd="sng" algn="ctr">
+                      <a:solidFill>
+                        <a:schemeClr val="tx1"/>
+                      </a:solidFill>
+                      <a:prstDash val="solid"/>
+                      <a:round/>
+                      <a:headEnd type="none" w="med" len="med"/>
+                      <a:tailEnd type="none" w="med" len="med"/>
+                    </a:lnL>
+                    <a:lnR w="12700" cap="flat" cmpd="sng" algn="ctr">
+                      <a:solidFill>
+                        <a:schemeClr val="tx1"/>
+                      </a:solidFill>
+                      <a:prstDash val="solid"/>
+                      <a:round/>
+                      <a:headEnd type="none" w="med" len="med"/>
+                      <a:tailEnd type="none" w="med" len="med"/>
+                    </a:lnR>
+                    <a:lnT w="12700" cap="flat" cmpd="sng" algn="ctr">
+                      <a:solidFill>
+                        <a:schemeClr val="tx1"/>
+                      </a:solidFill>
+                      <a:prstDash val="solid"/>
+                      <a:round/>
+                      <a:headEnd type="none" w="med" len="med"/>
+                      <a:tailEnd type="none" w="med" len="med"/>
+                    </a:lnT>
+                    <a:lnB w="12700" cap="flat" cmpd="sng" algn="ctr">
+                      <a:solidFill>
+                        <a:schemeClr val="tx1"/>
+                      </a:solidFill>
+                      <a:prstDash val="solid"/>
+                      <a:round/>
+                      <a:headEnd type="none" w="med" len="med"/>
+                      <a:tailEnd type="none" w="med" len="med"/>
+                    </a:lnB>
+                  </a:tcPr>
+                </a:tc>
+                <a:tc>
+                  <a:txBody>
+                    <a:bodyPr/>
+                    <a:lstStyle/>
+                    <a:p>
+                      <a:r>
+                        <a:rPr lang="de-DE" sz="1200" dirty="0" err="1" smtClean="0"/>
+                        <a:t>shdjshdjshdjs</a:t>
+                      </a:r>
+                      <a:endParaRPr lang="de-DE" sz="1200" dirty="0"/>
+                    </a:p>
+                  </a:txBody>
+                  <a:tcPr>
+                    <a:lnL w="12700" cap="flat" cmpd="sng" algn="ctr">
+                      <a:solidFill>
+                        <a:schemeClr val="tx1"/>
+                      </a:solidFill>
+                      <a:prstDash val="solid"/>
+                      <a:round/>
+                      <a:headEnd type="none" w="med" len="med"/>
+                      <a:tailEnd type="none" w="med" len="med"/>
+                    </a:lnL>
+                  </a:tcPr>
+                </a:tc>
+              </a:tr>
+              <a:tr h="338711">
+                <a:tc>
+                  <a:txBody>
+                    <a:bodyPr/>
+                    <a:lstStyle/>
+                    <a:p>
+                      <a:r>
+                        <a:rPr lang="de-DE" sz="1200" dirty="0" smtClean="0"/>
+                        <a:t>Auftraggeber</a:t>
+                      </a:r>
+                      <a:endParaRPr lang="de-DE" sz="1200" dirty="0"/>
+                    </a:p>
+                  </a:txBody>
+                  <a:tcPr>
+                    <a:lnL w="12700" cap="flat" cmpd="sng" algn="ctr">
+                      <a:solidFill>
+                        <a:schemeClr val="tx1"/>
+                      </a:solidFill>
+                      <a:prstDash val="solid"/>
+                      <a:round/>
+                      <a:headEnd type="none" w="med" len="med"/>
+                      <a:tailEnd type="none" w="med" len="med"/>
+                    </a:lnL>
+                    <a:lnR w="12700" cap="flat" cmpd="sng" algn="ctr">
+                      <a:solidFill>
+                        <a:schemeClr val="tx1"/>
+                      </a:solidFill>
+                      <a:prstDash val="solid"/>
+                      <a:round/>
+                      <a:headEnd type="none" w="med" len="med"/>
+                      <a:tailEnd type="none" w="med" len="med"/>
+                    </a:lnR>
+                    <a:lnT w="12700" cap="flat" cmpd="sng" algn="ctr">
+                      <a:solidFill>
+                        <a:schemeClr val="tx1"/>
+                      </a:solidFill>
+                      <a:prstDash val="solid"/>
+                      <a:round/>
+                      <a:headEnd type="none" w="med" len="med"/>
+                      <a:tailEnd type="none" w="med" len="med"/>
+                    </a:lnT>
+                    <a:lnB w="12700" cap="flat" cmpd="sng" algn="ctr">
+                      <a:solidFill>
+                        <a:schemeClr val="tx1"/>
+                      </a:solidFill>
+                      <a:prstDash val="solid"/>
+                      <a:round/>
+                      <a:headEnd type="none" w="med" len="med"/>
+                      <a:tailEnd type="none" w="med" len="med"/>
+                    </a:lnB>
+                  </a:tcPr>
+                </a:tc>
+                <a:tc>
+                  <a:txBody>
+                    <a:bodyPr/>
+                    <a:lstStyle/>
+                    <a:p>
+                      <a:r>
+                        <a:rPr lang="de-DE" sz="1200" dirty="0" smtClean="0"/>
+                        <a:t>31001</a:t>
+                      </a:r>
+                      <a:endParaRPr lang="de-DE" sz="1200" dirty="0"/>
+                    </a:p>
+                  </a:txBody>
+                  <a:tcPr>
+                    <a:lnL w="12700" cap="flat" cmpd="sng" algn="ctr">
+                      <a:solidFill>
+                        <a:schemeClr val="tx1"/>
+                      </a:solidFill>
+                      <a:prstDash val="solid"/>
+                      <a:round/>
+                      <a:headEnd type="none" w="med" len="med"/>
+                      <a:tailEnd type="none" w="med" len="med"/>
+                    </a:lnL>
+                  </a:tcPr>
+                </a:tc>
+              </a:tr>
+            </a:tbl>
+          </a:graphicData>
+        </a:graphic>
+      </p:graphicFrame>
+      <p:pic>
+        <p:nvPicPr>
+          <p:cNvPr id="23" name="Grafik 22"/>
+          <p:cNvPicPr>
+            <a:picLocks noChangeAspect="1"/>
+          </p:cNvPicPr>
+          <p:nvPr/>
+        </p:nvPicPr>
+        <p:blipFill>
+          <a:blip r:embed="rId3" cstate="print">
+            <a:extLst>
+              <a:ext uri="{28A0092B-C50C-407E-A947-70E740481C1C}">
+                <a14:useLocalDpi xmlns:a14="http://schemas.microsoft.com/office/drawing/2010/main" val="0"/>
+              </a:ext>
+            </a:extLst>
+          </a:blip>
+          <a:stretch>
+            <a:fillRect/>
+          </a:stretch>
+        </p:blipFill>
+        <p:spPr>
+          <a:xfrm>
+            <a:off x="6097718" y="2960688"/>
+            <a:ext cx="996206" cy="996206"/>
+          </a:xfrm>
+          <a:prstGeom prst="rect">
+            <a:avLst/>
+          </a:prstGeom>
+        </p:spPr>
+      </p:pic>
+      <p:sp>
+        <p:nvSpPr>
+          <p:cNvPr id="24" name="Textfeld 23"/>
+          <p:cNvSpPr txBox="1"/>
+          <p:nvPr/>
+        </p:nvSpPr>
+        <p:spPr>
+          <a:xfrm>
+            <a:off x="6097718" y="3947414"/>
+            <a:ext cx="1739002" cy="954107"/>
+          </a:xfrm>
+          <a:prstGeom prst="rect">
+            <a:avLst/>
+          </a:prstGeom>
+          <a:noFill/>
+        </p:spPr>
+        <p:txBody>
+          <a:bodyPr wrap="none" rtlCol="0">
+            <a:spAutoFit/>
+          </a:bodyPr>
+          <a:lstStyle/>
+          <a:p>
+            <a:r>
+              <a:rPr lang="de-DE" sz="1400" dirty="0" smtClean="0"/>
+              <a:t>Ergänzung UUID</a:t>
+            </a:r>
+          </a:p>
+          <a:p>
+            <a:r>
+              <a:rPr lang="de-DE" sz="1400" dirty="0" smtClean="0"/>
+              <a:t>Ergänzung Eltern leer</a:t>
+            </a:r>
+          </a:p>
+          <a:p>
+            <a:r>
+              <a:rPr lang="de-DE" sz="1400" dirty="0" smtClean="0"/>
+              <a:t>Ergänzung Kind leer</a:t>
+            </a:r>
+          </a:p>
+          <a:p>
+            <a:endParaRPr lang="de-DE" sz="1400" dirty="0"/>
+          </a:p>
+        </p:txBody>
+      </p:sp>
+      <p:graphicFrame>
+        <p:nvGraphicFramePr>
+          <p:cNvPr id="25" name="Tabelle 24"/>
+          <p:cNvGraphicFramePr>
+            <a:graphicFrameLocks noGrp="1"/>
+          </p:cNvGraphicFramePr>
+          <p:nvPr>
+            <p:extLst>
+              <p:ext uri="{D42A27DB-BD31-4B8C-83A1-F6EECF244321}">
+                <p14:modId xmlns:p14="http://schemas.microsoft.com/office/powerpoint/2010/main" val="248432134"/>
+              </p:ext>
+            </p:extLst>
+          </p:nvPr>
+        </p:nvGraphicFramePr>
+        <p:xfrm>
+          <a:off x="6109374" y="4758731"/>
+          <a:ext cx="5035507" cy="1354844"/>
+        </p:xfrm>
+        <a:graphic>
+          <a:graphicData uri="http://schemas.openxmlformats.org/drawingml/2006/table">
+            <a:tbl>
+              <a:tblPr firstRow="1" bandRow="1">
+                <a:tableStyleId>{5940675A-B579-460E-94D1-54222C63F5DA}</a:tableStyleId>
+              </a:tblPr>
+              <a:tblGrid>
+                <a:gridCol w="771236"/>
+                <a:gridCol w="1089608"/>
+                <a:gridCol w="1600784"/>
+                <a:gridCol w="847473"/>
+                <a:gridCol w="726406"/>
+              </a:tblGrid>
+              <a:tr h="338711">
+                <a:tc>
+                  <a:txBody>
+                    <a:bodyPr/>
+                    <a:lstStyle/>
+                    <a:p>
+                      <a:r>
+                        <a:rPr lang="de-DE" sz="1200" dirty="0" smtClean="0"/>
+                        <a:t>UUID</a:t>
+                      </a:r>
+                      <a:endParaRPr lang="de-DE" sz="1200" dirty="0"/>
+                    </a:p>
+                  </a:txBody>
+                  <a:tcPr>
+                    <a:lnL w="12700" cap="flat" cmpd="sng" algn="ctr">
+                      <a:solidFill>
+                        <a:schemeClr val="tx1"/>
+                      </a:solidFill>
+                      <a:prstDash val="solid"/>
+                      <a:round/>
+                      <a:headEnd type="none" w="med" len="med"/>
+                      <a:tailEnd type="none" w="med" len="med"/>
+                    </a:lnL>
+                    <a:lnR w="12700" cap="flat" cmpd="sng" algn="ctr">
+                      <a:solidFill>
+                        <a:schemeClr val="tx1"/>
+                      </a:solidFill>
+                      <a:prstDash val="solid"/>
+                      <a:round/>
+                      <a:headEnd type="none" w="med" len="med"/>
+                      <a:tailEnd type="none" w="med" len="med"/>
+                    </a:lnR>
+                    <a:lnT w="12700" cap="flat" cmpd="sng" algn="ctr">
+                      <a:solidFill>
+                        <a:schemeClr val="tx1"/>
+                      </a:solidFill>
+                      <a:prstDash val="solid"/>
+                      <a:round/>
+                      <a:headEnd type="none" w="med" len="med"/>
+                      <a:tailEnd type="none" w="med" len="med"/>
+                    </a:lnT>
+                    <a:lnB w="12700" cap="flat" cmpd="sng" algn="ctr">
+                      <a:solidFill>
+                        <a:schemeClr val="tx1"/>
+                      </a:solidFill>
+                      <a:prstDash val="solid"/>
+                      <a:round/>
+                      <a:headEnd type="none" w="med" len="med"/>
+                      <a:tailEnd type="none" w="med" len="med"/>
+                    </a:lnB>
+                  </a:tcPr>
+                </a:tc>
+                <a:tc>
+                  <a:txBody>
+                    <a:bodyPr/>
+                    <a:lstStyle/>
+                    <a:p>
+                      <a:r>
+                        <a:rPr lang="de-DE" sz="1200" dirty="0" smtClean="0"/>
+                        <a:t>Schlüssel</a:t>
+                      </a:r>
+                      <a:endParaRPr lang="de-DE" sz="1200" dirty="0"/>
+                    </a:p>
+                  </a:txBody>
+                  <a:tcPr>
+                    <a:lnL w="12700" cap="flat" cmpd="sng" algn="ctr">
+                      <a:solidFill>
+                        <a:schemeClr val="tx1"/>
+                      </a:solidFill>
+                      <a:prstDash val="solid"/>
+                      <a:round/>
+                      <a:headEnd type="none" w="med" len="med"/>
+                      <a:tailEnd type="none" w="med" len="med"/>
+                    </a:lnL>
+                    <a:lnR w="12700" cap="flat" cmpd="sng" algn="ctr">
+                      <a:solidFill>
+                        <a:schemeClr val="tx1"/>
+                      </a:solidFill>
+                      <a:prstDash val="solid"/>
+                      <a:round/>
+                      <a:headEnd type="none" w="med" len="med"/>
+                      <a:tailEnd type="none" w="med" len="med"/>
+                    </a:lnR>
+                    <a:lnT w="12700" cap="flat" cmpd="sng" algn="ctr">
+                      <a:solidFill>
+                        <a:schemeClr val="tx1"/>
+                      </a:solidFill>
+                      <a:prstDash val="solid"/>
+                      <a:round/>
+                      <a:headEnd type="none" w="med" len="med"/>
+                      <a:tailEnd type="none" w="med" len="med"/>
+                    </a:lnT>
+                    <a:lnB w="12700" cap="flat" cmpd="sng" algn="ctr">
+                      <a:solidFill>
+                        <a:schemeClr val="tx1"/>
+                      </a:solidFill>
+                      <a:prstDash val="solid"/>
+                      <a:round/>
+                      <a:headEnd type="none" w="med" len="med"/>
+                      <a:tailEnd type="none" w="med" len="med"/>
+                    </a:lnB>
+                  </a:tcPr>
+                </a:tc>
+                <a:tc>
+                  <a:txBody>
+                    <a:bodyPr/>
+                    <a:lstStyle/>
+                    <a:p>
+                      <a:r>
+                        <a:rPr lang="de-DE" sz="1200" dirty="0" smtClean="0"/>
+                        <a:t>Speicherinhalt</a:t>
+                      </a:r>
+                      <a:endParaRPr lang="de-DE" sz="1200" dirty="0"/>
+                    </a:p>
+                  </a:txBody>
+                  <a:tcPr>
+                    <a:lnL w="12700" cap="flat" cmpd="sng" algn="ctr">
+                      <a:solidFill>
+                        <a:schemeClr val="tx1"/>
+                      </a:solidFill>
+                      <a:prstDash val="solid"/>
+                      <a:round/>
+                      <a:headEnd type="none" w="med" len="med"/>
+                      <a:tailEnd type="none" w="med" len="med"/>
+                    </a:lnL>
+                    <a:lnR w="12700" cap="flat" cmpd="sng" algn="ctr">
+                      <a:solidFill>
+                        <a:schemeClr val="tx1"/>
+                      </a:solidFill>
+                      <a:prstDash val="solid"/>
+                      <a:round/>
+                      <a:headEnd type="none" w="med" len="med"/>
+                      <a:tailEnd type="none" w="med" len="med"/>
+                    </a:lnR>
+                  </a:tcPr>
+                </a:tc>
+                <a:tc>
+                  <a:txBody>
+                    <a:bodyPr/>
+                    <a:lstStyle/>
+                    <a:p>
+                      <a:r>
+                        <a:rPr lang="de-DE" sz="1200" dirty="0" smtClean="0"/>
+                        <a:t>Eltern</a:t>
+                      </a:r>
+                      <a:endParaRPr lang="de-DE" sz="1200" dirty="0"/>
+                    </a:p>
+                  </a:txBody>
+                  <a:tcPr>
+                    <a:lnL w="12700" cap="flat" cmpd="sng" algn="ctr">
+                      <a:solidFill>
+                        <a:schemeClr val="tx1"/>
+                      </a:solidFill>
+                      <a:prstDash val="solid"/>
+                      <a:round/>
+                      <a:headEnd type="none" w="med" len="med"/>
+                      <a:tailEnd type="none" w="med" len="med"/>
+                    </a:lnL>
+                    <a:lnR w="12700" cap="flat" cmpd="sng" algn="ctr">
+                      <a:solidFill>
+                        <a:schemeClr val="tx1"/>
+                      </a:solidFill>
+                      <a:prstDash val="solid"/>
+                      <a:round/>
+                      <a:headEnd type="none" w="med" len="med"/>
+                      <a:tailEnd type="none" w="med" len="med"/>
+                    </a:lnR>
+                  </a:tcPr>
+                </a:tc>
+                <a:tc>
+                  <a:txBody>
+                    <a:bodyPr/>
+                    <a:lstStyle/>
+                    <a:p>
+                      <a:r>
+                        <a:rPr lang="de-DE" sz="1200" dirty="0" smtClean="0"/>
+                        <a:t>Kind</a:t>
+                      </a:r>
+                      <a:endParaRPr lang="de-DE" sz="1200" dirty="0"/>
+                    </a:p>
+                  </a:txBody>
+                  <a:tcPr>
+                    <a:lnL w="12700" cap="flat" cmpd="sng" algn="ctr">
+                      <a:solidFill>
+                        <a:schemeClr val="tx1"/>
+                      </a:solidFill>
+                      <a:prstDash val="solid"/>
+                      <a:round/>
+                      <a:headEnd type="none" w="med" len="med"/>
+                      <a:tailEnd type="none" w="med" len="med"/>
+                    </a:lnL>
+                  </a:tcPr>
+                </a:tc>
+              </a:tr>
+              <a:tr h="338711">
+                <a:tc>
+                  <a:txBody>
+                    <a:bodyPr/>
+                    <a:lstStyle/>
+                    <a:p>
+                      <a:r>
+                        <a:rPr lang="de-DE" sz="1200" dirty="0" smtClean="0"/>
+                        <a:t>XY1</a:t>
+                      </a:r>
+                      <a:endParaRPr lang="de-DE" sz="1200" dirty="0"/>
+                    </a:p>
+                  </a:txBody>
+                  <a:tcPr>
+                    <a:lnL w="12700" cap="flat" cmpd="sng" algn="ctr">
+                      <a:solidFill>
+                        <a:schemeClr val="tx1"/>
+                      </a:solidFill>
+                      <a:prstDash val="solid"/>
+                      <a:round/>
+                      <a:headEnd type="none" w="med" len="med"/>
+                      <a:tailEnd type="none" w="med" len="med"/>
+                    </a:lnL>
+                    <a:lnR w="12700" cap="flat" cmpd="sng" algn="ctr">
+                      <a:solidFill>
+                        <a:schemeClr val="tx1"/>
+                      </a:solidFill>
+                      <a:prstDash val="solid"/>
+                      <a:round/>
+                      <a:headEnd type="none" w="med" len="med"/>
+                      <a:tailEnd type="none" w="med" len="med"/>
+                    </a:lnR>
+                    <a:lnT w="12700" cap="flat" cmpd="sng" algn="ctr">
+                      <a:solidFill>
+                        <a:schemeClr val="tx1"/>
+                      </a:solidFill>
+                      <a:prstDash val="solid"/>
+                      <a:round/>
+                      <a:headEnd type="none" w="med" len="med"/>
+                      <a:tailEnd type="none" w="med" len="med"/>
+                    </a:lnT>
+                    <a:lnB w="12700" cap="flat" cmpd="sng" algn="ctr">
+                      <a:solidFill>
+                        <a:schemeClr val="tx1"/>
+                      </a:solidFill>
+                      <a:prstDash val="solid"/>
+                      <a:round/>
+                      <a:headEnd type="none" w="med" len="med"/>
+                      <a:tailEnd type="none" w="med" len="med"/>
+                    </a:lnB>
+                  </a:tcPr>
+                </a:tc>
+                <a:tc>
+                  <a:txBody>
+                    <a:bodyPr/>
+                    <a:lstStyle/>
+                    <a:p>
+                      <a:r>
+                        <a:rPr lang="de-DE" sz="1200" dirty="0" smtClean="0"/>
+                        <a:t>ID</a:t>
+                      </a:r>
+                      <a:endParaRPr lang="de-DE" sz="1200" dirty="0"/>
+                    </a:p>
+                  </a:txBody>
+                  <a:tcPr>
+                    <a:lnL w="12700" cap="flat" cmpd="sng" algn="ctr">
+                      <a:solidFill>
+                        <a:schemeClr val="tx1"/>
+                      </a:solidFill>
+                      <a:prstDash val="solid"/>
+                      <a:round/>
+                      <a:headEnd type="none" w="med" len="med"/>
+                      <a:tailEnd type="none" w="med" len="med"/>
+                    </a:lnL>
+                    <a:lnR w="12700" cap="flat" cmpd="sng" algn="ctr">
+                      <a:solidFill>
+                        <a:schemeClr val="tx1"/>
+                      </a:solidFill>
+                      <a:prstDash val="solid"/>
+                      <a:round/>
+                      <a:headEnd type="none" w="med" len="med"/>
+                      <a:tailEnd type="none" w="med" len="med"/>
+                    </a:lnR>
+                    <a:lnT w="12700" cap="flat" cmpd="sng" algn="ctr">
+                      <a:solidFill>
+                        <a:schemeClr val="tx1"/>
+                      </a:solidFill>
+                      <a:prstDash val="solid"/>
+                      <a:round/>
+                      <a:headEnd type="none" w="med" len="med"/>
+                      <a:tailEnd type="none" w="med" len="med"/>
+                    </a:lnT>
+                    <a:lnB w="12700" cap="flat" cmpd="sng" algn="ctr">
+                      <a:solidFill>
+                        <a:schemeClr val="tx1"/>
+                      </a:solidFill>
+                      <a:prstDash val="solid"/>
+                      <a:round/>
+                      <a:headEnd type="none" w="med" len="med"/>
+                      <a:tailEnd type="none" w="med" len="med"/>
+                    </a:lnB>
+                  </a:tcPr>
+                </a:tc>
+                <a:tc>
+                  <a:txBody>
+                    <a:bodyPr/>
+                    <a:lstStyle/>
+                    <a:p>
+                      <a:r>
+                        <a:rPr lang="de-DE" sz="1200" dirty="0" smtClean="0"/>
+                        <a:t>1</a:t>
+                      </a:r>
+                      <a:endParaRPr lang="de-DE" sz="1200" dirty="0"/>
+                    </a:p>
+                  </a:txBody>
+                  <a:tcPr>
+                    <a:lnL w="12700" cap="flat" cmpd="sng" algn="ctr">
+                      <a:solidFill>
+                        <a:schemeClr val="tx1"/>
+                      </a:solidFill>
+                      <a:prstDash val="solid"/>
+                      <a:round/>
+                      <a:headEnd type="none" w="med" len="med"/>
+                      <a:tailEnd type="none" w="med" len="med"/>
+                    </a:lnL>
+                    <a:lnR w="12700" cap="flat" cmpd="sng" algn="ctr">
+                      <a:solidFill>
+                        <a:schemeClr val="tx1"/>
+                      </a:solidFill>
+                      <a:prstDash val="solid"/>
+                      <a:round/>
+                      <a:headEnd type="none" w="med" len="med"/>
+                      <a:tailEnd type="none" w="med" len="med"/>
+                    </a:lnR>
+                  </a:tcPr>
+                </a:tc>
+                <a:tc>
+                  <a:txBody>
+                    <a:bodyPr/>
+                    <a:lstStyle/>
+                    <a:p>
+                      <a:r>
+                        <a:rPr lang="de-DE" sz="1200" dirty="0" smtClean="0">
+                          <a:solidFill>
+                            <a:srgbClr val="00B050"/>
+                          </a:solidFill>
+                        </a:rPr>
+                        <a:t>AB1</a:t>
+                      </a:r>
+                      <a:endParaRPr lang="de-DE" sz="1200" dirty="0">
+                        <a:solidFill>
+                          <a:srgbClr val="00B050"/>
+                        </a:solidFill>
+                      </a:endParaRPr>
+                    </a:p>
+                  </a:txBody>
+                  <a:tcPr>
+                    <a:lnL w="12700" cap="flat" cmpd="sng" algn="ctr">
+                      <a:solidFill>
+                        <a:schemeClr val="tx1"/>
+                      </a:solidFill>
+                      <a:prstDash val="solid"/>
+                      <a:round/>
+                      <a:headEnd type="none" w="med" len="med"/>
+                      <a:tailEnd type="none" w="med" len="med"/>
+                    </a:lnL>
+                    <a:lnR w="12700" cap="flat" cmpd="sng" algn="ctr">
+                      <a:solidFill>
+                        <a:schemeClr val="tx1"/>
+                      </a:solidFill>
+                      <a:prstDash val="solid"/>
+                      <a:round/>
+                      <a:headEnd type="none" w="med" len="med"/>
+                      <a:tailEnd type="none" w="med" len="med"/>
+                    </a:lnR>
+                  </a:tcPr>
+                </a:tc>
+                <a:tc>
+                  <a:txBody>
+                    <a:bodyPr/>
+                    <a:lstStyle/>
+                    <a:p>
+                      <a:endParaRPr lang="de-DE" sz="1200" dirty="0"/>
+                    </a:p>
+                  </a:txBody>
+                  <a:tcPr>
+                    <a:lnL w="12700" cap="flat" cmpd="sng" algn="ctr">
+                      <a:solidFill>
+                        <a:schemeClr val="tx1"/>
+                      </a:solidFill>
+                      <a:prstDash val="solid"/>
+                      <a:round/>
+                      <a:headEnd type="none" w="med" len="med"/>
+                      <a:tailEnd type="none" w="med" len="med"/>
+                    </a:lnL>
+                  </a:tcPr>
+                </a:tc>
+              </a:tr>
+              <a:tr h="338711">
+                <a:tc>
+                  <a:txBody>
+                    <a:bodyPr/>
+                    <a:lstStyle/>
+                    <a:p>
+                      <a:r>
+                        <a:rPr lang="de-DE" sz="1200" dirty="0" smtClean="0"/>
+                        <a:t>XY2</a:t>
+                      </a:r>
+                      <a:endParaRPr lang="de-DE" sz="1200" dirty="0"/>
+                    </a:p>
+                  </a:txBody>
+                  <a:tcPr>
+                    <a:lnL w="12700" cap="flat" cmpd="sng" algn="ctr">
+                      <a:solidFill>
+                        <a:schemeClr val="tx1"/>
+                      </a:solidFill>
+                      <a:prstDash val="solid"/>
+                      <a:round/>
+                      <a:headEnd type="none" w="med" len="med"/>
+                      <a:tailEnd type="none" w="med" len="med"/>
+                    </a:lnL>
+                    <a:lnR w="12700" cap="flat" cmpd="sng" algn="ctr">
+                      <a:solidFill>
+                        <a:schemeClr val="tx1"/>
+                      </a:solidFill>
+                      <a:prstDash val="solid"/>
+                      <a:round/>
+                      <a:headEnd type="none" w="med" len="med"/>
+                      <a:tailEnd type="none" w="med" len="med"/>
+                    </a:lnR>
+                    <a:lnT w="12700" cap="flat" cmpd="sng" algn="ctr">
+                      <a:solidFill>
+                        <a:schemeClr val="tx1"/>
+                      </a:solidFill>
+                      <a:prstDash val="solid"/>
+                      <a:round/>
+                      <a:headEnd type="none" w="med" len="med"/>
+                      <a:tailEnd type="none" w="med" len="med"/>
+                    </a:lnT>
+                    <a:lnB w="12700" cap="flat" cmpd="sng" algn="ctr">
+                      <a:solidFill>
+                        <a:schemeClr val="tx1"/>
+                      </a:solidFill>
+                      <a:prstDash val="solid"/>
+                      <a:round/>
+                      <a:headEnd type="none" w="med" len="med"/>
+                      <a:tailEnd type="none" w="med" len="med"/>
+                    </a:lnB>
+                  </a:tcPr>
+                </a:tc>
+                <a:tc>
+                  <a:txBody>
+                    <a:bodyPr/>
+                    <a:lstStyle/>
+                    <a:p>
+                      <a:r>
+                        <a:rPr lang="de-DE" sz="1200" dirty="0" smtClean="0"/>
+                        <a:t>Text</a:t>
+                      </a:r>
+                      <a:endParaRPr lang="de-DE" sz="1200" dirty="0"/>
+                    </a:p>
+                  </a:txBody>
+                  <a:tcPr>
+                    <a:lnL w="12700" cap="flat" cmpd="sng" algn="ctr">
+                      <a:solidFill>
+                        <a:schemeClr val="tx1"/>
+                      </a:solidFill>
+                      <a:prstDash val="solid"/>
+                      <a:round/>
+                      <a:headEnd type="none" w="med" len="med"/>
+                      <a:tailEnd type="none" w="med" len="med"/>
+                    </a:lnL>
+                    <a:lnR w="12700" cap="flat" cmpd="sng" algn="ctr">
+                      <a:solidFill>
+                        <a:schemeClr val="tx1"/>
+                      </a:solidFill>
+                      <a:prstDash val="solid"/>
+                      <a:round/>
+                      <a:headEnd type="none" w="med" len="med"/>
+                      <a:tailEnd type="none" w="med" len="med"/>
+                    </a:lnR>
+                    <a:lnT w="12700" cap="flat" cmpd="sng" algn="ctr">
+                      <a:solidFill>
+                        <a:schemeClr val="tx1"/>
+                      </a:solidFill>
+                      <a:prstDash val="solid"/>
+                      <a:round/>
+                      <a:headEnd type="none" w="med" len="med"/>
+                      <a:tailEnd type="none" w="med" len="med"/>
+                    </a:lnT>
+                    <a:lnB w="12700" cap="flat" cmpd="sng" algn="ctr">
+                      <a:solidFill>
+                        <a:schemeClr val="tx1"/>
+                      </a:solidFill>
+                      <a:prstDash val="solid"/>
+                      <a:round/>
+                      <a:headEnd type="none" w="med" len="med"/>
+                      <a:tailEnd type="none" w="med" len="med"/>
+                    </a:lnB>
+                  </a:tcPr>
+                </a:tc>
+                <a:tc>
+                  <a:txBody>
+                    <a:bodyPr/>
+                    <a:lstStyle/>
+                    <a:p>
+                      <a:r>
+                        <a:rPr lang="de-DE" sz="1200" dirty="0" err="1" smtClean="0"/>
+                        <a:t>shdjshdjshdjs</a:t>
+                      </a:r>
+                      <a:endParaRPr lang="de-DE" sz="1200" dirty="0"/>
+                    </a:p>
+                  </a:txBody>
+                  <a:tcPr>
+                    <a:lnL w="12700" cap="flat" cmpd="sng" algn="ctr">
+                      <a:solidFill>
+                        <a:schemeClr val="tx1"/>
+                      </a:solidFill>
+                      <a:prstDash val="solid"/>
+                      <a:round/>
+                      <a:headEnd type="none" w="med" len="med"/>
+                      <a:tailEnd type="none" w="med" len="med"/>
+                    </a:lnL>
+                    <a:lnR w="12700" cap="flat" cmpd="sng" algn="ctr">
+                      <a:solidFill>
+                        <a:schemeClr val="tx1"/>
+                      </a:solidFill>
+                      <a:prstDash val="solid"/>
+                      <a:round/>
+                      <a:headEnd type="none" w="med" len="med"/>
+                      <a:tailEnd type="none" w="med" len="med"/>
+                    </a:lnR>
+                  </a:tcPr>
+                </a:tc>
+                <a:tc>
+                  <a:txBody>
+                    <a:bodyPr/>
+                    <a:lstStyle/>
+                    <a:p>
+                      <a:r>
+                        <a:rPr lang="de-DE" sz="1200" dirty="0" smtClean="0">
+                          <a:solidFill>
+                            <a:srgbClr val="00B050"/>
+                          </a:solidFill>
+                        </a:rPr>
+                        <a:t>AB1</a:t>
+                      </a:r>
+                      <a:endParaRPr lang="de-DE" sz="1200" dirty="0">
+                        <a:solidFill>
+                          <a:srgbClr val="00B050"/>
+                        </a:solidFill>
+                      </a:endParaRPr>
+                    </a:p>
+                  </a:txBody>
+                  <a:tcPr>
+                    <a:lnL w="12700" cap="flat" cmpd="sng" algn="ctr">
+                      <a:solidFill>
+                        <a:schemeClr val="tx1"/>
+                      </a:solidFill>
+                      <a:prstDash val="solid"/>
+                      <a:round/>
+                      <a:headEnd type="none" w="med" len="med"/>
+                      <a:tailEnd type="none" w="med" len="med"/>
+                    </a:lnL>
+                    <a:lnR w="12700" cap="flat" cmpd="sng" algn="ctr">
+                      <a:solidFill>
+                        <a:schemeClr val="tx1"/>
+                      </a:solidFill>
+                      <a:prstDash val="solid"/>
+                      <a:round/>
+                      <a:headEnd type="none" w="med" len="med"/>
+                      <a:tailEnd type="none" w="med" len="med"/>
+                    </a:lnR>
+                  </a:tcPr>
+                </a:tc>
+                <a:tc>
+                  <a:txBody>
+                    <a:bodyPr/>
+                    <a:lstStyle/>
+                    <a:p>
+                      <a:endParaRPr lang="de-DE" sz="1200" dirty="0"/>
+                    </a:p>
+                  </a:txBody>
+                  <a:tcPr>
+                    <a:lnL w="12700" cap="flat" cmpd="sng" algn="ctr">
+                      <a:solidFill>
+                        <a:schemeClr val="tx1"/>
+                      </a:solidFill>
+                      <a:prstDash val="solid"/>
+                      <a:round/>
+                      <a:headEnd type="none" w="med" len="med"/>
+                      <a:tailEnd type="none" w="med" len="med"/>
+                    </a:lnL>
+                  </a:tcPr>
+                </a:tc>
+              </a:tr>
+              <a:tr h="338711">
+                <a:tc>
+                  <a:txBody>
+                    <a:bodyPr/>
+                    <a:lstStyle/>
+                    <a:p>
+                      <a:r>
+                        <a:rPr lang="de-DE" sz="1200" dirty="0" smtClean="0"/>
+                        <a:t>XY3</a:t>
+                      </a:r>
+                      <a:endParaRPr lang="de-DE" sz="1200" dirty="0"/>
+                    </a:p>
+                  </a:txBody>
+                  <a:tcPr>
+                    <a:lnL w="12700" cap="flat" cmpd="sng" algn="ctr">
+                      <a:solidFill>
+                        <a:schemeClr val="tx1"/>
+                      </a:solidFill>
+                      <a:prstDash val="solid"/>
+                      <a:round/>
+                      <a:headEnd type="none" w="med" len="med"/>
+                      <a:tailEnd type="none" w="med" len="med"/>
+                    </a:lnL>
+                    <a:lnR w="12700" cap="flat" cmpd="sng" algn="ctr">
+                      <a:solidFill>
+                        <a:schemeClr val="tx1"/>
+                      </a:solidFill>
+                      <a:prstDash val="solid"/>
+                      <a:round/>
+                      <a:headEnd type="none" w="med" len="med"/>
+                      <a:tailEnd type="none" w="med" len="med"/>
+                    </a:lnR>
+                    <a:lnT w="12700" cap="flat" cmpd="sng" algn="ctr">
+                      <a:solidFill>
+                        <a:schemeClr val="tx1"/>
+                      </a:solidFill>
+                      <a:prstDash val="solid"/>
+                      <a:round/>
+                      <a:headEnd type="none" w="med" len="med"/>
+                      <a:tailEnd type="none" w="med" len="med"/>
+                    </a:lnT>
+                    <a:lnB w="12700" cap="flat" cmpd="sng" algn="ctr">
+                      <a:solidFill>
+                        <a:schemeClr val="tx1"/>
+                      </a:solidFill>
+                      <a:prstDash val="solid"/>
+                      <a:round/>
+                      <a:headEnd type="none" w="med" len="med"/>
+                      <a:tailEnd type="none" w="med" len="med"/>
+                    </a:lnB>
+                  </a:tcPr>
+                </a:tc>
+                <a:tc>
+                  <a:txBody>
+                    <a:bodyPr/>
+                    <a:lstStyle/>
+                    <a:p>
+                      <a:r>
+                        <a:rPr lang="de-DE" sz="1200" dirty="0" smtClean="0"/>
+                        <a:t>Auftraggeber</a:t>
+                      </a:r>
+                      <a:endParaRPr lang="de-DE" sz="1200" dirty="0"/>
+                    </a:p>
+                  </a:txBody>
+                  <a:tcPr>
+                    <a:lnL w="12700" cap="flat" cmpd="sng" algn="ctr">
+                      <a:solidFill>
+                        <a:schemeClr val="tx1"/>
+                      </a:solidFill>
+                      <a:prstDash val="solid"/>
+                      <a:round/>
+                      <a:headEnd type="none" w="med" len="med"/>
+                      <a:tailEnd type="none" w="med" len="med"/>
+                    </a:lnL>
+                    <a:lnR w="12700" cap="flat" cmpd="sng" algn="ctr">
+                      <a:solidFill>
+                        <a:schemeClr val="tx1"/>
+                      </a:solidFill>
+                      <a:prstDash val="solid"/>
+                      <a:round/>
+                      <a:headEnd type="none" w="med" len="med"/>
+                      <a:tailEnd type="none" w="med" len="med"/>
+                    </a:lnR>
+                    <a:lnT w="12700" cap="flat" cmpd="sng" algn="ctr">
+                      <a:solidFill>
+                        <a:schemeClr val="tx1"/>
+                      </a:solidFill>
+                      <a:prstDash val="solid"/>
+                      <a:round/>
+                      <a:headEnd type="none" w="med" len="med"/>
+                      <a:tailEnd type="none" w="med" len="med"/>
+                    </a:lnT>
+                    <a:lnB w="12700" cap="flat" cmpd="sng" algn="ctr">
+                      <a:solidFill>
+                        <a:schemeClr val="tx1"/>
+                      </a:solidFill>
+                      <a:prstDash val="solid"/>
+                      <a:round/>
+                      <a:headEnd type="none" w="med" len="med"/>
+                      <a:tailEnd type="none" w="med" len="med"/>
+                    </a:lnB>
+                  </a:tcPr>
+                </a:tc>
+                <a:tc>
+                  <a:txBody>
+                    <a:bodyPr/>
+                    <a:lstStyle/>
+                    <a:p>
+                      <a:r>
+                        <a:rPr lang="de-DE" sz="1200" dirty="0" smtClean="0"/>
+                        <a:t>31001</a:t>
+                      </a:r>
+                      <a:endParaRPr lang="de-DE" sz="1200" dirty="0"/>
+                    </a:p>
+                  </a:txBody>
+                  <a:tcPr>
+                    <a:lnL w="12700" cap="flat" cmpd="sng" algn="ctr">
+                      <a:solidFill>
+                        <a:schemeClr val="tx1"/>
+                      </a:solidFill>
+                      <a:prstDash val="solid"/>
+                      <a:round/>
+                      <a:headEnd type="none" w="med" len="med"/>
+                      <a:tailEnd type="none" w="med" len="med"/>
+                    </a:lnL>
+                    <a:lnR w="12700" cap="flat" cmpd="sng" algn="ctr">
+                      <a:solidFill>
+                        <a:schemeClr val="tx1"/>
+                      </a:solidFill>
+                      <a:prstDash val="solid"/>
+                      <a:round/>
+                      <a:headEnd type="none" w="med" len="med"/>
+                      <a:tailEnd type="none" w="med" len="med"/>
+                    </a:lnR>
+                  </a:tcPr>
+                </a:tc>
+                <a:tc>
+                  <a:txBody>
+                    <a:bodyPr/>
+                    <a:lstStyle/>
+                    <a:p>
+                      <a:r>
+                        <a:rPr lang="de-DE" sz="1200" dirty="0" smtClean="0">
+                          <a:solidFill>
+                            <a:srgbClr val="00B050"/>
+                          </a:solidFill>
+                        </a:rPr>
+                        <a:t>AB1</a:t>
+                      </a:r>
+                      <a:endParaRPr lang="de-DE" sz="1200" dirty="0">
+                        <a:solidFill>
+                          <a:srgbClr val="00B050"/>
+                        </a:solidFill>
+                      </a:endParaRPr>
+                    </a:p>
+                  </a:txBody>
+                  <a:tcPr>
+                    <a:lnL w="12700" cap="flat" cmpd="sng" algn="ctr">
+                      <a:solidFill>
+                        <a:schemeClr val="tx1"/>
+                      </a:solidFill>
+                      <a:prstDash val="solid"/>
+                      <a:round/>
+                      <a:headEnd type="none" w="med" len="med"/>
+                      <a:tailEnd type="none" w="med" len="med"/>
+                    </a:lnL>
+                    <a:lnR w="12700" cap="flat" cmpd="sng" algn="ctr">
+                      <a:solidFill>
+                        <a:schemeClr val="tx1"/>
+                      </a:solidFill>
+                      <a:prstDash val="solid"/>
+                      <a:round/>
+                      <a:headEnd type="none" w="med" len="med"/>
+                      <a:tailEnd type="none" w="med" len="med"/>
+                    </a:lnR>
+                  </a:tcPr>
+                </a:tc>
+                <a:tc>
+                  <a:txBody>
+                    <a:bodyPr/>
+                    <a:lstStyle/>
+                    <a:p>
+                      <a:endParaRPr lang="de-DE" sz="1200" dirty="0"/>
+                    </a:p>
+                  </a:txBody>
+                  <a:tcPr>
+                    <a:lnL w="12700" cap="flat" cmpd="sng" algn="ctr">
+                      <a:solidFill>
+                        <a:schemeClr val="tx1"/>
+                      </a:solidFill>
+                      <a:prstDash val="solid"/>
+                      <a:round/>
+                      <a:headEnd type="none" w="med" len="med"/>
+                      <a:tailEnd type="none" w="med" len="med"/>
+                    </a:lnL>
+                  </a:tcPr>
+                </a:tc>
+              </a:tr>
+            </a:tbl>
+          </a:graphicData>
+        </a:graphic>
+      </p:graphicFrame>
+      <p:pic>
+        <p:nvPicPr>
+          <p:cNvPr id="26" name="Grafik 25"/>
+          <p:cNvPicPr>
+            <a:picLocks noChangeAspect="1"/>
+          </p:cNvPicPr>
+          <p:nvPr/>
+        </p:nvPicPr>
+        <p:blipFill>
+          <a:blip r:embed="rId3" cstate="print">
+            <a:extLst>
+              <a:ext uri="{28A0092B-C50C-407E-A947-70E740481C1C}">
+                <a14:useLocalDpi xmlns:a14="http://schemas.microsoft.com/office/drawing/2010/main" val="0"/>
+              </a:ext>
+            </a:extLst>
+          </a:blip>
+          <a:stretch>
+            <a:fillRect/>
+          </a:stretch>
+        </p:blipFill>
+        <p:spPr>
+          <a:xfrm>
+            <a:off x="9014277" y="2960688"/>
+            <a:ext cx="996206" cy="996206"/>
+          </a:xfrm>
+          <a:prstGeom prst="rect">
+            <a:avLst/>
+          </a:prstGeom>
+        </p:spPr>
+      </p:pic>
+      <p:sp>
+        <p:nvSpPr>
+          <p:cNvPr id="27" name="Textfeld 26"/>
+          <p:cNvSpPr txBox="1"/>
+          <p:nvPr/>
+        </p:nvSpPr>
+        <p:spPr>
+          <a:xfrm>
+            <a:off x="9014277" y="3947414"/>
+            <a:ext cx="1415196" cy="738664"/>
+          </a:xfrm>
+          <a:prstGeom prst="rect">
+            <a:avLst/>
+          </a:prstGeom>
+          <a:noFill/>
+        </p:spPr>
+        <p:txBody>
+          <a:bodyPr wrap="none" rtlCol="0">
+            <a:spAutoFit/>
+          </a:bodyPr>
+          <a:lstStyle/>
+          <a:p>
+            <a:r>
+              <a:rPr lang="de-DE" sz="1400" dirty="0" smtClean="0">
+                <a:solidFill>
+                  <a:srgbClr val="00B050"/>
+                </a:solidFill>
+              </a:rPr>
+              <a:t>Ergänzung Eltern</a:t>
+            </a:r>
+          </a:p>
+          <a:p>
+            <a:r>
+              <a:rPr lang="de-DE" sz="1400" dirty="0" smtClean="0">
+                <a:solidFill>
+                  <a:srgbClr val="00B050"/>
+                </a:solidFill>
+              </a:rPr>
+              <a:t>Ergänzung Kind</a:t>
+            </a:r>
+          </a:p>
+          <a:p>
+            <a:endParaRPr lang="de-DE" sz="1400" dirty="0"/>
+          </a:p>
+        </p:txBody>
+      </p:sp>
+      <p:sp>
+        <p:nvSpPr>
+          <p:cNvPr id="28" name="Textfeld 27"/>
+          <p:cNvSpPr txBox="1"/>
+          <p:nvPr/>
+        </p:nvSpPr>
+        <p:spPr>
+          <a:xfrm>
+            <a:off x="346858" y="4501412"/>
+            <a:ext cx="1609095" cy="1015663"/>
+          </a:xfrm>
+          <a:prstGeom prst="rect">
+            <a:avLst/>
+          </a:prstGeom>
+          <a:noFill/>
+        </p:spPr>
+        <p:txBody>
+          <a:bodyPr wrap="none" rtlCol="0">
+            <a:spAutoFit/>
+          </a:bodyPr>
+          <a:lstStyle/>
+          <a:p>
+            <a:r>
+              <a:rPr lang="de-DE" sz="1200" dirty="0" smtClean="0"/>
+              <a:t>{</a:t>
+            </a:r>
+          </a:p>
+          <a:p>
+            <a:r>
+              <a:rPr lang="de-DE" sz="1200" dirty="0" smtClean="0"/>
+              <a:t>„ID“: 1,</a:t>
+            </a:r>
+          </a:p>
+          <a:p>
+            <a:r>
+              <a:rPr lang="de-DE" sz="1200" dirty="0" smtClean="0"/>
+              <a:t>„Text“: „</a:t>
+            </a:r>
+            <a:r>
+              <a:rPr lang="de-DE" sz="1200" dirty="0" err="1" smtClean="0"/>
+              <a:t>shdjshdjshdjs</a:t>
+            </a:r>
+            <a:r>
+              <a:rPr lang="de-DE" sz="1200" dirty="0" smtClean="0"/>
+              <a:t>“</a:t>
+            </a:r>
+          </a:p>
+          <a:p>
+            <a:r>
+              <a:rPr lang="de-DE" sz="1200" dirty="0" smtClean="0"/>
+              <a:t>„Auftraggeber“: 31001</a:t>
+            </a:r>
+          </a:p>
+          <a:p>
+            <a:r>
+              <a:rPr lang="de-DE" sz="1200" dirty="0"/>
+              <a:t>}</a:t>
+            </a:r>
+          </a:p>
+        </p:txBody>
+      </p:sp>
+    </p:spTree>
+    <p:extLst>
+      <p:ext uri="{BB962C8B-B14F-4D97-AF65-F5344CB8AC3E}">
+        <p14:creationId xmlns:p14="http://schemas.microsoft.com/office/powerpoint/2010/main" val="1734315453"/>
+      </p:ext>
+    </p:extLst>
+  </p:cSld>
+  <p:clrMapOvr>
+    <a:masterClrMapping/>
+  </p:clrMapOvr>
+</p:sld>
+</file>
+
 <file path=ppt/theme/theme1.xml><?xml version="1.0" encoding="utf-8"?>
 <a:theme xmlns:a="http://schemas.openxmlformats.org/drawingml/2006/main" name="Office Theme">
   <a:themeElements>

--- a/Dokumentation/Grafiken Unternehmensfähigkeiten.pptx
+++ b/Dokumentation/Grafiken Unternehmensfähigkeiten.pptx
@@ -11,6 +11,7 @@
     <p:sldId id="259" r:id="rId5"/>
     <p:sldId id="260" r:id="rId6"/>
     <p:sldId id="261" r:id="rId7"/>
+    <p:sldId id="262" r:id="rId8"/>
   </p:sldIdLst>
   <p:sldSz cx="12192000" cy="6858000"/>
   <p:notesSz cx="6797675" cy="9928225"/>
@@ -137,7 +138,7 @@
             <a:srgbClr val="A4A3A4"/>
           </p15:clr>
         </p15:guide>
-        <p15:guide id="6" orient="horz" pos="2500" userDrawn="1">
+        <p15:guide id="6" orient="horz" pos="2047" userDrawn="1">
           <p15:clr>
             <a:srgbClr val="A4A3A4"/>
           </p15:clr>
@@ -299,7 +300,7 @@
           <a:p>
             <a:fld id="{D67E706E-9FFF-4B25-B31B-E494BA33FABA}" type="datetimeFigureOut">
               <a:rPr lang="de-DE" smtClean="0"/>
-              <a:t>23.01.2021</a:t>
+              <a:t>29.01.2021</a:t>
             </a:fld>
             <a:endParaRPr lang="de-DE"/>
           </a:p>
@@ -469,7 +470,7 @@
           <a:p>
             <a:fld id="{D67E706E-9FFF-4B25-B31B-E494BA33FABA}" type="datetimeFigureOut">
               <a:rPr lang="de-DE" smtClean="0"/>
-              <a:t>23.01.2021</a:t>
+              <a:t>29.01.2021</a:t>
             </a:fld>
             <a:endParaRPr lang="de-DE"/>
           </a:p>
@@ -649,7 +650,7 @@
           <a:p>
             <a:fld id="{D67E706E-9FFF-4B25-B31B-E494BA33FABA}" type="datetimeFigureOut">
               <a:rPr lang="de-DE" smtClean="0"/>
-              <a:t>23.01.2021</a:t>
+              <a:t>29.01.2021</a:t>
             </a:fld>
             <a:endParaRPr lang="de-DE"/>
           </a:p>
@@ -819,7 +820,7 @@
           <a:p>
             <a:fld id="{D67E706E-9FFF-4B25-B31B-E494BA33FABA}" type="datetimeFigureOut">
               <a:rPr lang="de-DE" smtClean="0"/>
-              <a:t>23.01.2021</a:t>
+              <a:t>29.01.2021</a:t>
             </a:fld>
             <a:endParaRPr lang="de-DE"/>
           </a:p>
@@ -1065,7 +1066,7 @@
           <a:p>
             <a:fld id="{D67E706E-9FFF-4B25-B31B-E494BA33FABA}" type="datetimeFigureOut">
               <a:rPr lang="de-DE" smtClean="0"/>
-              <a:t>23.01.2021</a:t>
+              <a:t>29.01.2021</a:t>
             </a:fld>
             <a:endParaRPr lang="de-DE"/>
           </a:p>
@@ -1297,7 +1298,7 @@
           <a:p>
             <a:fld id="{D67E706E-9FFF-4B25-B31B-E494BA33FABA}" type="datetimeFigureOut">
               <a:rPr lang="de-DE" smtClean="0"/>
-              <a:t>23.01.2021</a:t>
+              <a:t>29.01.2021</a:t>
             </a:fld>
             <a:endParaRPr lang="de-DE"/>
           </a:p>
@@ -1664,7 +1665,7 @@
           <a:p>
             <a:fld id="{D67E706E-9FFF-4B25-B31B-E494BA33FABA}" type="datetimeFigureOut">
               <a:rPr lang="de-DE" smtClean="0"/>
-              <a:t>23.01.2021</a:t>
+              <a:t>29.01.2021</a:t>
             </a:fld>
             <a:endParaRPr lang="de-DE"/>
           </a:p>
@@ -1782,7 +1783,7 @@
           <a:p>
             <a:fld id="{D67E706E-9FFF-4B25-B31B-E494BA33FABA}" type="datetimeFigureOut">
               <a:rPr lang="de-DE" smtClean="0"/>
-              <a:t>23.01.2021</a:t>
+              <a:t>29.01.2021</a:t>
             </a:fld>
             <a:endParaRPr lang="de-DE"/>
           </a:p>
@@ -1877,7 +1878,7 @@
           <a:p>
             <a:fld id="{D67E706E-9FFF-4B25-B31B-E494BA33FABA}" type="datetimeFigureOut">
               <a:rPr lang="de-DE" smtClean="0"/>
-              <a:t>23.01.2021</a:t>
+              <a:t>29.01.2021</a:t>
             </a:fld>
             <a:endParaRPr lang="de-DE"/>
           </a:p>
@@ -2154,7 +2155,7 @@
           <a:p>
             <a:fld id="{D67E706E-9FFF-4B25-B31B-E494BA33FABA}" type="datetimeFigureOut">
               <a:rPr lang="de-DE" smtClean="0"/>
-              <a:t>23.01.2021</a:t>
+              <a:t>29.01.2021</a:t>
             </a:fld>
             <a:endParaRPr lang="de-DE"/>
           </a:p>
@@ -2407,7 +2408,7 @@
           <a:p>
             <a:fld id="{D67E706E-9FFF-4B25-B31B-E494BA33FABA}" type="datetimeFigureOut">
               <a:rPr lang="de-DE" smtClean="0"/>
-              <a:t>23.01.2021</a:t>
+              <a:t>29.01.2021</a:t>
             </a:fld>
             <a:endParaRPr lang="de-DE"/>
           </a:p>
@@ -2620,7 +2621,7 @@
           <a:p>
             <a:fld id="{D67E706E-9FFF-4B25-B31B-E494BA33FABA}" type="datetimeFigureOut">
               <a:rPr lang="de-DE" smtClean="0"/>
-              <a:t>23.01.2021</a:t>
+              <a:t>29.01.2021</a:t>
             </a:fld>
             <a:endParaRPr lang="de-DE"/>
           </a:p>
@@ -13650,6 +13651,691 @@
 </p:sld>
 </file>
 
+<file path=ppt/slides/slide7.xml><?xml version="1.0" encoding="utf-8"?>
+<p:sld xmlns:a="http://schemas.openxmlformats.org/drawingml/2006/main" xmlns:r="http://schemas.openxmlformats.org/officeDocument/2006/relationships" xmlns:p="http://schemas.openxmlformats.org/presentationml/2006/main">
+  <p:cSld>
+    <p:spTree>
+      <p:nvGrpSpPr>
+        <p:cNvPr id="1" name=""/>
+        <p:cNvGrpSpPr/>
+        <p:nvPr/>
+      </p:nvGrpSpPr>
+      <p:grpSpPr>
+        <a:xfrm>
+          <a:off x="0" y="0"/>
+          <a:ext cx="0" cy="0"/>
+          <a:chOff x="0" y="0"/>
+          <a:chExt cx="0" cy="0"/>
+        </a:xfrm>
+      </p:grpSpPr>
+      <p:sp>
+        <p:nvSpPr>
+          <p:cNvPr id="7" name="Rechteck 6"/>
+          <p:cNvSpPr/>
+          <p:nvPr/>
+        </p:nvSpPr>
+        <p:spPr>
+          <a:xfrm>
+            <a:off x="344662" y="564314"/>
+            <a:ext cx="2167605" cy="2669564"/>
+          </a:xfrm>
+          <a:prstGeom prst="rect">
+            <a:avLst/>
+          </a:prstGeom>
+          <a:noFill/>
+          <a:ln w="25400">
+            <a:solidFill>
+              <a:srgbClr val="0070C0"/>
+            </a:solidFill>
+          </a:ln>
+        </p:spPr>
+        <p:style>
+          <a:lnRef idx="2">
+            <a:schemeClr val="accent1">
+              <a:shade val="50000"/>
+            </a:schemeClr>
+          </a:lnRef>
+          <a:fillRef idx="1">
+            <a:schemeClr val="accent1"/>
+          </a:fillRef>
+          <a:effectRef idx="0">
+            <a:schemeClr val="accent1"/>
+          </a:effectRef>
+          <a:fontRef idx="minor">
+            <a:schemeClr val="lt1"/>
+          </a:fontRef>
+        </p:style>
+        <p:txBody>
+          <a:bodyPr rtlCol="0" anchor="ctr"/>
+          <a:lstStyle/>
+          <a:p>
+            <a:pPr algn="ctr"/>
+            <a:endParaRPr lang="de-DE"/>
+          </a:p>
+        </p:txBody>
+      </p:sp>
+      <p:cxnSp>
+        <p:nvCxnSpPr>
+          <p:cNvPr id="8" name="Gerader Verbinder 7"/>
+          <p:cNvCxnSpPr/>
+          <p:nvPr/>
+        </p:nvCxnSpPr>
+        <p:spPr>
+          <a:xfrm>
+            <a:off x="344662" y="1155283"/>
+            <a:ext cx="2167605" cy="0"/>
+          </a:xfrm>
+          <a:prstGeom prst="line">
+            <a:avLst/>
+          </a:prstGeom>
+          <a:ln w="25400">
+            <a:solidFill>
+              <a:srgbClr val="0070C0"/>
+            </a:solidFill>
+            <a:tailEnd type="none"/>
+          </a:ln>
+        </p:spPr>
+        <p:style>
+          <a:lnRef idx="1">
+            <a:schemeClr val="dk1"/>
+          </a:lnRef>
+          <a:fillRef idx="0">
+            <a:schemeClr val="dk1"/>
+          </a:fillRef>
+          <a:effectRef idx="0">
+            <a:schemeClr val="dk1"/>
+          </a:effectRef>
+          <a:fontRef idx="minor">
+            <a:schemeClr val="tx1"/>
+          </a:fontRef>
+        </p:style>
+      </p:cxnSp>
+      <p:sp>
+        <p:nvSpPr>
+          <p:cNvPr id="9" name="Textfeld 8"/>
+          <p:cNvSpPr txBox="1"/>
+          <p:nvPr/>
+        </p:nvSpPr>
+        <p:spPr>
+          <a:xfrm>
+            <a:off x="344663" y="564314"/>
+            <a:ext cx="2167604" cy="584775"/>
+          </a:xfrm>
+          <a:prstGeom prst="rect">
+            <a:avLst/>
+          </a:prstGeom>
+          <a:noFill/>
+        </p:spPr>
+        <p:txBody>
+          <a:bodyPr wrap="square" rtlCol="0">
+            <a:spAutoFit/>
+          </a:bodyPr>
+          <a:lstStyle/>
+          <a:p>
+            <a:pPr algn="ctr"/>
+            <a:r>
+              <a:rPr lang="de-DE" sz="3200" b="1" dirty="0" smtClean="0">
+                <a:solidFill>
+                  <a:srgbClr val="0070C0"/>
+                </a:solidFill>
+              </a:rPr>
+              <a:t>API</a:t>
+            </a:r>
+            <a:endParaRPr lang="de-DE" sz="3200" b="1" dirty="0">
+              <a:solidFill>
+                <a:srgbClr val="0070C0"/>
+              </a:solidFill>
+            </a:endParaRPr>
+          </a:p>
+        </p:txBody>
+      </p:sp>
+      <p:sp>
+        <p:nvSpPr>
+          <p:cNvPr id="10" name="Textfeld 9"/>
+          <p:cNvSpPr txBox="1"/>
+          <p:nvPr/>
+        </p:nvSpPr>
+        <p:spPr>
+          <a:xfrm>
+            <a:off x="334963" y="1171775"/>
+            <a:ext cx="2187002" cy="1569660"/>
+          </a:xfrm>
+          <a:prstGeom prst="rect">
+            <a:avLst/>
+          </a:prstGeom>
+          <a:noFill/>
+        </p:spPr>
+        <p:txBody>
+          <a:bodyPr wrap="square" rtlCol="0">
+            <a:spAutoFit/>
+          </a:bodyPr>
+          <a:lstStyle/>
+          <a:p>
+            <a:pPr marL="285750" indent="-285750">
+              <a:buFontTx/>
+              <a:buChar char="-"/>
+            </a:pPr>
+            <a:r>
+              <a:rPr lang="de-DE" sz="1600" dirty="0" smtClean="0"/>
+              <a:t>Stellt alle Methoden für den Request vom Sender an den Empfänger und den Transport der Daten zur Verfügung.</a:t>
+            </a:r>
+            <a:endParaRPr lang="de-DE" sz="1600" dirty="0"/>
+          </a:p>
+        </p:txBody>
+      </p:sp>
+      <p:sp>
+        <p:nvSpPr>
+          <p:cNvPr id="12" name="Rechteck 11"/>
+          <p:cNvSpPr/>
+          <p:nvPr/>
+        </p:nvSpPr>
+        <p:spPr>
+          <a:xfrm>
+            <a:off x="9692039" y="564314"/>
+            <a:ext cx="2167605" cy="2685299"/>
+          </a:xfrm>
+          <a:prstGeom prst="rect">
+            <a:avLst/>
+          </a:prstGeom>
+          <a:noFill/>
+          <a:ln w="25400">
+            <a:solidFill>
+              <a:srgbClr val="0070C0"/>
+            </a:solidFill>
+          </a:ln>
+        </p:spPr>
+        <p:style>
+          <a:lnRef idx="2">
+            <a:schemeClr val="accent1">
+              <a:shade val="50000"/>
+            </a:schemeClr>
+          </a:lnRef>
+          <a:fillRef idx="1">
+            <a:schemeClr val="accent1"/>
+          </a:fillRef>
+          <a:effectRef idx="0">
+            <a:schemeClr val="accent1"/>
+          </a:effectRef>
+          <a:fontRef idx="minor">
+            <a:schemeClr val="lt1"/>
+          </a:fontRef>
+        </p:style>
+        <p:txBody>
+          <a:bodyPr rtlCol="0" anchor="ctr"/>
+          <a:lstStyle/>
+          <a:p>
+            <a:pPr algn="ctr"/>
+            <a:endParaRPr lang="de-DE"/>
+          </a:p>
+        </p:txBody>
+      </p:sp>
+      <p:cxnSp>
+        <p:nvCxnSpPr>
+          <p:cNvPr id="13" name="Gerader Verbinder 12"/>
+          <p:cNvCxnSpPr/>
+          <p:nvPr/>
+        </p:nvCxnSpPr>
+        <p:spPr>
+          <a:xfrm>
+            <a:off x="9692039" y="1155283"/>
+            <a:ext cx="2167605" cy="0"/>
+          </a:xfrm>
+          <a:prstGeom prst="line">
+            <a:avLst/>
+          </a:prstGeom>
+          <a:ln w="25400">
+            <a:solidFill>
+              <a:srgbClr val="0070C0"/>
+            </a:solidFill>
+            <a:tailEnd type="none"/>
+          </a:ln>
+        </p:spPr>
+        <p:style>
+          <a:lnRef idx="1">
+            <a:schemeClr val="dk1"/>
+          </a:lnRef>
+          <a:fillRef idx="0">
+            <a:schemeClr val="dk1"/>
+          </a:fillRef>
+          <a:effectRef idx="0">
+            <a:schemeClr val="dk1"/>
+          </a:effectRef>
+          <a:fontRef idx="minor">
+            <a:schemeClr val="tx1"/>
+          </a:fontRef>
+        </p:style>
+      </p:cxnSp>
+      <p:sp>
+        <p:nvSpPr>
+          <p:cNvPr id="14" name="Textfeld 13"/>
+          <p:cNvSpPr txBox="1"/>
+          <p:nvPr/>
+        </p:nvSpPr>
+        <p:spPr>
+          <a:xfrm>
+            <a:off x="9692040" y="564314"/>
+            <a:ext cx="2167604" cy="584775"/>
+          </a:xfrm>
+          <a:prstGeom prst="rect">
+            <a:avLst/>
+          </a:prstGeom>
+          <a:noFill/>
+        </p:spPr>
+        <p:txBody>
+          <a:bodyPr wrap="square" rtlCol="0">
+            <a:spAutoFit/>
+          </a:bodyPr>
+          <a:lstStyle/>
+          <a:p>
+            <a:pPr algn="ctr"/>
+            <a:r>
+              <a:rPr lang="de-DE" sz="3200" b="1" dirty="0" smtClean="0">
+                <a:solidFill>
+                  <a:srgbClr val="0070C0"/>
+                </a:solidFill>
+              </a:rPr>
+              <a:t>Persistenz</a:t>
+            </a:r>
+            <a:endParaRPr lang="de-DE" sz="3200" b="1" dirty="0">
+              <a:solidFill>
+                <a:srgbClr val="0070C0"/>
+              </a:solidFill>
+            </a:endParaRPr>
+          </a:p>
+        </p:txBody>
+      </p:sp>
+      <p:sp>
+        <p:nvSpPr>
+          <p:cNvPr id="15" name="Textfeld 14"/>
+          <p:cNvSpPr txBox="1"/>
+          <p:nvPr/>
+        </p:nvSpPr>
+        <p:spPr>
+          <a:xfrm>
+            <a:off x="9682340" y="1171775"/>
+            <a:ext cx="2187002" cy="584775"/>
+          </a:xfrm>
+          <a:prstGeom prst="rect">
+            <a:avLst/>
+          </a:prstGeom>
+          <a:noFill/>
+        </p:spPr>
+        <p:txBody>
+          <a:bodyPr wrap="square" rtlCol="0">
+            <a:spAutoFit/>
+          </a:bodyPr>
+          <a:lstStyle/>
+          <a:p>
+            <a:pPr marL="285750" indent="-285750">
+              <a:buFontTx/>
+              <a:buChar char="-"/>
+            </a:pPr>
+            <a:r>
+              <a:rPr lang="de-DE" sz="1600" dirty="0" smtClean="0"/>
+              <a:t>Verwaltet </a:t>
+            </a:r>
+            <a:r>
+              <a:rPr lang="de-DE" sz="1600" dirty="0" smtClean="0"/>
+              <a:t>den Speicher</a:t>
+            </a:r>
+            <a:endParaRPr lang="de-DE" sz="1600" dirty="0"/>
+          </a:p>
+        </p:txBody>
+      </p:sp>
+      <p:sp>
+        <p:nvSpPr>
+          <p:cNvPr id="17" name="Rechteck 16"/>
+          <p:cNvSpPr/>
+          <p:nvPr/>
+        </p:nvSpPr>
+        <p:spPr>
+          <a:xfrm>
+            <a:off x="4646797" y="564314"/>
+            <a:ext cx="2167605" cy="2669564"/>
+          </a:xfrm>
+          <a:prstGeom prst="rect">
+            <a:avLst/>
+          </a:prstGeom>
+          <a:noFill/>
+          <a:ln w="25400">
+            <a:solidFill>
+              <a:srgbClr val="0070C0"/>
+            </a:solidFill>
+          </a:ln>
+        </p:spPr>
+        <p:style>
+          <a:lnRef idx="2">
+            <a:schemeClr val="accent1">
+              <a:shade val="50000"/>
+            </a:schemeClr>
+          </a:lnRef>
+          <a:fillRef idx="1">
+            <a:schemeClr val="accent1"/>
+          </a:fillRef>
+          <a:effectRef idx="0">
+            <a:schemeClr val="accent1"/>
+          </a:effectRef>
+          <a:fontRef idx="minor">
+            <a:schemeClr val="lt1"/>
+          </a:fontRef>
+        </p:style>
+        <p:txBody>
+          <a:bodyPr rtlCol="0" anchor="ctr"/>
+          <a:lstStyle/>
+          <a:p>
+            <a:pPr algn="ctr"/>
+            <a:endParaRPr lang="de-DE"/>
+          </a:p>
+        </p:txBody>
+      </p:sp>
+      <p:cxnSp>
+        <p:nvCxnSpPr>
+          <p:cNvPr id="18" name="Gerader Verbinder 17"/>
+          <p:cNvCxnSpPr/>
+          <p:nvPr/>
+        </p:nvCxnSpPr>
+        <p:spPr>
+          <a:xfrm>
+            <a:off x="4646797" y="1155283"/>
+            <a:ext cx="2167605" cy="0"/>
+          </a:xfrm>
+          <a:prstGeom prst="line">
+            <a:avLst/>
+          </a:prstGeom>
+          <a:ln w="25400">
+            <a:solidFill>
+              <a:srgbClr val="0070C0"/>
+            </a:solidFill>
+            <a:tailEnd type="none"/>
+          </a:ln>
+        </p:spPr>
+        <p:style>
+          <a:lnRef idx="1">
+            <a:schemeClr val="dk1"/>
+          </a:lnRef>
+          <a:fillRef idx="0">
+            <a:schemeClr val="dk1"/>
+          </a:fillRef>
+          <a:effectRef idx="0">
+            <a:schemeClr val="dk1"/>
+          </a:effectRef>
+          <a:fontRef idx="minor">
+            <a:schemeClr val="tx1"/>
+          </a:fontRef>
+        </p:style>
+      </p:cxnSp>
+      <p:sp>
+        <p:nvSpPr>
+          <p:cNvPr id="19" name="Textfeld 18"/>
+          <p:cNvSpPr txBox="1"/>
+          <p:nvPr/>
+        </p:nvSpPr>
+        <p:spPr>
+          <a:xfrm>
+            <a:off x="4637098" y="564314"/>
+            <a:ext cx="2187002" cy="523220"/>
+          </a:xfrm>
+          <a:prstGeom prst="rect">
+            <a:avLst/>
+          </a:prstGeom>
+          <a:noFill/>
+        </p:spPr>
+        <p:txBody>
+          <a:bodyPr wrap="square" rtlCol="0">
+            <a:spAutoFit/>
+          </a:bodyPr>
+          <a:lstStyle/>
+          <a:p>
+            <a:pPr algn="ctr"/>
+            <a:r>
+              <a:rPr lang="de-DE" sz="2800" b="1" dirty="0" smtClean="0">
+                <a:solidFill>
+                  <a:srgbClr val="0070C0"/>
+                </a:solidFill>
+              </a:rPr>
+              <a:t>Service-Logik</a:t>
+            </a:r>
+            <a:endParaRPr lang="de-DE" sz="2800" b="1" dirty="0">
+              <a:solidFill>
+                <a:srgbClr val="0070C0"/>
+              </a:solidFill>
+            </a:endParaRPr>
+          </a:p>
+        </p:txBody>
+      </p:sp>
+      <p:sp>
+        <p:nvSpPr>
+          <p:cNvPr id="20" name="Textfeld 19"/>
+          <p:cNvSpPr txBox="1"/>
+          <p:nvPr/>
+        </p:nvSpPr>
+        <p:spPr>
+          <a:xfrm>
+            <a:off x="4637098" y="1171775"/>
+            <a:ext cx="2187002" cy="2062103"/>
+          </a:xfrm>
+          <a:prstGeom prst="rect">
+            <a:avLst/>
+          </a:prstGeom>
+          <a:noFill/>
+        </p:spPr>
+        <p:txBody>
+          <a:bodyPr wrap="square" rtlCol="0">
+            <a:spAutoFit/>
+          </a:bodyPr>
+          <a:lstStyle/>
+          <a:p>
+            <a:pPr marL="285750" indent="-285750">
+              <a:buFontTx/>
+              <a:buChar char="-"/>
+            </a:pPr>
+            <a:r>
+              <a:rPr lang="de-DE" sz="1600" dirty="0" smtClean="0"/>
+              <a:t>Ist das „Gehirn“ zwischen Request-Sender und Persistenz</a:t>
+            </a:r>
+          </a:p>
+          <a:p>
+            <a:pPr marL="285750" indent="-285750">
+              <a:buFontTx/>
+              <a:buChar char="-"/>
+            </a:pPr>
+            <a:r>
+              <a:rPr lang="de-DE" sz="1600" dirty="0" smtClean="0"/>
+              <a:t>Steuert die Umsetzung der </a:t>
+            </a:r>
+            <a:r>
+              <a:rPr lang="de-DE" sz="1600" dirty="0" err="1" smtClean="0"/>
+              <a:t>Requests</a:t>
+            </a:r>
+            <a:r>
+              <a:rPr lang="de-DE" sz="1600" dirty="0" smtClean="0"/>
+              <a:t> in der Persistenz.</a:t>
+            </a:r>
+            <a:endParaRPr lang="de-DE" sz="1600" dirty="0"/>
+          </a:p>
+        </p:txBody>
+      </p:sp>
+      <p:pic>
+        <p:nvPicPr>
+          <p:cNvPr id="23" name="Grafik 22"/>
+          <p:cNvPicPr>
+            <a:picLocks noChangeAspect="1"/>
+          </p:cNvPicPr>
+          <p:nvPr/>
+        </p:nvPicPr>
+        <p:blipFill>
+          <a:blip r:embed="rId2" cstate="print">
+            <a:extLst>
+              <a:ext uri="{28A0092B-C50C-407E-A947-70E740481C1C}">
+                <a14:useLocalDpi xmlns:a14="http://schemas.microsoft.com/office/drawing/2010/main" val="0"/>
+              </a:ext>
+            </a:extLst>
+          </a:blip>
+          <a:stretch>
+            <a:fillRect/>
+          </a:stretch>
+        </p:blipFill>
+        <p:spPr>
+          <a:xfrm>
+            <a:off x="344662" y="3451133"/>
+            <a:ext cx="996206" cy="996206"/>
+          </a:xfrm>
+          <a:prstGeom prst="rect">
+            <a:avLst/>
+          </a:prstGeom>
+        </p:spPr>
+      </p:pic>
+      <p:pic>
+        <p:nvPicPr>
+          <p:cNvPr id="24" name="Grafik 23"/>
+          <p:cNvPicPr>
+            <a:picLocks noChangeAspect="1"/>
+          </p:cNvPicPr>
+          <p:nvPr/>
+        </p:nvPicPr>
+        <p:blipFill>
+          <a:blip r:embed="rId3" cstate="print">
+            <a:extLst>
+              <a:ext uri="{28A0092B-C50C-407E-A947-70E740481C1C}">
+                <a14:useLocalDpi xmlns:a14="http://schemas.microsoft.com/office/drawing/2010/main" val="0"/>
+              </a:ext>
+            </a:extLst>
+          </a:blip>
+          <a:stretch>
+            <a:fillRect/>
+          </a:stretch>
+        </p:blipFill>
+        <p:spPr>
+          <a:xfrm>
+            <a:off x="9692039" y="3446788"/>
+            <a:ext cx="996206" cy="996206"/>
+          </a:xfrm>
+          <a:prstGeom prst="rect">
+            <a:avLst/>
+          </a:prstGeom>
+        </p:spPr>
+      </p:pic>
+      <p:sp>
+        <p:nvSpPr>
+          <p:cNvPr id="25" name="Textfeld 24"/>
+          <p:cNvSpPr txBox="1"/>
+          <p:nvPr/>
+        </p:nvSpPr>
+        <p:spPr>
+          <a:xfrm>
+            <a:off x="1230329" y="3446788"/>
+            <a:ext cx="1291636" cy="584775"/>
+          </a:xfrm>
+          <a:prstGeom prst="rect">
+            <a:avLst/>
+          </a:prstGeom>
+          <a:noFill/>
+        </p:spPr>
+        <p:txBody>
+          <a:bodyPr wrap="none" rtlCol="0">
+            <a:spAutoFit/>
+          </a:bodyPr>
+          <a:lstStyle/>
+          <a:p>
+            <a:r>
+              <a:rPr lang="de-DE" sz="1600" dirty="0" smtClean="0"/>
+              <a:t>Dateiformat: </a:t>
+            </a:r>
+          </a:p>
+          <a:p>
+            <a:r>
+              <a:rPr lang="de-DE" sz="1600" dirty="0" err="1" smtClean="0"/>
+              <a:t>Dictionary</a:t>
+            </a:r>
+            <a:endParaRPr lang="de-DE" sz="1600" dirty="0"/>
+          </a:p>
+        </p:txBody>
+      </p:sp>
+      <p:sp>
+        <p:nvSpPr>
+          <p:cNvPr id="26" name="Textfeld 25"/>
+          <p:cNvSpPr txBox="1"/>
+          <p:nvPr/>
+        </p:nvSpPr>
+        <p:spPr>
+          <a:xfrm>
+            <a:off x="10577706" y="3446788"/>
+            <a:ext cx="1291636" cy="584775"/>
+          </a:xfrm>
+          <a:prstGeom prst="rect">
+            <a:avLst/>
+          </a:prstGeom>
+          <a:noFill/>
+        </p:spPr>
+        <p:txBody>
+          <a:bodyPr wrap="none" rtlCol="0">
+            <a:spAutoFit/>
+          </a:bodyPr>
+          <a:lstStyle/>
+          <a:p>
+            <a:r>
+              <a:rPr lang="de-DE" sz="1600" dirty="0" smtClean="0"/>
+              <a:t>Dateiformat: </a:t>
+            </a:r>
+          </a:p>
+          <a:p>
+            <a:r>
+              <a:rPr lang="de-DE" sz="1600" dirty="0" smtClean="0"/>
+              <a:t>Tabelle</a:t>
+            </a:r>
+            <a:endParaRPr lang="de-DE" sz="1600" dirty="0"/>
+          </a:p>
+        </p:txBody>
+      </p:sp>
+      <p:sp>
+        <p:nvSpPr>
+          <p:cNvPr id="27" name="Textfeld 26"/>
+          <p:cNvSpPr txBox="1"/>
+          <p:nvPr/>
+        </p:nvSpPr>
+        <p:spPr>
+          <a:xfrm>
+            <a:off x="5522766" y="3446787"/>
+            <a:ext cx="1291636" cy="1077218"/>
+          </a:xfrm>
+          <a:prstGeom prst="rect">
+            <a:avLst/>
+          </a:prstGeom>
+          <a:noFill/>
+        </p:spPr>
+        <p:txBody>
+          <a:bodyPr wrap="square" rtlCol="0">
+            <a:spAutoFit/>
+          </a:bodyPr>
+          <a:lstStyle/>
+          <a:p>
+            <a:r>
+              <a:rPr lang="de-DE" sz="1600" dirty="0" smtClean="0"/>
+              <a:t>Dateiformat: </a:t>
+            </a:r>
+          </a:p>
+          <a:p>
+            <a:r>
+              <a:rPr lang="de-DE" sz="1600" dirty="0" smtClean="0"/>
+              <a:t>flexibel, abhängig von Einsatz</a:t>
+            </a:r>
+            <a:endParaRPr lang="de-DE" sz="1600" dirty="0"/>
+          </a:p>
+        </p:txBody>
+      </p:sp>
+    </p:spTree>
+    <p:extLst>
+      <p:ext uri="{BB962C8B-B14F-4D97-AF65-F5344CB8AC3E}">
+        <p14:creationId xmlns:p14="http://schemas.microsoft.com/office/powerpoint/2010/main" val="2540958666"/>
+      </p:ext>
+    </p:extLst>
+  </p:cSld>
+  <p:clrMapOvr>
+    <a:masterClrMapping/>
+  </p:clrMapOvr>
+</p:sld>
+</file>
+
 <file path=ppt/theme/theme1.xml><?xml version="1.0" encoding="utf-8"?>
 <a:theme xmlns:a="http://schemas.openxmlformats.org/drawingml/2006/main" name="Office Theme">
   <a:themeElements>

--- a/Dokumentation/Grafiken Unternehmensfähigkeiten.pptx
+++ b/Dokumentation/Grafiken Unternehmensfähigkeiten.pptx
@@ -12,6 +12,7 @@
     <p:sldId id="260" r:id="rId6"/>
     <p:sldId id="261" r:id="rId7"/>
     <p:sldId id="262" r:id="rId8"/>
+    <p:sldId id="263" r:id="rId9"/>
   </p:sldIdLst>
   <p:sldSz cx="12192000" cy="6858000"/>
   <p:notesSz cx="6797675" cy="9928225"/>
@@ -300,7 +301,7 @@
           <a:p>
             <a:fld id="{D67E706E-9FFF-4B25-B31B-E494BA33FABA}" type="datetimeFigureOut">
               <a:rPr lang="de-DE" smtClean="0"/>
-              <a:t>29.01.2021</a:t>
+              <a:t>07.03.2021</a:t>
             </a:fld>
             <a:endParaRPr lang="de-DE"/>
           </a:p>
@@ -470,7 +471,7 @@
           <a:p>
             <a:fld id="{D67E706E-9FFF-4B25-B31B-E494BA33FABA}" type="datetimeFigureOut">
               <a:rPr lang="de-DE" smtClean="0"/>
-              <a:t>29.01.2021</a:t>
+              <a:t>07.03.2021</a:t>
             </a:fld>
             <a:endParaRPr lang="de-DE"/>
           </a:p>
@@ -650,7 +651,7 @@
           <a:p>
             <a:fld id="{D67E706E-9FFF-4B25-B31B-E494BA33FABA}" type="datetimeFigureOut">
               <a:rPr lang="de-DE" smtClean="0"/>
-              <a:t>29.01.2021</a:t>
+              <a:t>07.03.2021</a:t>
             </a:fld>
             <a:endParaRPr lang="de-DE"/>
           </a:p>
@@ -820,7 +821,7 @@
           <a:p>
             <a:fld id="{D67E706E-9FFF-4B25-B31B-E494BA33FABA}" type="datetimeFigureOut">
               <a:rPr lang="de-DE" smtClean="0"/>
-              <a:t>29.01.2021</a:t>
+              <a:t>07.03.2021</a:t>
             </a:fld>
             <a:endParaRPr lang="de-DE"/>
           </a:p>
@@ -1066,7 +1067,7 @@
           <a:p>
             <a:fld id="{D67E706E-9FFF-4B25-B31B-E494BA33FABA}" type="datetimeFigureOut">
               <a:rPr lang="de-DE" smtClean="0"/>
-              <a:t>29.01.2021</a:t>
+              <a:t>07.03.2021</a:t>
             </a:fld>
             <a:endParaRPr lang="de-DE"/>
           </a:p>
@@ -1298,7 +1299,7 @@
           <a:p>
             <a:fld id="{D67E706E-9FFF-4B25-B31B-E494BA33FABA}" type="datetimeFigureOut">
               <a:rPr lang="de-DE" smtClean="0"/>
-              <a:t>29.01.2021</a:t>
+              <a:t>07.03.2021</a:t>
             </a:fld>
             <a:endParaRPr lang="de-DE"/>
           </a:p>
@@ -1665,7 +1666,7 @@
           <a:p>
             <a:fld id="{D67E706E-9FFF-4B25-B31B-E494BA33FABA}" type="datetimeFigureOut">
               <a:rPr lang="de-DE" smtClean="0"/>
-              <a:t>29.01.2021</a:t>
+              <a:t>07.03.2021</a:t>
             </a:fld>
             <a:endParaRPr lang="de-DE"/>
           </a:p>
@@ -1783,7 +1784,7 @@
           <a:p>
             <a:fld id="{D67E706E-9FFF-4B25-B31B-E494BA33FABA}" type="datetimeFigureOut">
               <a:rPr lang="de-DE" smtClean="0"/>
-              <a:t>29.01.2021</a:t>
+              <a:t>07.03.2021</a:t>
             </a:fld>
             <a:endParaRPr lang="de-DE"/>
           </a:p>
@@ -1878,7 +1879,7 @@
           <a:p>
             <a:fld id="{D67E706E-9FFF-4B25-B31B-E494BA33FABA}" type="datetimeFigureOut">
               <a:rPr lang="de-DE" smtClean="0"/>
-              <a:t>29.01.2021</a:t>
+              <a:t>07.03.2021</a:t>
             </a:fld>
             <a:endParaRPr lang="de-DE"/>
           </a:p>
@@ -2155,7 +2156,7 @@
           <a:p>
             <a:fld id="{D67E706E-9FFF-4B25-B31B-E494BA33FABA}" type="datetimeFigureOut">
               <a:rPr lang="de-DE" smtClean="0"/>
-              <a:t>29.01.2021</a:t>
+              <a:t>07.03.2021</a:t>
             </a:fld>
             <a:endParaRPr lang="de-DE"/>
           </a:p>
@@ -2408,7 +2409,7 @@
           <a:p>
             <a:fld id="{D67E706E-9FFF-4B25-B31B-E494BA33FABA}" type="datetimeFigureOut">
               <a:rPr lang="de-DE" smtClean="0"/>
-              <a:t>29.01.2021</a:t>
+              <a:t>07.03.2021</a:t>
             </a:fld>
             <a:endParaRPr lang="de-DE"/>
           </a:p>
@@ -2621,7 +2622,7 @@
           <a:p>
             <a:fld id="{D67E706E-9FFF-4B25-B31B-E494BA33FABA}" type="datetimeFigureOut">
               <a:rPr lang="de-DE" smtClean="0"/>
-              <a:t>29.01.2021</a:t>
+              <a:t>07.03.2021</a:t>
             </a:fld>
             <a:endParaRPr lang="de-DE"/>
           </a:p>
@@ -13972,11 +13973,7 @@
             </a:pPr>
             <a:r>
               <a:rPr lang="de-DE" sz="1600" dirty="0" smtClean="0"/>
-              <a:t>Verwaltet </a:t>
-            </a:r>
-            <a:r>
-              <a:rPr lang="de-DE" sz="1600" dirty="0" smtClean="0"/>
-              <a:t>den Speicher</a:t>
+              <a:t>Verwaltet den Speicher</a:t>
             </a:r>
             <a:endParaRPr lang="de-DE" sz="1600" dirty="0"/>
           </a:p>
@@ -14327,6 +14324,706 @@
     <p:extLst>
       <p:ext uri="{BB962C8B-B14F-4D97-AF65-F5344CB8AC3E}">
         <p14:creationId xmlns:p14="http://schemas.microsoft.com/office/powerpoint/2010/main" val="2540958666"/>
+      </p:ext>
+    </p:extLst>
+  </p:cSld>
+  <p:clrMapOvr>
+    <a:masterClrMapping/>
+  </p:clrMapOvr>
+</p:sld>
+</file>
+
+<file path=ppt/slides/slide8.xml><?xml version="1.0" encoding="utf-8"?>
+<p:sld xmlns:a="http://schemas.openxmlformats.org/drawingml/2006/main" xmlns:r="http://schemas.openxmlformats.org/officeDocument/2006/relationships" xmlns:p="http://schemas.openxmlformats.org/presentationml/2006/main">
+  <p:cSld>
+    <p:spTree>
+      <p:nvGrpSpPr>
+        <p:cNvPr id="1" name=""/>
+        <p:cNvGrpSpPr/>
+        <p:nvPr/>
+      </p:nvGrpSpPr>
+      <p:grpSpPr>
+        <a:xfrm>
+          <a:off x="0" y="0"/>
+          <a:ext cx="0" cy="0"/>
+          <a:chOff x="0" y="0"/>
+          <a:chExt cx="0" cy="0"/>
+        </a:xfrm>
+      </p:grpSpPr>
+      <p:grpSp>
+        <p:nvGrpSpPr>
+          <p:cNvPr id="2" name="Gruppieren 1"/>
+          <p:cNvGrpSpPr/>
+          <p:nvPr/>
+        </p:nvGrpSpPr>
+        <p:grpSpPr>
+          <a:xfrm>
+            <a:off x="334963" y="1196975"/>
+            <a:ext cx="2167605" cy="2157663"/>
+            <a:chOff x="334962" y="569494"/>
+            <a:chExt cx="2167605" cy="2157663"/>
+          </a:xfrm>
+        </p:grpSpPr>
+        <p:sp>
+          <p:nvSpPr>
+            <p:cNvPr id="3" name="Rechteck 2"/>
+            <p:cNvSpPr/>
+            <p:nvPr/>
+          </p:nvSpPr>
+          <p:spPr>
+            <a:xfrm>
+              <a:off x="334962" y="569494"/>
+              <a:ext cx="2167605" cy="2157663"/>
+            </a:xfrm>
+            <a:prstGeom prst="rect">
+              <a:avLst/>
+            </a:prstGeom>
+            <a:noFill/>
+            <a:ln w="25400">
+              <a:solidFill>
+                <a:schemeClr val="tx1"/>
+              </a:solidFill>
+            </a:ln>
+          </p:spPr>
+          <p:style>
+            <a:lnRef idx="2">
+              <a:schemeClr val="accent1">
+                <a:shade val="50000"/>
+              </a:schemeClr>
+            </a:lnRef>
+            <a:fillRef idx="1">
+              <a:schemeClr val="accent1"/>
+            </a:fillRef>
+            <a:effectRef idx="0">
+              <a:schemeClr val="accent1"/>
+            </a:effectRef>
+            <a:fontRef idx="minor">
+              <a:schemeClr val="lt1"/>
+            </a:fontRef>
+          </p:style>
+          <p:txBody>
+            <a:bodyPr rtlCol="0" anchor="ctr"/>
+            <a:lstStyle/>
+            <a:p>
+              <a:pPr algn="ctr"/>
+              <a:endParaRPr lang="de-DE"/>
+            </a:p>
+          </p:txBody>
+        </p:sp>
+        <p:cxnSp>
+          <p:nvCxnSpPr>
+            <p:cNvPr id="4" name="Gerader Verbinder 3"/>
+            <p:cNvCxnSpPr/>
+            <p:nvPr/>
+          </p:nvCxnSpPr>
+          <p:spPr>
+            <a:xfrm>
+              <a:off x="334962" y="1160463"/>
+              <a:ext cx="2167605" cy="0"/>
+            </a:xfrm>
+            <a:prstGeom prst="line">
+              <a:avLst/>
+            </a:prstGeom>
+            <a:ln w="25400">
+              <a:tailEnd type="none"/>
+            </a:ln>
+          </p:spPr>
+          <p:style>
+            <a:lnRef idx="1">
+              <a:schemeClr val="dk1"/>
+            </a:lnRef>
+            <a:fillRef idx="0">
+              <a:schemeClr val="dk1"/>
+            </a:fillRef>
+            <a:effectRef idx="0">
+              <a:schemeClr val="dk1"/>
+            </a:effectRef>
+            <a:fontRef idx="minor">
+              <a:schemeClr val="tx1"/>
+            </a:fontRef>
+          </p:style>
+        </p:cxnSp>
+      </p:grpSp>
+      <p:grpSp>
+        <p:nvGrpSpPr>
+          <p:cNvPr id="5" name="Gruppieren 4"/>
+          <p:cNvGrpSpPr/>
+          <p:nvPr/>
+        </p:nvGrpSpPr>
+        <p:grpSpPr>
+          <a:xfrm>
+            <a:off x="9692357" y="1196975"/>
+            <a:ext cx="2167605" cy="2157663"/>
+            <a:chOff x="334962" y="569494"/>
+            <a:chExt cx="2167605" cy="2157663"/>
+          </a:xfrm>
+        </p:grpSpPr>
+        <p:sp>
+          <p:nvSpPr>
+            <p:cNvPr id="6" name="Rechteck 5"/>
+            <p:cNvSpPr/>
+            <p:nvPr/>
+          </p:nvSpPr>
+          <p:spPr>
+            <a:xfrm>
+              <a:off x="334962" y="569494"/>
+              <a:ext cx="2167605" cy="2157663"/>
+            </a:xfrm>
+            <a:prstGeom prst="rect">
+              <a:avLst/>
+            </a:prstGeom>
+            <a:noFill/>
+            <a:ln w="25400">
+              <a:solidFill>
+                <a:srgbClr val="0070C0"/>
+              </a:solidFill>
+            </a:ln>
+          </p:spPr>
+          <p:style>
+            <a:lnRef idx="2">
+              <a:schemeClr val="accent1">
+                <a:shade val="50000"/>
+              </a:schemeClr>
+            </a:lnRef>
+            <a:fillRef idx="1">
+              <a:schemeClr val="accent1"/>
+            </a:fillRef>
+            <a:effectRef idx="0">
+              <a:schemeClr val="accent1"/>
+            </a:effectRef>
+            <a:fontRef idx="minor">
+              <a:schemeClr val="lt1"/>
+            </a:fontRef>
+          </p:style>
+          <p:txBody>
+            <a:bodyPr rtlCol="0" anchor="ctr"/>
+            <a:lstStyle/>
+            <a:p>
+              <a:pPr algn="ctr"/>
+              <a:endParaRPr lang="de-DE"/>
+            </a:p>
+          </p:txBody>
+        </p:sp>
+        <p:cxnSp>
+          <p:nvCxnSpPr>
+            <p:cNvPr id="7" name="Gerader Verbinder 6"/>
+            <p:cNvCxnSpPr/>
+            <p:nvPr/>
+          </p:nvCxnSpPr>
+          <p:spPr>
+            <a:xfrm>
+              <a:off x="334962" y="1160463"/>
+              <a:ext cx="2167605" cy="0"/>
+            </a:xfrm>
+            <a:prstGeom prst="line">
+              <a:avLst/>
+            </a:prstGeom>
+            <a:ln w="25400">
+              <a:solidFill>
+                <a:srgbClr val="0070C0"/>
+              </a:solidFill>
+              <a:tailEnd type="none"/>
+            </a:ln>
+          </p:spPr>
+          <p:style>
+            <a:lnRef idx="1">
+              <a:schemeClr val="dk1"/>
+            </a:lnRef>
+            <a:fillRef idx="0">
+              <a:schemeClr val="dk1"/>
+            </a:fillRef>
+            <a:effectRef idx="0">
+              <a:schemeClr val="dk1"/>
+            </a:effectRef>
+            <a:fontRef idx="minor">
+              <a:schemeClr val="tx1"/>
+            </a:fontRef>
+          </p:style>
+        </p:cxnSp>
+      </p:grpSp>
+      <p:sp>
+        <p:nvSpPr>
+          <p:cNvPr id="8" name="Textfeld 7"/>
+          <p:cNvSpPr txBox="1"/>
+          <p:nvPr/>
+        </p:nvSpPr>
+        <p:spPr>
+          <a:xfrm>
+            <a:off x="9692357" y="1196975"/>
+            <a:ext cx="2167604" cy="584775"/>
+          </a:xfrm>
+          <a:prstGeom prst="rect">
+            <a:avLst/>
+          </a:prstGeom>
+          <a:noFill/>
+        </p:spPr>
+        <p:txBody>
+          <a:bodyPr wrap="square" rtlCol="0">
+            <a:spAutoFit/>
+          </a:bodyPr>
+          <a:lstStyle/>
+          <a:p>
+            <a:pPr algn="ctr"/>
+            <a:r>
+              <a:rPr lang="de-DE" sz="3200" b="1" dirty="0" smtClean="0">
+                <a:solidFill>
+                  <a:srgbClr val="0070C0"/>
+                </a:solidFill>
+              </a:rPr>
+              <a:t>Empfänger</a:t>
+            </a:r>
+            <a:endParaRPr lang="de-DE" sz="3200" b="1" dirty="0">
+              <a:solidFill>
+                <a:srgbClr val="0070C0"/>
+              </a:solidFill>
+            </a:endParaRPr>
+          </a:p>
+        </p:txBody>
+      </p:sp>
+      <p:sp>
+        <p:nvSpPr>
+          <p:cNvPr id="9" name="Textfeld 8"/>
+          <p:cNvSpPr txBox="1"/>
+          <p:nvPr/>
+        </p:nvSpPr>
+        <p:spPr>
+          <a:xfrm>
+            <a:off x="334962" y="1196974"/>
+            <a:ext cx="2167604" cy="584775"/>
+          </a:xfrm>
+          <a:prstGeom prst="rect">
+            <a:avLst/>
+          </a:prstGeom>
+          <a:noFill/>
+        </p:spPr>
+        <p:txBody>
+          <a:bodyPr wrap="square" rtlCol="0">
+            <a:spAutoFit/>
+          </a:bodyPr>
+          <a:lstStyle/>
+          <a:p>
+            <a:pPr algn="ctr"/>
+            <a:r>
+              <a:rPr lang="de-DE" sz="3200" b="1" dirty="0" smtClean="0"/>
+              <a:t>Sender</a:t>
+            </a:r>
+            <a:endParaRPr lang="de-DE" sz="3200" b="1" dirty="0"/>
+          </a:p>
+        </p:txBody>
+      </p:sp>
+      <p:cxnSp>
+        <p:nvCxnSpPr>
+          <p:cNvPr id="11" name="Gerade Verbindung mit Pfeil 10"/>
+          <p:cNvCxnSpPr/>
+          <p:nvPr/>
+        </p:nvCxnSpPr>
+        <p:spPr>
+          <a:xfrm>
+            <a:off x="2590800" y="1781749"/>
+            <a:ext cx="6986337" cy="0"/>
+          </a:xfrm>
+          <a:prstGeom prst="straightConnector1">
+            <a:avLst/>
+          </a:prstGeom>
+          <a:ln w="38100">
+            <a:tailEnd type="triangle"/>
+          </a:ln>
+        </p:spPr>
+        <p:style>
+          <a:lnRef idx="1">
+            <a:schemeClr val="dk1"/>
+          </a:lnRef>
+          <a:fillRef idx="0">
+            <a:schemeClr val="dk1"/>
+          </a:fillRef>
+          <a:effectRef idx="0">
+            <a:schemeClr val="dk1"/>
+          </a:effectRef>
+          <a:fontRef idx="minor">
+            <a:schemeClr val="tx1"/>
+          </a:fontRef>
+        </p:style>
+      </p:cxnSp>
+      <p:cxnSp>
+        <p:nvCxnSpPr>
+          <p:cNvPr id="12" name="Gerade Verbindung mit Pfeil 11"/>
+          <p:cNvCxnSpPr/>
+          <p:nvPr/>
+        </p:nvCxnSpPr>
+        <p:spPr>
+          <a:xfrm>
+            <a:off x="2590800" y="2445427"/>
+            <a:ext cx="6986337" cy="0"/>
+          </a:xfrm>
+          <a:prstGeom prst="straightConnector1">
+            <a:avLst/>
+          </a:prstGeom>
+          <a:ln w="38100">
+            <a:tailEnd type="triangle"/>
+          </a:ln>
+        </p:spPr>
+        <p:style>
+          <a:lnRef idx="1">
+            <a:schemeClr val="dk1"/>
+          </a:lnRef>
+          <a:fillRef idx="0">
+            <a:schemeClr val="dk1"/>
+          </a:fillRef>
+          <a:effectRef idx="0">
+            <a:schemeClr val="dk1"/>
+          </a:effectRef>
+          <a:fontRef idx="minor">
+            <a:schemeClr val="tx1"/>
+          </a:fontRef>
+        </p:style>
+      </p:cxnSp>
+      <p:cxnSp>
+        <p:nvCxnSpPr>
+          <p:cNvPr id="14" name="Gerade Verbindung mit Pfeil 13"/>
+          <p:cNvCxnSpPr/>
+          <p:nvPr/>
+        </p:nvCxnSpPr>
+        <p:spPr>
+          <a:xfrm flipH="1">
+            <a:off x="2664542" y="2960688"/>
+            <a:ext cx="6912595" cy="0"/>
+          </a:xfrm>
+          <a:prstGeom prst="straightConnector1">
+            <a:avLst/>
+          </a:prstGeom>
+          <a:ln w="38100">
+            <a:solidFill>
+              <a:srgbClr val="0070C0"/>
+            </a:solidFill>
+            <a:tailEnd type="triangle"/>
+          </a:ln>
+        </p:spPr>
+        <p:style>
+          <a:lnRef idx="1">
+            <a:schemeClr val="dk1"/>
+          </a:lnRef>
+          <a:fillRef idx="0">
+            <a:schemeClr val="dk1"/>
+          </a:fillRef>
+          <a:effectRef idx="0">
+            <a:schemeClr val="dk1"/>
+          </a:effectRef>
+          <a:fontRef idx="minor">
+            <a:schemeClr val="tx1"/>
+          </a:fontRef>
+        </p:style>
+      </p:cxnSp>
+      <p:cxnSp>
+        <p:nvCxnSpPr>
+          <p:cNvPr id="15" name="Gerade Verbindung mit Pfeil 14"/>
+          <p:cNvCxnSpPr/>
+          <p:nvPr/>
+        </p:nvCxnSpPr>
+        <p:spPr>
+          <a:xfrm flipH="1">
+            <a:off x="2590800" y="1598921"/>
+            <a:ext cx="6912595" cy="0"/>
+          </a:xfrm>
+          <a:prstGeom prst="straightConnector1">
+            <a:avLst/>
+          </a:prstGeom>
+          <a:ln w="38100">
+            <a:solidFill>
+              <a:srgbClr val="0070C0"/>
+            </a:solidFill>
+            <a:prstDash val="dash"/>
+            <a:tailEnd type="triangle"/>
+          </a:ln>
+        </p:spPr>
+        <p:style>
+          <a:lnRef idx="1">
+            <a:schemeClr val="dk1"/>
+          </a:lnRef>
+          <a:fillRef idx="0">
+            <a:schemeClr val="dk1"/>
+          </a:fillRef>
+          <a:effectRef idx="0">
+            <a:schemeClr val="dk1"/>
+          </a:effectRef>
+          <a:fontRef idx="minor">
+            <a:schemeClr val="tx1"/>
+          </a:fontRef>
+        </p:style>
+      </p:cxnSp>
+      <p:sp>
+        <p:nvSpPr>
+          <p:cNvPr id="16" name="Textfeld 15"/>
+          <p:cNvSpPr txBox="1"/>
+          <p:nvPr/>
+        </p:nvSpPr>
+        <p:spPr>
+          <a:xfrm>
+            <a:off x="5513816" y="1196975"/>
+            <a:ext cx="1640962" cy="461665"/>
+          </a:xfrm>
+          <a:prstGeom prst="rect">
+            <a:avLst/>
+          </a:prstGeom>
+          <a:noFill/>
+        </p:spPr>
+        <p:txBody>
+          <a:bodyPr wrap="none" rtlCol="0">
+            <a:spAutoFit/>
+          </a:bodyPr>
+          <a:lstStyle/>
+          <a:p>
+            <a:r>
+              <a:rPr lang="de-DE" sz="2400" b="1" dirty="0" smtClean="0"/>
+              <a:t>Datenkanal</a:t>
+            </a:r>
+            <a:endParaRPr lang="de-DE" sz="2400" b="1" dirty="0"/>
+          </a:p>
+        </p:txBody>
+      </p:sp>
+      <p:sp>
+        <p:nvSpPr>
+          <p:cNvPr id="17" name="Textfeld 16"/>
+          <p:cNvSpPr txBox="1"/>
+          <p:nvPr/>
+        </p:nvSpPr>
+        <p:spPr>
+          <a:xfrm>
+            <a:off x="4176250" y="1993467"/>
+            <a:ext cx="4247317" cy="461665"/>
+          </a:xfrm>
+          <a:prstGeom prst="rect">
+            <a:avLst/>
+          </a:prstGeom>
+          <a:noFill/>
+        </p:spPr>
+        <p:txBody>
+          <a:bodyPr wrap="none" rtlCol="0">
+            <a:spAutoFit/>
+          </a:bodyPr>
+          <a:lstStyle/>
+          <a:p>
+            <a:r>
+              <a:rPr lang="de-DE" sz="2400" b="1" dirty="0" smtClean="0"/>
+              <a:t>Steuerungs-/Managementkanal</a:t>
+            </a:r>
+            <a:endParaRPr lang="de-DE" sz="2400" b="1" dirty="0"/>
+          </a:p>
+        </p:txBody>
+      </p:sp>
+      <p:sp>
+        <p:nvSpPr>
+          <p:cNvPr id="18" name="Textfeld 17"/>
+          <p:cNvSpPr txBox="1"/>
+          <p:nvPr/>
+        </p:nvSpPr>
+        <p:spPr>
+          <a:xfrm>
+            <a:off x="5272950" y="2960688"/>
+            <a:ext cx="2313069" cy="461665"/>
+          </a:xfrm>
+          <a:prstGeom prst="rect">
+            <a:avLst/>
+          </a:prstGeom>
+          <a:noFill/>
+        </p:spPr>
+        <p:txBody>
+          <a:bodyPr wrap="none" rtlCol="0">
+            <a:spAutoFit/>
+          </a:bodyPr>
+          <a:lstStyle/>
+          <a:p>
+            <a:r>
+              <a:rPr lang="de-DE" sz="2400" b="1" dirty="0" err="1" smtClean="0">
+                <a:solidFill>
+                  <a:srgbClr val="0070C0"/>
+                </a:solidFill>
+              </a:rPr>
+              <a:t>Monitoringkanal</a:t>
+            </a:r>
+            <a:endParaRPr lang="de-DE" sz="2400" b="1" dirty="0">
+              <a:solidFill>
+                <a:srgbClr val="0070C0"/>
+              </a:solidFill>
+            </a:endParaRPr>
+          </a:p>
+        </p:txBody>
+      </p:sp>
+      <p:sp>
+        <p:nvSpPr>
+          <p:cNvPr id="19" name="Textfeld 18"/>
+          <p:cNvSpPr txBox="1"/>
+          <p:nvPr/>
+        </p:nvSpPr>
+        <p:spPr>
+          <a:xfrm>
+            <a:off x="332762" y="4011910"/>
+            <a:ext cx="9483815" cy="400110"/>
+          </a:xfrm>
+          <a:prstGeom prst="rect">
+            <a:avLst/>
+          </a:prstGeom>
+          <a:noFill/>
+        </p:spPr>
+        <p:txBody>
+          <a:bodyPr wrap="none" rtlCol="0">
+            <a:spAutoFit/>
+          </a:bodyPr>
+          <a:lstStyle/>
+          <a:p>
+            <a:r>
+              <a:rPr lang="de-DE" sz="2000" b="1" dirty="0" smtClean="0"/>
+              <a:t>Datenkanal: </a:t>
+            </a:r>
+            <a:r>
+              <a:rPr lang="de-DE" sz="2000" dirty="0" smtClean="0"/>
+              <a:t>Über diesen Kanal wird die Payload versendet, also der Inhalt der Ressource.</a:t>
+            </a:r>
+            <a:endParaRPr lang="de-DE" sz="2000" b="1" dirty="0"/>
+          </a:p>
+        </p:txBody>
+      </p:sp>
+      <p:sp>
+        <p:nvSpPr>
+          <p:cNvPr id="20" name="Textfeld 19"/>
+          <p:cNvSpPr txBox="1"/>
+          <p:nvPr/>
+        </p:nvSpPr>
+        <p:spPr>
+          <a:xfrm>
+            <a:off x="351473" y="4875282"/>
+            <a:ext cx="2255489" cy="707886"/>
+          </a:xfrm>
+          <a:prstGeom prst="rect">
+            <a:avLst/>
+          </a:prstGeom>
+          <a:noFill/>
+        </p:spPr>
+        <p:txBody>
+          <a:bodyPr wrap="none" rtlCol="0">
+            <a:spAutoFit/>
+          </a:bodyPr>
+          <a:lstStyle/>
+          <a:p>
+            <a:r>
+              <a:rPr lang="de-DE" sz="2000" b="1" dirty="0" smtClean="0"/>
+              <a:t>Steuerungs-/</a:t>
+            </a:r>
+          </a:p>
+          <a:p>
+            <a:r>
+              <a:rPr lang="de-DE" sz="2000" b="1" dirty="0" smtClean="0"/>
+              <a:t>Managementkanal:</a:t>
+            </a:r>
+            <a:endParaRPr lang="de-DE" sz="2000" b="1" dirty="0"/>
+          </a:p>
+        </p:txBody>
+      </p:sp>
+      <p:sp>
+        <p:nvSpPr>
+          <p:cNvPr id="21" name="Textfeld 20"/>
+          <p:cNvSpPr txBox="1"/>
+          <p:nvPr/>
+        </p:nvSpPr>
+        <p:spPr>
+          <a:xfrm>
+            <a:off x="351473" y="5845911"/>
+            <a:ext cx="10025950" cy="400110"/>
+          </a:xfrm>
+          <a:prstGeom prst="rect">
+            <a:avLst/>
+          </a:prstGeom>
+          <a:noFill/>
+        </p:spPr>
+        <p:txBody>
+          <a:bodyPr wrap="none" rtlCol="0">
+            <a:spAutoFit/>
+          </a:bodyPr>
+          <a:lstStyle/>
+          <a:p>
+            <a:r>
+              <a:rPr lang="de-DE" sz="2000" b="1" dirty="0" err="1" smtClean="0">
+                <a:solidFill>
+                  <a:srgbClr val="0070C0"/>
+                </a:solidFill>
+              </a:rPr>
+              <a:t>Monitoringkanal</a:t>
+            </a:r>
+            <a:r>
+              <a:rPr lang="de-DE" sz="2000" b="1" dirty="0" smtClean="0">
+                <a:solidFill>
+                  <a:srgbClr val="0070C0"/>
+                </a:solidFill>
+              </a:rPr>
+              <a:t>: </a:t>
+            </a:r>
+            <a:r>
+              <a:rPr lang="de-DE" sz="2000" dirty="0" smtClean="0">
+                <a:solidFill>
+                  <a:srgbClr val="0070C0"/>
+                </a:solidFill>
+              </a:rPr>
+              <a:t>Über diesen Kanal teilt der Empfänger mit, wie er die Daten verarbeitet hat.</a:t>
+            </a:r>
+            <a:r>
+              <a:rPr lang="de-DE" sz="2000" b="1" dirty="0" smtClean="0">
+                <a:solidFill>
+                  <a:srgbClr val="0070C0"/>
+                </a:solidFill>
+              </a:rPr>
+              <a:t> </a:t>
+            </a:r>
+            <a:endParaRPr lang="de-DE" sz="2000" b="1" dirty="0">
+              <a:solidFill>
+                <a:srgbClr val="0070C0"/>
+              </a:solidFill>
+            </a:endParaRPr>
+          </a:p>
+        </p:txBody>
+      </p:sp>
+      <p:sp>
+        <p:nvSpPr>
+          <p:cNvPr id="22" name="Textfeld 21"/>
+          <p:cNvSpPr txBox="1"/>
+          <p:nvPr/>
+        </p:nvSpPr>
+        <p:spPr>
+          <a:xfrm>
+            <a:off x="2795296" y="4881702"/>
+            <a:ext cx="7021281" cy="707886"/>
+          </a:xfrm>
+          <a:prstGeom prst="rect">
+            <a:avLst/>
+          </a:prstGeom>
+          <a:noFill/>
+        </p:spPr>
+        <p:txBody>
+          <a:bodyPr wrap="none" rtlCol="0">
+            <a:spAutoFit/>
+          </a:bodyPr>
+          <a:lstStyle/>
+          <a:p>
+            <a:r>
+              <a:rPr lang="de-DE" sz="2000" dirty="0"/>
+              <a:t>Über diesen Kanal </a:t>
+            </a:r>
+            <a:r>
+              <a:rPr lang="de-DE" sz="2000" dirty="0" smtClean="0"/>
+              <a:t>teilt der Sender dem Empfänger mit, wie er die</a:t>
+            </a:r>
+          </a:p>
+          <a:p>
+            <a:r>
+              <a:rPr lang="de-DE" sz="2000" dirty="0" smtClean="0"/>
+              <a:t>Daten verarbeiten soll.</a:t>
+            </a:r>
+            <a:endParaRPr lang="de-DE" sz="2000" dirty="0"/>
+          </a:p>
+        </p:txBody>
+      </p:sp>
+    </p:spTree>
+    <p:extLst>
+      <p:ext uri="{BB962C8B-B14F-4D97-AF65-F5344CB8AC3E}">
+        <p14:creationId xmlns:p14="http://schemas.microsoft.com/office/powerpoint/2010/main" val="2814341401"/>
       </p:ext>
     </p:extLst>
   </p:cSld>

--- a/Dokumentation/Grafiken Unternehmensfähigkeiten.pptx
+++ b/Dokumentation/Grafiken Unternehmensfähigkeiten.pptx
@@ -13,6 +13,7 @@
     <p:sldId id="261" r:id="rId7"/>
     <p:sldId id="262" r:id="rId8"/>
     <p:sldId id="263" r:id="rId9"/>
+    <p:sldId id="264" r:id="rId10"/>
   </p:sldIdLst>
   <p:sldSz cx="12192000" cy="6858000"/>
   <p:notesSz cx="6797675" cy="9928225"/>
@@ -139,7 +140,7 @@
             <a:srgbClr val="A4A3A4"/>
           </p15:clr>
         </p15:guide>
-        <p15:guide id="6" orient="horz" pos="2047" userDrawn="1">
+        <p15:guide id="6" orient="horz" pos="1502" userDrawn="1">
           <p15:clr>
             <a:srgbClr val="A4A3A4"/>
           </p15:clr>
@@ -154,7 +155,7 @@
             <a:srgbClr val="A4A3A4"/>
           </p15:clr>
         </p15:guide>
-        <p15:guide id="9" pos="6335" userDrawn="1">
+        <p15:guide id="9" pos="6743" userDrawn="1">
           <p15:clr>
             <a:srgbClr val="A4A3A4"/>
           </p15:clr>
@@ -301,7 +302,7 @@
           <a:p>
             <a:fld id="{D67E706E-9FFF-4B25-B31B-E494BA33FABA}" type="datetimeFigureOut">
               <a:rPr lang="de-DE" smtClean="0"/>
-              <a:t>07.03.2021</a:t>
+              <a:t>14.03.2021</a:t>
             </a:fld>
             <a:endParaRPr lang="de-DE"/>
           </a:p>
@@ -471,7 +472,7 @@
           <a:p>
             <a:fld id="{D67E706E-9FFF-4B25-B31B-E494BA33FABA}" type="datetimeFigureOut">
               <a:rPr lang="de-DE" smtClean="0"/>
-              <a:t>07.03.2021</a:t>
+              <a:t>14.03.2021</a:t>
             </a:fld>
             <a:endParaRPr lang="de-DE"/>
           </a:p>
@@ -651,7 +652,7 @@
           <a:p>
             <a:fld id="{D67E706E-9FFF-4B25-B31B-E494BA33FABA}" type="datetimeFigureOut">
               <a:rPr lang="de-DE" smtClean="0"/>
-              <a:t>07.03.2021</a:t>
+              <a:t>14.03.2021</a:t>
             </a:fld>
             <a:endParaRPr lang="de-DE"/>
           </a:p>
@@ -821,7 +822,7 @@
           <a:p>
             <a:fld id="{D67E706E-9FFF-4B25-B31B-E494BA33FABA}" type="datetimeFigureOut">
               <a:rPr lang="de-DE" smtClean="0"/>
-              <a:t>07.03.2021</a:t>
+              <a:t>14.03.2021</a:t>
             </a:fld>
             <a:endParaRPr lang="de-DE"/>
           </a:p>
@@ -1067,7 +1068,7 @@
           <a:p>
             <a:fld id="{D67E706E-9FFF-4B25-B31B-E494BA33FABA}" type="datetimeFigureOut">
               <a:rPr lang="de-DE" smtClean="0"/>
-              <a:t>07.03.2021</a:t>
+              <a:t>14.03.2021</a:t>
             </a:fld>
             <a:endParaRPr lang="de-DE"/>
           </a:p>
@@ -1299,7 +1300,7 @@
           <a:p>
             <a:fld id="{D67E706E-9FFF-4B25-B31B-E494BA33FABA}" type="datetimeFigureOut">
               <a:rPr lang="de-DE" smtClean="0"/>
-              <a:t>07.03.2021</a:t>
+              <a:t>14.03.2021</a:t>
             </a:fld>
             <a:endParaRPr lang="de-DE"/>
           </a:p>
@@ -1666,7 +1667,7 @@
           <a:p>
             <a:fld id="{D67E706E-9FFF-4B25-B31B-E494BA33FABA}" type="datetimeFigureOut">
               <a:rPr lang="de-DE" smtClean="0"/>
-              <a:t>07.03.2021</a:t>
+              <a:t>14.03.2021</a:t>
             </a:fld>
             <a:endParaRPr lang="de-DE"/>
           </a:p>
@@ -1784,7 +1785,7 @@
           <a:p>
             <a:fld id="{D67E706E-9FFF-4B25-B31B-E494BA33FABA}" type="datetimeFigureOut">
               <a:rPr lang="de-DE" smtClean="0"/>
-              <a:t>07.03.2021</a:t>
+              <a:t>14.03.2021</a:t>
             </a:fld>
             <a:endParaRPr lang="de-DE"/>
           </a:p>
@@ -1879,7 +1880,7 @@
           <a:p>
             <a:fld id="{D67E706E-9FFF-4B25-B31B-E494BA33FABA}" type="datetimeFigureOut">
               <a:rPr lang="de-DE" smtClean="0"/>
-              <a:t>07.03.2021</a:t>
+              <a:t>14.03.2021</a:t>
             </a:fld>
             <a:endParaRPr lang="de-DE"/>
           </a:p>
@@ -2156,7 +2157,7 @@
           <a:p>
             <a:fld id="{D67E706E-9FFF-4B25-B31B-E494BA33FABA}" type="datetimeFigureOut">
               <a:rPr lang="de-DE" smtClean="0"/>
-              <a:t>07.03.2021</a:t>
+              <a:t>14.03.2021</a:t>
             </a:fld>
             <a:endParaRPr lang="de-DE"/>
           </a:p>
@@ -2409,7 +2410,7 @@
           <a:p>
             <a:fld id="{D67E706E-9FFF-4B25-B31B-E494BA33FABA}" type="datetimeFigureOut">
               <a:rPr lang="de-DE" smtClean="0"/>
-              <a:t>07.03.2021</a:t>
+              <a:t>14.03.2021</a:t>
             </a:fld>
             <a:endParaRPr lang="de-DE"/>
           </a:p>
@@ -2622,7 +2623,7 @@
           <a:p>
             <a:fld id="{D67E706E-9FFF-4B25-B31B-E494BA33FABA}" type="datetimeFigureOut">
               <a:rPr lang="de-DE" smtClean="0"/>
-              <a:t>07.03.2021</a:t>
+              <a:t>14.03.2021</a:t>
             </a:fld>
             <a:endParaRPr lang="de-DE"/>
           </a:p>
@@ -15033,6 +15034,4364 @@
 </p:sld>
 </file>
 
+<file path=ppt/slides/slide9.xml><?xml version="1.0" encoding="utf-8"?>
+<p:sld xmlns:a="http://schemas.openxmlformats.org/drawingml/2006/main" xmlns:r="http://schemas.openxmlformats.org/officeDocument/2006/relationships" xmlns:p="http://schemas.openxmlformats.org/presentationml/2006/main">
+  <p:cSld>
+    <p:spTree>
+      <p:nvGrpSpPr>
+        <p:cNvPr id="1" name=""/>
+        <p:cNvGrpSpPr/>
+        <p:nvPr/>
+      </p:nvGrpSpPr>
+      <p:grpSpPr>
+        <a:xfrm>
+          <a:off x="0" y="0"/>
+          <a:ext cx="0" cy="0"/>
+          <a:chOff x="0" y="0"/>
+          <a:chExt cx="0" cy="0"/>
+        </a:xfrm>
+      </p:grpSpPr>
+      <p:grpSp>
+        <p:nvGrpSpPr>
+          <p:cNvPr id="42" name="Gruppieren 41"/>
+          <p:cNvGrpSpPr/>
+          <p:nvPr/>
+        </p:nvGrpSpPr>
+        <p:grpSpPr>
+          <a:xfrm>
+            <a:off x="230015" y="2052796"/>
+            <a:ext cx="826060" cy="990438"/>
+            <a:chOff x="230015" y="2052796"/>
+            <a:chExt cx="826060" cy="990438"/>
+          </a:xfrm>
+        </p:grpSpPr>
+        <p:pic>
+          <p:nvPicPr>
+            <p:cNvPr id="28" name="Grafik 27"/>
+            <p:cNvPicPr>
+              <a:picLocks noChangeAspect="1"/>
+            </p:cNvPicPr>
+            <p:nvPr/>
+          </p:nvPicPr>
+          <p:blipFill rotWithShape="1">
+            <a:blip r:embed="rId2" cstate="print">
+              <a:extLst>
+                <a:ext uri="{28A0092B-C50C-407E-A947-70E740481C1C}">
+                  <a14:useLocalDpi xmlns:a14="http://schemas.microsoft.com/office/drawing/2010/main" val="0"/>
+                </a:ext>
+              </a:extLst>
+            </a:blip>
+            <a:srcRect b="12818"/>
+            <a:stretch/>
+          </p:blipFill>
+          <p:spPr>
+            <a:xfrm>
+              <a:off x="230015" y="2052796"/>
+              <a:ext cx="820068" cy="714953"/>
+            </a:xfrm>
+            <a:prstGeom prst="rect">
+              <a:avLst/>
+            </a:prstGeom>
+          </p:spPr>
+        </p:pic>
+        <p:sp>
+          <p:nvSpPr>
+            <p:cNvPr id="32" name="Textfeld 31"/>
+            <p:cNvSpPr txBox="1"/>
+            <p:nvPr/>
+          </p:nvSpPr>
+          <p:spPr>
+            <a:xfrm>
+              <a:off x="358448" y="2735457"/>
+              <a:ext cx="697627" cy="307777"/>
+            </a:xfrm>
+            <a:prstGeom prst="rect">
+              <a:avLst/>
+            </a:prstGeom>
+            <a:noFill/>
+          </p:spPr>
+          <p:txBody>
+            <a:bodyPr wrap="none" rtlCol="0">
+              <a:spAutoFit/>
+            </a:bodyPr>
+            <a:lstStyle/>
+            <a:p>
+              <a:r>
+                <a:rPr lang="de-DE" sz="1400" dirty="0" smtClean="0"/>
+                <a:t>Sender</a:t>
+              </a:r>
+            </a:p>
+          </p:txBody>
+        </p:sp>
+      </p:grpSp>
+      <p:grpSp>
+        <p:nvGrpSpPr>
+          <p:cNvPr id="47" name="Gruppieren 46"/>
+          <p:cNvGrpSpPr/>
+          <p:nvPr/>
+        </p:nvGrpSpPr>
+        <p:grpSpPr>
+          <a:xfrm>
+            <a:off x="10850446" y="2052797"/>
+            <a:ext cx="976486" cy="990435"/>
+            <a:chOff x="10850446" y="2052797"/>
+            <a:chExt cx="976486" cy="990435"/>
+          </a:xfrm>
+        </p:grpSpPr>
+        <p:pic>
+          <p:nvPicPr>
+            <p:cNvPr id="29" name="Grafik 28"/>
+            <p:cNvPicPr>
+              <a:picLocks noChangeAspect="1"/>
+            </p:cNvPicPr>
+            <p:nvPr/>
+          </p:nvPicPr>
+          <p:blipFill rotWithShape="1">
+            <a:blip r:embed="rId3" cstate="print">
+              <a:extLst>
+                <a:ext uri="{28A0092B-C50C-407E-A947-70E740481C1C}">
+                  <a14:useLocalDpi xmlns:a14="http://schemas.microsoft.com/office/drawing/2010/main" val="0"/>
+                </a:ext>
+              </a:extLst>
+            </a:blip>
+            <a:srcRect b="15088"/>
+            <a:stretch/>
+          </p:blipFill>
+          <p:spPr>
+            <a:xfrm>
+              <a:off x="10859830" y="2052797"/>
+              <a:ext cx="894346" cy="759410"/>
+            </a:xfrm>
+            <a:prstGeom prst="rect">
+              <a:avLst/>
+            </a:prstGeom>
+          </p:spPr>
+        </p:pic>
+        <p:sp>
+          <p:nvSpPr>
+            <p:cNvPr id="33" name="Textfeld 32"/>
+            <p:cNvSpPr txBox="1"/>
+            <p:nvPr/>
+          </p:nvSpPr>
+          <p:spPr>
+            <a:xfrm>
+              <a:off x="10850446" y="2735455"/>
+              <a:ext cx="976486" cy="307777"/>
+            </a:xfrm>
+            <a:prstGeom prst="rect">
+              <a:avLst/>
+            </a:prstGeom>
+            <a:noFill/>
+          </p:spPr>
+          <p:txBody>
+            <a:bodyPr wrap="none" rtlCol="0">
+              <a:spAutoFit/>
+            </a:bodyPr>
+            <a:lstStyle/>
+            <a:p>
+              <a:r>
+                <a:rPr lang="de-DE" sz="1400" dirty="0" smtClean="0"/>
+                <a:t>Empfänger</a:t>
+              </a:r>
+            </a:p>
+          </p:txBody>
+        </p:sp>
+      </p:grpSp>
+      <p:grpSp>
+        <p:nvGrpSpPr>
+          <p:cNvPr id="41" name="Gruppieren 40"/>
+          <p:cNvGrpSpPr/>
+          <p:nvPr/>
+        </p:nvGrpSpPr>
+        <p:grpSpPr>
+          <a:xfrm>
+            <a:off x="1220671" y="1976789"/>
+            <a:ext cx="891513" cy="1069435"/>
+            <a:chOff x="1949436" y="1990934"/>
+            <a:chExt cx="891513" cy="1069435"/>
+          </a:xfrm>
+        </p:grpSpPr>
+        <p:pic>
+          <p:nvPicPr>
+            <p:cNvPr id="30" name="Grafik 29"/>
+            <p:cNvPicPr>
+              <a:picLocks noChangeAspect="1"/>
+            </p:cNvPicPr>
+            <p:nvPr/>
+          </p:nvPicPr>
+          <p:blipFill rotWithShape="1">
+            <a:blip r:embed="rId4" cstate="print">
+              <a:extLst>
+                <a:ext uri="{28A0092B-C50C-407E-A947-70E740481C1C}">
+                  <a14:useLocalDpi xmlns:a14="http://schemas.microsoft.com/office/drawing/2010/main" val="0"/>
+                </a:ext>
+              </a:extLst>
+            </a:blip>
+            <a:srcRect b="12866"/>
+            <a:stretch/>
+          </p:blipFill>
+          <p:spPr>
+            <a:xfrm>
+              <a:off x="1949436" y="1990934"/>
+              <a:ext cx="891513" cy="776815"/>
+            </a:xfrm>
+            <a:prstGeom prst="rect">
+              <a:avLst/>
+            </a:prstGeom>
+          </p:spPr>
+        </p:pic>
+        <p:sp>
+          <p:nvSpPr>
+            <p:cNvPr id="34" name="Textfeld 33"/>
+            <p:cNvSpPr txBox="1"/>
+            <p:nvPr/>
+          </p:nvSpPr>
+          <p:spPr>
+            <a:xfrm>
+              <a:off x="1961419" y="2752592"/>
+              <a:ext cx="867545" cy="307777"/>
+            </a:xfrm>
+            <a:prstGeom prst="rect">
+              <a:avLst/>
+            </a:prstGeom>
+            <a:noFill/>
+          </p:spPr>
+          <p:txBody>
+            <a:bodyPr wrap="none" rtlCol="0">
+              <a:spAutoFit/>
+            </a:bodyPr>
+            <a:lstStyle/>
+            <a:p>
+              <a:r>
+                <a:rPr lang="de-DE" sz="1400" dirty="0" smtClean="0"/>
+                <a:t>Publisher</a:t>
+              </a:r>
+            </a:p>
+          </p:txBody>
+        </p:sp>
+      </p:grpSp>
+      <p:grpSp>
+        <p:nvGrpSpPr>
+          <p:cNvPr id="46" name="Gruppieren 45"/>
+          <p:cNvGrpSpPr/>
+          <p:nvPr/>
+        </p:nvGrpSpPr>
+        <p:grpSpPr>
+          <a:xfrm>
+            <a:off x="9737757" y="1967889"/>
+            <a:ext cx="951607" cy="1066443"/>
+            <a:chOff x="9178559" y="1990934"/>
+            <a:chExt cx="951607" cy="1066443"/>
+          </a:xfrm>
+        </p:grpSpPr>
+        <p:pic>
+          <p:nvPicPr>
+            <p:cNvPr id="31" name="Grafik 30"/>
+            <p:cNvPicPr>
+              <a:picLocks noChangeAspect="1"/>
+            </p:cNvPicPr>
+            <p:nvPr/>
+          </p:nvPicPr>
+          <p:blipFill rotWithShape="1">
+            <a:blip r:embed="rId4" cstate="print">
+              <a:extLst>
+                <a:ext uri="{28A0092B-C50C-407E-A947-70E740481C1C}">
+                  <a14:useLocalDpi xmlns:a14="http://schemas.microsoft.com/office/drawing/2010/main" val="0"/>
+                </a:ext>
+              </a:extLst>
+            </a:blip>
+            <a:srcRect b="12866"/>
+            <a:stretch/>
+          </p:blipFill>
+          <p:spPr>
+            <a:xfrm>
+              <a:off x="9178559" y="1990934"/>
+              <a:ext cx="891513" cy="776815"/>
+            </a:xfrm>
+            <a:prstGeom prst="rect">
+              <a:avLst/>
+            </a:prstGeom>
+          </p:spPr>
+        </p:pic>
+        <p:sp>
+          <p:nvSpPr>
+            <p:cNvPr id="35" name="Textfeld 34"/>
+            <p:cNvSpPr txBox="1"/>
+            <p:nvPr/>
+          </p:nvSpPr>
+          <p:spPr>
+            <a:xfrm>
+              <a:off x="9178559" y="2749600"/>
+              <a:ext cx="951607" cy="307777"/>
+            </a:xfrm>
+            <a:prstGeom prst="rect">
+              <a:avLst/>
+            </a:prstGeom>
+            <a:noFill/>
+          </p:spPr>
+          <p:txBody>
+            <a:bodyPr wrap="none" rtlCol="0">
+              <a:spAutoFit/>
+            </a:bodyPr>
+            <a:lstStyle/>
+            <a:p>
+              <a:r>
+                <a:rPr lang="de-DE" sz="1400" dirty="0" smtClean="0"/>
+                <a:t>Subscriber</a:t>
+              </a:r>
+            </a:p>
+          </p:txBody>
+        </p:sp>
+      </p:grpSp>
+      <p:grpSp>
+        <p:nvGrpSpPr>
+          <p:cNvPr id="43" name="Gruppieren 42"/>
+          <p:cNvGrpSpPr/>
+          <p:nvPr/>
+        </p:nvGrpSpPr>
+        <p:grpSpPr>
+          <a:xfrm>
+            <a:off x="2253301" y="1967888"/>
+            <a:ext cx="740558" cy="1066444"/>
+            <a:chOff x="3826005" y="2062223"/>
+            <a:chExt cx="740558" cy="1066444"/>
+          </a:xfrm>
+        </p:grpSpPr>
+        <p:pic>
+          <p:nvPicPr>
+            <p:cNvPr id="27" name="Grafik 26"/>
+            <p:cNvPicPr>
+              <a:picLocks noChangeAspect="1"/>
+            </p:cNvPicPr>
+            <p:nvPr/>
+          </p:nvPicPr>
+          <p:blipFill>
+            <a:blip r:embed="rId5" cstate="print">
+              <a:extLst>
+                <a:ext uri="{28A0092B-C50C-407E-A947-70E740481C1C}">
+                  <a14:useLocalDpi xmlns:a14="http://schemas.microsoft.com/office/drawing/2010/main" val="0"/>
+                </a:ext>
+              </a:extLst>
+            </a:blip>
+            <a:stretch>
+              <a:fillRect/>
+            </a:stretch>
+          </p:blipFill>
+          <p:spPr>
+            <a:xfrm>
+              <a:off x="3826005" y="2062223"/>
+              <a:ext cx="740558" cy="740558"/>
+            </a:xfrm>
+            <a:prstGeom prst="rect">
+              <a:avLst/>
+            </a:prstGeom>
+          </p:spPr>
+        </p:pic>
+        <p:sp>
+          <p:nvSpPr>
+            <p:cNvPr id="38" name="Textfeld 37"/>
+            <p:cNvSpPr txBox="1"/>
+            <p:nvPr/>
+          </p:nvSpPr>
+          <p:spPr>
+            <a:xfrm>
+              <a:off x="3904248" y="2820890"/>
+              <a:ext cx="584071" cy="307777"/>
+            </a:xfrm>
+            <a:prstGeom prst="rect">
+              <a:avLst/>
+            </a:prstGeom>
+            <a:noFill/>
+          </p:spPr>
+          <p:txBody>
+            <a:bodyPr wrap="none" rtlCol="0">
+              <a:spAutoFit/>
+            </a:bodyPr>
+            <a:lstStyle/>
+            <a:p>
+              <a:r>
+                <a:rPr lang="de-DE" sz="1400" dirty="0" smtClean="0"/>
+                <a:t>Kanal</a:t>
+              </a:r>
+            </a:p>
+          </p:txBody>
+        </p:sp>
+      </p:grpSp>
+      <p:grpSp>
+        <p:nvGrpSpPr>
+          <p:cNvPr id="44" name="Gruppieren 43"/>
+          <p:cNvGrpSpPr/>
+          <p:nvPr/>
+        </p:nvGrpSpPr>
+        <p:grpSpPr>
+          <a:xfrm>
+            <a:off x="3162134" y="1989138"/>
+            <a:ext cx="843572" cy="1037886"/>
+            <a:chOff x="5555884" y="2052796"/>
+            <a:chExt cx="843572" cy="1037886"/>
+          </a:xfrm>
+        </p:grpSpPr>
+        <p:pic>
+          <p:nvPicPr>
+            <p:cNvPr id="36" name="Grafik 35"/>
+            <p:cNvPicPr>
+              <a:picLocks noChangeAspect="1"/>
+            </p:cNvPicPr>
+            <p:nvPr/>
+          </p:nvPicPr>
+          <p:blipFill rotWithShape="1">
+            <a:blip r:embed="rId6" cstate="print">
+              <a:extLst>
+                <a:ext uri="{28A0092B-C50C-407E-A947-70E740481C1C}">
+                  <a14:useLocalDpi xmlns:a14="http://schemas.microsoft.com/office/drawing/2010/main" val="0"/>
+                </a:ext>
+              </a:extLst>
+            </a:blip>
+            <a:srcRect b="13450"/>
+            <a:stretch/>
+          </p:blipFill>
+          <p:spPr>
+            <a:xfrm>
+              <a:off x="5555884" y="2052796"/>
+              <a:ext cx="843572" cy="730109"/>
+            </a:xfrm>
+            <a:prstGeom prst="rect">
+              <a:avLst/>
+            </a:prstGeom>
+          </p:spPr>
+        </p:pic>
+        <p:sp>
+          <p:nvSpPr>
+            <p:cNvPr id="40" name="Textfeld 39"/>
+            <p:cNvSpPr txBox="1"/>
+            <p:nvPr/>
+          </p:nvSpPr>
+          <p:spPr>
+            <a:xfrm>
+              <a:off x="5660833" y="2782905"/>
+              <a:ext cx="664926" cy="307777"/>
+            </a:xfrm>
+            <a:prstGeom prst="rect">
+              <a:avLst/>
+            </a:prstGeom>
+            <a:noFill/>
+          </p:spPr>
+          <p:txBody>
+            <a:bodyPr wrap="none" rtlCol="0">
+              <a:spAutoFit/>
+            </a:bodyPr>
+            <a:lstStyle/>
+            <a:p>
+              <a:r>
+                <a:rPr lang="de-DE" sz="1400" dirty="0" smtClean="0"/>
+                <a:t>Broker</a:t>
+              </a:r>
+            </a:p>
+          </p:txBody>
+        </p:sp>
+      </p:grpSp>
+      <p:grpSp>
+        <p:nvGrpSpPr>
+          <p:cNvPr id="48" name="Gruppieren 47"/>
+          <p:cNvGrpSpPr/>
+          <p:nvPr/>
+        </p:nvGrpSpPr>
+        <p:grpSpPr>
+          <a:xfrm>
+            <a:off x="4137543" y="1962150"/>
+            <a:ext cx="951607" cy="1085473"/>
+            <a:chOff x="9174554" y="1990934"/>
+            <a:chExt cx="951607" cy="1085473"/>
+          </a:xfrm>
+        </p:grpSpPr>
+        <p:pic>
+          <p:nvPicPr>
+            <p:cNvPr id="49" name="Grafik 48"/>
+            <p:cNvPicPr>
+              <a:picLocks noChangeAspect="1"/>
+            </p:cNvPicPr>
+            <p:nvPr/>
+          </p:nvPicPr>
+          <p:blipFill rotWithShape="1">
+            <a:blip r:embed="rId4" cstate="print">
+              <a:extLst>
+                <a:ext uri="{28A0092B-C50C-407E-A947-70E740481C1C}">
+                  <a14:useLocalDpi xmlns:a14="http://schemas.microsoft.com/office/drawing/2010/main" val="0"/>
+                </a:ext>
+              </a:extLst>
+            </a:blip>
+            <a:srcRect b="12866"/>
+            <a:stretch/>
+          </p:blipFill>
+          <p:spPr>
+            <a:xfrm>
+              <a:off x="9178559" y="1990934"/>
+              <a:ext cx="891513" cy="776815"/>
+            </a:xfrm>
+            <a:prstGeom prst="rect">
+              <a:avLst/>
+            </a:prstGeom>
+          </p:spPr>
+        </p:pic>
+        <p:sp>
+          <p:nvSpPr>
+            <p:cNvPr id="50" name="Textfeld 49"/>
+            <p:cNvSpPr txBox="1"/>
+            <p:nvPr/>
+          </p:nvSpPr>
+          <p:spPr>
+            <a:xfrm>
+              <a:off x="9174554" y="2768630"/>
+              <a:ext cx="951607" cy="307777"/>
+            </a:xfrm>
+            <a:prstGeom prst="rect">
+              <a:avLst/>
+            </a:prstGeom>
+            <a:noFill/>
+          </p:spPr>
+          <p:txBody>
+            <a:bodyPr wrap="none" rtlCol="0">
+              <a:spAutoFit/>
+            </a:bodyPr>
+            <a:lstStyle/>
+            <a:p>
+              <a:r>
+                <a:rPr lang="de-DE" sz="1400" dirty="0" smtClean="0"/>
+                <a:t>Subscriber</a:t>
+              </a:r>
+            </a:p>
+          </p:txBody>
+        </p:sp>
+      </p:grpSp>
+      <p:grpSp>
+        <p:nvGrpSpPr>
+          <p:cNvPr id="52" name="Gruppieren 51"/>
+          <p:cNvGrpSpPr/>
+          <p:nvPr/>
+        </p:nvGrpSpPr>
+        <p:grpSpPr>
+          <a:xfrm>
+            <a:off x="5184383" y="1976789"/>
+            <a:ext cx="727671" cy="1057543"/>
+            <a:chOff x="5136498" y="1976789"/>
+            <a:chExt cx="727671" cy="1057543"/>
+          </a:xfrm>
+        </p:grpSpPr>
+        <p:pic>
+          <p:nvPicPr>
+            <p:cNvPr id="5" name="Grafik 4"/>
+            <p:cNvPicPr>
+              <a:picLocks noChangeAspect="1"/>
+            </p:cNvPicPr>
+            <p:nvPr/>
+          </p:nvPicPr>
+          <p:blipFill>
+            <a:blip r:embed="rId7" cstate="print">
+              <a:extLst>
+                <a:ext uri="{28A0092B-C50C-407E-A947-70E740481C1C}">
+                  <a14:useLocalDpi xmlns:a14="http://schemas.microsoft.com/office/drawing/2010/main" val="0"/>
+                </a:ext>
+              </a:extLst>
+            </a:blip>
+            <a:stretch>
+              <a:fillRect/>
+            </a:stretch>
+          </p:blipFill>
+          <p:spPr>
+            <a:xfrm>
+              <a:off x="5136498" y="1976789"/>
+              <a:ext cx="727671" cy="727671"/>
+            </a:xfrm>
+            <a:prstGeom prst="rect">
+              <a:avLst/>
+            </a:prstGeom>
+          </p:spPr>
+        </p:pic>
+        <p:sp>
+          <p:nvSpPr>
+            <p:cNvPr id="51" name="Textfeld 50"/>
+            <p:cNvSpPr txBox="1"/>
+            <p:nvPr/>
+          </p:nvSpPr>
+          <p:spPr>
+            <a:xfrm>
+              <a:off x="5204731" y="2726555"/>
+              <a:ext cx="561051" cy="307777"/>
+            </a:xfrm>
+            <a:prstGeom prst="rect">
+              <a:avLst/>
+            </a:prstGeom>
+            <a:noFill/>
+          </p:spPr>
+          <p:txBody>
+            <a:bodyPr wrap="none" rtlCol="0">
+              <a:spAutoFit/>
+            </a:bodyPr>
+            <a:lstStyle/>
+            <a:p>
+              <a:r>
+                <a:rPr lang="de-DE" sz="1400" dirty="0" smtClean="0"/>
+                <a:t>Filter</a:t>
+              </a:r>
+            </a:p>
+          </p:txBody>
+        </p:sp>
+      </p:grpSp>
+      <p:grpSp>
+        <p:nvGrpSpPr>
+          <p:cNvPr id="53" name="Gruppieren 52"/>
+          <p:cNvGrpSpPr/>
+          <p:nvPr/>
+        </p:nvGrpSpPr>
+        <p:grpSpPr>
+          <a:xfrm>
+            <a:off x="6102519" y="1960580"/>
+            <a:ext cx="891513" cy="1069435"/>
+            <a:chOff x="1949436" y="1990934"/>
+            <a:chExt cx="891513" cy="1069435"/>
+          </a:xfrm>
+        </p:grpSpPr>
+        <p:pic>
+          <p:nvPicPr>
+            <p:cNvPr id="54" name="Grafik 53"/>
+            <p:cNvPicPr>
+              <a:picLocks noChangeAspect="1"/>
+            </p:cNvPicPr>
+            <p:nvPr/>
+          </p:nvPicPr>
+          <p:blipFill rotWithShape="1">
+            <a:blip r:embed="rId4" cstate="print">
+              <a:extLst>
+                <a:ext uri="{28A0092B-C50C-407E-A947-70E740481C1C}">
+                  <a14:useLocalDpi xmlns:a14="http://schemas.microsoft.com/office/drawing/2010/main" val="0"/>
+                </a:ext>
+              </a:extLst>
+            </a:blip>
+            <a:srcRect b="12866"/>
+            <a:stretch/>
+          </p:blipFill>
+          <p:spPr>
+            <a:xfrm>
+              <a:off x="1949436" y="1990934"/>
+              <a:ext cx="891513" cy="776815"/>
+            </a:xfrm>
+            <a:prstGeom prst="rect">
+              <a:avLst/>
+            </a:prstGeom>
+          </p:spPr>
+        </p:pic>
+        <p:sp>
+          <p:nvSpPr>
+            <p:cNvPr id="55" name="Textfeld 54"/>
+            <p:cNvSpPr txBox="1"/>
+            <p:nvPr/>
+          </p:nvSpPr>
+          <p:spPr>
+            <a:xfrm>
+              <a:off x="1961419" y="2752592"/>
+              <a:ext cx="867545" cy="307777"/>
+            </a:xfrm>
+            <a:prstGeom prst="rect">
+              <a:avLst/>
+            </a:prstGeom>
+            <a:noFill/>
+          </p:spPr>
+          <p:txBody>
+            <a:bodyPr wrap="none" rtlCol="0">
+              <a:spAutoFit/>
+            </a:bodyPr>
+            <a:lstStyle/>
+            <a:p>
+              <a:r>
+                <a:rPr lang="de-DE" sz="1400" dirty="0" smtClean="0"/>
+                <a:t>Publisher</a:t>
+              </a:r>
+            </a:p>
+          </p:txBody>
+        </p:sp>
+      </p:grpSp>
+      <p:grpSp>
+        <p:nvGrpSpPr>
+          <p:cNvPr id="56" name="Gruppieren 55"/>
+          <p:cNvGrpSpPr/>
+          <p:nvPr/>
+        </p:nvGrpSpPr>
+        <p:grpSpPr>
+          <a:xfrm>
+            <a:off x="7063090" y="1967888"/>
+            <a:ext cx="740558" cy="1066444"/>
+            <a:chOff x="3826005" y="2062223"/>
+            <a:chExt cx="740558" cy="1066444"/>
+          </a:xfrm>
+        </p:grpSpPr>
+        <p:pic>
+          <p:nvPicPr>
+            <p:cNvPr id="57" name="Grafik 56"/>
+            <p:cNvPicPr>
+              <a:picLocks noChangeAspect="1"/>
+            </p:cNvPicPr>
+            <p:nvPr/>
+          </p:nvPicPr>
+          <p:blipFill>
+            <a:blip r:embed="rId5" cstate="print">
+              <a:extLst>
+                <a:ext uri="{28A0092B-C50C-407E-A947-70E740481C1C}">
+                  <a14:useLocalDpi xmlns:a14="http://schemas.microsoft.com/office/drawing/2010/main" val="0"/>
+                </a:ext>
+              </a:extLst>
+            </a:blip>
+            <a:stretch>
+              <a:fillRect/>
+            </a:stretch>
+          </p:blipFill>
+          <p:spPr>
+            <a:xfrm>
+              <a:off x="3826005" y="2062223"/>
+              <a:ext cx="740558" cy="740558"/>
+            </a:xfrm>
+            <a:prstGeom prst="rect">
+              <a:avLst/>
+            </a:prstGeom>
+          </p:spPr>
+        </p:pic>
+        <p:sp>
+          <p:nvSpPr>
+            <p:cNvPr id="58" name="Textfeld 57"/>
+            <p:cNvSpPr txBox="1"/>
+            <p:nvPr/>
+          </p:nvSpPr>
+          <p:spPr>
+            <a:xfrm>
+              <a:off x="3904248" y="2820890"/>
+              <a:ext cx="584071" cy="307777"/>
+            </a:xfrm>
+            <a:prstGeom prst="rect">
+              <a:avLst/>
+            </a:prstGeom>
+            <a:noFill/>
+          </p:spPr>
+          <p:txBody>
+            <a:bodyPr wrap="none" rtlCol="0">
+              <a:spAutoFit/>
+            </a:bodyPr>
+            <a:lstStyle/>
+            <a:p>
+              <a:r>
+                <a:rPr lang="de-DE" sz="1400" dirty="0" smtClean="0"/>
+                <a:t>Kanal</a:t>
+              </a:r>
+            </a:p>
+          </p:txBody>
+        </p:sp>
+      </p:grpSp>
+      <p:grpSp>
+        <p:nvGrpSpPr>
+          <p:cNvPr id="59" name="Gruppieren 58"/>
+          <p:cNvGrpSpPr/>
+          <p:nvPr/>
+        </p:nvGrpSpPr>
+        <p:grpSpPr>
+          <a:xfrm>
+            <a:off x="7869781" y="1996446"/>
+            <a:ext cx="843572" cy="1037886"/>
+            <a:chOff x="5555884" y="2052796"/>
+            <a:chExt cx="843572" cy="1037886"/>
+          </a:xfrm>
+        </p:grpSpPr>
+        <p:pic>
+          <p:nvPicPr>
+            <p:cNvPr id="60" name="Grafik 59"/>
+            <p:cNvPicPr>
+              <a:picLocks noChangeAspect="1"/>
+            </p:cNvPicPr>
+            <p:nvPr/>
+          </p:nvPicPr>
+          <p:blipFill rotWithShape="1">
+            <a:blip r:embed="rId6" cstate="print">
+              <a:extLst>
+                <a:ext uri="{28A0092B-C50C-407E-A947-70E740481C1C}">
+                  <a14:useLocalDpi xmlns:a14="http://schemas.microsoft.com/office/drawing/2010/main" val="0"/>
+                </a:ext>
+              </a:extLst>
+            </a:blip>
+            <a:srcRect b="13450"/>
+            <a:stretch/>
+          </p:blipFill>
+          <p:spPr>
+            <a:xfrm>
+              <a:off x="5555884" y="2052796"/>
+              <a:ext cx="843572" cy="730109"/>
+            </a:xfrm>
+            <a:prstGeom prst="rect">
+              <a:avLst/>
+            </a:prstGeom>
+          </p:spPr>
+        </p:pic>
+        <p:sp>
+          <p:nvSpPr>
+            <p:cNvPr id="61" name="Textfeld 60"/>
+            <p:cNvSpPr txBox="1"/>
+            <p:nvPr/>
+          </p:nvSpPr>
+          <p:spPr>
+            <a:xfrm>
+              <a:off x="5660833" y="2782905"/>
+              <a:ext cx="664926" cy="307777"/>
+            </a:xfrm>
+            <a:prstGeom prst="rect">
+              <a:avLst/>
+            </a:prstGeom>
+            <a:noFill/>
+          </p:spPr>
+          <p:txBody>
+            <a:bodyPr wrap="none" rtlCol="0">
+              <a:spAutoFit/>
+            </a:bodyPr>
+            <a:lstStyle/>
+            <a:p>
+              <a:r>
+                <a:rPr lang="de-DE" sz="1400" dirty="0" smtClean="0"/>
+                <a:t>Broker</a:t>
+              </a:r>
+            </a:p>
+          </p:txBody>
+        </p:sp>
+      </p:grpSp>
+      <p:grpSp>
+        <p:nvGrpSpPr>
+          <p:cNvPr id="68" name="Gruppieren 67"/>
+          <p:cNvGrpSpPr/>
+          <p:nvPr/>
+        </p:nvGrpSpPr>
+        <p:grpSpPr>
+          <a:xfrm>
+            <a:off x="8847992" y="1960580"/>
+            <a:ext cx="740558" cy="1066444"/>
+            <a:chOff x="3826005" y="2062223"/>
+            <a:chExt cx="740558" cy="1066444"/>
+          </a:xfrm>
+        </p:grpSpPr>
+        <p:pic>
+          <p:nvPicPr>
+            <p:cNvPr id="69" name="Grafik 68"/>
+            <p:cNvPicPr>
+              <a:picLocks noChangeAspect="1"/>
+            </p:cNvPicPr>
+            <p:nvPr/>
+          </p:nvPicPr>
+          <p:blipFill>
+            <a:blip r:embed="rId5" cstate="print">
+              <a:extLst>
+                <a:ext uri="{28A0092B-C50C-407E-A947-70E740481C1C}">
+                  <a14:useLocalDpi xmlns:a14="http://schemas.microsoft.com/office/drawing/2010/main" val="0"/>
+                </a:ext>
+              </a:extLst>
+            </a:blip>
+            <a:stretch>
+              <a:fillRect/>
+            </a:stretch>
+          </p:blipFill>
+          <p:spPr>
+            <a:xfrm>
+              <a:off x="3826005" y="2062223"/>
+              <a:ext cx="740558" cy="740558"/>
+            </a:xfrm>
+            <a:prstGeom prst="rect">
+              <a:avLst/>
+            </a:prstGeom>
+          </p:spPr>
+        </p:pic>
+        <p:sp>
+          <p:nvSpPr>
+            <p:cNvPr id="70" name="Textfeld 69"/>
+            <p:cNvSpPr txBox="1"/>
+            <p:nvPr/>
+          </p:nvSpPr>
+          <p:spPr>
+            <a:xfrm>
+              <a:off x="3904248" y="2820890"/>
+              <a:ext cx="584071" cy="307777"/>
+            </a:xfrm>
+            <a:prstGeom prst="rect">
+              <a:avLst/>
+            </a:prstGeom>
+            <a:noFill/>
+          </p:spPr>
+          <p:txBody>
+            <a:bodyPr wrap="none" rtlCol="0">
+              <a:spAutoFit/>
+            </a:bodyPr>
+            <a:lstStyle/>
+            <a:p>
+              <a:r>
+                <a:rPr lang="de-DE" sz="1400" dirty="0" smtClean="0"/>
+                <a:t>Kanal</a:t>
+              </a:r>
+            </a:p>
+          </p:txBody>
+        </p:sp>
+      </p:grpSp>
+      <p:sp>
+        <p:nvSpPr>
+          <p:cNvPr id="71" name="Pfeil nach rechts 70"/>
+          <p:cNvSpPr/>
+          <p:nvPr/>
+        </p:nvSpPr>
+        <p:spPr>
+          <a:xfrm>
+            <a:off x="1019442" y="2292586"/>
+            <a:ext cx="198916" cy="168442"/>
+          </a:xfrm>
+          <a:prstGeom prst="rightArrow">
+            <a:avLst/>
+          </a:prstGeom>
+          <a:noFill/>
+          <a:ln w="25400">
+            <a:solidFill>
+              <a:schemeClr val="tx1"/>
+            </a:solidFill>
+          </a:ln>
+        </p:spPr>
+        <p:style>
+          <a:lnRef idx="2">
+            <a:schemeClr val="accent1">
+              <a:shade val="50000"/>
+            </a:schemeClr>
+          </a:lnRef>
+          <a:fillRef idx="1">
+            <a:schemeClr val="accent1"/>
+          </a:fillRef>
+          <a:effectRef idx="0">
+            <a:schemeClr val="accent1"/>
+          </a:effectRef>
+          <a:fontRef idx="minor">
+            <a:schemeClr val="lt1"/>
+          </a:fontRef>
+        </p:style>
+        <p:txBody>
+          <a:bodyPr rtlCol="0" anchor="ctr"/>
+          <a:lstStyle/>
+          <a:p>
+            <a:pPr algn="ctr"/>
+            <a:endParaRPr lang="de-DE"/>
+          </a:p>
+        </p:txBody>
+      </p:sp>
+      <p:sp>
+        <p:nvSpPr>
+          <p:cNvPr id="72" name="Pfeil nach rechts 71"/>
+          <p:cNvSpPr/>
+          <p:nvPr/>
+        </p:nvSpPr>
+        <p:spPr>
+          <a:xfrm>
+            <a:off x="2112529" y="2300204"/>
+            <a:ext cx="198916" cy="168442"/>
+          </a:xfrm>
+          <a:prstGeom prst="rightArrow">
+            <a:avLst/>
+          </a:prstGeom>
+          <a:noFill/>
+          <a:ln w="25400">
+            <a:solidFill>
+              <a:schemeClr val="tx1"/>
+            </a:solidFill>
+          </a:ln>
+        </p:spPr>
+        <p:style>
+          <a:lnRef idx="2">
+            <a:schemeClr val="accent1">
+              <a:shade val="50000"/>
+            </a:schemeClr>
+          </a:lnRef>
+          <a:fillRef idx="1">
+            <a:schemeClr val="accent1"/>
+          </a:fillRef>
+          <a:effectRef idx="0">
+            <a:schemeClr val="accent1"/>
+          </a:effectRef>
+          <a:fontRef idx="minor">
+            <a:schemeClr val="lt1"/>
+          </a:fontRef>
+        </p:style>
+        <p:txBody>
+          <a:bodyPr rtlCol="0" anchor="ctr"/>
+          <a:lstStyle/>
+          <a:p>
+            <a:pPr algn="ctr"/>
+            <a:endParaRPr lang="de-DE"/>
+          </a:p>
+        </p:txBody>
+      </p:sp>
+      <p:sp>
+        <p:nvSpPr>
+          <p:cNvPr id="73" name="Pfeil nach rechts 72"/>
+          <p:cNvSpPr/>
+          <p:nvPr/>
+        </p:nvSpPr>
+        <p:spPr>
+          <a:xfrm>
+            <a:off x="2982827" y="2292586"/>
+            <a:ext cx="198916" cy="168442"/>
+          </a:xfrm>
+          <a:prstGeom prst="rightArrow">
+            <a:avLst/>
+          </a:prstGeom>
+          <a:noFill/>
+          <a:ln w="25400">
+            <a:solidFill>
+              <a:schemeClr val="tx1"/>
+            </a:solidFill>
+          </a:ln>
+        </p:spPr>
+        <p:style>
+          <a:lnRef idx="2">
+            <a:schemeClr val="accent1">
+              <a:shade val="50000"/>
+            </a:schemeClr>
+          </a:lnRef>
+          <a:fillRef idx="1">
+            <a:schemeClr val="accent1"/>
+          </a:fillRef>
+          <a:effectRef idx="0">
+            <a:schemeClr val="accent1"/>
+          </a:effectRef>
+          <a:fontRef idx="minor">
+            <a:schemeClr val="lt1"/>
+          </a:fontRef>
+        </p:style>
+        <p:txBody>
+          <a:bodyPr rtlCol="0" anchor="ctr"/>
+          <a:lstStyle/>
+          <a:p>
+            <a:pPr algn="ctr"/>
+            <a:endParaRPr lang="de-DE"/>
+          </a:p>
+        </p:txBody>
+      </p:sp>
+      <p:sp>
+        <p:nvSpPr>
+          <p:cNvPr id="74" name="Pfeil nach rechts 73"/>
+          <p:cNvSpPr/>
+          <p:nvPr/>
+        </p:nvSpPr>
+        <p:spPr>
+          <a:xfrm>
+            <a:off x="3955997" y="2280555"/>
+            <a:ext cx="198916" cy="168442"/>
+          </a:xfrm>
+          <a:prstGeom prst="rightArrow">
+            <a:avLst/>
+          </a:prstGeom>
+          <a:noFill/>
+          <a:ln w="25400">
+            <a:solidFill>
+              <a:schemeClr val="tx1"/>
+            </a:solidFill>
+          </a:ln>
+        </p:spPr>
+        <p:style>
+          <a:lnRef idx="2">
+            <a:schemeClr val="accent1">
+              <a:shade val="50000"/>
+            </a:schemeClr>
+          </a:lnRef>
+          <a:fillRef idx="1">
+            <a:schemeClr val="accent1"/>
+          </a:fillRef>
+          <a:effectRef idx="0">
+            <a:schemeClr val="accent1"/>
+          </a:effectRef>
+          <a:fontRef idx="minor">
+            <a:schemeClr val="lt1"/>
+          </a:fontRef>
+        </p:style>
+        <p:txBody>
+          <a:bodyPr rtlCol="0" anchor="ctr"/>
+          <a:lstStyle/>
+          <a:p>
+            <a:pPr algn="ctr"/>
+            <a:endParaRPr lang="de-DE"/>
+          </a:p>
+        </p:txBody>
+      </p:sp>
+      <p:sp>
+        <p:nvSpPr>
+          <p:cNvPr id="75" name="Pfeil nach rechts 74"/>
+          <p:cNvSpPr/>
+          <p:nvPr/>
+        </p:nvSpPr>
+        <p:spPr>
+          <a:xfrm>
+            <a:off x="5014255" y="2300204"/>
+            <a:ext cx="198916" cy="168442"/>
+          </a:xfrm>
+          <a:prstGeom prst="rightArrow">
+            <a:avLst/>
+          </a:prstGeom>
+          <a:noFill/>
+          <a:ln w="25400">
+            <a:solidFill>
+              <a:schemeClr val="tx1"/>
+            </a:solidFill>
+          </a:ln>
+        </p:spPr>
+        <p:style>
+          <a:lnRef idx="2">
+            <a:schemeClr val="accent1">
+              <a:shade val="50000"/>
+            </a:schemeClr>
+          </a:lnRef>
+          <a:fillRef idx="1">
+            <a:schemeClr val="accent1"/>
+          </a:fillRef>
+          <a:effectRef idx="0">
+            <a:schemeClr val="accent1"/>
+          </a:effectRef>
+          <a:fontRef idx="minor">
+            <a:schemeClr val="lt1"/>
+          </a:fontRef>
+        </p:style>
+        <p:txBody>
+          <a:bodyPr rtlCol="0" anchor="ctr"/>
+          <a:lstStyle/>
+          <a:p>
+            <a:pPr algn="ctr"/>
+            <a:endParaRPr lang="de-DE"/>
+          </a:p>
+        </p:txBody>
+      </p:sp>
+      <p:sp>
+        <p:nvSpPr>
+          <p:cNvPr id="76" name="Pfeil nach rechts 75"/>
+          <p:cNvSpPr/>
+          <p:nvPr/>
+        </p:nvSpPr>
+        <p:spPr>
+          <a:xfrm>
+            <a:off x="5898383" y="2300204"/>
+            <a:ext cx="198916" cy="168442"/>
+          </a:xfrm>
+          <a:prstGeom prst="rightArrow">
+            <a:avLst/>
+          </a:prstGeom>
+          <a:noFill/>
+          <a:ln w="25400">
+            <a:solidFill>
+              <a:schemeClr val="tx1"/>
+            </a:solidFill>
+          </a:ln>
+        </p:spPr>
+        <p:style>
+          <a:lnRef idx="2">
+            <a:schemeClr val="accent1">
+              <a:shade val="50000"/>
+            </a:schemeClr>
+          </a:lnRef>
+          <a:fillRef idx="1">
+            <a:schemeClr val="accent1"/>
+          </a:fillRef>
+          <a:effectRef idx="0">
+            <a:schemeClr val="accent1"/>
+          </a:effectRef>
+          <a:fontRef idx="minor">
+            <a:schemeClr val="lt1"/>
+          </a:fontRef>
+        </p:style>
+        <p:txBody>
+          <a:bodyPr rtlCol="0" anchor="ctr"/>
+          <a:lstStyle/>
+          <a:p>
+            <a:pPr algn="ctr"/>
+            <a:endParaRPr lang="de-DE"/>
+          </a:p>
+        </p:txBody>
+      </p:sp>
+      <p:sp>
+        <p:nvSpPr>
+          <p:cNvPr id="77" name="Pfeil nach rechts 76"/>
+          <p:cNvSpPr/>
+          <p:nvPr/>
+        </p:nvSpPr>
+        <p:spPr>
+          <a:xfrm>
+            <a:off x="6940407" y="2300204"/>
+            <a:ext cx="198916" cy="168442"/>
+          </a:xfrm>
+          <a:prstGeom prst="rightArrow">
+            <a:avLst/>
+          </a:prstGeom>
+          <a:noFill/>
+          <a:ln w="25400">
+            <a:solidFill>
+              <a:schemeClr val="tx1"/>
+            </a:solidFill>
+          </a:ln>
+        </p:spPr>
+        <p:style>
+          <a:lnRef idx="2">
+            <a:schemeClr val="accent1">
+              <a:shade val="50000"/>
+            </a:schemeClr>
+          </a:lnRef>
+          <a:fillRef idx="1">
+            <a:schemeClr val="accent1"/>
+          </a:fillRef>
+          <a:effectRef idx="0">
+            <a:schemeClr val="accent1"/>
+          </a:effectRef>
+          <a:fontRef idx="minor">
+            <a:schemeClr val="lt1"/>
+          </a:fontRef>
+        </p:style>
+        <p:txBody>
+          <a:bodyPr rtlCol="0" anchor="ctr"/>
+          <a:lstStyle/>
+          <a:p>
+            <a:pPr algn="ctr"/>
+            <a:endParaRPr lang="de-DE"/>
+          </a:p>
+        </p:txBody>
+      </p:sp>
+      <p:sp>
+        <p:nvSpPr>
+          <p:cNvPr id="78" name="Pfeil nach rechts 77"/>
+          <p:cNvSpPr/>
+          <p:nvPr/>
+        </p:nvSpPr>
+        <p:spPr>
+          <a:xfrm>
+            <a:off x="7720012" y="2288576"/>
+            <a:ext cx="198916" cy="180070"/>
+          </a:xfrm>
+          <a:prstGeom prst="rightArrow">
+            <a:avLst/>
+          </a:prstGeom>
+          <a:noFill/>
+          <a:ln w="25400">
+            <a:solidFill>
+              <a:schemeClr val="tx1"/>
+            </a:solidFill>
+          </a:ln>
+        </p:spPr>
+        <p:style>
+          <a:lnRef idx="2">
+            <a:schemeClr val="accent1">
+              <a:shade val="50000"/>
+            </a:schemeClr>
+          </a:lnRef>
+          <a:fillRef idx="1">
+            <a:schemeClr val="accent1"/>
+          </a:fillRef>
+          <a:effectRef idx="0">
+            <a:schemeClr val="accent1"/>
+          </a:effectRef>
+          <a:fontRef idx="minor">
+            <a:schemeClr val="lt1"/>
+          </a:fontRef>
+        </p:style>
+        <p:txBody>
+          <a:bodyPr rtlCol="0" anchor="ctr"/>
+          <a:lstStyle/>
+          <a:p>
+            <a:pPr algn="ctr"/>
+            <a:endParaRPr lang="de-DE"/>
+          </a:p>
+        </p:txBody>
+      </p:sp>
+      <p:sp>
+        <p:nvSpPr>
+          <p:cNvPr id="79" name="Pfeil nach rechts 78"/>
+          <p:cNvSpPr/>
+          <p:nvPr/>
+        </p:nvSpPr>
+        <p:spPr>
+          <a:xfrm>
+            <a:off x="8672065" y="2292587"/>
+            <a:ext cx="198916" cy="168442"/>
+          </a:xfrm>
+          <a:prstGeom prst="rightArrow">
+            <a:avLst/>
+          </a:prstGeom>
+          <a:noFill/>
+          <a:ln w="25400">
+            <a:solidFill>
+              <a:schemeClr val="tx1"/>
+            </a:solidFill>
+          </a:ln>
+        </p:spPr>
+        <p:style>
+          <a:lnRef idx="2">
+            <a:schemeClr val="accent1">
+              <a:shade val="50000"/>
+            </a:schemeClr>
+          </a:lnRef>
+          <a:fillRef idx="1">
+            <a:schemeClr val="accent1"/>
+          </a:fillRef>
+          <a:effectRef idx="0">
+            <a:schemeClr val="accent1"/>
+          </a:effectRef>
+          <a:fontRef idx="minor">
+            <a:schemeClr val="lt1"/>
+          </a:fontRef>
+        </p:style>
+        <p:txBody>
+          <a:bodyPr rtlCol="0" anchor="ctr"/>
+          <a:lstStyle/>
+          <a:p>
+            <a:pPr algn="ctr"/>
+            <a:endParaRPr lang="de-DE"/>
+          </a:p>
+        </p:txBody>
+      </p:sp>
+      <p:sp>
+        <p:nvSpPr>
+          <p:cNvPr id="80" name="Pfeil nach rechts 79"/>
+          <p:cNvSpPr/>
+          <p:nvPr/>
+        </p:nvSpPr>
+        <p:spPr>
+          <a:xfrm>
+            <a:off x="9553066" y="2288576"/>
+            <a:ext cx="198916" cy="168442"/>
+          </a:xfrm>
+          <a:prstGeom prst="rightArrow">
+            <a:avLst/>
+          </a:prstGeom>
+          <a:noFill/>
+          <a:ln w="25400">
+            <a:solidFill>
+              <a:schemeClr val="tx1"/>
+            </a:solidFill>
+          </a:ln>
+        </p:spPr>
+        <p:style>
+          <a:lnRef idx="2">
+            <a:schemeClr val="accent1">
+              <a:shade val="50000"/>
+            </a:schemeClr>
+          </a:lnRef>
+          <a:fillRef idx="1">
+            <a:schemeClr val="accent1"/>
+          </a:fillRef>
+          <a:effectRef idx="0">
+            <a:schemeClr val="accent1"/>
+          </a:effectRef>
+          <a:fontRef idx="minor">
+            <a:schemeClr val="lt1"/>
+          </a:fontRef>
+        </p:style>
+        <p:txBody>
+          <a:bodyPr rtlCol="0" anchor="ctr"/>
+          <a:lstStyle/>
+          <a:p>
+            <a:pPr algn="ctr"/>
+            <a:endParaRPr lang="de-DE"/>
+          </a:p>
+        </p:txBody>
+      </p:sp>
+      <p:sp>
+        <p:nvSpPr>
+          <p:cNvPr id="81" name="Pfeil nach rechts 80"/>
+          <p:cNvSpPr/>
+          <p:nvPr/>
+        </p:nvSpPr>
+        <p:spPr>
+          <a:xfrm>
+            <a:off x="10612954" y="2292587"/>
+            <a:ext cx="198916" cy="168442"/>
+          </a:xfrm>
+          <a:prstGeom prst="rightArrow">
+            <a:avLst/>
+          </a:prstGeom>
+          <a:noFill/>
+          <a:ln w="25400">
+            <a:solidFill>
+              <a:schemeClr val="tx1"/>
+            </a:solidFill>
+          </a:ln>
+        </p:spPr>
+        <p:style>
+          <a:lnRef idx="2">
+            <a:schemeClr val="accent1">
+              <a:shade val="50000"/>
+            </a:schemeClr>
+          </a:lnRef>
+          <a:fillRef idx="1">
+            <a:schemeClr val="accent1"/>
+          </a:fillRef>
+          <a:effectRef idx="0">
+            <a:schemeClr val="accent1"/>
+          </a:effectRef>
+          <a:fontRef idx="minor">
+            <a:schemeClr val="lt1"/>
+          </a:fontRef>
+        </p:style>
+        <p:txBody>
+          <a:bodyPr rtlCol="0" anchor="ctr"/>
+          <a:lstStyle/>
+          <a:p>
+            <a:pPr algn="ctr"/>
+            <a:endParaRPr lang="de-DE"/>
+          </a:p>
+        </p:txBody>
+      </p:sp>
+      <p:sp>
+        <p:nvSpPr>
+          <p:cNvPr id="82" name="Pfeil nach rechts 81"/>
+          <p:cNvSpPr/>
+          <p:nvPr/>
+        </p:nvSpPr>
+        <p:spPr>
+          <a:xfrm>
+            <a:off x="1142766" y="532983"/>
+            <a:ext cx="873391" cy="169361"/>
+          </a:xfrm>
+          <a:prstGeom prst="rightArrow">
+            <a:avLst/>
+          </a:prstGeom>
+          <a:noFill/>
+          <a:ln w="25400">
+            <a:solidFill>
+              <a:schemeClr val="tx1"/>
+            </a:solidFill>
+          </a:ln>
+        </p:spPr>
+        <p:style>
+          <a:lnRef idx="2">
+            <a:schemeClr val="accent1">
+              <a:shade val="50000"/>
+            </a:schemeClr>
+          </a:lnRef>
+          <a:fillRef idx="1">
+            <a:schemeClr val="accent1"/>
+          </a:fillRef>
+          <a:effectRef idx="0">
+            <a:schemeClr val="accent1"/>
+          </a:effectRef>
+          <a:fontRef idx="minor">
+            <a:schemeClr val="lt1"/>
+          </a:fontRef>
+        </p:style>
+        <p:txBody>
+          <a:bodyPr rtlCol="0" anchor="ctr"/>
+          <a:lstStyle/>
+          <a:p>
+            <a:pPr algn="ctr"/>
+            <a:endParaRPr lang="de-DE"/>
+          </a:p>
+        </p:txBody>
+      </p:sp>
+      <p:sp>
+        <p:nvSpPr>
+          <p:cNvPr id="84" name="Pfeil nach rechts 83"/>
+          <p:cNvSpPr/>
+          <p:nvPr/>
+        </p:nvSpPr>
+        <p:spPr>
+          <a:xfrm rot="5400000">
+            <a:off x="10073023" y="4923210"/>
+            <a:ext cx="198916" cy="168442"/>
+          </a:xfrm>
+          <a:prstGeom prst="rightArrow">
+            <a:avLst/>
+          </a:prstGeom>
+          <a:noFill/>
+          <a:ln w="25400">
+            <a:solidFill>
+              <a:schemeClr val="tx1"/>
+            </a:solidFill>
+          </a:ln>
+        </p:spPr>
+        <p:style>
+          <a:lnRef idx="2">
+            <a:schemeClr val="accent1">
+              <a:shade val="50000"/>
+            </a:schemeClr>
+          </a:lnRef>
+          <a:fillRef idx="1">
+            <a:schemeClr val="accent1"/>
+          </a:fillRef>
+          <a:effectRef idx="0">
+            <a:schemeClr val="accent1"/>
+          </a:effectRef>
+          <a:fontRef idx="minor">
+            <a:schemeClr val="lt1"/>
+          </a:fontRef>
+        </p:style>
+        <p:txBody>
+          <a:bodyPr rtlCol="0" anchor="ctr"/>
+          <a:lstStyle/>
+          <a:p>
+            <a:pPr algn="ctr"/>
+            <a:endParaRPr lang="de-DE"/>
+          </a:p>
+        </p:txBody>
+      </p:sp>
+      <p:grpSp>
+        <p:nvGrpSpPr>
+          <p:cNvPr id="85" name="Gruppieren 84"/>
+          <p:cNvGrpSpPr/>
+          <p:nvPr/>
+        </p:nvGrpSpPr>
+        <p:grpSpPr>
+          <a:xfrm>
+            <a:off x="261491" y="288238"/>
+            <a:ext cx="826060" cy="990438"/>
+            <a:chOff x="230015" y="2052796"/>
+            <a:chExt cx="826060" cy="990438"/>
+          </a:xfrm>
+        </p:grpSpPr>
+        <p:pic>
+          <p:nvPicPr>
+            <p:cNvPr id="86" name="Grafik 85"/>
+            <p:cNvPicPr>
+              <a:picLocks noChangeAspect="1"/>
+            </p:cNvPicPr>
+            <p:nvPr/>
+          </p:nvPicPr>
+          <p:blipFill rotWithShape="1">
+            <a:blip r:embed="rId2" cstate="print">
+              <a:extLst>
+                <a:ext uri="{28A0092B-C50C-407E-A947-70E740481C1C}">
+                  <a14:useLocalDpi xmlns:a14="http://schemas.microsoft.com/office/drawing/2010/main" val="0"/>
+                </a:ext>
+              </a:extLst>
+            </a:blip>
+            <a:srcRect b="12818"/>
+            <a:stretch/>
+          </p:blipFill>
+          <p:spPr>
+            <a:xfrm>
+              <a:off x="230015" y="2052796"/>
+              <a:ext cx="820068" cy="714953"/>
+            </a:xfrm>
+            <a:prstGeom prst="rect">
+              <a:avLst/>
+            </a:prstGeom>
+          </p:spPr>
+        </p:pic>
+        <p:sp>
+          <p:nvSpPr>
+            <p:cNvPr id="87" name="Textfeld 86"/>
+            <p:cNvSpPr txBox="1"/>
+            <p:nvPr/>
+          </p:nvSpPr>
+          <p:spPr>
+            <a:xfrm>
+              <a:off x="358448" y="2735457"/>
+              <a:ext cx="697627" cy="307777"/>
+            </a:xfrm>
+            <a:prstGeom prst="rect">
+              <a:avLst/>
+            </a:prstGeom>
+            <a:noFill/>
+          </p:spPr>
+          <p:txBody>
+            <a:bodyPr wrap="none" rtlCol="0">
+              <a:spAutoFit/>
+            </a:bodyPr>
+            <a:lstStyle/>
+            <a:p>
+              <a:r>
+                <a:rPr lang="de-DE" sz="1400" dirty="0" smtClean="0"/>
+                <a:t>Sender</a:t>
+              </a:r>
+            </a:p>
+          </p:txBody>
+        </p:sp>
+      </p:grpSp>
+      <p:grpSp>
+        <p:nvGrpSpPr>
+          <p:cNvPr id="88" name="Gruppieren 87"/>
+          <p:cNvGrpSpPr/>
+          <p:nvPr/>
+        </p:nvGrpSpPr>
+        <p:grpSpPr>
+          <a:xfrm>
+            <a:off x="10928689" y="288238"/>
+            <a:ext cx="976486" cy="990435"/>
+            <a:chOff x="10850446" y="2052797"/>
+            <a:chExt cx="976486" cy="990435"/>
+          </a:xfrm>
+        </p:grpSpPr>
+        <p:pic>
+          <p:nvPicPr>
+            <p:cNvPr id="89" name="Grafik 88"/>
+            <p:cNvPicPr>
+              <a:picLocks noChangeAspect="1"/>
+            </p:cNvPicPr>
+            <p:nvPr/>
+          </p:nvPicPr>
+          <p:blipFill rotWithShape="1">
+            <a:blip r:embed="rId3" cstate="print">
+              <a:extLst>
+                <a:ext uri="{28A0092B-C50C-407E-A947-70E740481C1C}">
+                  <a14:useLocalDpi xmlns:a14="http://schemas.microsoft.com/office/drawing/2010/main" val="0"/>
+                </a:ext>
+              </a:extLst>
+            </a:blip>
+            <a:srcRect b="15088"/>
+            <a:stretch/>
+          </p:blipFill>
+          <p:spPr>
+            <a:xfrm>
+              <a:off x="10859830" y="2052797"/>
+              <a:ext cx="894346" cy="759410"/>
+            </a:xfrm>
+            <a:prstGeom prst="rect">
+              <a:avLst/>
+            </a:prstGeom>
+          </p:spPr>
+        </p:pic>
+        <p:sp>
+          <p:nvSpPr>
+            <p:cNvPr id="90" name="Textfeld 89"/>
+            <p:cNvSpPr txBox="1"/>
+            <p:nvPr/>
+          </p:nvSpPr>
+          <p:spPr>
+            <a:xfrm>
+              <a:off x="10850446" y="2735455"/>
+              <a:ext cx="976486" cy="307777"/>
+            </a:xfrm>
+            <a:prstGeom prst="rect">
+              <a:avLst/>
+            </a:prstGeom>
+            <a:noFill/>
+          </p:spPr>
+          <p:txBody>
+            <a:bodyPr wrap="none" rtlCol="0">
+              <a:spAutoFit/>
+            </a:bodyPr>
+            <a:lstStyle/>
+            <a:p>
+              <a:r>
+                <a:rPr lang="de-DE" sz="1400" dirty="0" smtClean="0"/>
+                <a:t>Empfänger</a:t>
+              </a:r>
+            </a:p>
+          </p:txBody>
+        </p:sp>
+      </p:grpSp>
+      <p:grpSp>
+        <p:nvGrpSpPr>
+          <p:cNvPr id="91" name="Gruppieren 90"/>
+          <p:cNvGrpSpPr/>
+          <p:nvPr/>
+        </p:nvGrpSpPr>
+        <p:grpSpPr>
+          <a:xfrm>
+            <a:off x="2099035" y="205127"/>
+            <a:ext cx="891513" cy="1069435"/>
+            <a:chOff x="1949436" y="1990934"/>
+            <a:chExt cx="891513" cy="1069435"/>
+          </a:xfrm>
+        </p:grpSpPr>
+        <p:pic>
+          <p:nvPicPr>
+            <p:cNvPr id="92" name="Grafik 91"/>
+            <p:cNvPicPr>
+              <a:picLocks noChangeAspect="1"/>
+            </p:cNvPicPr>
+            <p:nvPr/>
+          </p:nvPicPr>
+          <p:blipFill rotWithShape="1">
+            <a:blip r:embed="rId4" cstate="print">
+              <a:extLst>
+                <a:ext uri="{28A0092B-C50C-407E-A947-70E740481C1C}">
+                  <a14:useLocalDpi xmlns:a14="http://schemas.microsoft.com/office/drawing/2010/main" val="0"/>
+                </a:ext>
+              </a:extLst>
+            </a:blip>
+            <a:srcRect b="12866"/>
+            <a:stretch/>
+          </p:blipFill>
+          <p:spPr>
+            <a:xfrm>
+              <a:off x="1949436" y="1990934"/>
+              <a:ext cx="891513" cy="776815"/>
+            </a:xfrm>
+            <a:prstGeom prst="rect">
+              <a:avLst/>
+            </a:prstGeom>
+          </p:spPr>
+        </p:pic>
+        <p:sp>
+          <p:nvSpPr>
+            <p:cNvPr id="93" name="Textfeld 92"/>
+            <p:cNvSpPr txBox="1"/>
+            <p:nvPr/>
+          </p:nvSpPr>
+          <p:spPr>
+            <a:xfrm>
+              <a:off x="1961419" y="2752592"/>
+              <a:ext cx="867545" cy="307777"/>
+            </a:xfrm>
+            <a:prstGeom prst="rect">
+              <a:avLst/>
+            </a:prstGeom>
+            <a:noFill/>
+          </p:spPr>
+          <p:txBody>
+            <a:bodyPr wrap="none" rtlCol="0">
+              <a:spAutoFit/>
+            </a:bodyPr>
+            <a:lstStyle/>
+            <a:p>
+              <a:r>
+                <a:rPr lang="de-DE" sz="1400" dirty="0" smtClean="0"/>
+                <a:t>Publisher</a:t>
+              </a:r>
+            </a:p>
+          </p:txBody>
+        </p:sp>
+      </p:grpSp>
+      <p:grpSp>
+        <p:nvGrpSpPr>
+          <p:cNvPr id="94" name="Gruppieren 93"/>
+          <p:cNvGrpSpPr/>
+          <p:nvPr/>
+        </p:nvGrpSpPr>
+        <p:grpSpPr>
+          <a:xfrm>
+            <a:off x="3929701" y="212229"/>
+            <a:ext cx="740558" cy="1066444"/>
+            <a:chOff x="3826005" y="2062223"/>
+            <a:chExt cx="740558" cy="1066444"/>
+          </a:xfrm>
+        </p:grpSpPr>
+        <p:pic>
+          <p:nvPicPr>
+            <p:cNvPr id="95" name="Grafik 94"/>
+            <p:cNvPicPr>
+              <a:picLocks noChangeAspect="1"/>
+            </p:cNvPicPr>
+            <p:nvPr/>
+          </p:nvPicPr>
+          <p:blipFill>
+            <a:blip r:embed="rId5" cstate="print">
+              <a:extLst>
+                <a:ext uri="{28A0092B-C50C-407E-A947-70E740481C1C}">
+                  <a14:useLocalDpi xmlns:a14="http://schemas.microsoft.com/office/drawing/2010/main" val="0"/>
+                </a:ext>
+              </a:extLst>
+            </a:blip>
+            <a:stretch>
+              <a:fillRect/>
+            </a:stretch>
+          </p:blipFill>
+          <p:spPr>
+            <a:xfrm>
+              <a:off x="3826005" y="2062223"/>
+              <a:ext cx="740558" cy="740558"/>
+            </a:xfrm>
+            <a:prstGeom prst="rect">
+              <a:avLst/>
+            </a:prstGeom>
+          </p:spPr>
+        </p:pic>
+        <p:sp>
+          <p:nvSpPr>
+            <p:cNvPr id="96" name="Textfeld 95"/>
+            <p:cNvSpPr txBox="1"/>
+            <p:nvPr/>
+          </p:nvSpPr>
+          <p:spPr>
+            <a:xfrm>
+              <a:off x="3904248" y="2820890"/>
+              <a:ext cx="584071" cy="307777"/>
+            </a:xfrm>
+            <a:prstGeom prst="rect">
+              <a:avLst/>
+            </a:prstGeom>
+            <a:noFill/>
+          </p:spPr>
+          <p:txBody>
+            <a:bodyPr wrap="none" rtlCol="0">
+              <a:spAutoFit/>
+            </a:bodyPr>
+            <a:lstStyle/>
+            <a:p>
+              <a:r>
+                <a:rPr lang="de-DE" sz="1400" dirty="0" smtClean="0"/>
+                <a:t>Kanal</a:t>
+              </a:r>
+            </a:p>
+          </p:txBody>
+        </p:sp>
+      </p:grpSp>
+      <p:grpSp>
+        <p:nvGrpSpPr>
+          <p:cNvPr id="97" name="Gruppieren 96"/>
+          <p:cNvGrpSpPr/>
+          <p:nvPr/>
+        </p:nvGrpSpPr>
+        <p:grpSpPr>
+          <a:xfrm>
+            <a:off x="5675513" y="231887"/>
+            <a:ext cx="843572" cy="1037886"/>
+            <a:chOff x="5555884" y="2052796"/>
+            <a:chExt cx="843572" cy="1037886"/>
+          </a:xfrm>
+        </p:grpSpPr>
+        <p:pic>
+          <p:nvPicPr>
+            <p:cNvPr id="98" name="Grafik 97"/>
+            <p:cNvPicPr>
+              <a:picLocks noChangeAspect="1"/>
+            </p:cNvPicPr>
+            <p:nvPr/>
+          </p:nvPicPr>
+          <p:blipFill rotWithShape="1">
+            <a:blip r:embed="rId6" cstate="print">
+              <a:extLst>
+                <a:ext uri="{28A0092B-C50C-407E-A947-70E740481C1C}">
+                  <a14:useLocalDpi xmlns:a14="http://schemas.microsoft.com/office/drawing/2010/main" val="0"/>
+                </a:ext>
+              </a:extLst>
+            </a:blip>
+            <a:srcRect b="13450"/>
+            <a:stretch/>
+          </p:blipFill>
+          <p:spPr>
+            <a:xfrm>
+              <a:off x="5555884" y="2052796"/>
+              <a:ext cx="843572" cy="730109"/>
+            </a:xfrm>
+            <a:prstGeom prst="rect">
+              <a:avLst/>
+            </a:prstGeom>
+          </p:spPr>
+        </p:pic>
+        <p:sp>
+          <p:nvSpPr>
+            <p:cNvPr id="99" name="Textfeld 98"/>
+            <p:cNvSpPr txBox="1"/>
+            <p:nvPr/>
+          </p:nvSpPr>
+          <p:spPr>
+            <a:xfrm>
+              <a:off x="5660833" y="2782905"/>
+              <a:ext cx="664926" cy="307777"/>
+            </a:xfrm>
+            <a:prstGeom prst="rect">
+              <a:avLst/>
+            </a:prstGeom>
+            <a:noFill/>
+          </p:spPr>
+          <p:txBody>
+            <a:bodyPr wrap="none" rtlCol="0">
+              <a:spAutoFit/>
+            </a:bodyPr>
+            <a:lstStyle/>
+            <a:p>
+              <a:r>
+                <a:rPr lang="de-DE" sz="1400" dirty="0" smtClean="0"/>
+                <a:t>Broker</a:t>
+              </a:r>
+            </a:p>
+          </p:txBody>
+        </p:sp>
+      </p:grpSp>
+      <p:grpSp>
+        <p:nvGrpSpPr>
+          <p:cNvPr id="100" name="Gruppieren 99"/>
+          <p:cNvGrpSpPr/>
+          <p:nvPr/>
+        </p:nvGrpSpPr>
+        <p:grpSpPr>
+          <a:xfrm>
+            <a:off x="9189309" y="184300"/>
+            <a:ext cx="951607" cy="1085473"/>
+            <a:chOff x="9174554" y="1990934"/>
+            <a:chExt cx="951607" cy="1085473"/>
+          </a:xfrm>
+        </p:grpSpPr>
+        <p:pic>
+          <p:nvPicPr>
+            <p:cNvPr id="101" name="Grafik 100"/>
+            <p:cNvPicPr>
+              <a:picLocks noChangeAspect="1"/>
+            </p:cNvPicPr>
+            <p:nvPr/>
+          </p:nvPicPr>
+          <p:blipFill rotWithShape="1">
+            <a:blip r:embed="rId4" cstate="print">
+              <a:extLst>
+                <a:ext uri="{28A0092B-C50C-407E-A947-70E740481C1C}">
+                  <a14:useLocalDpi xmlns:a14="http://schemas.microsoft.com/office/drawing/2010/main" val="0"/>
+                </a:ext>
+              </a:extLst>
+            </a:blip>
+            <a:srcRect b="12866"/>
+            <a:stretch/>
+          </p:blipFill>
+          <p:spPr>
+            <a:xfrm>
+              <a:off x="9178559" y="1990934"/>
+              <a:ext cx="891513" cy="776815"/>
+            </a:xfrm>
+            <a:prstGeom prst="rect">
+              <a:avLst/>
+            </a:prstGeom>
+          </p:spPr>
+        </p:pic>
+        <p:sp>
+          <p:nvSpPr>
+            <p:cNvPr id="102" name="Textfeld 101"/>
+            <p:cNvSpPr txBox="1"/>
+            <p:nvPr/>
+          </p:nvSpPr>
+          <p:spPr>
+            <a:xfrm>
+              <a:off x="9174554" y="2768630"/>
+              <a:ext cx="951607" cy="307777"/>
+            </a:xfrm>
+            <a:prstGeom prst="rect">
+              <a:avLst/>
+            </a:prstGeom>
+            <a:noFill/>
+          </p:spPr>
+          <p:txBody>
+            <a:bodyPr wrap="none" rtlCol="0">
+              <a:spAutoFit/>
+            </a:bodyPr>
+            <a:lstStyle/>
+            <a:p>
+              <a:r>
+                <a:rPr lang="de-DE" sz="1400" dirty="0" smtClean="0"/>
+                <a:t>Subscriber</a:t>
+              </a:r>
+            </a:p>
+          </p:txBody>
+        </p:sp>
+      </p:grpSp>
+      <p:grpSp>
+        <p:nvGrpSpPr>
+          <p:cNvPr id="103" name="Gruppieren 102"/>
+          <p:cNvGrpSpPr/>
+          <p:nvPr/>
+        </p:nvGrpSpPr>
+        <p:grpSpPr>
+          <a:xfrm>
+            <a:off x="7534906" y="205127"/>
+            <a:ext cx="740558" cy="1066444"/>
+            <a:chOff x="3826005" y="2062223"/>
+            <a:chExt cx="740558" cy="1066444"/>
+          </a:xfrm>
+        </p:grpSpPr>
+        <p:pic>
+          <p:nvPicPr>
+            <p:cNvPr id="104" name="Grafik 103"/>
+            <p:cNvPicPr>
+              <a:picLocks noChangeAspect="1"/>
+            </p:cNvPicPr>
+            <p:nvPr/>
+          </p:nvPicPr>
+          <p:blipFill>
+            <a:blip r:embed="rId5" cstate="print">
+              <a:extLst>
+                <a:ext uri="{28A0092B-C50C-407E-A947-70E740481C1C}">
+                  <a14:useLocalDpi xmlns:a14="http://schemas.microsoft.com/office/drawing/2010/main" val="0"/>
+                </a:ext>
+              </a:extLst>
+            </a:blip>
+            <a:stretch>
+              <a:fillRect/>
+            </a:stretch>
+          </p:blipFill>
+          <p:spPr>
+            <a:xfrm>
+              <a:off x="3826005" y="2062223"/>
+              <a:ext cx="740558" cy="740558"/>
+            </a:xfrm>
+            <a:prstGeom prst="rect">
+              <a:avLst/>
+            </a:prstGeom>
+          </p:spPr>
+        </p:pic>
+        <p:sp>
+          <p:nvSpPr>
+            <p:cNvPr id="105" name="Textfeld 104"/>
+            <p:cNvSpPr txBox="1"/>
+            <p:nvPr/>
+          </p:nvSpPr>
+          <p:spPr>
+            <a:xfrm>
+              <a:off x="3904248" y="2820890"/>
+              <a:ext cx="584071" cy="307777"/>
+            </a:xfrm>
+            <a:prstGeom prst="rect">
+              <a:avLst/>
+            </a:prstGeom>
+            <a:noFill/>
+          </p:spPr>
+          <p:txBody>
+            <a:bodyPr wrap="none" rtlCol="0">
+              <a:spAutoFit/>
+            </a:bodyPr>
+            <a:lstStyle/>
+            <a:p>
+              <a:r>
+                <a:rPr lang="de-DE" sz="1400" dirty="0" smtClean="0"/>
+                <a:t>Kanal</a:t>
+              </a:r>
+            </a:p>
+          </p:txBody>
+        </p:sp>
+      </p:grpSp>
+      <p:sp>
+        <p:nvSpPr>
+          <p:cNvPr id="107" name="Pfeil nach rechts 106"/>
+          <p:cNvSpPr/>
+          <p:nvPr/>
+        </p:nvSpPr>
+        <p:spPr>
+          <a:xfrm>
+            <a:off x="8294331" y="548208"/>
+            <a:ext cx="873391" cy="169361"/>
+          </a:xfrm>
+          <a:prstGeom prst="rightArrow">
+            <a:avLst/>
+          </a:prstGeom>
+          <a:noFill/>
+          <a:ln w="25400">
+            <a:solidFill>
+              <a:schemeClr val="tx1"/>
+            </a:solidFill>
+          </a:ln>
+        </p:spPr>
+        <p:style>
+          <a:lnRef idx="2">
+            <a:schemeClr val="accent1">
+              <a:shade val="50000"/>
+            </a:schemeClr>
+          </a:lnRef>
+          <a:fillRef idx="1">
+            <a:schemeClr val="accent1"/>
+          </a:fillRef>
+          <a:effectRef idx="0">
+            <a:schemeClr val="accent1"/>
+          </a:effectRef>
+          <a:fontRef idx="minor">
+            <a:schemeClr val="lt1"/>
+          </a:fontRef>
+        </p:style>
+        <p:txBody>
+          <a:bodyPr rtlCol="0" anchor="ctr"/>
+          <a:lstStyle/>
+          <a:p>
+            <a:pPr algn="ctr"/>
+            <a:endParaRPr lang="de-DE"/>
+          </a:p>
+        </p:txBody>
+      </p:sp>
+      <p:sp>
+        <p:nvSpPr>
+          <p:cNvPr id="108" name="Pfeil nach rechts 107"/>
+          <p:cNvSpPr/>
+          <p:nvPr/>
+        </p:nvSpPr>
+        <p:spPr>
+          <a:xfrm>
+            <a:off x="6527701" y="548208"/>
+            <a:ext cx="873391" cy="169361"/>
+          </a:xfrm>
+          <a:prstGeom prst="rightArrow">
+            <a:avLst/>
+          </a:prstGeom>
+          <a:noFill/>
+          <a:ln w="25400">
+            <a:solidFill>
+              <a:schemeClr val="tx1"/>
+            </a:solidFill>
+          </a:ln>
+        </p:spPr>
+        <p:style>
+          <a:lnRef idx="2">
+            <a:schemeClr val="accent1">
+              <a:shade val="50000"/>
+            </a:schemeClr>
+          </a:lnRef>
+          <a:fillRef idx="1">
+            <a:schemeClr val="accent1"/>
+          </a:fillRef>
+          <a:effectRef idx="0">
+            <a:schemeClr val="accent1"/>
+          </a:effectRef>
+          <a:fontRef idx="minor">
+            <a:schemeClr val="lt1"/>
+          </a:fontRef>
+        </p:style>
+        <p:txBody>
+          <a:bodyPr rtlCol="0" anchor="ctr"/>
+          <a:lstStyle/>
+          <a:p>
+            <a:pPr algn="ctr"/>
+            <a:endParaRPr lang="de-DE"/>
+          </a:p>
+        </p:txBody>
+      </p:sp>
+      <p:sp>
+        <p:nvSpPr>
+          <p:cNvPr id="109" name="Pfeil nach rechts 108"/>
+          <p:cNvSpPr/>
+          <p:nvPr/>
+        </p:nvSpPr>
+        <p:spPr>
+          <a:xfrm>
+            <a:off x="4754300" y="532983"/>
+            <a:ext cx="873391" cy="169361"/>
+          </a:xfrm>
+          <a:prstGeom prst="rightArrow">
+            <a:avLst/>
+          </a:prstGeom>
+          <a:noFill/>
+          <a:ln w="25400">
+            <a:solidFill>
+              <a:schemeClr val="tx1"/>
+            </a:solidFill>
+          </a:ln>
+        </p:spPr>
+        <p:style>
+          <a:lnRef idx="2">
+            <a:schemeClr val="accent1">
+              <a:shade val="50000"/>
+            </a:schemeClr>
+          </a:lnRef>
+          <a:fillRef idx="1">
+            <a:schemeClr val="accent1"/>
+          </a:fillRef>
+          <a:effectRef idx="0">
+            <a:schemeClr val="accent1"/>
+          </a:effectRef>
+          <a:fontRef idx="minor">
+            <a:schemeClr val="lt1"/>
+          </a:fontRef>
+        </p:style>
+        <p:txBody>
+          <a:bodyPr rtlCol="0" anchor="ctr"/>
+          <a:lstStyle/>
+          <a:p>
+            <a:pPr algn="ctr"/>
+            <a:endParaRPr lang="de-DE"/>
+          </a:p>
+        </p:txBody>
+      </p:sp>
+      <p:sp>
+        <p:nvSpPr>
+          <p:cNvPr id="110" name="Pfeil nach rechts 109"/>
+          <p:cNvSpPr/>
+          <p:nvPr/>
+        </p:nvSpPr>
+        <p:spPr>
+          <a:xfrm>
+            <a:off x="3043514" y="548208"/>
+            <a:ext cx="873391" cy="169361"/>
+          </a:xfrm>
+          <a:prstGeom prst="rightArrow">
+            <a:avLst/>
+          </a:prstGeom>
+          <a:noFill/>
+          <a:ln w="25400">
+            <a:solidFill>
+              <a:schemeClr val="tx1"/>
+            </a:solidFill>
+          </a:ln>
+        </p:spPr>
+        <p:style>
+          <a:lnRef idx="2">
+            <a:schemeClr val="accent1">
+              <a:shade val="50000"/>
+            </a:schemeClr>
+          </a:lnRef>
+          <a:fillRef idx="1">
+            <a:schemeClr val="accent1"/>
+          </a:fillRef>
+          <a:effectRef idx="0">
+            <a:schemeClr val="accent1"/>
+          </a:effectRef>
+          <a:fontRef idx="minor">
+            <a:schemeClr val="lt1"/>
+          </a:fontRef>
+        </p:style>
+        <p:txBody>
+          <a:bodyPr rtlCol="0" anchor="ctr"/>
+          <a:lstStyle/>
+          <a:p>
+            <a:pPr algn="ctr"/>
+            <a:endParaRPr lang="de-DE"/>
+          </a:p>
+        </p:txBody>
+      </p:sp>
+      <p:sp>
+        <p:nvSpPr>
+          <p:cNvPr id="111" name="Pfeil nach rechts 110"/>
+          <p:cNvSpPr/>
+          <p:nvPr/>
+        </p:nvSpPr>
+        <p:spPr>
+          <a:xfrm>
+            <a:off x="10055298" y="536009"/>
+            <a:ext cx="873391" cy="169361"/>
+          </a:xfrm>
+          <a:prstGeom prst="rightArrow">
+            <a:avLst/>
+          </a:prstGeom>
+          <a:noFill/>
+          <a:ln w="25400">
+            <a:solidFill>
+              <a:schemeClr val="tx1"/>
+            </a:solidFill>
+          </a:ln>
+        </p:spPr>
+        <p:style>
+          <a:lnRef idx="2">
+            <a:schemeClr val="accent1">
+              <a:shade val="50000"/>
+            </a:schemeClr>
+          </a:lnRef>
+          <a:fillRef idx="1">
+            <a:schemeClr val="accent1"/>
+          </a:fillRef>
+          <a:effectRef idx="0">
+            <a:schemeClr val="accent1"/>
+          </a:effectRef>
+          <a:fontRef idx="minor">
+            <a:schemeClr val="lt1"/>
+          </a:fontRef>
+        </p:style>
+        <p:txBody>
+          <a:bodyPr rtlCol="0" anchor="ctr"/>
+          <a:lstStyle/>
+          <a:p>
+            <a:pPr algn="ctr"/>
+            <a:endParaRPr lang="de-DE"/>
+          </a:p>
+        </p:txBody>
+      </p:sp>
+      <p:grpSp>
+        <p:nvGrpSpPr>
+          <p:cNvPr id="112" name="Gruppieren 111"/>
+          <p:cNvGrpSpPr/>
+          <p:nvPr/>
+        </p:nvGrpSpPr>
+        <p:grpSpPr>
+          <a:xfrm>
+            <a:off x="218983" y="3946528"/>
+            <a:ext cx="826060" cy="990438"/>
+            <a:chOff x="230015" y="2052796"/>
+            <a:chExt cx="826060" cy="990438"/>
+          </a:xfrm>
+        </p:grpSpPr>
+        <p:pic>
+          <p:nvPicPr>
+            <p:cNvPr id="113" name="Grafik 112"/>
+            <p:cNvPicPr>
+              <a:picLocks noChangeAspect="1"/>
+            </p:cNvPicPr>
+            <p:nvPr/>
+          </p:nvPicPr>
+          <p:blipFill rotWithShape="1">
+            <a:blip r:embed="rId2" cstate="print">
+              <a:extLst>
+                <a:ext uri="{28A0092B-C50C-407E-A947-70E740481C1C}">
+                  <a14:useLocalDpi xmlns:a14="http://schemas.microsoft.com/office/drawing/2010/main" val="0"/>
+                </a:ext>
+              </a:extLst>
+            </a:blip>
+            <a:srcRect b="12818"/>
+            <a:stretch/>
+          </p:blipFill>
+          <p:spPr>
+            <a:xfrm>
+              <a:off x="230015" y="2052796"/>
+              <a:ext cx="820068" cy="714953"/>
+            </a:xfrm>
+            <a:prstGeom prst="rect">
+              <a:avLst/>
+            </a:prstGeom>
+          </p:spPr>
+        </p:pic>
+        <p:sp>
+          <p:nvSpPr>
+            <p:cNvPr id="114" name="Textfeld 113"/>
+            <p:cNvSpPr txBox="1"/>
+            <p:nvPr/>
+          </p:nvSpPr>
+          <p:spPr>
+            <a:xfrm>
+              <a:off x="358448" y="2735457"/>
+              <a:ext cx="697627" cy="307777"/>
+            </a:xfrm>
+            <a:prstGeom prst="rect">
+              <a:avLst/>
+            </a:prstGeom>
+            <a:noFill/>
+          </p:spPr>
+          <p:txBody>
+            <a:bodyPr wrap="none" rtlCol="0">
+              <a:spAutoFit/>
+            </a:bodyPr>
+            <a:lstStyle/>
+            <a:p>
+              <a:r>
+                <a:rPr lang="de-DE" sz="1400" dirty="0" smtClean="0"/>
+                <a:t>Sender</a:t>
+              </a:r>
+            </a:p>
+          </p:txBody>
+        </p:sp>
+      </p:grpSp>
+      <p:grpSp>
+        <p:nvGrpSpPr>
+          <p:cNvPr id="115" name="Gruppieren 114"/>
+          <p:cNvGrpSpPr/>
+          <p:nvPr/>
+        </p:nvGrpSpPr>
+        <p:grpSpPr>
+          <a:xfrm>
+            <a:off x="10839414" y="3946529"/>
+            <a:ext cx="976486" cy="990435"/>
+            <a:chOff x="10850446" y="2052797"/>
+            <a:chExt cx="976486" cy="990435"/>
+          </a:xfrm>
+        </p:grpSpPr>
+        <p:pic>
+          <p:nvPicPr>
+            <p:cNvPr id="116" name="Grafik 115"/>
+            <p:cNvPicPr>
+              <a:picLocks noChangeAspect="1"/>
+            </p:cNvPicPr>
+            <p:nvPr/>
+          </p:nvPicPr>
+          <p:blipFill rotWithShape="1">
+            <a:blip r:embed="rId3" cstate="print">
+              <a:extLst>
+                <a:ext uri="{28A0092B-C50C-407E-A947-70E740481C1C}">
+                  <a14:useLocalDpi xmlns:a14="http://schemas.microsoft.com/office/drawing/2010/main" val="0"/>
+                </a:ext>
+              </a:extLst>
+            </a:blip>
+            <a:srcRect b="15088"/>
+            <a:stretch/>
+          </p:blipFill>
+          <p:spPr>
+            <a:xfrm>
+              <a:off x="10859830" y="2052797"/>
+              <a:ext cx="894346" cy="759410"/>
+            </a:xfrm>
+            <a:prstGeom prst="rect">
+              <a:avLst/>
+            </a:prstGeom>
+          </p:spPr>
+        </p:pic>
+        <p:sp>
+          <p:nvSpPr>
+            <p:cNvPr id="117" name="Textfeld 116"/>
+            <p:cNvSpPr txBox="1"/>
+            <p:nvPr/>
+          </p:nvSpPr>
+          <p:spPr>
+            <a:xfrm>
+              <a:off x="10850446" y="2735455"/>
+              <a:ext cx="976486" cy="307777"/>
+            </a:xfrm>
+            <a:prstGeom prst="rect">
+              <a:avLst/>
+            </a:prstGeom>
+            <a:noFill/>
+          </p:spPr>
+          <p:txBody>
+            <a:bodyPr wrap="none" rtlCol="0">
+              <a:spAutoFit/>
+            </a:bodyPr>
+            <a:lstStyle/>
+            <a:p>
+              <a:r>
+                <a:rPr lang="de-DE" sz="1400" dirty="0" smtClean="0"/>
+                <a:t>Empfänger</a:t>
+              </a:r>
+            </a:p>
+          </p:txBody>
+        </p:sp>
+      </p:grpSp>
+      <p:grpSp>
+        <p:nvGrpSpPr>
+          <p:cNvPr id="118" name="Gruppieren 117"/>
+          <p:cNvGrpSpPr/>
+          <p:nvPr/>
+        </p:nvGrpSpPr>
+        <p:grpSpPr>
+          <a:xfrm>
+            <a:off x="1209639" y="3870521"/>
+            <a:ext cx="891513" cy="1069435"/>
+            <a:chOff x="1949436" y="1990934"/>
+            <a:chExt cx="891513" cy="1069435"/>
+          </a:xfrm>
+        </p:grpSpPr>
+        <p:pic>
+          <p:nvPicPr>
+            <p:cNvPr id="119" name="Grafik 118"/>
+            <p:cNvPicPr>
+              <a:picLocks noChangeAspect="1"/>
+            </p:cNvPicPr>
+            <p:nvPr/>
+          </p:nvPicPr>
+          <p:blipFill rotWithShape="1">
+            <a:blip r:embed="rId4" cstate="print">
+              <a:extLst>
+                <a:ext uri="{28A0092B-C50C-407E-A947-70E740481C1C}">
+                  <a14:useLocalDpi xmlns:a14="http://schemas.microsoft.com/office/drawing/2010/main" val="0"/>
+                </a:ext>
+              </a:extLst>
+            </a:blip>
+            <a:srcRect b="12866"/>
+            <a:stretch/>
+          </p:blipFill>
+          <p:spPr>
+            <a:xfrm>
+              <a:off x="1949436" y="1990934"/>
+              <a:ext cx="891513" cy="776815"/>
+            </a:xfrm>
+            <a:prstGeom prst="rect">
+              <a:avLst/>
+            </a:prstGeom>
+          </p:spPr>
+        </p:pic>
+        <p:sp>
+          <p:nvSpPr>
+            <p:cNvPr id="120" name="Textfeld 119"/>
+            <p:cNvSpPr txBox="1"/>
+            <p:nvPr/>
+          </p:nvSpPr>
+          <p:spPr>
+            <a:xfrm>
+              <a:off x="1961419" y="2752592"/>
+              <a:ext cx="867545" cy="307777"/>
+            </a:xfrm>
+            <a:prstGeom prst="rect">
+              <a:avLst/>
+            </a:prstGeom>
+            <a:noFill/>
+          </p:spPr>
+          <p:txBody>
+            <a:bodyPr wrap="none" rtlCol="0">
+              <a:spAutoFit/>
+            </a:bodyPr>
+            <a:lstStyle/>
+            <a:p>
+              <a:r>
+                <a:rPr lang="de-DE" sz="1400" dirty="0" smtClean="0"/>
+                <a:t>Publisher</a:t>
+              </a:r>
+            </a:p>
+          </p:txBody>
+        </p:sp>
+      </p:grpSp>
+      <p:grpSp>
+        <p:nvGrpSpPr>
+          <p:cNvPr id="121" name="Gruppieren 120"/>
+          <p:cNvGrpSpPr/>
+          <p:nvPr/>
+        </p:nvGrpSpPr>
+        <p:grpSpPr>
+          <a:xfrm>
+            <a:off x="9726725" y="3861621"/>
+            <a:ext cx="951607" cy="1066443"/>
+            <a:chOff x="9178559" y="1990934"/>
+            <a:chExt cx="951607" cy="1066443"/>
+          </a:xfrm>
+        </p:grpSpPr>
+        <p:pic>
+          <p:nvPicPr>
+            <p:cNvPr id="122" name="Grafik 121"/>
+            <p:cNvPicPr>
+              <a:picLocks noChangeAspect="1"/>
+            </p:cNvPicPr>
+            <p:nvPr/>
+          </p:nvPicPr>
+          <p:blipFill rotWithShape="1">
+            <a:blip r:embed="rId4" cstate="print">
+              <a:extLst>
+                <a:ext uri="{28A0092B-C50C-407E-A947-70E740481C1C}">
+                  <a14:useLocalDpi xmlns:a14="http://schemas.microsoft.com/office/drawing/2010/main" val="0"/>
+                </a:ext>
+              </a:extLst>
+            </a:blip>
+            <a:srcRect b="12866"/>
+            <a:stretch/>
+          </p:blipFill>
+          <p:spPr>
+            <a:xfrm>
+              <a:off x="9178559" y="1990934"/>
+              <a:ext cx="891513" cy="776815"/>
+            </a:xfrm>
+            <a:prstGeom prst="rect">
+              <a:avLst/>
+            </a:prstGeom>
+          </p:spPr>
+        </p:pic>
+        <p:sp>
+          <p:nvSpPr>
+            <p:cNvPr id="123" name="Textfeld 122"/>
+            <p:cNvSpPr txBox="1"/>
+            <p:nvPr/>
+          </p:nvSpPr>
+          <p:spPr>
+            <a:xfrm>
+              <a:off x="9178559" y="2749600"/>
+              <a:ext cx="951607" cy="307777"/>
+            </a:xfrm>
+            <a:prstGeom prst="rect">
+              <a:avLst/>
+            </a:prstGeom>
+            <a:noFill/>
+          </p:spPr>
+          <p:txBody>
+            <a:bodyPr wrap="none" rtlCol="0">
+              <a:spAutoFit/>
+            </a:bodyPr>
+            <a:lstStyle/>
+            <a:p>
+              <a:r>
+                <a:rPr lang="de-DE" sz="1400" dirty="0" smtClean="0"/>
+                <a:t>Subscriber</a:t>
+              </a:r>
+            </a:p>
+          </p:txBody>
+        </p:sp>
+      </p:grpSp>
+      <p:grpSp>
+        <p:nvGrpSpPr>
+          <p:cNvPr id="124" name="Gruppieren 123"/>
+          <p:cNvGrpSpPr/>
+          <p:nvPr/>
+        </p:nvGrpSpPr>
+        <p:grpSpPr>
+          <a:xfrm>
+            <a:off x="2242269" y="3861620"/>
+            <a:ext cx="740558" cy="1066444"/>
+            <a:chOff x="3826005" y="2062223"/>
+            <a:chExt cx="740558" cy="1066444"/>
+          </a:xfrm>
+        </p:grpSpPr>
+        <p:pic>
+          <p:nvPicPr>
+            <p:cNvPr id="125" name="Grafik 124"/>
+            <p:cNvPicPr>
+              <a:picLocks noChangeAspect="1"/>
+            </p:cNvPicPr>
+            <p:nvPr/>
+          </p:nvPicPr>
+          <p:blipFill>
+            <a:blip r:embed="rId5" cstate="print">
+              <a:extLst>
+                <a:ext uri="{28A0092B-C50C-407E-A947-70E740481C1C}">
+                  <a14:useLocalDpi xmlns:a14="http://schemas.microsoft.com/office/drawing/2010/main" val="0"/>
+                </a:ext>
+              </a:extLst>
+            </a:blip>
+            <a:stretch>
+              <a:fillRect/>
+            </a:stretch>
+          </p:blipFill>
+          <p:spPr>
+            <a:xfrm>
+              <a:off x="3826005" y="2062223"/>
+              <a:ext cx="740558" cy="740558"/>
+            </a:xfrm>
+            <a:prstGeom prst="rect">
+              <a:avLst/>
+            </a:prstGeom>
+          </p:spPr>
+        </p:pic>
+        <p:sp>
+          <p:nvSpPr>
+            <p:cNvPr id="126" name="Textfeld 125"/>
+            <p:cNvSpPr txBox="1"/>
+            <p:nvPr/>
+          </p:nvSpPr>
+          <p:spPr>
+            <a:xfrm>
+              <a:off x="3904248" y="2820890"/>
+              <a:ext cx="584071" cy="307777"/>
+            </a:xfrm>
+            <a:prstGeom prst="rect">
+              <a:avLst/>
+            </a:prstGeom>
+            <a:noFill/>
+          </p:spPr>
+          <p:txBody>
+            <a:bodyPr wrap="none" rtlCol="0">
+              <a:spAutoFit/>
+            </a:bodyPr>
+            <a:lstStyle/>
+            <a:p>
+              <a:r>
+                <a:rPr lang="de-DE" sz="1400" dirty="0" smtClean="0"/>
+                <a:t>Kanal</a:t>
+              </a:r>
+            </a:p>
+          </p:txBody>
+        </p:sp>
+      </p:grpSp>
+      <p:grpSp>
+        <p:nvGrpSpPr>
+          <p:cNvPr id="127" name="Gruppieren 126"/>
+          <p:cNvGrpSpPr/>
+          <p:nvPr/>
+        </p:nvGrpSpPr>
+        <p:grpSpPr>
+          <a:xfrm>
+            <a:off x="3151102" y="3882870"/>
+            <a:ext cx="843572" cy="1037886"/>
+            <a:chOff x="5555884" y="2052796"/>
+            <a:chExt cx="843572" cy="1037886"/>
+          </a:xfrm>
+        </p:grpSpPr>
+        <p:pic>
+          <p:nvPicPr>
+            <p:cNvPr id="128" name="Grafik 127"/>
+            <p:cNvPicPr>
+              <a:picLocks noChangeAspect="1"/>
+            </p:cNvPicPr>
+            <p:nvPr/>
+          </p:nvPicPr>
+          <p:blipFill rotWithShape="1">
+            <a:blip r:embed="rId6" cstate="print">
+              <a:extLst>
+                <a:ext uri="{28A0092B-C50C-407E-A947-70E740481C1C}">
+                  <a14:useLocalDpi xmlns:a14="http://schemas.microsoft.com/office/drawing/2010/main" val="0"/>
+                </a:ext>
+              </a:extLst>
+            </a:blip>
+            <a:srcRect b="13450"/>
+            <a:stretch/>
+          </p:blipFill>
+          <p:spPr>
+            <a:xfrm>
+              <a:off x="5555884" y="2052796"/>
+              <a:ext cx="843572" cy="730109"/>
+            </a:xfrm>
+            <a:prstGeom prst="rect">
+              <a:avLst/>
+            </a:prstGeom>
+          </p:spPr>
+        </p:pic>
+        <p:sp>
+          <p:nvSpPr>
+            <p:cNvPr id="129" name="Textfeld 128"/>
+            <p:cNvSpPr txBox="1"/>
+            <p:nvPr/>
+          </p:nvSpPr>
+          <p:spPr>
+            <a:xfrm>
+              <a:off x="5660833" y="2782905"/>
+              <a:ext cx="664926" cy="307777"/>
+            </a:xfrm>
+            <a:prstGeom prst="rect">
+              <a:avLst/>
+            </a:prstGeom>
+            <a:noFill/>
+          </p:spPr>
+          <p:txBody>
+            <a:bodyPr wrap="none" rtlCol="0">
+              <a:spAutoFit/>
+            </a:bodyPr>
+            <a:lstStyle/>
+            <a:p>
+              <a:r>
+                <a:rPr lang="de-DE" sz="1400" dirty="0" smtClean="0"/>
+                <a:t>Broker</a:t>
+              </a:r>
+            </a:p>
+          </p:txBody>
+        </p:sp>
+      </p:grpSp>
+      <p:grpSp>
+        <p:nvGrpSpPr>
+          <p:cNvPr id="130" name="Gruppieren 129"/>
+          <p:cNvGrpSpPr/>
+          <p:nvPr/>
+        </p:nvGrpSpPr>
+        <p:grpSpPr>
+          <a:xfrm>
+            <a:off x="4126511" y="3855882"/>
+            <a:ext cx="951607" cy="1085473"/>
+            <a:chOff x="9174554" y="1990934"/>
+            <a:chExt cx="951607" cy="1085473"/>
+          </a:xfrm>
+        </p:grpSpPr>
+        <p:pic>
+          <p:nvPicPr>
+            <p:cNvPr id="131" name="Grafik 130"/>
+            <p:cNvPicPr>
+              <a:picLocks noChangeAspect="1"/>
+            </p:cNvPicPr>
+            <p:nvPr/>
+          </p:nvPicPr>
+          <p:blipFill rotWithShape="1">
+            <a:blip r:embed="rId4" cstate="print">
+              <a:extLst>
+                <a:ext uri="{28A0092B-C50C-407E-A947-70E740481C1C}">
+                  <a14:useLocalDpi xmlns:a14="http://schemas.microsoft.com/office/drawing/2010/main" val="0"/>
+                </a:ext>
+              </a:extLst>
+            </a:blip>
+            <a:srcRect b="12866"/>
+            <a:stretch/>
+          </p:blipFill>
+          <p:spPr>
+            <a:xfrm>
+              <a:off x="9178559" y="1990934"/>
+              <a:ext cx="891513" cy="776815"/>
+            </a:xfrm>
+            <a:prstGeom prst="rect">
+              <a:avLst/>
+            </a:prstGeom>
+          </p:spPr>
+        </p:pic>
+        <p:sp>
+          <p:nvSpPr>
+            <p:cNvPr id="132" name="Textfeld 131"/>
+            <p:cNvSpPr txBox="1"/>
+            <p:nvPr/>
+          </p:nvSpPr>
+          <p:spPr>
+            <a:xfrm>
+              <a:off x="9174554" y="2768630"/>
+              <a:ext cx="951607" cy="307777"/>
+            </a:xfrm>
+            <a:prstGeom prst="rect">
+              <a:avLst/>
+            </a:prstGeom>
+            <a:noFill/>
+          </p:spPr>
+          <p:txBody>
+            <a:bodyPr wrap="none" rtlCol="0">
+              <a:spAutoFit/>
+            </a:bodyPr>
+            <a:lstStyle/>
+            <a:p>
+              <a:r>
+                <a:rPr lang="de-DE" sz="1400" dirty="0" smtClean="0"/>
+                <a:t>Subscriber</a:t>
+              </a:r>
+            </a:p>
+          </p:txBody>
+        </p:sp>
+      </p:grpSp>
+      <p:grpSp>
+        <p:nvGrpSpPr>
+          <p:cNvPr id="133" name="Gruppieren 132"/>
+          <p:cNvGrpSpPr/>
+          <p:nvPr/>
+        </p:nvGrpSpPr>
+        <p:grpSpPr>
+          <a:xfrm>
+            <a:off x="5173351" y="3870521"/>
+            <a:ext cx="727671" cy="1057543"/>
+            <a:chOff x="5136498" y="1976789"/>
+            <a:chExt cx="727671" cy="1057543"/>
+          </a:xfrm>
+        </p:grpSpPr>
+        <p:pic>
+          <p:nvPicPr>
+            <p:cNvPr id="134" name="Grafik 133"/>
+            <p:cNvPicPr>
+              <a:picLocks noChangeAspect="1"/>
+            </p:cNvPicPr>
+            <p:nvPr/>
+          </p:nvPicPr>
+          <p:blipFill>
+            <a:blip r:embed="rId7" cstate="print">
+              <a:extLst>
+                <a:ext uri="{28A0092B-C50C-407E-A947-70E740481C1C}">
+                  <a14:useLocalDpi xmlns:a14="http://schemas.microsoft.com/office/drawing/2010/main" val="0"/>
+                </a:ext>
+              </a:extLst>
+            </a:blip>
+            <a:stretch>
+              <a:fillRect/>
+            </a:stretch>
+          </p:blipFill>
+          <p:spPr>
+            <a:xfrm>
+              <a:off x="5136498" y="1976789"/>
+              <a:ext cx="727671" cy="727671"/>
+            </a:xfrm>
+            <a:prstGeom prst="rect">
+              <a:avLst/>
+            </a:prstGeom>
+          </p:spPr>
+        </p:pic>
+        <p:sp>
+          <p:nvSpPr>
+            <p:cNvPr id="135" name="Textfeld 134"/>
+            <p:cNvSpPr txBox="1"/>
+            <p:nvPr/>
+          </p:nvSpPr>
+          <p:spPr>
+            <a:xfrm>
+              <a:off x="5204731" y="2726555"/>
+              <a:ext cx="561051" cy="307777"/>
+            </a:xfrm>
+            <a:prstGeom prst="rect">
+              <a:avLst/>
+            </a:prstGeom>
+            <a:noFill/>
+          </p:spPr>
+          <p:txBody>
+            <a:bodyPr wrap="none" rtlCol="0">
+              <a:spAutoFit/>
+            </a:bodyPr>
+            <a:lstStyle/>
+            <a:p>
+              <a:r>
+                <a:rPr lang="de-DE" sz="1400" dirty="0" smtClean="0"/>
+                <a:t>Filter</a:t>
+              </a:r>
+            </a:p>
+          </p:txBody>
+        </p:sp>
+      </p:grpSp>
+      <p:grpSp>
+        <p:nvGrpSpPr>
+          <p:cNvPr id="136" name="Gruppieren 135"/>
+          <p:cNvGrpSpPr/>
+          <p:nvPr/>
+        </p:nvGrpSpPr>
+        <p:grpSpPr>
+          <a:xfrm>
+            <a:off x="6091487" y="3854312"/>
+            <a:ext cx="891513" cy="1069435"/>
+            <a:chOff x="1949436" y="1990934"/>
+            <a:chExt cx="891513" cy="1069435"/>
+          </a:xfrm>
+        </p:grpSpPr>
+        <p:pic>
+          <p:nvPicPr>
+            <p:cNvPr id="137" name="Grafik 136"/>
+            <p:cNvPicPr>
+              <a:picLocks noChangeAspect="1"/>
+            </p:cNvPicPr>
+            <p:nvPr/>
+          </p:nvPicPr>
+          <p:blipFill rotWithShape="1">
+            <a:blip r:embed="rId4" cstate="print">
+              <a:extLst>
+                <a:ext uri="{28A0092B-C50C-407E-A947-70E740481C1C}">
+                  <a14:useLocalDpi xmlns:a14="http://schemas.microsoft.com/office/drawing/2010/main" val="0"/>
+                </a:ext>
+              </a:extLst>
+            </a:blip>
+            <a:srcRect b="12866"/>
+            <a:stretch/>
+          </p:blipFill>
+          <p:spPr>
+            <a:xfrm>
+              <a:off x="1949436" y="1990934"/>
+              <a:ext cx="891513" cy="776815"/>
+            </a:xfrm>
+            <a:prstGeom prst="rect">
+              <a:avLst/>
+            </a:prstGeom>
+          </p:spPr>
+        </p:pic>
+        <p:sp>
+          <p:nvSpPr>
+            <p:cNvPr id="138" name="Textfeld 137"/>
+            <p:cNvSpPr txBox="1"/>
+            <p:nvPr/>
+          </p:nvSpPr>
+          <p:spPr>
+            <a:xfrm>
+              <a:off x="1961419" y="2752592"/>
+              <a:ext cx="867545" cy="307777"/>
+            </a:xfrm>
+            <a:prstGeom prst="rect">
+              <a:avLst/>
+            </a:prstGeom>
+            <a:noFill/>
+          </p:spPr>
+          <p:txBody>
+            <a:bodyPr wrap="none" rtlCol="0">
+              <a:spAutoFit/>
+            </a:bodyPr>
+            <a:lstStyle/>
+            <a:p>
+              <a:r>
+                <a:rPr lang="de-DE" sz="1400" dirty="0" smtClean="0"/>
+                <a:t>Publisher</a:t>
+              </a:r>
+            </a:p>
+          </p:txBody>
+        </p:sp>
+      </p:grpSp>
+      <p:grpSp>
+        <p:nvGrpSpPr>
+          <p:cNvPr id="139" name="Gruppieren 138"/>
+          <p:cNvGrpSpPr/>
+          <p:nvPr/>
+        </p:nvGrpSpPr>
+        <p:grpSpPr>
+          <a:xfrm>
+            <a:off x="7052058" y="3861620"/>
+            <a:ext cx="740558" cy="1066444"/>
+            <a:chOff x="3826005" y="2062223"/>
+            <a:chExt cx="740558" cy="1066444"/>
+          </a:xfrm>
+        </p:grpSpPr>
+        <p:pic>
+          <p:nvPicPr>
+            <p:cNvPr id="140" name="Grafik 139"/>
+            <p:cNvPicPr>
+              <a:picLocks noChangeAspect="1"/>
+            </p:cNvPicPr>
+            <p:nvPr/>
+          </p:nvPicPr>
+          <p:blipFill>
+            <a:blip r:embed="rId5" cstate="print">
+              <a:extLst>
+                <a:ext uri="{28A0092B-C50C-407E-A947-70E740481C1C}">
+                  <a14:useLocalDpi xmlns:a14="http://schemas.microsoft.com/office/drawing/2010/main" val="0"/>
+                </a:ext>
+              </a:extLst>
+            </a:blip>
+            <a:stretch>
+              <a:fillRect/>
+            </a:stretch>
+          </p:blipFill>
+          <p:spPr>
+            <a:xfrm>
+              <a:off x="3826005" y="2062223"/>
+              <a:ext cx="740558" cy="740558"/>
+            </a:xfrm>
+            <a:prstGeom prst="rect">
+              <a:avLst/>
+            </a:prstGeom>
+          </p:spPr>
+        </p:pic>
+        <p:sp>
+          <p:nvSpPr>
+            <p:cNvPr id="141" name="Textfeld 140"/>
+            <p:cNvSpPr txBox="1"/>
+            <p:nvPr/>
+          </p:nvSpPr>
+          <p:spPr>
+            <a:xfrm>
+              <a:off x="3904248" y="2820890"/>
+              <a:ext cx="584071" cy="307777"/>
+            </a:xfrm>
+            <a:prstGeom prst="rect">
+              <a:avLst/>
+            </a:prstGeom>
+            <a:noFill/>
+          </p:spPr>
+          <p:txBody>
+            <a:bodyPr wrap="none" rtlCol="0">
+              <a:spAutoFit/>
+            </a:bodyPr>
+            <a:lstStyle/>
+            <a:p>
+              <a:r>
+                <a:rPr lang="de-DE" sz="1400" dirty="0" smtClean="0"/>
+                <a:t>Kanal</a:t>
+              </a:r>
+            </a:p>
+          </p:txBody>
+        </p:sp>
+      </p:grpSp>
+      <p:grpSp>
+        <p:nvGrpSpPr>
+          <p:cNvPr id="142" name="Gruppieren 141"/>
+          <p:cNvGrpSpPr/>
+          <p:nvPr/>
+        </p:nvGrpSpPr>
+        <p:grpSpPr>
+          <a:xfrm>
+            <a:off x="7858749" y="3890178"/>
+            <a:ext cx="843572" cy="1037886"/>
+            <a:chOff x="5555884" y="2052796"/>
+            <a:chExt cx="843572" cy="1037886"/>
+          </a:xfrm>
+        </p:grpSpPr>
+        <p:pic>
+          <p:nvPicPr>
+            <p:cNvPr id="143" name="Grafik 142"/>
+            <p:cNvPicPr>
+              <a:picLocks noChangeAspect="1"/>
+            </p:cNvPicPr>
+            <p:nvPr/>
+          </p:nvPicPr>
+          <p:blipFill rotWithShape="1">
+            <a:blip r:embed="rId6" cstate="print">
+              <a:extLst>
+                <a:ext uri="{28A0092B-C50C-407E-A947-70E740481C1C}">
+                  <a14:useLocalDpi xmlns:a14="http://schemas.microsoft.com/office/drawing/2010/main" val="0"/>
+                </a:ext>
+              </a:extLst>
+            </a:blip>
+            <a:srcRect b="13450"/>
+            <a:stretch/>
+          </p:blipFill>
+          <p:spPr>
+            <a:xfrm>
+              <a:off x="5555884" y="2052796"/>
+              <a:ext cx="843572" cy="730109"/>
+            </a:xfrm>
+            <a:prstGeom prst="rect">
+              <a:avLst/>
+            </a:prstGeom>
+          </p:spPr>
+        </p:pic>
+        <p:sp>
+          <p:nvSpPr>
+            <p:cNvPr id="144" name="Textfeld 143"/>
+            <p:cNvSpPr txBox="1"/>
+            <p:nvPr/>
+          </p:nvSpPr>
+          <p:spPr>
+            <a:xfrm>
+              <a:off x="5660833" y="2782905"/>
+              <a:ext cx="664926" cy="307777"/>
+            </a:xfrm>
+            <a:prstGeom prst="rect">
+              <a:avLst/>
+            </a:prstGeom>
+            <a:noFill/>
+          </p:spPr>
+          <p:txBody>
+            <a:bodyPr wrap="none" rtlCol="0">
+              <a:spAutoFit/>
+            </a:bodyPr>
+            <a:lstStyle/>
+            <a:p>
+              <a:r>
+                <a:rPr lang="de-DE" sz="1400" dirty="0" smtClean="0"/>
+                <a:t>Broker</a:t>
+              </a:r>
+            </a:p>
+          </p:txBody>
+        </p:sp>
+      </p:grpSp>
+      <p:grpSp>
+        <p:nvGrpSpPr>
+          <p:cNvPr id="145" name="Gruppieren 144"/>
+          <p:cNvGrpSpPr/>
+          <p:nvPr/>
+        </p:nvGrpSpPr>
+        <p:grpSpPr>
+          <a:xfrm>
+            <a:off x="8836960" y="3854312"/>
+            <a:ext cx="740558" cy="1066444"/>
+            <a:chOff x="3826005" y="2062223"/>
+            <a:chExt cx="740558" cy="1066444"/>
+          </a:xfrm>
+        </p:grpSpPr>
+        <p:pic>
+          <p:nvPicPr>
+            <p:cNvPr id="146" name="Grafik 145"/>
+            <p:cNvPicPr>
+              <a:picLocks noChangeAspect="1"/>
+            </p:cNvPicPr>
+            <p:nvPr/>
+          </p:nvPicPr>
+          <p:blipFill>
+            <a:blip r:embed="rId5" cstate="print">
+              <a:extLst>
+                <a:ext uri="{28A0092B-C50C-407E-A947-70E740481C1C}">
+                  <a14:useLocalDpi xmlns:a14="http://schemas.microsoft.com/office/drawing/2010/main" val="0"/>
+                </a:ext>
+              </a:extLst>
+            </a:blip>
+            <a:stretch>
+              <a:fillRect/>
+            </a:stretch>
+          </p:blipFill>
+          <p:spPr>
+            <a:xfrm>
+              <a:off x="3826005" y="2062223"/>
+              <a:ext cx="740558" cy="740558"/>
+            </a:xfrm>
+            <a:prstGeom prst="rect">
+              <a:avLst/>
+            </a:prstGeom>
+          </p:spPr>
+        </p:pic>
+        <p:sp>
+          <p:nvSpPr>
+            <p:cNvPr id="147" name="Textfeld 146"/>
+            <p:cNvSpPr txBox="1"/>
+            <p:nvPr/>
+          </p:nvSpPr>
+          <p:spPr>
+            <a:xfrm>
+              <a:off x="3904248" y="2820890"/>
+              <a:ext cx="584071" cy="307777"/>
+            </a:xfrm>
+            <a:prstGeom prst="rect">
+              <a:avLst/>
+            </a:prstGeom>
+            <a:noFill/>
+          </p:spPr>
+          <p:txBody>
+            <a:bodyPr wrap="none" rtlCol="0">
+              <a:spAutoFit/>
+            </a:bodyPr>
+            <a:lstStyle/>
+            <a:p>
+              <a:r>
+                <a:rPr lang="de-DE" sz="1400" dirty="0" smtClean="0"/>
+                <a:t>Kanal</a:t>
+              </a:r>
+            </a:p>
+          </p:txBody>
+        </p:sp>
+      </p:grpSp>
+      <p:sp>
+        <p:nvSpPr>
+          <p:cNvPr id="148" name="Pfeil nach rechts 147"/>
+          <p:cNvSpPr/>
+          <p:nvPr/>
+        </p:nvSpPr>
+        <p:spPr>
+          <a:xfrm>
+            <a:off x="1008410" y="4186318"/>
+            <a:ext cx="198916" cy="168442"/>
+          </a:xfrm>
+          <a:prstGeom prst="rightArrow">
+            <a:avLst/>
+          </a:prstGeom>
+          <a:noFill/>
+          <a:ln w="25400">
+            <a:solidFill>
+              <a:schemeClr val="tx1"/>
+            </a:solidFill>
+          </a:ln>
+        </p:spPr>
+        <p:style>
+          <a:lnRef idx="2">
+            <a:schemeClr val="accent1">
+              <a:shade val="50000"/>
+            </a:schemeClr>
+          </a:lnRef>
+          <a:fillRef idx="1">
+            <a:schemeClr val="accent1"/>
+          </a:fillRef>
+          <a:effectRef idx="0">
+            <a:schemeClr val="accent1"/>
+          </a:effectRef>
+          <a:fontRef idx="minor">
+            <a:schemeClr val="lt1"/>
+          </a:fontRef>
+        </p:style>
+        <p:txBody>
+          <a:bodyPr rtlCol="0" anchor="ctr"/>
+          <a:lstStyle/>
+          <a:p>
+            <a:pPr algn="ctr"/>
+            <a:endParaRPr lang="de-DE"/>
+          </a:p>
+        </p:txBody>
+      </p:sp>
+      <p:sp>
+        <p:nvSpPr>
+          <p:cNvPr id="149" name="Pfeil nach rechts 148"/>
+          <p:cNvSpPr/>
+          <p:nvPr/>
+        </p:nvSpPr>
+        <p:spPr>
+          <a:xfrm>
+            <a:off x="2101497" y="4193936"/>
+            <a:ext cx="198916" cy="168442"/>
+          </a:xfrm>
+          <a:prstGeom prst="rightArrow">
+            <a:avLst/>
+          </a:prstGeom>
+          <a:noFill/>
+          <a:ln w="25400">
+            <a:solidFill>
+              <a:schemeClr val="tx1"/>
+            </a:solidFill>
+          </a:ln>
+        </p:spPr>
+        <p:style>
+          <a:lnRef idx="2">
+            <a:schemeClr val="accent1">
+              <a:shade val="50000"/>
+            </a:schemeClr>
+          </a:lnRef>
+          <a:fillRef idx="1">
+            <a:schemeClr val="accent1"/>
+          </a:fillRef>
+          <a:effectRef idx="0">
+            <a:schemeClr val="accent1"/>
+          </a:effectRef>
+          <a:fontRef idx="minor">
+            <a:schemeClr val="lt1"/>
+          </a:fontRef>
+        </p:style>
+        <p:txBody>
+          <a:bodyPr rtlCol="0" anchor="ctr"/>
+          <a:lstStyle/>
+          <a:p>
+            <a:pPr algn="ctr"/>
+            <a:endParaRPr lang="de-DE"/>
+          </a:p>
+        </p:txBody>
+      </p:sp>
+      <p:sp>
+        <p:nvSpPr>
+          <p:cNvPr id="150" name="Pfeil nach rechts 149"/>
+          <p:cNvSpPr/>
+          <p:nvPr/>
+        </p:nvSpPr>
+        <p:spPr>
+          <a:xfrm>
+            <a:off x="2971795" y="4186318"/>
+            <a:ext cx="198916" cy="168442"/>
+          </a:xfrm>
+          <a:prstGeom prst="rightArrow">
+            <a:avLst/>
+          </a:prstGeom>
+          <a:noFill/>
+          <a:ln w="25400">
+            <a:solidFill>
+              <a:schemeClr val="tx1"/>
+            </a:solidFill>
+          </a:ln>
+        </p:spPr>
+        <p:style>
+          <a:lnRef idx="2">
+            <a:schemeClr val="accent1">
+              <a:shade val="50000"/>
+            </a:schemeClr>
+          </a:lnRef>
+          <a:fillRef idx="1">
+            <a:schemeClr val="accent1"/>
+          </a:fillRef>
+          <a:effectRef idx="0">
+            <a:schemeClr val="accent1"/>
+          </a:effectRef>
+          <a:fontRef idx="minor">
+            <a:schemeClr val="lt1"/>
+          </a:fontRef>
+        </p:style>
+        <p:txBody>
+          <a:bodyPr rtlCol="0" anchor="ctr"/>
+          <a:lstStyle/>
+          <a:p>
+            <a:pPr algn="ctr"/>
+            <a:endParaRPr lang="de-DE"/>
+          </a:p>
+        </p:txBody>
+      </p:sp>
+      <p:sp>
+        <p:nvSpPr>
+          <p:cNvPr id="151" name="Pfeil nach rechts 150"/>
+          <p:cNvSpPr/>
+          <p:nvPr/>
+        </p:nvSpPr>
+        <p:spPr>
+          <a:xfrm>
+            <a:off x="3944965" y="4174287"/>
+            <a:ext cx="198916" cy="168442"/>
+          </a:xfrm>
+          <a:prstGeom prst="rightArrow">
+            <a:avLst/>
+          </a:prstGeom>
+          <a:noFill/>
+          <a:ln w="25400">
+            <a:solidFill>
+              <a:schemeClr val="tx1"/>
+            </a:solidFill>
+          </a:ln>
+        </p:spPr>
+        <p:style>
+          <a:lnRef idx="2">
+            <a:schemeClr val="accent1">
+              <a:shade val="50000"/>
+            </a:schemeClr>
+          </a:lnRef>
+          <a:fillRef idx="1">
+            <a:schemeClr val="accent1"/>
+          </a:fillRef>
+          <a:effectRef idx="0">
+            <a:schemeClr val="accent1"/>
+          </a:effectRef>
+          <a:fontRef idx="minor">
+            <a:schemeClr val="lt1"/>
+          </a:fontRef>
+        </p:style>
+        <p:txBody>
+          <a:bodyPr rtlCol="0" anchor="ctr"/>
+          <a:lstStyle/>
+          <a:p>
+            <a:pPr algn="ctr"/>
+            <a:endParaRPr lang="de-DE"/>
+          </a:p>
+        </p:txBody>
+      </p:sp>
+      <p:sp>
+        <p:nvSpPr>
+          <p:cNvPr id="152" name="Pfeil nach rechts 151"/>
+          <p:cNvSpPr/>
+          <p:nvPr/>
+        </p:nvSpPr>
+        <p:spPr>
+          <a:xfrm>
+            <a:off x="5003223" y="4193936"/>
+            <a:ext cx="198916" cy="168442"/>
+          </a:xfrm>
+          <a:prstGeom prst="rightArrow">
+            <a:avLst/>
+          </a:prstGeom>
+          <a:noFill/>
+          <a:ln w="25400">
+            <a:solidFill>
+              <a:schemeClr val="tx1"/>
+            </a:solidFill>
+          </a:ln>
+        </p:spPr>
+        <p:style>
+          <a:lnRef idx="2">
+            <a:schemeClr val="accent1">
+              <a:shade val="50000"/>
+            </a:schemeClr>
+          </a:lnRef>
+          <a:fillRef idx="1">
+            <a:schemeClr val="accent1"/>
+          </a:fillRef>
+          <a:effectRef idx="0">
+            <a:schemeClr val="accent1"/>
+          </a:effectRef>
+          <a:fontRef idx="minor">
+            <a:schemeClr val="lt1"/>
+          </a:fontRef>
+        </p:style>
+        <p:txBody>
+          <a:bodyPr rtlCol="0" anchor="ctr"/>
+          <a:lstStyle/>
+          <a:p>
+            <a:pPr algn="ctr"/>
+            <a:endParaRPr lang="de-DE"/>
+          </a:p>
+        </p:txBody>
+      </p:sp>
+      <p:sp>
+        <p:nvSpPr>
+          <p:cNvPr id="153" name="Pfeil nach rechts 152"/>
+          <p:cNvSpPr/>
+          <p:nvPr/>
+        </p:nvSpPr>
+        <p:spPr>
+          <a:xfrm>
+            <a:off x="5887351" y="4193936"/>
+            <a:ext cx="198916" cy="168442"/>
+          </a:xfrm>
+          <a:prstGeom prst="rightArrow">
+            <a:avLst/>
+          </a:prstGeom>
+          <a:noFill/>
+          <a:ln w="25400">
+            <a:solidFill>
+              <a:schemeClr val="tx1"/>
+            </a:solidFill>
+          </a:ln>
+        </p:spPr>
+        <p:style>
+          <a:lnRef idx="2">
+            <a:schemeClr val="accent1">
+              <a:shade val="50000"/>
+            </a:schemeClr>
+          </a:lnRef>
+          <a:fillRef idx="1">
+            <a:schemeClr val="accent1"/>
+          </a:fillRef>
+          <a:effectRef idx="0">
+            <a:schemeClr val="accent1"/>
+          </a:effectRef>
+          <a:fontRef idx="minor">
+            <a:schemeClr val="lt1"/>
+          </a:fontRef>
+        </p:style>
+        <p:txBody>
+          <a:bodyPr rtlCol="0" anchor="ctr"/>
+          <a:lstStyle/>
+          <a:p>
+            <a:pPr algn="ctr"/>
+            <a:endParaRPr lang="de-DE"/>
+          </a:p>
+        </p:txBody>
+      </p:sp>
+      <p:sp>
+        <p:nvSpPr>
+          <p:cNvPr id="154" name="Pfeil nach rechts 153"/>
+          <p:cNvSpPr/>
+          <p:nvPr/>
+        </p:nvSpPr>
+        <p:spPr>
+          <a:xfrm>
+            <a:off x="6929375" y="4193936"/>
+            <a:ext cx="198916" cy="168442"/>
+          </a:xfrm>
+          <a:prstGeom prst="rightArrow">
+            <a:avLst/>
+          </a:prstGeom>
+          <a:noFill/>
+          <a:ln w="25400">
+            <a:solidFill>
+              <a:schemeClr val="tx1"/>
+            </a:solidFill>
+          </a:ln>
+        </p:spPr>
+        <p:style>
+          <a:lnRef idx="2">
+            <a:schemeClr val="accent1">
+              <a:shade val="50000"/>
+            </a:schemeClr>
+          </a:lnRef>
+          <a:fillRef idx="1">
+            <a:schemeClr val="accent1"/>
+          </a:fillRef>
+          <a:effectRef idx="0">
+            <a:schemeClr val="accent1"/>
+          </a:effectRef>
+          <a:fontRef idx="minor">
+            <a:schemeClr val="lt1"/>
+          </a:fontRef>
+        </p:style>
+        <p:txBody>
+          <a:bodyPr rtlCol="0" anchor="ctr"/>
+          <a:lstStyle/>
+          <a:p>
+            <a:pPr algn="ctr"/>
+            <a:endParaRPr lang="de-DE"/>
+          </a:p>
+        </p:txBody>
+      </p:sp>
+      <p:sp>
+        <p:nvSpPr>
+          <p:cNvPr id="155" name="Pfeil nach rechts 154"/>
+          <p:cNvSpPr/>
+          <p:nvPr/>
+        </p:nvSpPr>
+        <p:spPr>
+          <a:xfrm>
+            <a:off x="7708980" y="4182308"/>
+            <a:ext cx="198916" cy="180070"/>
+          </a:xfrm>
+          <a:prstGeom prst="rightArrow">
+            <a:avLst/>
+          </a:prstGeom>
+          <a:noFill/>
+          <a:ln w="25400">
+            <a:solidFill>
+              <a:schemeClr val="tx1"/>
+            </a:solidFill>
+          </a:ln>
+        </p:spPr>
+        <p:style>
+          <a:lnRef idx="2">
+            <a:schemeClr val="accent1">
+              <a:shade val="50000"/>
+            </a:schemeClr>
+          </a:lnRef>
+          <a:fillRef idx="1">
+            <a:schemeClr val="accent1"/>
+          </a:fillRef>
+          <a:effectRef idx="0">
+            <a:schemeClr val="accent1"/>
+          </a:effectRef>
+          <a:fontRef idx="minor">
+            <a:schemeClr val="lt1"/>
+          </a:fontRef>
+        </p:style>
+        <p:txBody>
+          <a:bodyPr rtlCol="0" anchor="ctr"/>
+          <a:lstStyle/>
+          <a:p>
+            <a:pPr algn="ctr"/>
+            <a:endParaRPr lang="de-DE"/>
+          </a:p>
+        </p:txBody>
+      </p:sp>
+      <p:sp>
+        <p:nvSpPr>
+          <p:cNvPr id="156" name="Pfeil nach rechts 155"/>
+          <p:cNvSpPr/>
+          <p:nvPr/>
+        </p:nvSpPr>
+        <p:spPr>
+          <a:xfrm>
+            <a:off x="8661033" y="4186319"/>
+            <a:ext cx="198916" cy="168442"/>
+          </a:xfrm>
+          <a:prstGeom prst="rightArrow">
+            <a:avLst/>
+          </a:prstGeom>
+          <a:noFill/>
+          <a:ln w="25400">
+            <a:solidFill>
+              <a:schemeClr val="tx1"/>
+            </a:solidFill>
+          </a:ln>
+        </p:spPr>
+        <p:style>
+          <a:lnRef idx="2">
+            <a:schemeClr val="accent1">
+              <a:shade val="50000"/>
+            </a:schemeClr>
+          </a:lnRef>
+          <a:fillRef idx="1">
+            <a:schemeClr val="accent1"/>
+          </a:fillRef>
+          <a:effectRef idx="0">
+            <a:schemeClr val="accent1"/>
+          </a:effectRef>
+          <a:fontRef idx="minor">
+            <a:schemeClr val="lt1"/>
+          </a:fontRef>
+        </p:style>
+        <p:txBody>
+          <a:bodyPr rtlCol="0" anchor="ctr"/>
+          <a:lstStyle/>
+          <a:p>
+            <a:pPr algn="ctr"/>
+            <a:endParaRPr lang="de-DE"/>
+          </a:p>
+        </p:txBody>
+      </p:sp>
+      <p:sp>
+        <p:nvSpPr>
+          <p:cNvPr id="157" name="Pfeil nach rechts 156"/>
+          <p:cNvSpPr/>
+          <p:nvPr/>
+        </p:nvSpPr>
+        <p:spPr>
+          <a:xfrm>
+            <a:off x="9542034" y="4182308"/>
+            <a:ext cx="198916" cy="168442"/>
+          </a:xfrm>
+          <a:prstGeom prst="rightArrow">
+            <a:avLst/>
+          </a:prstGeom>
+          <a:noFill/>
+          <a:ln w="25400">
+            <a:solidFill>
+              <a:schemeClr val="tx1"/>
+            </a:solidFill>
+          </a:ln>
+        </p:spPr>
+        <p:style>
+          <a:lnRef idx="2">
+            <a:schemeClr val="accent1">
+              <a:shade val="50000"/>
+            </a:schemeClr>
+          </a:lnRef>
+          <a:fillRef idx="1">
+            <a:schemeClr val="accent1"/>
+          </a:fillRef>
+          <a:effectRef idx="0">
+            <a:schemeClr val="accent1"/>
+          </a:effectRef>
+          <a:fontRef idx="minor">
+            <a:schemeClr val="lt1"/>
+          </a:fontRef>
+        </p:style>
+        <p:txBody>
+          <a:bodyPr rtlCol="0" anchor="ctr"/>
+          <a:lstStyle/>
+          <a:p>
+            <a:pPr algn="ctr"/>
+            <a:endParaRPr lang="de-DE"/>
+          </a:p>
+        </p:txBody>
+      </p:sp>
+      <p:grpSp>
+        <p:nvGrpSpPr>
+          <p:cNvPr id="175" name="Gruppieren 174"/>
+          <p:cNvGrpSpPr/>
+          <p:nvPr/>
+        </p:nvGrpSpPr>
+        <p:grpSpPr>
+          <a:xfrm>
+            <a:off x="9756563" y="5524002"/>
+            <a:ext cx="951607" cy="1066443"/>
+            <a:chOff x="9178559" y="1990934"/>
+            <a:chExt cx="951607" cy="1066443"/>
+          </a:xfrm>
+        </p:grpSpPr>
+        <p:pic>
+          <p:nvPicPr>
+            <p:cNvPr id="176" name="Grafik 175"/>
+            <p:cNvPicPr>
+              <a:picLocks noChangeAspect="1"/>
+            </p:cNvPicPr>
+            <p:nvPr/>
+          </p:nvPicPr>
+          <p:blipFill rotWithShape="1">
+            <a:blip r:embed="rId4" cstate="print">
+              <a:extLst>
+                <a:ext uri="{28A0092B-C50C-407E-A947-70E740481C1C}">
+                  <a14:useLocalDpi xmlns:a14="http://schemas.microsoft.com/office/drawing/2010/main" val="0"/>
+                </a:ext>
+              </a:extLst>
+            </a:blip>
+            <a:srcRect b="12866"/>
+            <a:stretch/>
+          </p:blipFill>
+          <p:spPr>
+            <a:xfrm>
+              <a:off x="9178559" y="1990934"/>
+              <a:ext cx="891513" cy="776815"/>
+            </a:xfrm>
+            <a:prstGeom prst="rect">
+              <a:avLst/>
+            </a:prstGeom>
+          </p:spPr>
+        </p:pic>
+        <p:sp>
+          <p:nvSpPr>
+            <p:cNvPr id="177" name="Textfeld 176"/>
+            <p:cNvSpPr txBox="1"/>
+            <p:nvPr/>
+          </p:nvSpPr>
+          <p:spPr>
+            <a:xfrm>
+              <a:off x="9178559" y="2749600"/>
+              <a:ext cx="951607" cy="307777"/>
+            </a:xfrm>
+            <a:prstGeom prst="rect">
+              <a:avLst/>
+            </a:prstGeom>
+            <a:noFill/>
+          </p:spPr>
+          <p:txBody>
+            <a:bodyPr wrap="none" rtlCol="0">
+              <a:spAutoFit/>
+            </a:bodyPr>
+            <a:lstStyle/>
+            <a:p>
+              <a:r>
+                <a:rPr lang="de-DE" sz="1400" dirty="0" smtClean="0"/>
+                <a:t>Subscriber</a:t>
+              </a:r>
+            </a:p>
+          </p:txBody>
+        </p:sp>
+      </p:grpSp>
+      <p:grpSp>
+        <p:nvGrpSpPr>
+          <p:cNvPr id="178" name="Gruppieren 177"/>
+          <p:cNvGrpSpPr/>
+          <p:nvPr/>
+        </p:nvGrpSpPr>
+        <p:grpSpPr>
+          <a:xfrm>
+            <a:off x="5203189" y="5532902"/>
+            <a:ext cx="727671" cy="1057543"/>
+            <a:chOff x="5136498" y="1976789"/>
+            <a:chExt cx="727671" cy="1057543"/>
+          </a:xfrm>
+        </p:grpSpPr>
+        <p:pic>
+          <p:nvPicPr>
+            <p:cNvPr id="179" name="Grafik 178"/>
+            <p:cNvPicPr>
+              <a:picLocks noChangeAspect="1"/>
+            </p:cNvPicPr>
+            <p:nvPr/>
+          </p:nvPicPr>
+          <p:blipFill>
+            <a:blip r:embed="rId7" cstate="print">
+              <a:extLst>
+                <a:ext uri="{28A0092B-C50C-407E-A947-70E740481C1C}">
+                  <a14:useLocalDpi xmlns:a14="http://schemas.microsoft.com/office/drawing/2010/main" val="0"/>
+                </a:ext>
+              </a:extLst>
+            </a:blip>
+            <a:stretch>
+              <a:fillRect/>
+            </a:stretch>
+          </p:blipFill>
+          <p:spPr>
+            <a:xfrm>
+              <a:off x="5136498" y="1976789"/>
+              <a:ext cx="727671" cy="727671"/>
+            </a:xfrm>
+            <a:prstGeom prst="rect">
+              <a:avLst/>
+            </a:prstGeom>
+          </p:spPr>
+        </p:pic>
+        <p:sp>
+          <p:nvSpPr>
+            <p:cNvPr id="180" name="Textfeld 179"/>
+            <p:cNvSpPr txBox="1"/>
+            <p:nvPr/>
+          </p:nvSpPr>
+          <p:spPr>
+            <a:xfrm>
+              <a:off x="5204731" y="2726555"/>
+              <a:ext cx="561051" cy="307777"/>
+            </a:xfrm>
+            <a:prstGeom prst="rect">
+              <a:avLst/>
+            </a:prstGeom>
+            <a:noFill/>
+          </p:spPr>
+          <p:txBody>
+            <a:bodyPr wrap="none" rtlCol="0">
+              <a:spAutoFit/>
+            </a:bodyPr>
+            <a:lstStyle/>
+            <a:p>
+              <a:r>
+                <a:rPr lang="de-DE" sz="1400" dirty="0" smtClean="0"/>
+                <a:t>Filter</a:t>
+              </a:r>
+            </a:p>
+          </p:txBody>
+        </p:sp>
+      </p:grpSp>
+      <p:grpSp>
+        <p:nvGrpSpPr>
+          <p:cNvPr id="181" name="Gruppieren 180"/>
+          <p:cNvGrpSpPr/>
+          <p:nvPr/>
+        </p:nvGrpSpPr>
+        <p:grpSpPr>
+          <a:xfrm>
+            <a:off x="6121325" y="5516693"/>
+            <a:ext cx="891513" cy="1069435"/>
+            <a:chOff x="1949436" y="1990934"/>
+            <a:chExt cx="891513" cy="1069435"/>
+          </a:xfrm>
+        </p:grpSpPr>
+        <p:pic>
+          <p:nvPicPr>
+            <p:cNvPr id="182" name="Grafik 181"/>
+            <p:cNvPicPr>
+              <a:picLocks noChangeAspect="1"/>
+            </p:cNvPicPr>
+            <p:nvPr/>
+          </p:nvPicPr>
+          <p:blipFill rotWithShape="1">
+            <a:blip r:embed="rId4" cstate="print">
+              <a:extLst>
+                <a:ext uri="{28A0092B-C50C-407E-A947-70E740481C1C}">
+                  <a14:useLocalDpi xmlns:a14="http://schemas.microsoft.com/office/drawing/2010/main" val="0"/>
+                </a:ext>
+              </a:extLst>
+            </a:blip>
+            <a:srcRect b="12866"/>
+            <a:stretch/>
+          </p:blipFill>
+          <p:spPr>
+            <a:xfrm>
+              <a:off x="1949436" y="1990934"/>
+              <a:ext cx="891513" cy="776815"/>
+            </a:xfrm>
+            <a:prstGeom prst="rect">
+              <a:avLst/>
+            </a:prstGeom>
+          </p:spPr>
+        </p:pic>
+        <p:sp>
+          <p:nvSpPr>
+            <p:cNvPr id="183" name="Textfeld 182"/>
+            <p:cNvSpPr txBox="1"/>
+            <p:nvPr/>
+          </p:nvSpPr>
+          <p:spPr>
+            <a:xfrm>
+              <a:off x="1961419" y="2752592"/>
+              <a:ext cx="867545" cy="307777"/>
+            </a:xfrm>
+            <a:prstGeom prst="rect">
+              <a:avLst/>
+            </a:prstGeom>
+            <a:noFill/>
+          </p:spPr>
+          <p:txBody>
+            <a:bodyPr wrap="none" rtlCol="0">
+              <a:spAutoFit/>
+            </a:bodyPr>
+            <a:lstStyle/>
+            <a:p>
+              <a:r>
+                <a:rPr lang="de-DE" sz="1400" dirty="0" smtClean="0"/>
+                <a:t>Publisher</a:t>
+              </a:r>
+            </a:p>
+          </p:txBody>
+        </p:sp>
+      </p:grpSp>
+      <p:grpSp>
+        <p:nvGrpSpPr>
+          <p:cNvPr id="184" name="Gruppieren 183"/>
+          <p:cNvGrpSpPr/>
+          <p:nvPr/>
+        </p:nvGrpSpPr>
+        <p:grpSpPr>
+          <a:xfrm>
+            <a:off x="7081896" y="5524001"/>
+            <a:ext cx="740558" cy="1066444"/>
+            <a:chOff x="3826005" y="2062223"/>
+            <a:chExt cx="740558" cy="1066444"/>
+          </a:xfrm>
+        </p:grpSpPr>
+        <p:pic>
+          <p:nvPicPr>
+            <p:cNvPr id="185" name="Grafik 184"/>
+            <p:cNvPicPr>
+              <a:picLocks noChangeAspect="1"/>
+            </p:cNvPicPr>
+            <p:nvPr/>
+          </p:nvPicPr>
+          <p:blipFill>
+            <a:blip r:embed="rId5" cstate="print">
+              <a:extLst>
+                <a:ext uri="{28A0092B-C50C-407E-A947-70E740481C1C}">
+                  <a14:useLocalDpi xmlns:a14="http://schemas.microsoft.com/office/drawing/2010/main" val="0"/>
+                </a:ext>
+              </a:extLst>
+            </a:blip>
+            <a:stretch>
+              <a:fillRect/>
+            </a:stretch>
+          </p:blipFill>
+          <p:spPr>
+            <a:xfrm>
+              <a:off x="3826005" y="2062223"/>
+              <a:ext cx="740558" cy="740558"/>
+            </a:xfrm>
+            <a:prstGeom prst="rect">
+              <a:avLst/>
+            </a:prstGeom>
+          </p:spPr>
+        </p:pic>
+        <p:sp>
+          <p:nvSpPr>
+            <p:cNvPr id="186" name="Textfeld 185"/>
+            <p:cNvSpPr txBox="1"/>
+            <p:nvPr/>
+          </p:nvSpPr>
+          <p:spPr>
+            <a:xfrm>
+              <a:off x="3904248" y="2820890"/>
+              <a:ext cx="584071" cy="307777"/>
+            </a:xfrm>
+            <a:prstGeom prst="rect">
+              <a:avLst/>
+            </a:prstGeom>
+            <a:noFill/>
+          </p:spPr>
+          <p:txBody>
+            <a:bodyPr wrap="none" rtlCol="0">
+              <a:spAutoFit/>
+            </a:bodyPr>
+            <a:lstStyle/>
+            <a:p>
+              <a:r>
+                <a:rPr lang="de-DE" sz="1400" dirty="0" smtClean="0"/>
+                <a:t>Kanal</a:t>
+              </a:r>
+            </a:p>
+          </p:txBody>
+        </p:sp>
+      </p:grpSp>
+      <p:grpSp>
+        <p:nvGrpSpPr>
+          <p:cNvPr id="187" name="Gruppieren 186"/>
+          <p:cNvGrpSpPr/>
+          <p:nvPr/>
+        </p:nvGrpSpPr>
+        <p:grpSpPr>
+          <a:xfrm>
+            <a:off x="7888587" y="5552559"/>
+            <a:ext cx="843572" cy="1037886"/>
+            <a:chOff x="5555884" y="2052796"/>
+            <a:chExt cx="843572" cy="1037886"/>
+          </a:xfrm>
+        </p:grpSpPr>
+        <p:pic>
+          <p:nvPicPr>
+            <p:cNvPr id="188" name="Grafik 187"/>
+            <p:cNvPicPr>
+              <a:picLocks noChangeAspect="1"/>
+            </p:cNvPicPr>
+            <p:nvPr/>
+          </p:nvPicPr>
+          <p:blipFill rotWithShape="1">
+            <a:blip r:embed="rId6" cstate="print">
+              <a:extLst>
+                <a:ext uri="{28A0092B-C50C-407E-A947-70E740481C1C}">
+                  <a14:useLocalDpi xmlns:a14="http://schemas.microsoft.com/office/drawing/2010/main" val="0"/>
+                </a:ext>
+              </a:extLst>
+            </a:blip>
+            <a:srcRect b="13450"/>
+            <a:stretch/>
+          </p:blipFill>
+          <p:spPr>
+            <a:xfrm>
+              <a:off x="5555884" y="2052796"/>
+              <a:ext cx="843572" cy="730109"/>
+            </a:xfrm>
+            <a:prstGeom prst="rect">
+              <a:avLst/>
+            </a:prstGeom>
+          </p:spPr>
+        </p:pic>
+        <p:sp>
+          <p:nvSpPr>
+            <p:cNvPr id="189" name="Textfeld 188"/>
+            <p:cNvSpPr txBox="1"/>
+            <p:nvPr/>
+          </p:nvSpPr>
+          <p:spPr>
+            <a:xfrm>
+              <a:off x="5660833" y="2782905"/>
+              <a:ext cx="664926" cy="307777"/>
+            </a:xfrm>
+            <a:prstGeom prst="rect">
+              <a:avLst/>
+            </a:prstGeom>
+            <a:noFill/>
+          </p:spPr>
+          <p:txBody>
+            <a:bodyPr wrap="none" rtlCol="0">
+              <a:spAutoFit/>
+            </a:bodyPr>
+            <a:lstStyle/>
+            <a:p>
+              <a:r>
+                <a:rPr lang="de-DE" sz="1400" dirty="0" smtClean="0"/>
+                <a:t>Broker</a:t>
+              </a:r>
+            </a:p>
+          </p:txBody>
+        </p:sp>
+      </p:grpSp>
+      <p:grpSp>
+        <p:nvGrpSpPr>
+          <p:cNvPr id="190" name="Gruppieren 189"/>
+          <p:cNvGrpSpPr/>
+          <p:nvPr/>
+        </p:nvGrpSpPr>
+        <p:grpSpPr>
+          <a:xfrm>
+            <a:off x="8866798" y="5516693"/>
+            <a:ext cx="740558" cy="1066444"/>
+            <a:chOff x="3826005" y="2062223"/>
+            <a:chExt cx="740558" cy="1066444"/>
+          </a:xfrm>
+        </p:grpSpPr>
+        <p:pic>
+          <p:nvPicPr>
+            <p:cNvPr id="191" name="Grafik 190"/>
+            <p:cNvPicPr>
+              <a:picLocks noChangeAspect="1"/>
+            </p:cNvPicPr>
+            <p:nvPr/>
+          </p:nvPicPr>
+          <p:blipFill>
+            <a:blip r:embed="rId5" cstate="print">
+              <a:extLst>
+                <a:ext uri="{28A0092B-C50C-407E-A947-70E740481C1C}">
+                  <a14:useLocalDpi xmlns:a14="http://schemas.microsoft.com/office/drawing/2010/main" val="0"/>
+                </a:ext>
+              </a:extLst>
+            </a:blip>
+            <a:stretch>
+              <a:fillRect/>
+            </a:stretch>
+          </p:blipFill>
+          <p:spPr>
+            <a:xfrm>
+              <a:off x="3826005" y="2062223"/>
+              <a:ext cx="740558" cy="740558"/>
+            </a:xfrm>
+            <a:prstGeom prst="rect">
+              <a:avLst/>
+            </a:prstGeom>
+          </p:spPr>
+        </p:pic>
+        <p:sp>
+          <p:nvSpPr>
+            <p:cNvPr id="192" name="Textfeld 191"/>
+            <p:cNvSpPr txBox="1"/>
+            <p:nvPr/>
+          </p:nvSpPr>
+          <p:spPr>
+            <a:xfrm>
+              <a:off x="3904248" y="2820890"/>
+              <a:ext cx="584071" cy="307777"/>
+            </a:xfrm>
+            <a:prstGeom prst="rect">
+              <a:avLst/>
+            </a:prstGeom>
+            <a:noFill/>
+          </p:spPr>
+          <p:txBody>
+            <a:bodyPr wrap="none" rtlCol="0">
+              <a:spAutoFit/>
+            </a:bodyPr>
+            <a:lstStyle/>
+            <a:p>
+              <a:r>
+                <a:rPr lang="de-DE" sz="1400" dirty="0" smtClean="0"/>
+                <a:t>Kanal</a:t>
+              </a:r>
+            </a:p>
+          </p:txBody>
+        </p:sp>
+      </p:grpSp>
+      <p:sp>
+        <p:nvSpPr>
+          <p:cNvPr id="194" name="Pfeil nach rechts 193"/>
+          <p:cNvSpPr/>
+          <p:nvPr/>
+        </p:nvSpPr>
+        <p:spPr>
+          <a:xfrm>
+            <a:off x="5917189" y="5856317"/>
+            <a:ext cx="198916" cy="168442"/>
+          </a:xfrm>
+          <a:prstGeom prst="rightArrow">
+            <a:avLst/>
+          </a:prstGeom>
+          <a:noFill/>
+          <a:ln w="25400">
+            <a:solidFill>
+              <a:schemeClr val="tx1"/>
+            </a:solidFill>
+          </a:ln>
+        </p:spPr>
+        <p:style>
+          <a:lnRef idx="2">
+            <a:schemeClr val="accent1">
+              <a:shade val="50000"/>
+            </a:schemeClr>
+          </a:lnRef>
+          <a:fillRef idx="1">
+            <a:schemeClr val="accent1"/>
+          </a:fillRef>
+          <a:effectRef idx="0">
+            <a:schemeClr val="accent1"/>
+          </a:effectRef>
+          <a:fontRef idx="minor">
+            <a:schemeClr val="lt1"/>
+          </a:fontRef>
+        </p:style>
+        <p:txBody>
+          <a:bodyPr rtlCol="0" anchor="ctr"/>
+          <a:lstStyle/>
+          <a:p>
+            <a:pPr algn="ctr"/>
+            <a:endParaRPr lang="de-DE"/>
+          </a:p>
+        </p:txBody>
+      </p:sp>
+      <p:sp>
+        <p:nvSpPr>
+          <p:cNvPr id="195" name="Pfeil nach rechts 194"/>
+          <p:cNvSpPr/>
+          <p:nvPr/>
+        </p:nvSpPr>
+        <p:spPr>
+          <a:xfrm>
+            <a:off x="6959213" y="5856317"/>
+            <a:ext cx="198916" cy="168442"/>
+          </a:xfrm>
+          <a:prstGeom prst="rightArrow">
+            <a:avLst/>
+          </a:prstGeom>
+          <a:noFill/>
+          <a:ln w="25400">
+            <a:solidFill>
+              <a:schemeClr val="tx1"/>
+            </a:solidFill>
+          </a:ln>
+        </p:spPr>
+        <p:style>
+          <a:lnRef idx="2">
+            <a:schemeClr val="accent1">
+              <a:shade val="50000"/>
+            </a:schemeClr>
+          </a:lnRef>
+          <a:fillRef idx="1">
+            <a:schemeClr val="accent1"/>
+          </a:fillRef>
+          <a:effectRef idx="0">
+            <a:schemeClr val="accent1"/>
+          </a:effectRef>
+          <a:fontRef idx="minor">
+            <a:schemeClr val="lt1"/>
+          </a:fontRef>
+        </p:style>
+        <p:txBody>
+          <a:bodyPr rtlCol="0" anchor="ctr"/>
+          <a:lstStyle/>
+          <a:p>
+            <a:pPr algn="ctr"/>
+            <a:endParaRPr lang="de-DE"/>
+          </a:p>
+        </p:txBody>
+      </p:sp>
+      <p:sp>
+        <p:nvSpPr>
+          <p:cNvPr id="196" name="Pfeil nach rechts 195"/>
+          <p:cNvSpPr/>
+          <p:nvPr/>
+        </p:nvSpPr>
+        <p:spPr>
+          <a:xfrm>
+            <a:off x="7738818" y="5844689"/>
+            <a:ext cx="198916" cy="180070"/>
+          </a:xfrm>
+          <a:prstGeom prst="rightArrow">
+            <a:avLst/>
+          </a:prstGeom>
+          <a:noFill/>
+          <a:ln w="25400">
+            <a:solidFill>
+              <a:schemeClr val="tx1"/>
+            </a:solidFill>
+          </a:ln>
+        </p:spPr>
+        <p:style>
+          <a:lnRef idx="2">
+            <a:schemeClr val="accent1">
+              <a:shade val="50000"/>
+            </a:schemeClr>
+          </a:lnRef>
+          <a:fillRef idx="1">
+            <a:schemeClr val="accent1"/>
+          </a:fillRef>
+          <a:effectRef idx="0">
+            <a:schemeClr val="accent1"/>
+          </a:effectRef>
+          <a:fontRef idx="minor">
+            <a:schemeClr val="lt1"/>
+          </a:fontRef>
+        </p:style>
+        <p:txBody>
+          <a:bodyPr rtlCol="0" anchor="ctr"/>
+          <a:lstStyle/>
+          <a:p>
+            <a:pPr algn="ctr"/>
+            <a:endParaRPr lang="de-DE"/>
+          </a:p>
+        </p:txBody>
+      </p:sp>
+      <p:sp>
+        <p:nvSpPr>
+          <p:cNvPr id="197" name="Pfeil nach rechts 196"/>
+          <p:cNvSpPr/>
+          <p:nvPr/>
+        </p:nvSpPr>
+        <p:spPr>
+          <a:xfrm>
+            <a:off x="8690871" y="5848700"/>
+            <a:ext cx="198916" cy="168442"/>
+          </a:xfrm>
+          <a:prstGeom prst="rightArrow">
+            <a:avLst/>
+          </a:prstGeom>
+          <a:noFill/>
+          <a:ln w="25400">
+            <a:solidFill>
+              <a:schemeClr val="tx1"/>
+            </a:solidFill>
+          </a:ln>
+        </p:spPr>
+        <p:style>
+          <a:lnRef idx="2">
+            <a:schemeClr val="accent1">
+              <a:shade val="50000"/>
+            </a:schemeClr>
+          </a:lnRef>
+          <a:fillRef idx="1">
+            <a:schemeClr val="accent1"/>
+          </a:fillRef>
+          <a:effectRef idx="0">
+            <a:schemeClr val="accent1"/>
+          </a:effectRef>
+          <a:fontRef idx="minor">
+            <a:schemeClr val="lt1"/>
+          </a:fontRef>
+        </p:style>
+        <p:txBody>
+          <a:bodyPr rtlCol="0" anchor="ctr"/>
+          <a:lstStyle/>
+          <a:p>
+            <a:pPr algn="ctr"/>
+            <a:endParaRPr lang="de-DE"/>
+          </a:p>
+        </p:txBody>
+      </p:sp>
+      <p:sp>
+        <p:nvSpPr>
+          <p:cNvPr id="198" name="Pfeil nach rechts 197"/>
+          <p:cNvSpPr/>
+          <p:nvPr/>
+        </p:nvSpPr>
+        <p:spPr>
+          <a:xfrm>
+            <a:off x="9571872" y="5844689"/>
+            <a:ext cx="198916" cy="168442"/>
+          </a:xfrm>
+          <a:prstGeom prst="rightArrow">
+            <a:avLst/>
+          </a:prstGeom>
+          <a:noFill/>
+          <a:ln w="25400">
+            <a:solidFill>
+              <a:schemeClr val="tx1"/>
+            </a:solidFill>
+          </a:ln>
+        </p:spPr>
+        <p:style>
+          <a:lnRef idx="2">
+            <a:schemeClr val="accent1">
+              <a:shade val="50000"/>
+            </a:schemeClr>
+          </a:lnRef>
+          <a:fillRef idx="1">
+            <a:schemeClr val="accent1"/>
+          </a:fillRef>
+          <a:effectRef idx="0">
+            <a:schemeClr val="accent1"/>
+          </a:effectRef>
+          <a:fontRef idx="minor">
+            <a:schemeClr val="lt1"/>
+          </a:fontRef>
+        </p:style>
+        <p:txBody>
+          <a:bodyPr rtlCol="0" anchor="ctr"/>
+          <a:lstStyle/>
+          <a:p>
+            <a:pPr algn="ctr"/>
+            <a:endParaRPr lang="de-DE"/>
+          </a:p>
+        </p:txBody>
+      </p:sp>
+      <p:sp>
+        <p:nvSpPr>
+          <p:cNvPr id="200" name="Nach oben gebogener Pfeil 199"/>
+          <p:cNvSpPr/>
+          <p:nvPr/>
+        </p:nvSpPr>
+        <p:spPr>
+          <a:xfrm rot="10800000">
+            <a:off x="5456595" y="5164648"/>
+            <a:ext cx="4684320" cy="344129"/>
+          </a:xfrm>
+          <a:prstGeom prst="bentUpArrow">
+            <a:avLst/>
+          </a:prstGeom>
+          <a:noFill/>
+          <a:ln w="25400">
+            <a:solidFill>
+              <a:schemeClr val="tx1"/>
+            </a:solidFill>
+          </a:ln>
+        </p:spPr>
+        <p:style>
+          <a:lnRef idx="2">
+            <a:schemeClr val="accent1">
+              <a:shade val="50000"/>
+            </a:schemeClr>
+          </a:lnRef>
+          <a:fillRef idx="1">
+            <a:schemeClr val="accent1"/>
+          </a:fillRef>
+          <a:effectRef idx="0">
+            <a:schemeClr val="accent1"/>
+          </a:effectRef>
+          <a:fontRef idx="minor">
+            <a:schemeClr val="lt1"/>
+          </a:fontRef>
+        </p:style>
+        <p:txBody>
+          <a:bodyPr rtlCol="0" anchor="ctr"/>
+          <a:lstStyle/>
+          <a:p>
+            <a:pPr algn="ctr"/>
+            <a:endParaRPr lang="de-DE"/>
+          </a:p>
+        </p:txBody>
+      </p:sp>
+      <p:sp>
+        <p:nvSpPr>
+          <p:cNvPr id="201" name="Nach oben gebogener Pfeil 200"/>
+          <p:cNvSpPr/>
+          <p:nvPr/>
+        </p:nvSpPr>
+        <p:spPr>
+          <a:xfrm>
+            <a:off x="10629270" y="4952187"/>
+            <a:ext cx="832046" cy="1033675"/>
+          </a:xfrm>
+          <a:prstGeom prst="bentUpArrow">
+            <a:avLst>
+              <a:gd name="adj1" fmla="val 25000"/>
+              <a:gd name="adj2" fmla="val 23592"/>
+              <a:gd name="adj3" fmla="val 25000"/>
+            </a:avLst>
+          </a:prstGeom>
+          <a:noFill/>
+          <a:ln w="25400">
+            <a:solidFill>
+              <a:schemeClr val="tx1"/>
+            </a:solidFill>
+          </a:ln>
+        </p:spPr>
+        <p:style>
+          <a:lnRef idx="2">
+            <a:schemeClr val="accent1">
+              <a:shade val="50000"/>
+            </a:schemeClr>
+          </a:lnRef>
+          <a:fillRef idx="1">
+            <a:schemeClr val="accent1"/>
+          </a:fillRef>
+          <a:effectRef idx="0">
+            <a:schemeClr val="accent1"/>
+          </a:effectRef>
+          <a:fontRef idx="minor">
+            <a:schemeClr val="lt1"/>
+          </a:fontRef>
+        </p:style>
+        <p:txBody>
+          <a:bodyPr rtlCol="0" anchor="ctr"/>
+          <a:lstStyle/>
+          <a:p>
+            <a:pPr algn="ctr"/>
+            <a:endParaRPr lang="de-DE"/>
+          </a:p>
+        </p:txBody>
+      </p:sp>
+    </p:spTree>
+    <p:extLst>
+      <p:ext uri="{BB962C8B-B14F-4D97-AF65-F5344CB8AC3E}">
+        <p14:creationId xmlns:p14="http://schemas.microsoft.com/office/powerpoint/2010/main" val="3352547282"/>
+      </p:ext>
+    </p:extLst>
+  </p:cSld>
+  <p:clrMapOvr>
+    <a:masterClrMapping/>
+  </p:clrMapOvr>
+</p:sld>
+</file>
+
 <file path=ppt/theme/theme1.xml><?xml version="1.0" encoding="utf-8"?>
 <a:theme xmlns:a="http://schemas.openxmlformats.org/drawingml/2006/main" name="Office Theme">
   <a:themeElements>

--- a/Dokumentation/Grafiken Unternehmensfähigkeiten.pptx
+++ b/Dokumentation/Grafiken Unternehmensfähigkeiten.pptx
@@ -302,7 +302,7 @@
           <a:p>
             <a:fld id="{D67E706E-9FFF-4B25-B31B-E494BA33FABA}" type="datetimeFigureOut">
               <a:rPr lang="de-DE" smtClean="0"/>
-              <a:t>14.03.2021</a:t>
+              <a:t>15.03.2021</a:t>
             </a:fld>
             <a:endParaRPr lang="de-DE"/>
           </a:p>
@@ -472,7 +472,7 @@
           <a:p>
             <a:fld id="{D67E706E-9FFF-4B25-B31B-E494BA33FABA}" type="datetimeFigureOut">
               <a:rPr lang="de-DE" smtClean="0"/>
-              <a:t>14.03.2021</a:t>
+              <a:t>15.03.2021</a:t>
             </a:fld>
             <a:endParaRPr lang="de-DE"/>
           </a:p>
@@ -652,7 +652,7 @@
           <a:p>
             <a:fld id="{D67E706E-9FFF-4B25-B31B-E494BA33FABA}" type="datetimeFigureOut">
               <a:rPr lang="de-DE" smtClean="0"/>
-              <a:t>14.03.2021</a:t>
+              <a:t>15.03.2021</a:t>
             </a:fld>
             <a:endParaRPr lang="de-DE"/>
           </a:p>
@@ -822,7 +822,7 @@
           <a:p>
             <a:fld id="{D67E706E-9FFF-4B25-B31B-E494BA33FABA}" type="datetimeFigureOut">
               <a:rPr lang="de-DE" smtClean="0"/>
-              <a:t>14.03.2021</a:t>
+              <a:t>15.03.2021</a:t>
             </a:fld>
             <a:endParaRPr lang="de-DE"/>
           </a:p>
@@ -1068,7 +1068,7 @@
           <a:p>
             <a:fld id="{D67E706E-9FFF-4B25-B31B-E494BA33FABA}" type="datetimeFigureOut">
               <a:rPr lang="de-DE" smtClean="0"/>
-              <a:t>14.03.2021</a:t>
+              <a:t>15.03.2021</a:t>
             </a:fld>
             <a:endParaRPr lang="de-DE"/>
           </a:p>
@@ -1300,7 +1300,7 @@
           <a:p>
             <a:fld id="{D67E706E-9FFF-4B25-B31B-E494BA33FABA}" type="datetimeFigureOut">
               <a:rPr lang="de-DE" smtClean="0"/>
-              <a:t>14.03.2021</a:t>
+              <a:t>15.03.2021</a:t>
             </a:fld>
             <a:endParaRPr lang="de-DE"/>
           </a:p>
@@ -1667,7 +1667,7 @@
           <a:p>
             <a:fld id="{D67E706E-9FFF-4B25-B31B-E494BA33FABA}" type="datetimeFigureOut">
               <a:rPr lang="de-DE" smtClean="0"/>
-              <a:t>14.03.2021</a:t>
+              <a:t>15.03.2021</a:t>
             </a:fld>
             <a:endParaRPr lang="de-DE"/>
           </a:p>
@@ -1785,7 +1785,7 @@
           <a:p>
             <a:fld id="{D67E706E-9FFF-4B25-B31B-E494BA33FABA}" type="datetimeFigureOut">
               <a:rPr lang="de-DE" smtClean="0"/>
-              <a:t>14.03.2021</a:t>
+              <a:t>15.03.2021</a:t>
             </a:fld>
             <a:endParaRPr lang="de-DE"/>
           </a:p>
@@ -1880,7 +1880,7 @@
           <a:p>
             <a:fld id="{D67E706E-9FFF-4B25-B31B-E494BA33FABA}" type="datetimeFigureOut">
               <a:rPr lang="de-DE" smtClean="0"/>
-              <a:t>14.03.2021</a:t>
+              <a:t>15.03.2021</a:t>
             </a:fld>
             <a:endParaRPr lang="de-DE"/>
           </a:p>
@@ -2157,7 +2157,7 @@
           <a:p>
             <a:fld id="{D67E706E-9FFF-4B25-B31B-E494BA33FABA}" type="datetimeFigureOut">
               <a:rPr lang="de-DE" smtClean="0"/>
-              <a:t>14.03.2021</a:t>
+              <a:t>15.03.2021</a:t>
             </a:fld>
             <a:endParaRPr lang="de-DE"/>
           </a:p>
@@ -2410,7 +2410,7 @@
           <a:p>
             <a:fld id="{D67E706E-9FFF-4B25-B31B-E494BA33FABA}" type="datetimeFigureOut">
               <a:rPr lang="de-DE" smtClean="0"/>
-              <a:t>14.03.2021</a:t>
+              <a:t>15.03.2021</a:t>
             </a:fld>
             <a:endParaRPr lang="de-DE"/>
           </a:p>
@@ -2623,7 +2623,7 @@
           <a:p>
             <a:fld id="{D67E706E-9FFF-4B25-B31B-E494BA33FABA}" type="datetimeFigureOut">
               <a:rPr lang="de-DE" smtClean="0"/>
-              <a:t>14.03.2021</a:t>
+              <a:t>15.03.2021</a:t>
             </a:fld>
             <a:endParaRPr lang="de-DE"/>
           </a:p>
@@ -12291,8 +12291,20 @@
                 <a:tableStyleId>{5940675A-B579-460E-94D1-54222C63F5DA}</a:tableStyleId>
               </a:tblPr>
               <a:tblGrid>
-                <a:gridCol w="1016959"/>
-                <a:gridCol w="1138989"/>
+                <a:gridCol w="1016959">
+                  <a:extLst>
+                    <a:ext uri="{9D8B030D-6E8A-4147-A177-3AD203B41FA5}">
+                      <a16:colId xmlns:a16="http://schemas.microsoft.com/office/drawing/2014/main" val="20000"/>
+                    </a:ext>
+                  </a:extLst>
+                </a:gridCol>
+                <a:gridCol w="1138989">
+                  <a:extLst>
+                    <a:ext uri="{9D8B030D-6E8A-4147-A177-3AD203B41FA5}">
+                      <a16:colId xmlns:a16="http://schemas.microsoft.com/office/drawing/2014/main" val="20001"/>
+                    </a:ext>
+                  </a:extLst>
+                </a:gridCol>
               </a:tblGrid>
               <a:tr h="338711">
                 <a:tc>
@@ -12370,6 +12382,11 @@
                     </a:lnL>
                   </a:tcPr>
                 </a:tc>
+                <a:extLst>
+                  <a:ext uri="{0D108BD9-81ED-4DB2-BD59-A6C34878D82A}">
+                    <a16:rowId xmlns:a16="http://schemas.microsoft.com/office/drawing/2014/main" val="10000"/>
+                  </a:ext>
+                </a:extLst>
               </a:tr>
               <a:tr h="338711">
                 <a:tc>
@@ -12447,6 +12464,11 @@
                     </a:lnL>
                   </a:tcPr>
                 </a:tc>
+                <a:extLst>
+                  <a:ext uri="{0D108BD9-81ED-4DB2-BD59-A6C34878D82A}">
+                    <a16:rowId xmlns:a16="http://schemas.microsoft.com/office/drawing/2014/main" val="10001"/>
+                  </a:ext>
+                </a:extLst>
               </a:tr>
               <a:tr h="338711">
                 <a:tc>
@@ -12524,6 +12546,11 @@
                     </a:lnL>
                   </a:tcPr>
                 </a:tc>
+                <a:extLst>
+                  <a:ext uri="{0D108BD9-81ED-4DB2-BD59-A6C34878D82A}">
+                    <a16:rowId xmlns:a16="http://schemas.microsoft.com/office/drawing/2014/main" val="10002"/>
+                  </a:ext>
+                </a:extLst>
               </a:tr>
               <a:tr h="338711">
                 <a:tc>
@@ -12601,6 +12628,11 @@
                     </a:lnL>
                   </a:tcPr>
                 </a:tc>
+                <a:extLst>
+                  <a:ext uri="{0D108BD9-81ED-4DB2-BD59-A6C34878D82A}">
+                    <a16:rowId xmlns:a16="http://schemas.microsoft.com/office/drawing/2014/main" val="10003"/>
+                  </a:ext>
+                </a:extLst>
               </a:tr>
             </a:tbl>
           </a:graphicData>
@@ -12705,11 +12737,41 @@
                 <a:tableStyleId>{5940675A-B579-460E-94D1-54222C63F5DA}</a:tableStyleId>
               </a:tblPr>
               <a:tblGrid>
-                <a:gridCol w="771236"/>
-                <a:gridCol w="1089608"/>
-                <a:gridCol w="1600784"/>
-                <a:gridCol w="847473"/>
-                <a:gridCol w="726406"/>
+                <a:gridCol w="771236">
+                  <a:extLst>
+                    <a:ext uri="{9D8B030D-6E8A-4147-A177-3AD203B41FA5}">
+                      <a16:colId xmlns:a16="http://schemas.microsoft.com/office/drawing/2014/main" val="20000"/>
+                    </a:ext>
+                  </a:extLst>
+                </a:gridCol>
+                <a:gridCol w="1089608">
+                  <a:extLst>
+                    <a:ext uri="{9D8B030D-6E8A-4147-A177-3AD203B41FA5}">
+                      <a16:colId xmlns:a16="http://schemas.microsoft.com/office/drawing/2014/main" val="20001"/>
+                    </a:ext>
+                  </a:extLst>
+                </a:gridCol>
+                <a:gridCol w="1600784">
+                  <a:extLst>
+                    <a:ext uri="{9D8B030D-6E8A-4147-A177-3AD203B41FA5}">
+                      <a16:colId xmlns:a16="http://schemas.microsoft.com/office/drawing/2014/main" val="20002"/>
+                    </a:ext>
+                  </a:extLst>
+                </a:gridCol>
+                <a:gridCol w="847473">
+                  <a:extLst>
+                    <a:ext uri="{9D8B030D-6E8A-4147-A177-3AD203B41FA5}">
+                      <a16:colId xmlns:a16="http://schemas.microsoft.com/office/drawing/2014/main" val="20003"/>
+                    </a:ext>
+                  </a:extLst>
+                </a:gridCol>
+                <a:gridCol w="726406">
+                  <a:extLst>
+                    <a:ext uri="{9D8B030D-6E8A-4147-A177-3AD203B41FA5}">
+                      <a16:colId xmlns:a16="http://schemas.microsoft.com/office/drawing/2014/main" val="20004"/>
+                    </a:ext>
+                  </a:extLst>
+                </a:gridCol>
               </a:tblGrid>
               <a:tr h="338711">
                 <a:tc>
@@ -12904,6 +12966,11 @@
                     </a:lnL>
                   </a:tcPr>
                 </a:tc>
+                <a:extLst>
+                  <a:ext uri="{0D108BD9-81ED-4DB2-BD59-A6C34878D82A}">
+                    <a16:rowId xmlns:a16="http://schemas.microsoft.com/office/drawing/2014/main" val="10000"/>
+                  </a:ext>
+                </a:extLst>
               </a:tr>
               <a:tr h="338711">
                 <a:tc>
@@ -13102,6 +13169,11 @@
                     </a:lnL>
                   </a:tcPr>
                 </a:tc>
+                <a:extLst>
+                  <a:ext uri="{0D108BD9-81ED-4DB2-BD59-A6C34878D82A}">
+                    <a16:rowId xmlns:a16="http://schemas.microsoft.com/office/drawing/2014/main" val="10001"/>
+                  </a:ext>
+                </a:extLst>
               </a:tr>
               <a:tr h="338711">
                 <a:tc>
@@ -13300,6 +13372,11 @@
                     </a:lnL>
                   </a:tcPr>
                 </a:tc>
+                <a:extLst>
+                  <a:ext uri="{0D108BD9-81ED-4DB2-BD59-A6C34878D82A}">
+                    <a16:rowId xmlns:a16="http://schemas.microsoft.com/office/drawing/2014/main" val="10002"/>
+                  </a:ext>
+                </a:extLst>
               </a:tr>
               <a:tr h="338711">
                 <a:tc>
@@ -13498,6 +13575,11 @@
                     </a:lnL>
                   </a:tcPr>
                 </a:tc>
+                <a:extLst>
+                  <a:ext uri="{0D108BD9-81ED-4DB2-BD59-A6C34878D82A}">
+                    <a16:rowId xmlns:a16="http://schemas.microsoft.com/office/drawing/2014/main" val="10003"/>
+                  </a:ext>
+                </a:extLst>
               </a:tr>
             </a:tbl>
           </a:graphicData>
@@ -19368,6 +19450,50 @@
           </a:effectRef>
           <a:fontRef idx="minor">
             <a:schemeClr val="lt1"/>
+          </a:fontRef>
+        </p:style>
+        <p:txBody>
+          <a:bodyPr rtlCol="0" anchor="ctr"/>
+          <a:lstStyle/>
+          <a:p>
+            <a:pPr algn="ctr"/>
+            <a:endParaRPr lang="de-DE"/>
+          </a:p>
+        </p:txBody>
+      </p:sp>
+      <p:sp>
+        <p:nvSpPr>
+          <p:cNvPr id="2" name="Geschweifte Klammer links 1"/>
+          <p:cNvSpPr/>
+          <p:nvPr/>
+        </p:nvSpPr>
+        <p:spPr>
+          <a:xfrm rot="16200000">
+            <a:off x="7696419" y="476227"/>
+            <a:ext cx="458844" cy="5504981"/>
+          </a:xfrm>
+          <a:prstGeom prst="leftBrace">
+            <a:avLst/>
+          </a:prstGeom>
+          <a:ln w="38100">
+            <a:solidFill>
+              <a:schemeClr val="accent1"/>
+            </a:solidFill>
+            <a:tailEnd type="none"/>
+          </a:ln>
+        </p:spPr>
+        <p:style>
+          <a:lnRef idx="1">
+            <a:schemeClr val="dk1"/>
+          </a:lnRef>
+          <a:fillRef idx="0">
+            <a:schemeClr val="dk1"/>
+          </a:fillRef>
+          <a:effectRef idx="0">
+            <a:schemeClr val="dk1"/>
+          </a:effectRef>
+          <a:fontRef idx="minor">
+            <a:schemeClr val="tx1"/>
           </a:fontRef>
         </p:style>
         <p:txBody>

--- a/Dokumentation/Grafiken Unternehmensfähigkeiten.pptx
+++ b/Dokumentation/Grafiken Unternehmensfähigkeiten.pptx
@@ -302,7 +302,7 @@
           <a:p>
             <a:fld id="{D67E706E-9FFF-4B25-B31B-E494BA33FABA}" type="datetimeFigureOut">
               <a:rPr lang="de-DE" smtClean="0"/>
-              <a:t>15.03.2021</a:t>
+              <a:t>16.03.2021</a:t>
             </a:fld>
             <a:endParaRPr lang="de-DE"/>
           </a:p>
@@ -472,7 +472,7 @@
           <a:p>
             <a:fld id="{D67E706E-9FFF-4B25-B31B-E494BA33FABA}" type="datetimeFigureOut">
               <a:rPr lang="de-DE" smtClean="0"/>
-              <a:t>15.03.2021</a:t>
+              <a:t>16.03.2021</a:t>
             </a:fld>
             <a:endParaRPr lang="de-DE"/>
           </a:p>
@@ -652,7 +652,7 @@
           <a:p>
             <a:fld id="{D67E706E-9FFF-4B25-B31B-E494BA33FABA}" type="datetimeFigureOut">
               <a:rPr lang="de-DE" smtClean="0"/>
-              <a:t>15.03.2021</a:t>
+              <a:t>16.03.2021</a:t>
             </a:fld>
             <a:endParaRPr lang="de-DE"/>
           </a:p>
@@ -822,7 +822,7 @@
           <a:p>
             <a:fld id="{D67E706E-9FFF-4B25-B31B-E494BA33FABA}" type="datetimeFigureOut">
               <a:rPr lang="de-DE" smtClean="0"/>
-              <a:t>15.03.2021</a:t>
+              <a:t>16.03.2021</a:t>
             </a:fld>
             <a:endParaRPr lang="de-DE"/>
           </a:p>
@@ -1068,7 +1068,7 @@
           <a:p>
             <a:fld id="{D67E706E-9FFF-4B25-B31B-E494BA33FABA}" type="datetimeFigureOut">
               <a:rPr lang="de-DE" smtClean="0"/>
-              <a:t>15.03.2021</a:t>
+              <a:t>16.03.2021</a:t>
             </a:fld>
             <a:endParaRPr lang="de-DE"/>
           </a:p>
@@ -1300,7 +1300,7 @@
           <a:p>
             <a:fld id="{D67E706E-9FFF-4B25-B31B-E494BA33FABA}" type="datetimeFigureOut">
               <a:rPr lang="de-DE" smtClean="0"/>
-              <a:t>15.03.2021</a:t>
+              <a:t>16.03.2021</a:t>
             </a:fld>
             <a:endParaRPr lang="de-DE"/>
           </a:p>
@@ -1667,7 +1667,7 @@
           <a:p>
             <a:fld id="{D67E706E-9FFF-4B25-B31B-E494BA33FABA}" type="datetimeFigureOut">
               <a:rPr lang="de-DE" smtClean="0"/>
-              <a:t>15.03.2021</a:t>
+              <a:t>16.03.2021</a:t>
             </a:fld>
             <a:endParaRPr lang="de-DE"/>
           </a:p>
@@ -1785,7 +1785,7 @@
           <a:p>
             <a:fld id="{D67E706E-9FFF-4B25-B31B-E494BA33FABA}" type="datetimeFigureOut">
               <a:rPr lang="de-DE" smtClean="0"/>
-              <a:t>15.03.2021</a:t>
+              <a:t>16.03.2021</a:t>
             </a:fld>
             <a:endParaRPr lang="de-DE"/>
           </a:p>
@@ -1880,7 +1880,7 @@
           <a:p>
             <a:fld id="{D67E706E-9FFF-4B25-B31B-E494BA33FABA}" type="datetimeFigureOut">
               <a:rPr lang="de-DE" smtClean="0"/>
-              <a:t>15.03.2021</a:t>
+              <a:t>16.03.2021</a:t>
             </a:fld>
             <a:endParaRPr lang="de-DE"/>
           </a:p>
@@ -2157,7 +2157,7 @@
           <a:p>
             <a:fld id="{D67E706E-9FFF-4B25-B31B-E494BA33FABA}" type="datetimeFigureOut">
               <a:rPr lang="de-DE" smtClean="0"/>
-              <a:t>15.03.2021</a:t>
+              <a:t>16.03.2021</a:t>
             </a:fld>
             <a:endParaRPr lang="de-DE"/>
           </a:p>
@@ -2410,7 +2410,7 @@
           <a:p>
             <a:fld id="{D67E706E-9FFF-4B25-B31B-E494BA33FABA}" type="datetimeFigureOut">
               <a:rPr lang="de-DE" smtClean="0"/>
-              <a:t>15.03.2021</a:t>
+              <a:t>16.03.2021</a:t>
             </a:fld>
             <a:endParaRPr lang="de-DE"/>
           </a:p>
@@ -2623,7 +2623,7 @@
           <a:p>
             <a:fld id="{D67E706E-9FFF-4B25-B31B-E494BA33FABA}" type="datetimeFigureOut">
               <a:rPr lang="de-DE" smtClean="0"/>
-              <a:t>15.03.2021</a:t>
+              <a:t>16.03.2021</a:t>
             </a:fld>
             <a:endParaRPr lang="de-DE"/>
           </a:p>
@@ -15141,7 +15141,7 @@
         </p:nvGrpSpPr>
         <p:grpSpPr>
           <a:xfrm>
-            <a:off x="230015" y="2052796"/>
+            <a:off x="3636222" y="5571058"/>
             <a:ext cx="826060" cy="990438"/>
             <a:chOff x="230015" y="2052796"/>
             <a:chExt cx="826060" cy="990438"/>
@@ -15427,80 +15427,6 @@
       </p:grpSp>
       <p:grpSp>
         <p:nvGrpSpPr>
-          <p:cNvPr id="43" name="Gruppieren 42"/>
-          <p:cNvGrpSpPr/>
-          <p:nvPr/>
-        </p:nvGrpSpPr>
-        <p:grpSpPr>
-          <a:xfrm>
-            <a:off x="2253301" y="1967888"/>
-            <a:ext cx="740558" cy="1066444"/>
-            <a:chOff x="3826005" y="2062223"/>
-            <a:chExt cx="740558" cy="1066444"/>
-          </a:xfrm>
-        </p:grpSpPr>
-        <p:pic>
-          <p:nvPicPr>
-            <p:cNvPr id="27" name="Grafik 26"/>
-            <p:cNvPicPr>
-              <a:picLocks noChangeAspect="1"/>
-            </p:cNvPicPr>
-            <p:nvPr/>
-          </p:nvPicPr>
-          <p:blipFill>
-            <a:blip r:embed="rId5" cstate="print">
-              <a:extLst>
-                <a:ext uri="{28A0092B-C50C-407E-A947-70E740481C1C}">
-                  <a14:useLocalDpi xmlns:a14="http://schemas.microsoft.com/office/drawing/2010/main" val="0"/>
-                </a:ext>
-              </a:extLst>
-            </a:blip>
-            <a:stretch>
-              <a:fillRect/>
-            </a:stretch>
-          </p:blipFill>
-          <p:spPr>
-            <a:xfrm>
-              <a:off x="3826005" y="2062223"/>
-              <a:ext cx="740558" cy="740558"/>
-            </a:xfrm>
-            <a:prstGeom prst="rect">
-              <a:avLst/>
-            </a:prstGeom>
-          </p:spPr>
-        </p:pic>
-        <p:sp>
-          <p:nvSpPr>
-            <p:cNvPr id="38" name="Textfeld 37"/>
-            <p:cNvSpPr txBox="1"/>
-            <p:nvPr/>
-          </p:nvSpPr>
-          <p:spPr>
-            <a:xfrm>
-              <a:off x="3904248" y="2820890"/>
-              <a:ext cx="584071" cy="307777"/>
-            </a:xfrm>
-            <a:prstGeom prst="rect">
-              <a:avLst/>
-            </a:prstGeom>
-            <a:noFill/>
-          </p:spPr>
-          <p:txBody>
-            <a:bodyPr wrap="none" rtlCol="0">
-              <a:spAutoFit/>
-            </a:bodyPr>
-            <a:lstStyle/>
-            <a:p>
-              <a:r>
-                <a:rPr lang="de-DE" sz="1400" dirty="0" smtClean="0"/>
-                <a:t>Kanal</a:t>
-              </a:r>
-            </a:p>
-          </p:txBody>
-        </p:sp>
-      </p:grpSp>
-      <p:grpSp>
-        <p:nvGrpSpPr>
           <p:cNvPr id="44" name="Gruppieren 43"/>
           <p:cNvGrpSpPr/>
           <p:nvPr/>
@@ -15522,7 +15448,7 @@
             <p:nvPr/>
           </p:nvPicPr>
           <p:blipFill rotWithShape="1">
-            <a:blip r:embed="rId6" cstate="print">
+            <a:blip r:embed="rId5" cstate="print">
               <a:extLst>
                 <a:ext uri="{28A0092B-C50C-407E-A947-70E740481C1C}">
                   <a14:useLocalDpi xmlns:a14="http://schemas.microsoft.com/office/drawing/2010/main" val="0"/>
@@ -15668,7 +15594,7 @@
             <p:nvPr/>
           </p:nvPicPr>
           <p:blipFill>
-            <a:blip r:embed="rId7" cstate="print">
+            <a:blip r:embed="rId6" cstate="print">
               <a:extLst>
                 <a:ext uri="{28A0092B-C50C-407E-A947-70E740481C1C}">
                   <a14:useLocalDpi xmlns:a14="http://schemas.microsoft.com/office/drawing/2010/main" val="0"/>
@@ -15794,80 +15720,6 @@
       </p:grpSp>
       <p:grpSp>
         <p:nvGrpSpPr>
-          <p:cNvPr id="56" name="Gruppieren 55"/>
-          <p:cNvGrpSpPr/>
-          <p:nvPr/>
-        </p:nvGrpSpPr>
-        <p:grpSpPr>
-          <a:xfrm>
-            <a:off x="7063090" y="1967888"/>
-            <a:ext cx="740558" cy="1066444"/>
-            <a:chOff x="3826005" y="2062223"/>
-            <a:chExt cx="740558" cy="1066444"/>
-          </a:xfrm>
-        </p:grpSpPr>
-        <p:pic>
-          <p:nvPicPr>
-            <p:cNvPr id="57" name="Grafik 56"/>
-            <p:cNvPicPr>
-              <a:picLocks noChangeAspect="1"/>
-            </p:cNvPicPr>
-            <p:nvPr/>
-          </p:nvPicPr>
-          <p:blipFill>
-            <a:blip r:embed="rId5" cstate="print">
-              <a:extLst>
-                <a:ext uri="{28A0092B-C50C-407E-A947-70E740481C1C}">
-                  <a14:useLocalDpi xmlns:a14="http://schemas.microsoft.com/office/drawing/2010/main" val="0"/>
-                </a:ext>
-              </a:extLst>
-            </a:blip>
-            <a:stretch>
-              <a:fillRect/>
-            </a:stretch>
-          </p:blipFill>
-          <p:spPr>
-            <a:xfrm>
-              <a:off x="3826005" y="2062223"/>
-              <a:ext cx="740558" cy="740558"/>
-            </a:xfrm>
-            <a:prstGeom prst="rect">
-              <a:avLst/>
-            </a:prstGeom>
-          </p:spPr>
-        </p:pic>
-        <p:sp>
-          <p:nvSpPr>
-            <p:cNvPr id="58" name="Textfeld 57"/>
-            <p:cNvSpPr txBox="1"/>
-            <p:nvPr/>
-          </p:nvSpPr>
-          <p:spPr>
-            <a:xfrm>
-              <a:off x="3904248" y="2820890"/>
-              <a:ext cx="584071" cy="307777"/>
-            </a:xfrm>
-            <a:prstGeom prst="rect">
-              <a:avLst/>
-            </a:prstGeom>
-            <a:noFill/>
-          </p:spPr>
-          <p:txBody>
-            <a:bodyPr wrap="none" rtlCol="0">
-              <a:spAutoFit/>
-            </a:bodyPr>
-            <a:lstStyle/>
-            <a:p>
-              <a:r>
-                <a:rPr lang="de-DE" sz="1400" dirty="0" smtClean="0"/>
-                <a:t>Kanal</a:t>
-              </a:r>
-            </a:p>
-          </p:txBody>
-        </p:sp>
-      </p:grpSp>
-      <p:grpSp>
-        <p:nvGrpSpPr>
           <p:cNvPr id="59" name="Gruppieren 58"/>
           <p:cNvGrpSpPr/>
           <p:nvPr/>
@@ -15889,7 +15741,7 @@
             <p:nvPr/>
           </p:nvPicPr>
           <p:blipFill rotWithShape="1">
-            <a:blip r:embed="rId6" cstate="print">
+            <a:blip r:embed="rId5" cstate="print">
               <a:extLst>
                 <a:ext uri="{28A0092B-C50C-407E-A947-70E740481C1C}">
                   <a14:useLocalDpi xmlns:a14="http://schemas.microsoft.com/office/drawing/2010/main" val="0"/>
@@ -15934,80 +15786,6 @@
               <a:r>
                 <a:rPr lang="de-DE" sz="1400" dirty="0" smtClean="0"/>
                 <a:t>Broker</a:t>
-              </a:r>
-            </a:p>
-          </p:txBody>
-        </p:sp>
-      </p:grpSp>
-      <p:grpSp>
-        <p:nvGrpSpPr>
-          <p:cNvPr id="68" name="Gruppieren 67"/>
-          <p:cNvGrpSpPr/>
-          <p:nvPr/>
-        </p:nvGrpSpPr>
-        <p:grpSpPr>
-          <a:xfrm>
-            <a:off x="8847992" y="1960580"/>
-            <a:ext cx="740558" cy="1066444"/>
-            <a:chOff x="3826005" y="2062223"/>
-            <a:chExt cx="740558" cy="1066444"/>
-          </a:xfrm>
-        </p:grpSpPr>
-        <p:pic>
-          <p:nvPicPr>
-            <p:cNvPr id="69" name="Grafik 68"/>
-            <p:cNvPicPr>
-              <a:picLocks noChangeAspect="1"/>
-            </p:cNvPicPr>
-            <p:nvPr/>
-          </p:nvPicPr>
-          <p:blipFill>
-            <a:blip r:embed="rId5" cstate="print">
-              <a:extLst>
-                <a:ext uri="{28A0092B-C50C-407E-A947-70E740481C1C}">
-                  <a14:useLocalDpi xmlns:a14="http://schemas.microsoft.com/office/drawing/2010/main" val="0"/>
-                </a:ext>
-              </a:extLst>
-            </a:blip>
-            <a:stretch>
-              <a:fillRect/>
-            </a:stretch>
-          </p:blipFill>
-          <p:spPr>
-            <a:xfrm>
-              <a:off x="3826005" y="2062223"/>
-              <a:ext cx="740558" cy="740558"/>
-            </a:xfrm>
-            <a:prstGeom prst="rect">
-              <a:avLst/>
-            </a:prstGeom>
-          </p:spPr>
-        </p:pic>
-        <p:sp>
-          <p:nvSpPr>
-            <p:cNvPr id="70" name="Textfeld 69"/>
-            <p:cNvSpPr txBox="1"/>
-            <p:nvPr/>
-          </p:nvSpPr>
-          <p:spPr>
-            <a:xfrm>
-              <a:off x="3904248" y="2820890"/>
-              <a:ext cx="584071" cy="307777"/>
-            </a:xfrm>
-            <a:prstGeom prst="rect">
-              <a:avLst/>
-            </a:prstGeom>
-            <a:noFill/>
-          </p:spPr>
-          <p:txBody>
-            <a:bodyPr wrap="none" rtlCol="0">
-              <a:spAutoFit/>
-            </a:bodyPr>
-            <a:lstStyle/>
-            <a:p>
-              <a:r>
-                <a:rPr lang="de-DE" sz="1400" dirty="0" smtClean="0"/>
-                <a:t>Kanal</a:t>
               </a:r>
             </a:p>
           </p:txBody>
@@ -16830,80 +16608,36 @@
           </p:txBody>
         </p:sp>
       </p:grpSp>
-      <p:grpSp>
-        <p:nvGrpSpPr>
-          <p:cNvPr id="94" name="Gruppieren 93"/>
-          <p:cNvGrpSpPr/>
+      <p:pic>
+        <p:nvPicPr>
+          <p:cNvPr id="95" name="Grafik 94"/>
+          <p:cNvPicPr>
+            <a:picLocks noChangeAspect="1"/>
+          </p:cNvPicPr>
           <p:nvPr/>
-        </p:nvGrpSpPr>
-        <p:grpSpPr>
-          <a:xfrm>
-            <a:off x="3929701" y="212229"/>
-            <a:ext cx="740558" cy="1066444"/>
-            <a:chOff x="3826005" y="2062223"/>
-            <a:chExt cx="740558" cy="1066444"/>
-          </a:xfrm>
-        </p:grpSpPr>
-        <p:pic>
-          <p:nvPicPr>
-            <p:cNvPr id="95" name="Grafik 94"/>
-            <p:cNvPicPr>
-              <a:picLocks noChangeAspect="1"/>
-            </p:cNvPicPr>
-            <p:nvPr/>
-          </p:nvPicPr>
-          <p:blipFill>
-            <a:blip r:embed="rId5" cstate="print">
-              <a:extLst>
-                <a:ext uri="{28A0092B-C50C-407E-A947-70E740481C1C}">
-                  <a14:useLocalDpi xmlns:a14="http://schemas.microsoft.com/office/drawing/2010/main" val="0"/>
-                </a:ext>
-              </a:extLst>
-            </a:blip>
-            <a:stretch>
-              <a:fillRect/>
-            </a:stretch>
-          </p:blipFill>
-          <p:spPr>
-            <a:xfrm>
-              <a:off x="3826005" y="2062223"/>
-              <a:ext cx="740558" cy="740558"/>
-            </a:xfrm>
-            <a:prstGeom prst="rect">
-              <a:avLst/>
-            </a:prstGeom>
-          </p:spPr>
-        </p:pic>
-        <p:sp>
-          <p:nvSpPr>
-            <p:cNvPr id="96" name="Textfeld 95"/>
-            <p:cNvSpPr txBox="1"/>
-            <p:nvPr/>
-          </p:nvSpPr>
-          <p:spPr>
-            <a:xfrm>
-              <a:off x="3904248" y="2820890"/>
-              <a:ext cx="584071" cy="307777"/>
-            </a:xfrm>
-            <a:prstGeom prst="rect">
-              <a:avLst/>
-            </a:prstGeom>
-            <a:noFill/>
-          </p:spPr>
-          <p:txBody>
-            <a:bodyPr wrap="none" rtlCol="0">
-              <a:spAutoFit/>
-            </a:bodyPr>
-            <a:lstStyle/>
-            <a:p>
-              <a:r>
-                <a:rPr lang="de-DE" sz="1400" dirty="0" smtClean="0"/>
-                <a:t>Kanal</a:t>
-              </a:r>
-            </a:p>
-          </p:txBody>
-        </p:sp>
-      </p:grpSp>
+        </p:nvPicPr>
+        <p:blipFill>
+          <a:blip r:embed="rId7" cstate="print">
+            <a:extLst>
+              <a:ext uri="{28A0092B-C50C-407E-A947-70E740481C1C}">
+                <a14:useLocalDpi xmlns:a14="http://schemas.microsoft.com/office/drawing/2010/main" val="0"/>
+              </a:ext>
+            </a:extLst>
+          </a:blip>
+          <a:stretch>
+            <a:fillRect/>
+          </a:stretch>
+        </p:blipFill>
+        <p:spPr>
+          <a:xfrm>
+            <a:off x="323982" y="6066277"/>
+            <a:ext cx="740558" cy="740558"/>
+          </a:xfrm>
+          <a:prstGeom prst="rect">
+            <a:avLst/>
+          </a:prstGeom>
+        </p:spPr>
+      </p:pic>
       <p:grpSp>
         <p:nvGrpSpPr>
           <p:cNvPr id="97" name="Gruppieren 96"/>
@@ -16927,7 +16661,7 @@
             <p:nvPr/>
           </p:nvPicPr>
           <p:blipFill rotWithShape="1">
-            <a:blip r:embed="rId6" cstate="print">
+            <a:blip r:embed="rId5" cstate="print">
               <a:extLst>
                 <a:ext uri="{28A0092B-C50C-407E-A947-70E740481C1C}">
                   <a14:useLocalDpi xmlns:a14="http://schemas.microsoft.com/office/drawing/2010/main" val="0"/>
@@ -17045,80 +16779,6 @@
               <a:r>
                 <a:rPr lang="de-DE" sz="1400" dirty="0" smtClean="0"/>
                 <a:t>Subscriber</a:t>
-              </a:r>
-            </a:p>
-          </p:txBody>
-        </p:sp>
-      </p:grpSp>
-      <p:grpSp>
-        <p:nvGrpSpPr>
-          <p:cNvPr id="103" name="Gruppieren 102"/>
-          <p:cNvGrpSpPr/>
-          <p:nvPr/>
-        </p:nvGrpSpPr>
-        <p:grpSpPr>
-          <a:xfrm>
-            <a:off x="7534906" y="205127"/>
-            <a:ext cx="740558" cy="1066444"/>
-            <a:chOff x="3826005" y="2062223"/>
-            <a:chExt cx="740558" cy="1066444"/>
-          </a:xfrm>
-        </p:grpSpPr>
-        <p:pic>
-          <p:nvPicPr>
-            <p:cNvPr id="104" name="Grafik 103"/>
-            <p:cNvPicPr>
-              <a:picLocks noChangeAspect="1"/>
-            </p:cNvPicPr>
-            <p:nvPr/>
-          </p:nvPicPr>
-          <p:blipFill>
-            <a:blip r:embed="rId5" cstate="print">
-              <a:extLst>
-                <a:ext uri="{28A0092B-C50C-407E-A947-70E740481C1C}">
-                  <a14:useLocalDpi xmlns:a14="http://schemas.microsoft.com/office/drawing/2010/main" val="0"/>
-                </a:ext>
-              </a:extLst>
-            </a:blip>
-            <a:stretch>
-              <a:fillRect/>
-            </a:stretch>
-          </p:blipFill>
-          <p:spPr>
-            <a:xfrm>
-              <a:off x="3826005" y="2062223"/>
-              <a:ext cx="740558" cy="740558"/>
-            </a:xfrm>
-            <a:prstGeom prst="rect">
-              <a:avLst/>
-            </a:prstGeom>
-          </p:spPr>
-        </p:pic>
-        <p:sp>
-          <p:nvSpPr>
-            <p:cNvPr id="105" name="Textfeld 104"/>
-            <p:cNvSpPr txBox="1"/>
-            <p:nvPr/>
-          </p:nvSpPr>
-          <p:spPr>
-            <a:xfrm>
-              <a:off x="3904248" y="2820890"/>
-              <a:ext cx="584071" cy="307777"/>
-            </a:xfrm>
-            <a:prstGeom prst="rect">
-              <a:avLst/>
-            </a:prstGeom>
-            <a:noFill/>
-          </p:spPr>
-          <p:txBody>
-            <a:bodyPr wrap="none" rtlCol="0">
-              <a:spAutoFit/>
-            </a:bodyPr>
-            <a:lstStyle/>
-            <a:p>
-              <a:r>
-                <a:rPr lang="de-DE" sz="1400" dirty="0" smtClean="0"/>
-                <a:t>Kanal</a:t>
               </a:r>
             </a:p>
           </p:txBody>
@@ -17648,80 +17308,6 @@
       </p:grpSp>
       <p:grpSp>
         <p:nvGrpSpPr>
-          <p:cNvPr id="124" name="Gruppieren 123"/>
-          <p:cNvGrpSpPr/>
-          <p:nvPr/>
-        </p:nvGrpSpPr>
-        <p:grpSpPr>
-          <a:xfrm>
-            <a:off x="2242269" y="3861620"/>
-            <a:ext cx="740558" cy="1066444"/>
-            <a:chOff x="3826005" y="2062223"/>
-            <a:chExt cx="740558" cy="1066444"/>
-          </a:xfrm>
-        </p:grpSpPr>
-        <p:pic>
-          <p:nvPicPr>
-            <p:cNvPr id="125" name="Grafik 124"/>
-            <p:cNvPicPr>
-              <a:picLocks noChangeAspect="1"/>
-            </p:cNvPicPr>
-            <p:nvPr/>
-          </p:nvPicPr>
-          <p:blipFill>
-            <a:blip r:embed="rId5" cstate="print">
-              <a:extLst>
-                <a:ext uri="{28A0092B-C50C-407E-A947-70E740481C1C}">
-                  <a14:useLocalDpi xmlns:a14="http://schemas.microsoft.com/office/drawing/2010/main" val="0"/>
-                </a:ext>
-              </a:extLst>
-            </a:blip>
-            <a:stretch>
-              <a:fillRect/>
-            </a:stretch>
-          </p:blipFill>
-          <p:spPr>
-            <a:xfrm>
-              <a:off x="3826005" y="2062223"/>
-              <a:ext cx="740558" cy="740558"/>
-            </a:xfrm>
-            <a:prstGeom prst="rect">
-              <a:avLst/>
-            </a:prstGeom>
-          </p:spPr>
-        </p:pic>
-        <p:sp>
-          <p:nvSpPr>
-            <p:cNvPr id="126" name="Textfeld 125"/>
-            <p:cNvSpPr txBox="1"/>
-            <p:nvPr/>
-          </p:nvSpPr>
-          <p:spPr>
-            <a:xfrm>
-              <a:off x="3904248" y="2820890"/>
-              <a:ext cx="584071" cy="307777"/>
-            </a:xfrm>
-            <a:prstGeom prst="rect">
-              <a:avLst/>
-            </a:prstGeom>
-            <a:noFill/>
-          </p:spPr>
-          <p:txBody>
-            <a:bodyPr wrap="none" rtlCol="0">
-              <a:spAutoFit/>
-            </a:bodyPr>
-            <a:lstStyle/>
-            <a:p>
-              <a:r>
-                <a:rPr lang="de-DE" sz="1400" dirty="0" smtClean="0"/>
-                <a:t>Kanal</a:t>
-              </a:r>
-            </a:p>
-          </p:txBody>
-        </p:sp>
-      </p:grpSp>
-      <p:grpSp>
-        <p:nvGrpSpPr>
           <p:cNvPr id="127" name="Gruppieren 126"/>
           <p:cNvGrpSpPr/>
           <p:nvPr/>
@@ -17743,7 +17329,7 @@
             <p:nvPr/>
           </p:nvPicPr>
           <p:blipFill rotWithShape="1">
-            <a:blip r:embed="rId6" cstate="print">
+            <a:blip r:embed="rId5" cstate="print">
               <a:extLst>
                 <a:ext uri="{28A0092B-C50C-407E-A947-70E740481C1C}">
                   <a14:useLocalDpi xmlns:a14="http://schemas.microsoft.com/office/drawing/2010/main" val="0"/>
@@ -17889,7 +17475,7 @@
             <p:nvPr/>
           </p:nvPicPr>
           <p:blipFill>
-            <a:blip r:embed="rId7" cstate="print">
+            <a:blip r:embed="rId6" cstate="print">
               <a:extLst>
                 <a:ext uri="{28A0092B-C50C-407E-A947-70E740481C1C}">
                   <a14:useLocalDpi xmlns:a14="http://schemas.microsoft.com/office/drawing/2010/main" val="0"/>
@@ -18015,80 +17601,6 @@
       </p:grpSp>
       <p:grpSp>
         <p:nvGrpSpPr>
-          <p:cNvPr id="139" name="Gruppieren 138"/>
-          <p:cNvGrpSpPr/>
-          <p:nvPr/>
-        </p:nvGrpSpPr>
-        <p:grpSpPr>
-          <a:xfrm>
-            <a:off x="7052058" y="3861620"/>
-            <a:ext cx="740558" cy="1066444"/>
-            <a:chOff x="3826005" y="2062223"/>
-            <a:chExt cx="740558" cy="1066444"/>
-          </a:xfrm>
-        </p:grpSpPr>
-        <p:pic>
-          <p:nvPicPr>
-            <p:cNvPr id="140" name="Grafik 139"/>
-            <p:cNvPicPr>
-              <a:picLocks noChangeAspect="1"/>
-            </p:cNvPicPr>
-            <p:nvPr/>
-          </p:nvPicPr>
-          <p:blipFill>
-            <a:blip r:embed="rId5" cstate="print">
-              <a:extLst>
-                <a:ext uri="{28A0092B-C50C-407E-A947-70E740481C1C}">
-                  <a14:useLocalDpi xmlns:a14="http://schemas.microsoft.com/office/drawing/2010/main" val="0"/>
-                </a:ext>
-              </a:extLst>
-            </a:blip>
-            <a:stretch>
-              <a:fillRect/>
-            </a:stretch>
-          </p:blipFill>
-          <p:spPr>
-            <a:xfrm>
-              <a:off x="3826005" y="2062223"/>
-              <a:ext cx="740558" cy="740558"/>
-            </a:xfrm>
-            <a:prstGeom prst="rect">
-              <a:avLst/>
-            </a:prstGeom>
-          </p:spPr>
-        </p:pic>
-        <p:sp>
-          <p:nvSpPr>
-            <p:cNvPr id="141" name="Textfeld 140"/>
-            <p:cNvSpPr txBox="1"/>
-            <p:nvPr/>
-          </p:nvSpPr>
-          <p:spPr>
-            <a:xfrm>
-              <a:off x="3904248" y="2820890"/>
-              <a:ext cx="584071" cy="307777"/>
-            </a:xfrm>
-            <a:prstGeom prst="rect">
-              <a:avLst/>
-            </a:prstGeom>
-            <a:noFill/>
-          </p:spPr>
-          <p:txBody>
-            <a:bodyPr wrap="none" rtlCol="0">
-              <a:spAutoFit/>
-            </a:bodyPr>
-            <a:lstStyle/>
-            <a:p>
-              <a:r>
-                <a:rPr lang="de-DE" sz="1400" dirty="0" smtClean="0"/>
-                <a:t>Kanal</a:t>
-              </a:r>
-            </a:p>
-          </p:txBody>
-        </p:sp>
-      </p:grpSp>
-      <p:grpSp>
-        <p:nvGrpSpPr>
           <p:cNvPr id="142" name="Gruppieren 141"/>
           <p:cNvGrpSpPr/>
           <p:nvPr/>
@@ -18110,7 +17622,7 @@
             <p:nvPr/>
           </p:nvPicPr>
           <p:blipFill rotWithShape="1">
-            <a:blip r:embed="rId6" cstate="print">
+            <a:blip r:embed="rId5" cstate="print">
               <a:extLst>
                 <a:ext uri="{28A0092B-C50C-407E-A947-70E740481C1C}">
                   <a14:useLocalDpi xmlns:a14="http://schemas.microsoft.com/office/drawing/2010/main" val="0"/>
@@ -18155,80 +17667,6 @@
               <a:r>
                 <a:rPr lang="de-DE" sz="1400" dirty="0" smtClean="0"/>
                 <a:t>Broker</a:t>
-              </a:r>
-            </a:p>
-          </p:txBody>
-        </p:sp>
-      </p:grpSp>
-      <p:grpSp>
-        <p:nvGrpSpPr>
-          <p:cNvPr id="145" name="Gruppieren 144"/>
-          <p:cNvGrpSpPr/>
-          <p:nvPr/>
-        </p:nvGrpSpPr>
-        <p:grpSpPr>
-          <a:xfrm>
-            <a:off x="8836960" y="3854312"/>
-            <a:ext cx="740558" cy="1066444"/>
-            <a:chOff x="3826005" y="2062223"/>
-            <a:chExt cx="740558" cy="1066444"/>
-          </a:xfrm>
-        </p:grpSpPr>
-        <p:pic>
-          <p:nvPicPr>
-            <p:cNvPr id="146" name="Grafik 145"/>
-            <p:cNvPicPr>
-              <a:picLocks noChangeAspect="1"/>
-            </p:cNvPicPr>
-            <p:nvPr/>
-          </p:nvPicPr>
-          <p:blipFill>
-            <a:blip r:embed="rId5" cstate="print">
-              <a:extLst>
-                <a:ext uri="{28A0092B-C50C-407E-A947-70E740481C1C}">
-                  <a14:useLocalDpi xmlns:a14="http://schemas.microsoft.com/office/drawing/2010/main" val="0"/>
-                </a:ext>
-              </a:extLst>
-            </a:blip>
-            <a:stretch>
-              <a:fillRect/>
-            </a:stretch>
-          </p:blipFill>
-          <p:spPr>
-            <a:xfrm>
-              <a:off x="3826005" y="2062223"/>
-              <a:ext cx="740558" cy="740558"/>
-            </a:xfrm>
-            <a:prstGeom prst="rect">
-              <a:avLst/>
-            </a:prstGeom>
-          </p:spPr>
-        </p:pic>
-        <p:sp>
-          <p:nvSpPr>
-            <p:cNvPr id="147" name="Textfeld 146"/>
-            <p:cNvSpPr txBox="1"/>
-            <p:nvPr/>
-          </p:nvSpPr>
-          <p:spPr>
-            <a:xfrm>
-              <a:off x="3904248" y="2820890"/>
-              <a:ext cx="584071" cy="307777"/>
-            </a:xfrm>
-            <a:prstGeom prst="rect">
-              <a:avLst/>
-            </a:prstGeom>
-            <a:noFill/>
-          </p:spPr>
-          <p:txBody>
-            <a:bodyPr wrap="none" rtlCol="0">
-              <a:spAutoFit/>
-            </a:bodyPr>
-            <a:lstStyle/>
-            <a:p>
-              <a:r>
-                <a:rPr lang="de-DE" sz="1400" dirty="0" smtClean="0"/>
-                <a:t>Kanal</a:t>
               </a:r>
             </a:p>
           </p:txBody>
@@ -18790,7 +18228,7 @@
             <p:nvPr/>
           </p:nvPicPr>
           <p:blipFill>
-            <a:blip r:embed="rId7" cstate="print">
+            <a:blip r:embed="rId6" cstate="print">
               <a:extLst>
                 <a:ext uri="{28A0092B-C50C-407E-A947-70E740481C1C}">
                   <a14:useLocalDpi xmlns:a14="http://schemas.microsoft.com/office/drawing/2010/main" val="0"/>
@@ -18916,80 +18354,6 @@
       </p:grpSp>
       <p:grpSp>
         <p:nvGrpSpPr>
-          <p:cNvPr id="184" name="Gruppieren 183"/>
-          <p:cNvGrpSpPr/>
-          <p:nvPr/>
-        </p:nvGrpSpPr>
-        <p:grpSpPr>
-          <a:xfrm>
-            <a:off x="7081896" y="5524001"/>
-            <a:ext cx="740558" cy="1066444"/>
-            <a:chOff x="3826005" y="2062223"/>
-            <a:chExt cx="740558" cy="1066444"/>
-          </a:xfrm>
-        </p:grpSpPr>
-        <p:pic>
-          <p:nvPicPr>
-            <p:cNvPr id="185" name="Grafik 184"/>
-            <p:cNvPicPr>
-              <a:picLocks noChangeAspect="1"/>
-            </p:cNvPicPr>
-            <p:nvPr/>
-          </p:nvPicPr>
-          <p:blipFill>
-            <a:blip r:embed="rId5" cstate="print">
-              <a:extLst>
-                <a:ext uri="{28A0092B-C50C-407E-A947-70E740481C1C}">
-                  <a14:useLocalDpi xmlns:a14="http://schemas.microsoft.com/office/drawing/2010/main" val="0"/>
-                </a:ext>
-              </a:extLst>
-            </a:blip>
-            <a:stretch>
-              <a:fillRect/>
-            </a:stretch>
-          </p:blipFill>
-          <p:spPr>
-            <a:xfrm>
-              <a:off x="3826005" y="2062223"/>
-              <a:ext cx="740558" cy="740558"/>
-            </a:xfrm>
-            <a:prstGeom prst="rect">
-              <a:avLst/>
-            </a:prstGeom>
-          </p:spPr>
-        </p:pic>
-        <p:sp>
-          <p:nvSpPr>
-            <p:cNvPr id="186" name="Textfeld 185"/>
-            <p:cNvSpPr txBox="1"/>
-            <p:nvPr/>
-          </p:nvSpPr>
-          <p:spPr>
-            <a:xfrm>
-              <a:off x="3904248" y="2820890"/>
-              <a:ext cx="584071" cy="307777"/>
-            </a:xfrm>
-            <a:prstGeom prst="rect">
-              <a:avLst/>
-            </a:prstGeom>
-            <a:noFill/>
-          </p:spPr>
-          <p:txBody>
-            <a:bodyPr wrap="none" rtlCol="0">
-              <a:spAutoFit/>
-            </a:bodyPr>
-            <a:lstStyle/>
-            <a:p>
-              <a:r>
-                <a:rPr lang="de-DE" sz="1400" dirty="0" smtClean="0"/>
-                <a:t>Kanal</a:t>
-              </a:r>
-            </a:p>
-          </p:txBody>
-        </p:sp>
-      </p:grpSp>
-      <p:grpSp>
-        <p:nvGrpSpPr>
           <p:cNvPr id="187" name="Gruppieren 186"/>
           <p:cNvGrpSpPr/>
           <p:nvPr/>
@@ -19011,7 +18375,7 @@
             <p:nvPr/>
           </p:nvPicPr>
           <p:blipFill rotWithShape="1">
-            <a:blip r:embed="rId6" cstate="print">
+            <a:blip r:embed="rId5" cstate="print">
               <a:extLst>
                 <a:ext uri="{28A0092B-C50C-407E-A947-70E740481C1C}">
                   <a14:useLocalDpi xmlns:a14="http://schemas.microsoft.com/office/drawing/2010/main" val="0"/>
@@ -19061,80 +18425,6 @@
           </p:txBody>
         </p:sp>
       </p:grpSp>
-      <p:grpSp>
-        <p:nvGrpSpPr>
-          <p:cNvPr id="190" name="Gruppieren 189"/>
-          <p:cNvGrpSpPr/>
-          <p:nvPr/>
-        </p:nvGrpSpPr>
-        <p:grpSpPr>
-          <a:xfrm>
-            <a:off x="8866798" y="5516693"/>
-            <a:ext cx="740558" cy="1066444"/>
-            <a:chOff x="3826005" y="2062223"/>
-            <a:chExt cx="740558" cy="1066444"/>
-          </a:xfrm>
-        </p:grpSpPr>
-        <p:pic>
-          <p:nvPicPr>
-            <p:cNvPr id="191" name="Grafik 190"/>
-            <p:cNvPicPr>
-              <a:picLocks noChangeAspect="1"/>
-            </p:cNvPicPr>
-            <p:nvPr/>
-          </p:nvPicPr>
-          <p:blipFill>
-            <a:blip r:embed="rId5" cstate="print">
-              <a:extLst>
-                <a:ext uri="{28A0092B-C50C-407E-A947-70E740481C1C}">
-                  <a14:useLocalDpi xmlns:a14="http://schemas.microsoft.com/office/drawing/2010/main" val="0"/>
-                </a:ext>
-              </a:extLst>
-            </a:blip>
-            <a:stretch>
-              <a:fillRect/>
-            </a:stretch>
-          </p:blipFill>
-          <p:spPr>
-            <a:xfrm>
-              <a:off x="3826005" y="2062223"/>
-              <a:ext cx="740558" cy="740558"/>
-            </a:xfrm>
-            <a:prstGeom prst="rect">
-              <a:avLst/>
-            </a:prstGeom>
-          </p:spPr>
-        </p:pic>
-        <p:sp>
-          <p:nvSpPr>
-            <p:cNvPr id="192" name="Textfeld 191"/>
-            <p:cNvSpPr txBox="1"/>
-            <p:nvPr/>
-          </p:nvSpPr>
-          <p:spPr>
-            <a:xfrm>
-              <a:off x="3904248" y="2820890"/>
-              <a:ext cx="584071" cy="307777"/>
-            </a:xfrm>
-            <a:prstGeom prst="rect">
-              <a:avLst/>
-            </a:prstGeom>
-            <a:noFill/>
-          </p:spPr>
-          <p:txBody>
-            <a:bodyPr wrap="none" rtlCol="0">
-              <a:spAutoFit/>
-            </a:bodyPr>
-            <a:lstStyle/>
-            <a:p>
-              <a:r>
-                <a:rPr lang="de-DE" sz="1400" dirty="0" smtClean="0"/>
-                <a:t>Kanal</a:t>
-              </a:r>
-            </a:p>
-          </p:txBody>
-        </p:sp>
-      </p:grpSp>
       <p:sp>
         <p:nvSpPr>
           <p:cNvPr id="194" name="Pfeil nach rechts 193"/>
@@ -19494,6 +18784,1105 @@
           </a:effectRef>
           <a:fontRef idx="minor">
             <a:schemeClr val="tx1"/>
+          </a:fontRef>
+        </p:style>
+        <p:txBody>
+          <a:bodyPr rtlCol="0" anchor="ctr"/>
+          <a:lstStyle/>
+          <a:p>
+            <a:pPr algn="ctr"/>
+            <a:endParaRPr lang="de-DE"/>
+          </a:p>
+        </p:txBody>
+      </p:sp>
+      <p:grpSp>
+        <p:nvGrpSpPr>
+          <p:cNvPr id="6" name="Gruppieren 5"/>
+          <p:cNvGrpSpPr/>
+          <p:nvPr/>
+        </p:nvGrpSpPr>
+        <p:grpSpPr>
+          <a:xfrm>
+            <a:off x="8893860" y="2271116"/>
+            <a:ext cx="606768" cy="739904"/>
+            <a:chOff x="4007944" y="538769"/>
+            <a:chExt cx="606768" cy="739904"/>
+          </a:xfrm>
+        </p:grpSpPr>
+        <p:sp>
+          <p:nvSpPr>
+            <p:cNvPr id="96" name="Textfeld 95"/>
+            <p:cNvSpPr txBox="1"/>
+            <p:nvPr/>
+          </p:nvSpPr>
+          <p:spPr>
+            <a:xfrm>
+              <a:off x="4007944" y="970896"/>
+              <a:ext cx="584071" cy="307777"/>
+            </a:xfrm>
+            <a:prstGeom prst="rect">
+              <a:avLst/>
+            </a:prstGeom>
+            <a:noFill/>
+          </p:spPr>
+          <p:txBody>
+            <a:bodyPr wrap="none" rtlCol="0">
+              <a:spAutoFit/>
+            </a:bodyPr>
+            <a:lstStyle/>
+            <a:p>
+              <a:r>
+                <a:rPr lang="de-DE" sz="1400" dirty="0" smtClean="0"/>
+                <a:t>Kanal</a:t>
+              </a:r>
+            </a:p>
+          </p:txBody>
+        </p:sp>
+        <p:sp>
+          <p:nvSpPr>
+            <p:cNvPr id="165" name="Zylinder 164"/>
+            <p:cNvSpPr/>
+            <p:nvPr/>
+          </p:nvSpPr>
+          <p:spPr>
+            <a:xfrm rot="5400000">
+              <a:off x="4233873" y="355615"/>
+              <a:ext cx="197685" cy="563993"/>
+            </a:xfrm>
+            <a:prstGeom prst="can">
+              <a:avLst/>
+            </a:prstGeom>
+            <a:noFill/>
+            <a:ln w="25400">
+              <a:solidFill>
+                <a:schemeClr val="tx1"/>
+              </a:solidFill>
+            </a:ln>
+          </p:spPr>
+          <p:style>
+            <a:lnRef idx="2">
+              <a:schemeClr val="accent1">
+                <a:shade val="50000"/>
+              </a:schemeClr>
+            </a:lnRef>
+            <a:fillRef idx="1">
+              <a:schemeClr val="accent1"/>
+            </a:fillRef>
+            <a:effectRef idx="0">
+              <a:schemeClr val="accent1"/>
+            </a:effectRef>
+            <a:fontRef idx="minor">
+              <a:schemeClr val="lt1"/>
+            </a:fontRef>
+          </p:style>
+          <p:txBody>
+            <a:bodyPr rtlCol="0" anchor="ctr"/>
+            <a:lstStyle/>
+            <a:p>
+              <a:pPr algn="ctr"/>
+              <a:endParaRPr lang="de-DE"/>
+            </a:p>
+          </p:txBody>
+        </p:sp>
+      </p:grpSp>
+      <p:grpSp>
+        <p:nvGrpSpPr>
+          <p:cNvPr id="166" name="Gruppieren 165"/>
+          <p:cNvGrpSpPr/>
+          <p:nvPr/>
+        </p:nvGrpSpPr>
+        <p:grpSpPr>
+          <a:xfrm>
+            <a:off x="2298645" y="4180852"/>
+            <a:ext cx="606768" cy="739904"/>
+            <a:chOff x="4007944" y="538769"/>
+            <a:chExt cx="606768" cy="739904"/>
+          </a:xfrm>
+        </p:grpSpPr>
+        <p:sp>
+          <p:nvSpPr>
+            <p:cNvPr id="167" name="Textfeld 166"/>
+            <p:cNvSpPr txBox="1"/>
+            <p:nvPr/>
+          </p:nvSpPr>
+          <p:spPr>
+            <a:xfrm>
+              <a:off x="4007944" y="970896"/>
+              <a:ext cx="584071" cy="307777"/>
+            </a:xfrm>
+            <a:prstGeom prst="rect">
+              <a:avLst/>
+            </a:prstGeom>
+            <a:noFill/>
+          </p:spPr>
+          <p:txBody>
+            <a:bodyPr wrap="none" rtlCol="0">
+              <a:spAutoFit/>
+            </a:bodyPr>
+            <a:lstStyle/>
+            <a:p>
+              <a:r>
+                <a:rPr lang="de-DE" sz="1400" dirty="0" smtClean="0"/>
+                <a:t>Kanal</a:t>
+              </a:r>
+            </a:p>
+          </p:txBody>
+        </p:sp>
+        <p:sp>
+          <p:nvSpPr>
+            <p:cNvPr id="168" name="Zylinder 167"/>
+            <p:cNvSpPr/>
+            <p:nvPr/>
+          </p:nvSpPr>
+          <p:spPr>
+            <a:xfrm rot="5400000">
+              <a:off x="4233873" y="355615"/>
+              <a:ext cx="197685" cy="563993"/>
+            </a:xfrm>
+            <a:prstGeom prst="can">
+              <a:avLst/>
+            </a:prstGeom>
+            <a:noFill/>
+            <a:ln w="25400">
+              <a:solidFill>
+                <a:schemeClr val="tx1"/>
+              </a:solidFill>
+            </a:ln>
+          </p:spPr>
+          <p:style>
+            <a:lnRef idx="2">
+              <a:schemeClr val="accent1">
+                <a:shade val="50000"/>
+              </a:schemeClr>
+            </a:lnRef>
+            <a:fillRef idx="1">
+              <a:schemeClr val="accent1"/>
+            </a:fillRef>
+            <a:effectRef idx="0">
+              <a:schemeClr val="accent1"/>
+            </a:effectRef>
+            <a:fontRef idx="minor">
+              <a:schemeClr val="lt1"/>
+            </a:fontRef>
+          </p:style>
+          <p:txBody>
+            <a:bodyPr rtlCol="0" anchor="ctr"/>
+            <a:lstStyle/>
+            <a:p>
+              <a:pPr algn="ctr"/>
+              <a:endParaRPr lang="de-DE"/>
+            </a:p>
+          </p:txBody>
+        </p:sp>
+      </p:grpSp>
+      <p:grpSp>
+        <p:nvGrpSpPr>
+          <p:cNvPr id="169" name="Gruppieren 168"/>
+          <p:cNvGrpSpPr/>
+          <p:nvPr/>
+        </p:nvGrpSpPr>
+        <p:grpSpPr>
+          <a:xfrm>
+            <a:off x="3999926" y="538769"/>
+            <a:ext cx="606768" cy="739904"/>
+            <a:chOff x="4007944" y="538769"/>
+            <a:chExt cx="606768" cy="739904"/>
+          </a:xfrm>
+        </p:grpSpPr>
+        <p:sp>
+          <p:nvSpPr>
+            <p:cNvPr id="170" name="Textfeld 169"/>
+            <p:cNvSpPr txBox="1"/>
+            <p:nvPr/>
+          </p:nvSpPr>
+          <p:spPr>
+            <a:xfrm>
+              <a:off x="4007944" y="970896"/>
+              <a:ext cx="584071" cy="307777"/>
+            </a:xfrm>
+            <a:prstGeom prst="rect">
+              <a:avLst/>
+            </a:prstGeom>
+            <a:noFill/>
+          </p:spPr>
+          <p:txBody>
+            <a:bodyPr wrap="none" rtlCol="0">
+              <a:spAutoFit/>
+            </a:bodyPr>
+            <a:lstStyle/>
+            <a:p>
+              <a:r>
+                <a:rPr lang="de-DE" sz="1400" dirty="0" smtClean="0"/>
+                <a:t>Kanal</a:t>
+              </a:r>
+            </a:p>
+          </p:txBody>
+        </p:sp>
+        <p:sp>
+          <p:nvSpPr>
+            <p:cNvPr id="171" name="Zylinder 170"/>
+            <p:cNvSpPr/>
+            <p:nvPr/>
+          </p:nvSpPr>
+          <p:spPr>
+            <a:xfrm rot="5400000">
+              <a:off x="4233873" y="355615"/>
+              <a:ext cx="197685" cy="563993"/>
+            </a:xfrm>
+            <a:prstGeom prst="can">
+              <a:avLst/>
+            </a:prstGeom>
+            <a:noFill/>
+            <a:ln w="25400">
+              <a:solidFill>
+                <a:schemeClr val="tx1"/>
+              </a:solidFill>
+            </a:ln>
+          </p:spPr>
+          <p:style>
+            <a:lnRef idx="2">
+              <a:schemeClr val="accent1">
+                <a:shade val="50000"/>
+              </a:schemeClr>
+            </a:lnRef>
+            <a:fillRef idx="1">
+              <a:schemeClr val="accent1"/>
+            </a:fillRef>
+            <a:effectRef idx="0">
+              <a:schemeClr val="accent1"/>
+            </a:effectRef>
+            <a:fontRef idx="minor">
+              <a:schemeClr val="lt1"/>
+            </a:fontRef>
+          </p:style>
+          <p:txBody>
+            <a:bodyPr rtlCol="0" anchor="ctr"/>
+            <a:lstStyle/>
+            <a:p>
+              <a:pPr algn="ctr"/>
+              <a:endParaRPr lang="de-DE"/>
+            </a:p>
+          </p:txBody>
+        </p:sp>
+      </p:grpSp>
+      <p:grpSp>
+        <p:nvGrpSpPr>
+          <p:cNvPr id="172" name="Gruppieren 171"/>
+          <p:cNvGrpSpPr/>
+          <p:nvPr/>
+        </p:nvGrpSpPr>
+        <p:grpSpPr>
+          <a:xfrm>
+            <a:off x="7091839" y="2280555"/>
+            <a:ext cx="606768" cy="739904"/>
+            <a:chOff x="4007944" y="538769"/>
+            <a:chExt cx="606768" cy="739904"/>
+          </a:xfrm>
+        </p:grpSpPr>
+        <p:sp>
+          <p:nvSpPr>
+            <p:cNvPr id="173" name="Textfeld 172"/>
+            <p:cNvSpPr txBox="1"/>
+            <p:nvPr/>
+          </p:nvSpPr>
+          <p:spPr>
+            <a:xfrm>
+              <a:off x="4007944" y="970896"/>
+              <a:ext cx="584071" cy="307777"/>
+            </a:xfrm>
+            <a:prstGeom prst="rect">
+              <a:avLst/>
+            </a:prstGeom>
+            <a:noFill/>
+          </p:spPr>
+          <p:txBody>
+            <a:bodyPr wrap="none" rtlCol="0">
+              <a:spAutoFit/>
+            </a:bodyPr>
+            <a:lstStyle/>
+            <a:p>
+              <a:r>
+                <a:rPr lang="de-DE" sz="1400" dirty="0" smtClean="0"/>
+                <a:t>Kanal</a:t>
+              </a:r>
+            </a:p>
+          </p:txBody>
+        </p:sp>
+        <p:sp>
+          <p:nvSpPr>
+            <p:cNvPr id="174" name="Zylinder 173"/>
+            <p:cNvSpPr/>
+            <p:nvPr/>
+          </p:nvSpPr>
+          <p:spPr>
+            <a:xfrm rot="5400000">
+              <a:off x="4233873" y="355615"/>
+              <a:ext cx="197685" cy="563993"/>
+            </a:xfrm>
+            <a:prstGeom prst="can">
+              <a:avLst/>
+            </a:prstGeom>
+            <a:noFill/>
+            <a:ln w="25400">
+              <a:solidFill>
+                <a:schemeClr val="tx1"/>
+              </a:solidFill>
+            </a:ln>
+          </p:spPr>
+          <p:style>
+            <a:lnRef idx="2">
+              <a:schemeClr val="accent1">
+                <a:shade val="50000"/>
+              </a:schemeClr>
+            </a:lnRef>
+            <a:fillRef idx="1">
+              <a:schemeClr val="accent1"/>
+            </a:fillRef>
+            <a:effectRef idx="0">
+              <a:schemeClr val="accent1"/>
+            </a:effectRef>
+            <a:fontRef idx="minor">
+              <a:schemeClr val="lt1"/>
+            </a:fontRef>
+          </p:style>
+          <p:txBody>
+            <a:bodyPr rtlCol="0" anchor="ctr"/>
+            <a:lstStyle/>
+            <a:p>
+              <a:pPr algn="ctr"/>
+              <a:endParaRPr lang="de-DE"/>
+            </a:p>
+          </p:txBody>
+        </p:sp>
+      </p:grpSp>
+      <p:grpSp>
+        <p:nvGrpSpPr>
+          <p:cNvPr id="193" name="Gruppieren 192"/>
+          <p:cNvGrpSpPr/>
+          <p:nvPr/>
+        </p:nvGrpSpPr>
+        <p:grpSpPr>
+          <a:xfrm>
+            <a:off x="7519070" y="528363"/>
+            <a:ext cx="606768" cy="739904"/>
+            <a:chOff x="4007944" y="538769"/>
+            <a:chExt cx="606768" cy="739904"/>
+          </a:xfrm>
+        </p:grpSpPr>
+        <p:sp>
+          <p:nvSpPr>
+            <p:cNvPr id="199" name="Textfeld 198"/>
+            <p:cNvSpPr txBox="1"/>
+            <p:nvPr/>
+          </p:nvSpPr>
+          <p:spPr>
+            <a:xfrm>
+              <a:off x="4007944" y="970896"/>
+              <a:ext cx="584071" cy="307777"/>
+            </a:xfrm>
+            <a:prstGeom prst="rect">
+              <a:avLst/>
+            </a:prstGeom>
+            <a:noFill/>
+          </p:spPr>
+          <p:txBody>
+            <a:bodyPr wrap="none" rtlCol="0">
+              <a:spAutoFit/>
+            </a:bodyPr>
+            <a:lstStyle/>
+            <a:p>
+              <a:r>
+                <a:rPr lang="de-DE" sz="1400" dirty="0" smtClean="0"/>
+                <a:t>Kanal</a:t>
+              </a:r>
+            </a:p>
+          </p:txBody>
+        </p:sp>
+        <p:sp>
+          <p:nvSpPr>
+            <p:cNvPr id="202" name="Zylinder 201"/>
+            <p:cNvSpPr/>
+            <p:nvPr/>
+          </p:nvSpPr>
+          <p:spPr>
+            <a:xfrm rot="5400000">
+              <a:off x="4233873" y="355615"/>
+              <a:ext cx="197685" cy="563993"/>
+            </a:xfrm>
+            <a:prstGeom prst="can">
+              <a:avLst/>
+            </a:prstGeom>
+            <a:noFill/>
+            <a:ln w="25400">
+              <a:solidFill>
+                <a:schemeClr val="tx1"/>
+              </a:solidFill>
+            </a:ln>
+          </p:spPr>
+          <p:style>
+            <a:lnRef idx="2">
+              <a:schemeClr val="accent1">
+                <a:shade val="50000"/>
+              </a:schemeClr>
+            </a:lnRef>
+            <a:fillRef idx="1">
+              <a:schemeClr val="accent1"/>
+            </a:fillRef>
+            <a:effectRef idx="0">
+              <a:schemeClr val="accent1"/>
+            </a:effectRef>
+            <a:fontRef idx="minor">
+              <a:schemeClr val="lt1"/>
+            </a:fontRef>
+          </p:style>
+          <p:txBody>
+            <a:bodyPr rtlCol="0" anchor="ctr"/>
+            <a:lstStyle/>
+            <a:p>
+              <a:pPr algn="ctr"/>
+              <a:endParaRPr lang="de-DE"/>
+            </a:p>
+          </p:txBody>
+        </p:sp>
+      </p:grpSp>
+      <p:grpSp>
+        <p:nvGrpSpPr>
+          <p:cNvPr id="203" name="Gruppieren 202"/>
+          <p:cNvGrpSpPr/>
+          <p:nvPr/>
+        </p:nvGrpSpPr>
+        <p:grpSpPr>
+          <a:xfrm>
+            <a:off x="2330759" y="2280555"/>
+            <a:ext cx="606768" cy="739904"/>
+            <a:chOff x="4007944" y="538769"/>
+            <a:chExt cx="606768" cy="739904"/>
+          </a:xfrm>
+        </p:grpSpPr>
+        <p:sp>
+          <p:nvSpPr>
+            <p:cNvPr id="204" name="Textfeld 203"/>
+            <p:cNvSpPr txBox="1"/>
+            <p:nvPr/>
+          </p:nvSpPr>
+          <p:spPr>
+            <a:xfrm>
+              <a:off x="4007944" y="970896"/>
+              <a:ext cx="584071" cy="307777"/>
+            </a:xfrm>
+            <a:prstGeom prst="rect">
+              <a:avLst/>
+            </a:prstGeom>
+            <a:noFill/>
+          </p:spPr>
+          <p:txBody>
+            <a:bodyPr wrap="none" rtlCol="0">
+              <a:spAutoFit/>
+            </a:bodyPr>
+            <a:lstStyle/>
+            <a:p>
+              <a:r>
+                <a:rPr lang="de-DE" sz="1400" dirty="0" smtClean="0"/>
+                <a:t>Kanal</a:t>
+              </a:r>
+            </a:p>
+          </p:txBody>
+        </p:sp>
+        <p:sp>
+          <p:nvSpPr>
+            <p:cNvPr id="205" name="Zylinder 204"/>
+            <p:cNvSpPr/>
+            <p:nvPr/>
+          </p:nvSpPr>
+          <p:spPr>
+            <a:xfrm rot="5400000">
+              <a:off x="4233873" y="355615"/>
+              <a:ext cx="197685" cy="563993"/>
+            </a:xfrm>
+            <a:prstGeom prst="can">
+              <a:avLst/>
+            </a:prstGeom>
+            <a:noFill/>
+            <a:ln w="25400">
+              <a:solidFill>
+                <a:schemeClr val="tx1"/>
+              </a:solidFill>
+            </a:ln>
+          </p:spPr>
+          <p:style>
+            <a:lnRef idx="2">
+              <a:schemeClr val="accent1">
+                <a:shade val="50000"/>
+              </a:schemeClr>
+            </a:lnRef>
+            <a:fillRef idx="1">
+              <a:schemeClr val="accent1"/>
+            </a:fillRef>
+            <a:effectRef idx="0">
+              <a:schemeClr val="accent1"/>
+            </a:effectRef>
+            <a:fontRef idx="minor">
+              <a:schemeClr val="lt1"/>
+            </a:fontRef>
+          </p:style>
+          <p:txBody>
+            <a:bodyPr rtlCol="0" anchor="ctr"/>
+            <a:lstStyle/>
+            <a:p>
+              <a:pPr algn="ctr"/>
+              <a:endParaRPr lang="de-DE"/>
+            </a:p>
+          </p:txBody>
+        </p:sp>
+      </p:grpSp>
+      <p:grpSp>
+        <p:nvGrpSpPr>
+          <p:cNvPr id="209" name="Gruppieren 208"/>
+          <p:cNvGrpSpPr/>
+          <p:nvPr/>
+        </p:nvGrpSpPr>
+        <p:grpSpPr>
+          <a:xfrm>
+            <a:off x="7102609" y="5844689"/>
+            <a:ext cx="606768" cy="739904"/>
+            <a:chOff x="4007944" y="538769"/>
+            <a:chExt cx="606768" cy="739904"/>
+          </a:xfrm>
+        </p:grpSpPr>
+        <p:sp>
+          <p:nvSpPr>
+            <p:cNvPr id="210" name="Textfeld 209"/>
+            <p:cNvSpPr txBox="1"/>
+            <p:nvPr/>
+          </p:nvSpPr>
+          <p:spPr>
+            <a:xfrm>
+              <a:off x="4007944" y="970896"/>
+              <a:ext cx="584071" cy="307777"/>
+            </a:xfrm>
+            <a:prstGeom prst="rect">
+              <a:avLst/>
+            </a:prstGeom>
+            <a:noFill/>
+          </p:spPr>
+          <p:txBody>
+            <a:bodyPr wrap="none" rtlCol="0">
+              <a:spAutoFit/>
+            </a:bodyPr>
+            <a:lstStyle/>
+            <a:p>
+              <a:r>
+                <a:rPr lang="de-DE" sz="1400" dirty="0" smtClean="0"/>
+                <a:t>Kanal</a:t>
+              </a:r>
+            </a:p>
+          </p:txBody>
+        </p:sp>
+        <p:sp>
+          <p:nvSpPr>
+            <p:cNvPr id="211" name="Zylinder 210"/>
+            <p:cNvSpPr/>
+            <p:nvPr/>
+          </p:nvSpPr>
+          <p:spPr>
+            <a:xfrm rot="5400000">
+              <a:off x="4233873" y="355615"/>
+              <a:ext cx="197685" cy="563993"/>
+            </a:xfrm>
+            <a:prstGeom prst="can">
+              <a:avLst/>
+            </a:prstGeom>
+            <a:noFill/>
+            <a:ln w="25400">
+              <a:solidFill>
+                <a:schemeClr val="tx1"/>
+              </a:solidFill>
+            </a:ln>
+          </p:spPr>
+          <p:style>
+            <a:lnRef idx="2">
+              <a:schemeClr val="accent1">
+                <a:shade val="50000"/>
+              </a:schemeClr>
+            </a:lnRef>
+            <a:fillRef idx="1">
+              <a:schemeClr val="accent1"/>
+            </a:fillRef>
+            <a:effectRef idx="0">
+              <a:schemeClr val="accent1"/>
+            </a:effectRef>
+            <a:fontRef idx="minor">
+              <a:schemeClr val="lt1"/>
+            </a:fontRef>
+          </p:style>
+          <p:txBody>
+            <a:bodyPr rtlCol="0" anchor="ctr"/>
+            <a:lstStyle/>
+            <a:p>
+              <a:pPr algn="ctr"/>
+              <a:endParaRPr lang="de-DE"/>
+            </a:p>
+          </p:txBody>
+        </p:sp>
+      </p:grpSp>
+      <p:grpSp>
+        <p:nvGrpSpPr>
+          <p:cNvPr id="212" name="Gruppieren 211"/>
+          <p:cNvGrpSpPr/>
+          <p:nvPr/>
+        </p:nvGrpSpPr>
+        <p:grpSpPr>
+          <a:xfrm>
+            <a:off x="8871163" y="4164088"/>
+            <a:ext cx="606768" cy="739904"/>
+            <a:chOff x="4007944" y="538769"/>
+            <a:chExt cx="606768" cy="739904"/>
+          </a:xfrm>
+        </p:grpSpPr>
+        <p:sp>
+          <p:nvSpPr>
+            <p:cNvPr id="213" name="Textfeld 212"/>
+            <p:cNvSpPr txBox="1"/>
+            <p:nvPr/>
+          </p:nvSpPr>
+          <p:spPr>
+            <a:xfrm>
+              <a:off x="4007944" y="970896"/>
+              <a:ext cx="584071" cy="307777"/>
+            </a:xfrm>
+            <a:prstGeom prst="rect">
+              <a:avLst/>
+            </a:prstGeom>
+            <a:noFill/>
+          </p:spPr>
+          <p:txBody>
+            <a:bodyPr wrap="none" rtlCol="0">
+              <a:spAutoFit/>
+            </a:bodyPr>
+            <a:lstStyle/>
+            <a:p>
+              <a:r>
+                <a:rPr lang="de-DE" sz="1400" dirty="0" smtClean="0"/>
+                <a:t>Kanal</a:t>
+              </a:r>
+            </a:p>
+          </p:txBody>
+        </p:sp>
+        <p:sp>
+          <p:nvSpPr>
+            <p:cNvPr id="214" name="Zylinder 213"/>
+            <p:cNvSpPr/>
+            <p:nvPr/>
+          </p:nvSpPr>
+          <p:spPr>
+            <a:xfrm rot="5400000">
+              <a:off x="4233873" y="355615"/>
+              <a:ext cx="197685" cy="563993"/>
+            </a:xfrm>
+            <a:prstGeom prst="can">
+              <a:avLst/>
+            </a:prstGeom>
+            <a:noFill/>
+            <a:ln w="25400">
+              <a:solidFill>
+                <a:schemeClr val="tx1"/>
+              </a:solidFill>
+            </a:ln>
+          </p:spPr>
+          <p:style>
+            <a:lnRef idx="2">
+              <a:schemeClr val="accent1">
+                <a:shade val="50000"/>
+              </a:schemeClr>
+            </a:lnRef>
+            <a:fillRef idx="1">
+              <a:schemeClr val="accent1"/>
+            </a:fillRef>
+            <a:effectRef idx="0">
+              <a:schemeClr val="accent1"/>
+            </a:effectRef>
+            <a:fontRef idx="minor">
+              <a:schemeClr val="lt1"/>
+            </a:fontRef>
+          </p:style>
+          <p:txBody>
+            <a:bodyPr rtlCol="0" anchor="ctr"/>
+            <a:lstStyle/>
+            <a:p>
+              <a:pPr algn="ctr"/>
+              <a:endParaRPr lang="de-DE"/>
+            </a:p>
+          </p:txBody>
+        </p:sp>
+      </p:grpSp>
+      <p:grpSp>
+        <p:nvGrpSpPr>
+          <p:cNvPr id="215" name="Gruppieren 214"/>
+          <p:cNvGrpSpPr/>
+          <p:nvPr/>
+        </p:nvGrpSpPr>
+        <p:grpSpPr>
+          <a:xfrm>
+            <a:off x="8895538" y="5820381"/>
+            <a:ext cx="606768" cy="739904"/>
+            <a:chOff x="4007944" y="538769"/>
+            <a:chExt cx="606768" cy="739904"/>
+          </a:xfrm>
+        </p:grpSpPr>
+        <p:sp>
+          <p:nvSpPr>
+            <p:cNvPr id="216" name="Textfeld 215"/>
+            <p:cNvSpPr txBox="1"/>
+            <p:nvPr/>
+          </p:nvSpPr>
+          <p:spPr>
+            <a:xfrm>
+              <a:off x="4007944" y="970896"/>
+              <a:ext cx="584071" cy="307777"/>
+            </a:xfrm>
+            <a:prstGeom prst="rect">
+              <a:avLst/>
+            </a:prstGeom>
+            <a:noFill/>
+          </p:spPr>
+          <p:txBody>
+            <a:bodyPr wrap="none" rtlCol="0">
+              <a:spAutoFit/>
+            </a:bodyPr>
+            <a:lstStyle/>
+            <a:p>
+              <a:r>
+                <a:rPr lang="de-DE" sz="1400" dirty="0" smtClean="0"/>
+                <a:t>Kanal</a:t>
+              </a:r>
+            </a:p>
+          </p:txBody>
+        </p:sp>
+        <p:sp>
+          <p:nvSpPr>
+            <p:cNvPr id="217" name="Zylinder 216"/>
+            <p:cNvSpPr/>
+            <p:nvPr/>
+          </p:nvSpPr>
+          <p:spPr>
+            <a:xfrm rot="5400000">
+              <a:off x="4233873" y="355615"/>
+              <a:ext cx="197685" cy="563993"/>
+            </a:xfrm>
+            <a:prstGeom prst="can">
+              <a:avLst/>
+            </a:prstGeom>
+            <a:noFill/>
+            <a:ln w="25400">
+              <a:solidFill>
+                <a:schemeClr val="tx1"/>
+              </a:solidFill>
+            </a:ln>
+          </p:spPr>
+          <p:style>
+            <a:lnRef idx="2">
+              <a:schemeClr val="accent1">
+                <a:shade val="50000"/>
+              </a:schemeClr>
+            </a:lnRef>
+            <a:fillRef idx="1">
+              <a:schemeClr val="accent1"/>
+            </a:fillRef>
+            <a:effectRef idx="0">
+              <a:schemeClr val="accent1"/>
+            </a:effectRef>
+            <a:fontRef idx="minor">
+              <a:schemeClr val="lt1"/>
+            </a:fontRef>
+          </p:style>
+          <p:txBody>
+            <a:bodyPr rtlCol="0" anchor="ctr"/>
+            <a:lstStyle/>
+            <a:p>
+              <a:pPr algn="ctr"/>
+              <a:endParaRPr lang="de-DE"/>
+            </a:p>
+          </p:txBody>
+        </p:sp>
+      </p:grpSp>
+      <p:grpSp>
+        <p:nvGrpSpPr>
+          <p:cNvPr id="218" name="Gruppieren 217"/>
+          <p:cNvGrpSpPr/>
+          <p:nvPr/>
+        </p:nvGrpSpPr>
+        <p:grpSpPr>
+          <a:xfrm>
+            <a:off x="7096219" y="4166226"/>
+            <a:ext cx="606768" cy="739904"/>
+            <a:chOff x="4007944" y="538769"/>
+            <a:chExt cx="606768" cy="739904"/>
+          </a:xfrm>
+        </p:grpSpPr>
+        <p:sp>
+          <p:nvSpPr>
+            <p:cNvPr id="219" name="Textfeld 218"/>
+            <p:cNvSpPr txBox="1"/>
+            <p:nvPr/>
+          </p:nvSpPr>
+          <p:spPr>
+            <a:xfrm>
+              <a:off x="4007944" y="970896"/>
+              <a:ext cx="584071" cy="307777"/>
+            </a:xfrm>
+            <a:prstGeom prst="rect">
+              <a:avLst/>
+            </a:prstGeom>
+            <a:noFill/>
+          </p:spPr>
+          <p:txBody>
+            <a:bodyPr wrap="none" rtlCol="0">
+              <a:spAutoFit/>
+            </a:bodyPr>
+            <a:lstStyle/>
+            <a:p>
+              <a:r>
+                <a:rPr lang="de-DE" sz="1400" dirty="0" smtClean="0"/>
+                <a:t>Kanal</a:t>
+              </a:r>
+            </a:p>
+          </p:txBody>
+        </p:sp>
+        <p:sp>
+          <p:nvSpPr>
+            <p:cNvPr id="220" name="Zylinder 219"/>
+            <p:cNvSpPr/>
+            <p:nvPr/>
+          </p:nvSpPr>
+          <p:spPr>
+            <a:xfrm rot="5400000">
+              <a:off x="4233873" y="355615"/>
+              <a:ext cx="197685" cy="563993"/>
+            </a:xfrm>
+            <a:prstGeom prst="can">
+              <a:avLst/>
+            </a:prstGeom>
+            <a:noFill/>
+            <a:ln w="25400">
+              <a:solidFill>
+                <a:schemeClr val="tx1"/>
+              </a:solidFill>
+            </a:ln>
+          </p:spPr>
+          <p:style>
+            <a:lnRef idx="2">
+              <a:schemeClr val="accent1">
+                <a:shade val="50000"/>
+              </a:schemeClr>
+            </a:lnRef>
+            <a:fillRef idx="1">
+              <a:schemeClr val="accent1"/>
+            </a:fillRef>
+            <a:effectRef idx="0">
+              <a:schemeClr val="accent1"/>
+            </a:effectRef>
+            <a:fontRef idx="minor">
+              <a:schemeClr val="lt1"/>
+            </a:fontRef>
+          </p:style>
+          <p:txBody>
+            <a:bodyPr rtlCol="0" anchor="ctr"/>
+            <a:lstStyle/>
+            <a:p>
+              <a:pPr algn="ctr"/>
+              <a:endParaRPr lang="de-DE"/>
+            </a:p>
+          </p:txBody>
+        </p:sp>
+      </p:grpSp>
+      <p:grpSp>
+        <p:nvGrpSpPr>
+          <p:cNvPr id="158" name="Gruppieren 157"/>
+          <p:cNvGrpSpPr/>
+          <p:nvPr/>
+        </p:nvGrpSpPr>
+        <p:grpSpPr>
+          <a:xfrm>
+            <a:off x="1766544" y="5592450"/>
+            <a:ext cx="976486" cy="990435"/>
+            <a:chOff x="10850446" y="2052797"/>
+            <a:chExt cx="976486" cy="990435"/>
+          </a:xfrm>
+        </p:grpSpPr>
+        <p:pic>
+          <p:nvPicPr>
+            <p:cNvPr id="159" name="Grafik 158"/>
+            <p:cNvPicPr>
+              <a:picLocks noChangeAspect="1"/>
+            </p:cNvPicPr>
+            <p:nvPr/>
+          </p:nvPicPr>
+          <p:blipFill rotWithShape="1">
+            <a:blip r:embed="rId3" cstate="print">
+              <a:extLst>
+                <a:ext uri="{28A0092B-C50C-407E-A947-70E740481C1C}">
+                  <a14:useLocalDpi xmlns:a14="http://schemas.microsoft.com/office/drawing/2010/main" val="0"/>
+                </a:ext>
+              </a:extLst>
+            </a:blip>
+            <a:srcRect b="15088"/>
+            <a:stretch/>
+          </p:blipFill>
+          <p:spPr>
+            <a:xfrm>
+              <a:off x="10859830" y="2052797"/>
+              <a:ext cx="894346" cy="759410"/>
+            </a:xfrm>
+            <a:prstGeom prst="rect">
+              <a:avLst/>
+            </a:prstGeom>
+          </p:spPr>
+        </p:pic>
+        <p:sp>
+          <p:nvSpPr>
+            <p:cNvPr id="160" name="Textfeld 159"/>
+            <p:cNvSpPr txBox="1"/>
+            <p:nvPr/>
+          </p:nvSpPr>
+          <p:spPr>
+            <a:xfrm>
+              <a:off x="10850446" y="2735455"/>
+              <a:ext cx="976486" cy="307777"/>
+            </a:xfrm>
+            <a:prstGeom prst="rect">
+              <a:avLst/>
+            </a:prstGeom>
+            <a:noFill/>
+          </p:spPr>
+          <p:txBody>
+            <a:bodyPr wrap="none" rtlCol="0">
+              <a:spAutoFit/>
+            </a:bodyPr>
+            <a:lstStyle/>
+            <a:p>
+              <a:r>
+                <a:rPr lang="de-DE" sz="1400" dirty="0" smtClean="0"/>
+                <a:t>Empfänger</a:t>
+              </a:r>
+            </a:p>
+          </p:txBody>
+        </p:sp>
+      </p:grpSp>
+      <p:grpSp>
+        <p:nvGrpSpPr>
+          <p:cNvPr id="161" name="Gruppieren 160"/>
+          <p:cNvGrpSpPr/>
+          <p:nvPr/>
+        </p:nvGrpSpPr>
+        <p:grpSpPr>
+          <a:xfrm>
+            <a:off x="270959" y="2036731"/>
+            <a:ext cx="826060" cy="990438"/>
+            <a:chOff x="230015" y="2052796"/>
+            <a:chExt cx="826060" cy="990438"/>
+          </a:xfrm>
+        </p:grpSpPr>
+        <p:pic>
+          <p:nvPicPr>
+            <p:cNvPr id="162" name="Grafik 161"/>
+            <p:cNvPicPr>
+              <a:picLocks noChangeAspect="1"/>
+            </p:cNvPicPr>
+            <p:nvPr/>
+          </p:nvPicPr>
+          <p:blipFill rotWithShape="1">
+            <a:blip r:embed="rId2" cstate="print">
+              <a:extLst>
+                <a:ext uri="{28A0092B-C50C-407E-A947-70E740481C1C}">
+                  <a14:useLocalDpi xmlns:a14="http://schemas.microsoft.com/office/drawing/2010/main" val="0"/>
+                </a:ext>
+              </a:extLst>
+            </a:blip>
+            <a:srcRect b="12818"/>
+            <a:stretch/>
+          </p:blipFill>
+          <p:spPr>
+            <a:xfrm>
+              <a:off x="230015" y="2052796"/>
+              <a:ext cx="820068" cy="714953"/>
+            </a:xfrm>
+            <a:prstGeom prst="rect">
+              <a:avLst/>
+            </a:prstGeom>
+          </p:spPr>
+        </p:pic>
+        <p:sp>
+          <p:nvSpPr>
+            <p:cNvPr id="163" name="Textfeld 162"/>
+            <p:cNvSpPr txBox="1"/>
+            <p:nvPr/>
+          </p:nvSpPr>
+          <p:spPr>
+            <a:xfrm>
+              <a:off x="358448" y="2735457"/>
+              <a:ext cx="697627" cy="307777"/>
+            </a:xfrm>
+            <a:prstGeom prst="rect">
+              <a:avLst/>
+            </a:prstGeom>
+            <a:noFill/>
+          </p:spPr>
+          <p:txBody>
+            <a:bodyPr wrap="none" rtlCol="0">
+              <a:spAutoFit/>
+            </a:bodyPr>
+            <a:lstStyle/>
+            <a:p>
+              <a:r>
+                <a:rPr lang="de-DE" sz="1400" dirty="0" smtClean="0"/>
+                <a:t>Sender</a:t>
+              </a:r>
+            </a:p>
+          </p:txBody>
+        </p:sp>
+      </p:grpSp>
+      <p:sp>
+        <p:nvSpPr>
+          <p:cNvPr id="3" name="Rechteck 2"/>
+          <p:cNvSpPr/>
+          <p:nvPr/>
+        </p:nvSpPr>
+        <p:spPr>
+          <a:xfrm>
+            <a:off x="2787030" y="5362806"/>
+            <a:ext cx="750020" cy="1352030"/>
+          </a:xfrm>
+          <a:prstGeom prst="rect">
+            <a:avLst/>
+          </a:prstGeom>
+          <a:pattFill prst="dashVert">
+            <a:fgClr>
+              <a:schemeClr val="accent1"/>
+            </a:fgClr>
+            <a:bgClr>
+              <a:schemeClr val="bg1"/>
+            </a:bgClr>
+          </a:pattFill>
+          <a:ln w="25400">
+            <a:solidFill>
+              <a:schemeClr val="tx1"/>
+            </a:solidFill>
+          </a:ln>
+        </p:spPr>
+        <p:style>
+          <a:lnRef idx="2">
+            <a:schemeClr val="accent1">
+              <a:shade val="50000"/>
+            </a:schemeClr>
+          </a:lnRef>
+          <a:fillRef idx="1">
+            <a:schemeClr val="accent1"/>
+          </a:fillRef>
+          <a:effectRef idx="0">
+            <a:schemeClr val="accent1"/>
+          </a:effectRef>
+          <a:fontRef idx="minor">
+            <a:schemeClr val="lt1"/>
           </a:fontRef>
         </p:style>
         <p:txBody>

--- a/Dokumentation/Grafiken Unternehmensfähigkeiten.pptx
+++ b/Dokumentation/Grafiken Unternehmensfähigkeiten.pptx
@@ -14,12 +14,13 @@
     <p:sldId id="262" r:id="rId8"/>
     <p:sldId id="263" r:id="rId9"/>
     <p:sldId id="274" r:id="rId10"/>
-    <p:sldId id="265" r:id="rId11"/>
-    <p:sldId id="275" r:id="rId12"/>
-    <p:sldId id="271" r:id="rId13"/>
-    <p:sldId id="272" r:id="rId14"/>
-    <p:sldId id="273" r:id="rId15"/>
-    <p:sldId id="276" r:id="rId16"/>
+    <p:sldId id="277" r:id="rId11"/>
+    <p:sldId id="265" r:id="rId12"/>
+    <p:sldId id="275" r:id="rId13"/>
+    <p:sldId id="271" r:id="rId14"/>
+    <p:sldId id="272" r:id="rId15"/>
+    <p:sldId id="273" r:id="rId16"/>
+    <p:sldId id="276" r:id="rId17"/>
   </p:sldIdLst>
   <p:sldSz cx="12192000" cy="6858000"/>
   <p:notesSz cx="6797675" cy="9928225"/>
@@ -4892,6 +4893,3156 @@
           <a:chExt cx="0" cy="0"/>
         </a:xfrm>
       </p:grpSpPr>
+      <p:grpSp>
+        <p:nvGrpSpPr>
+          <p:cNvPr id="31" name="Gruppieren 30"/>
+          <p:cNvGrpSpPr/>
+          <p:nvPr/>
+        </p:nvGrpSpPr>
+        <p:grpSpPr>
+          <a:xfrm>
+            <a:off x="419867" y="159371"/>
+            <a:ext cx="11373003" cy="1056021"/>
+            <a:chOff x="419867" y="159371"/>
+            <a:chExt cx="11373003" cy="1056021"/>
+          </a:xfrm>
+        </p:grpSpPr>
+        <p:grpSp>
+          <p:nvGrpSpPr>
+            <p:cNvPr id="2" name="Gruppieren 1"/>
+            <p:cNvGrpSpPr/>
+            <p:nvPr/>
+          </p:nvGrpSpPr>
+          <p:grpSpPr>
+            <a:xfrm>
+              <a:off x="419867" y="177059"/>
+              <a:ext cx="720725" cy="1038131"/>
+              <a:chOff x="9703386" y="5501426"/>
+              <a:chExt cx="720725" cy="1038131"/>
+            </a:xfrm>
+          </p:grpSpPr>
+          <p:pic>
+            <p:nvPicPr>
+              <p:cNvPr id="3" name="Grafik 2"/>
+              <p:cNvPicPr>
+                <a:picLocks noChangeAspect="1"/>
+              </p:cNvPicPr>
+              <p:nvPr/>
+            </p:nvPicPr>
+            <p:blipFill rotWithShape="1">
+              <a:blip r:embed="rId2" cstate="print">
+                <a:extLst>
+                  <a:ext uri="{28A0092B-C50C-407E-A947-70E740481C1C}">
+                    <a14:useLocalDpi xmlns:a14="http://schemas.microsoft.com/office/drawing/2010/main" val="0"/>
+                  </a:ext>
+                </a:extLst>
+              </a:blip>
+              <a:srcRect l="12105" r="13157" b="14152"/>
+              <a:stretch/>
+            </p:blipFill>
+            <p:spPr>
+              <a:xfrm>
+                <a:off x="9714361" y="5501426"/>
+                <a:ext cx="702813" cy="807299"/>
+              </a:xfrm>
+              <a:prstGeom prst="rect">
+                <a:avLst/>
+              </a:prstGeom>
+            </p:spPr>
+          </p:pic>
+          <p:sp>
+            <p:nvSpPr>
+              <p:cNvPr id="4" name="Textfeld 3"/>
+              <p:cNvSpPr txBox="1"/>
+              <p:nvPr/>
+            </p:nvSpPr>
+            <p:spPr>
+              <a:xfrm>
+                <a:off x="9703386" y="6308725"/>
+                <a:ext cx="720725" cy="230832"/>
+              </a:xfrm>
+              <a:prstGeom prst="rect">
+                <a:avLst/>
+              </a:prstGeom>
+              <a:noFill/>
+            </p:spPr>
+            <p:txBody>
+              <a:bodyPr wrap="square" rtlCol="0">
+                <a:spAutoFit/>
+              </a:bodyPr>
+              <a:lstStyle/>
+              <a:p>
+                <a:pPr algn="ctr"/>
+                <a:r>
+                  <a:rPr lang="de-DE" sz="900" dirty="0" smtClean="0"/>
+                  <a:t>Sender</a:t>
+                </a:r>
+                <a:endParaRPr lang="de-DE" sz="900" dirty="0"/>
+              </a:p>
+            </p:txBody>
+          </p:sp>
+        </p:grpSp>
+        <p:grpSp>
+          <p:nvGrpSpPr>
+            <p:cNvPr id="5" name="Gruppieren 4"/>
+            <p:cNvGrpSpPr/>
+            <p:nvPr/>
+          </p:nvGrpSpPr>
+          <p:grpSpPr>
+            <a:xfrm>
+              <a:off x="9287988" y="237188"/>
+              <a:ext cx="719933" cy="978002"/>
+              <a:chOff x="9697243" y="3435689"/>
+              <a:chExt cx="719933" cy="978002"/>
+            </a:xfrm>
+          </p:grpSpPr>
+          <p:pic>
+            <p:nvPicPr>
+              <p:cNvPr id="6" name="Grafik 5"/>
+              <p:cNvPicPr>
+                <a:picLocks noChangeAspect="1"/>
+              </p:cNvPicPr>
+              <p:nvPr/>
+            </p:nvPicPr>
+            <p:blipFill rotWithShape="1">
+              <a:blip r:embed="rId3" cstate="print">
+                <a:extLst>
+                  <a:ext uri="{28A0092B-C50C-407E-A947-70E740481C1C}">
+                    <a14:useLocalDpi xmlns:a14="http://schemas.microsoft.com/office/drawing/2010/main" val="0"/>
+                  </a:ext>
+                </a:extLst>
+              </a:blip>
+              <a:srcRect l="8129" t="2339" r="8948" b="15322"/>
+              <a:stretch/>
+            </p:blipFill>
+            <p:spPr>
+              <a:xfrm>
+                <a:off x="9697244" y="3435689"/>
+                <a:ext cx="719932" cy="714855"/>
+              </a:xfrm>
+              <a:prstGeom prst="rect">
+                <a:avLst/>
+              </a:prstGeom>
+            </p:spPr>
+          </p:pic>
+          <p:sp>
+            <p:nvSpPr>
+              <p:cNvPr id="7" name="Textfeld 6"/>
+              <p:cNvSpPr txBox="1"/>
+              <p:nvPr/>
+            </p:nvSpPr>
+            <p:spPr>
+              <a:xfrm>
+                <a:off x="9697243" y="4182859"/>
+                <a:ext cx="719932" cy="230832"/>
+              </a:xfrm>
+              <a:prstGeom prst="rect">
+                <a:avLst/>
+              </a:prstGeom>
+              <a:noFill/>
+            </p:spPr>
+            <p:txBody>
+              <a:bodyPr wrap="square" rtlCol="0">
+                <a:spAutoFit/>
+              </a:bodyPr>
+              <a:lstStyle/>
+              <a:p>
+                <a:pPr algn="ctr"/>
+                <a:r>
+                  <a:rPr lang="de-DE" sz="900" dirty="0" smtClean="0"/>
+                  <a:t>Subscriber</a:t>
+                </a:r>
+                <a:endParaRPr lang="de-DE" sz="1000" dirty="0"/>
+              </a:p>
+            </p:txBody>
+          </p:sp>
+        </p:grpSp>
+        <p:grpSp>
+          <p:nvGrpSpPr>
+            <p:cNvPr id="8" name="Gruppieren 7"/>
+            <p:cNvGrpSpPr/>
+            <p:nvPr/>
+          </p:nvGrpSpPr>
+          <p:grpSpPr>
+            <a:xfrm>
+              <a:off x="4163259" y="553674"/>
+              <a:ext cx="452113" cy="661717"/>
+              <a:chOff x="334963" y="4450091"/>
+              <a:chExt cx="452113" cy="661717"/>
+            </a:xfrm>
+          </p:grpSpPr>
+          <p:sp>
+            <p:nvSpPr>
+              <p:cNvPr id="9" name="Textfeld 8"/>
+              <p:cNvSpPr txBox="1"/>
+              <p:nvPr/>
+            </p:nvSpPr>
+            <p:spPr>
+              <a:xfrm>
+                <a:off x="334963" y="4880976"/>
+                <a:ext cx="443079" cy="230832"/>
+              </a:xfrm>
+              <a:prstGeom prst="rect">
+                <a:avLst/>
+              </a:prstGeom>
+              <a:noFill/>
+            </p:spPr>
+            <p:txBody>
+              <a:bodyPr wrap="square" rtlCol="0">
+                <a:spAutoFit/>
+              </a:bodyPr>
+              <a:lstStyle/>
+              <a:p>
+                <a:pPr algn="ctr"/>
+                <a:r>
+                  <a:rPr lang="de-DE" sz="900" dirty="0" smtClean="0"/>
+                  <a:t>Kanal </a:t>
+                </a:r>
+              </a:p>
+            </p:txBody>
+          </p:sp>
+          <p:sp>
+            <p:nvSpPr>
+              <p:cNvPr id="10" name="Zylinder 9"/>
+              <p:cNvSpPr/>
+              <p:nvPr/>
+            </p:nvSpPr>
+            <p:spPr>
+              <a:xfrm rot="5400000">
+                <a:off x="468687" y="4316367"/>
+                <a:ext cx="184666" cy="452113"/>
+              </a:xfrm>
+              <a:prstGeom prst="can">
+                <a:avLst/>
+              </a:prstGeom>
+              <a:noFill/>
+              <a:ln w="25400">
+                <a:solidFill>
+                  <a:schemeClr val="tx1"/>
+                </a:solidFill>
+              </a:ln>
+            </p:spPr>
+            <p:style>
+              <a:lnRef idx="2">
+                <a:schemeClr val="accent1">
+                  <a:shade val="50000"/>
+                </a:schemeClr>
+              </a:lnRef>
+              <a:fillRef idx="1">
+                <a:schemeClr val="accent1"/>
+              </a:fillRef>
+              <a:effectRef idx="0">
+                <a:schemeClr val="accent1"/>
+              </a:effectRef>
+              <a:fontRef idx="minor">
+                <a:schemeClr val="lt1"/>
+              </a:fontRef>
+            </p:style>
+            <p:txBody>
+              <a:bodyPr rtlCol="0" anchor="ctr"/>
+              <a:lstStyle/>
+              <a:p>
+                <a:pPr algn="ctr"/>
+                <a:endParaRPr lang="de-DE"/>
+              </a:p>
+            </p:txBody>
+          </p:sp>
+        </p:grpSp>
+        <p:grpSp>
+          <p:nvGrpSpPr>
+            <p:cNvPr id="11" name="Gruppieren 10"/>
+            <p:cNvGrpSpPr/>
+            <p:nvPr/>
+          </p:nvGrpSpPr>
+          <p:grpSpPr>
+            <a:xfrm>
+              <a:off x="7651774" y="553675"/>
+              <a:ext cx="452113" cy="661717"/>
+              <a:chOff x="334963" y="4450091"/>
+              <a:chExt cx="452113" cy="661717"/>
+            </a:xfrm>
+          </p:grpSpPr>
+          <p:sp>
+            <p:nvSpPr>
+              <p:cNvPr id="12" name="Textfeld 11"/>
+              <p:cNvSpPr txBox="1"/>
+              <p:nvPr/>
+            </p:nvSpPr>
+            <p:spPr>
+              <a:xfrm>
+                <a:off x="334963" y="4880976"/>
+                <a:ext cx="443079" cy="230832"/>
+              </a:xfrm>
+              <a:prstGeom prst="rect">
+                <a:avLst/>
+              </a:prstGeom>
+              <a:noFill/>
+            </p:spPr>
+            <p:txBody>
+              <a:bodyPr wrap="square" rtlCol="0">
+                <a:spAutoFit/>
+              </a:bodyPr>
+              <a:lstStyle/>
+              <a:p>
+                <a:pPr algn="ctr"/>
+                <a:r>
+                  <a:rPr lang="de-DE" sz="900" dirty="0" smtClean="0"/>
+                  <a:t>Kanal </a:t>
+                </a:r>
+              </a:p>
+            </p:txBody>
+          </p:sp>
+          <p:sp>
+            <p:nvSpPr>
+              <p:cNvPr id="13" name="Zylinder 12"/>
+              <p:cNvSpPr/>
+              <p:nvPr/>
+            </p:nvSpPr>
+            <p:spPr>
+              <a:xfrm rot="5400000">
+                <a:off x="468687" y="4316367"/>
+                <a:ext cx="184666" cy="452113"/>
+              </a:xfrm>
+              <a:prstGeom prst="can">
+                <a:avLst/>
+              </a:prstGeom>
+              <a:noFill/>
+              <a:ln w="25400">
+                <a:solidFill>
+                  <a:schemeClr val="tx1"/>
+                </a:solidFill>
+              </a:ln>
+            </p:spPr>
+            <p:style>
+              <a:lnRef idx="2">
+                <a:schemeClr val="accent1">
+                  <a:shade val="50000"/>
+                </a:schemeClr>
+              </a:lnRef>
+              <a:fillRef idx="1">
+                <a:schemeClr val="accent1"/>
+              </a:fillRef>
+              <a:effectRef idx="0">
+                <a:schemeClr val="accent1"/>
+              </a:effectRef>
+              <a:fontRef idx="minor">
+                <a:schemeClr val="lt1"/>
+              </a:fontRef>
+            </p:style>
+            <p:txBody>
+              <a:bodyPr rtlCol="0" anchor="ctr"/>
+              <a:lstStyle/>
+              <a:p>
+                <a:pPr algn="ctr"/>
+                <a:endParaRPr lang="de-DE"/>
+              </a:p>
+            </p:txBody>
+          </p:sp>
+        </p:grpSp>
+        <p:grpSp>
+          <p:nvGrpSpPr>
+            <p:cNvPr id="14" name="Gruppieren 13"/>
+            <p:cNvGrpSpPr/>
+            <p:nvPr/>
+          </p:nvGrpSpPr>
+          <p:grpSpPr>
+            <a:xfrm>
+              <a:off x="5746242" y="159371"/>
+              <a:ext cx="730987" cy="1055819"/>
+              <a:chOff x="9686187" y="4007898"/>
+              <a:chExt cx="730987" cy="1055819"/>
+            </a:xfrm>
+          </p:grpSpPr>
+          <p:pic>
+            <p:nvPicPr>
+              <p:cNvPr id="15" name="Grafik 14"/>
+              <p:cNvPicPr>
+                <a:picLocks noChangeAspect="1"/>
+              </p:cNvPicPr>
+              <p:nvPr/>
+            </p:nvPicPr>
+            <p:blipFill rotWithShape="1">
+              <a:blip r:embed="rId4" cstate="print">
+                <a:extLst>
+                  <a:ext uri="{28A0092B-C50C-407E-A947-70E740481C1C}">
+                    <a14:useLocalDpi xmlns:a14="http://schemas.microsoft.com/office/drawing/2010/main" val="0"/>
+                  </a:ext>
+                </a:extLst>
+              </a:blip>
+              <a:srcRect l="11521" r="11170" b="12749"/>
+              <a:stretch/>
+            </p:blipFill>
+            <p:spPr>
+              <a:xfrm>
+                <a:off x="9686187" y="4007898"/>
+                <a:ext cx="730987" cy="824987"/>
+              </a:xfrm>
+              <a:prstGeom prst="rect">
+                <a:avLst/>
+              </a:prstGeom>
+            </p:spPr>
+          </p:pic>
+          <p:sp>
+            <p:nvSpPr>
+              <p:cNvPr id="16" name="Textfeld 15"/>
+              <p:cNvSpPr txBox="1"/>
+              <p:nvPr/>
+            </p:nvSpPr>
+            <p:spPr>
+              <a:xfrm>
+                <a:off x="9686187" y="4832885"/>
+                <a:ext cx="720724" cy="230832"/>
+              </a:xfrm>
+              <a:prstGeom prst="rect">
+                <a:avLst/>
+              </a:prstGeom>
+              <a:noFill/>
+            </p:spPr>
+            <p:txBody>
+              <a:bodyPr wrap="square" rtlCol="0">
+                <a:spAutoFit/>
+              </a:bodyPr>
+              <a:lstStyle/>
+              <a:p>
+                <a:pPr algn="ctr"/>
+                <a:r>
+                  <a:rPr lang="de-DE" sz="900" dirty="0" smtClean="0"/>
+                  <a:t>Broker</a:t>
+                </a:r>
+                <a:endParaRPr lang="de-DE" sz="1100" dirty="0"/>
+              </a:p>
+            </p:txBody>
+          </p:sp>
+        </p:grpSp>
+        <p:grpSp>
+          <p:nvGrpSpPr>
+            <p:cNvPr id="17" name="Gruppieren 16"/>
+            <p:cNvGrpSpPr/>
+            <p:nvPr/>
+          </p:nvGrpSpPr>
+          <p:grpSpPr>
+            <a:xfrm>
+              <a:off x="2170066" y="225226"/>
+              <a:ext cx="719933" cy="978002"/>
+              <a:chOff x="9697243" y="3435689"/>
+              <a:chExt cx="719933" cy="978002"/>
+            </a:xfrm>
+          </p:grpSpPr>
+          <p:pic>
+            <p:nvPicPr>
+              <p:cNvPr id="18" name="Grafik 17"/>
+              <p:cNvPicPr>
+                <a:picLocks noChangeAspect="1"/>
+              </p:cNvPicPr>
+              <p:nvPr/>
+            </p:nvPicPr>
+            <p:blipFill rotWithShape="1">
+              <a:blip r:embed="rId3" cstate="print">
+                <a:extLst>
+                  <a:ext uri="{28A0092B-C50C-407E-A947-70E740481C1C}">
+                    <a14:useLocalDpi xmlns:a14="http://schemas.microsoft.com/office/drawing/2010/main" val="0"/>
+                  </a:ext>
+                </a:extLst>
+              </a:blip>
+              <a:srcRect l="8129" t="2339" r="8948" b="15322"/>
+              <a:stretch/>
+            </p:blipFill>
+            <p:spPr>
+              <a:xfrm>
+                <a:off x="9697244" y="3435689"/>
+                <a:ext cx="719932" cy="714855"/>
+              </a:xfrm>
+              <a:prstGeom prst="rect">
+                <a:avLst/>
+              </a:prstGeom>
+            </p:spPr>
+          </p:pic>
+          <p:sp>
+            <p:nvSpPr>
+              <p:cNvPr id="19" name="Textfeld 18"/>
+              <p:cNvSpPr txBox="1"/>
+              <p:nvPr/>
+            </p:nvSpPr>
+            <p:spPr>
+              <a:xfrm>
+                <a:off x="9697243" y="4182859"/>
+                <a:ext cx="719932" cy="230832"/>
+              </a:xfrm>
+              <a:prstGeom prst="rect">
+                <a:avLst/>
+              </a:prstGeom>
+              <a:noFill/>
+            </p:spPr>
+            <p:txBody>
+              <a:bodyPr wrap="square" rtlCol="0">
+                <a:spAutoFit/>
+              </a:bodyPr>
+              <a:lstStyle/>
+              <a:p>
+                <a:pPr algn="ctr"/>
+                <a:r>
+                  <a:rPr lang="de-DE" sz="900" dirty="0" smtClean="0"/>
+                  <a:t>Publisher</a:t>
+                </a:r>
+                <a:endParaRPr lang="de-DE" sz="1000" dirty="0"/>
+              </a:p>
+            </p:txBody>
+          </p:sp>
+        </p:grpSp>
+        <p:grpSp>
+          <p:nvGrpSpPr>
+            <p:cNvPr id="20" name="Gruppieren 19"/>
+            <p:cNvGrpSpPr/>
+            <p:nvPr/>
+          </p:nvGrpSpPr>
+          <p:grpSpPr>
+            <a:xfrm>
+              <a:off x="11072145" y="261059"/>
+              <a:ext cx="720725" cy="942169"/>
+              <a:chOff x="9703386" y="4153706"/>
+              <a:chExt cx="720725" cy="942169"/>
+            </a:xfrm>
+          </p:grpSpPr>
+          <p:sp>
+            <p:nvSpPr>
+              <p:cNvPr id="21" name="Textfeld 20"/>
+              <p:cNvSpPr txBox="1"/>
+              <p:nvPr/>
+            </p:nvSpPr>
+            <p:spPr>
+              <a:xfrm>
+                <a:off x="9703386" y="4865043"/>
+                <a:ext cx="720725" cy="230832"/>
+              </a:xfrm>
+              <a:prstGeom prst="rect">
+                <a:avLst/>
+              </a:prstGeom>
+              <a:noFill/>
+            </p:spPr>
+            <p:txBody>
+              <a:bodyPr wrap="square" rtlCol="0">
+                <a:spAutoFit/>
+              </a:bodyPr>
+              <a:lstStyle/>
+              <a:p>
+                <a:pPr algn="ctr"/>
+                <a:r>
+                  <a:rPr lang="de-DE" sz="900" dirty="0" smtClean="0"/>
+                  <a:t>Empfänger</a:t>
+                </a:r>
+                <a:endParaRPr lang="de-DE" sz="1000" dirty="0"/>
+              </a:p>
+            </p:txBody>
+          </p:sp>
+          <p:pic>
+            <p:nvPicPr>
+              <p:cNvPr id="22" name="Grafik 21"/>
+              <p:cNvPicPr>
+                <a:picLocks noChangeAspect="1"/>
+              </p:cNvPicPr>
+              <p:nvPr/>
+            </p:nvPicPr>
+            <p:blipFill rotWithShape="1">
+              <a:blip r:embed="rId5" cstate="print">
+                <a:extLst>
+                  <a:ext uri="{28A0092B-C50C-407E-A947-70E740481C1C}">
+                    <a14:useLocalDpi xmlns:a14="http://schemas.microsoft.com/office/drawing/2010/main" val="0"/>
+                  </a:ext>
+                </a:extLst>
+              </a:blip>
+              <a:srcRect l="6959" r="6959" b="15789"/>
+              <a:stretch/>
+            </p:blipFill>
+            <p:spPr>
+              <a:xfrm>
+                <a:off x="9703386" y="4153706"/>
+                <a:ext cx="720725" cy="705057"/>
+              </a:xfrm>
+              <a:prstGeom prst="rect">
+                <a:avLst/>
+              </a:prstGeom>
+            </p:spPr>
+          </p:pic>
+        </p:grpSp>
+        <p:sp>
+          <p:nvSpPr>
+            <p:cNvPr id="23" name="Pfeil nach rechts 22"/>
+            <p:cNvSpPr/>
+            <p:nvPr/>
+          </p:nvSpPr>
+          <p:spPr>
+            <a:xfrm>
+              <a:off x="1200150" y="532983"/>
+              <a:ext cx="729726" cy="205357"/>
+            </a:xfrm>
+            <a:prstGeom prst="rightArrow">
+              <a:avLst/>
+            </a:prstGeom>
+            <a:noFill/>
+            <a:ln w="25400">
+              <a:solidFill>
+                <a:schemeClr val="tx1"/>
+              </a:solidFill>
+            </a:ln>
+          </p:spPr>
+          <p:style>
+            <a:lnRef idx="2">
+              <a:schemeClr val="accent1">
+                <a:shade val="50000"/>
+              </a:schemeClr>
+            </a:lnRef>
+            <a:fillRef idx="1">
+              <a:schemeClr val="accent1"/>
+            </a:fillRef>
+            <a:effectRef idx="0">
+              <a:schemeClr val="accent1"/>
+            </a:effectRef>
+            <a:fontRef idx="minor">
+              <a:schemeClr val="lt1"/>
+            </a:fontRef>
+          </p:style>
+          <p:txBody>
+            <a:bodyPr rtlCol="0" anchor="ctr"/>
+            <a:lstStyle/>
+            <a:p>
+              <a:pPr algn="ctr"/>
+              <a:endParaRPr lang="de-DE"/>
+            </a:p>
+          </p:txBody>
+        </p:sp>
+        <p:sp>
+          <p:nvSpPr>
+            <p:cNvPr id="24" name="Pfeil nach rechts 23"/>
+            <p:cNvSpPr/>
+            <p:nvPr/>
+          </p:nvSpPr>
+          <p:spPr>
+            <a:xfrm>
+              <a:off x="10175170" y="532982"/>
+              <a:ext cx="729726" cy="205357"/>
+            </a:xfrm>
+            <a:prstGeom prst="rightArrow">
+              <a:avLst/>
+            </a:prstGeom>
+            <a:noFill/>
+            <a:ln w="25400">
+              <a:solidFill>
+                <a:schemeClr val="tx1"/>
+              </a:solidFill>
+            </a:ln>
+          </p:spPr>
+          <p:style>
+            <a:lnRef idx="2">
+              <a:schemeClr val="accent1">
+                <a:shade val="50000"/>
+              </a:schemeClr>
+            </a:lnRef>
+            <a:fillRef idx="1">
+              <a:schemeClr val="accent1"/>
+            </a:fillRef>
+            <a:effectRef idx="0">
+              <a:schemeClr val="accent1"/>
+            </a:effectRef>
+            <a:fontRef idx="minor">
+              <a:schemeClr val="lt1"/>
+            </a:fontRef>
+          </p:style>
+          <p:txBody>
+            <a:bodyPr rtlCol="0" anchor="ctr"/>
+            <a:lstStyle/>
+            <a:p>
+              <a:pPr algn="ctr"/>
+              <a:endParaRPr lang="de-DE"/>
+            </a:p>
+          </p:txBody>
+        </p:sp>
+        <p:sp>
+          <p:nvSpPr>
+            <p:cNvPr id="25" name="Pfeil nach rechts 24"/>
+            <p:cNvSpPr/>
+            <p:nvPr/>
+          </p:nvSpPr>
+          <p:spPr>
+            <a:xfrm>
+              <a:off x="8382677" y="532982"/>
+              <a:ext cx="729726" cy="205357"/>
+            </a:xfrm>
+            <a:prstGeom prst="rightArrow">
+              <a:avLst/>
+            </a:prstGeom>
+            <a:noFill/>
+            <a:ln w="25400">
+              <a:solidFill>
+                <a:schemeClr val="tx1"/>
+              </a:solidFill>
+            </a:ln>
+          </p:spPr>
+          <p:style>
+            <a:lnRef idx="2">
+              <a:schemeClr val="accent1">
+                <a:shade val="50000"/>
+              </a:schemeClr>
+            </a:lnRef>
+            <a:fillRef idx="1">
+              <a:schemeClr val="accent1"/>
+            </a:fillRef>
+            <a:effectRef idx="0">
+              <a:schemeClr val="accent1"/>
+            </a:effectRef>
+            <a:fontRef idx="minor">
+              <a:schemeClr val="lt1"/>
+            </a:fontRef>
+          </p:style>
+          <p:txBody>
+            <a:bodyPr rtlCol="0" anchor="ctr"/>
+            <a:lstStyle/>
+            <a:p>
+              <a:pPr algn="ctr"/>
+              <a:endParaRPr lang="de-DE"/>
+            </a:p>
+          </p:txBody>
+        </p:sp>
+        <p:sp>
+          <p:nvSpPr>
+            <p:cNvPr id="26" name="Pfeil nach rechts 25"/>
+            <p:cNvSpPr/>
+            <p:nvPr/>
+          </p:nvSpPr>
+          <p:spPr>
+            <a:xfrm>
+              <a:off x="6687045" y="532982"/>
+              <a:ext cx="729726" cy="205357"/>
+            </a:xfrm>
+            <a:prstGeom prst="rightArrow">
+              <a:avLst/>
+            </a:prstGeom>
+            <a:noFill/>
+            <a:ln w="25400">
+              <a:solidFill>
+                <a:schemeClr val="tx1"/>
+              </a:solidFill>
+            </a:ln>
+          </p:spPr>
+          <p:style>
+            <a:lnRef idx="2">
+              <a:schemeClr val="accent1">
+                <a:shade val="50000"/>
+              </a:schemeClr>
+            </a:lnRef>
+            <a:fillRef idx="1">
+              <a:schemeClr val="accent1"/>
+            </a:fillRef>
+            <a:effectRef idx="0">
+              <a:schemeClr val="accent1"/>
+            </a:effectRef>
+            <a:fontRef idx="minor">
+              <a:schemeClr val="lt1"/>
+            </a:fontRef>
+          </p:style>
+          <p:txBody>
+            <a:bodyPr rtlCol="0" anchor="ctr"/>
+            <a:lstStyle/>
+            <a:p>
+              <a:pPr algn="ctr"/>
+              <a:endParaRPr lang="de-DE"/>
+            </a:p>
+          </p:txBody>
+        </p:sp>
+        <p:sp>
+          <p:nvSpPr>
+            <p:cNvPr id="27" name="Pfeil nach rechts 26"/>
+            <p:cNvSpPr/>
+            <p:nvPr/>
+          </p:nvSpPr>
+          <p:spPr>
+            <a:xfrm>
+              <a:off x="4832857" y="532982"/>
+              <a:ext cx="729726" cy="205357"/>
+            </a:xfrm>
+            <a:prstGeom prst="rightArrow">
+              <a:avLst/>
+            </a:prstGeom>
+            <a:noFill/>
+            <a:ln w="25400">
+              <a:solidFill>
+                <a:schemeClr val="tx1"/>
+              </a:solidFill>
+            </a:ln>
+          </p:spPr>
+          <p:style>
+            <a:lnRef idx="2">
+              <a:schemeClr val="accent1">
+                <a:shade val="50000"/>
+              </a:schemeClr>
+            </a:lnRef>
+            <a:fillRef idx="1">
+              <a:schemeClr val="accent1"/>
+            </a:fillRef>
+            <a:effectRef idx="0">
+              <a:schemeClr val="accent1"/>
+            </a:effectRef>
+            <a:fontRef idx="minor">
+              <a:schemeClr val="lt1"/>
+            </a:fontRef>
+          </p:style>
+          <p:txBody>
+            <a:bodyPr rtlCol="0" anchor="ctr"/>
+            <a:lstStyle/>
+            <a:p>
+              <a:pPr algn="ctr"/>
+              <a:endParaRPr lang="de-DE"/>
+            </a:p>
+          </p:txBody>
+        </p:sp>
+        <p:sp>
+          <p:nvSpPr>
+            <p:cNvPr id="28" name="Pfeil nach rechts 27"/>
+            <p:cNvSpPr/>
+            <p:nvPr/>
+          </p:nvSpPr>
+          <p:spPr>
+            <a:xfrm>
+              <a:off x="3111068" y="532982"/>
+              <a:ext cx="729726" cy="205357"/>
+            </a:xfrm>
+            <a:prstGeom prst="rightArrow">
+              <a:avLst/>
+            </a:prstGeom>
+            <a:noFill/>
+            <a:ln w="25400">
+              <a:solidFill>
+                <a:schemeClr val="tx1"/>
+              </a:solidFill>
+            </a:ln>
+          </p:spPr>
+          <p:style>
+            <a:lnRef idx="2">
+              <a:schemeClr val="accent1">
+                <a:shade val="50000"/>
+              </a:schemeClr>
+            </a:lnRef>
+            <a:fillRef idx="1">
+              <a:schemeClr val="accent1"/>
+            </a:fillRef>
+            <a:effectRef idx="0">
+              <a:schemeClr val="accent1"/>
+            </a:effectRef>
+            <a:fontRef idx="minor">
+              <a:schemeClr val="lt1"/>
+            </a:fontRef>
+          </p:style>
+          <p:txBody>
+            <a:bodyPr rtlCol="0" anchor="ctr"/>
+            <a:lstStyle/>
+            <a:p>
+              <a:pPr algn="ctr"/>
+              <a:endParaRPr lang="de-DE"/>
+            </a:p>
+          </p:txBody>
+        </p:sp>
+        <p:sp>
+          <p:nvSpPr>
+            <p:cNvPr id="29" name="Textfeld 28"/>
+            <p:cNvSpPr txBox="1"/>
+            <p:nvPr/>
+          </p:nvSpPr>
+          <p:spPr>
+            <a:xfrm>
+              <a:off x="10242283" y="211376"/>
+              <a:ext cx="494046" cy="369332"/>
+            </a:xfrm>
+            <a:prstGeom prst="rect">
+              <a:avLst/>
+            </a:prstGeom>
+            <a:noFill/>
+          </p:spPr>
+          <p:txBody>
+            <a:bodyPr wrap="none" rtlCol="0">
+              <a:spAutoFit/>
+            </a:bodyPr>
+            <a:lstStyle/>
+            <a:p>
+              <a:r>
+                <a:rPr lang="de-DE" dirty="0" smtClean="0">
+                  <a:solidFill>
+                    <a:srgbClr val="00B050"/>
+                  </a:solidFill>
+                </a:rPr>
+                <a:t>API</a:t>
+              </a:r>
+              <a:endParaRPr lang="de-DE" dirty="0">
+                <a:solidFill>
+                  <a:srgbClr val="00B050"/>
+                </a:solidFill>
+              </a:endParaRPr>
+            </a:p>
+          </p:txBody>
+        </p:sp>
+        <p:sp>
+          <p:nvSpPr>
+            <p:cNvPr id="30" name="Textfeld 29"/>
+            <p:cNvSpPr txBox="1"/>
+            <p:nvPr/>
+          </p:nvSpPr>
+          <p:spPr>
+            <a:xfrm>
+              <a:off x="1286414" y="202532"/>
+              <a:ext cx="494046" cy="369332"/>
+            </a:xfrm>
+            <a:prstGeom prst="rect">
+              <a:avLst/>
+            </a:prstGeom>
+            <a:noFill/>
+          </p:spPr>
+          <p:txBody>
+            <a:bodyPr wrap="none" rtlCol="0">
+              <a:spAutoFit/>
+            </a:bodyPr>
+            <a:lstStyle/>
+            <a:p>
+              <a:r>
+                <a:rPr lang="de-DE" dirty="0" smtClean="0">
+                  <a:solidFill>
+                    <a:srgbClr val="00B050"/>
+                  </a:solidFill>
+                </a:rPr>
+                <a:t>API</a:t>
+              </a:r>
+              <a:endParaRPr lang="de-DE" dirty="0">
+                <a:solidFill>
+                  <a:srgbClr val="00B050"/>
+                </a:solidFill>
+              </a:endParaRPr>
+            </a:p>
+          </p:txBody>
+        </p:sp>
+        <p:sp>
+          <p:nvSpPr>
+            <p:cNvPr id="33" name="Textfeld 32"/>
+            <p:cNvSpPr txBox="1"/>
+            <p:nvPr/>
+          </p:nvSpPr>
+          <p:spPr>
+            <a:xfrm>
+              <a:off x="3159454" y="211376"/>
+              <a:ext cx="636072" cy="369332"/>
+            </a:xfrm>
+            <a:prstGeom prst="rect">
+              <a:avLst/>
+            </a:prstGeom>
+            <a:noFill/>
+          </p:spPr>
+          <p:txBody>
+            <a:bodyPr wrap="none" rtlCol="0">
+              <a:spAutoFit/>
+            </a:bodyPr>
+            <a:lstStyle/>
+            <a:p>
+              <a:r>
+                <a:rPr lang="de-DE" dirty="0" smtClean="0">
+                  <a:solidFill>
+                    <a:srgbClr val="00B050"/>
+                  </a:solidFill>
+                </a:rPr>
+                <a:t>REST</a:t>
+              </a:r>
+              <a:endParaRPr lang="de-DE" dirty="0">
+                <a:solidFill>
+                  <a:srgbClr val="00B050"/>
+                </a:solidFill>
+              </a:endParaRPr>
+            </a:p>
+          </p:txBody>
+        </p:sp>
+        <p:sp>
+          <p:nvSpPr>
+            <p:cNvPr id="34" name="Textfeld 33"/>
+            <p:cNvSpPr txBox="1"/>
+            <p:nvPr/>
+          </p:nvSpPr>
+          <p:spPr>
+            <a:xfrm>
+              <a:off x="4862971" y="211739"/>
+              <a:ext cx="636072" cy="369332"/>
+            </a:xfrm>
+            <a:prstGeom prst="rect">
+              <a:avLst/>
+            </a:prstGeom>
+            <a:noFill/>
+          </p:spPr>
+          <p:txBody>
+            <a:bodyPr wrap="none" rtlCol="0">
+              <a:spAutoFit/>
+            </a:bodyPr>
+            <a:lstStyle/>
+            <a:p>
+              <a:r>
+                <a:rPr lang="de-DE" dirty="0" smtClean="0">
+                  <a:solidFill>
+                    <a:srgbClr val="00B050"/>
+                  </a:solidFill>
+                </a:rPr>
+                <a:t>REST</a:t>
+              </a:r>
+              <a:endParaRPr lang="de-DE" dirty="0">
+                <a:solidFill>
+                  <a:srgbClr val="00B050"/>
+                </a:solidFill>
+              </a:endParaRPr>
+            </a:p>
+          </p:txBody>
+        </p:sp>
+        <p:sp>
+          <p:nvSpPr>
+            <p:cNvPr id="35" name="Textfeld 34"/>
+            <p:cNvSpPr txBox="1"/>
+            <p:nvPr/>
+          </p:nvSpPr>
+          <p:spPr>
+            <a:xfrm>
+              <a:off x="6711591" y="217568"/>
+              <a:ext cx="636072" cy="369332"/>
+            </a:xfrm>
+            <a:prstGeom prst="rect">
+              <a:avLst/>
+            </a:prstGeom>
+            <a:noFill/>
+          </p:spPr>
+          <p:txBody>
+            <a:bodyPr wrap="none" rtlCol="0">
+              <a:spAutoFit/>
+            </a:bodyPr>
+            <a:lstStyle/>
+            <a:p>
+              <a:r>
+                <a:rPr lang="de-DE" dirty="0" smtClean="0">
+                  <a:solidFill>
+                    <a:srgbClr val="00B050"/>
+                  </a:solidFill>
+                </a:rPr>
+                <a:t>REST</a:t>
+              </a:r>
+              <a:endParaRPr lang="de-DE" dirty="0">
+                <a:solidFill>
+                  <a:srgbClr val="00B050"/>
+                </a:solidFill>
+              </a:endParaRPr>
+            </a:p>
+          </p:txBody>
+        </p:sp>
+        <p:sp>
+          <p:nvSpPr>
+            <p:cNvPr id="36" name="Textfeld 35"/>
+            <p:cNvSpPr txBox="1"/>
+            <p:nvPr/>
+          </p:nvSpPr>
+          <p:spPr>
+            <a:xfrm>
+              <a:off x="8373343" y="225226"/>
+              <a:ext cx="636072" cy="369332"/>
+            </a:xfrm>
+            <a:prstGeom prst="rect">
+              <a:avLst/>
+            </a:prstGeom>
+            <a:noFill/>
+          </p:spPr>
+          <p:txBody>
+            <a:bodyPr wrap="none" rtlCol="0">
+              <a:spAutoFit/>
+            </a:bodyPr>
+            <a:lstStyle/>
+            <a:p>
+              <a:r>
+                <a:rPr lang="de-DE" dirty="0" smtClean="0">
+                  <a:solidFill>
+                    <a:srgbClr val="00B050"/>
+                  </a:solidFill>
+                </a:rPr>
+                <a:t>REST</a:t>
+              </a:r>
+              <a:endParaRPr lang="de-DE" dirty="0">
+                <a:solidFill>
+                  <a:srgbClr val="00B050"/>
+                </a:solidFill>
+              </a:endParaRPr>
+            </a:p>
+          </p:txBody>
+        </p:sp>
+      </p:grpSp>
+      <p:grpSp>
+        <p:nvGrpSpPr>
+          <p:cNvPr id="187" name="Gruppieren 186"/>
+          <p:cNvGrpSpPr/>
+          <p:nvPr/>
+        </p:nvGrpSpPr>
+        <p:grpSpPr>
+          <a:xfrm>
+            <a:off x="1486126" y="5228779"/>
+            <a:ext cx="720725" cy="1038131"/>
+            <a:chOff x="9703386" y="5501426"/>
+            <a:chExt cx="720725" cy="1038131"/>
+          </a:xfrm>
+        </p:grpSpPr>
+        <p:pic>
+          <p:nvPicPr>
+            <p:cNvPr id="188" name="Grafik 187"/>
+            <p:cNvPicPr>
+              <a:picLocks noChangeAspect="1"/>
+            </p:cNvPicPr>
+            <p:nvPr/>
+          </p:nvPicPr>
+          <p:blipFill rotWithShape="1">
+            <a:blip r:embed="rId2" cstate="print">
+              <a:extLst>
+                <a:ext uri="{28A0092B-C50C-407E-A947-70E740481C1C}">
+                  <a14:useLocalDpi xmlns:a14="http://schemas.microsoft.com/office/drawing/2010/main" val="0"/>
+                </a:ext>
+              </a:extLst>
+            </a:blip>
+            <a:srcRect l="12105" r="13157" b="14152"/>
+            <a:stretch/>
+          </p:blipFill>
+          <p:spPr>
+            <a:xfrm>
+              <a:off x="9714361" y="5501426"/>
+              <a:ext cx="702813" cy="807299"/>
+            </a:xfrm>
+            <a:prstGeom prst="rect">
+              <a:avLst/>
+            </a:prstGeom>
+          </p:spPr>
+        </p:pic>
+        <p:sp>
+          <p:nvSpPr>
+            <p:cNvPr id="189" name="Textfeld 188"/>
+            <p:cNvSpPr txBox="1"/>
+            <p:nvPr/>
+          </p:nvSpPr>
+          <p:spPr>
+            <a:xfrm>
+              <a:off x="9703386" y="6308725"/>
+              <a:ext cx="720725" cy="230832"/>
+            </a:xfrm>
+            <a:prstGeom prst="rect">
+              <a:avLst/>
+            </a:prstGeom>
+            <a:noFill/>
+          </p:spPr>
+          <p:txBody>
+            <a:bodyPr wrap="square" rtlCol="0">
+              <a:spAutoFit/>
+            </a:bodyPr>
+            <a:lstStyle/>
+            <a:p>
+              <a:pPr algn="ctr"/>
+              <a:r>
+                <a:rPr lang="de-DE" sz="900" dirty="0" smtClean="0"/>
+                <a:t>Sender</a:t>
+              </a:r>
+              <a:endParaRPr lang="de-DE" sz="900" dirty="0"/>
+            </a:p>
+          </p:txBody>
+        </p:sp>
+      </p:grpSp>
+      <p:grpSp>
+        <p:nvGrpSpPr>
+          <p:cNvPr id="190" name="Gruppieren 189"/>
+          <p:cNvGrpSpPr/>
+          <p:nvPr/>
+        </p:nvGrpSpPr>
+        <p:grpSpPr>
+          <a:xfrm>
+            <a:off x="396148" y="5310263"/>
+            <a:ext cx="709750" cy="940582"/>
+            <a:chOff x="9714361" y="3439975"/>
+            <a:chExt cx="709750" cy="940582"/>
+          </a:xfrm>
+        </p:grpSpPr>
+        <p:sp>
+          <p:nvSpPr>
+            <p:cNvPr id="191" name="Textfeld 190"/>
+            <p:cNvSpPr txBox="1"/>
+            <p:nvPr/>
+          </p:nvSpPr>
+          <p:spPr>
+            <a:xfrm>
+              <a:off x="9714361" y="4149725"/>
+              <a:ext cx="709750" cy="230832"/>
+            </a:xfrm>
+            <a:prstGeom prst="rect">
+              <a:avLst/>
+            </a:prstGeom>
+            <a:noFill/>
+          </p:spPr>
+          <p:txBody>
+            <a:bodyPr wrap="square" rtlCol="0">
+              <a:spAutoFit/>
+            </a:bodyPr>
+            <a:lstStyle/>
+            <a:p>
+              <a:pPr algn="ctr"/>
+              <a:r>
+                <a:rPr lang="de-DE" sz="900" dirty="0" smtClean="0"/>
+                <a:t>Filter</a:t>
+              </a:r>
+              <a:endParaRPr lang="de-DE" sz="1050" dirty="0"/>
+            </a:p>
+          </p:txBody>
+        </p:sp>
+        <p:pic>
+          <p:nvPicPr>
+            <p:cNvPr id="192" name="Grafik 191"/>
+            <p:cNvPicPr>
+              <a:picLocks noChangeAspect="1"/>
+            </p:cNvPicPr>
+            <p:nvPr/>
+          </p:nvPicPr>
+          <p:blipFill>
+            <a:blip r:embed="rId6" cstate="print">
+              <a:extLst>
+                <a:ext uri="{28A0092B-C50C-407E-A947-70E740481C1C}">
+                  <a14:useLocalDpi xmlns:a14="http://schemas.microsoft.com/office/drawing/2010/main" val="0"/>
+                </a:ext>
+              </a:extLst>
+            </a:blip>
+            <a:stretch>
+              <a:fillRect/>
+            </a:stretch>
+          </p:blipFill>
+          <p:spPr>
+            <a:xfrm>
+              <a:off x="9714361" y="3439975"/>
+              <a:ext cx="709750" cy="709750"/>
+            </a:xfrm>
+            <a:prstGeom prst="rect">
+              <a:avLst/>
+            </a:prstGeom>
+          </p:spPr>
+        </p:pic>
+      </p:grpSp>
+      <p:grpSp>
+        <p:nvGrpSpPr>
+          <p:cNvPr id="193" name="Gruppieren 192"/>
+          <p:cNvGrpSpPr/>
+          <p:nvPr/>
+        </p:nvGrpSpPr>
+        <p:grpSpPr>
+          <a:xfrm>
+            <a:off x="3187602" y="5324741"/>
+            <a:ext cx="720725" cy="942169"/>
+            <a:chOff x="9703386" y="4153706"/>
+            <a:chExt cx="720725" cy="942169"/>
+          </a:xfrm>
+        </p:grpSpPr>
+        <p:sp>
+          <p:nvSpPr>
+            <p:cNvPr id="194" name="Textfeld 193"/>
+            <p:cNvSpPr txBox="1"/>
+            <p:nvPr/>
+          </p:nvSpPr>
+          <p:spPr>
+            <a:xfrm>
+              <a:off x="9703386" y="4865043"/>
+              <a:ext cx="720725" cy="230832"/>
+            </a:xfrm>
+            <a:prstGeom prst="rect">
+              <a:avLst/>
+            </a:prstGeom>
+            <a:noFill/>
+          </p:spPr>
+          <p:txBody>
+            <a:bodyPr wrap="square" rtlCol="0">
+              <a:spAutoFit/>
+            </a:bodyPr>
+            <a:lstStyle/>
+            <a:p>
+              <a:pPr algn="ctr"/>
+              <a:r>
+                <a:rPr lang="de-DE" sz="900" dirty="0" smtClean="0"/>
+                <a:t>Empfänger</a:t>
+              </a:r>
+              <a:endParaRPr lang="de-DE" sz="1000" dirty="0"/>
+            </a:p>
+          </p:txBody>
+        </p:sp>
+        <p:pic>
+          <p:nvPicPr>
+            <p:cNvPr id="195" name="Grafik 194"/>
+            <p:cNvPicPr>
+              <a:picLocks noChangeAspect="1"/>
+            </p:cNvPicPr>
+            <p:nvPr/>
+          </p:nvPicPr>
+          <p:blipFill rotWithShape="1">
+            <a:blip r:embed="rId5" cstate="print">
+              <a:extLst>
+                <a:ext uri="{28A0092B-C50C-407E-A947-70E740481C1C}">
+                  <a14:useLocalDpi xmlns:a14="http://schemas.microsoft.com/office/drawing/2010/main" val="0"/>
+                </a:ext>
+              </a:extLst>
+            </a:blip>
+            <a:srcRect l="6959" r="6959" b="15789"/>
+            <a:stretch/>
+          </p:blipFill>
+          <p:spPr>
+            <a:xfrm>
+              <a:off x="9703386" y="4153706"/>
+              <a:ext cx="720725" cy="705057"/>
+            </a:xfrm>
+            <a:prstGeom prst="rect">
+              <a:avLst/>
+            </a:prstGeom>
+          </p:spPr>
+        </p:pic>
+      </p:grpSp>
+      <p:sp>
+        <p:nvSpPr>
+          <p:cNvPr id="196" name="Textfeld 195"/>
+          <p:cNvSpPr txBox="1"/>
+          <p:nvPr/>
+        </p:nvSpPr>
+        <p:spPr>
+          <a:xfrm>
+            <a:off x="1054917" y="5337631"/>
+            <a:ext cx="389850" cy="584775"/>
+          </a:xfrm>
+          <a:prstGeom prst="rect">
+            <a:avLst/>
+          </a:prstGeom>
+          <a:noFill/>
+        </p:spPr>
+        <p:txBody>
+          <a:bodyPr wrap="none" rtlCol="0">
+            <a:spAutoFit/>
+          </a:bodyPr>
+          <a:lstStyle/>
+          <a:p>
+            <a:r>
+              <a:rPr lang="de-DE" sz="3200" dirty="0" smtClean="0"/>
+              <a:t>=</a:t>
+            </a:r>
+            <a:endParaRPr lang="de-DE" sz="3200" dirty="0"/>
+          </a:p>
+        </p:txBody>
+      </p:sp>
+      <p:sp>
+        <p:nvSpPr>
+          <p:cNvPr id="197" name="Rechteck 196"/>
+          <p:cNvSpPr/>
+          <p:nvPr/>
+        </p:nvSpPr>
+        <p:spPr>
+          <a:xfrm>
+            <a:off x="2328793" y="5236067"/>
+            <a:ext cx="641350" cy="1072658"/>
+          </a:xfrm>
+          <a:prstGeom prst="rect">
+            <a:avLst/>
+          </a:prstGeom>
+          <a:pattFill prst="dashVert">
+            <a:fgClr>
+              <a:schemeClr val="accent1"/>
+            </a:fgClr>
+            <a:bgClr>
+              <a:schemeClr val="bg1"/>
+            </a:bgClr>
+          </a:pattFill>
+          <a:ln w="25400">
+            <a:solidFill>
+              <a:schemeClr val="tx1"/>
+            </a:solidFill>
+          </a:ln>
+        </p:spPr>
+        <p:style>
+          <a:lnRef idx="2">
+            <a:schemeClr val="accent1">
+              <a:shade val="50000"/>
+            </a:schemeClr>
+          </a:lnRef>
+          <a:fillRef idx="1">
+            <a:schemeClr val="accent1"/>
+          </a:fillRef>
+          <a:effectRef idx="0">
+            <a:schemeClr val="accent1"/>
+          </a:effectRef>
+          <a:fontRef idx="minor">
+            <a:schemeClr val="lt1"/>
+          </a:fontRef>
+        </p:style>
+        <p:txBody>
+          <a:bodyPr rtlCol="0" anchor="ctr"/>
+          <a:lstStyle/>
+          <a:p>
+            <a:pPr algn="ctr"/>
+            <a:endParaRPr lang="de-DE"/>
+          </a:p>
+        </p:txBody>
+      </p:sp>
+      <p:sp>
+        <p:nvSpPr>
+          <p:cNvPr id="198" name="Rechteck 197"/>
+          <p:cNvSpPr/>
+          <p:nvPr/>
+        </p:nvSpPr>
+        <p:spPr>
+          <a:xfrm>
+            <a:off x="334963" y="5038488"/>
+            <a:ext cx="3731179" cy="1421306"/>
+          </a:xfrm>
+          <a:prstGeom prst="rect">
+            <a:avLst/>
+          </a:prstGeom>
+          <a:noFill/>
+          <a:ln w="25400">
+            <a:solidFill>
+              <a:schemeClr val="tx1"/>
+            </a:solidFill>
+          </a:ln>
+        </p:spPr>
+        <p:style>
+          <a:lnRef idx="2">
+            <a:schemeClr val="accent1">
+              <a:shade val="50000"/>
+            </a:schemeClr>
+          </a:lnRef>
+          <a:fillRef idx="1">
+            <a:schemeClr val="accent1"/>
+          </a:fillRef>
+          <a:effectRef idx="0">
+            <a:schemeClr val="accent1"/>
+          </a:effectRef>
+          <a:fontRef idx="minor">
+            <a:schemeClr val="lt1"/>
+          </a:fontRef>
+        </p:style>
+        <p:txBody>
+          <a:bodyPr rtlCol="0" anchor="ctr"/>
+          <a:lstStyle/>
+          <a:p>
+            <a:pPr algn="ctr"/>
+            <a:endParaRPr lang="de-DE"/>
+          </a:p>
+        </p:txBody>
+      </p:sp>
+      <p:grpSp>
+        <p:nvGrpSpPr>
+          <p:cNvPr id="58" name="Gruppieren 57"/>
+          <p:cNvGrpSpPr/>
+          <p:nvPr/>
+        </p:nvGrpSpPr>
+        <p:grpSpPr>
+          <a:xfrm>
+            <a:off x="399284" y="1593101"/>
+            <a:ext cx="11393585" cy="1951502"/>
+            <a:chOff x="399284" y="1593101"/>
+            <a:chExt cx="11393585" cy="1951502"/>
+          </a:xfrm>
+        </p:grpSpPr>
+        <p:grpSp>
+          <p:nvGrpSpPr>
+            <p:cNvPr id="37" name="Gruppieren 36"/>
+            <p:cNvGrpSpPr/>
+            <p:nvPr/>
+          </p:nvGrpSpPr>
+          <p:grpSpPr>
+            <a:xfrm>
+              <a:off x="399284" y="1593101"/>
+              <a:ext cx="720725" cy="1038131"/>
+              <a:chOff x="9703386" y="5501426"/>
+              <a:chExt cx="720725" cy="1038131"/>
+            </a:xfrm>
+          </p:grpSpPr>
+          <p:pic>
+            <p:nvPicPr>
+              <p:cNvPr id="38" name="Grafik 37"/>
+              <p:cNvPicPr>
+                <a:picLocks noChangeAspect="1"/>
+              </p:cNvPicPr>
+              <p:nvPr/>
+            </p:nvPicPr>
+            <p:blipFill rotWithShape="1">
+              <a:blip r:embed="rId2" cstate="print">
+                <a:extLst>
+                  <a:ext uri="{28A0092B-C50C-407E-A947-70E740481C1C}">
+                    <a14:useLocalDpi xmlns:a14="http://schemas.microsoft.com/office/drawing/2010/main" val="0"/>
+                  </a:ext>
+                </a:extLst>
+              </a:blip>
+              <a:srcRect l="12105" r="13157" b="14152"/>
+              <a:stretch/>
+            </p:blipFill>
+            <p:spPr>
+              <a:xfrm>
+                <a:off x="9714361" y="5501426"/>
+                <a:ext cx="702813" cy="807299"/>
+              </a:xfrm>
+              <a:prstGeom prst="rect">
+                <a:avLst/>
+              </a:prstGeom>
+            </p:spPr>
+          </p:pic>
+          <p:sp>
+            <p:nvSpPr>
+              <p:cNvPr id="39" name="Textfeld 38"/>
+              <p:cNvSpPr txBox="1"/>
+              <p:nvPr/>
+            </p:nvSpPr>
+            <p:spPr>
+              <a:xfrm>
+                <a:off x="9703386" y="6308725"/>
+                <a:ext cx="720725" cy="230832"/>
+              </a:xfrm>
+              <a:prstGeom prst="rect">
+                <a:avLst/>
+              </a:prstGeom>
+              <a:noFill/>
+            </p:spPr>
+            <p:txBody>
+              <a:bodyPr wrap="square" rtlCol="0">
+                <a:spAutoFit/>
+              </a:bodyPr>
+              <a:lstStyle/>
+              <a:p>
+                <a:pPr algn="ctr"/>
+                <a:r>
+                  <a:rPr lang="de-DE" sz="900" dirty="0" smtClean="0"/>
+                  <a:t>Sender</a:t>
+                </a:r>
+                <a:endParaRPr lang="de-DE" sz="900" dirty="0"/>
+              </a:p>
+            </p:txBody>
+          </p:sp>
+        </p:grpSp>
+        <p:grpSp>
+          <p:nvGrpSpPr>
+            <p:cNvPr id="40" name="Gruppieren 39"/>
+            <p:cNvGrpSpPr/>
+            <p:nvPr/>
+          </p:nvGrpSpPr>
+          <p:grpSpPr>
+            <a:xfrm>
+              <a:off x="10068988" y="1680051"/>
+              <a:ext cx="719933" cy="978002"/>
+              <a:chOff x="9697243" y="3435689"/>
+              <a:chExt cx="719933" cy="978002"/>
+            </a:xfrm>
+          </p:grpSpPr>
+          <p:pic>
+            <p:nvPicPr>
+              <p:cNvPr id="41" name="Grafik 40"/>
+              <p:cNvPicPr>
+                <a:picLocks noChangeAspect="1"/>
+              </p:cNvPicPr>
+              <p:nvPr/>
+            </p:nvPicPr>
+            <p:blipFill rotWithShape="1">
+              <a:blip r:embed="rId3" cstate="print">
+                <a:extLst>
+                  <a:ext uri="{28A0092B-C50C-407E-A947-70E740481C1C}">
+                    <a14:useLocalDpi xmlns:a14="http://schemas.microsoft.com/office/drawing/2010/main" val="0"/>
+                  </a:ext>
+                </a:extLst>
+              </a:blip>
+              <a:srcRect l="8129" t="2339" r="8948" b="15322"/>
+              <a:stretch/>
+            </p:blipFill>
+            <p:spPr>
+              <a:xfrm>
+                <a:off x="9697244" y="3435689"/>
+                <a:ext cx="719932" cy="714855"/>
+              </a:xfrm>
+              <a:prstGeom prst="rect">
+                <a:avLst/>
+              </a:prstGeom>
+            </p:spPr>
+          </p:pic>
+          <p:sp>
+            <p:nvSpPr>
+              <p:cNvPr id="42" name="Textfeld 41"/>
+              <p:cNvSpPr txBox="1"/>
+              <p:nvPr/>
+            </p:nvSpPr>
+            <p:spPr>
+              <a:xfrm>
+                <a:off x="9697243" y="4182859"/>
+                <a:ext cx="719932" cy="230832"/>
+              </a:xfrm>
+              <a:prstGeom prst="rect">
+                <a:avLst/>
+              </a:prstGeom>
+              <a:noFill/>
+            </p:spPr>
+            <p:txBody>
+              <a:bodyPr wrap="square" rtlCol="0">
+                <a:spAutoFit/>
+              </a:bodyPr>
+              <a:lstStyle/>
+              <a:p>
+                <a:pPr algn="ctr"/>
+                <a:r>
+                  <a:rPr lang="de-DE" sz="900" dirty="0" smtClean="0"/>
+                  <a:t>Subscriber</a:t>
+                </a:r>
+                <a:endParaRPr lang="de-DE" sz="1000" dirty="0"/>
+              </a:p>
+            </p:txBody>
+          </p:sp>
+        </p:grpSp>
+        <p:grpSp>
+          <p:nvGrpSpPr>
+            <p:cNvPr id="43" name="Gruppieren 42"/>
+            <p:cNvGrpSpPr/>
+            <p:nvPr/>
+          </p:nvGrpSpPr>
+          <p:grpSpPr>
+            <a:xfrm>
+              <a:off x="2424032" y="1969515"/>
+              <a:ext cx="452113" cy="661717"/>
+              <a:chOff x="334963" y="4450091"/>
+              <a:chExt cx="452113" cy="661717"/>
+            </a:xfrm>
+          </p:grpSpPr>
+          <p:sp>
+            <p:nvSpPr>
+              <p:cNvPr id="44" name="Textfeld 43"/>
+              <p:cNvSpPr txBox="1"/>
+              <p:nvPr/>
+            </p:nvSpPr>
+            <p:spPr>
+              <a:xfrm>
+                <a:off x="334963" y="4880976"/>
+                <a:ext cx="443079" cy="230832"/>
+              </a:xfrm>
+              <a:prstGeom prst="rect">
+                <a:avLst/>
+              </a:prstGeom>
+              <a:noFill/>
+            </p:spPr>
+            <p:txBody>
+              <a:bodyPr wrap="square" rtlCol="0">
+                <a:spAutoFit/>
+              </a:bodyPr>
+              <a:lstStyle/>
+              <a:p>
+                <a:pPr algn="ctr"/>
+                <a:r>
+                  <a:rPr lang="de-DE" sz="900" dirty="0" smtClean="0"/>
+                  <a:t>Kanal </a:t>
+                </a:r>
+              </a:p>
+            </p:txBody>
+          </p:sp>
+          <p:sp>
+            <p:nvSpPr>
+              <p:cNvPr id="45" name="Zylinder 44"/>
+              <p:cNvSpPr/>
+              <p:nvPr/>
+            </p:nvSpPr>
+            <p:spPr>
+              <a:xfrm rot="5400000">
+                <a:off x="468687" y="4316367"/>
+                <a:ext cx="184666" cy="452113"/>
+              </a:xfrm>
+              <a:prstGeom prst="can">
+                <a:avLst/>
+              </a:prstGeom>
+              <a:noFill/>
+              <a:ln w="25400">
+                <a:solidFill>
+                  <a:schemeClr val="tx1"/>
+                </a:solidFill>
+              </a:ln>
+            </p:spPr>
+            <p:style>
+              <a:lnRef idx="2">
+                <a:schemeClr val="accent1">
+                  <a:shade val="50000"/>
+                </a:schemeClr>
+              </a:lnRef>
+              <a:fillRef idx="1">
+                <a:schemeClr val="accent1"/>
+              </a:fillRef>
+              <a:effectRef idx="0">
+                <a:schemeClr val="accent1"/>
+              </a:effectRef>
+              <a:fontRef idx="minor">
+                <a:schemeClr val="lt1"/>
+              </a:fontRef>
+            </p:style>
+            <p:txBody>
+              <a:bodyPr rtlCol="0" anchor="ctr"/>
+              <a:lstStyle/>
+              <a:p>
+                <a:pPr algn="ctr"/>
+                <a:endParaRPr lang="de-DE"/>
+              </a:p>
+            </p:txBody>
+          </p:sp>
+        </p:grpSp>
+        <p:grpSp>
+          <p:nvGrpSpPr>
+            <p:cNvPr id="46" name="Gruppieren 45"/>
+            <p:cNvGrpSpPr/>
+            <p:nvPr/>
+          </p:nvGrpSpPr>
+          <p:grpSpPr>
+            <a:xfrm>
+              <a:off x="9359274" y="1979350"/>
+              <a:ext cx="452113" cy="661717"/>
+              <a:chOff x="334963" y="4450091"/>
+              <a:chExt cx="452113" cy="661717"/>
+            </a:xfrm>
+          </p:grpSpPr>
+          <p:sp>
+            <p:nvSpPr>
+              <p:cNvPr id="47" name="Textfeld 46"/>
+              <p:cNvSpPr txBox="1"/>
+              <p:nvPr/>
+            </p:nvSpPr>
+            <p:spPr>
+              <a:xfrm>
+                <a:off x="334963" y="4880976"/>
+                <a:ext cx="443079" cy="230832"/>
+              </a:xfrm>
+              <a:prstGeom prst="rect">
+                <a:avLst/>
+              </a:prstGeom>
+              <a:noFill/>
+            </p:spPr>
+            <p:txBody>
+              <a:bodyPr wrap="square" rtlCol="0">
+                <a:spAutoFit/>
+              </a:bodyPr>
+              <a:lstStyle/>
+              <a:p>
+                <a:pPr algn="ctr"/>
+                <a:r>
+                  <a:rPr lang="de-DE" sz="900" dirty="0" smtClean="0"/>
+                  <a:t>Kanal </a:t>
+                </a:r>
+              </a:p>
+            </p:txBody>
+          </p:sp>
+          <p:sp>
+            <p:nvSpPr>
+              <p:cNvPr id="48" name="Zylinder 47"/>
+              <p:cNvSpPr/>
+              <p:nvPr/>
+            </p:nvSpPr>
+            <p:spPr>
+              <a:xfrm rot="5400000">
+                <a:off x="468687" y="4316367"/>
+                <a:ext cx="184666" cy="452113"/>
+              </a:xfrm>
+              <a:prstGeom prst="can">
+                <a:avLst/>
+              </a:prstGeom>
+              <a:noFill/>
+              <a:ln w="25400">
+                <a:solidFill>
+                  <a:schemeClr val="tx1"/>
+                </a:solidFill>
+              </a:ln>
+            </p:spPr>
+            <p:style>
+              <a:lnRef idx="2">
+                <a:schemeClr val="accent1">
+                  <a:shade val="50000"/>
+                </a:schemeClr>
+              </a:lnRef>
+              <a:fillRef idx="1">
+                <a:schemeClr val="accent1"/>
+              </a:fillRef>
+              <a:effectRef idx="0">
+                <a:schemeClr val="accent1"/>
+              </a:effectRef>
+              <a:fontRef idx="minor">
+                <a:schemeClr val="lt1"/>
+              </a:fontRef>
+            </p:style>
+            <p:txBody>
+              <a:bodyPr rtlCol="0" anchor="ctr"/>
+              <a:lstStyle/>
+              <a:p>
+                <a:pPr algn="ctr"/>
+                <a:endParaRPr lang="de-DE"/>
+              </a:p>
+            </p:txBody>
+          </p:sp>
+        </p:grpSp>
+        <p:grpSp>
+          <p:nvGrpSpPr>
+            <p:cNvPr id="49" name="Gruppieren 48"/>
+            <p:cNvGrpSpPr/>
+            <p:nvPr/>
+          </p:nvGrpSpPr>
+          <p:grpSpPr>
+            <a:xfrm>
+              <a:off x="3158176" y="1602234"/>
+              <a:ext cx="730987" cy="1055819"/>
+              <a:chOff x="9686187" y="4007898"/>
+              <a:chExt cx="730987" cy="1055819"/>
+            </a:xfrm>
+          </p:grpSpPr>
+          <p:pic>
+            <p:nvPicPr>
+              <p:cNvPr id="50" name="Grafik 49"/>
+              <p:cNvPicPr>
+                <a:picLocks noChangeAspect="1"/>
+              </p:cNvPicPr>
+              <p:nvPr/>
+            </p:nvPicPr>
+            <p:blipFill rotWithShape="1">
+              <a:blip r:embed="rId4" cstate="print">
+                <a:extLst>
+                  <a:ext uri="{28A0092B-C50C-407E-A947-70E740481C1C}">
+                    <a14:useLocalDpi xmlns:a14="http://schemas.microsoft.com/office/drawing/2010/main" val="0"/>
+                  </a:ext>
+                </a:extLst>
+              </a:blip>
+              <a:srcRect l="11521" r="11170" b="12749"/>
+              <a:stretch/>
+            </p:blipFill>
+            <p:spPr>
+              <a:xfrm>
+                <a:off x="9686187" y="4007898"/>
+                <a:ext cx="730987" cy="824987"/>
+              </a:xfrm>
+              <a:prstGeom prst="rect">
+                <a:avLst/>
+              </a:prstGeom>
+            </p:spPr>
+          </p:pic>
+          <p:sp>
+            <p:nvSpPr>
+              <p:cNvPr id="51" name="Textfeld 50"/>
+              <p:cNvSpPr txBox="1"/>
+              <p:nvPr/>
+            </p:nvSpPr>
+            <p:spPr>
+              <a:xfrm>
+                <a:off x="9686187" y="4832885"/>
+                <a:ext cx="720724" cy="230832"/>
+              </a:xfrm>
+              <a:prstGeom prst="rect">
+                <a:avLst/>
+              </a:prstGeom>
+              <a:noFill/>
+            </p:spPr>
+            <p:txBody>
+              <a:bodyPr wrap="square" rtlCol="0">
+                <a:spAutoFit/>
+              </a:bodyPr>
+              <a:lstStyle/>
+              <a:p>
+                <a:pPr algn="ctr"/>
+                <a:r>
+                  <a:rPr lang="de-DE" sz="900" dirty="0" smtClean="0"/>
+                  <a:t>Broker</a:t>
+                </a:r>
+                <a:endParaRPr lang="de-DE" sz="1100" dirty="0"/>
+              </a:p>
+            </p:txBody>
+          </p:sp>
+        </p:grpSp>
+        <p:grpSp>
+          <p:nvGrpSpPr>
+            <p:cNvPr id="52" name="Gruppieren 51"/>
+            <p:cNvGrpSpPr/>
+            <p:nvPr/>
+          </p:nvGrpSpPr>
+          <p:grpSpPr>
+            <a:xfrm>
+              <a:off x="1456370" y="1665014"/>
+              <a:ext cx="719933" cy="978002"/>
+              <a:chOff x="9697243" y="3435689"/>
+              <a:chExt cx="719933" cy="978002"/>
+            </a:xfrm>
+          </p:grpSpPr>
+          <p:pic>
+            <p:nvPicPr>
+              <p:cNvPr id="53" name="Grafik 52"/>
+              <p:cNvPicPr>
+                <a:picLocks noChangeAspect="1"/>
+              </p:cNvPicPr>
+              <p:nvPr/>
+            </p:nvPicPr>
+            <p:blipFill rotWithShape="1">
+              <a:blip r:embed="rId3" cstate="print">
+                <a:extLst>
+                  <a:ext uri="{28A0092B-C50C-407E-A947-70E740481C1C}">
+                    <a14:useLocalDpi xmlns:a14="http://schemas.microsoft.com/office/drawing/2010/main" val="0"/>
+                  </a:ext>
+                </a:extLst>
+              </a:blip>
+              <a:srcRect l="8129" t="2339" r="8948" b="15322"/>
+              <a:stretch/>
+            </p:blipFill>
+            <p:spPr>
+              <a:xfrm>
+                <a:off x="9697244" y="3435689"/>
+                <a:ext cx="719932" cy="714855"/>
+              </a:xfrm>
+              <a:prstGeom prst="rect">
+                <a:avLst/>
+              </a:prstGeom>
+            </p:spPr>
+          </p:pic>
+          <p:sp>
+            <p:nvSpPr>
+              <p:cNvPr id="54" name="Textfeld 53"/>
+              <p:cNvSpPr txBox="1"/>
+              <p:nvPr/>
+            </p:nvSpPr>
+            <p:spPr>
+              <a:xfrm>
+                <a:off x="9697243" y="4182859"/>
+                <a:ext cx="719932" cy="230832"/>
+              </a:xfrm>
+              <a:prstGeom prst="rect">
+                <a:avLst/>
+              </a:prstGeom>
+              <a:noFill/>
+            </p:spPr>
+            <p:txBody>
+              <a:bodyPr wrap="square" rtlCol="0">
+                <a:spAutoFit/>
+              </a:bodyPr>
+              <a:lstStyle/>
+              <a:p>
+                <a:pPr algn="ctr"/>
+                <a:r>
+                  <a:rPr lang="de-DE" sz="900" dirty="0" smtClean="0"/>
+                  <a:t>Publisher</a:t>
+                </a:r>
+                <a:endParaRPr lang="de-DE" sz="1000" dirty="0"/>
+              </a:p>
+            </p:txBody>
+          </p:sp>
+        </p:grpSp>
+        <p:grpSp>
+          <p:nvGrpSpPr>
+            <p:cNvPr id="55" name="Gruppieren 54"/>
+            <p:cNvGrpSpPr/>
+            <p:nvPr/>
+          </p:nvGrpSpPr>
+          <p:grpSpPr>
+            <a:xfrm>
+              <a:off x="11072144" y="1665014"/>
+              <a:ext cx="720725" cy="942169"/>
+              <a:chOff x="9703386" y="4153706"/>
+              <a:chExt cx="720725" cy="942169"/>
+            </a:xfrm>
+          </p:grpSpPr>
+          <p:sp>
+            <p:nvSpPr>
+              <p:cNvPr id="56" name="Textfeld 55"/>
+              <p:cNvSpPr txBox="1"/>
+              <p:nvPr/>
+            </p:nvSpPr>
+            <p:spPr>
+              <a:xfrm>
+                <a:off x="9703386" y="4865043"/>
+                <a:ext cx="720725" cy="230832"/>
+              </a:xfrm>
+              <a:prstGeom prst="rect">
+                <a:avLst/>
+              </a:prstGeom>
+              <a:noFill/>
+            </p:spPr>
+            <p:txBody>
+              <a:bodyPr wrap="square" rtlCol="0">
+                <a:spAutoFit/>
+              </a:bodyPr>
+              <a:lstStyle/>
+              <a:p>
+                <a:pPr algn="ctr"/>
+                <a:r>
+                  <a:rPr lang="de-DE" sz="900" dirty="0" smtClean="0"/>
+                  <a:t>Empfänger</a:t>
+                </a:r>
+                <a:endParaRPr lang="de-DE" sz="1000" dirty="0"/>
+              </a:p>
+            </p:txBody>
+          </p:sp>
+          <p:pic>
+            <p:nvPicPr>
+              <p:cNvPr id="57" name="Grafik 56"/>
+              <p:cNvPicPr>
+                <a:picLocks noChangeAspect="1"/>
+              </p:cNvPicPr>
+              <p:nvPr/>
+            </p:nvPicPr>
+            <p:blipFill rotWithShape="1">
+              <a:blip r:embed="rId5" cstate="print">
+                <a:extLst>
+                  <a:ext uri="{28A0092B-C50C-407E-A947-70E740481C1C}">
+                    <a14:useLocalDpi xmlns:a14="http://schemas.microsoft.com/office/drawing/2010/main" val="0"/>
+                  </a:ext>
+                </a:extLst>
+              </a:blip>
+              <a:srcRect l="6959" r="6959" b="15789"/>
+              <a:stretch/>
+            </p:blipFill>
+            <p:spPr>
+              <a:xfrm>
+                <a:off x="9703386" y="4153706"/>
+                <a:ext cx="720725" cy="705057"/>
+              </a:xfrm>
+              <a:prstGeom prst="rect">
+                <a:avLst/>
+              </a:prstGeom>
+            </p:spPr>
+          </p:pic>
+        </p:grpSp>
+        <p:grpSp>
+          <p:nvGrpSpPr>
+            <p:cNvPr id="70" name="Gruppieren 69"/>
+            <p:cNvGrpSpPr/>
+            <p:nvPr/>
+          </p:nvGrpSpPr>
+          <p:grpSpPr>
+            <a:xfrm>
+              <a:off x="7660651" y="1984675"/>
+              <a:ext cx="452113" cy="661717"/>
+              <a:chOff x="334963" y="4450091"/>
+              <a:chExt cx="452113" cy="661717"/>
+            </a:xfrm>
+          </p:grpSpPr>
+          <p:sp>
+            <p:nvSpPr>
+              <p:cNvPr id="71" name="Textfeld 70"/>
+              <p:cNvSpPr txBox="1"/>
+              <p:nvPr/>
+            </p:nvSpPr>
+            <p:spPr>
+              <a:xfrm>
+                <a:off x="334963" y="4880976"/>
+                <a:ext cx="443079" cy="230832"/>
+              </a:xfrm>
+              <a:prstGeom prst="rect">
+                <a:avLst/>
+              </a:prstGeom>
+              <a:noFill/>
+            </p:spPr>
+            <p:txBody>
+              <a:bodyPr wrap="square" rtlCol="0">
+                <a:spAutoFit/>
+              </a:bodyPr>
+              <a:lstStyle/>
+              <a:p>
+                <a:pPr algn="ctr"/>
+                <a:r>
+                  <a:rPr lang="de-DE" sz="900" dirty="0" smtClean="0"/>
+                  <a:t>Kanal </a:t>
+                </a:r>
+              </a:p>
+            </p:txBody>
+          </p:sp>
+          <p:sp>
+            <p:nvSpPr>
+              <p:cNvPr id="72" name="Zylinder 71"/>
+              <p:cNvSpPr/>
+              <p:nvPr/>
+            </p:nvSpPr>
+            <p:spPr>
+              <a:xfrm rot="5400000">
+                <a:off x="468687" y="4316367"/>
+                <a:ext cx="184666" cy="452113"/>
+              </a:xfrm>
+              <a:prstGeom prst="can">
+                <a:avLst/>
+              </a:prstGeom>
+              <a:noFill/>
+              <a:ln w="25400">
+                <a:solidFill>
+                  <a:schemeClr val="tx1"/>
+                </a:solidFill>
+              </a:ln>
+            </p:spPr>
+            <p:style>
+              <a:lnRef idx="2">
+                <a:schemeClr val="accent1">
+                  <a:shade val="50000"/>
+                </a:schemeClr>
+              </a:lnRef>
+              <a:fillRef idx="1">
+                <a:schemeClr val="accent1"/>
+              </a:fillRef>
+              <a:effectRef idx="0">
+                <a:schemeClr val="accent1"/>
+              </a:effectRef>
+              <a:fontRef idx="minor">
+                <a:schemeClr val="lt1"/>
+              </a:fontRef>
+            </p:style>
+            <p:txBody>
+              <a:bodyPr rtlCol="0" anchor="ctr"/>
+              <a:lstStyle/>
+              <a:p>
+                <a:pPr algn="ctr"/>
+                <a:endParaRPr lang="de-DE"/>
+              </a:p>
+            </p:txBody>
+          </p:sp>
+        </p:grpSp>
+        <p:grpSp>
+          <p:nvGrpSpPr>
+            <p:cNvPr id="76" name="Gruppieren 75"/>
+            <p:cNvGrpSpPr/>
+            <p:nvPr/>
+          </p:nvGrpSpPr>
+          <p:grpSpPr>
+            <a:xfrm>
+              <a:off x="4108173" y="1997551"/>
+              <a:ext cx="452113" cy="661717"/>
+              <a:chOff x="334963" y="4450091"/>
+              <a:chExt cx="452113" cy="661717"/>
+            </a:xfrm>
+          </p:grpSpPr>
+          <p:sp>
+            <p:nvSpPr>
+              <p:cNvPr id="77" name="Textfeld 76"/>
+              <p:cNvSpPr txBox="1"/>
+              <p:nvPr/>
+            </p:nvSpPr>
+            <p:spPr>
+              <a:xfrm>
+                <a:off x="334963" y="4880976"/>
+                <a:ext cx="443079" cy="230832"/>
+              </a:xfrm>
+              <a:prstGeom prst="rect">
+                <a:avLst/>
+              </a:prstGeom>
+              <a:noFill/>
+            </p:spPr>
+            <p:txBody>
+              <a:bodyPr wrap="square" rtlCol="0">
+                <a:spAutoFit/>
+              </a:bodyPr>
+              <a:lstStyle/>
+              <a:p>
+                <a:pPr algn="ctr"/>
+                <a:r>
+                  <a:rPr lang="de-DE" sz="900" dirty="0" smtClean="0"/>
+                  <a:t>Kanal </a:t>
+                </a:r>
+              </a:p>
+            </p:txBody>
+          </p:sp>
+          <p:sp>
+            <p:nvSpPr>
+              <p:cNvPr id="78" name="Zylinder 77"/>
+              <p:cNvSpPr/>
+              <p:nvPr/>
+            </p:nvSpPr>
+            <p:spPr>
+              <a:xfrm rot="5400000">
+                <a:off x="468687" y="4316367"/>
+                <a:ext cx="184666" cy="452113"/>
+              </a:xfrm>
+              <a:prstGeom prst="can">
+                <a:avLst/>
+              </a:prstGeom>
+              <a:noFill/>
+              <a:ln w="25400">
+                <a:solidFill>
+                  <a:schemeClr val="tx1"/>
+                </a:solidFill>
+              </a:ln>
+            </p:spPr>
+            <p:style>
+              <a:lnRef idx="2">
+                <a:schemeClr val="accent1">
+                  <a:shade val="50000"/>
+                </a:schemeClr>
+              </a:lnRef>
+              <a:fillRef idx="1">
+                <a:schemeClr val="accent1"/>
+              </a:fillRef>
+              <a:effectRef idx="0">
+                <a:schemeClr val="accent1"/>
+              </a:effectRef>
+              <a:fontRef idx="minor">
+                <a:schemeClr val="lt1"/>
+              </a:fontRef>
+            </p:style>
+            <p:txBody>
+              <a:bodyPr rtlCol="0" anchor="ctr"/>
+              <a:lstStyle/>
+              <a:p>
+                <a:pPr algn="ctr"/>
+                <a:endParaRPr lang="de-DE"/>
+              </a:p>
+            </p:txBody>
+          </p:sp>
+        </p:grpSp>
+        <p:grpSp>
+          <p:nvGrpSpPr>
+            <p:cNvPr id="79" name="Gruppieren 78"/>
+            <p:cNvGrpSpPr/>
+            <p:nvPr/>
+          </p:nvGrpSpPr>
+          <p:grpSpPr>
+            <a:xfrm>
+              <a:off x="4789559" y="1671593"/>
+              <a:ext cx="719933" cy="978002"/>
+              <a:chOff x="9697243" y="3435689"/>
+              <a:chExt cx="719933" cy="978002"/>
+            </a:xfrm>
+          </p:grpSpPr>
+          <p:pic>
+            <p:nvPicPr>
+              <p:cNvPr id="80" name="Grafik 79"/>
+              <p:cNvPicPr>
+                <a:picLocks noChangeAspect="1"/>
+              </p:cNvPicPr>
+              <p:nvPr/>
+            </p:nvPicPr>
+            <p:blipFill rotWithShape="1">
+              <a:blip r:embed="rId3" cstate="print">
+                <a:extLst>
+                  <a:ext uri="{28A0092B-C50C-407E-A947-70E740481C1C}">
+                    <a14:useLocalDpi xmlns:a14="http://schemas.microsoft.com/office/drawing/2010/main" val="0"/>
+                  </a:ext>
+                </a:extLst>
+              </a:blip>
+              <a:srcRect l="8129" t="2339" r="8948" b="15322"/>
+              <a:stretch/>
+            </p:blipFill>
+            <p:spPr>
+              <a:xfrm>
+                <a:off x="9697244" y="3435689"/>
+                <a:ext cx="719932" cy="714855"/>
+              </a:xfrm>
+              <a:prstGeom prst="rect">
+                <a:avLst/>
+              </a:prstGeom>
+            </p:spPr>
+          </p:pic>
+          <p:sp>
+            <p:nvSpPr>
+              <p:cNvPr id="81" name="Textfeld 80"/>
+              <p:cNvSpPr txBox="1"/>
+              <p:nvPr/>
+            </p:nvSpPr>
+            <p:spPr>
+              <a:xfrm>
+                <a:off x="9697243" y="4182859"/>
+                <a:ext cx="719932" cy="230832"/>
+              </a:xfrm>
+              <a:prstGeom prst="rect">
+                <a:avLst/>
+              </a:prstGeom>
+              <a:noFill/>
+            </p:spPr>
+            <p:txBody>
+              <a:bodyPr wrap="square" rtlCol="0">
+                <a:spAutoFit/>
+              </a:bodyPr>
+              <a:lstStyle/>
+              <a:p>
+                <a:pPr algn="ctr"/>
+                <a:r>
+                  <a:rPr lang="de-DE" sz="900" dirty="0" smtClean="0"/>
+                  <a:t>Subscriber</a:t>
+                </a:r>
+                <a:endParaRPr lang="de-DE" sz="1000" dirty="0"/>
+              </a:p>
+            </p:txBody>
+          </p:sp>
+        </p:grpSp>
+        <p:grpSp>
+          <p:nvGrpSpPr>
+            <p:cNvPr id="82" name="Gruppieren 81"/>
+            <p:cNvGrpSpPr/>
+            <p:nvPr/>
+          </p:nvGrpSpPr>
+          <p:grpSpPr>
+            <a:xfrm>
+              <a:off x="5744029" y="1717471"/>
+              <a:ext cx="709750" cy="940582"/>
+              <a:chOff x="9714361" y="3439975"/>
+              <a:chExt cx="709750" cy="940582"/>
+            </a:xfrm>
+          </p:grpSpPr>
+          <p:sp>
+            <p:nvSpPr>
+              <p:cNvPr id="83" name="Textfeld 82"/>
+              <p:cNvSpPr txBox="1"/>
+              <p:nvPr/>
+            </p:nvSpPr>
+            <p:spPr>
+              <a:xfrm>
+                <a:off x="9714361" y="4149725"/>
+                <a:ext cx="709750" cy="230832"/>
+              </a:xfrm>
+              <a:prstGeom prst="rect">
+                <a:avLst/>
+              </a:prstGeom>
+              <a:noFill/>
+            </p:spPr>
+            <p:txBody>
+              <a:bodyPr wrap="square" rtlCol="0">
+                <a:spAutoFit/>
+              </a:bodyPr>
+              <a:lstStyle/>
+              <a:p>
+                <a:pPr algn="ctr"/>
+                <a:r>
+                  <a:rPr lang="de-DE" sz="900" dirty="0" smtClean="0"/>
+                  <a:t>Filter</a:t>
+                </a:r>
+                <a:endParaRPr lang="de-DE" sz="1050" dirty="0"/>
+              </a:p>
+            </p:txBody>
+          </p:sp>
+          <p:pic>
+            <p:nvPicPr>
+              <p:cNvPr id="84" name="Grafik 83"/>
+              <p:cNvPicPr>
+                <a:picLocks noChangeAspect="1"/>
+              </p:cNvPicPr>
+              <p:nvPr/>
+            </p:nvPicPr>
+            <p:blipFill>
+              <a:blip r:embed="rId6" cstate="print">
+                <a:extLst>
+                  <a:ext uri="{28A0092B-C50C-407E-A947-70E740481C1C}">
+                    <a14:useLocalDpi xmlns:a14="http://schemas.microsoft.com/office/drawing/2010/main" val="0"/>
+                  </a:ext>
+                </a:extLst>
+              </a:blip>
+              <a:stretch>
+                <a:fillRect/>
+              </a:stretch>
+            </p:blipFill>
+            <p:spPr>
+              <a:xfrm>
+                <a:off x="9714361" y="3439975"/>
+                <a:ext cx="709750" cy="709750"/>
+              </a:xfrm>
+              <a:prstGeom prst="rect">
+                <a:avLst/>
+              </a:prstGeom>
+            </p:spPr>
+          </p:pic>
+        </p:grpSp>
+        <p:grpSp>
+          <p:nvGrpSpPr>
+            <p:cNvPr id="85" name="Gruppieren 84"/>
+            <p:cNvGrpSpPr/>
+            <p:nvPr/>
+          </p:nvGrpSpPr>
+          <p:grpSpPr>
+            <a:xfrm>
+              <a:off x="6717623" y="1671593"/>
+              <a:ext cx="719933" cy="978002"/>
+              <a:chOff x="9697243" y="3435689"/>
+              <a:chExt cx="719933" cy="978002"/>
+            </a:xfrm>
+          </p:grpSpPr>
+          <p:pic>
+            <p:nvPicPr>
+              <p:cNvPr id="86" name="Grafik 85"/>
+              <p:cNvPicPr>
+                <a:picLocks noChangeAspect="1"/>
+              </p:cNvPicPr>
+              <p:nvPr/>
+            </p:nvPicPr>
+            <p:blipFill rotWithShape="1">
+              <a:blip r:embed="rId3" cstate="print">
+                <a:extLst>
+                  <a:ext uri="{28A0092B-C50C-407E-A947-70E740481C1C}">
+                    <a14:useLocalDpi xmlns:a14="http://schemas.microsoft.com/office/drawing/2010/main" val="0"/>
+                  </a:ext>
+                </a:extLst>
+              </a:blip>
+              <a:srcRect l="8129" t="2339" r="8948" b="15322"/>
+              <a:stretch/>
+            </p:blipFill>
+            <p:spPr>
+              <a:xfrm>
+                <a:off x="9697244" y="3435689"/>
+                <a:ext cx="719932" cy="714855"/>
+              </a:xfrm>
+              <a:prstGeom prst="rect">
+                <a:avLst/>
+              </a:prstGeom>
+            </p:spPr>
+          </p:pic>
+          <p:sp>
+            <p:nvSpPr>
+              <p:cNvPr id="87" name="Textfeld 86"/>
+              <p:cNvSpPr txBox="1"/>
+              <p:nvPr/>
+            </p:nvSpPr>
+            <p:spPr>
+              <a:xfrm>
+                <a:off x="9697243" y="4182859"/>
+                <a:ext cx="719932" cy="230832"/>
+              </a:xfrm>
+              <a:prstGeom prst="rect">
+                <a:avLst/>
+              </a:prstGeom>
+              <a:noFill/>
+            </p:spPr>
+            <p:txBody>
+              <a:bodyPr wrap="square" rtlCol="0">
+                <a:spAutoFit/>
+              </a:bodyPr>
+              <a:lstStyle/>
+              <a:p>
+                <a:pPr algn="ctr"/>
+                <a:r>
+                  <a:rPr lang="de-DE" sz="900" dirty="0" smtClean="0"/>
+                  <a:t>Publisher</a:t>
+                </a:r>
+                <a:endParaRPr lang="de-DE" sz="1000" dirty="0"/>
+              </a:p>
+            </p:txBody>
+          </p:sp>
+        </p:grpSp>
+        <p:grpSp>
+          <p:nvGrpSpPr>
+            <p:cNvPr id="88" name="Gruppieren 87"/>
+            <p:cNvGrpSpPr/>
+            <p:nvPr/>
+          </p:nvGrpSpPr>
+          <p:grpSpPr>
+            <a:xfrm>
+              <a:off x="8383655" y="1602234"/>
+              <a:ext cx="730987" cy="1055819"/>
+              <a:chOff x="9686187" y="4007898"/>
+              <a:chExt cx="730987" cy="1055819"/>
+            </a:xfrm>
+          </p:grpSpPr>
+          <p:pic>
+            <p:nvPicPr>
+              <p:cNvPr id="89" name="Grafik 88"/>
+              <p:cNvPicPr>
+                <a:picLocks noChangeAspect="1"/>
+              </p:cNvPicPr>
+              <p:nvPr/>
+            </p:nvPicPr>
+            <p:blipFill rotWithShape="1">
+              <a:blip r:embed="rId4" cstate="print">
+                <a:extLst>
+                  <a:ext uri="{28A0092B-C50C-407E-A947-70E740481C1C}">
+                    <a14:useLocalDpi xmlns:a14="http://schemas.microsoft.com/office/drawing/2010/main" val="0"/>
+                  </a:ext>
+                </a:extLst>
+              </a:blip>
+              <a:srcRect l="11521" r="11170" b="12749"/>
+              <a:stretch/>
+            </p:blipFill>
+            <p:spPr>
+              <a:xfrm>
+                <a:off x="9686187" y="4007898"/>
+                <a:ext cx="730987" cy="824987"/>
+              </a:xfrm>
+              <a:prstGeom prst="rect">
+                <a:avLst/>
+              </a:prstGeom>
+            </p:spPr>
+          </p:pic>
+          <p:sp>
+            <p:nvSpPr>
+              <p:cNvPr id="90" name="Textfeld 89"/>
+              <p:cNvSpPr txBox="1"/>
+              <p:nvPr/>
+            </p:nvSpPr>
+            <p:spPr>
+              <a:xfrm>
+                <a:off x="9686187" y="4832885"/>
+                <a:ext cx="720724" cy="230832"/>
+              </a:xfrm>
+              <a:prstGeom prst="rect">
+                <a:avLst/>
+              </a:prstGeom>
+              <a:noFill/>
+            </p:spPr>
+            <p:txBody>
+              <a:bodyPr wrap="square" rtlCol="0">
+                <a:spAutoFit/>
+              </a:bodyPr>
+              <a:lstStyle/>
+              <a:p>
+                <a:pPr algn="ctr"/>
+                <a:r>
+                  <a:rPr lang="de-DE" sz="900" dirty="0" smtClean="0"/>
+                  <a:t>Broker</a:t>
+                </a:r>
+                <a:endParaRPr lang="de-DE" sz="1100" dirty="0"/>
+              </a:p>
+            </p:txBody>
+          </p:sp>
+        </p:grpSp>
+        <p:sp>
+          <p:nvSpPr>
+            <p:cNvPr id="91" name="Geschweifte Klammer links 90"/>
+            <p:cNvSpPr/>
+            <p:nvPr/>
+          </p:nvSpPr>
+          <p:spPr>
+            <a:xfrm rot="16200000">
+              <a:off x="8207172" y="276038"/>
+              <a:ext cx="234582" cy="5160868"/>
+            </a:xfrm>
+            <a:prstGeom prst="leftBrace">
+              <a:avLst/>
+            </a:prstGeom>
+            <a:ln w="38100">
+              <a:solidFill>
+                <a:schemeClr val="accent1"/>
+              </a:solidFill>
+              <a:tailEnd type="none"/>
+            </a:ln>
+          </p:spPr>
+          <p:style>
+            <a:lnRef idx="1">
+              <a:schemeClr val="dk1"/>
+            </a:lnRef>
+            <a:fillRef idx="0">
+              <a:schemeClr val="dk1"/>
+            </a:fillRef>
+            <a:effectRef idx="0">
+              <a:schemeClr val="dk1"/>
+            </a:effectRef>
+            <a:fontRef idx="minor">
+              <a:schemeClr val="tx1"/>
+            </a:fontRef>
+          </p:style>
+          <p:txBody>
+            <a:bodyPr rtlCol="0" anchor="ctr"/>
+            <a:lstStyle/>
+            <a:p>
+              <a:pPr algn="ctr"/>
+              <a:endParaRPr lang="de-DE"/>
+            </a:p>
+          </p:txBody>
+        </p:sp>
+        <p:sp>
+          <p:nvSpPr>
+            <p:cNvPr id="92" name="Pfeil nach rechts 91"/>
+            <p:cNvSpPr/>
+            <p:nvPr/>
+          </p:nvSpPr>
+          <p:spPr>
+            <a:xfrm>
+              <a:off x="1227098" y="1976472"/>
+              <a:ext cx="157815" cy="119430"/>
+            </a:xfrm>
+            <a:prstGeom prst="rightArrow">
+              <a:avLst/>
+            </a:prstGeom>
+            <a:noFill/>
+            <a:ln w="25400">
+              <a:solidFill>
+                <a:schemeClr val="tx1"/>
+              </a:solidFill>
+            </a:ln>
+          </p:spPr>
+          <p:style>
+            <a:lnRef idx="2">
+              <a:schemeClr val="accent1">
+                <a:shade val="50000"/>
+              </a:schemeClr>
+            </a:lnRef>
+            <a:fillRef idx="1">
+              <a:schemeClr val="accent1"/>
+            </a:fillRef>
+            <a:effectRef idx="0">
+              <a:schemeClr val="accent1"/>
+            </a:effectRef>
+            <a:fontRef idx="minor">
+              <a:schemeClr val="lt1"/>
+            </a:fontRef>
+          </p:style>
+          <p:txBody>
+            <a:bodyPr rtlCol="0" anchor="ctr"/>
+            <a:lstStyle/>
+            <a:p>
+              <a:pPr algn="ctr"/>
+              <a:endParaRPr lang="de-DE"/>
+            </a:p>
+          </p:txBody>
+        </p:sp>
+        <p:sp>
+          <p:nvSpPr>
+            <p:cNvPr id="93" name="Pfeil nach rechts 92"/>
+            <p:cNvSpPr/>
+            <p:nvPr/>
+          </p:nvSpPr>
+          <p:spPr>
+            <a:xfrm>
+              <a:off x="2206851" y="1980137"/>
+              <a:ext cx="157815" cy="119430"/>
+            </a:xfrm>
+            <a:prstGeom prst="rightArrow">
+              <a:avLst/>
+            </a:prstGeom>
+            <a:noFill/>
+            <a:ln w="25400">
+              <a:solidFill>
+                <a:schemeClr val="tx1"/>
+              </a:solidFill>
+            </a:ln>
+          </p:spPr>
+          <p:style>
+            <a:lnRef idx="2">
+              <a:schemeClr val="accent1">
+                <a:shade val="50000"/>
+              </a:schemeClr>
+            </a:lnRef>
+            <a:fillRef idx="1">
+              <a:schemeClr val="accent1"/>
+            </a:fillRef>
+            <a:effectRef idx="0">
+              <a:schemeClr val="accent1"/>
+            </a:effectRef>
+            <a:fontRef idx="minor">
+              <a:schemeClr val="lt1"/>
+            </a:fontRef>
+          </p:style>
+          <p:txBody>
+            <a:bodyPr rtlCol="0" anchor="ctr"/>
+            <a:lstStyle/>
+            <a:p>
+              <a:pPr algn="ctr"/>
+              <a:endParaRPr lang="de-DE"/>
+            </a:p>
+          </p:txBody>
+        </p:sp>
+        <p:sp>
+          <p:nvSpPr>
+            <p:cNvPr id="94" name="Pfeil nach rechts 93"/>
+            <p:cNvSpPr/>
+            <p:nvPr/>
+          </p:nvSpPr>
+          <p:spPr>
+            <a:xfrm>
+              <a:off x="2949560" y="1984675"/>
+              <a:ext cx="157815" cy="119430"/>
+            </a:xfrm>
+            <a:prstGeom prst="rightArrow">
+              <a:avLst/>
+            </a:prstGeom>
+            <a:noFill/>
+            <a:ln w="25400">
+              <a:solidFill>
+                <a:schemeClr val="tx1"/>
+              </a:solidFill>
+            </a:ln>
+          </p:spPr>
+          <p:style>
+            <a:lnRef idx="2">
+              <a:schemeClr val="accent1">
+                <a:shade val="50000"/>
+              </a:schemeClr>
+            </a:lnRef>
+            <a:fillRef idx="1">
+              <a:schemeClr val="accent1"/>
+            </a:fillRef>
+            <a:effectRef idx="0">
+              <a:schemeClr val="accent1"/>
+            </a:effectRef>
+            <a:fontRef idx="minor">
+              <a:schemeClr val="lt1"/>
+            </a:fontRef>
+          </p:style>
+          <p:txBody>
+            <a:bodyPr rtlCol="0" anchor="ctr"/>
+            <a:lstStyle/>
+            <a:p>
+              <a:pPr algn="ctr"/>
+              <a:endParaRPr lang="de-DE"/>
+            </a:p>
+          </p:txBody>
+        </p:sp>
+        <p:sp>
+          <p:nvSpPr>
+            <p:cNvPr id="95" name="Pfeil nach rechts 94"/>
+            <p:cNvSpPr/>
+            <p:nvPr/>
+          </p:nvSpPr>
+          <p:spPr>
+            <a:xfrm>
+              <a:off x="3908327" y="2002132"/>
+              <a:ext cx="157815" cy="119430"/>
+            </a:xfrm>
+            <a:prstGeom prst="rightArrow">
+              <a:avLst/>
+            </a:prstGeom>
+            <a:noFill/>
+            <a:ln w="25400">
+              <a:solidFill>
+                <a:schemeClr val="tx1"/>
+              </a:solidFill>
+            </a:ln>
+          </p:spPr>
+          <p:style>
+            <a:lnRef idx="2">
+              <a:schemeClr val="accent1">
+                <a:shade val="50000"/>
+              </a:schemeClr>
+            </a:lnRef>
+            <a:fillRef idx="1">
+              <a:schemeClr val="accent1"/>
+            </a:fillRef>
+            <a:effectRef idx="0">
+              <a:schemeClr val="accent1"/>
+            </a:effectRef>
+            <a:fontRef idx="minor">
+              <a:schemeClr val="lt1"/>
+            </a:fontRef>
+          </p:style>
+          <p:txBody>
+            <a:bodyPr rtlCol="0" anchor="ctr"/>
+            <a:lstStyle/>
+            <a:p>
+              <a:pPr algn="ctr"/>
+              <a:endParaRPr lang="de-DE"/>
+            </a:p>
+          </p:txBody>
+        </p:sp>
+        <p:sp>
+          <p:nvSpPr>
+            <p:cNvPr id="96" name="Pfeil nach rechts 95"/>
+            <p:cNvSpPr/>
+            <p:nvPr/>
+          </p:nvSpPr>
+          <p:spPr>
+            <a:xfrm>
+              <a:off x="4612581" y="2007159"/>
+              <a:ext cx="157815" cy="119430"/>
+            </a:xfrm>
+            <a:prstGeom prst="rightArrow">
+              <a:avLst/>
+            </a:prstGeom>
+            <a:noFill/>
+            <a:ln w="25400">
+              <a:solidFill>
+                <a:schemeClr val="tx1"/>
+              </a:solidFill>
+            </a:ln>
+          </p:spPr>
+          <p:style>
+            <a:lnRef idx="2">
+              <a:schemeClr val="accent1">
+                <a:shade val="50000"/>
+              </a:schemeClr>
+            </a:lnRef>
+            <a:fillRef idx="1">
+              <a:schemeClr val="accent1"/>
+            </a:fillRef>
+            <a:effectRef idx="0">
+              <a:schemeClr val="accent1"/>
+            </a:effectRef>
+            <a:fontRef idx="minor">
+              <a:schemeClr val="lt1"/>
+            </a:fontRef>
+          </p:style>
+          <p:txBody>
+            <a:bodyPr rtlCol="0" anchor="ctr"/>
+            <a:lstStyle/>
+            <a:p>
+              <a:pPr algn="ctr"/>
+              <a:endParaRPr lang="de-DE"/>
+            </a:p>
+          </p:txBody>
+        </p:sp>
+        <p:sp>
+          <p:nvSpPr>
+            <p:cNvPr id="97" name="Pfeil nach rechts 96"/>
+            <p:cNvSpPr/>
+            <p:nvPr/>
+          </p:nvSpPr>
+          <p:spPr>
+            <a:xfrm>
+              <a:off x="5596119" y="2002012"/>
+              <a:ext cx="157815" cy="119430"/>
+            </a:xfrm>
+            <a:prstGeom prst="rightArrow">
+              <a:avLst/>
+            </a:prstGeom>
+            <a:noFill/>
+            <a:ln w="25400">
+              <a:solidFill>
+                <a:schemeClr val="tx1"/>
+              </a:solidFill>
+            </a:ln>
+          </p:spPr>
+          <p:style>
+            <a:lnRef idx="2">
+              <a:schemeClr val="accent1">
+                <a:shade val="50000"/>
+              </a:schemeClr>
+            </a:lnRef>
+            <a:fillRef idx="1">
+              <a:schemeClr val="accent1"/>
+            </a:fillRef>
+            <a:effectRef idx="0">
+              <a:schemeClr val="accent1"/>
+            </a:effectRef>
+            <a:fontRef idx="minor">
+              <a:schemeClr val="lt1"/>
+            </a:fontRef>
+          </p:style>
+          <p:txBody>
+            <a:bodyPr rtlCol="0" anchor="ctr"/>
+            <a:lstStyle/>
+            <a:p>
+              <a:pPr algn="ctr"/>
+              <a:endParaRPr lang="de-DE"/>
+            </a:p>
+          </p:txBody>
+        </p:sp>
+        <p:sp>
+          <p:nvSpPr>
+            <p:cNvPr id="98" name="Pfeil nach rechts 97"/>
+            <p:cNvSpPr/>
+            <p:nvPr/>
+          </p:nvSpPr>
+          <p:spPr>
+            <a:xfrm>
+              <a:off x="6473696" y="2007159"/>
+              <a:ext cx="157815" cy="119430"/>
+            </a:xfrm>
+            <a:prstGeom prst="rightArrow">
+              <a:avLst/>
+            </a:prstGeom>
+            <a:noFill/>
+            <a:ln w="25400">
+              <a:solidFill>
+                <a:schemeClr val="tx1"/>
+              </a:solidFill>
+            </a:ln>
+          </p:spPr>
+          <p:style>
+            <a:lnRef idx="2">
+              <a:schemeClr val="accent1">
+                <a:shade val="50000"/>
+              </a:schemeClr>
+            </a:lnRef>
+            <a:fillRef idx="1">
+              <a:schemeClr val="accent1"/>
+            </a:fillRef>
+            <a:effectRef idx="0">
+              <a:schemeClr val="accent1"/>
+            </a:effectRef>
+            <a:fontRef idx="minor">
+              <a:schemeClr val="lt1"/>
+            </a:fontRef>
+          </p:style>
+          <p:txBody>
+            <a:bodyPr rtlCol="0" anchor="ctr"/>
+            <a:lstStyle/>
+            <a:p>
+              <a:pPr algn="ctr"/>
+              <a:endParaRPr lang="de-DE"/>
+            </a:p>
+          </p:txBody>
+        </p:sp>
+        <p:sp>
+          <p:nvSpPr>
+            <p:cNvPr id="99" name="Pfeil nach rechts 98"/>
+            <p:cNvSpPr/>
+            <p:nvPr/>
+          </p:nvSpPr>
+          <p:spPr>
+            <a:xfrm>
+              <a:off x="7452446" y="2040538"/>
+              <a:ext cx="157815" cy="119430"/>
+            </a:xfrm>
+            <a:prstGeom prst="rightArrow">
+              <a:avLst/>
+            </a:prstGeom>
+            <a:noFill/>
+            <a:ln w="25400">
+              <a:solidFill>
+                <a:schemeClr val="tx1"/>
+              </a:solidFill>
+            </a:ln>
+          </p:spPr>
+          <p:style>
+            <a:lnRef idx="2">
+              <a:schemeClr val="accent1">
+                <a:shade val="50000"/>
+              </a:schemeClr>
+            </a:lnRef>
+            <a:fillRef idx="1">
+              <a:schemeClr val="accent1"/>
+            </a:fillRef>
+            <a:effectRef idx="0">
+              <a:schemeClr val="accent1"/>
+            </a:effectRef>
+            <a:fontRef idx="minor">
+              <a:schemeClr val="lt1"/>
+            </a:fontRef>
+          </p:style>
+          <p:txBody>
+            <a:bodyPr rtlCol="0" anchor="ctr"/>
+            <a:lstStyle/>
+            <a:p>
+              <a:pPr algn="ctr"/>
+              <a:endParaRPr lang="de-DE"/>
+            </a:p>
+          </p:txBody>
+        </p:sp>
+        <p:sp>
+          <p:nvSpPr>
+            <p:cNvPr id="100" name="Pfeil nach rechts 99"/>
+            <p:cNvSpPr/>
+            <p:nvPr/>
+          </p:nvSpPr>
+          <p:spPr>
+            <a:xfrm>
+              <a:off x="8173960" y="2022860"/>
+              <a:ext cx="157815" cy="119430"/>
+            </a:xfrm>
+            <a:prstGeom prst="rightArrow">
+              <a:avLst/>
+            </a:prstGeom>
+            <a:noFill/>
+            <a:ln w="25400">
+              <a:solidFill>
+                <a:schemeClr val="tx1"/>
+              </a:solidFill>
+            </a:ln>
+          </p:spPr>
+          <p:style>
+            <a:lnRef idx="2">
+              <a:schemeClr val="accent1">
+                <a:shade val="50000"/>
+              </a:schemeClr>
+            </a:lnRef>
+            <a:fillRef idx="1">
+              <a:schemeClr val="accent1"/>
+            </a:fillRef>
+            <a:effectRef idx="0">
+              <a:schemeClr val="accent1"/>
+            </a:effectRef>
+            <a:fontRef idx="minor">
+              <a:schemeClr val="lt1"/>
+            </a:fontRef>
+          </p:style>
+          <p:txBody>
+            <a:bodyPr rtlCol="0" anchor="ctr"/>
+            <a:lstStyle/>
+            <a:p>
+              <a:pPr algn="ctr"/>
+              <a:endParaRPr lang="de-DE"/>
+            </a:p>
+          </p:txBody>
+        </p:sp>
+        <p:sp>
+          <p:nvSpPr>
+            <p:cNvPr id="105" name="Pfeil nach rechts 104"/>
+            <p:cNvSpPr/>
+            <p:nvPr/>
+          </p:nvSpPr>
+          <p:spPr>
+            <a:xfrm>
+              <a:off x="9858840" y="2022860"/>
+              <a:ext cx="157815" cy="119430"/>
+            </a:xfrm>
+            <a:prstGeom prst="rightArrow">
+              <a:avLst/>
+            </a:prstGeom>
+            <a:noFill/>
+            <a:ln w="25400">
+              <a:solidFill>
+                <a:schemeClr val="tx1"/>
+              </a:solidFill>
+            </a:ln>
+          </p:spPr>
+          <p:style>
+            <a:lnRef idx="2">
+              <a:schemeClr val="accent1">
+                <a:shade val="50000"/>
+              </a:schemeClr>
+            </a:lnRef>
+            <a:fillRef idx="1">
+              <a:schemeClr val="accent1"/>
+            </a:fillRef>
+            <a:effectRef idx="0">
+              <a:schemeClr val="accent1"/>
+            </a:effectRef>
+            <a:fontRef idx="minor">
+              <a:schemeClr val="lt1"/>
+            </a:fontRef>
+          </p:style>
+          <p:txBody>
+            <a:bodyPr rtlCol="0" anchor="ctr"/>
+            <a:lstStyle/>
+            <a:p>
+              <a:pPr algn="ctr"/>
+              <a:endParaRPr lang="de-DE"/>
+            </a:p>
+          </p:txBody>
+        </p:sp>
+        <p:sp>
+          <p:nvSpPr>
+            <p:cNvPr id="106" name="Pfeil nach rechts 105"/>
+            <p:cNvSpPr/>
+            <p:nvPr/>
+          </p:nvSpPr>
+          <p:spPr>
+            <a:xfrm>
+              <a:off x="10836373" y="2022860"/>
+              <a:ext cx="157815" cy="119430"/>
+            </a:xfrm>
+            <a:prstGeom prst="rightArrow">
+              <a:avLst/>
+            </a:prstGeom>
+            <a:noFill/>
+            <a:ln w="25400">
+              <a:solidFill>
+                <a:schemeClr val="tx1"/>
+              </a:solidFill>
+            </a:ln>
+          </p:spPr>
+          <p:style>
+            <a:lnRef idx="2">
+              <a:schemeClr val="accent1">
+                <a:shade val="50000"/>
+              </a:schemeClr>
+            </a:lnRef>
+            <a:fillRef idx="1">
+              <a:schemeClr val="accent1"/>
+            </a:fillRef>
+            <a:effectRef idx="0">
+              <a:schemeClr val="accent1"/>
+            </a:effectRef>
+            <a:fontRef idx="minor">
+              <a:schemeClr val="lt1"/>
+            </a:fontRef>
+          </p:style>
+          <p:txBody>
+            <a:bodyPr rtlCol="0" anchor="ctr"/>
+            <a:lstStyle/>
+            <a:p>
+              <a:pPr algn="ctr"/>
+              <a:endParaRPr lang="de-DE"/>
+            </a:p>
+          </p:txBody>
+        </p:sp>
+        <p:sp>
+          <p:nvSpPr>
+            <p:cNvPr id="107" name="Pfeil nach rechts 106"/>
+            <p:cNvSpPr/>
+            <p:nvPr/>
+          </p:nvSpPr>
+          <p:spPr>
+            <a:xfrm>
+              <a:off x="9145239" y="2022860"/>
+              <a:ext cx="157815" cy="119430"/>
+            </a:xfrm>
+            <a:prstGeom prst="rightArrow">
+              <a:avLst/>
+            </a:prstGeom>
+            <a:noFill/>
+            <a:ln w="25400">
+              <a:solidFill>
+                <a:schemeClr val="tx1"/>
+              </a:solidFill>
+            </a:ln>
+          </p:spPr>
+          <p:style>
+            <a:lnRef idx="2">
+              <a:schemeClr val="accent1">
+                <a:shade val="50000"/>
+              </a:schemeClr>
+            </a:lnRef>
+            <a:fillRef idx="1">
+              <a:schemeClr val="accent1"/>
+            </a:fillRef>
+            <a:effectRef idx="0">
+              <a:schemeClr val="accent1"/>
+            </a:effectRef>
+            <a:fontRef idx="minor">
+              <a:schemeClr val="lt1"/>
+            </a:fontRef>
+          </p:style>
+          <p:txBody>
+            <a:bodyPr rtlCol="0" anchor="ctr"/>
+            <a:lstStyle/>
+            <a:p>
+              <a:pPr algn="ctr"/>
+              <a:endParaRPr lang="de-DE"/>
+            </a:p>
+          </p:txBody>
+        </p:sp>
+        <p:sp>
+          <p:nvSpPr>
+            <p:cNvPr id="32" name="Textfeld 31"/>
+            <p:cNvSpPr txBox="1"/>
+            <p:nvPr/>
+          </p:nvSpPr>
+          <p:spPr>
+            <a:xfrm>
+              <a:off x="7482728" y="3175271"/>
+              <a:ext cx="1698094" cy="369332"/>
+            </a:xfrm>
+            <a:prstGeom prst="rect">
+              <a:avLst/>
+            </a:prstGeom>
+            <a:noFill/>
+          </p:spPr>
+          <p:txBody>
+            <a:bodyPr wrap="none" rtlCol="0">
+              <a:spAutoFit/>
+            </a:bodyPr>
+            <a:lstStyle/>
+            <a:p>
+              <a:r>
+                <a:rPr lang="de-DE" dirty="0" smtClean="0">
+                  <a:solidFill>
+                    <a:srgbClr val="0070C0"/>
+                  </a:solidFill>
+                </a:rPr>
+                <a:t>Einsatz für Filter</a:t>
+              </a:r>
+              <a:endParaRPr lang="de-DE" dirty="0">
+                <a:solidFill>
+                  <a:srgbClr val="0070C0"/>
+                </a:solidFill>
+              </a:endParaRPr>
+            </a:p>
+          </p:txBody>
+        </p:sp>
+      </p:grpSp>
+    </p:spTree>
+    <p:extLst>
+      <p:ext uri="{BB962C8B-B14F-4D97-AF65-F5344CB8AC3E}">
+        <p14:creationId xmlns:p14="http://schemas.microsoft.com/office/powerpoint/2010/main" val="2138394019"/>
+      </p:ext>
+    </p:extLst>
+  </p:cSld>
+  <p:clrMapOvr>
+    <a:masterClrMapping/>
+  </p:clrMapOvr>
+</p:sld>
+</file>
+
+<file path=ppt/slides/slide11.xml><?xml version="1.0" encoding="utf-8"?>
+<p:sld xmlns:a="http://schemas.openxmlformats.org/drawingml/2006/main" xmlns:r="http://schemas.openxmlformats.org/officeDocument/2006/relationships" xmlns:p="http://schemas.openxmlformats.org/presentationml/2006/main">
+  <p:cSld>
+    <p:spTree>
+      <p:nvGrpSpPr>
+        <p:cNvPr id="1" name=""/>
+        <p:cNvGrpSpPr/>
+        <p:nvPr/>
+      </p:nvGrpSpPr>
+      <p:grpSpPr>
+        <a:xfrm>
+          <a:off x="0" y="0"/>
+          <a:ext cx="0" cy="0"/>
+          <a:chOff x="0" y="0"/>
+          <a:chExt cx="0" cy="0"/>
+        </a:xfrm>
+      </p:grpSpPr>
       <p:sp>
         <p:nvSpPr>
           <p:cNvPr id="74" name="Textfeld 73"/>
@@ -7097,7 +10248,7 @@
 </p:sld>
 </file>
 
-<file path=ppt/slides/slide11.xml><?xml version="1.0" encoding="utf-8"?>
+<file path=ppt/slides/slide12.xml><?xml version="1.0" encoding="utf-8"?>
 <p:sld xmlns:a="http://schemas.openxmlformats.org/drawingml/2006/main" xmlns:r="http://schemas.openxmlformats.org/officeDocument/2006/relationships" xmlns:p="http://schemas.openxmlformats.org/presentationml/2006/main">
   <p:cSld>
     <p:spTree>
@@ -7138,15 +10289,7 @@
           <a:p>
             <a:r>
               <a:rPr lang="de-DE" b="1" dirty="0" smtClean="0"/>
-              <a:t>Modell 2: 2 Sender - 2 </a:t>
-            </a:r>
-            <a:r>
-              <a:rPr lang="de-DE" b="1" dirty="0" smtClean="0"/>
-              <a:t>Topics </a:t>
-            </a:r>
-            <a:r>
-              <a:rPr lang="de-DE" b="1" dirty="0" smtClean="0"/>
-              <a:t>- 2 Empfänger</a:t>
+              <a:t>Modell 2: 2 Sender - 2 Topics - 2 Empfänger</a:t>
             </a:r>
             <a:endParaRPr lang="de-DE" b="1" dirty="0"/>
           </a:p>
@@ -11028,7 +14171,7 @@
 </p:sld>
 </file>
 
-<file path=ppt/slides/slide12.xml><?xml version="1.0" encoding="utf-8"?>
+<file path=ppt/slides/slide13.xml><?xml version="1.0" encoding="utf-8"?>
 <p:sld xmlns:a="http://schemas.openxmlformats.org/drawingml/2006/main" xmlns:r="http://schemas.openxmlformats.org/officeDocument/2006/relationships" xmlns:p="http://schemas.openxmlformats.org/presentationml/2006/main">
   <p:cSld>
     <p:spTree>
@@ -14019,7 +17162,7 @@
 </p:sld>
 </file>
 
-<file path=ppt/slides/slide13.xml><?xml version="1.0" encoding="utf-8"?>
+<file path=ppt/slides/slide14.xml><?xml version="1.0" encoding="utf-8"?>
 <p:sld xmlns:a="http://schemas.openxmlformats.org/drawingml/2006/main" xmlns:r="http://schemas.openxmlformats.org/officeDocument/2006/relationships" xmlns:p="http://schemas.openxmlformats.org/presentationml/2006/main">
   <p:cSld>
     <p:spTree>
@@ -19721,7 +22864,7 @@
 </p:sld>
 </file>
 
-<file path=ppt/slides/slide14.xml><?xml version="1.0" encoding="utf-8"?>
+<file path=ppt/slides/slide15.xml><?xml version="1.0" encoding="utf-8"?>
 <p:sld xmlns:a="http://schemas.openxmlformats.org/drawingml/2006/main" xmlns:r="http://schemas.openxmlformats.org/officeDocument/2006/relationships" xmlns:p="http://schemas.openxmlformats.org/presentationml/2006/main">
   <p:cSld>
     <p:spTree>
@@ -23311,7 +26454,7 @@
 </p:sld>
 </file>
 
-<file path=ppt/slides/slide15.xml><?xml version="1.0" encoding="utf-8"?>
+<file path=ppt/slides/slide16.xml><?xml version="1.0" encoding="utf-8"?>
 <p:sld xmlns:a="http://schemas.openxmlformats.org/drawingml/2006/main" xmlns:r="http://schemas.openxmlformats.org/officeDocument/2006/relationships" xmlns:p="http://schemas.openxmlformats.org/presentationml/2006/main">
   <p:cSld>
     <p:spTree>
@@ -30808,14 +33951,14 @@
                 <a:gridCol w="1016959">
                   <a:extLst>
                     <a:ext uri="{9D8B030D-6E8A-4147-A177-3AD203B41FA5}">
-                      <a16:colId xmlns:a16="http://schemas.microsoft.com/office/drawing/2014/main" xmlns="" val="20000"/>
+                      <a16:colId xmlns="" xmlns:a16="http://schemas.microsoft.com/office/drawing/2014/main" val="20000"/>
                     </a:ext>
                   </a:extLst>
                 </a:gridCol>
                 <a:gridCol w="1138989">
                   <a:extLst>
                     <a:ext uri="{9D8B030D-6E8A-4147-A177-3AD203B41FA5}">
-                      <a16:colId xmlns:a16="http://schemas.microsoft.com/office/drawing/2014/main" xmlns="" val="20001"/>
+                      <a16:colId xmlns="" xmlns:a16="http://schemas.microsoft.com/office/drawing/2014/main" val="20001"/>
                     </a:ext>
                   </a:extLst>
                 </a:gridCol>
@@ -30898,7 +34041,7 @@
                 </a:tc>
                 <a:extLst>
                   <a:ext uri="{0D108BD9-81ED-4DB2-BD59-A6C34878D82A}">
-                    <a16:rowId xmlns:a16="http://schemas.microsoft.com/office/drawing/2014/main" xmlns="" val="10000"/>
+                    <a16:rowId xmlns="" xmlns:a16="http://schemas.microsoft.com/office/drawing/2014/main" val="10000"/>
                   </a:ext>
                 </a:extLst>
               </a:tr>
@@ -30980,7 +34123,7 @@
                 </a:tc>
                 <a:extLst>
                   <a:ext uri="{0D108BD9-81ED-4DB2-BD59-A6C34878D82A}">
-                    <a16:rowId xmlns:a16="http://schemas.microsoft.com/office/drawing/2014/main" xmlns="" val="10001"/>
+                    <a16:rowId xmlns="" xmlns:a16="http://schemas.microsoft.com/office/drawing/2014/main" val="10001"/>
                   </a:ext>
                 </a:extLst>
               </a:tr>
@@ -31062,7 +34205,7 @@
                 </a:tc>
                 <a:extLst>
                   <a:ext uri="{0D108BD9-81ED-4DB2-BD59-A6C34878D82A}">
-                    <a16:rowId xmlns:a16="http://schemas.microsoft.com/office/drawing/2014/main" xmlns="" val="10002"/>
+                    <a16:rowId xmlns="" xmlns:a16="http://schemas.microsoft.com/office/drawing/2014/main" val="10002"/>
                   </a:ext>
                 </a:extLst>
               </a:tr>
@@ -31144,7 +34287,7 @@
                 </a:tc>
                 <a:extLst>
                   <a:ext uri="{0D108BD9-81ED-4DB2-BD59-A6C34878D82A}">
-                    <a16:rowId xmlns:a16="http://schemas.microsoft.com/office/drawing/2014/main" xmlns="" val="10003"/>
+                    <a16:rowId xmlns="" xmlns:a16="http://schemas.microsoft.com/office/drawing/2014/main" val="10003"/>
                   </a:ext>
                 </a:extLst>
               </a:tr>
@@ -31254,35 +34397,35 @@
                 <a:gridCol w="771236">
                   <a:extLst>
                     <a:ext uri="{9D8B030D-6E8A-4147-A177-3AD203B41FA5}">
-                      <a16:colId xmlns:a16="http://schemas.microsoft.com/office/drawing/2014/main" xmlns="" val="20000"/>
+                      <a16:colId xmlns="" xmlns:a16="http://schemas.microsoft.com/office/drawing/2014/main" val="20000"/>
                     </a:ext>
                   </a:extLst>
                 </a:gridCol>
                 <a:gridCol w="1089608">
                   <a:extLst>
                     <a:ext uri="{9D8B030D-6E8A-4147-A177-3AD203B41FA5}">
-                      <a16:colId xmlns:a16="http://schemas.microsoft.com/office/drawing/2014/main" xmlns="" val="20001"/>
+                      <a16:colId xmlns="" xmlns:a16="http://schemas.microsoft.com/office/drawing/2014/main" val="20001"/>
                     </a:ext>
                   </a:extLst>
                 </a:gridCol>
                 <a:gridCol w="1600784">
                   <a:extLst>
                     <a:ext uri="{9D8B030D-6E8A-4147-A177-3AD203B41FA5}">
-                      <a16:colId xmlns:a16="http://schemas.microsoft.com/office/drawing/2014/main" xmlns="" val="20002"/>
+                      <a16:colId xmlns="" xmlns:a16="http://schemas.microsoft.com/office/drawing/2014/main" val="20002"/>
                     </a:ext>
                   </a:extLst>
                 </a:gridCol>
                 <a:gridCol w="847473">
                   <a:extLst>
                     <a:ext uri="{9D8B030D-6E8A-4147-A177-3AD203B41FA5}">
-                      <a16:colId xmlns:a16="http://schemas.microsoft.com/office/drawing/2014/main" xmlns="" val="20003"/>
+                      <a16:colId xmlns="" xmlns:a16="http://schemas.microsoft.com/office/drawing/2014/main" val="20003"/>
                     </a:ext>
                   </a:extLst>
                 </a:gridCol>
                 <a:gridCol w="726406">
                   <a:extLst>
                     <a:ext uri="{9D8B030D-6E8A-4147-A177-3AD203B41FA5}">
-                      <a16:colId xmlns:a16="http://schemas.microsoft.com/office/drawing/2014/main" xmlns="" val="20004"/>
+                      <a16:colId xmlns="" xmlns:a16="http://schemas.microsoft.com/office/drawing/2014/main" val="20004"/>
                     </a:ext>
                   </a:extLst>
                 </a:gridCol>
@@ -31482,7 +34625,7 @@
                 </a:tc>
                 <a:extLst>
                   <a:ext uri="{0D108BD9-81ED-4DB2-BD59-A6C34878D82A}">
-                    <a16:rowId xmlns:a16="http://schemas.microsoft.com/office/drawing/2014/main" xmlns="" val="10000"/>
+                    <a16:rowId xmlns="" xmlns:a16="http://schemas.microsoft.com/office/drawing/2014/main" val="10000"/>
                   </a:ext>
                 </a:extLst>
               </a:tr>
@@ -31685,7 +34828,7 @@
                 </a:tc>
                 <a:extLst>
                   <a:ext uri="{0D108BD9-81ED-4DB2-BD59-A6C34878D82A}">
-                    <a16:rowId xmlns:a16="http://schemas.microsoft.com/office/drawing/2014/main" xmlns="" val="10001"/>
+                    <a16:rowId xmlns="" xmlns:a16="http://schemas.microsoft.com/office/drawing/2014/main" val="10001"/>
                   </a:ext>
                 </a:extLst>
               </a:tr>
@@ -31888,7 +35031,7 @@
                 </a:tc>
                 <a:extLst>
                   <a:ext uri="{0D108BD9-81ED-4DB2-BD59-A6C34878D82A}">
-                    <a16:rowId xmlns:a16="http://schemas.microsoft.com/office/drawing/2014/main" xmlns="" val="10002"/>
+                    <a16:rowId xmlns="" xmlns:a16="http://schemas.microsoft.com/office/drawing/2014/main" val="10002"/>
                   </a:ext>
                 </a:extLst>
               </a:tr>
@@ -32091,7 +35234,7 @@
                 </a:tc>
                 <a:extLst>
                   <a:ext uri="{0D108BD9-81ED-4DB2-BD59-A6C34878D82A}">
-                    <a16:rowId xmlns:a16="http://schemas.microsoft.com/office/drawing/2014/main" xmlns="" val="10003"/>
+                    <a16:rowId xmlns="" xmlns:a16="http://schemas.microsoft.com/office/drawing/2014/main" val="10003"/>
                   </a:ext>
                 </a:extLst>
               </a:tr>
@@ -33649,210 +36792,817 @@
       </p:grpSpPr>
       <p:grpSp>
         <p:nvGrpSpPr>
-          <p:cNvPr id="2" name="Gruppieren 1"/>
+          <p:cNvPr id="31" name="Gruppieren 30"/>
           <p:cNvGrpSpPr/>
           <p:nvPr/>
         </p:nvGrpSpPr>
         <p:grpSpPr>
           <a:xfrm>
-            <a:off x="419867" y="177059"/>
-            <a:ext cx="720725" cy="1038131"/>
-            <a:chOff x="9703386" y="5501426"/>
-            <a:chExt cx="720725" cy="1038131"/>
+            <a:off x="419867" y="159371"/>
+            <a:ext cx="11373003" cy="1056021"/>
+            <a:chOff x="419867" y="159371"/>
+            <a:chExt cx="11373003" cy="1056021"/>
           </a:xfrm>
         </p:grpSpPr>
-        <p:pic>
-          <p:nvPicPr>
-            <p:cNvPr id="3" name="Grafik 2"/>
-            <p:cNvPicPr>
-              <a:picLocks noChangeAspect="1"/>
-            </p:cNvPicPr>
+        <p:grpSp>
+          <p:nvGrpSpPr>
+            <p:cNvPr id="2" name="Gruppieren 1"/>
+            <p:cNvGrpSpPr/>
             <p:nvPr/>
-          </p:nvPicPr>
-          <p:blipFill rotWithShape="1">
-            <a:blip r:embed="rId2" cstate="print">
-              <a:extLst>
-                <a:ext uri="{28A0092B-C50C-407E-A947-70E740481C1C}">
-                  <a14:useLocalDpi xmlns:a14="http://schemas.microsoft.com/office/drawing/2010/main" val="0"/>
-                </a:ext>
-              </a:extLst>
-            </a:blip>
-            <a:srcRect l="12105" r="13157" b="14152"/>
-            <a:stretch/>
-          </p:blipFill>
-          <p:spPr>
+          </p:nvGrpSpPr>
+          <p:grpSpPr>
             <a:xfrm>
-              <a:off x="9714361" y="5501426"/>
-              <a:ext cx="702813" cy="807299"/>
+              <a:off x="419867" y="177059"/>
+              <a:ext cx="720725" cy="1038131"/>
+              <a:chOff x="9703386" y="5501426"/>
+              <a:chExt cx="720725" cy="1038131"/>
             </a:xfrm>
-            <a:prstGeom prst="rect">
-              <a:avLst/>
-            </a:prstGeom>
-          </p:spPr>
-        </p:pic>
+          </p:grpSpPr>
+          <p:pic>
+            <p:nvPicPr>
+              <p:cNvPr id="3" name="Grafik 2"/>
+              <p:cNvPicPr>
+                <a:picLocks noChangeAspect="1"/>
+              </p:cNvPicPr>
+              <p:nvPr/>
+            </p:nvPicPr>
+            <p:blipFill rotWithShape="1">
+              <a:blip r:embed="rId2" cstate="print">
+                <a:extLst>
+                  <a:ext uri="{28A0092B-C50C-407E-A947-70E740481C1C}">
+                    <a14:useLocalDpi xmlns:a14="http://schemas.microsoft.com/office/drawing/2010/main" val="0"/>
+                  </a:ext>
+                </a:extLst>
+              </a:blip>
+              <a:srcRect l="12105" r="13157" b="14152"/>
+              <a:stretch/>
+            </p:blipFill>
+            <p:spPr>
+              <a:xfrm>
+                <a:off x="9714361" y="5501426"/>
+                <a:ext cx="702813" cy="807299"/>
+              </a:xfrm>
+              <a:prstGeom prst="rect">
+                <a:avLst/>
+              </a:prstGeom>
+            </p:spPr>
+          </p:pic>
+          <p:sp>
+            <p:nvSpPr>
+              <p:cNvPr id="4" name="Textfeld 3"/>
+              <p:cNvSpPr txBox="1"/>
+              <p:nvPr/>
+            </p:nvSpPr>
+            <p:spPr>
+              <a:xfrm>
+                <a:off x="9703386" y="6308725"/>
+                <a:ext cx="720725" cy="230832"/>
+              </a:xfrm>
+              <a:prstGeom prst="rect">
+                <a:avLst/>
+              </a:prstGeom>
+              <a:noFill/>
+            </p:spPr>
+            <p:txBody>
+              <a:bodyPr wrap="square" rtlCol="0">
+                <a:spAutoFit/>
+              </a:bodyPr>
+              <a:lstStyle/>
+              <a:p>
+                <a:pPr algn="ctr"/>
+                <a:r>
+                  <a:rPr lang="de-DE" sz="900" dirty="0" smtClean="0"/>
+                  <a:t>Sender</a:t>
+                </a:r>
+                <a:endParaRPr lang="de-DE" sz="900" dirty="0"/>
+              </a:p>
+            </p:txBody>
+          </p:sp>
+        </p:grpSp>
+        <p:grpSp>
+          <p:nvGrpSpPr>
+            <p:cNvPr id="5" name="Gruppieren 4"/>
+            <p:cNvGrpSpPr/>
+            <p:nvPr/>
+          </p:nvGrpSpPr>
+          <p:grpSpPr>
+            <a:xfrm>
+              <a:off x="9287988" y="237188"/>
+              <a:ext cx="719933" cy="978002"/>
+              <a:chOff x="9697243" y="3435689"/>
+              <a:chExt cx="719933" cy="978002"/>
+            </a:xfrm>
+          </p:grpSpPr>
+          <p:pic>
+            <p:nvPicPr>
+              <p:cNvPr id="6" name="Grafik 5"/>
+              <p:cNvPicPr>
+                <a:picLocks noChangeAspect="1"/>
+              </p:cNvPicPr>
+              <p:nvPr/>
+            </p:nvPicPr>
+            <p:blipFill rotWithShape="1">
+              <a:blip r:embed="rId3" cstate="print">
+                <a:extLst>
+                  <a:ext uri="{28A0092B-C50C-407E-A947-70E740481C1C}">
+                    <a14:useLocalDpi xmlns:a14="http://schemas.microsoft.com/office/drawing/2010/main" val="0"/>
+                  </a:ext>
+                </a:extLst>
+              </a:blip>
+              <a:srcRect l="8129" t="2339" r="8948" b="15322"/>
+              <a:stretch/>
+            </p:blipFill>
+            <p:spPr>
+              <a:xfrm>
+                <a:off x="9697244" y="3435689"/>
+                <a:ext cx="719932" cy="714855"/>
+              </a:xfrm>
+              <a:prstGeom prst="rect">
+                <a:avLst/>
+              </a:prstGeom>
+            </p:spPr>
+          </p:pic>
+          <p:sp>
+            <p:nvSpPr>
+              <p:cNvPr id="7" name="Textfeld 6"/>
+              <p:cNvSpPr txBox="1"/>
+              <p:nvPr/>
+            </p:nvSpPr>
+            <p:spPr>
+              <a:xfrm>
+                <a:off x="9697243" y="4182859"/>
+                <a:ext cx="719932" cy="230832"/>
+              </a:xfrm>
+              <a:prstGeom prst="rect">
+                <a:avLst/>
+              </a:prstGeom>
+              <a:noFill/>
+            </p:spPr>
+            <p:txBody>
+              <a:bodyPr wrap="square" rtlCol="0">
+                <a:spAutoFit/>
+              </a:bodyPr>
+              <a:lstStyle/>
+              <a:p>
+                <a:pPr algn="ctr"/>
+                <a:r>
+                  <a:rPr lang="de-DE" sz="900" dirty="0" smtClean="0"/>
+                  <a:t>Subscriber</a:t>
+                </a:r>
+                <a:endParaRPr lang="de-DE" sz="1000" dirty="0"/>
+              </a:p>
+            </p:txBody>
+          </p:sp>
+        </p:grpSp>
+        <p:grpSp>
+          <p:nvGrpSpPr>
+            <p:cNvPr id="8" name="Gruppieren 7"/>
+            <p:cNvGrpSpPr/>
+            <p:nvPr/>
+          </p:nvGrpSpPr>
+          <p:grpSpPr>
+            <a:xfrm>
+              <a:off x="4163259" y="553674"/>
+              <a:ext cx="452113" cy="661717"/>
+              <a:chOff x="334963" y="4450091"/>
+              <a:chExt cx="452113" cy="661717"/>
+            </a:xfrm>
+          </p:grpSpPr>
+          <p:sp>
+            <p:nvSpPr>
+              <p:cNvPr id="9" name="Textfeld 8"/>
+              <p:cNvSpPr txBox="1"/>
+              <p:nvPr/>
+            </p:nvSpPr>
+            <p:spPr>
+              <a:xfrm>
+                <a:off x="334963" y="4880976"/>
+                <a:ext cx="443079" cy="230832"/>
+              </a:xfrm>
+              <a:prstGeom prst="rect">
+                <a:avLst/>
+              </a:prstGeom>
+              <a:noFill/>
+            </p:spPr>
+            <p:txBody>
+              <a:bodyPr wrap="square" rtlCol="0">
+                <a:spAutoFit/>
+              </a:bodyPr>
+              <a:lstStyle/>
+              <a:p>
+                <a:pPr algn="ctr"/>
+                <a:r>
+                  <a:rPr lang="de-DE" sz="900" dirty="0" smtClean="0"/>
+                  <a:t>Kanal </a:t>
+                </a:r>
+              </a:p>
+            </p:txBody>
+          </p:sp>
+          <p:sp>
+            <p:nvSpPr>
+              <p:cNvPr id="10" name="Zylinder 9"/>
+              <p:cNvSpPr/>
+              <p:nvPr/>
+            </p:nvSpPr>
+            <p:spPr>
+              <a:xfrm rot="5400000">
+                <a:off x="468687" y="4316367"/>
+                <a:ext cx="184666" cy="452113"/>
+              </a:xfrm>
+              <a:prstGeom prst="can">
+                <a:avLst/>
+              </a:prstGeom>
+              <a:noFill/>
+              <a:ln w="25400">
+                <a:solidFill>
+                  <a:schemeClr val="tx1"/>
+                </a:solidFill>
+              </a:ln>
+            </p:spPr>
+            <p:style>
+              <a:lnRef idx="2">
+                <a:schemeClr val="accent1">
+                  <a:shade val="50000"/>
+                </a:schemeClr>
+              </a:lnRef>
+              <a:fillRef idx="1">
+                <a:schemeClr val="accent1"/>
+              </a:fillRef>
+              <a:effectRef idx="0">
+                <a:schemeClr val="accent1"/>
+              </a:effectRef>
+              <a:fontRef idx="minor">
+                <a:schemeClr val="lt1"/>
+              </a:fontRef>
+            </p:style>
+            <p:txBody>
+              <a:bodyPr rtlCol="0" anchor="ctr"/>
+              <a:lstStyle/>
+              <a:p>
+                <a:pPr algn="ctr"/>
+                <a:endParaRPr lang="de-DE"/>
+              </a:p>
+            </p:txBody>
+          </p:sp>
+        </p:grpSp>
+        <p:grpSp>
+          <p:nvGrpSpPr>
+            <p:cNvPr id="11" name="Gruppieren 10"/>
+            <p:cNvGrpSpPr/>
+            <p:nvPr/>
+          </p:nvGrpSpPr>
+          <p:grpSpPr>
+            <a:xfrm>
+              <a:off x="7651774" y="553675"/>
+              <a:ext cx="452113" cy="661717"/>
+              <a:chOff x="334963" y="4450091"/>
+              <a:chExt cx="452113" cy="661717"/>
+            </a:xfrm>
+          </p:grpSpPr>
+          <p:sp>
+            <p:nvSpPr>
+              <p:cNvPr id="12" name="Textfeld 11"/>
+              <p:cNvSpPr txBox="1"/>
+              <p:nvPr/>
+            </p:nvSpPr>
+            <p:spPr>
+              <a:xfrm>
+                <a:off x="334963" y="4880976"/>
+                <a:ext cx="443079" cy="230832"/>
+              </a:xfrm>
+              <a:prstGeom prst="rect">
+                <a:avLst/>
+              </a:prstGeom>
+              <a:noFill/>
+            </p:spPr>
+            <p:txBody>
+              <a:bodyPr wrap="square" rtlCol="0">
+                <a:spAutoFit/>
+              </a:bodyPr>
+              <a:lstStyle/>
+              <a:p>
+                <a:pPr algn="ctr"/>
+                <a:r>
+                  <a:rPr lang="de-DE" sz="900" dirty="0" smtClean="0"/>
+                  <a:t>Kanal </a:t>
+                </a:r>
+              </a:p>
+            </p:txBody>
+          </p:sp>
+          <p:sp>
+            <p:nvSpPr>
+              <p:cNvPr id="13" name="Zylinder 12"/>
+              <p:cNvSpPr/>
+              <p:nvPr/>
+            </p:nvSpPr>
+            <p:spPr>
+              <a:xfrm rot="5400000">
+                <a:off x="468687" y="4316367"/>
+                <a:ext cx="184666" cy="452113"/>
+              </a:xfrm>
+              <a:prstGeom prst="can">
+                <a:avLst/>
+              </a:prstGeom>
+              <a:noFill/>
+              <a:ln w="25400">
+                <a:solidFill>
+                  <a:schemeClr val="tx1"/>
+                </a:solidFill>
+              </a:ln>
+            </p:spPr>
+            <p:style>
+              <a:lnRef idx="2">
+                <a:schemeClr val="accent1">
+                  <a:shade val="50000"/>
+                </a:schemeClr>
+              </a:lnRef>
+              <a:fillRef idx="1">
+                <a:schemeClr val="accent1"/>
+              </a:fillRef>
+              <a:effectRef idx="0">
+                <a:schemeClr val="accent1"/>
+              </a:effectRef>
+              <a:fontRef idx="minor">
+                <a:schemeClr val="lt1"/>
+              </a:fontRef>
+            </p:style>
+            <p:txBody>
+              <a:bodyPr rtlCol="0" anchor="ctr"/>
+              <a:lstStyle/>
+              <a:p>
+                <a:pPr algn="ctr"/>
+                <a:endParaRPr lang="de-DE"/>
+              </a:p>
+            </p:txBody>
+          </p:sp>
+        </p:grpSp>
+        <p:grpSp>
+          <p:nvGrpSpPr>
+            <p:cNvPr id="14" name="Gruppieren 13"/>
+            <p:cNvGrpSpPr/>
+            <p:nvPr/>
+          </p:nvGrpSpPr>
+          <p:grpSpPr>
+            <a:xfrm>
+              <a:off x="5746242" y="159371"/>
+              <a:ext cx="730987" cy="1055819"/>
+              <a:chOff x="9686187" y="4007898"/>
+              <a:chExt cx="730987" cy="1055819"/>
+            </a:xfrm>
+          </p:grpSpPr>
+          <p:pic>
+            <p:nvPicPr>
+              <p:cNvPr id="15" name="Grafik 14"/>
+              <p:cNvPicPr>
+                <a:picLocks noChangeAspect="1"/>
+              </p:cNvPicPr>
+              <p:nvPr/>
+            </p:nvPicPr>
+            <p:blipFill rotWithShape="1">
+              <a:blip r:embed="rId4" cstate="print">
+                <a:extLst>
+                  <a:ext uri="{28A0092B-C50C-407E-A947-70E740481C1C}">
+                    <a14:useLocalDpi xmlns:a14="http://schemas.microsoft.com/office/drawing/2010/main" val="0"/>
+                  </a:ext>
+                </a:extLst>
+              </a:blip>
+              <a:srcRect l="11521" r="11170" b="12749"/>
+              <a:stretch/>
+            </p:blipFill>
+            <p:spPr>
+              <a:xfrm>
+                <a:off x="9686187" y="4007898"/>
+                <a:ext cx="730987" cy="824987"/>
+              </a:xfrm>
+              <a:prstGeom prst="rect">
+                <a:avLst/>
+              </a:prstGeom>
+            </p:spPr>
+          </p:pic>
+          <p:sp>
+            <p:nvSpPr>
+              <p:cNvPr id="16" name="Textfeld 15"/>
+              <p:cNvSpPr txBox="1"/>
+              <p:nvPr/>
+            </p:nvSpPr>
+            <p:spPr>
+              <a:xfrm>
+                <a:off x="9686187" y="4832885"/>
+                <a:ext cx="720724" cy="230832"/>
+              </a:xfrm>
+              <a:prstGeom prst="rect">
+                <a:avLst/>
+              </a:prstGeom>
+              <a:noFill/>
+            </p:spPr>
+            <p:txBody>
+              <a:bodyPr wrap="square" rtlCol="0">
+                <a:spAutoFit/>
+              </a:bodyPr>
+              <a:lstStyle/>
+              <a:p>
+                <a:pPr algn="ctr"/>
+                <a:r>
+                  <a:rPr lang="de-DE" sz="900" dirty="0" smtClean="0"/>
+                  <a:t>Broker</a:t>
+                </a:r>
+                <a:endParaRPr lang="de-DE" sz="1100" dirty="0"/>
+              </a:p>
+            </p:txBody>
+          </p:sp>
+        </p:grpSp>
+        <p:grpSp>
+          <p:nvGrpSpPr>
+            <p:cNvPr id="17" name="Gruppieren 16"/>
+            <p:cNvGrpSpPr/>
+            <p:nvPr/>
+          </p:nvGrpSpPr>
+          <p:grpSpPr>
+            <a:xfrm>
+              <a:off x="2170066" y="225226"/>
+              <a:ext cx="719933" cy="978002"/>
+              <a:chOff x="9697243" y="3435689"/>
+              <a:chExt cx="719933" cy="978002"/>
+            </a:xfrm>
+          </p:grpSpPr>
+          <p:pic>
+            <p:nvPicPr>
+              <p:cNvPr id="18" name="Grafik 17"/>
+              <p:cNvPicPr>
+                <a:picLocks noChangeAspect="1"/>
+              </p:cNvPicPr>
+              <p:nvPr/>
+            </p:nvPicPr>
+            <p:blipFill rotWithShape="1">
+              <a:blip r:embed="rId3" cstate="print">
+                <a:extLst>
+                  <a:ext uri="{28A0092B-C50C-407E-A947-70E740481C1C}">
+                    <a14:useLocalDpi xmlns:a14="http://schemas.microsoft.com/office/drawing/2010/main" val="0"/>
+                  </a:ext>
+                </a:extLst>
+              </a:blip>
+              <a:srcRect l="8129" t="2339" r="8948" b="15322"/>
+              <a:stretch/>
+            </p:blipFill>
+            <p:spPr>
+              <a:xfrm>
+                <a:off x="9697244" y="3435689"/>
+                <a:ext cx="719932" cy="714855"/>
+              </a:xfrm>
+              <a:prstGeom prst="rect">
+                <a:avLst/>
+              </a:prstGeom>
+            </p:spPr>
+          </p:pic>
+          <p:sp>
+            <p:nvSpPr>
+              <p:cNvPr id="19" name="Textfeld 18"/>
+              <p:cNvSpPr txBox="1"/>
+              <p:nvPr/>
+            </p:nvSpPr>
+            <p:spPr>
+              <a:xfrm>
+                <a:off x="9697243" y="4182859"/>
+                <a:ext cx="719932" cy="230832"/>
+              </a:xfrm>
+              <a:prstGeom prst="rect">
+                <a:avLst/>
+              </a:prstGeom>
+              <a:noFill/>
+            </p:spPr>
+            <p:txBody>
+              <a:bodyPr wrap="square" rtlCol="0">
+                <a:spAutoFit/>
+              </a:bodyPr>
+              <a:lstStyle/>
+              <a:p>
+                <a:pPr algn="ctr"/>
+                <a:r>
+                  <a:rPr lang="de-DE" sz="900" dirty="0" smtClean="0"/>
+                  <a:t>Publisher</a:t>
+                </a:r>
+                <a:endParaRPr lang="de-DE" sz="1000" dirty="0"/>
+              </a:p>
+            </p:txBody>
+          </p:sp>
+        </p:grpSp>
+        <p:grpSp>
+          <p:nvGrpSpPr>
+            <p:cNvPr id="20" name="Gruppieren 19"/>
+            <p:cNvGrpSpPr/>
+            <p:nvPr/>
+          </p:nvGrpSpPr>
+          <p:grpSpPr>
+            <a:xfrm>
+              <a:off x="11072145" y="261059"/>
+              <a:ext cx="720725" cy="942169"/>
+              <a:chOff x="9703386" y="4153706"/>
+              <a:chExt cx="720725" cy="942169"/>
+            </a:xfrm>
+          </p:grpSpPr>
+          <p:sp>
+            <p:nvSpPr>
+              <p:cNvPr id="21" name="Textfeld 20"/>
+              <p:cNvSpPr txBox="1"/>
+              <p:nvPr/>
+            </p:nvSpPr>
+            <p:spPr>
+              <a:xfrm>
+                <a:off x="9703386" y="4865043"/>
+                <a:ext cx="720725" cy="230832"/>
+              </a:xfrm>
+              <a:prstGeom prst="rect">
+                <a:avLst/>
+              </a:prstGeom>
+              <a:noFill/>
+            </p:spPr>
+            <p:txBody>
+              <a:bodyPr wrap="square" rtlCol="0">
+                <a:spAutoFit/>
+              </a:bodyPr>
+              <a:lstStyle/>
+              <a:p>
+                <a:pPr algn="ctr"/>
+                <a:r>
+                  <a:rPr lang="de-DE" sz="900" dirty="0" smtClean="0"/>
+                  <a:t>Empfänger</a:t>
+                </a:r>
+                <a:endParaRPr lang="de-DE" sz="1000" dirty="0"/>
+              </a:p>
+            </p:txBody>
+          </p:sp>
+          <p:pic>
+            <p:nvPicPr>
+              <p:cNvPr id="22" name="Grafik 21"/>
+              <p:cNvPicPr>
+                <a:picLocks noChangeAspect="1"/>
+              </p:cNvPicPr>
+              <p:nvPr/>
+            </p:nvPicPr>
+            <p:blipFill rotWithShape="1">
+              <a:blip r:embed="rId5" cstate="print">
+                <a:extLst>
+                  <a:ext uri="{28A0092B-C50C-407E-A947-70E740481C1C}">
+                    <a14:useLocalDpi xmlns:a14="http://schemas.microsoft.com/office/drawing/2010/main" val="0"/>
+                  </a:ext>
+                </a:extLst>
+              </a:blip>
+              <a:srcRect l="6959" r="6959" b="15789"/>
+              <a:stretch/>
+            </p:blipFill>
+            <p:spPr>
+              <a:xfrm>
+                <a:off x="9703386" y="4153706"/>
+                <a:ext cx="720725" cy="705057"/>
+              </a:xfrm>
+              <a:prstGeom prst="rect">
+                <a:avLst/>
+              </a:prstGeom>
+            </p:spPr>
+          </p:pic>
+        </p:grpSp>
         <p:sp>
           <p:nvSpPr>
-            <p:cNvPr id="4" name="Textfeld 3"/>
-            <p:cNvSpPr txBox="1"/>
+            <p:cNvPr id="23" name="Pfeil nach rechts 22"/>
+            <p:cNvSpPr/>
             <p:nvPr/>
           </p:nvSpPr>
           <p:spPr>
             <a:xfrm>
-              <a:off x="9703386" y="6308725"/>
-              <a:ext cx="720725" cy="230832"/>
+              <a:off x="1200150" y="532983"/>
+              <a:ext cx="729726" cy="205357"/>
             </a:xfrm>
-            <a:prstGeom prst="rect">
+            <a:prstGeom prst="rightArrow">
               <a:avLst/>
             </a:prstGeom>
             <a:noFill/>
+            <a:ln w="25400">
+              <a:solidFill>
+                <a:schemeClr val="tx1"/>
+              </a:solidFill>
+            </a:ln>
           </p:spPr>
+          <p:style>
+            <a:lnRef idx="2">
+              <a:schemeClr val="accent1">
+                <a:shade val="50000"/>
+              </a:schemeClr>
+            </a:lnRef>
+            <a:fillRef idx="1">
+              <a:schemeClr val="accent1"/>
+            </a:fillRef>
+            <a:effectRef idx="0">
+              <a:schemeClr val="accent1"/>
+            </a:effectRef>
+            <a:fontRef idx="minor">
+              <a:schemeClr val="lt1"/>
+            </a:fontRef>
+          </p:style>
           <p:txBody>
-            <a:bodyPr wrap="square" rtlCol="0">
-              <a:spAutoFit/>
-            </a:bodyPr>
+            <a:bodyPr rtlCol="0" anchor="ctr"/>
             <a:lstStyle/>
             <a:p>
               <a:pPr algn="ctr"/>
-              <a:r>
-                <a:rPr lang="de-DE" sz="900" dirty="0" smtClean="0"/>
-                <a:t>Sender</a:t>
-              </a:r>
-              <a:endParaRPr lang="de-DE" sz="900" dirty="0"/>
-            </a:p>
-          </p:txBody>
-        </p:sp>
-      </p:grpSp>
-      <p:grpSp>
-        <p:nvGrpSpPr>
-          <p:cNvPr id="5" name="Gruppieren 4"/>
-          <p:cNvGrpSpPr/>
-          <p:nvPr/>
-        </p:nvGrpSpPr>
-        <p:grpSpPr>
-          <a:xfrm>
-            <a:off x="9287988" y="237188"/>
-            <a:ext cx="719933" cy="978002"/>
-            <a:chOff x="9697243" y="3435689"/>
-            <a:chExt cx="719933" cy="978002"/>
-          </a:xfrm>
-        </p:grpSpPr>
-        <p:pic>
-          <p:nvPicPr>
-            <p:cNvPr id="6" name="Grafik 5"/>
-            <p:cNvPicPr>
-              <a:picLocks noChangeAspect="1"/>
-            </p:cNvPicPr>
-            <p:nvPr/>
-          </p:nvPicPr>
-          <p:blipFill rotWithShape="1">
-            <a:blip r:embed="rId3" cstate="print">
-              <a:extLst>
-                <a:ext uri="{28A0092B-C50C-407E-A947-70E740481C1C}">
-                  <a14:useLocalDpi xmlns:a14="http://schemas.microsoft.com/office/drawing/2010/main" val="0"/>
-                </a:ext>
-              </a:extLst>
-            </a:blip>
-            <a:srcRect l="8129" t="2339" r="8948" b="15322"/>
-            <a:stretch/>
-          </p:blipFill>
-          <p:spPr>
-            <a:xfrm>
-              <a:off x="9697244" y="3435689"/>
-              <a:ext cx="719932" cy="714855"/>
-            </a:xfrm>
-            <a:prstGeom prst="rect">
-              <a:avLst/>
-            </a:prstGeom>
-          </p:spPr>
-        </p:pic>
-        <p:sp>
-          <p:nvSpPr>
-            <p:cNvPr id="7" name="Textfeld 6"/>
-            <p:cNvSpPr txBox="1"/>
-            <p:nvPr/>
-          </p:nvSpPr>
-          <p:spPr>
-            <a:xfrm>
-              <a:off x="9697243" y="4182859"/>
-              <a:ext cx="719932" cy="230832"/>
-            </a:xfrm>
-            <a:prstGeom prst="rect">
-              <a:avLst/>
-            </a:prstGeom>
-            <a:noFill/>
-          </p:spPr>
-          <p:txBody>
-            <a:bodyPr wrap="square" rtlCol="0">
-              <a:spAutoFit/>
-            </a:bodyPr>
-            <a:lstStyle/>
-            <a:p>
-              <a:pPr algn="ctr"/>
-              <a:r>
-                <a:rPr lang="de-DE" sz="900" dirty="0" smtClean="0"/>
-                <a:t>Subscriber</a:t>
-              </a:r>
-              <a:endParaRPr lang="de-DE" sz="1000" dirty="0"/>
-            </a:p>
-          </p:txBody>
-        </p:sp>
-      </p:grpSp>
-      <p:grpSp>
-        <p:nvGrpSpPr>
-          <p:cNvPr id="8" name="Gruppieren 7"/>
-          <p:cNvGrpSpPr/>
-          <p:nvPr/>
-        </p:nvGrpSpPr>
-        <p:grpSpPr>
-          <a:xfrm>
-            <a:off x="4163259" y="553674"/>
-            <a:ext cx="452113" cy="661717"/>
-            <a:chOff x="334963" y="4450091"/>
-            <a:chExt cx="452113" cy="661717"/>
-          </a:xfrm>
-        </p:grpSpPr>
-        <p:sp>
-          <p:nvSpPr>
-            <p:cNvPr id="9" name="Textfeld 8"/>
-            <p:cNvSpPr txBox="1"/>
-            <p:nvPr/>
-          </p:nvSpPr>
-          <p:spPr>
-            <a:xfrm>
-              <a:off x="334963" y="4880976"/>
-              <a:ext cx="443079" cy="230832"/>
-            </a:xfrm>
-            <a:prstGeom prst="rect">
-              <a:avLst/>
-            </a:prstGeom>
-            <a:noFill/>
-          </p:spPr>
-          <p:txBody>
-            <a:bodyPr wrap="square" rtlCol="0">
-              <a:spAutoFit/>
-            </a:bodyPr>
-            <a:lstStyle/>
-            <a:p>
-              <a:pPr algn="ctr"/>
-              <a:r>
-                <a:rPr lang="de-DE" sz="900" dirty="0" smtClean="0"/>
-                <a:t>Kanal </a:t>
-              </a:r>
+              <a:endParaRPr lang="de-DE"/>
             </a:p>
           </p:txBody>
         </p:sp>
         <p:sp>
           <p:nvSpPr>
-            <p:cNvPr id="10" name="Zylinder 9"/>
+            <p:cNvPr id="24" name="Pfeil nach rechts 23"/>
             <p:cNvSpPr/>
             <p:nvPr/>
           </p:nvSpPr>
           <p:spPr>
-            <a:xfrm rot="5400000">
-              <a:off x="468687" y="4316367"/>
-              <a:ext cx="184666" cy="452113"/>
+            <a:xfrm>
+              <a:off x="10175170" y="532982"/>
+              <a:ext cx="729726" cy="205357"/>
             </a:xfrm>
-            <a:prstGeom prst="can">
+            <a:prstGeom prst="rightArrow">
+              <a:avLst/>
+            </a:prstGeom>
+            <a:noFill/>
+            <a:ln w="25400">
+              <a:solidFill>
+                <a:schemeClr val="tx1"/>
+              </a:solidFill>
+            </a:ln>
+          </p:spPr>
+          <p:style>
+            <a:lnRef idx="2">
+              <a:schemeClr val="accent1">
+                <a:shade val="50000"/>
+              </a:schemeClr>
+            </a:lnRef>
+            <a:fillRef idx="1">
+              <a:schemeClr val="accent1"/>
+            </a:fillRef>
+            <a:effectRef idx="0">
+              <a:schemeClr val="accent1"/>
+            </a:effectRef>
+            <a:fontRef idx="minor">
+              <a:schemeClr val="lt1"/>
+            </a:fontRef>
+          </p:style>
+          <p:txBody>
+            <a:bodyPr rtlCol="0" anchor="ctr"/>
+            <a:lstStyle/>
+            <a:p>
+              <a:pPr algn="ctr"/>
+              <a:endParaRPr lang="de-DE"/>
+            </a:p>
+          </p:txBody>
+        </p:sp>
+        <p:sp>
+          <p:nvSpPr>
+            <p:cNvPr id="25" name="Pfeil nach rechts 24"/>
+            <p:cNvSpPr/>
+            <p:nvPr/>
+          </p:nvSpPr>
+          <p:spPr>
+            <a:xfrm>
+              <a:off x="8382677" y="532982"/>
+              <a:ext cx="729726" cy="205357"/>
+            </a:xfrm>
+            <a:prstGeom prst="rightArrow">
+              <a:avLst/>
+            </a:prstGeom>
+            <a:noFill/>
+            <a:ln w="25400">
+              <a:solidFill>
+                <a:schemeClr val="tx1"/>
+              </a:solidFill>
+            </a:ln>
+          </p:spPr>
+          <p:style>
+            <a:lnRef idx="2">
+              <a:schemeClr val="accent1">
+                <a:shade val="50000"/>
+              </a:schemeClr>
+            </a:lnRef>
+            <a:fillRef idx="1">
+              <a:schemeClr val="accent1"/>
+            </a:fillRef>
+            <a:effectRef idx="0">
+              <a:schemeClr val="accent1"/>
+            </a:effectRef>
+            <a:fontRef idx="minor">
+              <a:schemeClr val="lt1"/>
+            </a:fontRef>
+          </p:style>
+          <p:txBody>
+            <a:bodyPr rtlCol="0" anchor="ctr"/>
+            <a:lstStyle/>
+            <a:p>
+              <a:pPr algn="ctr"/>
+              <a:endParaRPr lang="de-DE"/>
+            </a:p>
+          </p:txBody>
+        </p:sp>
+        <p:sp>
+          <p:nvSpPr>
+            <p:cNvPr id="26" name="Pfeil nach rechts 25"/>
+            <p:cNvSpPr/>
+            <p:nvPr/>
+          </p:nvSpPr>
+          <p:spPr>
+            <a:xfrm>
+              <a:off x="6687045" y="532982"/>
+              <a:ext cx="729726" cy="205357"/>
+            </a:xfrm>
+            <a:prstGeom prst="rightArrow">
+              <a:avLst/>
+            </a:prstGeom>
+            <a:noFill/>
+            <a:ln w="25400">
+              <a:solidFill>
+                <a:schemeClr val="tx1"/>
+              </a:solidFill>
+            </a:ln>
+          </p:spPr>
+          <p:style>
+            <a:lnRef idx="2">
+              <a:schemeClr val="accent1">
+                <a:shade val="50000"/>
+              </a:schemeClr>
+            </a:lnRef>
+            <a:fillRef idx="1">
+              <a:schemeClr val="accent1"/>
+            </a:fillRef>
+            <a:effectRef idx="0">
+              <a:schemeClr val="accent1"/>
+            </a:effectRef>
+            <a:fontRef idx="minor">
+              <a:schemeClr val="lt1"/>
+            </a:fontRef>
+          </p:style>
+          <p:txBody>
+            <a:bodyPr rtlCol="0" anchor="ctr"/>
+            <a:lstStyle/>
+            <a:p>
+              <a:pPr algn="ctr"/>
+              <a:endParaRPr lang="de-DE"/>
+            </a:p>
+          </p:txBody>
+        </p:sp>
+        <p:sp>
+          <p:nvSpPr>
+            <p:cNvPr id="27" name="Pfeil nach rechts 26"/>
+            <p:cNvSpPr/>
+            <p:nvPr/>
+          </p:nvSpPr>
+          <p:spPr>
+            <a:xfrm>
+              <a:off x="4832857" y="532982"/>
+              <a:ext cx="729726" cy="205357"/>
+            </a:xfrm>
+            <a:prstGeom prst="rightArrow">
+              <a:avLst/>
+            </a:prstGeom>
+            <a:noFill/>
+            <a:ln w="25400">
+              <a:solidFill>
+                <a:schemeClr val="tx1"/>
+              </a:solidFill>
+            </a:ln>
+          </p:spPr>
+          <p:style>
+            <a:lnRef idx="2">
+              <a:schemeClr val="accent1">
+                <a:shade val="50000"/>
+              </a:schemeClr>
+            </a:lnRef>
+            <a:fillRef idx="1">
+              <a:schemeClr val="accent1"/>
+            </a:fillRef>
+            <a:effectRef idx="0">
+              <a:schemeClr val="accent1"/>
+            </a:effectRef>
+            <a:fontRef idx="minor">
+              <a:schemeClr val="lt1"/>
+            </a:fontRef>
+          </p:style>
+          <p:txBody>
+            <a:bodyPr rtlCol="0" anchor="ctr"/>
+            <a:lstStyle/>
+            <a:p>
+              <a:pPr algn="ctr"/>
+              <a:endParaRPr lang="de-DE"/>
+            </a:p>
+          </p:txBody>
+        </p:sp>
+        <p:sp>
+          <p:nvSpPr>
+            <p:cNvPr id="28" name="Pfeil nach rechts 27"/>
+            <p:cNvSpPr/>
+            <p:nvPr/>
+          </p:nvSpPr>
+          <p:spPr>
+            <a:xfrm>
+              <a:off x="3111068" y="532982"/>
+              <a:ext cx="729726" cy="205357"/>
+            </a:xfrm>
+            <a:prstGeom prst="rightArrow">
               <a:avLst/>
             </a:prstGeom>
             <a:noFill/>
@@ -33888,778 +37638,6 @@
           </p:txBody>
         </p:sp>
       </p:grpSp>
-      <p:grpSp>
-        <p:nvGrpSpPr>
-          <p:cNvPr id="11" name="Gruppieren 10"/>
-          <p:cNvGrpSpPr/>
-          <p:nvPr/>
-        </p:nvGrpSpPr>
-        <p:grpSpPr>
-          <a:xfrm>
-            <a:off x="7651774" y="553675"/>
-            <a:ext cx="452113" cy="661717"/>
-            <a:chOff x="334963" y="4450091"/>
-            <a:chExt cx="452113" cy="661717"/>
-          </a:xfrm>
-        </p:grpSpPr>
-        <p:sp>
-          <p:nvSpPr>
-            <p:cNvPr id="12" name="Textfeld 11"/>
-            <p:cNvSpPr txBox="1"/>
-            <p:nvPr/>
-          </p:nvSpPr>
-          <p:spPr>
-            <a:xfrm>
-              <a:off x="334963" y="4880976"/>
-              <a:ext cx="443079" cy="230832"/>
-            </a:xfrm>
-            <a:prstGeom prst="rect">
-              <a:avLst/>
-            </a:prstGeom>
-            <a:noFill/>
-          </p:spPr>
-          <p:txBody>
-            <a:bodyPr wrap="square" rtlCol="0">
-              <a:spAutoFit/>
-            </a:bodyPr>
-            <a:lstStyle/>
-            <a:p>
-              <a:pPr algn="ctr"/>
-              <a:r>
-                <a:rPr lang="de-DE" sz="900" dirty="0" smtClean="0"/>
-                <a:t>Kanal </a:t>
-              </a:r>
-            </a:p>
-          </p:txBody>
-        </p:sp>
-        <p:sp>
-          <p:nvSpPr>
-            <p:cNvPr id="13" name="Zylinder 12"/>
-            <p:cNvSpPr/>
-            <p:nvPr/>
-          </p:nvSpPr>
-          <p:spPr>
-            <a:xfrm rot="5400000">
-              <a:off x="468687" y="4316367"/>
-              <a:ext cx="184666" cy="452113"/>
-            </a:xfrm>
-            <a:prstGeom prst="can">
-              <a:avLst/>
-            </a:prstGeom>
-            <a:noFill/>
-            <a:ln w="25400">
-              <a:solidFill>
-                <a:schemeClr val="tx1"/>
-              </a:solidFill>
-            </a:ln>
-          </p:spPr>
-          <p:style>
-            <a:lnRef idx="2">
-              <a:schemeClr val="accent1">
-                <a:shade val="50000"/>
-              </a:schemeClr>
-            </a:lnRef>
-            <a:fillRef idx="1">
-              <a:schemeClr val="accent1"/>
-            </a:fillRef>
-            <a:effectRef idx="0">
-              <a:schemeClr val="accent1"/>
-            </a:effectRef>
-            <a:fontRef idx="minor">
-              <a:schemeClr val="lt1"/>
-            </a:fontRef>
-          </p:style>
-          <p:txBody>
-            <a:bodyPr rtlCol="0" anchor="ctr"/>
-            <a:lstStyle/>
-            <a:p>
-              <a:pPr algn="ctr"/>
-              <a:endParaRPr lang="de-DE"/>
-            </a:p>
-          </p:txBody>
-        </p:sp>
-      </p:grpSp>
-      <p:grpSp>
-        <p:nvGrpSpPr>
-          <p:cNvPr id="14" name="Gruppieren 13"/>
-          <p:cNvGrpSpPr/>
-          <p:nvPr/>
-        </p:nvGrpSpPr>
-        <p:grpSpPr>
-          <a:xfrm>
-            <a:off x="5746242" y="159371"/>
-            <a:ext cx="730987" cy="1055819"/>
-            <a:chOff x="9686187" y="4007898"/>
-            <a:chExt cx="730987" cy="1055819"/>
-          </a:xfrm>
-        </p:grpSpPr>
-        <p:pic>
-          <p:nvPicPr>
-            <p:cNvPr id="15" name="Grafik 14"/>
-            <p:cNvPicPr>
-              <a:picLocks noChangeAspect="1"/>
-            </p:cNvPicPr>
-            <p:nvPr/>
-          </p:nvPicPr>
-          <p:blipFill rotWithShape="1">
-            <a:blip r:embed="rId4" cstate="print">
-              <a:extLst>
-                <a:ext uri="{28A0092B-C50C-407E-A947-70E740481C1C}">
-                  <a14:useLocalDpi xmlns:a14="http://schemas.microsoft.com/office/drawing/2010/main" val="0"/>
-                </a:ext>
-              </a:extLst>
-            </a:blip>
-            <a:srcRect l="11521" r="11170" b="12749"/>
-            <a:stretch/>
-          </p:blipFill>
-          <p:spPr>
-            <a:xfrm>
-              <a:off x="9686187" y="4007898"/>
-              <a:ext cx="730987" cy="824987"/>
-            </a:xfrm>
-            <a:prstGeom prst="rect">
-              <a:avLst/>
-            </a:prstGeom>
-          </p:spPr>
-        </p:pic>
-        <p:sp>
-          <p:nvSpPr>
-            <p:cNvPr id="16" name="Textfeld 15"/>
-            <p:cNvSpPr txBox="1"/>
-            <p:nvPr/>
-          </p:nvSpPr>
-          <p:spPr>
-            <a:xfrm>
-              <a:off x="9686187" y="4832885"/>
-              <a:ext cx="720724" cy="230832"/>
-            </a:xfrm>
-            <a:prstGeom prst="rect">
-              <a:avLst/>
-            </a:prstGeom>
-            <a:noFill/>
-          </p:spPr>
-          <p:txBody>
-            <a:bodyPr wrap="square" rtlCol="0">
-              <a:spAutoFit/>
-            </a:bodyPr>
-            <a:lstStyle/>
-            <a:p>
-              <a:pPr algn="ctr"/>
-              <a:r>
-                <a:rPr lang="de-DE" sz="900" dirty="0" smtClean="0"/>
-                <a:t>Broker</a:t>
-              </a:r>
-              <a:endParaRPr lang="de-DE" sz="1100" dirty="0"/>
-            </a:p>
-          </p:txBody>
-        </p:sp>
-      </p:grpSp>
-      <p:grpSp>
-        <p:nvGrpSpPr>
-          <p:cNvPr id="17" name="Gruppieren 16"/>
-          <p:cNvGrpSpPr/>
-          <p:nvPr/>
-        </p:nvGrpSpPr>
-        <p:grpSpPr>
-          <a:xfrm>
-            <a:off x="2170066" y="225226"/>
-            <a:ext cx="719933" cy="978002"/>
-            <a:chOff x="9697243" y="3435689"/>
-            <a:chExt cx="719933" cy="978002"/>
-          </a:xfrm>
-        </p:grpSpPr>
-        <p:pic>
-          <p:nvPicPr>
-            <p:cNvPr id="18" name="Grafik 17"/>
-            <p:cNvPicPr>
-              <a:picLocks noChangeAspect="1"/>
-            </p:cNvPicPr>
-            <p:nvPr/>
-          </p:nvPicPr>
-          <p:blipFill rotWithShape="1">
-            <a:blip r:embed="rId3" cstate="print">
-              <a:extLst>
-                <a:ext uri="{28A0092B-C50C-407E-A947-70E740481C1C}">
-                  <a14:useLocalDpi xmlns:a14="http://schemas.microsoft.com/office/drawing/2010/main" val="0"/>
-                </a:ext>
-              </a:extLst>
-            </a:blip>
-            <a:srcRect l="8129" t="2339" r="8948" b="15322"/>
-            <a:stretch/>
-          </p:blipFill>
-          <p:spPr>
-            <a:xfrm>
-              <a:off x="9697244" y="3435689"/>
-              <a:ext cx="719932" cy="714855"/>
-            </a:xfrm>
-            <a:prstGeom prst="rect">
-              <a:avLst/>
-            </a:prstGeom>
-          </p:spPr>
-        </p:pic>
-        <p:sp>
-          <p:nvSpPr>
-            <p:cNvPr id="19" name="Textfeld 18"/>
-            <p:cNvSpPr txBox="1"/>
-            <p:nvPr/>
-          </p:nvSpPr>
-          <p:spPr>
-            <a:xfrm>
-              <a:off x="9697243" y="4182859"/>
-              <a:ext cx="719932" cy="230832"/>
-            </a:xfrm>
-            <a:prstGeom prst="rect">
-              <a:avLst/>
-            </a:prstGeom>
-            <a:noFill/>
-          </p:spPr>
-          <p:txBody>
-            <a:bodyPr wrap="square" rtlCol="0">
-              <a:spAutoFit/>
-            </a:bodyPr>
-            <a:lstStyle/>
-            <a:p>
-              <a:pPr algn="ctr"/>
-              <a:r>
-                <a:rPr lang="de-DE" sz="900" dirty="0" smtClean="0"/>
-                <a:t>Publisher</a:t>
-              </a:r>
-              <a:endParaRPr lang="de-DE" sz="1000" dirty="0"/>
-            </a:p>
-          </p:txBody>
-        </p:sp>
-      </p:grpSp>
-      <p:grpSp>
-        <p:nvGrpSpPr>
-          <p:cNvPr id="20" name="Gruppieren 19"/>
-          <p:cNvGrpSpPr/>
-          <p:nvPr/>
-        </p:nvGrpSpPr>
-        <p:grpSpPr>
-          <a:xfrm>
-            <a:off x="11072145" y="261059"/>
-            <a:ext cx="720725" cy="942169"/>
-            <a:chOff x="9703386" y="4153706"/>
-            <a:chExt cx="720725" cy="942169"/>
-          </a:xfrm>
-        </p:grpSpPr>
-        <p:sp>
-          <p:nvSpPr>
-            <p:cNvPr id="21" name="Textfeld 20"/>
-            <p:cNvSpPr txBox="1"/>
-            <p:nvPr/>
-          </p:nvSpPr>
-          <p:spPr>
-            <a:xfrm>
-              <a:off x="9703386" y="4865043"/>
-              <a:ext cx="720725" cy="230832"/>
-            </a:xfrm>
-            <a:prstGeom prst="rect">
-              <a:avLst/>
-            </a:prstGeom>
-            <a:noFill/>
-          </p:spPr>
-          <p:txBody>
-            <a:bodyPr wrap="square" rtlCol="0">
-              <a:spAutoFit/>
-            </a:bodyPr>
-            <a:lstStyle/>
-            <a:p>
-              <a:pPr algn="ctr"/>
-              <a:r>
-                <a:rPr lang="de-DE" sz="900" dirty="0" smtClean="0"/>
-                <a:t>Empfänger</a:t>
-              </a:r>
-              <a:endParaRPr lang="de-DE" sz="1000" dirty="0"/>
-            </a:p>
-          </p:txBody>
-        </p:sp>
-        <p:pic>
-          <p:nvPicPr>
-            <p:cNvPr id="22" name="Grafik 21"/>
-            <p:cNvPicPr>
-              <a:picLocks noChangeAspect="1"/>
-            </p:cNvPicPr>
-            <p:nvPr/>
-          </p:nvPicPr>
-          <p:blipFill rotWithShape="1">
-            <a:blip r:embed="rId5" cstate="print">
-              <a:extLst>
-                <a:ext uri="{28A0092B-C50C-407E-A947-70E740481C1C}">
-                  <a14:useLocalDpi xmlns:a14="http://schemas.microsoft.com/office/drawing/2010/main" val="0"/>
-                </a:ext>
-              </a:extLst>
-            </a:blip>
-            <a:srcRect l="6959" r="6959" b="15789"/>
-            <a:stretch/>
-          </p:blipFill>
-          <p:spPr>
-            <a:xfrm>
-              <a:off x="9703386" y="4153706"/>
-              <a:ext cx="720725" cy="705057"/>
-            </a:xfrm>
-            <a:prstGeom prst="rect">
-              <a:avLst/>
-            </a:prstGeom>
-          </p:spPr>
-        </p:pic>
-      </p:grpSp>
-      <p:sp>
-        <p:nvSpPr>
-          <p:cNvPr id="23" name="Pfeil nach rechts 22"/>
-          <p:cNvSpPr/>
-          <p:nvPr/>
-        </p:nvSpPr>
-        <p:spPr>
-          <a:xfrm>
-            <a:off x="1200150" y="532983"/>
-            <a:ext cx="729726" cy="205357"/>
-          </a:xfrm>
-          <a:prstGeom prst="rightArrow">
-            <a:avLst/>
-          </a:prstGeom>
-          <a:noFill/>
-          <a:ln w="25400">
-            <a:solidFill>
-              <a:schemeClr val="tx1"/>
-            </a:solidFill>
-          </a:ln>
-        </p:spPr>
-        <p:style>
-          <a:lnRef idx="2">
-            <a:schemeClr val="accent1">
-              <a:shade val="50000"/>
-            </a:schemeClr>
-          </a:lnRef>
-          <a:fillRef idx="1">
-            <a:schemeClr val="accent1"/>
-          </a:fillRef>
-          <a:effectRef idx="0">
-            <a:schemeClr val="accent1"/>
-          </a:effectRef>
-          <a:fontRef idx="minor">
-            <a:schemeClr val="lt1"/>
-          </a:fontRef>
-        </p:style>
-        <p:txBody>
-          <a:bodyPr rtlCol="0" anchor="ctr"/>
-          <a:lstStyle/>
-          <a:p>
-            <a:pPr algn="ctr"/>
-            <a:endParaRPr lang="de-DE"/>
-          </a:p>
-        </p:txBody>
-      </p:sp>
-      <p:sp>
-        <p:nvSpPr>
-          <p:cNvPr id="24" name="Pfeil nach rechts 23"/>
-          <p:cNvSpPr/>
-          <p:nvPr/>
-        </p:nvSpPr>
-        <p:spPr>
-          <a:xfrm>
-            <a:off x="10175170" y="532982"/>
-            <a:ext cx="729726" cy="205357"/>
-          </a:xfrm>
-          <a:prstGeom prst="rightArrow">
-            <a:avLst/>
-          </a:prstGeom>
-          <a:noFill/>
-          <a:ln w="25400">
-            <a:solidFill>
-              <a:schemeClr val="tx1"/>
-            </a:solidFill>
-          </a:ln>
-        </p:spPr>
-        <p:style>
-          <a:lnRef idx="2">
-            <a:schemeClr val="accent1">
-              <a:shade val="50000"/>
-            </a:schemeClr>
-          </a:lnRef>
-          <a:fillRef idx="1">
-            <a:schemeClr val="accent1"/>
-          </a:fillRef>
-          <a:effectRef idx="0">
-            <a:schemeClr val="accent1"/>
-          </a:effectRef>
-          <a:fontRef idx="minor">
-            <a:schemeClr val="lt1"/>
-          </a:fontRef>
-        </p:style>
-        <p:txBody>
-          <a:bodyPr rtlCol="0" anchor="ctr"/>
-          <a:lstStyle/>
-          <a:p>
-            <a:pPr algn="ctr"/>
-            <a:endParaRPr lang="de-DE"/>
-          </a:p>
-        </p:txBody>
-      </p:sp>
-      <p:sp>
-        <p:nvSpPr>
-          <p:cNvPr id="25" name="Pfeil nach rechts 24"/>
-          <p:cNvSpPr/>
-          <p:nvPr/>
-        </p:nvSpPr>
-        <p:spPr>
-          <a:xfrm>
-            <a:off x="8382677" y="532982"/>
-            <a:ext cx="729726" cy="205357"/>
-          </a:xfrm>
-          <a:prstGeom prst="rightArrow">
-            <a:avLst/>
-          </a:prstGeom>
-          <a:noFill/>
-          <a:ln w="25400">
-            <a:solidFill>
-              <a:schemeClr val="tx1"/>
-            </a:solidFill>
-          </a:ln>
-        </p:spPr>
-        <p:style>
-          <a:lnRef idx="2">
-            <a:schemeClr val="accent1">
-              <a:shade val="50000"/>
-            </a:schemeClr>
-          </a:lnRef>
-          <a:fillRef idx="1">
-            <a:schemeClr val="accent1"/>
-          </a:fillRef>
-          <a:effectRef idx="0">
-            <a:schemeClr val="accent1"/>
-          </a:effectRef>
-          <a:fontRef idx="minor">
-            <a:schemeClr val="lt1"/>
-          </a:fontRef>
-        </p:style>
-        <p:txBody>
-          <a:bodyPr rtlCol="0" anchor="ctr"/>
-          <a:lstStyle/>
-          <a:p>
-            <a:pPr algn="ctr"/>
-            <a:endParaRPr lang="de-DE"/>
-          </a:p>
-        </p:txBody>
-      </p:sp>
-      <p:sp>
-        <p:nvSpPr>
-          <p:cNvPr id="26" name="Pfeil nach rechts 25"/>
-          <p:cNvSpPr/>
-          <p:nvPr/>
-        </p:nvSpPr>
-        <p:spPr>
-          <a:xfrm>
-            <a:off x="6687045" y="532982"/>
-            <a:ext cx="729726" cy="205357"/>
-          </a:xfrm>
-          <a:prstGeom prst="rightArrow">
-            <a:avLst/>
-          </a:prstGeom>
-          <a:noFill/>
-          <a:ln w="25400">
-            <a:solidFill>
-              <a:schemeClr val="tx1"/>
-            </a:solidFill>
-          </a:ln>
-        </p:spPr>
-        <p:style>
-          <a:lnRef idx="2">
-            <a:schemeClr val="accent1">
-              <a:shade val="50000"/>
-            </a:schemeClr>
-          </a:lnRef>
-          <a:fillRef idx="1">
-            <a:schemeClr val="accent1"/>
-          </a:fillRef>
-          <a:effectRef idx="0">
-            <a:schemeClr val="accent1"/>
-          </a:effectRef>
-          <a:fontRef idx="minor">
-            <a:schemeClr val="lt1"/>
-          </a:fontRef>
-        </p:style>
-        <p:txBody>
-          <a:bodyPr rtlCol="0" anchor="ctr"/>
-          <a:lstStyle/>
-          <a:p>
-            <a:pPr algn="ctr"/>
-            <a:endParaRPr lang="de-DE"/>
-          </a:p>
-        </p:txBody>
-      </p:sp>
-      <p:sp>
-        <p:nvSpPr>
-          <p:cNvPr id="27" name="Pfeil nach rechts 26"/>
-          <p:cNvSpPr/>
-          <p:nvPr/>
-        </p:nvSpPr>
-        <p:spPr>
-          <a:xfrm>
-            <a:off x="4832857" y="532982"/>
-            <a:ext cx="729726" cy="205357"/>
-          </a:xfrm>
-          <a:prstGeom prst="rightArrow">
-            <a:avLst/>
-          </a:prstGeom>
-          <a:noFill/>
-          <a:ln w="25400">
-            <a:solidFill>
-              <a:schemeClr val="tx1"/>
-            </a:solidFill>
-          </a:ln>
-        </p:spPr>
-        <p:style>
-          <a:lnRef idx="2">
-            <a:schemeClr val="accent1">
-              <a:shade val="50000"/>
-            </a:schemeClr>
-          </a:lnRef>
-          <a:fillRef idx="1">
-            <a:schemeClr val="accent1"/>
-          </a:fillRef>
-          <a:effectRef idx="0">
-            <a:schemeClr val="accent1"/>
-          </a:effectRef>
-          <a:fontRef idx="minor">
-            <a:schemeClr val="lt1"/>
-          </a:fontRef>
-        </p:style>
-        <p:txBody>
-          <a:bodyPr rtlCol="0" anchor="ctr"/>
-          <a:lstStyle/>
-          <a:p>
-            <a:pPr algn="ctr"/>
-            <a:endParaRPr lang="de-DE"/>
-          </a:p>
-        </p:txBody>
-      </p:sp>
-      <p:sp>
-        <p:nvSpPr>
-          <p:cNvPr id="28" name="Pfeil nach rechts 27"/>
-          <p:cNvSpPr/>
-          <p:nvPr/>
-        </p:nvSpPr>
-        <p:spPr>
-          <a:xfrm>
-            <a:off x="3111068" y="532982"/>
-            <a:ext cx="729726" cy="205357"/>
-          </a:xfrm>
-          <a:prstGeom prst="rightArrow">
-            <a:avLst/>
-          </a:prstGeom>
-          <a:noFill/>
-          <a:ln w="25400">
-            <a:solidFill>
-              <a:schemeClr val="tx1"/>
-            </a:solidFill>
-          </a:ln>
-        </p:spPr>
-        <p:style>
-          <a:lnRef idx="2">
-            <a:schemeClr val="accent1">
-              <a:shade val="50000"/>
-            </a:schemeClr>
-          </a:lnRef>
-          <a:fillRef idx="1">
-            <a:schemeClr val="accent1"/>
-          </a:fillRef>
-          <a:effectRef idx="0">
-            <a:schemeClr val="accent1"/>
-          </a:effectRef>
-          <a:fontRef idx="minor">
-            <a:schemeClr val="lt1"/>
-          </a:fontRef>
-        </p:style>
-        <p:txBody>
-          <a:bodyPr rtlCol="0" anchor="ctr"/>
-          <a:lstStyle/>
-          <a:p>
-            <a:pPr algn="ctr"/>
-            <a:endParaRPr lang="de-DE"/>
-          </a:p>
-        </p:txBody>
-      </p:sp>
-      <p:sp>
-        <p:nvSpPr>
-          <p:cNvPr id="29" name="Textfeld 28"/>
-          <p:cNvSpPr txBox="1"/>
-          <p:nvPr/>
-        </p:nvSpPr>
-        <p:spPr>
-          <a:xfrm>
-            <a:off x="10242283" y="211376"/>
-            <a:ext cx="494046" cy="369332"/>
-          </a:xfrm>
-          <a:prstGeom prst="rect">
-            <a:avLst/>
-          </a:prstGeom>
-          <a:noFill/>
-        </p:spPr>
-        <p:txBody>
-          <a:bodyPr wrap="none" rtlCol="0">
-            <a:spAutoFit/>
-          </a:bodyPr>
-          <a:lstStyle/>
-          <a:p>
-            <a:r>
-              <a:rPr lang="de-DE" dirty="0" smtClean="0"/>
-              <a:t>API</a:t>
-            </a:r>
-            <a:endParaRPr lang="de-DE" dirty="0"/>
-          </a:p>
-        </p:txBody>
-      </p:sp>
-      <p:sp>
-        <p:nvSpPr>
-          <p:cNvPr id="30" name="Textfeld 29"/>
-          <p:cNvSpPr txBox="1"/>
-          <p:nvPr/>
-        </p:nvSpPr>
-        <p:spPr>
-          <a:xfrm>
-            <a:off x="1286414" y="202532"/>
-            <a:ext cx="494046" cy="369332"/>
-          </a:xfrm>
-          <a:prstGeom prst="rect">
-            <a:avLst/>
-          </a:prstGeom>
-          <a:noFill/>
-        </p:spPr>
-        <p:txBody>
-          <a:bodyPr wrap="none" rtlCol="0">
-            <a:spAutoFit/>
-          </a:bodyPr>
-          <a:lstStyle/>
-          <a:p>
-            <a:r>
-              <a:rPr lang="de-DE" dirty="0" smtClean="0"/>
-              <a:t>API</a:t>
-            </a:r>
-            <a:endParaRPr lang="de-DE" dirty="0"/>
-          </a:p>
-        </p:txBody>
-      </p:sp>
-      <p:sp>
-        <p:nvSpPr>
-          <p:cNvPr id="33" name="Textfeld 32"/>
-          <p:cNvSpPr txBox="1"/>
-          <p:nvPr/>
-        </p:nvSpPr>
-        <p:spPr>
-          <a:xfrm>
-            <a:off x="3159454" y="211376"/>
-            <a:ext cx="636072" cy="369332"/>
-          </a:xfrm>
-          <a:prstGeom prst="rect">
-            <a:avLst/>
-          </a:prstGeom>
-          <a:noFill/>
-        </p:spPr>
-        <p:txBody>
-          <a:bodyPr wrap="none" rtlCol="0">
-            <a:spAutoFit/>
-          </a:bodyPr>
-          <a:lstStyle/>
-          <a:p>
-            <a:r>
-              <a:rPr lang="de-DE" dirty="0" smtClean="0"/>
-              <a:t>REST</a:t>
-            </a:r>
-            <a:endParaRPr lang="de-DE" dirty="0"/>
-          </a:p>
-        </p:txBody>
-      </p:sp>
-      <p:sp>
-        <p:nvSpPr>
-          <p:cNvPr id="34" name="Textfeld 33"/>
-          <p:cNvSpPr txBox="1"/>
-          <p:nvPr/>
-        </p:nvSpPr>
-        <p:spPr>
-          <a:xfrm>
-            <a:off x="4862971" y="211739"/>
-            <a:ext cx="636072" cy="369332"/>
-          </a:xfrm>
-          <a:prstGeom prst="rect">
-            <a:avLst/>
-          </a:prstGeom>
-          <a:noFill/>
-        </p:spPr>
-        <p:txBody>
-          <a:bodyPr wrap="none" rtlCol="0">
-            <a:spAutoFit/>
-          </a:bodyPr>
-          <a:lstStyle/>
-          <a:p>
-            <a:r>
-              <a:rPr lang="de-DE" dirty="0" smtClean="0"/>
-              <a:t>REST</a:t>
-            </a:r>
-            <a:endParaRPr lang="de-DE" dirty="0"/>
-          </a:p>
-        </p:txBody>
-      </p:sp>
-      <p:sp>
-        <p:nvSpPr>
-          <p:cNvPr id="35" name="Textfeld 34"/>
-          <p:cNvSpPr txBox="1"/>
-          <p:nvPr/>
-        </p:nvSpPr>
-        <p:spPr>
-          <a:xfrm>
-            <a:off x="6711591" y="217568"/>
-            <a:ext cx="636072" cy="369332"/>
-          </a:xfrm>
-          <a:prstGeom prst="rect">
-            <a:avLst/>
-          </a:prstGeom>
-          <a:noFill/>
-        </p:spPr>
-        <p:txBody>
-          <a:bodyPr wrap="none" rtlCol="0">
-            <a:spAutoFit/>
-          </a:bodyPr>
-          <a:lstStyle/>
-          <a:p>
-            <a:r>
-              <a:rPr lang="de-DE" dirty="0" smtClean="0"/>
-              <a:t>REST</a:t>
-            </a:r>
-            <a:endParaRPr lang="de-DE" dirty="0"/>
-          </a:p>
-        </p:txBody>
-      </p:sp>
-      <p:sp>
-        <p:nvSpPr>
-          <p:cNvPr id="36" name="Textfeld 35"/>
-          <p:cNvSpPr txBox="1"/>
-          <p:nvPr/>
-        </p:nvSpPr>
-        <p:spPr>
-          <a:xfrm>
-            <a:off x="8373343" y="225226"/>
-            <a:ext cx="636072" cy="369332"/>
-          </a:xfrm>
-          <a:prstGeom prst="rect">
-            <a:avLst/>
-          </a:prstGeom>
-          <a:noFill/>
-        </p:spPr>
-        <p:txBody>
-          <a:bodyPr wrap="none" rtlCol="0">
-            <a:spAutoFit/>
-          </a:bodyPr>
-          <a:lstStyle/>
-          <a:p>
-            <a:r>
-              <a:rPr lang="de-DE" dirty="0" smtClean="0"/>
-              <a:t>REST</a:t>
-            </a:r>
-            <a:endParaRPr lang="de-DE" dirty="0"/>
-          </a:p>
-        </p:txBody>
-      </p:sp>
       <p:grpSp>
         <p:nvGrpSpPr>
           <p:cNvPr id="37" name="Gruppieren 36"/>

--- a/Dokumentation/Grafiken Unternehmensfähigkeiten.pptx
+++ b/Dokumentation/Grafiken Unternehmensfähigkeiten.pptx
@@ -6333,9 +6333,9 @@
         <p:grpSpPr>
           <a:xfrm>
             <a:off x="399284" y="1593101"/>
-            <a:ext cx="11393585" cy="1951502"/>
+            <a:ext cx="11393585" cy="1940444"/>
             <a:chOff x="399284" y="1593101"/>
-            <a:chExt cx="11393585" cy="1951502"/>
+            <a:chExt cx="11393585" cy="1940444"/>
           </a:xfrm>
         </p:grpSpPr>
         <p:grpSp>
@@ -7386,7 +7386,7 @@
           </p:nvSpPr>
           <p:spPr>
             <a:xfrm rot="16200000">
-              <a:off x="8207172" y="276038"/>
+              <a:off x="7252702" y="287230"/>
               <a:ext cx="234582" cy="5160868"/>
             </a:xfrm>
             <a:prstGeom prst="leftBrace">
@@ -7982,7 +7982,7 @@
           </p:nvSpPr>
           <p:spPr>
             <a:xfrm>
-              <a:off x="7482728" y="3175271"/>
+              <a:off x="6527800" y="3164213"/>
               <a:ext cx="1698094" cy="369332"/>
             </a:xfrm>
             <a:prstGeom prst="rect">
@@ -33951,14 +33951,14 @@
                 <a:gridCol w="1016959">
                   <a:extLst>
                     <a:ext uri="{9D8B030D-6E8A-4147-A177-3AD203B41FA5}">
-                      <a16:colId xmlns="" xmlns:a16="http://schemas.microsoft.com/office/drawing/2014/main" val="20000"/>
+                      <a16:colId xmlns:a16="http://schemas.microsoft.com/office/drawing/2014/main" xmlns="" val="20000"/>
                     </a:ext>
                   </a:extLst>
                 </a:gridCol>
                 <a:gridCol w="1138989">
                   <a:extLst>
                     <a:ext uri="{9D8B030D-6E8A-4147-A177-3AD203B41FA5}">
-                      <a16:colId xmlns="" xmlns:a16="http://schemas.microsoft.com/office/drawing/2014/main" val="20001"/>
+                      <a16:colId xmlns:a16="http://schemas.microsoft.com/office/drawing/2014/main" xmlns="" val="20001"/>
                     </a:ext>
                   </a:extLst>
                 </a:gridCol>
@@ -34041,7 +34041,7 @@
                 </a:tc>
                 <a:extLst>
                   <a:ext uri="{0D108BD9-81ED-4DB2-BD59-A6C34878D82A}">
-                    <a16:rowId xmlns="" xmlns:a16="http://schemas.microsoft.com/office/drawing/2014/main" val="10000"/>
+                    <a16:rowId xmlns:a16="http://schemas.microsoft.com/office/drawing/2014/main" xmlns="" val="10000"/>
                   </a:ext>
                 </a:extLst>
               </a:tr>
@@ -34123,7 +34123,7 @@
                 </a:tc>
                 <a:extLst>
                   <a:ext uri="{0D108BD9-81ED-4DB2-BD59-A6C34878D82A}">
-                    <a16:rowId xmlns="" xmlns:a16="http://schemas.microsoft.com/office/drawing/2014/main" val="10001"/>
+                    <a16:rowId xmlns:a16="http://schemas.microsoft.com/office/drawing/2014/main" xmlns="" val="10001"/>
                   </a:ext>
                 </a:extLst>
               </a:tr>
@@ -34205,7 +34205,7 @@
                 </a:tc>
                 <a:extLst>
                   <a:ext uri="{0D108BD9-81ED-4DB2-BD59-A6C34878D82A}">
-                    <a16:rowId xmlns="" xmlns:a16="http://schemas.microsoft.com/office/drawing/2014/main" val="10002"/>
+                    <a16:rowId xmlns:a16="http://schemas.microsoft.com/office/drawing/2014/main" xmlns="" val="10002"/>
                   </a:ext>
                 </a:extLst>
               </a:tr>
@@ -34287,7 +34287,7 @@
                 </a:tc>
                 <a:extLst>
                   <a:ext uri="{0D108BD9-81ED-4DB2-BD59-A6C34878D82A}">
-                    <a16:rowId xmlns="" xmlns:a16="http://schemas.microsoft.com/office/drawing/2014/main" val="10003"/>
+                    <a16:rowId xmlns:a16="http://schemas.microsoft.com/office/drawing/2014/main" xmlns="" val="10003"/>
                   </a:ext>
                 </a:extLst>
               </a:tr>
@@ -34397,35 +34397,35 @@
                 <a:gridCol w="771236">
                   <a:extLst>
                     <a:ext uri="{9D8B030D-6E8A-4147-A177-3AD203B41FA5}">
-                      <a16:colId xmlns="" xmlns:a16="http://schemas.microsoft.com/office/drawing/2014/main" val="20000"/>
+                      <a16:colId xmlns:a16="http://schemas.microsoft.com/office/drawing/2014/main" xmlns="" val="20000"/>
                     </a:ext>
                   </a:extLst>
                 </a:gridCol>
                 <a:gridCol w="1089608">
                   <a:extLst>
                     <a:ext uri="{9D8B030D-6E8A-4147-A177-3AD203B41FA5}">
-                      <a16:colId xmlns="" xmlns:a16="http://schemas.microsoft.com/office/drawing/2014/main" val="20001"/>
+                      <a16:colId xmlns:a16="http://schemas.microsoft.com/office/drawing/2014/main" xmlns="" val="20001"/>
                     </a:ext>
                   </a:extLst>
                 </a:gridCol>
                 <a:gridCol w="1600784">
                   <a:extLst>
                     <a:ext uri="{9D8B030D-6E8A-4147-A177-3AD203B41FA5}">
-                      <a16:colId xmlns="" xmlns:a16="http://schemas.microsoft.com/office/drawing/2014/main" val="20002"/>
+                      <a16:colId xmlns:a16="http://schemas.microsoft.com/office/drawing/2014/main" xmlns="" val="20002"/>
                     </a:ext>
                   </a:extLst>
                 </a:gridCol>
                 <a:gridCol w="847473">
                   <a:extLst>
                     <a:ext uri="{9D8B030D-6E8A-4147-A177-3AD203B41FA5}">
-                      <a16:colId xmlns="" xmlns:a16="http://schemas.microsoft.com/office/drawing/2014/main" val="20003"/>
+                      <a16:colId xmlns:a16="http://schemas.microsoft.com/office/drawing/2014/main" xmlns="" val="20003"/>
                     </a:ext>
                   </a:extLst>
                 </a:gridCol>
                 <a:gridCol w="726406">
                   <a:extLst>
                     <a:ext uri="{9D8B030D-6E8A-4147-A177-3AD203B41FA5}">
-                      <a16:colId xmlns="" xmlns:a16="http://schemas.microsoft.com/office/drawing/2014/main" val="20004"/>
+                      <a16:colId xmlns:a16="http://schemas.microsoft.com/office/drawing/2014/main" xmlns="" val="20004"/>
                     </a:ext>
                   </a:extLst>
                 </a:gridCol>
@@ -34625,7 +34625,7 @@
                 </a:tc>
                 <a:extLst>
                   <a:ext uri="{0D108BD9-81ED-4DB2-BD59-A6C34878D82A}">
-                    <a16:rowId xmlns="" xmlns:a16="http://schemas.microsoft.com/office/drawing/2014/main" val="10000"/>
+                    <a16:rowId xmlns:a16="http://schemas.microsoft.com/office/drawing/2014/main" xmlns="" val="10000"/>
                   </a:ext>
                 </a:extLst>
               </a:tr>
@@ -34828,7 +34828,7 @@
                 </a:tc>
                 <a:extLst>
                   <a:ext uri="{0D108BD9-81ED-4DB2-BD59-A6C34878D82A}">
-                    <a16:rowId xmlns="" xmlns:a16="http://schemas.microsoft.com/office/drawing/2014/main" val="10001"/>
+                    <a16:rowId xmlns:a16="http://schemas.microsoft.com/office/drawing/2014/main" xmlns="" val="10001"/>
                   </a:ext>
                 </a:extLst>
               </a:tr>
@@ -35031,7 +35031,7 @@
                 </a:tc>
                 <a:extLst>
                   <a:ext uri="{0D108BD9-81ED-4DB2-BD59-A6C34878D82A}">
-                    <a16:rowId xmlns="" xmlns:a16="http://schemas.microsoft.com/office/drawing/2014/main" val="10002"/>
+                    <a16:rowId xmlns:a16="http://schemas.microsoft.com/office/drawing/2014/main" xmlns="" val="10002"/>
                   </a:ext>
                 </a:extLst>
               </a:tr>
@@ -35234,7 +35234,7 @@
                 </a:tc>
                 <a:extLst>
                   <a:ext uri="{0D108BD9-81ED-4DB2-BD59-A6C34878D82A}">
-                    <a16:rowId xmlns="" xmlns:a16="http://schemas.microsoft.com/office/drawing/2014/main" val="10003"/>
+                    <a16:rowId xmlns:a16="http://schemas.microsoft.com/office/drawing/2014/main" xmlns="" val="10003"/>
                   </a:ext>
                 </a:extLst>
               </a:tr>

--- a/Dokumentation/Grafiken Unternehmensfähigkeiten.pptx
+++ b/Dokumentation/Grafiken Unternehmensfähigkeiten.pptx
@@ -33951,14 +33951,14 @@
                 <a:gridCol w="1016959">
                   <a:extLst>
                     <a:ext uri="{9D8B030D-6E8A-4147-A177-3AD203B41FA5}">
-                      <a16:colId xmlns:a16="http://schemas.microsoft.com/office/drawing/2014/main" xmlns="" val="20000"/>
+                      <a16:colId xmlns="" xmlns:a16="http://schemas.microsoft.com/office/drawing/2014/main" val="20000"/>
                     </a:ext>
                   </a:extLst>
                 </a:gridCol>
                 <a:gridCol w="1138989">
                   <a:extLst>
                     <a:ext uri="{9D8B030D-6E8A-4147-A177-3AD203B41FA5}">
-                      <a16:colId xmlns:a16="http://schemas.microsoft.com/office/drawing/2014/main" xmlns="" val="20001"/>
+                      <a16:colId xmlns="" xmlns:a16="http://schemas.microsoft.com/office/drawing/2014/main" val="20001"/>
                     </a:ext>
                   </a:extLst>
                 </a:gridCol>
@@ -34041,7 +34041,7 @@
                 </a:tc>
                 <a:extLst>
                   <a:ext uri="{0D108BD9-81ED-4DB2-BD59-A6C34878D82A}">
-                    <a16:rowId xmlns:a16="http://schemas.microsoft.com/office/drawing/2014/main" xmlns="" val="10000"/>
+                    <a16:rowId xmlns="" xmlns:a16="http://schemas.microsoft.com/office/drawing/2014/main" val="10000"/>
                   </a:ext>
                 </a:extLst>
               </a:tr>
@@ -34123,7 +34123,7 @@
                 </a:tc>
                 <a:extLst>
                   <a:ext uri="{0D108BD9-81ED-4DB2-BD59-A6C34878D82A}">
-                    <a16:rowId xmlns:a16="http://schemas.microsoft.com/office/drawing/2014/main" xmlns="" val="10001"/>
+                    <a16:rowId xmlns="" xmlns:a16="http://schemas.microsoft.com/office/drawing/2014/main" val="10001"/>
                   </a:ext>
                 </a:extLst>
               </a:tr>
@@ -34205,7 +34205,7 @@
                 </a:tc>
                 <a:extLst>
                   <a:ext uri="{0D108BD9-81ED-4DB2-BD59-A6C34878D82A}">
-                    <a16:rowId xmlns:a16="http://schemas.microsoft.com/office/drawing/2014/main" xmlns="" val="10002"/>
+                    <a16:rowId xmlns="" xmlns:a16="http://schemas.microsoft.com/office/drawing/2014/main" val="10002"/>
                   </a:ext>
                 </a:extLst>
               </a:tr>
@@ -34287,7 +34287,7 @@
                 </a:tc>
                 <a:extLst>
                   <a:ext uri="{0D108BD9-81ED-4DB2-BD59-A6C34878D82A}">
-                    <a16:rowId xmlns:a16="http://schemas.microsoft.com/office/drawing/2014/main" xmlns="" val="10003"/>
+                    <a16:rowId xmlns="" xmlns:a16="http://schemas.microsoft.com/office/drawing/2014/main" val="10003"/>
                   </a:ext>
                 </a:extLst>
               </a:tr>
@@ -34397,35 +34397,35 @@
                 <a:gridCol w="771236">
                   <a:extLst>
                     <a:ext uri="{9D8B030D-6E8A-4147-A177-3AD203B41FA5}">
-                      <a16:colId xmlns:a16="http://schemas.microsoft.com/office/drawing/2014/main" xmlns="" val="20000"/>
+                      <a16:colId xmlns="" xmlns:a16="http://schemas.microsoft.com/office/drawing/2014/main" val="20000"/>
                     </a:ext>
                   </a:extLst>
                 </a:gridCol>
                 <a:gridCol w="1089608">
                   <a:extLst>
                     <a:ext uri="{9D8B030D-6E8A-4147-A177-3AD203B41FA5}">
-                      <a16:colId xmlns:a16="http://schemas.microsoft.com/office/drawing/2014/main" xmlns="" val="20001"/>
+                      <a16:colId xmlns="" xmlns:a16="http://schemas.microsoft.com/office/drawing/2014/main" val="20001"/>
                     </a:ext>
                   </a:extLst>
                 </a:gridCol>
                 <a:gridCol w="1600784">
                   <a:extLst>
                     <a:ext uri="{9D8B030D-6E8A-4147-A177-3AD203B41FA5}">
-                      <a16:colId xmlns:a16="http://schemas.microsoft.com/office/drawing/2014/main" xmlns="" val="20002"/>
+                      <a16:colId xmlns="" xmlns:a16="http://schemas.microsoft.com/office/drawing/2014/main" val="20002"/>
                     </a:ext>
                   </a:extLst>
                 </a:gridCol>
                 <a:gridCol w="847473">
                   <a:extLst>
                     <a:ext uri="{9D8B030D-6E8A-4147-A177-3AD203B41FA5}">
-                      <a16:colId xmlns:a16="http://schemas.microsoft.com/office/drawing/2014/main" xmlns="" val="20003"/>
+                      <a16:colId xmlns="" xmlns:a16="http://schemas.microsoft.com/office/drawing/2014/main" val="20003"/>
                     </a:ext>
                   </a:extLst>
                 </a:gridCol>
                 <a:gridCol w="726406">
                   <a:extLst>
                     <a:ext uri="{9D8B030D-6E8A-4147-A177-3AD203B41FA5}">
-                      <a16:colId xmlns:a16="http://schemas.microsoft.com/office/drawing/2014/main" xmlns="" val="20004"/>
+                      <a16:colId xmlns="" xmlns:a16="http://schemas.microsoft.com/office/drawing/2014/main" val="20004"/>
                     </a:ext>
                   </a:extLst>
                 </a:gridCol>
@@ -34625,7 +34625,7 @@
                 </a:tc>
                 <a:extLst>
                   <a:ext uri="{0D108BD9-81ED-4DB2-BD59-A6C34878D82A}">
-                    <a16:rowId xmlns:a16="http://schemas.microsoft.com/office/drawing/2014/main" xmlns="" val="10000"/>
+                    <a16:rowId xmlns="" xmlns:a16="http://schemas.microsoft.com/office/drawing/2014/main" val="10000"/>
                   </a:ext>
                 </a:extLst>
               </a:tr>
@@ -34828,7 +34828,7 @@
                 </a:tc>
                 <a:extLst>
                   <a:ext uri="{0D108BD9-81ED-4DB2-BD59-A6C34878D82A}">
-                    <a16:rowId xmlns:a16="http://schemas.microsoft.com/office/drawing/2014/main" xmlns="" val="10001"/>
+                    <a16:rowId xmlns="" xmlns:a16="http://schemas.microsoft.com/office/drawing/2014/main" val="10001"/>
                   </a:ext>
                 </a:extLst>
               </a:tr>
@@ -35031,7 +35031,7 @@
                 </a:tc>
                 <a:extLst>
                   <a:ext uri="{0D108BD9-81ED-4DB2-BD59-A6C34878D82A}">
-                    <a16:rowId xmlns:a16="http://schemas.microsoft.com/office/drawing/2014/main" xmlns="" val="10002"/>
+                    <a16:rowId xmlns="" xmlns:a16="http://schemas.microsoft.com/office/drawing/2014/main" val="10002"/>
                   </a:ext>
                 </a:extLst>
               </a:tr>
@@ -35234,7 +35234,7 @@
                 </a:tc>
                 <a:extLst>
                   <a:ext uri="{0D108BD9-81ED-4DB2-BD59-A6C34878D82A}">
-                    <a16:rowId xmlns:a16="http://schemas.microsoft.com/office/drawing/2014/main" xmlns="" val="10003"/>
+                    <a16:rowId xmlns="" xmlns:a16="http://schemas.microsoft.com/office/drawing/2014/main" val="10003"/>
                   </a:ext>
                 </a:extLst>
               </a:tr>
